--- a/Section_3_Mgmt_Informed/Week8_Presentation/BachmeierNTIM7101-8.pptx
+++ b/Section_3_Mgmt_Informed/Week8_Presentation/BachmeierNTIM7101-8.pptx
@@ -5,7 +5,7 @@
     <p:sldMasterId id="2147483648" r:id="rId1"/>
   </p:sldMasterIdLst>
   <p:notesMasterIdLst>
-    <p:notesMasterId r:id="rId20"/>
+    <p:notesMasterId r:id="rId21"/>
   </p:notesMasterIdLst>
   <p:sldIdLst>
     <p:sldId id="256" r:id="rId2"/>
@@ -17,15 +17,16 @@
     <p:sldId id="280" r:id="rId8"/>
     <p:sldId id="273" r:id="rId9"/>
     <p:sldId id="281" r:id="rId10"/>
-    <p:sldId id="282" r:id="rId11"/>
-    <p:sldId id="283" r:id="rId12"/>
-    <p:sldId id="274" r:id="rId13"/>
-    <p:sldId id="277" r:id="rId14"/>
-    <p:sldId id="284" r:id="rId15"/>
-    <p:sldId id="285" r:id="rId16"/>
-    <p:sldId id="286" r:id="rId17"/>
-    <p:sldId id="287" r:id="rId18"/>
-    <p:sldId id="288" r:id="rId19"/>
+    <p:sldId id="289" r:id="rId11"/>
+    <p:sldId id="282" r:id="rId12"/>
+    <p:sldId id="283" r:id="rId13"/>
+    <p:sldId id="274" r:id="rId14"/>
+    <p:sldId id="277" r:id="rId15"/>
+    <p:sldId id="284" r:id="rId16"/>
+    <p:sldId id="285" r:id="rId17"/>
+    <p:sldId id="286" r:id="rId18"/>
+    <p:sldId id="287" r:id="rId19"/>
+    <p:sldId id="288" r:id="rId20"/>
   </p:sldIdLst>
   <p:sldSz cx="12192000" cy="6858000"/>
   <p:notesSz cx="6858000" cy="9144000"/>
@@ -2369,6 +2370,788 @@
 </file>
 
 <file path=ppt/diagrams/colors4.xml><?xml version="1.0" encoding="utf-8"?>
+<dgm:colorsDef xmlns:dgm="http://schemas.openxmlformats.org/drawingml/2006/diagram" xmlns:a="http://schemas.openxmlformats.org/drawingml/2006/main" uniqueId="urn:microsoft.com/office/officeart/2005/8/colors/colorful2">
+  <dgm:title val=""/>
+  <dgm:desc val=""/>
+  <dgm:catLst>
+    <dgm:cat type="colorful" pri="10200"/>
+  </dgm:catLst>
+  <dgm:styleLbl name="node0">
+    <dgm:fillClrLst meth="repeat">
+      <a:schemeClr val="accent1"/>
+    </dgm:fillClrLst>
+    <dgm:linClrLst meth="repeat">
+      <a:schemeClr val="lt1"/>
+    </dgm:linClrLst>
+    <dgm:effectClrLst/>
+    <dgm:txLinClrLst/>
+    <dgm:txFillClrLst/>
+    <dgm:txEffectClrLst/>
+  </dgm:styleLbl>
+  <dgm:styleLbl name="node1">
+    <dgm:fillClrLst>
+      <a:schemeClr val="accent2"/>
+      <a:schemeClr val="accent3"/>
+    </dgm:fillClrLst>
+    <dgm:linClrLst meth="repeat">
+      <a:schemeClr val="lt1"/>
+    </dgm:linClrLst>
+    <dgm:effectClrLst/>
+    <dgm:txLinClrLst/>
+    <dgm:txFillClrLst/>
+    <dgm:txEffectClrLst/>
+  </dgm:styleLbl>
+  <dgm:styleLbl name="alignNode1">
+    <dgm:fillClrLst>
+      <a:schemeClr val="accent2"/>
+      <a:schemeClr val="accent3"/>
+    </dgm:fillClrLst>
+    <dgm:linClrLst>
+      <a:schemeClr val="accent2"/>
+      <a:schemeClr val="accent3"/>
+    </dgm:linClrLst>
+    <dgm:effectClrLst/>
+    <dgm:txLinClrLst/>
+    <dgm:txFillClrLst/>
+    <dgm:txEffectClrLst/>
+  </dgm:styleLbl>
+  <dgm:styleLbl name="lnNode1">
+    <dgm:fillClrLst>
+      <a:schemeClr val="accent2"/>
+      <a:schemeClr val="accent3"/>
+    </dgm:fillClrLst>
+    <dgm:linClrLst meth="repeat">
+      <a:schemeClr val="lt1"/>
+    </dgm:linClrLst>
+    <dgm:effectClrLst/>
+    <dgm:txLinClrLst/>
+    <dgm:txFillClrLst/>
+    <dgm:txEffectClrLst/>
+  </dgm:styleLbl>
+  <dgm:styleLbl name="vennNode1">
+    <dgm:fillClrLst>
+      <a:schemeClr val="accent2">
+        <a:alpha val="50000"/>
+      </a:schemeClr>
+      <a:schemeClr val="accent3">
+        <a:alpha val="50000"/>
+      </a:schemeClr>
+    </dgm:fillClrLst>
+    <dgm:linClrLst meth="repeat">
+      <a:schemeClr val="lt1"/>
+    </dgm:linClrLst>
+    <dgm:effectClrLst/>
+    <dgm:txLinClrLst/>
+    <dgm:txFillClrLst/>
+    <dgm:txEffectClrLst/>
+  </dgm:styleLbl>
+  <dgm:styleLbl name="node2">
+    <dgm:fillClrLst>
+      <a:schemeClr val="accent3"/>
+    </dgm:fillClrLst>
+    <dgm:linClrLst meth="repeat">
+      <a:schemeClr val="lt1"/>
+    </dgm:linClrLst>
+    <dgm:effectClrLst/>
+    <dgm:txLinClrLst/>
+    <dgm:txFillClrLst/>
+    <dgm:txEffectClrLst/>
+  </dgm:styleLbl>
+  <dgm:styleLbl name="node3">
+    <dgm:fillClrLst>
+      <a:schemeClr val="accent4"/>
+    </dgm:fillClrLst>
+    <dgm:linClrLst meth="repeat">
+      <a:schemeClr val="lt1"/>
+    </dgm:linClrLst>
+    <dgm:effectClrLst/>
+    <dgm:txLinClrLst/>
+    <dgm:txFillClrLst/>
+    <dgm:txEffectClrLst/>
+  </dgm:styleLbl>
+  <dgm:styleLbl name="node4">
+    <dgm:fillClrLst>
+      <a:schemeClr val="accent5"/>
+    </dgm:fillClrLst>
+    <dgm:linClrLst meth="repeat">
+      <a:schemeClr val="lt1"/>
+    </dgm:linClrLst>
+    <dgm:effectClrLst/>
+    <dgm:txLinClrLst/>
+    <dgm:txFillClrLst/>
+    <dgm:txEffectClrLst/>
+  </dgm:styleLbl>
+  <dgm:styleLbl name="fgImgPlace1">
+    <dgm:fillClrLst>
+      <a:schemeClr val="accent2">
+        <a:tint val="50000"/>
+      </a:schemeClr>
+      <a:schemeClr val="accent3">
+        <a:tint val="50000"/>
+      </a:schemeClr>
+    </dgm:fillClrLst>
+    <dgm:linClrLst meth="repeat">
+      <a:schemeClr val="lt1"/>
+    </dgm:linClrLst>
+    <dgm:effectClrLst/>
+    <dgm:txLinClrLst/>
+    <dgm:txFillClrLst meth="repeat">
+      <a:schemeClr val="lt1"/>
+    </dgm:txFillClrLst>
+    <dgm:txEffectClrLst/>
+  </dgm:styleLbl>
+  <dgm:styleLbl name="alignImgPlace1">
+    <dgm:fillClrLst>
+      <a:schemeClr val="accent2">
+        <a:tint val="50000"/>
+      </a:schemeClr>
+      <a:schemeClr val="accent3">
+        <a:tint val="20000"/>
+      </a:schemeClr>
+    </dgm:fillClrLst>
+    <dgm:linClrLst meth="repeat">
+      <a:schemeClr val="lt1"/>
+    </dgm:linClrLst>
+    <dgm:effectClrLst/>
+    <dgm:txLinClrLst/>
+    <dgm:txFillClrLst meth="repeat">
+      <a:schemeClr val="lt1"/>
+    </dgm:txFillClrLst>
+    <dgm:txEffectClrLst/>
+  </dgm:styleLbl>
+  <dgm:styleLbl name="bgImgPlace1">
+    <dgm:fillClrLst>
+      <a:schemeClr val="accent2">
+        <a:tint val="50000"/>
+      </a:schemeClr>
+      <a:schemeClr val="accent3">
+        <a:tint val="20000"/>
+      </a:schemeClr>
+    </dgm:fillClrLst>
+    <dgm:linClrLst meth="repeat">
+      <a:schemeClr val="lt1"/>
+    </dgm:linClrLst>
+    <dgm:effectClrLst/>
+    <dgm:txLinClrLst/>
+    <dgm:txFillClrLst meth="repeat">
+      <a:schemeClr val="lt1"/>
+    </dgm:txFillClrLst>
+    <dgm:txEffectClrLst/>
+  </dgm:styleLbl>
+  <dgm:styleLbl name="sibTrans2D1">
+    <dgm:fillClrLst>
+      <a:schemeClr val="accent2"/>
+      <a:schemeClr val="accent3"/>
+    </dgm:fillClrLst>
+    <dgm:linClrLst meth="repeat">
+      <a:schemeClr val="lt1"/>
+    </dgm:linClrLst>
+    <dgm:effectClrLst/>
+    <dgm:txLinClrLst/>
+    <dgm:txFillClrLst/>
+    <dgm:txEffectClrLst/>
+  </dgm:styleLbl>
+  <dgm:styleLbl name="fgSibTrans2D1">
+    <dgm:fillClrLst>
+      <a:schemeClr val="accent2"/>
+      <a:schemeClr val="accent3"/>
+    </dgm:fillClrLst>
+    <dgm:linClrLst meth="repeat">
+      <a:schemeClr val="lt1"/>
+    </dgm:linClrLst>
+    <dgm:effectClrLst/>
+    <dgm:txLinClrLst/>
+    <dgm:txFillClrLst meth="repeat">
+      <a:schemeClr val="lt1"/>
+    </dgm:txFillClrLst>
+    <dgm:txEffectClrLst/>
+  </dgm:styleLbl>
+  <dgm:styleLbl name="bgSibTrans2D1">
+    <dgm:fillClrLst>
+      <a:schemeClr val="accent2"/>
+      <a:schemeClr val="accent3"/>
+    </dgm:fillClrLst>
+    <dgm:linClrLst meth="repeat">
+      <a:schemeClr val="lt1"/>
+    </dgm:linClrLst>
+    <dgm:effectClrLst/>
+    <dgm:txLinClrLst/>
+    <dgm:txFillClrLst meth="repeat">
+      <a:schemeClr val="lt1"/>
+    </dgm:txFillClrLst>
+    <dgm:txEffectClrLst/>
+  </dgm:styleLbl>
+  <dgm:styleLbl name="sibTrans1D1">
+    <dgm:fillClrLst/>
+    <dgm:linClrLst>
+      <a:schemeClr val="accent2"/>
+      <a:schemeClr val="accent3"/>
+    </dgm:linClrLst>
+    <dgm:effectClrLst/>
+    <dgm:txLinClrLst/>
+    <dgm:txFillClrLst meth="repeat">
+      <a:schemeClr val="tx1"/>
+    </dgm:txFillClrLst>
+    <dgm:txEffectClrLst/>
+  </dgm:styleLbl>
+  <dgm:styleLbl name="callout">
+    <dgm:fillClrLst meth="repeat">
+      <a:schemeClr val="accent2"/>
+    </dgm:fillClrLst>
+    <dgm:linClrLst meth="repeat">
+      <a:schemeClr val="accent2">
+        <a:tint val="50000"/>
+      </a:schemeClr>
+    </dgm:linClrLst>
+    <dgm:effectClrLst/>
+    <dgm:txLinClrLst/>
+    <dgm:txFillClrLst meth="repeat">
+      <a:schemeClr val="tx1"/>
+    </dgm:txFillClrLst>
+    <dgm:txEffectClrLst/>
+  </dgm:styleLbl>
+  <dgm:styleLbl name="asst0">
+    <dgm:fillClrLst meth="repeat">
+      <a:schemeClr val="accent2"/>
+    </dgm:fillClrLst>
+    <dgm:linClrLst meth="repeat">
+      <a:schemeClr val="lt1">
+        <a:shade val="80000"/>
+      </a:schemeClr>
+    </dgm:linClrLst>
+    <dgm:effectClrLst/>
+    <dgm:txLinClrLst/>
+    <dgm:txFillClrLst/>
+    <dgm:txEffectClrLst/>
+  </dgm:styleLbl>
+  <dgm:styleLbl name="asst1">
+    <dgm:fillClrLst meth="repeat">
+      <a:schemeClr val="accent3"/>
+    </dgm:fillClrLst>
+    <dgm:linClrLst meth="repeat">
+      <a:schemeClr val="lt1">
+        <a:shade val="80000"/>
+      </a:schemeClr>
+    </dgm:linClrLst>
+    <dgm:effectClrLst/>
+    <dgm:txLinClrLst/>
+    <dgm:txFillClrLst/>
+    <dgm:txEffectClrLst/>
+  </dgm:styleLbl>
+  <dgm:styleLbl name="asst2">
+    <dgm:fillClrLst>
+      <a:schemeClr val="accent4"/>
+    </dgm:fillClrLst>
+    <dgm:linClrLst meth="repeat">
+      <a:schemeClr val="lt1"/>
+    </dgm:linClrLst>
+    <dgm:effectClrLst/>
+    <dgm:txLinClrLst/>
+    <dgm:txFillClrLst/>
+    <dgm:txEffectClrLst/>
+  </dgm:styleLbl>
+  <dgm:styleLbl name="asst3">
+    <dgm:fillClrLst>
+      <a:schemeClr val="accent5"/>
+    </dgm:fillClrLst>
+    <dgm:linClrLst meth="repeat">
+      <a:schemeClr val="lt1"/>
+    </dgm:linClrLst>
+    <dgm:effectClrLst/>
+    <dgm:txLinClrLst/>
+    <dgm:txFillClrLst/>
+    <dgm:txEffectClrLst/>
+  </dgm:styleLbl>
+  <dgm:styleLbl name="asst4">
+    <dgm:fillClrLst>
+      <a:schemeClr val="accent6"/>
+    </dgm:fillClrLst>
+    <dgm:linClrLst meth="repeat">
+      <a:schemeClr val="lt1"/>
+    </dgm:linClrLst>
+    <dgm:effectClrLst/>
+    <dgm:txLinClrLst/>
+    <dgm:txFillClrLst/>
+    <dgm:txEffectClrLst/>
+  </dgm:styleLbl>
+  <dgm:styleLbl name="parChTrans2D1">
+    <dgm:fillClrLst meth="repeat">
+      <a:schemeClr val="accent2"/>
+    </dgm:fillClrLst>
+    <dgm:linClrLst meth="repeat">
+      <a:schemeClr val="lt1"/>
+    </dgm:linClrLst>
+    <dgm:effectClrLst/>
+    <dgm:txLinClrLst/>
+    <dgm:txFillClrLst meth="repeat">
+      <a:schemeClr val="lt1"/>
+    </dgm:txFillClrLst>
+    <dgm:txEffectClrLst/>
+  </dgm:styleLbl>
+  <dgm:styleLbl name="parChTrans2D2">
+    <dgm:fillClrLst meth="repeat">
+      <a:schemeClr val="accent3"/>
+    </dgm:fillClrLst>
+    <dgm:linClrLst meth="repeat">
+      <a:schemeClr val="lt1"/>
+    </dgm:linClrLst>
+    <dgm:effectClrLst/>
+    <dgm:txLinClrLst/>
+    <dgm:txFillClrLst/>
+    <dgm:txEffectClrLst/>
+  </dgm:styleLbl>
+  <dgm:styleLbl name="parChTrans2D3">
+    <dgm:fillClrLst meth="repeat">
+      <a:schemeClr val="accent4"/>
+    </dgm:fillClrLst>
+    <dgm:linClrLst meth="repeat">
+      <a:schemeClr val="lt1"/>
+    </dgm:linClrLst>
+    <dgm:effectClrLst/>
+    <dgm:txLinClrLst/>
+    <dgm:txFillClrLst/>
+    <dgm:txEffectClrLst/>
+  </dgm:styleLbl>
+  <dgm:styleLbl name="parChTrans2D4">
+    <dgm:fillClrLst meth="repeat">
+      <a:schemeClr val="accent5"/>
+    </dgm:fillClrLst>
+    <dgm:linClrLst meth="repeat">
+      <a:schemeClr val="lt1"/>
+    </dgm:linClrLst>
+    <dgm:effectClrLst/>
+    <dgm:txLinClrLst/>
+    <dgm:txFillClrLst meth="repeat">
+      <a:schemeClr val="lt1"/>
+    </dgm:txFillClrLst>
+    <dgm:txEffectClrLst/>
+  </dgm:styleLbl>
+  <dgm:styleLbl name="parChTrans1D1">
+    <dgm:fillClrLst meth="repeat">
+      <a:schemeClr val="accent2"/>
+    </dgm:fillClrLst>
+    <dgm:linClrLst meth="repeat">
+      <a:schemeClr val="accent2"/>
+    </dgm:linClrLst>
+    <dgm:effectClrLst/>
+    <dgm:txLinClrLst/>
+    <dgm:txFillClrLst meth="repeat">
+      <a:schemeClr val="tx1"/>
+    </dgm:txFillClrLst>
+    <dgm:txEffectClrLst/>
+  </dgm:styleLbl>
+  <dgm:styleLbl name="parChTrans1D2">
+    <dgm:fillClrLst meth="repeat">
+      <a:schemeClr val="accent2">
+        <a:tint val="90000"/>
+      </a:schemeClr>
+    </dgm:fillClrLst>
+    <dgm:linClrLst meth="repeat">
+      <a:schemeClr val="accent3"/>
+    </dgm:linClrLst>
+    <dgm:effectClrLst/>
+    <dgm:txLinClrLst/>
+    <dgm:txFillClrLst meth="repeat">
+      <a:schemeClr val="tx1"/>
+    </dgm:txFillClrLst>
+    <dgm:txEffectClrLst/>
+  </dgm:styleLbl>
+  <dgm:styleLbl name="parChTrans1D3">
+    <dgm:fillClrLst meth="repeat">
+      <a:schemeClr val="accent2">
+        <a:tint val="70000"/>
+      </a:schemeClr>
+    </dgm:fillClrLst>
+    <dgm:linClrLst meth="repeat">
+      <a:schemeClr val="accent4"/>
+    </dgm:linClrLst>
+    <dgm:effectClrLst/>
+    <dgm:txLinClrLst/>
+    <dgm:txFillClrLst meth="repeat">
+      <a:schemeClr val="tx1"/>
+    </dgm:txFillClrLst>
+    <dgm:txEffectClrLst/>
+  </dgm:styleLbl>
+  <dgm:styleLbl name="parChTrans1D4">
+    <dgm:fillClrLst meth="repeat">
+      <a:schemeClr val="accent2">
+        <a:tint val="50000"/>
+      </a:schemeClr>
+    </dgm:fillClrLst>
+    <dgm:linClrLst meth="repeat">
+      <a:schemeClr val="accent5"/>
+    </dgm:linClrLst>
+    <dgm:effectClrLst/>
+    <dgm:txLinClrLst/>
+    <dgm:txFillClrLst meth="repeat">
+      <a:schemeClr val="tx1"/>
+    </dgm:txFillClrLst>
+    <dgm:txEffectClrLst/>
+  </dgm:styleLbl>
+  <dgm:styleLbl name="fgAcc1">
+    <dgm:fillClrLst meth="repeat">
+      <a:schemeClr val="lt1">
+        <a:alpha val="90000"/>
+      </a:schemeClr>
+    </dgm:fillClrLst>
+    <dgm:linClrLst>
+      <a:schemeClr val="accent2"/>
+      <a:schemeClr val="accent3"/>
+    </dgm:linClrLst>
+    <dgm:effectClrLst/>
+    <dgm:txLinClrLst/>
+    <dgm:txFillClrLst meth="repeat">
+      <a:schemeClr val="dk1"/>
+    </dgm:txFillClrLst>
+    <dgm:txEffectClrLst/>
+  </dgm:styleLbl>
+  <dgm:styleLbl name="conFgAcc1">
+    <dgm:fillClrLst meth="repeat">
+      <a:schemeClr val="lt1">
+        <a:alpha val="90000"/>
+      </a:schemeClr>
+    </dgm:fillClrLst>
+    <dgm:linClrLst>
+      <a:schemeClr val="accent2"/>
+      <a:schemeClr val="accent3"/>
+    </dgm:linClrLst>
+    <dgm:effectClrLst/>
+    <dgm:txLinClrLst/>
+    <dgm:txFillClrLst meth="repeat">
+      <a:schemeClr val="dk1"/>
+    </dgm:txFillClrLst>
+    <dgm:txEffectClrLst/>
+  </dgm:styleLbl>
+  <dgm:styleLbl name="alignAcc1">
+    <dgm:fillClrLst meth="repeat">
+      <a:schemeClr val="lt1">
+        <a:alpha val="90000"/>
+      </a:schemeClr>
+    </dgm:fillClrLst>
+    <dgm:linClrLst>
+      <a:schemeClr val="accent2"/>
+      <a:schemeClr val="accent3"/>
+    </dgm:linClrLst>
+    <dgm:effectClrLst/>
+    <dgm:txLinClrLst/>
+    <dgm:txFillClrLst meth="repeat">
+      <a:schemeClr val="dk1"/>
+    </dgm:txFillClrLst>
+    <dgm:txEffectClrLst/>
+  </dgm:styleLbl>
+  <dgm:styleLbl name="trAlignAcc1">
+    <dgm:fillClrLst meth="repeat">
+      <a:schemeClr val="lt1">
+        <a:alpha val="40000"/>
+      </a:schemeClr>
+    </dgm:fillClrLst>
+    <dgm:linClrLst meth="repeat">
+      <a:schemeClr val="accent2"/>
+    </dgm:linClrLst>
+    <dgm:effectClrLst/>
+    <dgm:txLinClrLst/>
+    <dgm:txFillClrLst meth="repeat">
+      <a:schemeClr val="dk1"/>
+    </dgm:txFillClrLst>
+    <dgm:txEffectClrLst/>
+  </dgm:styleLbl>
+  <dgm:styleLbl name="bgAcc1">
+    <dgm:fillClrLst meth="repeat">
+      <a:schemeClr val="lt1">
+        <a:alpha val="90000"/>
+      </a:schemeClr>
+    </dgm:fillClrLst>
+    <dgm:linClrLst>
+      <a:schemeClr val="accent2"/>
+      <a:schemeClr val="accent3"/>
+    </dgm:linClrLst>
+    <dgm:effectClrLst/>
+    <dgm:txLinClrLst/>
+    <dgm:txFillClrLst meth="repeat">
+      <a:schemeClr val="dk1"/>
+    </dgm:txFillClrLst>
+    <dgm:txEffectClrLst/>
+  </dgm:styleLbl>
+  <dgm:styleLbl name="solidFgAcc1">
+    <dgm:fillClrLst meth="repeat">
+      <a:schemeClr val="lt1"/>
+    </dgm:fillClrLst>
+    <dgm:linClrLst>
+      <a:schemeClr val="accent2"/>
+      <a:schemeClr val="accent3"/>
+    </dgm:linClrLst>
+    <dgm:effectClrLst/>
+    <dgm:txLinClrLst/>
+    <dgm:txFillClrLst meth="repeat">
+      <a:schemeClr val="dk1"/>
+    </dgm:txFillClrLst>
+    <dgm:txEffectClrLst/>
+  </dgm:styleLbl>
+  <dgm:styleLbl name="solidAlignAcc1">
+    <dgm:fillClrLst meth="repeat">
+      <a:schemeClr val="lt1"/>
+    </dgm:fillClrLst>
+    <dgm:linClrLst>
+      <a:schemeClr val="accent2"/>
+      <a:schemeClr val="accent3"/>
+    </dgm:linClrLst>
+    <dgm:effectClrLst/>
+    <dgm:txLinClrLst/>
+    <dgm:txFillClrLst meth="repeat">
+      <a:schemeClr val="dk1"/>
+    </dgm:txFillClrLst>
+    <dgm:txEffectClrLst/>
+  </dgm:styleLbl>
+  <dgm:styleLbl name="solidBgAcc1">
+    <dgm:fillClrLst meth="repeat">
+      <a:schemeClr val="lt1"/>
+    </dgm:fillClrLst>
+    <dgm:linClrLst>
+      <a:schemeClr val="accent2"/>
+      <a:schemeClr val="accent3"/>
+    </dgm:linClrLst>
+    <dgm:effectClrLst/>
+    <dgm:txLinClrLst/>
+    <dgm:txFillClrLst meth="repeat">
+      <a:schemeClr val="dk1"/>
+    </dgm:txFillClrLst>
+    <dgm:txEffectClrLst/>
+  </dgm:styleLbl>
+  <dgm:styleLbl name="fgAccFollowNode1">
+    <dgm:fillClrLst>
+      <a:schemeClr val="accent2">
+        <a:tint val="40000"/>
+        <a:alpha val="90000"/>
+      </a:schemeClr>
+      <a:schemeClr val="accent3">
+        <a:tint val="40000"/>
+        <a:alpha val="90000"/>
+      </a:schemeClr>
+    </dgm:fillClrLst>
+    <dgm:linClrLst>
+      <a:schemeClr val="accent2">
+        <a:tint val="40000"/>
+        <a:alpha val="90000"/>
+      </a:schemeClr>
+      <a:schemeClr val="accent3">
+        <a:tint val="40000"/>
+        <a:alpha val="90000"/>
+      </a:schemeClr>
+    </dgm:linClrLst>
+    <dgm:effectClrLst/>
+    <dgm:txLinClrLst/>
+    <dgm:txFillClrLst meth="repeat">
+      <a:schemeClr val="dk1"/>
+    </dgm:txFillClrLst>
+    <dgm:txEffectClrLst/>
+  </dgm:styleLbl>
+  <dgm:styleLbl name="alignAccFollowNode1">
+    <dgm:fillClrLst>
+      <a:schemeClr val="accent2">
+        <a:tint val="40000"/>
+        <a:alpha val="90000"/>
+      </a:schemeClr>
+      <a:schemeClr val="accent3">
+        <a:tint val="40000"/>
+        <a:alpha val="90000"/>
+      </a:schemeClr>
+    </dgm:fillClrLst>
+    <dgm:linClrLst>
+      <a:schemeClr val="accent2">
+        <a:tint val="40000"/>
+        <a:alpha val="90000"/>
+      </a:schemeClr>
+      <a:schemeClr val="accent3">
+        <a:tint val="40000"/>
+        <a:alpha val="90000"/>
+      </a:schemeClr>
+    </dgm:linClrLst>
+    <dgm:effectClrLst/>
+    <dgm:txLinClrLst/>
+    <dgm:txFillClrLst meth="repeat">
+      <a:schemeClr val="dk1"/>
+    </dgm:txFillClrLst>
+    <dgm:txEffectClrLst/>
+  </dgm:styleLbl>
+  <dgm:styleLbl name="bgAccFollowNode1">
+    <dgm:fillClrLst>
+      <a:schemeClr val="accent2">
+        <a:tint val="40000"/>
+        <a:alpha val="90000"/>
+      </a:schemeClr>
+      <a:schemeClr val="accent3">
+        <a:tint val="40000"/>
+        <a:alpha val="90000"/>
+      </a:schemeClr>
+    </dgm:fillClrLst>
+    <dgm:linClrLst>
+      <a:schemeClr val="accent2">
+        <a:tint val="40000"/>
+        <a:alpha val="90000"/>
+      </a:schemeClr>
+      <a:schemeClr val="accent3">
+        <a:tint val="40000"/>
+        <a:alpha val="90000"/>
+      </a:schemeClr>
+    </dgm:linClrLst>
+    <dgm:effectClrLst/>
+    <dgm:txLinClrLst/>
+    <dgm:txFillClrLst meth="repeat">
+      <a:schemeClr val="dk1"/>
+    </dgm:txFillClrLst>
+    <dgm:txEffectClrLst/>
+  </dgm:styleLbl>
+  <dgm:styleLbl name="fgAcc0">
+    <dgm:fillClrLst meth="repeat">
+      <a:schemeClr val="lt1">
+        <a:alpha val="90000"/>
+      </a:schemeClr>
+    </dgm:fillClrLst>
+    <dgm:linClrLst>
+      <a:schemeClr val="accent1"/>
+    </dgm:linClrLst>
+    <dgm:effectClrLst/>
+    <dgm:txLinClrLst/>
+    <dgm:txFillClrLst meth="repeat">
+      <a:schemeClr val="dk1"/>
+    </dgm:txFillClrLst>
+    <dgm:txEffectClrLst/>
+  </dgm:styleLbl>
+  <dgm:styleLbl name="fgAcc2">
+    <dgm:fillClrLst meth="repeat">
+      <a:schemeClr val="lt1">
+        <a:alpha val="90000"/>
+      </a:schemeClr>
+    </dgm:fillClrLst>
+    <dgm:linClrLst>
+      <a:schemeClr val="accent3"/>
+    </dgm:linClrLst>
+    <dgm:effectClrLst/>
+    <dgm:txLinClrLst/>
+    <dgm:txFillClrLst meth="repeat">
+      <a:schemeClr val="dk1"/>
+    </dgm:txFillClrLst>
+    <dgm:txEffectClrLst/>
+  </dgm:styleLbl>
+  <dgm:styleLbl name="fgAcc3">
+    <dgm:fillClrLst meth="repeat">
+      <a:schemeClr val="lt1">
+        <a:alpha val="90000"/>
+      </a:schemeClr>
+    </dgm:fillClrLst>
+    <dgm:linClrLst>
+      <a:schemeClr val="accent4"/>
+    </dgm:linClrLst>
+    <dgm:effectClrLst/>
+    <dgm:txLinClrLst/>
+    <dgm:txFillClrLst meth="repeat">
+      <a:schemeClr val="dk1"/>
+    </dgm:txFillClrLst>
+    <dgm:txEffectClrLst/>
+  </dgm:styleLbl>
+  <dgm:styleLbl name="fgAcc4">
+    <dgm:fillClrLst meth="repeat">
+      <a:schemeClr val="lt1">
+        <a:alpha val="90000"/>
+      </a:schemeClr>
+    </dgm:fillClrLst>
+    <dgm:linClrLst>
+      <a:schemeClr val="accent5"/>
+    </dgm:linClrLst>
+    <dgm:effectClrLst/>
+    <dgm:txLinClrLst/>
+    <dgm:txFillClrLst meth="repeat">
+      <a:schemeClr val="dk1"/>
+    </dgm:txFillClrLst>
+    <dgm:txEffectClrLst/>
+  </dgm:styleLbl>
+  <dgm:styleLbl name="bgShp">
+    <dgm:fillClrLst meth="repeat">
+      <a:schemeClr val="accent2">
+        <a:tint val="40000"/>
+      </a:schemeClr>
+    </dgm:fillClrLst>
+    <dgm:linClrLst meth="repeat">
+      <a:schemeClr val="dk1"/>
+    </dgm:linClrLst>
+    <dgm:effectClrLst/>
+    <dgm:txLinClrLst/>
+    <dgm:txFillClrLst meth="repeat">
+      <a:schemeClr val="dk1"/>
+    </dgm:txFillClrLst>
+    <dgm:txEffectClrLst/>
+  </dgm:styleLbl>
+  <dgm:styleLbl name="dkBgShp">
+    <dgm:fillClrLst meth="repeat">
+      <a:schemeClr val="accent2">
+        <a:shade val="90000"/>
+      </a:schemeClr>
+    </dgm:fillClrLst>
+    <dgm:linClrLst meth="repeat">
+      <a:schemeClr val="dk1"/>
+    </dgm:linClrLst>
+    <dgm:effectClrLst/>
+    <dgm:txLinClrLst/>
+    <dgm:txFillClrLst meth="repeat">
+      <a:schemeClr val="lt1"/>
+    </dgm:txFillClrLst>
+    <dgm:txEffectClrLst/>
+  </dgm:styleLbl>
+  <dgm:styleLbl name="trBgShp">
+    <dgm:fillClrLst meth="repeat">
+      <a:schemeClr val="accent2">
+        <a:tint val="50000"/>
+        <a:alpha val="40000"/>
+      </a:schemeClr>
+    </dgm:fillClrLst>
+    <dgm:linClrLst meth="repeat">
+      <a:schemeClr val="accent2"/>
+    </dgm:linClrLst>
+    <dgm:effectClrLst/>
+    <dgm:txLinClrLst/>
+    <dgm:txFillClrLst meth="repeat">
+      <a:schemeClr val="lt1"/>
+    </dgm:txFillClrLst>
+    <dgm:txEffectClrLst/>
+  </dgm:styleLbl>
+  <dgm:styleLbl name="fgShp">
+    <dgm:fillClrLst meth="repeat">
+      <a:schemeClr val="accent2">
+        <a:tint val="40000"/>
+      </a:schemeClr>
+    </dgm:fillClrLst>
+    <dgm:linClrLst meth="repeat">
+      <a:schemeClr val="lt1"/>
+    </dgm:linClrLst>
+    <dgm:effectClrLst/>
+    <dgm:txLinClrLst/>
+    <dgm:txFillClrLst meth="repeat">
+      <a:schemeClr val="dk1"/>
+    </dgm:txFillClrLst>
+    <dgm:txEffectClrLst/>
+  </dgm:styleLbl>
+  <dgm:styleLbl name="revTx">
+    <dgm:fillClrLst meth="repeat">
+      <a:schemeClr val="lt1">
+        <a:alpha val="0"/>
+      </a:schemeClr>
+    </dgm:fillClrLst>
+    <dgm:linClrLst meth="repeat">
+      <a:schemeClr val="dk1">
+        <a:alpha val="0"/>
+      </a:schemeClr>
+    </dgm:linClrLst>
+    <dgm:effectClrLst/>
+    <dgm:txLinClrLst/>
+    <dgm:txFillClrLst meth="repeat">
+      <a:schemeClr val="tx1"/>
+    </dgm:txFillClrLst>
+    <dgm:txEffectClrLst/>
+  </dgm:styleLbl>
+</dgm:colorsDef>
+</file>
+
+<file path=ppt/diagrams/colors5.xml><?xml version="1.0" encoding="utf-8"?>
 <dgm:colorsDef xmlns:dgm="http://schemas.openxmlformats.org/drawingml/2006/diagram" xmlns:a="http://schemas.openxmlformats.org/drawingml/2006/main" uniqueId="urn:microsoft.com/office/officeart/2005/8/colors/accent1_2">
   <dgm:title val=""/>
   <dgm:desc val=""/>
@@ -4486,6 +5269,1204 @@
 </file>
 
 <file path=ppt/diagrams/data4.xml><?xml version="1.0" encoding="utf-8"?>
+<dgm:dataModel xmlns:dgm="http://schemas.openxmlformats.org/drawingml/2006/diagram" xmlns:a="http://schemas.openxmlformats.org/drawingml/2006/main">
+  <dgm:ptLst>
+    <dgm:pt modelId="{2E95F486-7584-4CDA-A4B3-8E298868EB11}" type="doc">
+      <dgm:prSet loTypeId="urn:microsoft.com/office/officeart/2005/8/layout/orgChart1" loCatId="hierarchy" qsTypeId="urn:microsoft.com/office/officeart/2005/8/quickstyle/simple5" qsCatId="simple" csTypeId="urn:microsoft.com/office/officeart/2005/8/colors/colorful2" csCatId="colorful" phldr="1"/>
+      <dgm:spPr/>
+      <dgm:t>
+        <a:bodyPr/>
+        <a:lstStyle/>
+        <a:p>
+          <a:endParaRPr lang="en-US"/>
+        </a:p>
+      </dgm:t>
+    </dgm:pt>
+    <dgm:pt modelId="{A46B6D53-31D3-4BE9-A233-1B995891FDDD}">
+      <dgm:prSet phldrT="[Text]"/>
+      <dgm:spPr/>
+      <dgm:t>
+        <a:bodyPr/>
+        <a:lstStyle/>
+        <a:p>
+          <a:pPr>
+            <a:buClr>
+              <a:srgbClr val="FFBE04"/>
+            </a:buClr>
+          </a:pPr>
+          <a:r>
+            <a:rPr lang="en-US" b="0" cap="none" spc="0">
+              <a:effectLst>
+                <a:outerShdw blurRad="38100" dist="19050" dir="2700000" algn="tl" rotWithShape="0">
+                  <a:schemeClr val="dk1">
+                    <a:alpha val="40000"/>
+                  </a:schemeClr>
+                </a:outerShdw>
+              </a:effectLst>
+            </a:rPr>
+            <a:t>Data Analysis</a:t>
+          </a:r>
+        </a:p>
+      </dgm:t>
+    </dgm:pt>
+    <dgm:pt modelId="{E023BB35-2768-4200-9FC0-ACBD257CA8C9}" type="parTrans" cxnId="{03BC7013-CBF7-418D-AE60-56FE6BFCEACC}">
+      <dgm:prSet/>
+      <dgm:spPr/>
+      <dgm:t>
+        <a:bodyPr/>
+        <a:lstStyle/>
+        <a:p>
+          <a:endParaRPr lang="en-US" b="0" cap="none" spc="0">
+            <a:effectLst>
+              <a:outerShdw blurRad="38100" dist="19050" dir="2700000" algn="tl" rotWithShape="0">
+                <a:schemeClr val="dk1">
+                  <a:alpha val="40000"/>
+                </a:schemeClr>
+              </a:outerShdw>
+            </a:effectLst>
+          </a:endParaRPr>
+        </a:p>
+      </dgm:t>
+    </dgm:pt>
+    <dgm:pt modelId="{BD123635-3FFE-4294-9C2C-BF2CC591FB52}" type="sibTrans" cxnId="{03BC7013-CBF7-418D-AE60-56FE6BFCEACC}">
+      <dgm:prSet/>
+      <dgm:spPr/>
+      <dgm:t>
+        <a:bodyPr/>
+        <a:lstStyle/>
+        <a:p>
+          <a:endParaRPr lang="en-US" b="0" cap="none" spc="0">
+            <a:effectLst>
+              <a:outerShdw blurRad="38100" dist="19050" dir="2700000" algn="tl" rotWithShape="0">
+                <a:schemeClr val="dk1">
+                  <a:alpha val="40000"/>
+                </a:schemeClr>
+              </a:outerShdw>
+            </a:effectLst>
+          </a:endParaRPr>
+        </a:p>
+      </dgm:t>
+    </dgm:pt>
+    <dgm:pt modelId="{D56890D2-BB72-4F91-AFD8-67DCDDA821C9}">
+      <dgm:prSet phldrT="[Text]"/>
+      <dgm:spPr/>
+      <dgm:t>
+        <a:bodyPr/>
+        <a:lstStyle/>
+        <a:p>
+          <a:pPr>
+            <a:buClr>
+              <a:srgbClr val="FFBE04"/>
+            </a:buClr>
+          </a:pPr>
+          <a:r>
+            <a:rPr lang="en-US" b="0" cap="none" spc="0">
+              <a:effectLst>
+                <a:outerShdw blurRad="38100" dist="19050" dir="2700000" algn="tl" rotWithShape="0">
+                  <a:schemeClr val="dk1">
+                    <a:alpha val="40000"/>
+                  </a:schemeClr>
+                </a:outerShdw>
+              </a:effectLst>
+            </a:rPr>
+            <a:t>Race</a:t>
+          </a:r>
+        </a:p>
+      </dgm:t>
+    </dgm:pt>
+    <dgm:pt modelId="{8011614D-0581-4DDB-9B61-5EC6EC2255BD}" type="parTrans" cxnId="{86428224-6765-40C5-8FEC-45367DA04783}">
+      <dgm:prSet/>
+      <dgm:spPr/>
+      <dgm:t>
+        <a:bodyPr/>
+        <a:lstStyle/>
+        <a:p>
+          <a:endParaRPr lang="en-US" b="0" cap="none" spc="0">
+            <a:effectLst>
+              <a:outerShdw blurRad="38100" dist="19050" dir="2700000" algn="tl" rotWithShape="0">
+                <a:schemeClr val="dk1">
+                  <a:alpha val="40000"/>
+                </a:schemeClr>
+              </a:outerShdw>
+            </a:effectLst>
+          </a:endParaRPr>
+        </a:p>
+      </dgm:t>
+    </dgm:pt>
+    <dgm:pt modelId="{96A9C694-57B7-460A-A1D6-65E93E6C7F22}" type="sibTrans" cxnId="{86428224-6765-40C5-8FEC-45367DA04783}">
+      <dgm:prSet/>
+      <dgm:spPr/>
+      <dgm:t>
+        <a:bodyPr/>
+        <a:lstStyle/>
+        <a:p>
+          <a:endParaRPr lang="en-US" b="0" cap="none" spc="0">
+            <a:effectLst>
+              <a:outerShdw blurRad="38100" dist="19050" dir="2700000" algn="tl" rotWithShape="0">
+                <a:schemeClr val="dk1">
+                  <a:alpha val="40000"/>
+                </a:schemeClr>
+              </a:outerShdw>
+            </a:effectLst>
+          </a:endParaRPr>
+        </a:p>
+      </dgm:t>
+    </dgm:pt>
+    <dgm:pt modelId="{6CB7DBA5-1E11-4F0E-B2DD-67C8F875D982}">
+      <dgm:prSet/>
+      <dgm:spPr/>
+      <dgm:t>
+        <a:bodyPr/>
+        <a:lstStyle/>
+        <a:p>
+          <a:r>
+            <a:rPr lang="en-US" b="0" cap="none" spc="0">
+              <a:effectLst>
+                <a:outerShdw blurRad="38100" dist="19050" dir="2700000" algn="tl" rotWithShape="0">
+                  <a:schemeClr val="dk1">
+                    <a:alpha val="40000"/>
+                  </a:schemeClr>
+                </a:outerShdw>
+              </a:effectLst>
+            </a:rPr>
+            <a:t>Weapon</a:t>
+          </a:r>
+        </a:p>
+      </dgm:t>
+    </dgm:pt>
+    <dgm:pt modelId="{ECF287E9-5DF0-46AA-96E8-C6F8D1230DD1}" type="parTrans" cxnId="{EE904CCA-30CB-4FA8-B6B7-7EE39DFFF899}">
+      <dgm:prSet/>
+      <dgm:spPr/>
+      <dgm:t>
+        <a:bodyPr/>
+        <a:lstStyle/>
+        <a:p>
+          <a:endParaRPr lang="en-US" b="0" cap="none" spc="0">
+            <a:effectLst>
+              <a:outerShdw blurRad="38100" dist="19050" dir="2700000" algn="tl" rotWithShape="0">
+                <a:schemeClr val="dk1">
+                  <a:alpha val="40000"/>
+                </a:schemeClr>
+              </a:outerShdw>
+            </a:effectLst>
+          </a:endParaRPr>
+        </a:p>
+      </dgm:t>
+    </dgm:pt>
+    <dgm:pt modelId="{423E039C-C297-4590-9829-CE12351C78C3}" type="sibTrans" cxnId="{EE904CCA-30CB-4FA8-B6B7-7EE39DFFF899}">
+      <dgm:prSet/>
+      <dgm:spPr/>
+      <dgm:t>
+        <a:bodyPr/>
+        <a:lstStyle/>
+        <a:p>
+          <a:endParaRPr lang="en-US" b="0" cap="none" spc="0">
+            <a:effectLst>
+              <a:outerShdw blurRad="38100" dist="19050" dir="2700000" algn="tl" rotWithShape="0">
+                <a:schemeClr val="dk1">
+                  <a:alpha val="40000"/>
+                </a:schemeClr>
+              </a:outerShdw>
+            </a:effectLst>
+          </a:endParaRPr>
+        </a:p>
+      </dgm:t>
+    </dgm:pt>
+    <dgm:pt modelId="{454F38B7-8027-4E6D-9C5B-4C4098AD8941}">
+      <dgm:prSet/>
+      <dgm:spPr/>
+      <dgm:t>
+        <a:bodyPr/>
+        <a:lstStyle/>
+        <a:p>
+          <a:r>
+            <a:rPr lang="en-US" b="0" cap="none" spc="0">
+              <a:effectLst>
+                <a:outerShdw blurRad="38100" dist="19050" dir="2700000" algn="tl" rotWithShape="0">
+                  <a:schemeClr val="dk1">
+                    <a:alpha val="40000"/>
+                  </a:schemeClr>
+                </a:outerShdw>
+              </a:effectLst>
+            </a:rPr>
+            <a:t>Location</a:t>
+          </a:r>
+        </a:p>
+      </dgm:t>
+    </dgm:pt>
+    <dgm:pt modelId="{E6E27076-44D6-44AF-8B44-D60996D6F18A}" type="parTrans" cxnId="{7CF5FC27-F37B-4815-8AFA-419555769032}">
+      <dgm:prSet/>
+      <dgm:spPr/>
+      <dgm:t>
+        <a:bodyPr/>
+        <a:lstStyle/>
+        <a:p>
+          <a:endParaRPr lang="en-US" b="0" cap="none" spc="0">
+            <a:effectLst>
+              <a:outerShdw blurRad="38100" dist="19050" dir="2700000" algn="tl" rotWithShape="0">
+                <a:schemeClr val="dk1">
+                  <a:alpha val="40000"/>
+                </a:schemeClr>
+              </a:outerShdw>
+            </a:effectLst>
+          </a:endParaRPr>
+        </a:p>
+      </dgm:t>
+    </dgm:pt>
+    <dgm:pt modelId="{E99B5FDC-96B2-4A19-BB47-4AF7F51F2FB9}" type="sibTrans" cxnId="{7CF5FC27-F37B-4815-8AFA-419555769032}">
+      <dgm:prSet/>
+      <dgm:spPr/>
+      <dgm:t>
+        <a:bodyPr/>
+        <a:lstStyle/>
+        <a:p>
+          <a:endParaRPr lang="en-US" b="0" cap="none" spc="0">
+            <a:effectLst>
+              <a:outerShdw blurRad="38100" dist="19050" dir="2700000" algn="tl" rotWithShape="0">
+                <a:schemeClr val="dk1">
+                  <a:alpha val="40000"/>
+                </a:schemeClr>
+              </a:outerShdw>
+            </a:effectLst>
+          </a:endParaRPr>
+        </a:p>
+      </dgm:t>
+    </dgm:pt>
+    <dgm:pt modelId="{59B6B4E6-75AC-4804-AC87-12567DACCF42}">
+      <dgm:prSet/>
+      <dgm:spPr/>
+      <dgm:t>
+        <a:bodyPr/>
+        <a:lstStyle/>
+        <a:p>
+          <a:r>
+            <a:rPr lang="en-US" b="0" cap="none" spc="0">
+              <a:effectLst>
+                <a:outerShdw blurRad="38100" dist="19050" dir="2700000" algn="tl" rotWithShape="0">
+                  <a:schemeClr val="dk1">
+                    <a:alpha val="40000"/>
+                  </a:schemeClr>
+                </a:outerShdw>
+              </a:effectLst>
+            </a:rPr>
+            <a:t>Unarmed</a:t>
+          </a:r>
+        </a:p>
+      </dgm:t>
+    </dgm:pt>
+    <dgm:pt modelId="{239A760F-AFEF-40B0-874B-88125FB5546C}" type="parTrans" cxnId="{1CFF8B3F-4466-4A85-9927-888BF474687E}">
+      <dgm:prSet/>
+      <dgm:spPr/>
+      <dgm:t>
+        <a:bodyPr/>
+        <a:lstStyle/>
+        <a:p>
+          <a:endParaRPr lang="en-US" b="0" cap="none" spc="0">
+            <a:effectLst>
+              <a:outerShdw blurRad="38100" dist="19050" dir="2700000" algn="tl" rotWithShape="0">
+                <a:schemeClr val="dk1">
+                  <a:alpha val="40000"/>
+                </a:schemeClr>
+              </a:outerShdw>
+            </a:effectLst>
+          </a:endParaRPr>
+        </a:p>
+      </dgm:t>
+    </dgm:pt>
+    <dgm:pt modelId="{97A869C2-3D60-4A01-A602-67F26B707802}" type="sibTrans" cxnId="{1CFF8B3F-4466-4A85-9927-888BF474687E}">
+      <dgm:prSet/>
+      <dgm:spPr/>
+      <dgm:t>
+        <a:bodyPr/>
+        <a:lstStyle/>
+        <a:p>
+          <a:endParaRPr lang="en-US" b="0" cap="none" spc="0">
+            <a:effectLst>
+              <a:outerShdw blurRad="38100" dist="19050" dir="2700000" algn="tl" rotWithShape="0">
+                <a:schemeClr val="dk1">
+                  <a:alpha val="40000"/>
+                </a:schemeClr>
+              </a:outerShdw>
+            </a:effectLst>
+          </a:endParaRPr>
+        </a:p>
+      </dgm:t>
+    </dgm:pt>
+    <dgm:pt modelId="{530C2C54-82F5-44AD-9B46-BF45CBCD9A75}">
+      <dgm:prSet/>
+      <dgm:spPr/>
+      <dgm:t>
+        <a:bodyPr/>
+        <a:lstStyle/>
+        <a:p>
+          <a:r>
+            <a:rPr lang="en-US" b="0" cap="none" spc="0">
+              <a:effectLst>
+                <a:outerShdw blurRad="38100" dist="19050" dir="2700000" algn="tl" rotWithShape="0">
+                  <a:schemeClr val="dk1">
+                    <a:alpha val="40000"/>
+                  </a:schemeClr>
+                </a:outerShdw>
+              </a:effectLst>
+            </a:rPr>
+            <a:t>Gun/Knife</a:t>
+          </a:r>
+        </a:p>
+      </dgm:t>
+    </dgm:pt>
+    <dgm:pt modelId="{02386A36-1822-424B-B978-C92D54F93701}" type="parTrans" cxnId="{D08022A3-C74F-44C4-984A-1F7E38FD9976}">
+      <dgm:prSet/>
+      <dgm:spPr/>
+      <dgm:t>
+        <a:bodyPr/>
+        <a:lstStyle/>
+        <a:p>
+          <a:endParaRPr lang="en-US" b="0" cap="none" spc="0">
+            <a:effectLst>
+              <a:outerShdw blurRad="38100" dist="19050" dir="2700000" algn="tl" rotWithShape="0">
+                <a:schemeClr val="dk1">
+                  <a:alpha val="40000"/>
+                </a:schemeClr>
+              </a:outerShdw>
+            </a:effectLst>
+          </a:endParaRPr>
+        </a:p>
+      </dgm:t>
+    </dgm:pt>
+    <dgm:pt modelId="{5D86D8D8-65B2-4F7B-B623-54BE3672D40C}" type="sibTrans" cxnId="{D08022A3-C74F-44C4-984A-1F7E38FD9976}">
+      <dgm:prSet/>
+      <dgm:spPr/>
+      <dgm:t>
+        <a:bodyPr/>
+        <a:lstStyle/>
+        <a:p>
+          <a:endParaRPr lang="en-US" b="0" cap="none" spc="0">
+            <a:effectLst>
+              <a:outerShdw blurRad="38100" dist="19050" dir="2700000" algn="tl" rotWithShape="0">
+                <a:schemeClr val="dk1">
+                  <a:alpha val="40000"/>
+                </a:schemeClr>
+              </a:outerShdw>
+            </a:effectLst>
+          </a:endParaRPr>
+        </a:p>
+      </dgm:t>
+    </dgm:pt>
+    <dgm:pt modelId="{0142AB42-3336-486F-8AC8-9A028D760EB3}">
+      <dgm:prSet/>
+      <dgm:spPr/>
+      <dgm:t>
+        <a:bodyPr/>
+        <a:lstStyle/>
+        <a:p>
+          <a:r>
+            <a:rPr lang="en-US" b="0" cap="none" spc="0" dirty="0">
+              <a:effectLst>
+                <a:outerShdw blurRad="38100" dist="19050" dir="2700000" algn="tl" rotWithShape="0">
+                  <a:schemeClr val="dk1">
+                    <a:alpha val="40000"/>
+                  </a:schemeClr>
+                </a:outerShdw>
+              </a:effectLst>
+            </a:rPr>
+            <a:t>Raw Counts</a:t>
+          </a:r>
+        </a:p>
+      </dgm:t>
+    </dgm:pt>
+    <dgm:pt modelId="{8ECAB722-696F-4034-84E2-CAD767FEDC76}" type="parTrans" cxnId="{48FB8ECB-F214-4B80-9B35-6F769E275B46}">
+      <dgm:prSet/>
+      <dgm:spPr/>
+      <dgm:t>
+        <a:bodyPr/>
+        <a:lstStyle/>
+        <a:p>
+          <a:endParaRPr lang="en-US" b="0" cap="none" spc="0">
+            <a:effectLst>
+              <a:outerShdw blurRad="38100" dist="19050" dir="2700000" algn="tl" rotWithShape="0">
+                <a:schemeClr val="dk1">
+                  <a:alpha val="40000"/>
+                </a:schemeClr>
+              </a:outerShdw>
+            </a:effectLst>
+          </a:endParaRPr>
+        </a:p>
+      </dgm:t>
+    </dgm:pt>
+    <dgm:pt modelId="{1C19253E-97A6-476C-8D2E-FF2DF48F8D03}" type="sibTrans" cxnId="{48FB8ECB-F214-4B80-9B35-6F769E275B46}">
+      <dgm:prSet/>
+      <dgm:spPr/>
+      <dgm:t>
+        <a:bodyPr/>
+        <a:lstStyle/>
+        <a:p>
+          <a:endParaRPr lang="en-US" b="0" cap="none" spc="0">
+            <a:effectLst>
+              <a:outerShdw blurRad="38100" dist="19050" dir="2700000" algn="tl" rotWithShape="0">
+                <a:schemeClr val="dk1">
+                  <a:alpha val="40000"/>
+                </a:schemeClr>
+              </a:outerShdw>
+            </a:effectLst>
+          </a:endParaRPr>
+        </a:p>
+      </dgm:t>
+    </dgm:pt>
+    <dgm:pt modelId="{96856789-4DCC-41F7-8FD3-00EB6AB1EB31}">
+      <dgm:prSet phldrT="[Text]"/>
+      <dgm:spPr/>
+      <dgm:t>
+        <a:bodyPr/>
+        <a:lstStyle/>
+        <a:p>
+          <a:pPr>
+            <a:buClr>
+              <a:srgbClr val="FFBE04"/>
+            </a:buClr>
+          </a:pPr>
+          <a:r>
+            <a:rPr lang="en-US" b="0" cap="none" spc="0">
+              <a:effectLst>
+                <a:outerShdw blurRad="38100" dist="19050" dir="2700000" algn="tl" rotWithShape="0">
+                  <a:schemeClr val="dk1">
+                    <a:alpha val="40000"/>
+                  </a:schemeClr>
+                </a:outerShdw>
+              </a:effectLst>
+            </a:rPr>
+            <a:t>Demographics</a:t>
+          </a:r>
+        </a:p>
+      </dgm:t>
+    </dgm:pt>
+    <dgm:pt modelId="{21D5688A-4E90-4D6B-8D67-9B9BC30F51B2}" type="parTrans" cxnId="{22DA2D1A-D9CE-4D89-9FD3-82FFBF6EE435}">
+      <dgm:prSet/>
+      <dgm:spPr/>
+      <dgm:t>
+        <a:bodyPr/>
+        <a:lstStyle/>
+        <a:p>
+          <a:endParaRPr lang="en-US" b="0" cap="none" spc="0">
+            <a:effectLst>
+              <a:outerShdw blurRad="38100" dist="19050" dir="2700000" algn="tl" rotWithShape="0">
+                <a:schemeClr val="dk1">
+                  <a:alpha val="40000"/>
+                </a:schemeClr>
+              </a:outerShdw>
+            </a:effectLst>
+          </a:endParaRPr>
+        </a:p>
+      </dgm:t>
+    </dgm:pt>
+    <dgm:pt modelId="{FEE2C043-43CA-45E1-B37F-8D0E1B7B9FE6}" type="sibTrans" cxnId="{22DA2D1A-D9CE-4D89-9FD3-82FFBF6EE435}">
+      <dgm:prSet/>
+      <dgm:spPr/>
+      <dgm:t>
+        <a:bodyPr/>
+        <a:lstStyle/>
+        <a:p>
+          <a:endParaRPr lang="en-US" b="0" cap="none" spc="0">
+            <a:effectLst>
+              <a:outerShdw blurRad="38100" dist="19050" dir="2700000" algn="tl" rotWithShape="0">
+                <a:schemeClr val="dk1">
+                  <a:alpha val="40000"/>
+                </a:schemeClr>
+              </a:outerShdw>
+            </a:effectLst>
+          </a:endParaRPr>
+        </a:p>
+      </dgm:t>
+    </dgm:pt>
+    <dgm:pt modelId="{F6B19E51-82E9-4DB0-861A-7B9B556AB903}">
+      <dgm:prSet/>
+      <dgm:spPr/>
+      <dgm:t>
+        <a:bodyPr/>
+        <a:lstStyle/>
+        <a:p>
+          <a:r>
+            <a:rPr lang="en-US" b="0" cap="none" spc="0">
+              <a:effectLst>
+                <a:outerShdw blurRad="38100" dist="19050" dir="2700000" algn="tl" rotWithShape="0">
+                  <a:schemeClr val="dk1">
+                    <a:alpha val="40000"/>
+                  </a:schemeClr>
+                </a:outerShdw>
+              </a:effectLst>
+            </a:rPr>
+            <a:t>Pop. Adjusted</a:t>
+          </a:r>
+        </a:p>
+      </dgm:t>
+    </dgm:pt>
+    <dgm:pt modelId="{8AE9159A-8292-4B36-BA79-0CA2A6CC9E60}" type="parTrans" cxnId="{D540F76C-97F2-499C-8C7F-F13C837ACA34}">
+      <dgm:prSet/>
+      <dgm:spPr/>
+      <dgm:t>
+        <a:bodyPr/>
+        <a:lstStyle/>
+        <a:p>
+          <a:endParaRPr lang="en-US" b="0" cap="none" spc="0">
+            <a:effectLst>
+              <a:outerShdw blurRad="38100" dist="19050" dir="2700000" algn="tl" rotWithShape="0">
+                <a:schemeClr val="dk1">
+                  <a:alpha val="40000"/>
+                </a:schemeClr>
+              </a:outerShdw>
+            </a:effectLst>
+          </a:endParaRPr>
+        </a:p>
+      </dgm:t>
+    </dgm:pt>
+    <dgm:pt modelId="{5C146F7D-5F99-4B67-AB4A-2EBA38D72F3A}" type="sibTrans" cxnId="{D540F76C-97F2-499C-8C7F-F13C837ACA34}">
+      <dgm:prSet/>
+      <dgm:spPr/>
+      <dgm:t>
+        <a:bodyPr/>
+        <a:lstStyle/>
+        <a:p>
+          <a:endParaRPr lang="en-US" b="0" cap="none" spc="0">
+            <a:effectLst>
+              <a:outerShdw blurRad="38100" dist="19050" dir="2700000" algn="tl" rotWithShape="0">
+                <a:schemeClr val="dk1">
+                  <a:alpha val="40000"/>
+                </a:schemeClr>
+              </a:outerShdw>
+            </a:effectLst>
+          </a:endParaRPr>
+        </a:p>
+      </dgm:t>
+    </dgm:pt>
+    <dgm:pt modelId="{10161257-191E-4115-887E-F0F26C7090ED}">
+      <dgm:prSet phldrT="[Text]"/>
+      <dgm:spPr/>
+      <dgm:t>
+        <a:bodyPr/>
+        <a:lstStyle/>
+        <a:p>
+          <a:pPr>
+            <a:buClr>
+              <a:srgbClr val="FFBE04"/>
+            </a:buClr>
+          </a:pPr>
+          <a:r>
+            <a:rPr lang="en-US" b="0" cap="none" spc="0">
+              <a:effectLst>
+                <a:outerShdw blurRad="38100" dist="19050" dir="2700000" algn="tl" rotWithShape="0">
+                  <a:schemeClr val="dk1">
+                    <a:alpha val="40000"/>
+                  </a:schemeClr>
+                </a:outerShdw>
+              </a:effectLst>
+            </a:rPr>
+            <a:t>Sanity</a:t>
+          </a:r>
+        </a:p>
+      </dgm:t>
+    </dgm:pt>
+    <dgm:pt modelId="{E04184D3-7356-43E7-8A30-02FEF356A49C}" type="parTrans" cxnId="{2A677A9D-DCF2-492D-A10A-11673BE6DF07}">
+      <dgm:prSet/>
+      <dgm:spPr/>
+      <dgm:t>
+        <a:bodyPr/>
+        <a:lstStyle/>
+        <a:p>
+          <a:endParaRPr lang="en-US"/>
+        </a:p>
+      </dgm:t>
+    </dgm:pt>
+    <dgm:pt modelId="{A053EED4-AD74-429C-873E-61B883859D68}" type="sibTrans" cxnId="{2A677A9D-DCF2-492D-A10A-11673BE6DF07}">
+      <dgm:prSet/>
+      <dgm:spPr/>
+      <dgm:t>
+        <a:bodyPr/>
+        <a:lstStyle/>
+        <a:p>
+          <a:endParaRPr lang="en-US"/>
+        </a:p>
+      </dgm:t>
+    </dgm:pt>
+    <dgm:pt modelId="{FC777D12-E577-4399-82FD-C6C817A8EFEC}">
+      <dgm:prSet phldrT="[Text]"/>
+      <dgm:spPr/>
+      <dgm:t>
+        <a:bodyPr/>
+        <a:lstStyle/>
+        <a:p>
+          <a:pPr>
+            <a:buClr>
+              <a:srgbClr val="FFBE04"/>
+            </a:buClr>
+          </a:pPr>
+          <a:r>
+            <a:rPr lang="en-US" b="0" cap="none" spc="0">
+              <a:effectLst>
+                <a:outerShdw blurRad="38100" dist="19050" dir="2700000" algn="tl" rotWithShape="0">
+                  <a:schemeClr val="dk1">
+                    <a:alpha val="40000"/>
+                  </a:schemeClr>
+                </a:outerShdw>
+              </a:effectLst>
+            </a:rPr>
+            <a:t>Age</a:t>
+          </a:r>
+        </a:p>
+      </dgm:t>
+    </dgm:pt>
+    <dgm:pt modelId="{9C871CEE-38FA-42DC-9253-0FAF150AFA71}" type="parTrans" cxnId="{5BA98985-A97D-4AF2-B801-E948C3AC9901}">
+      <dgm:prSet/>
+      <dgm:spPr/>
+      <dgm:t>
+        <a:bodyPr/>
+        <a:lstStyle/>
+        <a:p>
+          <a:endParaRPr lang="en-US"/>
+        </a:p>
+      </dgm:t>
+    </dgm:pt>
+    <dgm:pt modelId="{EE3AEA5A-3C7D-4017-987D-31294BC13037}" type="sibTrans" cxnId="{5BA98985-A97D-4AF2-B801-E948C3AC9901}">
+      <dgm:prSet/>
+      <dgm:spPr/>
+    </dgm:pt>
+    <dgm:pt modelId="{F7409418-8956-42F9-B876-8C1C33AE9BEB}" type="pres">
+      <dgm:prSet presAssocID="{2E95F486-7584-4CDA-A4B3-8E298868EB11}" presName="hierChild1" presStyleCnt="0">
+        <dgm:presLayoutVars>
+          <dgm:orgChart val="1"/>
+          <dgm:chPref val="1"/>
+          <dgm:dir/>
+          <dgm:animOne val="branch"/>
+          <dgm:animLvl val="lvl"/>
+          <dgm:resizeHandles/>
+        </dgm:presLayoutVars>
+      </dgm:prSet>
+      <dgm:spPr/>
+    </dgm:pt>
+    <dgm:pt modelId="{C75C6DFE-1CAA-49BE-94DF-5670150054D7}" type="pres">
+      <dgm:prSet presAssocID="{A46B6D53-31D3-4BE9-A233-1B995891FDDD}" presName="hierRoot1" presStyleCnt="0">
+        <dgm:presLayoutVars>
+          <dgm:hierBranch val="init"/>
+        </dgm:presLayoutVars>
+      </dgm:prSet>
+      <dgm:spPr/>
+    </dgm:pt>
+    <dgm:pt modelId="{09735D0E-1FFC-413E-8A45-3BF9E5F2DEBE}" type="pres">
+      <dgm:prSet presAssocID="{A46B6D53-31D3-4BE9-A233-1B995891FDDD}" presName="rootComposite1" presStyleCnt="0"/>
+      <dgm:spPr/>
+    </dgm:pt>
+    <dgm:pt modelId="{45E9C572-6BC1-4C59-99BD-CEF702FA3E04}" type="pres">
+      <dgm:prSet presAssocID="{A46B6D53-31D3-4BE9-A233-1B995891FDDD}" presName="rootText1" presStyleLbl="node0" presStyleIdx="0" presStyleCnt="1">
+        <dgm:presLayoutVars>
+          <dgm:chPref val="3"/>
+        </dgm:presLayoutVars>
+      </dgm:prSet>
+      <dgm:spPr/>
+    </dgm:pt>
+    <dgm:pt modelId="{FA38DC0D-0D87-4ABB-AAAE-5B9DFE3084BA}" type="pres">
+      <dgm:prSet presAssocID="{A46B6D53-31D3-4BE9-A233-1B995891FDDD}" presName="rootConnector1" presStyleLbl="node1" presStyleIdx="0" presStyleCnt="0"/>
+      <dgm:spPr/>
+    </dgm:pt>
+    <dgm:pt modelId="{5B49901B-8BCF-4616-B1C2-E8B2BA1C3011}" type="pres">
+      <dgm:prSet presAssocID="{A46B6D53-31D3-4BE9-A233-1B995891FDDD}" presName="hierChild2" presStyleCnt="0"/>
+      <dgm:spPr/>
+    </dgm:pt>
+    <dgm:pt modelId="{1440D978-8952-4503-94E2-D6FBA5859D83}" type="pres">
+      <dgm:prSet presAssocID="{21D5688A-4E90-4D6B-8D67-9B9BC30F51B2}" presName="Name37" presStyleLbl="parChTrans1D2" presStyleIdx="0" presStyleCnt="3"/>
+      <dgm:spPr/>
+    </dgm:pt>
+    <dgm:pt modelId="{F79430BA-4A9A-4614-9BA9-C00E69870B74}" type="pres">
+      <dgm:prSet presAssocID="{96856789-4DCC-41F7-8FD3-00EB6AB1EB31}" presName="hierRoot2" presStyleCnt="0">
+        <dgm:presLayoutVars>
+          <dgm:hierBranch val="init"/>
+        </dgm:presLayoutVars>
+      </dgm:prSet>
+      <dgm:spPr/>
+    </dgm:pt>
+    <dgm:pt modelId="{9D1564F2-0D29-4AFE-86CA-DE8FC9D5E78E}" type="pres">
+      <dgm:prSet presAssocID="{96856789-4DCC-41F7-8FD3-00EB6AB1EB31}" presName="rootComposite" presStyleCnt="0"/>
+      <dgm:spPr/>
+    </dgm:pt>
+    <dgm:pt modelId="{B540F2EC-F685-4620-9CAB-E40D4D042AC2}" type="pres">
+      <dgm:prSet presAssocID="{96856789-4DCC-41F7-8FD3-00EB6AB1EB31}" presName="rootText" presStyleLbl="node2" presStyleIdx="0" presStyleCnt="3">
+        <dgm:presLayoutVars>
+          <dgm:chPref val="3"/>
+        </dgm:presLayoutVars>
+      </dgm:prSet>
+      <dgm:spPr/>
+    </dgm:pt>
+    <dgm:pt modelId="{8008E37F-AC67-47F4-8096-8C4D3F65B42A}" type="pres">
+      <dgm:prSet presAssocID="{96856789-4DCC-41F7-8FD3-00EB6AB1EB31}" presName="rootConnector" presStyleLbl="node2" presStyleIdx="0" presStyleCnt="3"/>
+      <dgm:spPr/>
+    </dgm:pt>
+    <dgm:pt modelId="{BDE66C9D-29F5-4B75-8D19-C3281E1FE013}" type="pres">
+      <dgm:prSet presAssocID="{96856789-4DCC-41F7-8FD3-00EB6AB1EB31}" presName="hierChild4" presStyleCnt="0"/>
+      <dgm:spPr/>
+    </dgm:pt>
+    <dgm:pt modelId="{4F144763-FDBB-4E9F-BB72-BEE4BF333CFF}" type="pres">
+      <dgm:prSet presAssocID="{9C871CEE-38FA-42DC-9253-0FAF150AFA71}" presName="Name37" presStyleLbl="parChTrans1D3" presStyleIdx="0" presStyleCnt="7"/>
+      <dgm:spPr/>
+    </dgm:pt>
+    <dgm:pt modelId="{442C1A1F-7F16-4BD9-AFAF-F2978E0FA677}" type="pres">
+      <dgm:prSet presAssocID="{FC777D12-E577-4399-82FD-C6C817A8EFEC}" presName="hierRoot2" presStyleCnt="0">
+        <dgm:presLayoutVars>
+          <dgm:hierBranch val="init"/>
+        </dgm:presLayoutVars>
+      </dgm:prSet>
+      <dgm:spPr/>
+    </dgm:pt>
+    <dgm:pt modelId="{15E721A2-7285-4210-BBF1-0B8594FF72AD}" type="pres">
+      <dgm:prSet presAssocID="{FC777D12-E577-4399-82FD-C6C817A8EFEC}" presName="rootComposite" presStyleCnt="0"/>
+      <dgm:spPr/>
+    </dgm:pt>
+    <dgm:pt modelId="{7B6B7DF4-4B26-4E03-A10C-5B891E1EE787}" type="pres">
+      <dgm:prSet presAssocID="{FC777D12-E577-4399-82FD-C6C817A8EFEC}" presName="rootText" presStyleLbl="node3" presStyleIdx="0" presStyleCnt="7">
+        <dgm:presLayoutVars>
+          <dgm:chPref val="3"/>
+        </dgm:presLayoutVars>
+      </dgm:prSet>
+      <dgm:spPr/>
+    </dgm:pt>
+    <dgm:pt modelId="{F0269B35-B088-4F98-BB11-9E9EE718CCCA}" type="pres">
+      <dgm:prSet presAssocID="{FC777D12-E577-4399-82FD-C6C817A8EFEC}" presName="rootConnector" presStyleLbl="node3" presStyleIdx="0" presStyleCnt="7"/>
+      <dgm:spPr/>
+    </dgm:pt>
+    <dgm:pt modelId="{B1D524CB-CCB2-4516-834E-4EC029D53A36}" type="pres">
+      <dgm:prSet presAssocID="{FC777D12-E577-4399-82FD-C6C817A8EFEC}" presName="hierChild4" presStyleCnt="0"/>
+      <dgm:spPr/>
+    </dgm:pt>
+    <dgm:pt modelId="{209A61E0-A88E-4414-A416-58C8AED5B3CB}" type="pres">
+      <dgm:prSet presAssocID="{FC777D12-E577-4399-82FD-C6C817A8EFEC}" presName="hierChild5" presStyleCnt="0"/>
+      <dgm:spPr/>
+    </dgm:pt>
+    <dgm:pt modelId="{23BD0FEA-8822-44C4-AF50-1DF759BE405D}" type="pres">
+      <dgm:prSet presAssocID="{8011614D-0581-4DDB-9B61-5EC6EC2255BD}" presName="Name37" presStyleLbl="parChTrans1D3" presStyleIdx="1" presStyleCnt="7"/>
+      <dgm:spPr/>
+    </dgm:pt>
+    <dgm:pt modelId="{BAAEA284-EE73-4A92-A4B7-5D0315F5DF26}" type="pres">
+      <dgm:prSet presAssocID="{D56890D2-BB72-4F91-AFD8-67DCDDA821C9}" presName="hierRoot2" presStyleCnt="0">
+        <dgm:presLayoutVars>
+          <dgm:hierBranch val="init"/>
+        </dgm:presLayoutVars>
+      </dgm:prSet>
+      <dgm:spPr/>
+    </dgm:pt>
+    <dgm:pt modelId="{2B800278-5E97-4B0E-AC4C-755945A9B322}" type="pres">
+      <dgm:prSet presAssocID="{D56890D2-BB72-4F91-AFD8-67DCDDA821C9}" presName="rootComposite" presStyleCnt="0"/>
+      <dgm:spPr/>
+    </dgm:pt>
+    <dgm:pt modelId="{0012B30E-2FF1-4456-9713-F5A2B2C80ECC}" type="pres">
+      <dgm:prSet presAssocID="{D56890D2-BB72-4F91-AFD8-67DCDDA821C9}" presName="rootText" presStyleLbl="node3" presStyleIdx="1" presStyleCnt="7">
+        <dgm:presLayoutVars>
+          <dgm:chPref val="3"/>
+        </dgm:presLayoutVars>
+      </dgm:prSet>
+      <dgm:spPr/>
+    </dgm:pt>
+    <dgm:pt modelId="{4326406E-2E46-4301-895B-0EFCE5785521}" type="pres">
+      <dgm:prSet presAssocID="{D56890D2-BB72-4F91-AFD8-67DCDDA821C9}" presName="rootConnector" presStyleLbl="node3" presStyleIdx="1" presStyleCnt="7"/>
+      <dgm:spPr/>
+    </dgm:pt>
+    <dgm:pt modelId="{4CEB8EE1-716F-4797-9D48-328BC1132D63}" type="pres">
+      <dgm:prSet presAssocID="{D56890D2-BB72-4F91-AFD8-67DCDDA821C9}" presName="hierChild4" presStyleCnt="0"/>
+      <dgm:spPr/>
+    </dgm:pt>
+    <dgm:pt modelId="{310E44F8-5F0D-44C6-AF71-CB0F18C4827D}" type="pres">
+      <dgm:prSet presAssocID="{D56890D2-BB72-4F91-AFD8-67DCDDA821C9}" presName="hierChild5" presStyleCnt="0"/>
+      <dgm:spPr/>
+    </dgm:pt>
+    <dgm:pt modelId="{81EC512A-78D1-4C12-9CF1-C4989A7DA88A}" type="pres">
+      <dgm:prSet presAssocID="{E04184D3-7356-43E7-8A30-02FEF356A49C}" presName="Name37" presStyleLbl="parChTrans1D3" presStyleIdx="2" presStyleCnt="7"/>
+      <dgm:spPr/>
+    </dgm:pt>
+    <dgm:pt modelId="{5DE9B230-E249-42EF-93BC-4317B622CB1A}" type="pres">
+      <dgm:prSet presAssocID="{10161257-191E-4115-887E-F0F26C7090ED}" presName="hierRoot2" presStyleCnt="0">
+        <dgm:presLayoutVars>
+          <dgm:hierBranch val="init"/>
+        </dgm:presLayoutVars>
+      </dgm:prSet>
+      <dgm:spPr/>
+    </dgm:pt>
+    <dgm:pt modelId="{22C5E5FC-2D06-425E-9D67-4F74BD02BF23}" type="pres">
+      <dgm:prSet presAssocID="{10161257-191E-4115-887E-F0F26C7090ED}" presName="rootComposite" presStyleCnt="0"/>
+      <dgm:spPr/>
+    </dgm:pt>
+    <dgm:pt modelId="{6326D2C0-BE69-43B3-B493-29A716D853C8}" type="pres">
+      <dgm:prSet presAssocID="{10161257-191E-4115-887E-F0F26C7090ED}" presName="rootText" presStyleLbl="node3" presStyleIdx="2" presStyleCnt="7">
+        <dgm:presLayoutVars>
+          <dgm:chPref val="3"/>
+        </dgm:presLayoutVars>
+      </dgm:prSet>
+      <dgm:spPr/>
+    </dgm:pt>
+    <dgm:pt modelId="{242CD695-94B8-460B-84F9-25B68F8A8138}" type="pres">
+      <dgm:prSet presAssocID="{10161257-191E-4115-887E-F0F26C7090ED}" presName="rootConnector" presStyleLbl="node3" presStyleIdx="2" presStyleCnt="7"/>
+      <dgm:spPr/>
+    </dgm:pt>
+    <dgm:pt modelId="{33834322-73A5-447B-99F0-882A7B3910C1}" type="pres">
+      <dgm:prSet presAssocID="{10161257-191E-4115-887E-F0F26C7090ED}" presName="hierChild4" presStyleCnt="0"/>
+      <dgm:spPr/>
+    </dgm:pt>
+    <dgm:pt modelId="{381DA4D8-08CD-44E8-9DD6-B994CB5566CE}" type="pres">
+      <dgm:prSet presAssocID="{10161257-191E-4115-887E-F0F26C7090ED}" presName="hierChild5" presStyleCnt="0"/>
+      <dgm:spPr/>
+    </dgm:pt>
+    <dgm:pt modelId="{C748DFAA-2097-4AE3-ACA8-6DC1CA48182A}" type="pres">
+      <dgm:prSet presAssocID="{96856789-4DCC-41F7-8FD3-00EB6AB1EB31}" presName="hierChild5" presStyleCnt="0"/>
+      <dgm:spPr/>
+    </dgm:pt>
+    <dgm:pt modelId="{64291D27-AB6B-4BBA-84D5-D99878933D48}" type="pres">
+      <dgm:prSet presAssocID="{ECF287E9-5DF0-46AA-96E8-C6F8D1230DD1}" presName="Name37" presStyleLbl="parChTrans1D2" presStyleIdx="1" presStyleCnt="3"/>
+      <dgm:spPr/>
+    </dgm:pt>
+    <dgm:pt modelId="{DC54D536-FED6-44AF-873B-58B242A63321}" type="pres">
+      <dgm:prSet presAssocID="{6CB7DBA5-1E11-4F0E-B2DD-67C8F875D982}" presName="hierRoot2" presStyleCnt="0">
+        <dgm:presLayoutVars>
+          <dgm:hierBranch val="init"/>
+        </dgm:presLayoutVars>
+      </dgm:prSet>
+      <dgm:spPr/>
+    </dgm:pt>
+    <dgm:pt modelId="{A5DB5F0F-08E0-4B8E-BDAE-F9F69C08C2C2}" type="pres">
+      <dgm:prSet presAssocID="{6CB7DBA5-1E11-4F0E-B2DD-67C8F875D982}" presName="rootComposite" presStyleCnt="0"/>
+      <dgm:spPr/>
+    </dgm:pt>
+    <dgm:pt modelId="{79D6C125-4558-42D3-B033-E78177BAC747}" type="pres">
+      <dgm:prSet presAssocID="{6CB7DBA5-1E11-4F0E-B2DD-67C8F875D982}" presName="rootText" presStyleLbl="node2" presStyleIdx="1" presStyleCnt="3">
+        <dgm:presLayoutVars>
+          <dgm:chPref val="3"/>
+        </dgm:presLayoutVars>
+      </dgm:prSet>
+      <dgm:spPr/>
+    </dgm:pt>
+    <dgm:pt modelId="{52EF3E10-5D82-463B-93AB-3AC26320CBAB}" type="pres">
+      <dgm:prSet presAssocID="{6CB7DBA5-1E11-4F0E-B2DD-67C8F875D982}" presName="rootConnector" presStyleLbl="node2" presStyleIdx="1" presStyleCnt="3"/>
+      <dgm:spPr/>
+    </dgm:pt>
+    <dgm:pt modelId="{E76329FE-8D5F-433A-8ABA-E1FDC4199C09}" type="pres">
+      <dgm:prSet presAssocID="{6CB7DBA5-1E11-4F0E-B2DD-67C8F875D982}" presName="hierChild4" presStyleCnt="0"/>
+      <dgm:spPr/>
+    </dgm:pt>
+    <dgm:pt modelId="{F634F148-07D6-4F28-BF76-A0A2EB2B5E1C}" type="pres">
+      <dgm:prSet presAssocID="{239A760F-AFEF-40B0-874B-88125FB5546C}" presName="Name37" presStyleLbl="parChTrans1D3" presStyleIdx="3" presStyleCnt="7"/>
+      <dgm:spPr/>
+    </dgm:pt>
+    <dgm:pt modelId="{D990F5CD-04D8-4C13-AEC0-2DCABBE3BCBE}" type="pres">
+      <dgm:prSet presAssocID="{59B6B4E6-75AC-4804-AC87-12567DACCF42}" presName="hierRoot2" presStyleCnt="0">
+        <dgm:presLayoutVars>
+          <dgm:hierBranch val="init"/>
+        </dgm:presLayoutVars>
+      </dgm:prSet>
+      <dgm:spPr/>
+    </dgm:pt>
+    <dgm:pt modelId="{264C8885-9181-4F5E-832F-04A18B6B4E6F}" type="pres">
+      <dgm:prSet presAssocID="{59B6B4E6-75AC-4804-AC87-12567DACCF42}" presName="rootComposite" presStyleCnt="0"/>
+      <dgm:spPr/>
+    </dgm:pt>
+    <dgm:pt modelId="{3B622BBF-F960-416C-A60A-900170819CE0}" type="pres">
+      <dgm:prSet presAssocID="{59B6B4E6-75AC-4804-AC87-12567DACCF42}" presName="rootText" presStyleLbl="node3" presStyleIdx="3" presStyleCnt="7">
+        <dgm:presLayoutVars>
+          <dgm:chPref val="3"/>
+        </dgm:presLayoutVars>
+      </dgm:prSet>
+      <dgm:spPr/>
+    </dgm:pt>
+    <dgm:pt modelId="{500504BC-050E-42B2-AF06-A9E7B65086BC}" type="pres">
+      <dgm:prSet presAssocID="{59B6B4E6-75AC-4804-AC87-12567DACCF42}" presName="rootConnector" presStyleLbl="node3" presStyleIdx="3" presStyleCnt="7"/>
+      <dgm:spPr/>
+    </dgm:pt>
+    <dgm:pt modelId="{061EFAAF-1F9E-4BAE-AB7D-551988D90781}" type="pres">
+      <dgm:prSet presAssocID="{59B6B4E6-75AC-4804-AC87-12567DACCF42}" presName="hierChild4" presStyleCnt="0"/>
+      <dgm:spPr/>
+    </dgm:pt>
+    <dgm:pt modelId="{B7B8A996-C7EC-4116-9CE6-12E40E56C10E}" type="pres">
+      <dgm:prSet presAssocID="{59B6B4E6-75AC-4804-AC87-12567DACCF42}" presName="hierChild5" presStyleCnt="0"/>
+      <dgm:spPr/>
+    </dgm:pt>
+    <dgm:pt modelId="{F7233C61-574A-430E-88C4-4D9CC6CF2519}" type="pres">
+      <dgm:prSet presAssocID="{02386A36-1822-424B-B978-C92D54F93701}" presName="Name37" presStyleLbl="parChTrans1D3" presStyleIdx="4" presStyleCnt="7"/>
+      <dgm:spPr/>
+    </dgm:pt>
+    <dgm:pt modelId="{54172783-1F9F-4370-BE96-F4F8781CF671}" type="pres">
+      <dgm:prSet presAssocID="{530C2C54-82F5-44AD-9B46-BF45CBCD9A75}" presName="hierRoot2" presStyleCnt="0">
+        <dgm:presLayoutVars>
+          <dgm:hierBranch val="init"/>
+        </dgm:presLayoutVars>
+      </dgm:prSet>
+      <dgm:spPr/>
+    </dgm:pt>
+    <dgm:pt modelId="{162C42E8-7740-4521-BEB6-59976F052B21}" type="pres">
+      <dgm:prSet presAssocID="{530C2C54-82F5-44AD-9B46-BF45CBCD9A75}" presName="rootComposite" presStyleCnt="0"/>
+      <dgm:spPr/>
+    </dgm:pt>
+    <dgm:pt modelId="{6A29785A-138A-4E46-96D0-DD0AD4C8CB1F}" type="pres">
+      <dgm:prSet presAssocID="{530C2C54-82F5-44AD-9B46-BF45CBCD9A75}" presName="rootText" presStyleLbl="node3" presStyleIdx="4" presStyleCnt="7">
+        <dgm:presLayoutVars>
+          <dgm:chPref val="3"/>
+        </dgm:presLayoutVars>
+      </dgm:prSet>
+      <dgm:spPr/>
+    </dgm:pt>
+    <dgm:pt modelId="{C510BB81-6040-4257-B113-716EC41ADC0C}" type="pres">
+      <dgm:prSet presAssocID="{530C2C54-82F5-44AD-9B46-BF45CBCD9A75}" presName="rootConnector" presStyleLbl="node3" presStyleIdx="4" presStyleCnt="7"/>
+      <dgm:spPr/>
+    </dgm:pt>
+    <dgm:pt modelId="{7A91E38B-4A08-486D-A3B9-B95972764586}" type="pres">
+      <dgm:prSet presAssocID="{530C2C54-82F5-44AD-9B46-BF45CBCD9A75}" presName="hierChild4" presStyleCnt="0"/>
+      <dgm:spPr/>
+    </dgm:pt>
+    <dgm:pt modelId="{481AEF90-ED1E-481C-AF06-2E949D85C5D3}" type="pres">
+      <dgm:prSet presAssocID="{530C2C54-82F5-44AD-9B46-BF45CBCD9A75}" presName="hierChild5" presStyleCnt="0"/>
+      <dgm:spPr/>
+    </dgm:pt>
+    <dgm:pt modelId="{A38049B3-F164-443D-99B6-63E29843D599}" type="pres">
+      <dgm:prSet presAssocID="{6CB7DBA5-1E11-4F0E-B2DD-67C8F875D982}" presName="hierChild5" presStyleCnt="0"/>
+      <dgm:spPr/>
+    </dgm:pt>
+    <dgm:pt modelId="{7E2F3DAA-543F-4E3C-8ACC-584DAEF3E21F}" type="pres">
+      <dgm:prSet presAssocID="{E6E27076-44D6-44AF-8B44-D60996D6F18A}" presName="Name37" presStyleLbl="parChTrans1D2" presStyleIdx="2" presStyleCnt="3"/>
+      <dgm:spPr/>
+    </dgm:pt>
+    <dgm:pt modelId="{00724A27-05A7-49A1-8BD6-AA3D1EFC4448}" type="pres">
+      <dgm:prSet presAssocID="{454F38B7-8027-4E6D-9C5B-4C4098AD8941}" presName="hierRoot2" presStyleCnt="0">
+        <dgm:presLayoutVars>
+          <dgm:hierBranch val="init"/>
+        </dgm:presLayoutVars>
+      </dgm:prSet>
+      <dgm:spPr/>
+    </dgm:pt>
+    <dgm:pt modelId="{2FC3569E-CB21-4FC3-86B2-BDAECC6B92DC}" type="pres">
+      <dgm:prSet presAssocID="{454F38B7-8027-4E6D-9C5B-4C4098AD8941}" presName="rootComposite" presStyleCnt="0"/>
+      <dgm:spPr/>
+    </dgm:pt>
+    <dgm:pt modelId="{38998C60-342D-457E-91F5-4B8680F4E79C}" type="pres">
+      <dgm:prSet presAssocID="{454F38B7-8027-4E6D-9C5B-4C4098AD8941}" presName="rootText" presStyleLbl="node2" presStyleIdx="2" presStyleCnt="3">
+        <dgm:presLayoutVars>
+          <dgm:chPref val="3"/>
+        </dgm:presLayoutVars>
+      </dgm:prSet>
+      <dgm:spPr/>
+    </dgm:pt>
+    <dgm:pt modelId="{C38EC8E0-05E9-4DE5-A4FA-4038EA01CDB3}" type="pres">
+      <dgm:prSet presAssocID="{454F38B7-8027-4E6D-9C5B-4C4098AD8941}" presName="rootConnector" presStyleLbl="node2" presStyleIdx="2" presStyleCnt="3"/>
+      <dgm:spPr/>
+    </dgm:pt>
+    <dgm:pt modelId="{9AF94EAA-A90A-43D9-9A8B-CA5F660AC3F2}" type="pres">
+      <dgm:prSet presAssocID="{454F38B7-8027-4E6D-9C5B-4C4098AD8941}" presName="hierChild4" presStyleCnt="0"/>
+      <dgm:spPr/>
+    </dgm:pt>
+    <dgm:pt modelId="{E01D1915-4504-4B46-B41F-8B01A6431CB0}" type="pres">
+      <dgm:prSet presAssocID="{8ECAB722-696F-4034-84E2-CAD767FEDC76}" presName="Name37" presStyleLbl="parChTrans1D3" presStyleIdx="5" presStyleCnt="7"/>
+      <dgm:spPr/>
+    </dgm:pt>
+    <dgm:pt modelId="{9571FB67-267A-48B2-BB36-F472701967FC}" type="pres">
+      <dgm:prSet presAssocID="{0142AB42-3336-486F-8AC8-9A028D760EB3}" presName="hierRoot2" presStyleCnt="0">
+        <dgm:presLayoutVars>
+          <dgm:hierBranch val="init"/>
+        </dgm:presLayoutVars>
+      </dgm:prSet>
+      <dgm:spPr/>
+    </dgm:pt>
+    <dgm:pt modelId="{9CF7AE6B-EA77-40C0-9987-01E5224A5A67}" type="pres">
+      <dgm:prSet presAssocID="{0142AB42-3336-486F-8AC8-9A028D760EB3}" presName="rootComposite" presStyleCnt="0"/>
+      <dgm:spPr/>
+    </dgm:pt>
+    <dgm:pt modelId="{126793F7-9C35-42DD-99AA-881BCC14C049}" type="pres">
+      <dgm:prSet presAssocID="{0142AB42-3336-486F-8AC8-9A028D760EB3}" presName="rootText" presStyleLbl="node3" presStyleIdx="5" presStyleCnt="7">
+        <dgm:presLayoutVars>
+          <dgm:chPref val="3"/>
+        </dgm:presLayoutVars>
+      </dgm:prSet>
+      <dgm:spPr/>
+    </dgm:pt>
+    <dgm:pt modelId="{FB8AAE99-C425-4C00-B314-7333F792BA05}" type="pres">
+      <dgm:prSet presAssocID="{0142AB42-3336-486F-8AC8-9A028D760EB3}" presName="rootConnector" presStyleLbl="node3" presStyleIdx="5" presStyleCnt="7"/>
+      <dgm:spPr/>
+    </dgm:pt>
+    <dgm:pt modelId="{7F380E2A-9E5E-4BB9-B2D8-0C8446FDB209}" type="pres">
+      <dgm:prSet presAssocID="{0142AB42-3336-486F-8AC8-9A028D760EB3}" presName="hierChild4" presStyleCnt="0"/>
+      <dgm:spPr/>
+    </dgm:pt>
+    <dgm:pt modelId="{6F2A7BE1-9629-4018-AD56-38A1F385D0B7}" type="pres">
+      <dgm:prSet presAssocID="{0142AB42-3336-486F-8AC8-9A028D760EB3}" presName="hierChild5" presStyleCnt="0"/>
+      <dgm:spPr/>
+    </dgm:pt>
+    <dgm:pt modelId="{399D933F-B65B-47B2-8B36-434BB4CD99B9}" type="pres">
+      <dgm:prSet presAssocID="{8AE9159A-8292-4B36-BA79-0CA2A6CC9E60}" presName="Name37" presStyleLbl="parChTrans1D3" presStyleIdx="6" presStyleCnt="7"/>
+      <dgm:spPr/>
+    </dgm:pt>
+    <dgm:pt modelId="{E2A24AFA-038C-42B7-9BA3-CF7F0109F388}" type="pres">
+      <dgm:prSet presAssocID="{F6B19E51-82E9-4DB0-861A-7B9B556AB903}" presName="hierRoot2" presStyleCnt="0">
+        <dgm:presLayoutVars>
+          <dgm:hierBranch val="init"/>
+        </dgm:presLayoutVars>
+      </dgm:prSet>
+      <dgm:spPr/>
+    </dgm:pt>
+    <dgm:pt modelId="{5AAF7E52-7F73-4587-A2CF-943528D28B8D}" type="pres">
+      <dgm:prSet presAssocID="{F6B19E51-82E9-4DB0-861A-7B9B556AB903}" presName="rootComposite" presStyleCnt="0"/>
+      <dgm:spPr/>
+    </dgm:pt>
+    <dgm:pt modelId="{8593F704-02F0-4294-AF6D-A6CE3C6E5004}" type="pres">
+      <dgm:prSet presAssocID="{F6B19E51-82E9-4DB0-861A-7B9B556AB903}" presName="rootText" presStyleLbl="node3" presStyleIdx="6" presStyleCnt="7">
+        <dgm:presLayoutVars>
+          <dgm:chPref val="3"/>
+        </dgm:presLayoutVars>
+      </dgm:prSet>
+      <dgm:spPr/>
+    </dgm:pt>
+    <dgm:pt modelId="{BACE85D5-FF7E-4FF6-8318-D9F10446E89C}" type="pres">
+      <dgm:prSet presAssocID="{F6B19E51-82E9-4DB0-861A-7B9B556AB903}" presName="rootConnector" presStyleLbl="node3" presStyleIdx="6" presStyleCnt="7"/>
+      <dgm:spPr/>
+    </dgm:pt>
+    <dgm:pt modelId="{DA72B631-92E1-44EF-8830-7CA2201B07E0}" type="pres">
+      <dgm:prSet presAssocID="{F6B19E51-82E9-4DB0-861A-7B9B556AB903}" presName="hierChild4" presStyleCnt="0"/>
+      <dgm:spPr/>
+    </dgm:pt>
+    <dgm:pt modelId="{00105A9E-7089-4DA1-A172-2B0B7AF215B4}" type="pres">
+      <dgm:prSet presAssocID="{F6B19E51-82E9-4DB0-861A-7B9B556AB903}" presName="hierChild5" presStyleCnt="0"/>
+      <dgm:spPr/>
+    </dgm:pt>
+    <dgm:pt modelId="{255A2C8D-AAA3-45EE-B9E7-91624FC1F5F2}" type="pres">
+      <dgm:prSet presAssocID="{454F38B7-8027-4E6D-9C5B-4C4098AD8941}" presName="hierChild5" presStyleCnt="0"/>
+      <dgm:spPr/>
+    </dgm:pt>
+    <dgm:pt modelId="{03233C6C-46D0-45A1-96E0-2D9DAB24F860}" type="pres">
+      <dgm:prSet presAssocID="{A46B6D53-31D3-4BE9-A233-1B995891FDDD}" presName="hierChild3" presStyleCnt="0"/>
+      <dgm:spPr/>
+    </dgm:pt>
+  </dgm:ptLst>
+  <dgm:cxnLst>
+    <dgm:cxn modelId="{8DD25909-3A94-4965-B7AD-D578185BA5FA}" type="presOf" srcId="{D56890D2-BB72-4F91-AFD8-67DCDDA821C9}" destId="{4326406E-2E46-4301-895B-0EFCE5785521}" srcOrd="1" destOrd="0" presId="urn:microsoft.com/office/officeart/2005/8/layout/orgChart1"/>
+    <dgm:cxn modelId="{03BC7013-CBF7-418D-AE60-56FE6BFCEACC}" srcId="{2E95F486-7584-4CDA-A4B3-8E298868EB11}" destId="{A46B6D53-31D3-4BE9-A233-1B995891FDDD}" srcOrd="0" destOrd="0" parTransId="{E023BB35-2768-4200-9FC0-ACBD257CA8C9}" sibTransId="{BD123635-3FFE-4294-9C2C-BF2CC591FB52}"/>
+    <dgm:cxn modelId="{22DA2D1A-D9CE-4D89-9FD3-82FFBF6EE435}" srcId="{A46B6D53-31D3-4BE9-A233-1B995891FDDD}" destId="{96856789-4DCC-41F7-8FD3-00EB6AB1EB31}" srcOrd="0" destOrd="0" parTransId="{21D5688A-4E90-4D6B-8D67-9B9BC30F51B2}" sibTransId="{FEE2C043-43CA-45E1-B37F-8D0E1B7B9FE6}"/>
+    <dgm:cxn modelId="{A95BB623-AE32-4952-81E8-229AD5CB6825}" type="presOf" srcId="{530C2C54-82F5-44AD-9B46-BF45CBCD9A75}" destId="{C510BB81-6040-4257-B113-716EC41ADC0C}" srcOrd="1" destOrd="0" presId="urn:microsoft.com/office/officeart/2005/8/layout/orgChart1"/>
+    <dgm:cxn modelId="{3D4D1024-D1E7-433F-91F0-E658D1E94429}" type="presOf" srcId="{6CB7DBA5-1E11-4F0E-B2DD-67C8F875D982}" destId="{52EF3E10-5D82-463B-93AB-3AC26320CBAB}" srcOrd="1" destOrd="0" presId="urn:microsoft.com/office/officeart/2005/8/layout/orgChart1"/>
+    <dgm:cxn modelId="{86428224-6765-40C5-8FEC-45367DA04783}" srcId="{96856789-4DCC-41F7-8FD3-00EB6AB1EB31}" destId="{D56890D2-BB72-4F91-AFD8-67DCDDA821C9}" srcOrd="1" destOrd="0" parTransId="{8011614D-0581-4DDB-9B61-5EC6EC2255BD}" sibTransId="{96A9C694-57B7-460A-A1D6-65E93E6C7F22}"/>
+    <dgm:cxn modelId="{7CF5FC27-F37B-4815-8AFA-419555769032}" srcId="{A46B6D53-31D3-4BE9-A233-1B995891FDDD}" destId="{454F38B7-8027-4E6D-9C5B-4C4098AD8941}" srcOrd="2" destOrd="0" parTransId="{E6E27076-44D6-44AF-8B44-D60996D6F18A}" sibTransId="{E99B5FDC-96B2-4A19-BB47-4AF7F51F2FB9}"/>
+    <dgm:cxn modelId="{1CFF8B3F-4466-4A85-9927-888BF474687E}" srcId="{6CB7DBA5-1E11-4F0E-B2DD-67C8F875D982}" destId="{59B6B4E6-75AC-4804-AC87-12567DACCF42}" srcOrd="0" destOrd="0" parTransId="{239A760F-AFEF-40B0-874B-88125FB5546C}" sibTransId="{97A869C2-3D60-4A01-A602-67F26B707802}"/>
+    <dgm:cxn modelId="{D8A12B42-A794-4025-9043-FC4B1CCA9C98}" type="presOf" srcId="{0142AB42-3336-486F-8AC8-9A028D760EB3}" destId="{FB8AAE99-C425-4C00-B314-7333F792BA05}" srcOrd="1" destOrd="0" presId="urn:microsoft.com/office/officeart/2005/8/layout/orgChart1"/>
+    <dgm:cxn modelId="{0358F743-CDDD-499E-8465-9206CE400EC7}" type="presOf" srcId="{F6B19E51-82E9-4DB0-861A-7B9B556AB903}" destId="{BACE85D5-FF7E-4FF6-8318-D9F10446E89C}" srcOrd="1" destOrd="0" presId="urn:microsoft.com/office/officeart/2005/8/layout/orgChart1"/>
+    <dgm:cxn modelId="{5A3A6347-3676-43CA-8A08-18B99EC25FD2}" type="presOf" srcId="{8ECAB722-696F-4034-84E2-CAD767FEDC76}" destId="{E01D1915-4504-4B46-B41F-8B01A6431CB0}" srcOrd="0" destOrd="0" presId="urn:microsoft.com/office/officeart/2005/8/layout/orgChart1"/>
+    <dgm:cxn modelId="{B767F569-F8D2-4F9A-B460-4C86C0BE1442}" type="presOf" srcId="{9C871CEE-38FA-42DC-9253-0FAF150AFA71}" destId="{4F144763-FDBB-4E9F-BB72-BEE4BF333CFF}" srcOrd="0" destOrd="0" presId="urn:microsoft.com/office/officeart/2005/8/layout/orgChart1"/>
+    <dgm:cxn modelId="{D540F76C-97F2-499C-8C7F-F13C837ACA34}" srcId="{454F38B7-8027-4E6D-9C5B-4C4098AD8941}" destId="{F6B19E51-82E9-4DB0-861A-7B9B556AB903}" srcOrd="1" destOrd="0" parTransId="{8AE9159A-8292-4B36-BA79-0CA2A6CC9E60}" sibTransId="{5C146F7D-5F99-4B67-AB4A-2EBA38D72F3A}"/>
+    <dgm:cxn modelId="{EB29974D-0E61-4016-87BD-4B2888B29D81}" type="presOf" srcId="{D56890D2-BB72-4F91-AFD8-67DCDDA821C9}" destId="{0012B30E-2FF1-4456-9713-F5A2B2C80ECC}" srcOrd="0" destOrd="0" presId="urn:microsoft.com/office/officeart/2005/8/layout/orgChart1"/>
+    <dgm:cxn modelId="{F352136E-43D6-489A-8776-ED6B1EB6EC86}" type="presOf" srcId="{59B6B4E6-75AC-4804-AC87-12567DACCF42}" destId="{3B622BBF-F960-416C-A60A-900170819CE0}" srcOrd="0" destOrd="0" presId="urn:microsoft.com/office/officeart/2005/8/layout/orgChart1"/>
+    <dgm:cxn modelId="{D177BA55-95EA-4BE0-9A90-0891AADE2C3B}" type="presOf" srcId="{02386A36-1822-424B-B978-C92D54F93701}" destId="{F7233C61-574A-430E-88C4-4D9CC6CF2519}" srcOrd="0" destOrd="0" presId="urn:microsoft.com/office/officeart/2005/8/layout/orgChart1"/>
+    <dgm:cxn modelId="{35D5925A-06A1-4489-B820-FA12516707C4}" type="presOf" srcId="{FC777D12-E577-4399-82FD-C6C817A8EFEC}" destId="{F0269B35-B088-4F98-BB11-9E9EE718CCCA}" srcOrd="1" destOrd="0" presId="urn:microsoft.com/office/officeart/2005/8/layout/orgChart1"/>
+    <dgm:cxn modelId="{F43D957B-1DEB-434E-8674-EBB8CE417A54}" type="presOf" srcId="{8AE9159A-8292-4B36-BA79-0CA2A6CC9E60}" destId="{399D933F-B65B-47B2-8B36-434BB4CD99B9}" srcOrd="0" destOrd="0" presId="urn:microsoft.com/office/officeart/2005/8/layout/orgChart1"/>
+    <dgm:cxn modelId="{7C4BF182-AA08-423E-8798-6196F87251FD}" type="presOf" srcId="{F6B19E51-82E9-4DB0-861A-7B9B556AB903}" destId="{8593F704-02F0-4294-AF6D-A6CE3C6E5004}" srcOrd="0" destOrd="0" presId="urn:microsoft.com/office/officeart/2005/8/layout/orgChart1"/>
+    <dgm:cxn modelId="{5BA98985-A97D-4AF2-B801-E948C3AC9901}" srcId="{96856789-4DCC-41F7-8FD3-00EB6AB1EB31}" destId="{FC777D12-E577-4399-82FD-C6C817A8EFEC}" srcOrd="0" destOrd="0" parTransId="{9C871CEE-38FA-42DC-9253-0FAF150AFA71}" sibTransId="{EE3AEA5A-3C7D-4017-987D-31294BC13037}"/>
+    <dgm:cxn modelId="{4FEF9390-0515-49F3-88F2-58A939FD7547}" type="presOf" srcId="{454F38B7-8027-4E6D-9C5B-4C4098AD8941}" destId="{C38EC8E0-05E9-4DE5-A4FA-4038EA01CDB3}" srcOrd="1" destOrd="0" presId="urn:microsoft.com/office/officeart/2005/8/layout/orgChart1"/>
+    <dgm:cxn modelId="{A3089894-EBB6-458D-AEF6-D2CBA56726C9}" type="presOf" srcId="{FC777D12-E577-4399-82FD-C6C817A8EFEC}" destId="{7B6B7DF4-4B26-4E03-A10C-5B891E1EE787}" srcOrd="0" destOrd="0" presId="urn:microsoft.com/office/officeart/2005/8/layout/orgChart1"/>
+    <dgm:cxn modelId="{2A677A9D-DCF2-492D-A10A-11673BE6DF07}" srcId="{96856789-4DCC-41F7-8FD3-00EB6AB1EB31}" destId="{10161257-191E-4115-887E-F0F26C7090ED}" srcOrd="2" destOrd="0" parTransId="{E04184D3-7356-43E7-8A30-02FEF356A49C}" sibTransId="{A053EED4-AD74-429C-873E-61B883859D68}"/>
+    <dgm:cxn modelId="{D08022A3-C74F-44C4-984A-1F7E38FD9976}" srcId="{6CB7DBA5-1E11-4F0E-B2DD-67C8F875D982}" destId="{530C2C54-82F5-44AD-9B46-BF45CBCD9A75}" srcOrd="1" destOrd="0" parTransId="{02386A36-1822-424B-B978-C92D54F93701}" sibTransId="{5D86D8D8-65B2-4F7B-B623-54BE3672D40C}"/>
+    <dgm:cxn modelId="{9D8D5DAA-3E44-4B32-BAD0-F0BCD283106C}" type="presOf" srcId="{E04184D3-7356-43E7-8A30-02FEF356A49C}" destId="{81EC512A-78D1-4C12-9CF1-C4989A7DA88A}" srcOrd="0" destOrd="0" presId="urn:microsoft.com/office/officeart/2005/8/layout/orgChart1"/>
+    <dgm:cxn modelId="{83DFA3AC-0DB0-4400-BA6B-2DE2A5D0DA5C}" type="presOf" srcId="{E6E27076-44D6-44AF-8B44-D60996D6F18A}" destId="{7E2F3DAA-543F-4E3C-8ACC-584DAEF3E21F}" srcOrd="0" destOrd="0" presId="urn:microsoft.com/office/officeart/2005/8/layout/orgChart1"/>
+    <dgm:cxn modelId="{730757B2-BE09-498A-8866-E2EB87B68A20}" type="presOf" srcId="{10161257-191E-4115-887E-F0F26C7090ED}" destId="{242CD695-94B8-460B-84F9-25B68F8A8138}" srcOrd="1" destOrd="0" presId="urn:microsoft.com/office/officeart/2005/8/layout/orgChart1"/>
+    <dgm:cxn modelId="{6B156AB8-D0C3-4757-B197-361DD4B5827F}" type="presOf" srcId="{530C2C54-82F5-44AD-9B46-BF45CBCD9A75}" destId="{6A29785A-138A-4E46-96D0-DD0AD4C8CB1F}" srcOrd="0" destOrd="0" presId="urn:microsoft.com/office/officeart/2005/8/layout/orgChart1"/>
+    <dgm:cxn modelId="{ACB241C5-F42B-485A-A9D2-47A340BEC9EE}" type="presOf" srcId="{96856789-4DCC-41F7-8FD3-00EB6AB1EB31}" destId="{8008E37F-AC67-47F4-8096-8C4D3F65B42A}" srcOrd="1" destOrd="0" presId="urn:microsoft.com/office/officeart/2005/8/layout/orgChart1"/>
+    <dgm:cxn modelId="{EE904CCA-30CB-4FA8-B6B7-7EE39DFFF899}" srcId="{A46B6D53-31D3-4BE9-A233-1B995891FDDD}" destId="{6CB7DBA5-1E11-4F0E-B2DD-67C8F875D982}" srcOrd="1" destOrd="0" parTransId="{ECF287E9-5DF0-46AA-96E8-C6F8D1230DD1}" sibTransId="{423E039C-C297-4590-9829-CE12351C78C3}"/>
+    <dgm:cxn modelId="{48FB8ECB-F214-4B80-9B35-6F769E275B46}" srcId="{454F38B7-8027-4E6D-9C5B-4C4098AD8941}" destId="{0142AB42-3336-486F-8AC8-9A028D760EB3}" srcOrd="0" destOrd="0" parTransId="{8ECAB722-696F-4034-84E2-CAD767FEDC76}" sibTransId="{1C19253E-97A6-476C-8D2E-FF2DF48F8D03}"/>
+    <dgm:cxn modelId="{6D223ECC-9060-4532-BCAE-8542C46D238C}" type="presOf" srcId="{454F38B7-8027-4E6D-9C5B-4C4098AD8941}" destId="{38998C60-342D-457E-91F5-4B8680F4E79C}" srcOrd="0" destOrd="0" presId="urn:microsoft.com/office/officeart/2005/8/layout/orgChart1"/>
+    <dgm:cxn modelId="{495422D2-8752-4824-B07A-5D4D77F9DA19}" type="presOf" srcId="{10161257-191E-4115-887E-F0F26C7090ED}" destId="{6326D2C0-BE69-43B3-B493-29A716D853C8}" srcOrd="0" destOrd="0" presId="urn:microsoft.com/office/officeart/2005/8/layout/orgChart1"/>
+    <dgm:cxn modelId="{5318C9D3-D712-4173-AAD3-0C1614B1757F}" type="presOf" srcId="{ECF287E9-5DF0-46AA-96E8-C6F8D1230DD1}" destId="{64291D27-AB6B-4BBA-84D5-D99878933D48}" srcOrd="0" destOrd="0" presId="urn:microsoft.com/office/officeart/2005/8/layout/orgChart1"/>
+    <dgm:cxn modelId="{109873D9-4B7C-4EB1-95A3-DAF9F79A1245}" type="presOf" srcId="{59B6B4E6-75AC-4804-AC87-12567DACCF42}" destId="{500504BC-050E-42B2-AF06-A9E7B65086BC}" srcOrd="1" destOrd="0" presId="urn:microsoft.com/office/officeart/2005/8/layout/orgChart1"/>
+    <dgm:cxn modelId="{670D7ADC-8AAC-45D1-8CFC-E4810D85E2EA}" type="presOf" srcId="{2E95F486-7584-4CDA-A4B3-8E298868EB11}" destId="{F7409418-8956-42F9-B876-8C1C33AE9BEB}" srcOrd="0" destOrd="0" presId="urn:microsoft.com/office/officeart/2005/8/layout/orgChart1"/>
+    <dgm:cxn modelId="{F53740E0-EC11-4EE9-8EE5-F63C8B0A05F3}" type="presOf" srcId="{6CB7DBA5-1E11-4F0E-B2DD-67C8F875D982}" destId="{79D6C125-4558-42D3-B033-E78177BAC747}" srcOrd="0" destOrd="0" presId="urn:microsoft.com/office/officeart/2005/8/layout/orgChart1"/>
+    <dgm:cxn modelId="{D11E29E9-CB25-4BC9-870E-4AFB408857AF}" type="presOf" srcId="{A46B6D53-31D3-4BE9-A233-1B995891FDDD}" destId="{FA38DC0D-0D87-4ABB-AAAE-5B9DFE3084BA}" srcOrd="1" destOrd="0" presId="urn:microsoft.com/office/officeart/2005/8/layout/orgChart1"/>
+    <dgm:cxn modelId="{1223FDEC-B24F-4AE0-BCB1-5B4D52F37EB6}" type="presOf" srcId="{239A760F-AFEF-40B0-874B-88125FB5546C}" destId="{F634F148-07D6-4F28-BF76-A0A2EB2B5E1C}" srcOrd="0" destOrd="0" presId="urn:microsoft.com/office/officeart/2005/8/layout/orgChart1"/>
+    <dgm:cxn modelId="{45ACAFED-A0AD-4145-BAC3-60884B1E8B7F}" type="presOf" srcId="{A46B6D53-31D3-4BE9-A233-1B995891FDDD}" destId="{45E9C572-6BC1-4C59-99BD-CEF702FA3E04}" srcOrd="0" destOrd="0" presId="urn:microsoft.com/office/officeart/2005/8/layout/orgChart1"/>
+    <dgm:cxn modelId="{02EA91EF-26D7-43A9-89C8-FF00E1231E4E}" type="presOf" srcId="{96856789-4DCC-41F7-8FD3-00EB6AB1EB31}" destId="{B540F2EC-F685-4620-9CAB-E40D4D042AC2}" srcOrd="0" destOrd="0" presId="urn:microsoft.com/office/officeart/2005/8/layout/orgChart1"/>
+    <dgm:cxn modelId="{39F95CF1-8A8E-403B-A1D1-2E9929E8D5E6}" type="presOf" srcId="{21D5688A-4E90-4D6B-8D67-9B9BC30F51B2}" destId="{1440D978-8952-4503-94E2-D6FBA5859D83}" srcOrd="0" destOrd="0" presId="urn:microsoft.com/office/officeart/2005/8/layout/orgChart1"/>
+    <dgm:cxn modelId="{6B9924F4-48C0-4330-A5C3-DCD2FA356705}" type="presOf" srcId="{0142AB42-3336-486F-8AC8-9A028D760EB3}" destId="{126793F7-9C35-42DD-99AA-881BCC14C049}" srcOrd="0" destOrd="0" presId="urn:microsoft.com/office/officeart/2005/8/layout/orgChart1"/>
+    <dgm:cxn modelId="{D7F239FF-DAFB-42D1-8BAA-41C4B6E21E7B}" type="presOf" srcId="{8011614D-0581-4DDB-9B61-5EC6EC2255BD}" destId="{23BD0FEA-8822-44C4-AF50-1DF759BE405D}" srcOrd="0" destOrd="0" presId="urn:microsoft.com/office/officeart/2005/8/layout/orgChart1"/>
+    <dgm:cxn modelId="{2287100D-D125-438D-892A-8F1EB35208EA}" type="presParOf" srcId="{F7409418-8956-42F9-B876-8C1C33AE9BEB}" destId="{C75C6DFE-1CAA-49BE-94DF-5670150054D7}" srcOrd="0" destOrd="0" presId="urn:microsoft.com/office/officeart/2005/8/layout/orgChart1"/>
+    <dgm:cxn modelId="{05573D04-F976-4A0D-B587-6C0CC975BE7C}" type="presParOf" srcId="{C75C6DFE-1CAA-49BE-94DF-5670150054D7}" destId="{09735D0E-1FFC-413E-8A45-3BF9E5F2DEBE}" srcOrd="0" destOrd="0" presId="urn:microsoft.com/office/officeart/2005/8/layout/orgChart1"/>
+    <dgm:cxn modelId="{14C79594-CBD5-41AE-B275-7B2112A9339B}" type="presParOf" srcId="{09735D0E-1FFC-413E-8A45-3BF9E5F2DEBE}" destId="{45E9C572-6BC1-4C59-99BD-CEF702FA3E04}" srcOrd="0" destOrd="0" presId="urn:microsoft.com/office/officeart/2005/8/layout/orgChart1"/>
+    <dgm:cxn modelId="{BF6B48F7-396C-44E9-A160-BA3CED24B6AE}" type="presParOf" srcId="{09735D0E-1FFC-413E-8A45-3BF9E5F2DEBE}" destId="{FA38DC0D-0D87-4ABB-AAAE-5B9DFE3084BA}" srcOrd="1" destOrd="0" presId="urn:microsoft.com/office/officeart/2005/8/layout/orgChart1"/>
+    <dgm:cxn modelId="{44E40F27-BCD2-457E-B4B3-3A69CA4B9429}" type="presParOf" srcId="{C75C6DFE-1CAA-49BE-94DF-5670150054D7}" destId="{5B49901B-8BCF-4616-B1C2-E8B2BA1C3011}" srcOrd="1" destOrd="0" presId="urn:microsoft.com/office/officeart/2005/8/layout/orgChart1"/>
+    <dgm:cxn modelId="{60B4EC63-C16F-437B-984C-A7BDCCC1AFD6}" type="presParOf" srcId="{5B49901B-8BCF-4616-B1C2-E8B2BA1C3011}" destId="{1440D978-8952-4503-94E2-D6FBA5859D83}" srcOrd="0" destOrd="0" presId="urn:microsoft.com/office/officeart/2005/8/layout/orgChart1"/>
+    <dgm:cxn modelId="{1520D34A-8FCB-4DA3-B057-15CA8032F264}" type="presParOf" srcId="{5B49901B-8BCF-4616-B1C2-E8B2BA1C3011}" destId="{F79430BA-4A9A-4614-9BA9-C00E69870B74}" srcOrd="1" destOrd="0" presId="urn:microsoft.com/office/officeart/2005/8/layout/orgChart1"/>
+    <dgm:cxn modelId="{AF9D428A-1CDC-4B05-8E94-7B074D2A9E4E}" type="presParOf" srcId="{F79430BA-4A9A-4614-9BA9-C00E69870B74}" destId="{9D1564F2-0D29-4AFE-86CA-DE8FC9D5E78E}" srcOrd="0" destOrd="0" presId="urn:microsoft.com/office/officeart/2005/8/layout/orgChart1"/>
+    <dgm:cxn modelId="{2E8CC344-07AD-434B-924A-DD24FCD87852}" type="presParOf" srcId="{9D1564F2-0D29-4AFE-86CA-DE8FC9D5E78E}" destId="{B540F2EC-F685-4620-9CAB-E40D4D042AC2}" srcOrd="0" destOrd="0" presId="urn:microsoft.com/office/officeart/2005/8/layout/orgChart1"/>
+    <dgm:cxn modelId="{E92C8C64-6398-4B50-8D66-FF9F294AE4CE}" type="presParOf" srcId="{9D1564F2-0D29-4AFE-86CA-DE8FC9D5E78E}" destId="{8008E37F-AC67-47F4-8096-8C4D3F65B42A}" srcOrd="1" destOrd="0" presId="urn:microsoft.com/office/officeart/2005/8/layout/orgChart1"/>
+    <dgm:cxn modelId="{B8F05764-A055-42F0-AAEF-636C3B8CF9D3}" type="presParOf" srcId="{F79430BA-4A9A-4614-9BA9-C00E69870B74}" destId="{BDE66C9D-29F5-4B75-8D19-C3281E1FE013}" srcOrd="1" destOrd="0" presId="urn:microsoft.com/office/officeart/2005/8/layout/orgChart1"/>
+    <dgm:cxn modelId="{1D1178F2-71C3-4B77-B8AD-C94F9C8A70FA}" type="presParOf" srcId="{BDE66C9D-29F5-4B75-8D19-C3281E1FE013}" destId="{4F144763-FDBB-4E9F-BB72-BEE4BF333CFF}" srcOrd="0" destOrd="0" presId="urn:microsoft.com/office/officeart/2005/8/layout/orgChart1"/>
+    <dgm:cxn modelId="{226F4983-4167-4496-A26E-1B015B4C2F83}" type="presParOf" srcId="{BDE66C9D-29F5-4B75-8D19-C3281E1FE013}" destId="{442C1A1F-7F16-4BD9-AFAF-F2978E0FA677}" srcOrd="1" destOrd="0" presId="urn:microsoft.com/office/officeart/2005/8/layout/orgChart1"/>
+    <dgm:cxn modelId="{3E35E0AC-A1E3-4821-AD5F-895F8B862AA9}" type="presParOf" srcId="{442C1A1F-7F16-4BD9-AFAF-F2978E0FA677}" destId="{15E721A2-7285-4210-BBF1-0B8594FF72AD}" srcOrd="0" destOrd="0" presId="urn:microsoft.com/office/officeart/2005/8/layout/orgChart1"/>
+    <dgm:cxn modelId="{D8E37966-530C-40C0-AF7A-20BB680C118B}" type="presParOf" srcId="{15E721A2-7285-4210-BBF1-0B8594FF72AD}" destId="{7B6B7DF4-4B26-4E03-A10C-5B891E1EE787}" srcOrd="0" destOrd="0" presId="urn:microsoft.com/office/officeart/2005/8/layout/orgChart1"/>
+    <dgm:cxn modelId="{D4454A8B-F538-4221-A152-50157EAC0D35}" type="presParOf" srcId="{15E721A2-7285-4210-BBF1-0B8594FF72AD}" destId="{F0269B35-B088-4F98-BB11-9E9EE718CCCA}" srcOrd="1" destOrd="0" presId="urn:microsoft.com/office/officeart/2005/8/layout/orgChart1"/>
+    <dgm:cxn modelId="{95DA8B61-9426-4803-8BB3-576148B49689}" type="presParOf" srcId="{442C1A1F-7F16-4BD9-AFAF-F2978E0FA677}" destId="{B1D524CB-CCB2-4516-834E-4EC029D53A36}" srcOrd="1" destOrd="0" presId="urn:microsoft.com/office/officeart/2005/8/layout/orgChart1"/>
+    <dgm:cxn modelId="{8FF96690-85C1-47D2-846F-50179970867F}" type="presParOf" srcId="{442C1A1F-7F16-4BD9-AFAF-F2978E0FA677}" destId="{209A61E0-A88E-4414-A416-58C8AED5B3CB}" srcOrd="2" destOrd="0" presId="urn:microsoft.com/office/officeart/2005/8/layout/orgChart1"/>
+    <dgm:cxn modelId="{C2BBCD3C-550A-41D8-B4A6-E8D9366A1CCE}" type="presParOf" srcId="{BDE66C9D-29F5-4B75-8D19-C3281E1FE013}" destId="{23BD0FEA-8822-44C4-AF50-1DF759BE405D}" srcOrd="2" destOrd="0" presId="urn:microsoft.com/office/officeart/2005/8/layout/orgChart1"/>
+    <dgm:cxn modelId="{FF189750-A939-4F71-BFCE-6DF802350410}" type="presParOf" srcId="{BDE66C9D-29F5-4B75-8D19-C3281E1FE013}" destId="{BAAEA284-EE73-4A92-A4B7-5D0315F5DF26}" srcOrd="3" destOrd="0" presId="urn:microsoft.com/office/officeart/2005/8/layout/orgChart1"/>
+    <dgm:cxn modelId="{59454A57-5CC5-4C5B-BDCA-E6C1501AE927}" type="presParOf" srcId="{BAAEA284-EE73-4A92-A4B7-5D0315F5DF26}" destId="{2B800278-5E97-4B0E-AC4C-755945A9B322}" srcOrd="0" destOrd="0" presId="urn:microsoft.com/office/officeart/2005/8/layout/orgChart1"/>
+    <dgm:cxn modelId="{8CCBC28A-8559-4C1E-9156-D1D40A0B1805}" type="presParOf" srcId="{2B800278-5E97-4B0E-AC4C-755945A9B322}" destId="{0012B30E-2FF1-4456-9713-F5A2B2C80ECC}" srcOrd="0" destOrd="0" presId="urn:microsoft.com/office/officeart/2005/8/layout/orgChart1"/>
+    <dgm:cxn modelId="{70E54D77-DD79-4ECE-A963-FFBFCF3F7F9E}" type="presParOf" srcId="{2B800278-5E97-4B0E-AC4C-755945A9B322}" destId="{4326406E-2E46-4301-895B-0EFCE5785521}" srcOrd="1" destOrd="0" presId="urn:microsoft.com/office/officeart/2005/8/layout/orgChart1"/>
+    <dgm:cxn modelId="{CC9F4D90-9DC8-4276-B491-18E65FC7C833}" type="presParOf" srcId="{BAAEA284-EE73-4A92-A4B7-5D0315F5DF26}" destId="{4CEB8EE1-716F-4797-9D48-328BC1132D63}" srcOrd="1" destOrd="0" presId="urn:microsoft.com/office/officeart/2005/8/layout/orgChart1"/>
+    <dgm:cxn modelId="{10C37354-CEED-4AB4-BA94-35199AA5A777}" type="presParOf" srcId="{BAAEA284-EE73-4A92-A4B7-5D0315F5DF26}" destId="{310E44F8-5F0D-44C6-AF71-CB0F18C4827D}" srcOrd="2" destOrd="0" presId="urn:microsoft.com/office/officeart/2005/8/layout/orgChart1"/>
+    <dgm:cxn modelId="{56E25DF6-05F4-41D0-8E87-64B074F3AC83}" type="presParOf" srcId="{BDE66C9D-29F5-4B75-8D19-C3281E1FE013}" destId="{81EC512A-78D1-4C12-9CF1-C4989A7DA88A}" srcOrd="4" destOrd="0" presId="urn:microsoft.com/office/officeart/2005/8/layout/orgChart1"/>
+    <dgm:cxn modelId="{FB97AE8E-52E9-475B-8482-391218F5698B}" type="presParOf" srcId="{BDE66C9D-29F5-4B75-8D19-C3281E1FE013}" destId="{5DE9B230-E249-42EF-93BC-4317B622CB1A}" srcOrd="5" destOrd="0" presId="urn:microsoft.com/office/officeart/2005/8/layout/orgChart1"/>
+    <dgm:cxn modelId="{4A863F6C-3262-478D-9BD2-AA15E09EDFA6}" type="presParOf" srcId="{5DE9B230-E249-42EF-93BC-4317B622CB1A}" destId="{22C5E5FC-2D06-425E-9D67-4F74BD02BF23}" srcOrd="0" destOrd="0" presId="urn:microsoft.com/office/officeart/2005/8/layout/orgChart1"/>
+    <dgm:cxn modelId="{1A093E1F-DA3A-4137-A45C-C708BE548BC5}" type="presParOf" srcId="{22C5E5FC-2D06-425E-9D67-4F74BD02BF23}" destId="{6326D2C0-BE69-43B3-B493-29A716D853C8}" srcOrd="0" destOrd="0" presId="urn:microsoft.com/office/officeart/2005/8/layout/orgChart1"/>
+    <dgm:cxn modelId="{D40F308B-3650-486A-B2C7-833850CC61AD}" type="presParOf" srcId="{22C5E5FC-2D06-425E-9D67-4F74BD02BF23}" destId="{242CD695-94B8-460B-84F9-25B68F8A8138}" srcOrd="1" destOrd="0" presId="urn:microsoft.com/office/officeart/2005/8/layout/orgChart1"/>
+    <dgm:cxn modelId="{EA6F3A39-8559-49CC-BAF7-C68472E6A153}" type="presParOf" srcId="{5DE9B230-E249-42EF-93BC-4317B622CB1A}" destId="{33834322-73A5-447B-99F0-882A7B3910C1}" srcOrd="1" destOrd="0" presId="urn:microsoft.com/office/officeart/2005/8/layout/orgChart1"/>
+    <dgm:cxn modelId="{BA703DDB-5060-4B93-9CAF-30A8D1D722BD}" type="presParOf" srcId="{5DE9B230-E249-42EF-93BC-4317B622CB1A}" destId="{381DA4D8-08CD-44E8-9DD6-B994CB5566CE}" srcOrd="2" destOrd="0" presId="urn:microsoft.com/office/officeart/2005/8/layout/orgChart1"/>
+    <dgm:cxn modelId="{FF96FAF9-4639-439F-A94F-247DABF0ECA2}" type="presParOf" srcId="{F79430BA-4A9A-4614-9BA9-C00E69870B74}" destId="{C748DFAA-2097-4AE3-ACA8-6DC1CA48182A}" srcOrd="2" destOrd="0" presId="urn:microsoft.com/office/officeart/2005/8/layout/orgChart1"/>
+    <dgm:cxn modelId="{FD425906-2C4C-4EEB-A9C5-919C9EC0161A}" type="presParOf" srcId="{5B49901B-8BCF-4616-B1C2-E8B2BA1C3011}" destId="{64291D27-AB6B-4BBA-84D5-D99878933D48}" srcOrd="2" destOrd="0" presId="urn:microsoft.com/office/officeart/2005/8/layout/orgChart1"/>
+    <dgm:cxn modelId="{D0C9EB6B-D1A6-436B-9CDF-DAB9BDECFFA9}" type="presParOf" srcId="{5B49901B-8BCF-4616-B1C2-E8B2BA1C3011}" destId="{DC54D536-FED6-44AF-873B-58B242A63321}" srcOrd="3" destOrd="0" presId="urn:microsoft.com/office/officeart/2005/8/layout/orgChart1"/>
+    <dgm:cxn modelId="{5447CC77-FC4A-41BA-A285-D1F91F365499}" type="presParOf" srcId="{DC54D536-FED6-44AF-873B-58B242A63321}" destId="{A5DB5F0F-08E0-4B8E-BDAE-F9F69C08C2C2}" srcOrd="0" destOrd="0" presId="urn:microsoft.com/office/officeart/2005/8/layout/orgChart1"/>
+    <dgm:cxn modelId="{C76CFEF4-857A-41F8-89B7-6369E852097B}" type="presParOf" srcId="{A5DB5F0F-08E0-4B8E-BDAE-F9F69C08C2C2}" destId="{79D6C125-4558-42D3-B033-E78177BAC747}" srcOrd="0" destOrd="0" presId="urn:microsoft.com/office/officeart/2005/8/layout/orgChart1"/>
+    <dgm:cxn modelId="{9B918A18-23EB-4844-941B-4F4967DE55EE}" type="presParOf" srcId="{A5DB5F0F-08E0-4B8E-BDAE-F9F69C08C2C2}" destId="{52EF3E10-5D82-463B-93AB-3AC26320CBAB}" srcOrd="1" destOrd="0" presId="urn:microsoft.com/office/officeart/2005/8/layout/orgChart1"/>
+    <dgm:cxn modelId="{BC3F1685-5D8F-46BA-8409-22B5FF2D08D5}" type="presParOf" srcId="{DC54D536-FED6-44AF-873B-58B242A63321}" destId="{E76329FE-8D5F-433A-8ABA-E1FDC4199C09}" srcOrd="1" destOrd="0" presId="urn:microsoft.com/office/officeart/2005/8/layout/orgChart1"/>
+    <dgm:cxn modelId="{E5BF82CF-1B29-4A9F-AC90-BC71CB074048}" type="presParOf" srcId="{E76329FE-8D5F-433A-8ABA-E1FDC4199C09}" destId="{F634F148-07D6-4F28-BF76-A0A2EB2B5E1C}" srcOrd="0" destOrd="0" presId="urn:microsoft.com/office/officeart/2005/8/layout/orgChart1"/>
+    <dgm:cxn modelId="{5982C8A2-F00A-4634-A2D0-BC141FE2BC6A}" type="presParOf" srcId="{E76329FE-8D5F-433A-8ABA-E1FDC4199C09}" destId="{D990F5CD-04D8-4C13-AEC0-2DCABBE3BCBE}" srcOrd="1" destOrd="0" presId="urn:microsoft.com/office/officeart/2005/8/layout/orgChart1"/>
+    <dgm:cxn modelId="{10FC587F-445D-462B-ACFE-9F3A68114D07}" type="presParOf" srcId="{D990F5CD-04D8-4C13-AEC0-2DCABBE3BCBE}" destId="{264C8885-9181-4F5E-832F-04A18B6B4E6F}" srcOrd="0" destOrd="0" presId="urn:microsoft.com/office/officeart/2005/8/layout/orgChart1"/>
+    <dgm:cxn modelId="{85BC6D4F-E741-4C62-A22A-CAF36CF682AD}" type="presParOf" srcId="{264C8885-9181-4F5E-832F-04A18B6B4E6F}" destId="{3B622BBF-F960-416C-A60A-900170819CE0}" srcOrd="0" destOrd="0" presId="urn:microsoft.com/office/officeart/2005/8/layout/orgChart1"/>
+    <dgm:cxn modelId="{47EA12CA-2D00-4F53-9064-DA58A9313ED2}" type="presParOf" srcId="{264C8885-9181-4F5E-832F-04A18B6B4E6F}" destId="{500504BC-050E-42B2-AF06-A9E7B65086BC}" srcOrd="1" destOrd="0" presId="urn:microsoft.com/office/officeart/2005/8/layout/orgChart1"/>
+    <dgm:cxn modelId="{DDA4DD33-48A9-42CA-8AE3-F3A23DF14664}" type="presParOf" srcId="{D990F5CD-04D8-4C13-AEC0-2DCABBE3BCBE}" destId="{061EFAAF-1F9E-4BAE-AB7D-551988D90781}" srcOrd="1" destOrd="0" presId="urn:microsoft.com/office/officeart/2005/8/layout/orgChart1"/>
+    <dgm:cxn modelId="{1A358153-B7CE-4A2E-A17D-9FBD6E814ECA}" type="presParOf" srcId="{D990F5CD-04D8-4C13-AEC0-2DCABBE3BCBE}" destId="{B7B8A996-C7EC-4116-9CE6-12E40E56C10E}" srcOrd="2" destOrd="0" presId="urn:microsoft.com/office/officeart/2005/8/layout/orgChart1"/>
+    <dgm:cxn modelId="{1731442D-011A-41FA-87B1-564811AB7121}" type="presParOf" srcId="{E76329FE-8D5F-433A-8ABA-E1FDC4199C09}" destId="{F7233C61-574A-430E-88C4-4D9CC6CF2519}" srcOrd="2" destOrd="0" presId="urn:microsoft.com/office/officeart/2005/8/layout/orgChart1"/>
+    <dgm:cxn modelId="{D465B9EE-36B3-4B97-9AC3-91C7FF1F9CE4}" type="presParOf" srcId="{E76329FE-8D5F-433A-8ABA-E1FDC4199C09}" destId="{54172783-1F9F-4370-BE96-F4F8781CF671}" srcOrd="3" destOrd="0" presId="urn:microsoft.com/office/officeart/2005/8/layout/orgChart1"/>
+    <dgm:cxn modelId="{1E67E051-758B-43F7-8AAD-A3F67EF865AC}" type="presParOf" srcId="{54172783-1F9F-4370-BE96-F4F8781CF671}" destId="{162C42E8-7740-4521-BEB6-59976F052B21}" srcOrd="0" destOrd="0" presId="urn:microsoft.com/office/officeart/2005/8/layout/orgChart1"/>
+    <dgm:cxn modelId="{1C3514C1-E5F2-4F65-BFEA-0A6D9DF4F7B8}" type="presParOf" srcId="{162C42E8-7740-4521-BEB6-59976F052B21}" destId="{6A29785A-138A-4E46-96D0-DD0AD4C8CB1F}" srcOrd="0" destOrd="0" presId="urn:microsoft.com/office/officeart/2005/8/layout/orgChart1"/>
+    <dgm:cxn modelId="{8424D584-D65F-4EEC-9FB6-6FE684168FD8}" type="presParOf" srcId="{162C42E8-7740-4521-BEB6-59976F052B21}" destId="{C510BB81-6040-4257-B113-716EC41ADC0C}" srcOrd="1" destOrd="0" presId="urn:microsoft.com/office/officeart/2005/8/layout/orgChart1"/>
+    <dgm:cxn modelId="{98F63305-D91C-4384-882E-D4375BC7BBFA}" type="presParOf" srcId="{54172783-1F9F-4370-BE96-F4F8781CF671}" destId="{7A91E38B-4A08-486D-A3B9-B95972764586}" srcOrd="1" destOrd="0" presId="urn:microsoft.com/office/officeart/2005/8/layout/orgChart1"/>
+    <dgm:cxn modelId="{C5E32246-205D-404E-B3EC-5C5FA6A48897}" type="presParOf" srcId="{54172783-1F9F-4370-BE96-F4F8781CF671}" destId="{481AEF90-ED1E-481C-AF06-2E949D85C5D3}" srcOrd="2" destOrd="0" presId="urn:microsoft.com/office/officeart/2005/8/layout/orgChart1"/>
+    <dgm:cxn modelId="{95E42FCE-3EBB-4BDB-8A19-CB82EB16EBFD}" type="presParOf" srcId="{DC54D536-FED6-44AF-873B-58B242A63321}" destId="{A38049B3-F164-443D-99B6-63E29843D599}" srcOrd="2" destOrd="0" presId="urn:microsoft.com/office/officeart/2005/8/layout/orgChart1"/>
+    <dgm:cxn modelId="{E4841D0A-E0AA-4F6D-8D8D-3BEB15AD78DC}" type="presParOf" srcId="{5B49901B-8BCF-4616-B1C2-E8B2BA1C3011}" destId="{7E2F3DAA-543F-4E3C-8ACC-584DAEF3E21F}" srcOrd="4" destOrd="0" presId="urn:microsoft.com/office/officeart/2005/8/layout/orgChart1"/>
+    <dgm:cxn modelId="{1AF004F5-A07D-493A-AF28-43E93BAE0784}" type="presParOf" srcId="{5B49901B-8BCF-4616-B1C2-E8B2BA1C3011}" destId="{00724A27-05A7-49A1-8BD6-AA3D1EFC4448}" srcOrd="5" destOrd="0" presId="urn:microsoft.com/office/officeart/2005/8/layout/orgChart1"/>
+    <dgm:cxn modelId="{F9EE706C-41A7-471A-99F8-63FF3B782D03}" type="presParOf" srcId="{00724A27-05A7-49A1-8BD6-AA3D1EFC4448}" destId="{2FC3569E-CB21-4FC3-86B2-BDAECC6B92DC}" srcOrd="0" destOrd="0" presId="urn:microsoft.com/office/officeart/2005/8/layout/orgChart1"/>
+    <dgm:cxn modelId="{004139F5-0F0E-47B4-B32F-C96E47737A91}" type="presParOf" srcId="{2FC3569E-CB21-4FC3-86B2-BDAECC6B92DC}" destId="{38998C60-342D-457E-91F5-4B8680F4E79C}" srcOrd="0" destOrd="0" presId="urn:microsoft.com/office/officeart/2005/8/layout/orgChart1"/>
+    <dgm:cxn modelId="{9BDA79D3-4332-47C6-81CB-7E7A14BF369D}" type="presParOf" srcId="{2FC3569E-CB21-4FC3-86B2-BDAECC6B92DC}" destId="{C38EC8E0-05E9-4DE5-A4FA-4038EA01CDB3}" srcOrd="1" destOrd="0" presId="urn:microsoft.com/office/officeart/2005/8/layout/orgChart1"/>
+    <dgm:cxn modelId="{6E5DAB14-87DF-4549-B81F-BBB5AABA431C}" type="presParOf" srcId="{00724A27-05A7-49A1-8BD6-AA3D1EFC4448}" destId="{9AF94EAA-A90A-43D9-9A8B-CA5F660AC3F2}" srcOrd="1" destOrd="0" presId="urn:microsoft.com/office/officeart/2005/8/layout/orgChart1"/>
+    <dgm:cxn modelId="{6266F7D3-FFB5-4295-A2FA-7BF47C107D84}" type="presParOf" srcId="{9AF94EAA-A90A-43D9-9A8B-CA5F660AC3F2}" destId="{E01D1915-4504-4B46-B41F-8B01A6431CB0}" srcOrd="0" destOrd="0" presId="urn:microsoft.com/office/officeart/2005/8/layout/orgChart1"/>
+    <dgm:cxn modelId="{9CBE9200-E0B4-4C8D-9200-0FC0FE8982A8}" type="presParOf" srcId="{9AF94EAA-A90A-43D9-9A8B-CA5F660AC3F2}" destId="{9571FB67-267A-48B2-BB36-F472701967FC}" srcOrd="1" destOrd="0" presId="urn:microsoft.com/office/officeart/2005/8/layout/orgChart1"/>
+    <dgm:cxn modelId="{AB20B245-C690-4694-91AE-958A8393C702}" type="presParOf" srcId="{9571FB67-267A-48B2-BB36-F472701967FC}" destId="{9CF7AE6B-EA77-40C0-9987-01E5224A5A67}" srcOrd="0" destOrd="0" presId="urn:microsoft.com/office/officeart/2005/8/layout/orgChart1"/>
+    <dgm:cxn modelId="{26E61136-6D9C-4D56-84C6-5C0093600B28}" type="presParOf" srcId="{9CF7AE6B-EA77-40C0-9987-01E5224A5A67}" destId="{126793F7-9C35-42DD-99AA-881BCC14C049}" srcOrd="0" destOrd="0" presId="urn:microsoft.com/office/officeart/2005/8/layout/orgChart1"/>
+    <dgm:cxn modelId="{8988D2C7-6A8F-4C1D-8B96-F26FA20E3157}" type="presParOf" srcId="{9CF7AE6B-EA77-40C0-9987-01E5224A5A67}" destId="{FB8AAE99-C425-4C00-B314-7333F792BA05}" srcOrd="1" destOrd="0" presId="urn:microsoft.com/office/officeart/2005/8/layout/orgChart1"/>
+    <dgm:cxn modelId="{6EB96D3C-9CB1-4E9A-8AF6-4CCEA6A6980C}" type="presParOf" srcId="{9571FB67-267A-48B2-BB36-F472701967FC}" destId="{7F380E2A-9E5E-4BB9-B2D8-0C8446FDB209}" srcOrd="1" destOrd="0" presId="urn:microsoft.com/office/officeart/2005/8/layout/orgChart1"/>
+    <dgm:cxn modelId="{5A3004BB-4D2B-4FFA-B41C-D6A372F7942F}" type="presParOf" srcId="{9571FB67-267A-48B2-BB36-F472701967FC}" destId="{6F2A7BE1-9629-4018-AD56-38A1F385D0B7}" srcOrd="2" destOrd="0" presId="urn:microsoft.com/office/officeart/2005/8/layout/orgChart1"/>
+    <dgm:cxn modelId="{C7BF08F1-42EB-4C5C-B98F-84B35495CE18}" type="presParOf" srcId="{9AF94EAA-A90A-43D9-9A8B-CA5F660AC3F2}" destId="{399D933F-B65B-47B2-8B36-434BB4CD99B9}" srcOrd="2" destOrd="0" presId="urn:microsoft.com/office/officeart/2005/8/layout/orgChart1"/>
+    <dgm:cxn modelId="{62018EFC-3282-4D29-81AB-BBB03EC7FD1D}" type="presParOf" srcId="{9AF94EAA-A90A-43D9-9A8B-CA5F660AC3F2}" destId="{E2A24AFA-038C-42B7-9BA3-CF7F0109F388}" srcOrd="3" destOrd="0" presId="urn:microsoft.com/office/officeart/2005/8/layout/orgChart1"/>
+    <dgm:cxn modelId="{6CCA8991-3842-4310-BE03-0840D7066097}" type="presParOf" srcId="{E2A24AFA-038C-42B7-9BA3-CF7F0109F388}" destId="{5AAF7E52-7F73-4587-A2CF-943528D28B8D}" srcOrd="0" destOrd="0" presId="urn:microsoft.com/office/officeart/2005/8/layout/orgChart1"/>
+    <dgm:cxn modelId="{C9CD3B51-7313-4073-9207-D0CE027A139D}" type="presParOf" srcId="{5AAF7E52-7F73-4587-A2CF-943528D28B8D}" destId="{8593F704-02F0-4294-AF6D-A6CE3C6E5004}" srcOrd="0" destOrd="0" presId="urn:microsoft.com/office/officeart/2005/8/layout/orgChart1"/>
+    <dgm:cxn modelId="{E7DCC634-48FC-4AAF-B5F7-3D1F4F634A67}" type="presParOf" srcId="{5AAF7E52-7F73-4587-A2CF-943528D28B8D}" destId="{BACE85D5-FF7E-4FF6-8318-D9F10446E89C}" srcOrd="1" destOrd="0" presId="urn:microsoft.com/office/officeart/2005/8/layout/orgChart1"/>
+    <dgm:cxn modelId="{3E35400A-BA75-4259-897A-43062D366918}" type="presParOf" srcId="{E2A24AFA-038C-42B7-9BA3-CF7F0109F388}" destId="{DA72B631-92E1-44EF-8830-7CA2201B07E0}" srcOrd="1" destOrd="0" presId="urn:microsoft.com/office/officeart/2005/8/layout/orgChart1"/>
+    <dgm:cxn modelId="{4719CAFC-D9E7-4879-8F52-02B48CCAE70C}" type="presParOf" srcId="{E2A24AFA-038C-42B7-9BA3-CF7F0109F388}" destId="{00105A9E-7089-4DA1-A172-2B0B7AF215B4}" srcOrd="2" destOrd="0" presId="urn:microsoft.com/office/officeart/2005/8/layout/orgChart1"/>
+    <dgm:cxn modelId="{66D5BEEC-CF10-4EA4-98E7-8B6F6BECE922}" type="presParOf" srcId="{00724A27-05A7-49A1-8BD6-AA3D1EFC4448}" destId="{255A2C8D-AAA3-45EE-B9E7-91624FC1F5F2}" srcOrd="2" destOrd="0" presId="urn:microsoft.com/office/officeart/2005/8/layout/orgChart1"/>
+    <dgm:cxn modelId="{30CFC827-4D62-45BA-9A7C-F35C862BDD65}" type="presParOf" srcId="{C75C6DFE-1CAA-49BE-94DF-5670150054D7}" destId="{03233C6C-46D0-45A1-96E0-2D9DAB24F860}" srcOrd="2" destOrd="0" presId="urn:microsoft.com/office/officeart/2005/8/layout/orgChart1"/>
+  </dgm:cxnLst>
+  <dgm:bg/>
+  <dgm:whole/>
+  <dgm:extLst>
+    <a:ext uri="http://schemas.microsoft.com/office/drawing/2008/diagram">
+      <dsp:dataModelExt xmlns:dsp="http://schemas.microsoft.com/office/drawing/2008/diagram" relId="rId7" minVer="http://schemas.openxmlformats.org/drawingml/2006/diagram"/>
+    </a:ext>
+  </dgm:extLst>
+</dgm:dataModel>
+</file>
+
+<file path=ppt/diagrams/data5.xml><?xml version="1.0" encoding="utf-8"?>
 <dgm:dataModel xmlns:dgm="http://schemas.openxmlformats.org/drawingml/2006/diagram" xmlns:a="http://schemas.openxmlformats.org/drawingml/2006/main">
   <dgm:ptLst>
     <dgm:pt modelId="{C2771E9A-6030-496A-9C92-6C4665E959A4}" type="doc">
@@ -6370,6 +8351,1706 @@
       <dsp:cNvGrpSpPr/>
     </dsp:nvGrpSpPr>
     <dsp:grpSpPr/>
+    <dsp:sp modelId="{399D933F-B65B-47B2-8B36-434BB4CD99B9}">
+      <dsp:nvSpPr>
+        <dsp:cNvPr id="0" name=""/>
+        <dsp:cNvSpPr/>
+      </dsp:nvSpPr>
+      <dsp:spPr>
+        <a:xfrm>
+          <a:off x="2842509" y="1370304"/>
+          <a:ext cx="169078" cy="1318809"/>
+        </a:xfrm>
+        <a:custGeom>
+          <a:avLst/>
+          <a:gdLst/>
+          <a:ahLst/>
+          <a:cxnLst/>
+          <a:rect l="0" t="0" r="0" b="0"/>
+          <a:pathLst>
+            <a:path>
+              <a:moveTo>
+                <a:pt x="0" y="0"/>
+              </a:moveTo>
+              <a:lnTo>
+                <a:pt x="0" y="1318809"/>
+              </a:lnTo>
+              <a:lnTo>
+                <a:pt x="169078" y="1318809"/>
+              </a:lnTo>
+            </a:path>
+          </a:pathLst>
+        </a:custGeom>
+        <a:noFill/>
+        <a:ln w="15875" cap="rnd" cmpd="sng" algn="ctr">
+          <a:solidFill>
+            <a:schemeClr val="accent4">
+              <a:hueOff val="0"/>
+              <a:satOff val="0"/>
+              <a:lumOff val="0"/>
+              <a:alphaOff val="0"/>
+            </a:schemeClr>
+          </a:solidFill>
+          <a:prstDash val="solid"/>
+        </a:ln>
+        <a:effectLst/>
+      </dsp:spPr>
+      <dsp:style>
+        <a:lnRef idx="2">
+          <a:scrgbClr r="0" g="0" b="0"/>
+        </a:lnRef>
+        <a:fillRef idx="0">
+          <a:scrgbClr r="0" g="0" b="0"/>
+        </a:fillRef>
+        <a:effectRef idx="0">
+          <a:scrgbClr r="0" g="0" b="0"/>
+        </a:effectRef>
+        <a:fontRef idx="minor"/>
+      </dsp:style>
+    </dsp:sp>
+    <dsp:sp modelId="{E01D1915-4504-4B46-B41F-8B01A6431CB0}">
+      <dsp:nvSpPr>
+        <dsp:cNvPr id="0" name=""/>
+        <dsp:cNvSpPr/>
+      </dsp:nvSpPr>
+      <dsp:spPr>
+        <a:xfrm>
+          <a:off x="2842509" y="1370304"/>
+          <a:ext cx="169078" cy="518506"/>
+        </a:xfrm>
+        <a:custGeom>
+          <a:avLst/>
+          <a:gdLst/>
+          <a:ahLst/>
+          <a:cxnLst/>
+          <a:rect l="0" t="0" r="0" b="0"/>
+          <a:pathLst>
+            <a:path>
+              <a:moveTo>
+                <a:pt x="0" y="0"/>
+              </a:moveTo>
+              <a:lnTo>
+                <a:pt x="0" y="518506"/>
+              </a:lnTo>
+              <a:lnTo>
+                <a:pt x="169078" y="518506"/>
+              </a:lnTo>
+            </a:path>
+          </a:pathLst>
+        </a:custGeom>
+        <a:noFill/>
+        <a:ln w="15875" cap="rnd" cmpd="sng" algn="ctr">
+          <a:solidFill>
+            <a:schemeClr val="accent4">
+              <a:hueOff val="0"/>
+              <a:satOff val="0"/>
+              <a:lumOff val="0"/>
+              <a:alphaOff val="0"/>
+            </a:schemeClr>
+          </a:solidFill>
+          <a:prstDash val="solid"/>
+        </a:ln>
+        <a:effectLst/>
+      </dsp:spPr>
+      <dsp:style>
+        <a:lnRef idx="2">
+          <a:scrgbClr r="0" g="0" b="0"/>
+        </a:lnRef>
+        <a:fillRef idx="0">
+          <a:scrgbClr r="0" g="0" b="0"/>
+        </a:fillRef>
+        <a:effectRef idx="0">
+          <a:scrgbClr r="0" g="0" b="0"/>
+        </a:effectRef>
+        <a:fontRef idx="minor"/>
+      </dsp:style>
+    </dsp:sp>
+    <dsp:sp modelId="{7E2F3DAA-543F-4E3C-8ACC-584DAEF3E21F}">
+      <dsp:nvSpPr>
+        <dsp:cNvPr id="0" name=""/>
+        <dsp:cNvSpPr/>
+      </dsp:nvSpPr>
+      <dsp:spPr>
+        <a:xfrm>
+          <a:off x="1929487" y="570001"/>
+          <a:ext cx="1363897" cy="236709"/>
+        </a:xfrm>
+        <a:custGeom>
+          <a:avLst/>
+          <a:gdLst/>
+          <a:ahLst/>
+          <a:cxnLst/>
+          <a:rect l="0" t="0" r="0" b="0"/>
+          <a:pathLst>
+            <a:path>
+              <a:moveTo>
+                <a:pt x="0" y="0"/>
+              </a:moveTo>
+              <a:lnTo>
+                <a:pt x="0" y="118354"/>
+              </a:lnTo>
+              <a:lnTo>
+                <a:pt x="1363897" y="118354"/>
+              </a:lnTo>
+              <a:lnTo>
+                <a:pt x="1363897" y="236709"/>
+              </a:lnTo>
+            </a:path>
+          </a:pathLst>
+        </a:custGeom>
+        <a:noFill/>
+        <a:ln w="15875" cap="rnd" cmpd="sng" algn="ctr">
+          <a:solidFill>
+            <a:schemeClr val="accent3">
+              <a:hueOff val="0"/>
+              <a:satOff val="0"/>
+              <a:lumOff val="0"/>
+              <a:alphaOff val="0"/>
+            </a:schemeClr>
+          </a:solidFill>
+          <a:prstDash val="solid"/>
+        </a:ln>
+        <a:effectLst/>
+      </dsp:spPr>
+      <dsp:style>
+        <a:lnRef idx="2">
+          <a:scrgbClr r="0" g="0" b="0"/>
+        </a:lnRef>
+        <a:fillRef idx="0">
+          <a:scrgbClr r="0" g="0" b="0"/>
+        </a:fillRef>
+        <a:effectRef idx="0">
+          <a:scrgbClr r="0" g="0" b="0"/>
+        </a:effectRef>
+        <a:fontRef idx="minor"/>
+      </dsp:style>
+    </dsp:sp>
+    <dsp:sp modelId="{F7233C61-574A-430E-88C4-4D9CC6CF2519}">
+      <dsp:nvSpPr>
+        <dsp:cNvPr id="0" name=""/>
+        <dsp:cNvSpPr/>
+      </dsp:nvSpPr>
+      <dsp:spPr>
+        <a:xfrm>
+          <a:off x="1478612" y="1370304"/>
+          <a:ext cx="169078" cy="1318809"/>
+        </a:xfrm>
+        <a:custGeom>
+          <a:avLst/>
+          <a:gdLst/>
+          <a:ahLst/>
+          <a:cxnLst/>
+          <a:rect l="0" t="0" r="0" b="0"/>
+          <a:pathLst>
+            <a:path>
+              <a:moveTo>
+                <a:pt x="0" y="0"/>
+              </a:moveTo>
+              <a:lnTo>
+                <a:pt x="0" y="1318809"/>
+              </a:lnTo>
+              <a:lnTo>
+                <a:pt x="169078" y="1318809"/>
+              </a:lnTo>
+            </a:path>
+          </a:pathLst>
+        </a:custGeom>
+        <a:noFill/>
+        <a:ln w="15875" cap="rnd" cmpd="sng" algn="ctr">
+          <a:solidFill>
+            <a:schemeClr val="accent4">
+              <a:hueOff val="0"/>
+              <a:satOff val="0"/>
+              <a:lumOff val="0"/>
+              <a:alphaOff val="0"/>
+            </a:schemeClr>
+          </a:solidFill>
+          <a:prstDash val="solid"/>
+        </a:ln>
+        <a:effectLst/>
+      </dsp:spPr>
+      <dsp:style>
+        <a:lnRef idx="2">
+          <a:scrgbClr r="0" g="0" b="0"/>
+        </a:lnRef>
+        <a:fillRef idx="0">
+          <a:scrgbClr r="0" g="0" b="0"/>
+        </a:fillRef>
+        <a:effectRef idx="0">
+          <a:scrgbClr r="0" g="0" b="0"/>
+        </a:effectRef>
+        <a:fontRef idx="minor"/>
+      </dsp:style>
+    </dsp:sp>
+    <dsp:sp modelId="{F634F148-07D6-4F28-BF76-A0A2EB2B5E1C}">
+      <dsp:nvSpPr>
+        <dsp:cNvPr id="0" name=""/>
+        <dsp:cNvSpPr/>
+      </dsp:nvSpPr>
+      <dsp:spPr>
+        <a:xfrm>
+          <a:off x="1478612" y="1370304"/>
+          <a:ext cx="169078" cy="518506"/>
+        </a:xfrm>
+        <a:custGeom>
+          <a:avLst/>
+          <a:gdLst/>
+          <a:ahLst/>
+          <a:cxnLst/>
+          <a:rect l="0" t="0" r="0" b="0"/>
+          <a:pathLst>
+            <a:path>
+              <a:moveTo>
+                <a:pt x="0" y="0"/>
+              </a:moveTo>
+              <a:lnTo>
+                <a:pt x="0" y="518506"/>
+              </a:lnTo>
+              <a:lnTo>
+                <a:pt x="169078" y="518506"/>
+              </a:lnTo>
+            </a:path>
+          </a:pathLst>
+        </a:custGeom>
+        <a:noFill/>
+        <a:ln w="15875" cap="rnd" cmpd="sng" algn="ctr">
+          <a:solidFill>
+            <a:schemeClr val="accent4">
+              <a:hueOff val="0"/>
+              <a:satOff val="0"/>
+              <a:lumOff val="0"/>
+              <a:alphaOff val="0"/>
+            </a:schemeClr>
+          </a:solidFill>
+          <a:prstDash val="solid"/>
+        </a:ln>
+        <a:effectLst/>
+      </dsp:spPr>
+      <dsp:style>
+        <a:lnRef idx="2">
+          <a:scrgbClr r="0" g="0" b="0"/>
+        </a:lnRef>
+        <a:fillRef idx="0">
+          <a:scrgbClr r="0" g="0" b="0"/>
+        </a:fillRef>
+        <a:effectRef idx="0">
+          <a:scrgbClr r="0" g="0" b="0"/>
+        </a:effectRef>
+        <a:fontRef idx="minor"/>
+      </dsp:style>
+    </dsp:sp>
+    <dsp:sp modelId="{64291D27-AB6B-4BBA-84D5-D99878933D48}">
+      <dsp:nvSpPr>
+        <dsp:cNvPr id="0" name=""/>
+        <dsp:cNvSpPr/>
+      </dsp:nvSpPr>
+      <dsp:spPr>
+        <a:xfrm>
+          <a:off x="1883767" y="570001"/>
+          <a:ext cx="91440" cy="236709"/>
+        </a:xfrm>
+        <a:custGeom>
+          <a:avLst/>
+          <a:gdLst/>
+          <a:ahLst/>
+          <a:cxnLst/>
+          <a:rect l="0" t="0" r="0" b="0"/>
+          <a:pathLst>
+            <a:path>
+              <a:moveTo>
+                <a:pt x="45720" y="0"/>
+              </a:moveTo>
+              <a:lnTo>
+                <a:pt x="45720" y="236709"/>
+              </a:lnTo>
+            </a:path>
+          </a:pathLst>
+        </a:custGeom>
+        <a:noFill/>
+        <a:ln w="15875" cap="rnd" cmpd="sng" algn="ctr">
+          <a:solidFill>
+            <a:schemeClr val="accent3">
+              <a:hueOff val="0"/>
+              <a:satOff val="0"/>
+              <a:lumOff val="0"/>
+              <a:alphaOff val="0"/>
+            </a:schemeClr>
+          </a:solidFill>
+          <a:prstDash val="solid"/>
+        </a:ln>
+        <a:effectLst/>
+      </dsp:spPr>
+      <dsp:style>
+        <a:lnRef idx="2">
+          <a:scrgbClr r="0" g="0" b="0"/>
+        </a:lnRef>
+        <a:fillRef idx="0">
+          <a:scrgbClr r="0" g="0" b="0"/>
+        </a:fillRef>
+        <a:effectRef idx="0">
+          <a:scrgbClr r="0" g="0" b="0"/>
+        </a:effectRef>
+        <a:fontRef idx="minor"/>
+      </dsp:style>
+    </dsp:sp>
+    <dsp:sp modelId="{81EC512A-78D1-4C12-9CF1-C4989A7DA88A}">
+      <dsp:nvSpPr>
+        <dsp:cNvPr id="0" name=""/>
+        <dsp:cNvSpPr/>
+      </dsp:nvSpPr>
+      <dsp:spPr>
+        <a:xfrm>
+          <a:off x="114715" y="1370304"/>
+          <a:ext cx="169078" cy="2119112"/>
+        </a:xfrm>
+        <a:custGeom>
+          <a:avLst/>
+          <a:gdLst/>
+          <a:ahLst/>
+          <a:cxnLst/>
+          <a:rect l="0" t="0" r="0" b="0"/>
+          <a:pathLst>
+            <a:path>
+              <a:moveTo>
+                <a:pt x="0" y="0"/>
+              </a:moveTo>
+              <a:lnTo>
+                <a:pt x="0" y="2119112"/>
+              </a:lnTo>
+              <a:lnTo>
+                <a:pt x="169078" y="2119112"/>
+              </a:lnTo>
+            </a:path>
+          </a:pathLst>
+        </a:custGeom>
+        <a:noFill/>
+        <a:ln w="15875" cap="rnd" cmpd="sng" algn="ctr">
+          <a:solidFill>
+            <a:schemeClr val="accent4">
+              <a:hueOff val="0"/>
+              <a:satOff val="0"/>
+              <a:lumOff val="0"/>
+              <a:alphaOff val="0"/>
+            </a:schemeClr>
+          </a:solidFill>
+          <a:prstDash val="solid"/>
+        </a:ln>
+        <a:effectLst/>
+      </dsp:spPr>
+      <dsp:style>
+        <a:lnRef idx="2">
+          <a:scrgbClr r="0" g="0" b="0"/>
+        </a:lnRef>
+        <a:fillRef idx="0">
+          <a:scrgbClr r="0" g="0" b="0"/>
+        </a:fillRef>
+        <a:effectRef idx="0">
+          <a:scrgbClr r="0" g="0" b="0"/>
+        </a:effectRef>
+        <a:fontRef idx="minor"/>
+      </dsp:style>
+    </dsp:sp>
+    <dsp:sp modelId="{23BD0FEA-8822-44C4-AF50-1DF759BE405D}">
+      <dsp:nvSpPr>
+        <dsp:cNvPr id="0" name=""/>
+        <dsp:cNvSpPr/>
+      </dsp:nvSpPr>
+      <dsp:spPr>
+        <a:xfrm>
+          <a:off x="114715" y="1370304"/>
+          <a:ext cx="169078" cy="1318809"/>
+        </a:xfrm>
+        <a:custGeom>
+          <a:avLst/>
+          <a:gdLst/>
+          <a:ahLst/>
+          <a:cxnLst/>
+          <a:rect l="0" t="0" r="0" b="0"/>
+          <a:pathLst>
+            <a:path>
+              <a:moveTo>
+                <a:pt x="0" y="0"/>
+              </a:moveTo>
+              <a:lnTo>
+                <a:pt x="0" y="1318809"/>
+              </a:lnTo>
+              <a:lnTo>
+                <a:pt x="169078" y="1318809"/>
+              </a:lnTo>
+            </a:path>
+          </a:pathLst>
+        </a:custGeom>
+        <a:noFill/>
+        <a:ln w="15875" cap="rnd" cmpd="sng" algn="ctr">
+          <a:solidFill>
+            <a:schemeClr val="accent4">
+              <a:hueOff val="0"/>
+              <a:satOff val="0"/>
+              <a:lumOff val="0"/>
+              <a:alphaOff val="0"/>
+            </a:schemeClr>
+          </a:solidFill>
+          <a:prstDash val="solid"/>
+        </a:ln>
+        <a:effectLst/>
+      </dsp:spPr>
+      <dsp:style>
+        <a:lnRef idx="2">
+          <a:scrgbClr r="0" g="0" b="0"/>
+        </a:lnRef>
+        <a:fillRef idx="0">
+          <a:scrgbClr r="0" g="0" b="0"/>
+        </a:fillRef>
+        <a:effectRef idx="0">
+          <a:scrgbClr r="0" g="0" b="0"/>
+        </a:effectRef>
+        <a:fontRef idx="minor"/>
+      </dsp:style>
+    </dsp:sp>
+    <dsp:sp modelId="{4F144763-FDBB-4E9F-BB72-BEE4BF333CFF}">
+      <dsp:nvSpPr>
+        <dsp:cNvPr id="0" name=""/>
+        <dsp:cNvSpPr/>
+      </dsp:nvSpPr>
+      <dsp:spPr>
+        <a:xfrm>
+          <a:off x="114715" y="1370304"/>
+          <a:ext cx="169078" cy="518506"/>
+        </a:xfrm>
+        <a:custGeom>
+          <a:avLst/>
+          <a:gdLst/>
+          <a:ahLst/>
+          <a:cxnLst/>
+          <a:rect l="0" t="0" r="0" b="0"/>
+          <a:pathLst>
+            <a:path>
+              <a:moveTo>
+                <a:pt x="0" y="0"/>
+              </a:moveTo>
+              <a:lnTo>
+                <a:pt x="0" y="518506"/>
+              </a:lnTo>
+              <a:lnTo>
+                <a:pt x="169078" y="518506"/>
+              </a:lnTo>
+            </a:path>
+          </a:pathLst>
+        </a:custGeom>
+        <a:noFill/>
+        <a:ln w="15875" cap="rnd" cmpd="sng" algn="ctr">
+          <a:solidFill>
+            <a:schemeClr val="accent4">
+              <a:hueOff val="0"/>
+              <a:satOff val="0"/>
+              <a:lumOff val="0"/>
+              <a:alphaOff val="0"/>
+            </a:schemeClr>
+          </a:solidFill>
+          <a:prstDash val="solid"/>
+        </a:ln>
+        <a:effectLst/>
+      </dsp:spPr>
+      <dsp:style>
+        <a:lnRef idx="2">
+          <a:scrgbClr r="0" g="0" b="0"/>
+        </a:lnRef>
+        <a:fillRef idx="0">
+          <a:scrgbClr r="0" g="0" b="0"/>
+        </a:fillRef>
+        <a:effectRef idx="0">
+          <a:scrgbClr r="0" g="0" b="0"/>
+        </a:effectRef>
+        <a:fontRef idx="minor"/>
+      </dsp:style>
+    </dsp:sp>
+    <dsp:sp modelId="{1440D978-8952-4503-94E2-D6FBA5859D83}">
+      <dsp:nvSpPr>
+        <dsp:cNvPr id="0" name=""/>
+        <dsp:cNvSpPr/>
+      </dsp:nvSpPr>
+      <dsp:spPr>
+        <a:xfrm>
+          <a:off x="565590" y="570001"/>
+          <a:ext cx="1363897" cy="236709"/>
+        </a:xfrm>
+        <a:custGeom>
+          <a:avLst/>
+          <a:gdLst/>
+          <a:ahLst/>
+          <a:cxnLst/>
+          <a:rect l="0" t="0" r="0" b="0"/>
+          <a:pathLst>
+            <a:path>
+              <a:moveTo>
+                <a:pt x="1363897" y="0"/>
+              </a:moveTo>
+              <a:lnTo>
+                <a:pt x="1363897" y="118354"/>
+              </a:lnTo>
+              <a:lnTo>
+                <a:pt x="0" y="118354"/>
+              </a:lnTo>
+              <a:lnTo>
+                <a:pt x="0" y="236709"/>
+              </a:lnTo>
+            </a:path>
+          </a:pathLst>
+        </a:custGeom>
+        <a:noFill/>
+        <a:ln w="15875" cap="rnd" cmpd="sng" algn="ctr">
+          <a:solidFill>
+            <a:schemeClr val="accent3">
+              <a:hueOff val="0"/>
+              <a:satOff val="0"/>
+              <a:lumOff val="0"/>
+              <a:alphaOff val="0"/>
+            </a:schemeClr>
+          </a:solidFill>
+          <a:prstDash val="solid"/>
+        </a:ln>
+        <a:effectLst/>
+      </dsp:spPr>
+      <dsp:style>
+        <a:lnRef idx="2">
+          <a:scrgbClr r="0" g="0" b="0"/>
+        </a:lnRef>
+        <a:fillRef idx="0">
+          <a:scrgbClr r="0" g="0" b="0"/>
+        </a:fillRef>
+        <a:effectRef idx="0">
+          <a:scrgbClr r="0" g="0" b="0"/>
+        </a:effectRef>
+        <a:fontRef idx="minor"/>
+      </dsp:style>
+    </dsp:sp>
+    <dsp:sp modelId="{45E9C572-6BC1-4C59-99BD-CEF702FA3E04}">
+      <dsp:nvSpPr>
+        <dsp:cNvPr id="0" name=""/>
+        <dsp:cNvSpPr/>
+      </dsp:nvSpPr>
+      <dsp:spPr>
+        <a:xfrm>
+          <a:off x="1365893" y="6407"/>
+          <a:ext cx="1127187" cy="563593"/>
+        </a:xfrm>
+        <a:prstGeom prst="rect">
+          <a:avLst/>
+        </a:prstGeom>
+        <a:gradFill rotWithShape="0">
+          <a:gsLst>
+            <a:gs pos="0">
+              <a:schemeClr val="accent1">
+                <a:hueOff val="0"/>
+                <a:satOff val="0"/>
+                <a:lumOff val="0"/>
+                <a:alphaOff val="0"/>
+                <a:tint val="96000"/>
+                <a:lumMod val="104000"/>
+              </a:schemeClr>
+            </a:gs>
+            <a:gs pos="100000">
+              <a:schemeClr val="accent1">
+                <a:hueOff val="0"/>
+                <a:satOff val="0"/>
+                <a:lumOff val="0"/>
+                <a:alphaOff val="0"/>
+                <a:shade val="98000"/>
+                <a:lumMod val="94000"/>
+              </a:schemeClr>
+            </a:gs>
+          </a:gsLst>
+          <a:lin ang="5400000" scaled="0"/>
+        </a:gradFill>
+        <a:ln>
+          <a:noFill/>
+        </a:ln>
+        <a:effectLst>
+          <a:outerShdw blurRad="50800" dist="38100" dir="5400000" rotWithShape="0">
+            <a:srgbClr val="000000">
+              <a:alpha val="60000"/>
+            </a:srgbClr>
+          </a:outerShdw>
+        </a:effectLst>
+      </dsp:spPr>
+      <dsp:style>
+        <a:lnRef idx="0">
+          <a:scrgbClr r="0" g="0" b="0"/>
+        </a:lnRef>
+        <a:fillRef idx="3">
+          <a:scrgbClr r="0" g="0" b="0"/>
+        </a:fillRef>
+        <a:effectRef idx="3">
+          <a:scrgbClr r="0" g="0" b="0"/>
+        </a:effectRef>
+        <a:fontRef idx="minor">
+          <a:schemeClr val="lt1"/>
+        </a:fontRef>
+      </dsp:style>
+      <dsp:txBody>
+        <a:bodyPr spcFirstLastPara="0" vert="horz" wrap="square" lIns="7620" tIns="7620" rIns="7620" bIns="7620" numCol="1" spcCol="1270" anchor="ctr" anchorCtr="0">
+          <a:noAutofit/>
+        </a:bodyPr>
+        <a:lstStyle/>
+        <a:p>
+          <a:pPr marL="0" lvl="0" indent="0" algn="ctr" defTabSz="533400">
+            <a:lnSpc>
+              <a:spcPct val="90000"/>
+            </a:lnSpc>
+            <a:spcBef>
+              <a:spcPct val="0"/>
+            </a:spcBef>
+            <a:spcAft>
+              <a:spcPct val="35000"/>
+            </a:spcAft>
+            <a:buClr>
+              <a:srgbClr val="FFBE04"/>
+            </a:buClr>
+            <a:buNone/>
+          </a:pPr>
+          <a:r>
+            <a:rPr lang="en-US" sz="1200" b="0" kern="1200" cap="none" spc="0">
+              <a:effectLst>
+                <a:outerShdw blurRad="38100" dist="19050" dir="2700000" algn="tl" rotWithShape="0">
+                  <a:schemeClr val="dk1">
+                    <a:alpha val="40000"/>
+                  </a:schemeClr>
+                </a:outerShdw>
+              </a:effectLst>
+            </a:rPr>
+            <a:t>Data Analysis</a:t>
+          </a:r>
+        </a:p>
+      </dsp:txBody>
+      <dsp:txXfrm>
+        <a:off x="1365893" y="6407"/>
+        <a:ext cx="1127187" cy="563593"/>
+      </dsp:txXfrm>
+    </dsp:sp>
+    <dsp:sp modelId="{B540F2EC-F685-4620-9CAB-E40D4D042AC2}">
+      <dsp:nvSpPr>
+        <dsp:cNvPr id="0" name=""/>
+        <dsp:cNvSpPr/>
+      </dsp:nvSpPr>
+      <dsp:spPr>
+        <a:xfrm>
+          <a:off x="1996" y="806710"/>
+          <a:ext cx="1127187" cy="563593"/>
+        </a:xfrm>
+        <a:prstGeom prst="rect">
+          <a:avLst/>
+        </a:prstGeom>
+        <a:gradFill rotWithShape="0">
+          <a:gsLst>
+            <a:gs pos="0">
+              <a:schemeClr val="accent3">
+                <a:hueOff val="0"/>
+                <a:satOff val="0"/>
+                <a:lumOff val="0"/>
+                <a:alphaOff val="0"/>
+                <a:tint val="96000"/>
+                <a:lumMod val="104000"/>
+              </a:schemeClr>
+            </a:gs>
+            <a:gs pos="100000">
+              <a:schemeClr val="accent3">
+                <a:hueOff val="0"/>
+                <a:satOff val="0"/>
+                <a:lumOff val="0"/>
+                <a:alphaOff val="0"/>
+                <a:shade val="98000"/>
+                <a:lumMod val="94000"/>
+              </a:schemeClr>
+            </a:gs>
+          </a:gsLst>
+          <a:lin ang="5400000" scaled="0"/>
+        </a:gradFill>
+        <a:ln>
+          <a:noFill/>
+        </a:ln>
+        <a:effectLst>
+          <a:outerShdw blurRad="50800" dist="38100" dir="5400000" rotWithShape="0">
+            <a:srgbClr val="000000">
+              <a:alpha val="60000"/>
+            </a:srgbClr>
+          </a:outerShdw>
+        </a:effectLst>
+      </dsp:spPr>
+      <dsp:style>
+        <a:lnRef idx="0">
+          <a:scrgbClr r="0" g="0" b="0"/>
+        </a:lnRef>
+        <a:fillRef idx="3">
+          <a:scrgbClr r="0" g="0" b="0"/>
+        </a:fillRef>
+        <a:effectRef idx="3">
+          <a:scrgbClr r="0" g="0" b="0"/>
+        </a:effectRef>
+        <a:fontRef idx="minor">
+          <a:schemeClr val="lt1"/>
+        </a:fontRef>
+      </dsp:style>
+      <dsp:txBody>
+        <a:bodyPr spcFirstLastPara="0" vert="horz" wrap="square" lIns="7620" tIns="7620" rIns="7620" bIns="7620" numCol="1" spcCol="1270" anchor="ctr" anchorCtr="0">
+          <a:noAutofit/>
+        </a:bodyPr>
+        <a:lstStyle/>
+        <a:p>
+          <a:pPr marL="0" lvl="0" indent="0" algn="ctr" defTabSz="533400">
+            <a:lnSpc>
+              <a:spcPct val="90000"/>
+            </a:lnSpc>
+            <a:spcBef>
+              <a:spcPct val="0"/>
+            </a:spcBef>
+            <a:spcAft>
+              <a:spcPct val="35000"/>
+            </a:spcAft>
+            <a:buClr>
+              <a:srgbClr val="FFBE04"/>
+            </a:buClr>
+            <a:buNone/>
+          </a:pPr>
+          <a:r>
+            <a:rPr lang="en-US" sz="1200" b="0" kern="1200" cap="none" spc="0">
+              <a:effectLst>
+                <a:outerShdw blurRad="38100" dist="19050" dir="2700000" algn="tl" rotWithShape="0">
+                  <a:schemeClr val="dk1">
+                    <a:alpha val="40000"/>
+                  </a:schemeClr>
+                </a:outerShdw>
+              </a:effectLst>
+            </a:rPr>
+            <a:t>Demographics</a:t>
+          </a:r>
+        </a:p>
+      </dsp:txBody>
+      <dsp:txXfrm>
+        <a:off x="1996" y="806710"/>
+        <a:ext cx="1127187" cy="563593"/>
+      </dsp:txXfrm>
+    </dsp:sp>
+    <dsp:sp modelId="{7B6B7DF4-4B26-4E03-A10C-5B891E1EE787}">
+      <dsp:nvSpPr>
+        <dsp:cNvPr id="0" name=""/>
+        <dsp:cNvSpPr/>
+      </dsp:nvSpPr>
+      <dsp:spPr>
+        <a:xfrm>
+          <a:off x="283793" y="1607014"/>
+          <a:ext cx="1127187" cy="563593"/>
+        </a:xfrm>
+        <a:prstGeom prst="rect">
+          <a:avLst/>
+        </a:prstGeom>
+        <a:gradFill rotWithShape="0">
+          <a:gsLst>
+            <a:gs pos="0">
+              <a:schemeClr val="accent4">
+                <a:hueOff val="0"/>
+                <a:satOff val="0"/>
+                <a:lumOff val="0"/>
+                <a:alphaOff val="0"/>
+                <a:tint val="96000"/>
+                <a:lumMod val="104000"/>
+              </a:schemeClr>
+            </a:gs>
+            <a:gs pos="100000">
+              <a:schemeClr val="accent4">
+                <a:hueOff val="0"/>
+                <a:satOff val="0"/>
+                <a:lumOff val="0"/>
+                <a:alphaOff val="0"/>
+                <a:shade val="98000"/>
+                <a:lumMod val="94000"/>
+              </a:schemeClr>
+            </a:gs>
+          </a:gsLst>
+          <a:lin ang="5400000" scaled="0"/>
+        </a:gradFill>
+        <a:ln>
+          <a:noFill/>
+        </a:ln>
+        <a:effectLst>
+          <a:outerShdw blurRad="50800" dist="38100" dir="5400000" rotWithShape="0">
+            <a:srgbClr val="000000">
+              <a:alpha val="60000"/>
+            </a:srgbClr>
+          </a:outerShdw>
+        </a:effectLst>
+      </dsp:spPr>
+      <dsp:style>
+        <a:lnRef idx="0">
+          <a:scrgbClr r="0" g="0" b="0"/>
+        </a:lnRef>
+        <a:fillRef idx="3">
+          <a:scrgbClr r="0" g="0" b="0"/>
+        </a:fillRef>
+        <a:effectRef idx="3">
+          <a:scrgbClr r="0" g="0" b="0"/>
+        </a:effectRef>
+        <a:fontRef idx="minor">
+          <a:schemeClr val="lt1"/>
+        </a:fontRef>
+      </dsp:style>
+      <dsp:txBody>
+        <a:bodyPr spcFirstLastPara="0" vert="horz" wrap="square" lIns="7620" tIns="7620" rIns="7620" bIns="7620" numCol="1" spcCol="1270" anchor="ctr" anchorCtr="0">
+          <a:noAutofit/>
+        </a:bodyPr>
+        <a:lstStyle/>
+        <a:p>
+          <a:pPr marL="0" lvl="0" indent="0" algn="ctr" defTabSz="533400">
+            <a:lnSpc>
+              <a:spcPct val="90000"/>
+            </a:lnSpc>
+            <a:spcBef>
+              <a:spcPct val="0"/>
+            </a:spcBef>
+            <a:spcAft>
+              <a:spcPct val="35000"/>
+            </a:spcAft>
+            <a:buClr>
+              <a:srgbClr val="FFBE04"/>
+            </a:buClr>
+            <a:buNone/>
+          </a:pPr>
+          <a:r>
+            <a:rPr lang="en-US" sz="1200" b="0" kern="1200" cap="none" spc="0">
+              <a:effectLst>
+                <a:outerShdw blurRad="38100" dist="19050" dir="2700000" algn="tl" rotWithShape="0">
+                  <a:schemeClr val="dk1">
+                    <a:alpha val="40000"/>
+                  </a:schemeClr>
+                </a:outerShdw>
+              </a:effectLst>
+            </a:rPr>
+            <a:t>Age</a:t>
+          </a:r>
+        </a:p>
+      </dsp:txBody>
+      <dsp:txXfrm>
+        <a:off x="283793" y="1607014"/>
+        <a:ext cx="1127187" cy="563593"/>
+      </dsp:txXfrm>
+    </dsp:sp>
+    <dsp:sp modelId="{0012B30E-2FF1-4456-9713-F5A2B2C80ECC}">
+      <dsp:nvSpPr>
+        <dsp:cNvPr id="0" name=""/>
+        <dsp:cNvSpPr/>
+      </dsp:nvSpPr>
+      <dsp:spPr>
+        <a:xfrm>
+          <a:off x="283793" y="2407317"/>
+          <a:ext cx="1127187" cy="563593"/>
+        </a:xfrm>
+        <a:prstGeom prst="rect">
+          <a:avLst/>
+        </a:prstGeom>
+        <a:gradFill rotWithShape="0">
+          <a:gsLst>
+            <a:gs pos="0">
+              <a:schemeClr val="accent4">
+                <a:hueOff val="0"/>
+                <a:satOff val="0"/>
+                <a:lumOff val="0"/>
+                <a:alphaOff val="0"/>
+                <a:tint val="96000"/>
+                <a:lumMod val="104000"/>
+              </a:schemeClr>
+            </a:gs>
+            <a:gs pos="100000">
+              <a:schemeClr val="accent4">
+                <a:hueOff val="0"/>
+                <a:satOff val="0"/>
+                <a:lumOff val="0"/>
+                <a:alphaOff val="0"/>
+                <a:shade val="98000"/>
+                <a:lumMod val="94000"/>
+              </a:schemeClr>
+            </a:gs>
+          </a:gsLst>
+          <a:lin ang="5400000" scaled="0"/>
+        </a:gradFill>
+        <a:ln>
+          <a:noFill/>
+        </a:ln>
+        <a:effectLst>
+          <a:outerShdw blurRad="50800" dist="38100" dir="5400000" rotWithShape="0">
+            <a:srgbClr val="000000">
+              <a:alpha val="60000"/>
+            </a:srgbClr>
+          </a:outerShdw>
+        </a:effectLst>
+      </dsp:spPr>
+      <dsp:style>
+        <a:lnRef idx="0">
+          <a:scrgbClr r="0" g="0" b="0"/>
+        </a:lnRef>
+        <a:fillRef idx="3">
+          <a:scrgbClr r="0" g="0" b="0"/>
+        </a:fillRef>
+        <a:effectRef idx="3">
+          <a:scrgbClr r="0" g="0" b="0"/>
+        </a:effectRef>
+        <a:fontRef idx="minor">
+          <a:schemeClr val="lt1"/>
+        </a:fontRef>
+      </dsp:style>
+      <dsp:txBody>
+        <a:bodyPr spcFirstLastPara="0" vert="horz" wrap="square" lIns="7620" tIns="7620" rIns="7620" bIns="7620" numCol="1" spcCol="1270" anchor="ctr" anchorCtr="0">
+          <a:noAutofit/>
+        </a:bodyPr>
+        <a:lstStyle/>
+        <a:p>
+          <a:pPr marL="0" lvl="0" indent="0" algn="ctr" defTabSz="533400">
+            <a:lnSpc>
+              <a:spcPct val="90000"/>
+            </a:lnSpc>
+            <a:spcBef>
+              <a:spcPct val="0"/>
+            </a:spcBef>
+            <a:spcAft>
+              <a:spcPct val="35000"/>
+            </a:spcAft>
+            <a:buClr>
+              <a:srgbClr val="FFBE04"/>
+            </a:buClr>
+            <a:buNone/>
+          </a:pPr>
+          <a:r>
+            <a:rPr lang="en-US" sz="1200" b="0" kern="1200" cap="none" spc="0">
+              <a:effectLst>
+                <a:outerShdw blurRad="38100" dist="19050" dir="2700000" algn="tl" rotWithShape="0">
+                  <a:schemeClr val="dk1">
+                    <a:alpha val="40000"/>
+                  </a:schemeClr>
+                </a:outerShdw>
+              </a:effectLst>
+            </a:rPr>
+            <a:t>Race</a:t>
+          </a:r>
+        </a:p>
+      </dsp:txBody>
+      <dsp:txXfrm>
+        <a:off x="283793" y="2407317"/>
+        <a:ext cx="1127187" cy="563593"/>
+      </dsp:txXfrm>
+    </dsp:sp>
+    <dsp:sp modelId="{6326D2C0-BE69-43B3-B493-29A716D853C8}">
+      <dsp:nvSpPr>
+        <dsp:cNvPr id="0" name=""/>
+        <dsp:cNvSpPr/>
+      </dsp:nvSpPr>
+      <dsp:spPr>
+        <a:xfrm>
+          <a:off x="283793" y="3207620"/>
+          <a:ext cx="1127187" cy="563593"/>
+        </a:xfrm>
+        <a:prstGeom prst="rect">
+          <a:avLst/>
+        </a:prstGeom>
+        <a:gradFill rotWithShape="0">
+          <a:gsLst>
+            <a:gs pos="0">
+              <a:schemeClr val="accent4">
+                <a:hueOff val="0"/>
+                <a:satOff val="0"/>
+                <a:lumOff val="0"/>
+                <a:alphaOff val="0"/>
+                <a:tint val="96000"/>
+                <a:lumMod val="104000"/>
+              </a:schemeClr>
+            </a:gs>
+            <a:gs pos="100000">
+              <a:schemeClr val="accent4">
+                <a:hueOff val="0"/>
+                <a:satOff val="0"/>
+                <a:lumOff val="0"/>
+                <a:alphaOff val="0"/>
+                <a:shade val="98000"/>
+                <a:lumMod val="94000"/>
+              </a:schemeClr>
+            </a:gs>
+          </a:gsLst>
+          <a:lin ang="5400000" scaled="0"/>
+        </a:gradFill>
+        <a:ln>
+          <a:noFill/>
+        </a:ln>
+        <a:effectLst>
+          <a:outerShdw blurRad="50800" dist="38100" dir="5400000" rotWithShape="0">
+            <a:srgbClr val="000000">
+              <a:alpha val="60000"/>
+            </a:srgbClr>
+          </a:outerShdw>
+        </a:effectLst>
+      </dsp:spPr>
+      <dsp:style>
+        <a:lnRef idx="0">
+          <a:scrgbClr r="0" g="0" b="0"/>
+        </a:lnRef>
+        <a:fillRef idx="3">
+          <a:scrgbClr r="0" g="0" b="0"/>
+        </a:fillRef>
+        <a:effectRef idx="3">
+          <a:scrgbClr r="0" g="0" b="0"/>
+        </a:effectRef>
+        <a:fontRef idx="minor">
+          <a:schemeClr val="lt1"/>
+        </a:fontRef>
+      </dsp:style>
+      <dsp:txBody>
+        <a:bodyPr spcFirstLastPara="0" vert="horz" wrap="square" lIns="7620" tIns="7620" rIns="7620" bIns="7620" numCol="1" spcCol="1270" anchor="ctr" anchorCtr="0">
+          <a:noAutofit/>
+        </a:bodyPr>
+        <a:lstStyle/>
+        <a:p>
+          <a:pPr marL="0" lvl="0" indent="0" algn="ctr" defTabSz="533400">
+            <a:lnSpc>
+              <a:spcPct val="90000"/>
+            </a:lnSpc>
+            <a:spcBef>
+              <a:spcPct val="0"/>
+            </a:spcBef>
+            <a:spcAft>
+              <a:spcPct val="35000"/>
+            </a:spcAft>
+            <a:buClr>
+              <a:srgbClr val="FFBE04"/>
+            </a:buClr>
+            <a:buNone/>
+          </a:pPr>
+          <a:r>
+            <a:rPr lang="en-US" sz="1200" b="0" kern="1200" cap="none" spc="0">
+              <a:effectLst>
+                <a:outerShdw blurRad="38100" dist="19050" dir="2700000" algn="tl" rotWithShape="0">
+                  <a:schemeClr val="dk1">
+                    <a:alpha val="40000"/>
+                  </a:schemeClr>
+                </a:outerShdw>
+              </a:effectLst>
+            </a:rPr>
+            <a:t>Sanity</a:t>
+          </a:r>
+        </a:p>
+      </dsp:txBody>
+      <dsp:txXfrm>
+        <a:off x="283793" y="3207620"/>
+        <a:ext cx="1127187" cy="563593"/>
+      </dsp:txXfrm>
+    </dsp:sp>
+    <dsp:sp modelId="{79D6C125-4558-42D3-B033-E78177BAC747}">
+      <dsp:nvSpPr>
+        <dsp:cNvPr id="0" name=""/>
+        <dsp:cNvSpPr/>
+      </dsp:nvSpPr>
+      <dsp:spPr>
+        <a:xfrm>
+          <a:off x="1365893" y="806710"/>
+          <a:ext cx="1127187" cy="563593"/>
+        </a:xfrm>
+        <a:prstGeom prst="rect">
+          <a:avLst/>
+        </a:prstGeom>
+        <a:gradFill rotWithShape="0">
+          <a:gsLst>
+            <a:gs pos="0">
+              <a:schemeClr val="accent3">
+                <a:hueOff val="0"/>
+                <a:satOff val="0"/>
+                <a:lumOff val="0"/>
+                <a:alphaOff val="0"/>
+                <a:tint val="96000"/>
+                <a:lumMod val="104000"/>
+              </a:schemeClr>
+            </a:gs>
+            <a:gs pos="100000">
+              <a:schemeClr val="accent3">
+                <a:hueOff val="0"/>
+                <a:satOff val="0"/>
+                <a:lumOff val="0"/>
+                <a:alphaOff val="0"/>
+                <a:shade val="98000"/>
+                <a:lumMod val="94000"/>
+              </a:schemeClr>
+            </a:gs>
+          </a:gsLst>
+          <a:lin ang="5400000" scaled="0"/>
+        </a:gradFill>
+        <a:ln>
+          <a:noFill/>
+        </a:ln>
+        <a:effectLst>
+          <a:outerShdw blurRad="50800" dist="38100" dir="5400000" rotWithShape="0">
+            <a:srgbClr val="000000">
+              <a:alpha val="60000"/>
+            </a:srgbClr>
+          </a:outerShdw>
+        </a:effectLst>
+      </dsp:spPr>
+      <dsp:style>
+        <a:lnRef idx="0">
+          <a:scrgbClr r="0" g="0" b="0"/>
+        </a:lnRef>
+        <a:fillRef idx="3">
+          <a:scrgbClr r="0" g="0" b="0"/>
+        </a:fillRef>
+        <a:effectRef idx="3">
+          <a:scrgbClr r="0" g="0" b="0"/>
+        </a:effectRef>
+        <a:fontRef idx="minor">
+          <a:schemeClr val="lt1"/>
+        </a:fontRef>
+      </dsp:style>
+      <dsp:txBody>
+        <a:bodyPr spcFirstLastPara="0" vert="horz" wrap="square" lIns="7620" tIns="7620" rIns="7620" bIns="7620" numCol="1" spcCol="1270" anchor="ctr" anchorCtr="0">
+          <a:noAutofit/>
+        </a:bodyPr>
+        <a:lstStyle/>
+        <a:p>
+          <a:pPr marL="0" lvl="0" indent="0" algn="ctr" defTabSz="533400">
+            <a:lnSpc>
+              <a:spcPct val="90000"/>
+            </a:lnSpc>
+            <a:spcBef>
+              <a:spcPct val="0"/>
+            </a:spcBef>
+            <a:spcAft>
+              <a:spcPct val="35000"/>
+            </a:spcAft>
+            <a:buNone/>
+          </a:pPr>
+          <a:r>
+            <a:rPr lang="en-US" sz="1200" b="0" kern="1200" cap="none" spc="0">
+              <a:effectLst>
+                <a:outerShdw blurRad="38100" dist="19050" dir="2700000" algn="tl" rotWithShape="0">
+                  <a:schemeClr val="dk1">
+                    <a:alpha val="40000"/>
+                  </a:schemeClr>
+                </a:outerShdw>
+              </a:effectLst>
+            </a:rPr>
+            <a:t>Weapon</a:t>
+          </a:r>
+        </a:p>
+      </dsp:txBody>
+      <dsp:txXfrm>
+        <a:off x="1365893" y="806710"/>
+        <a:ext cx="1127187" cy="563593"/>
+      </dsp:txXfrm>
+    </dsp:sp>
+    <dsp:sp modelId="{3B622BBF-F960-416C-A60A-900170819CE0}">
+      <dsp:nvSpPr>
+        <dsp:cNvPr id="0" name=""/>
+        <dsp:cNvSpPr/>
+      </dsp:nvSpPr>
+      <dsp:spPr>
+        <a:xfrm>
+          <a:off x="1647690" y="1607014"/>
+          <a:ext cx="1127187" cy="563593"/>
+        </a:xfrm>
+        <a:prstGeom prst="rect">
+          <a:avLst/>
+        </a:prstGeom>
+        <a:gradFill rotWithShape="0">
+          <a:gsLst>
+            <a:gs pos="0">
+              <a:schemeClr val="accent4">
+                <a:hueOff val="0"/>
+                <a:satOff val="0"/>
+                <a:lumOff val="0"/>
+                <a:alphaOff val="0"/>
+                <a:tint val="96000"/>
+                <a:lumMod val="104000"/>
+              </a:schemeClr>
+            </a:gs>
+            <a:gs pos="100000">
+              <a:schemeClr val="accent4">
+                <a:hueOff val="0"/>
+                <a:satOff val="0"/>
+                <a:lumOff val="0"/>
+                <a:alphaOff val="0"/>
+                <a:shade val="98000"/>
+                <a:lumMod val="94000"/>
+              </a:schemeClr>
+            </a:gs>
+          </a:gsLst>
+          <a:lin ang="5400000" scaled="0"/>
+        </a:gradFill>
+        <a:ln>
+          <a:noFill/>
+        </a:ln>
+        <a:effectLst>
+          <a:outerShdw blurRad="50800" dist="38100" dir="5400000" rotWithShape="0">
+            <a:srgbClr val="000000">
+              <a:alpha val="60000"/>
+            </a:srgbClr>
+          </a:outerShdw>
+        </a:effectLst>
+      </dsp:spPr>
+      <dsp:style>
+        <a:lnRef idx="0">
+          <a:scrgbClr r="0" g="0" b="0"/>
+        </a:lnRef>
+        <a:fillRef idx="3">
+          <a:scrgbClr r="0" g="0" b="0"/>
+        </a:fillRef>
+        <a:effectRef idx="3">
+          <a:scrgbClr r="0" g="0" b="0"/>
+        </a:effectRef>
+        <a:fontRef idx="minor">
+          <a:schemeClr val="lt1"/>
+        </a:fontRef>
+      </dsp:style>
+      <dsp:txBody>
+        <a:bodyPr spcFirstLastPara="0" vert="horz" wrap="square" lIns="7620" tIns="7620" rIns="7620" bIns="7620" numCol="1" spcCol="1270" anchor="ctr" anchorCtr="0">
+          <a:noAutofit/>
+        </a:bodyPr>
+        <a:lstStyle/>
+        <a:p>
+          <a:pPr marL="0" lvl="0" indent="0" algn="ctr" defTabSz="533400">
+            <a:lnSpc>
+              <a:spcPct val="90000"/>
+            </a:lnSpc>
+            <a:spcBef>
+              <a:spcPct val="0"/>
+            </a:spcBef>
+            <a:spcAft>
+              <a:spcPct val="35000"/>
+            </a:spcAft>
+            <a:buNone/>
+          </a:pPr>
+          <a:r>
+            <a:rPr lang="en-US" sz="1200" b="0" kern="1200" cap="none" spc="0">
+              <a:effectLst>
+                <a:outerShdw blurRad="38100" dist="19050" dir="2700000" algn="tl" rotWithShape="0">
+                  <a:schemeClr val="dk1">
+                    <a:alpha val="40000"/>
+                  </a:schemeClr>
+                </a:outerShdw>
+              </a:effectLst>
+            </a:rPr>
+            <a:t>Unarmed</a:t>
+          </a:r>
+        </a:p>
+      </dsp:txBody>
+      <dsp:txXfrm>
+        <a:off x="1647690" y="1607014"/>
+        <a:ext cx="1127187" cy="563593"/>
+      </dsp:txXfrm>
+    </dsp:sp>
+    <dsp:sp modelId="{6A29785A-138A-4E46-96D0-DD0AD4C8CB1F}">
+      <dsp:nvSpPr>
+        <dsp:cNvPr id="0" name=""/>
+        <dsp:cNvSpPr/>
+      </dsp:nvSpPr>
+      <dsp:spPr>
+        <a:xfrm>
+          <a:off x="1647690" y="2407317"/>
+          <a:ext cx="1127187" cy="563593"/>
+        </a:xfrm>
+        <a:prstGeom prst="rect">
+          <a:avLst/>
+        </a:prstGeom>
+        <a:gradFill rotWithShape="0">
+          <a:gsLst>
+            <a:gs pos="0">
+              <a:schemeClr val="accent4">
+                <a:hueOff val="0"/>
+                <a:satOff val="0"/>
+                <a:lumOff val="0"/>
+                <a:alphaOff val="0"/>
+                <a:tint val="96000"/>
+                <a:lumMod val="104000"/>
+              </a:schemeClr>
+            </a:gs>
+            <a:gs pos="100000">
+              <a:schemeClr val="accent4">
+                <a:hueOff val="0"/>
+                <a:satOff val="0"/>
+                <a:lumOff val="0"/>
+                <a:alphaOff val="0"/>
+                <a:shade val="98000"/>
+                <a:lumMod val="94000"/>
+              </a:schemeClr>
+            </a:gs>
+          </a:gsLst>
+          <a:lin ang="5400000" scaled="0"/>
+        </a:gradFill>
+        <a:ln>
+          <a:noFill/>
+        </a:ln>
+        <a:effectLst>
+          <a:outerShdw blurRad="50800" dist="38100" dir="5400000" rotWithShape="0">
+            <a:srgbClr val="000000">
+              <a:alpha val="60000"/>
+            </a:srgbClr>
+          </a:outerShdw>
+        </a:effectLst>
+      </dsp:spPr>
+      <dsp:style>
+        <a:lnRef idx="0">
+          <a:scrgbClr r="0" g="0" b="0"/>
+        </a:lnRef>
+        <a:fillRef idx="3">
+          <a:scrgbClr r="0" g="0" b="0"/>
+        </a:fillRef>
+        <a:effectRef idx="3">
+          <a:scrgbClr r="0" g="0" b="0"/>
+        </a:effectRef>
+        <a:fontRef idx="minor">
+          <a:schemeClr val="lt1"/>
+        </a:fontRef>
+      </dsp:style>
+      <dsp:txBody>
+        <a:bodyPr spcFirstLastPara="0" vert="horz" wrap="square" lIns="7620" tIns="7620" rIns="7620" bIns="7620" numCol="1" spcCol="1270" anchor="ctr" anchorCtr="0">
+          <a:noAutofit/>
+        </a:bodyPr>
+        <a:lstStyle/>
+        <a:p>
+          <a:pPr marL="0" lvl="0" indent="0" algn="ctr" defTabSz="533400">
+            <a:lnSpc>
+              <a:spcPct val="90000"/>
+            </a:lnSpc>
+            <a:spcBef>
+              <a:spcPct val="0"/>
+            </a:spcBef>
+            <a:spcAft>
+              <a:spcPct val="35000"/>
+            </a:spcAft>
+            <a:buNone/>
+          </a:pPr>
+          <a:r>
+            <a:rPr lang="en-US" sz="1200" b="0" kern="1200" cap="none" spc="0">
+              <a:effectLst>
+                <a:outerShdw blurRad="38100" dist="19050" dir="2700000" algn="tl" rotWithShape="0">
+                  <a:schemeClr val="dk1">
+                    <a:alpha val="40000"/>
+                  </a:schemeClr>
+                </a:outerShdw>
+              </a:effectLst>
+            </a:rPr>
+            <a:t>Gun/Knife</a:t>
+          </a:r>
+        </a:p>
+      </dsp:txBody>
+      <dsp:txXfrm>
+        <a:off x="1647690" y="2407317"/>
+        <a:ext cx="1127187" cy="563593"/>
+      </dsp:txXfrm>
+    </dsp:sp>
+    <dsp:sp modelId="{38998C60-342D-457E-91F5-4B8680F4E79C}">
+      <dsp:nvSpPr>
+        <dsp:cNvPr id="0" name=""/>
+        <dsp:cNvSpPr/>
+      </dsp:nvSpPr>
+      <dsp:spPr>
+        <a:xfrm>
+          <a:off x="2729790" y="806710"/>
+          <a:ext cx="1127187" cy="563593"/>
+        </a:xfrm>
+        <a:prstGeom prst="rect">
+          <a:avLst/>
+        </a:prstGeom>
+        <a:gradFill rotWithShape="0">
+          <a:gsLst>
+            <a:gs pos="0">
+              <a:schemeClr val="accent3">
+                <a:hueOff val="0"/>
+                <a:satOff val="0"/>
+                <a:lumOff val="0"/>
+                <a:alphaOff val="0"/>
+                <a:tint val="96000"/>
+                <a:lumMod val="104000"/>
+              </a:schemeClr>
+            </a:gs>
+            <a:gs pos="100000">
+              <a:schemeClr val="accent3">
+                <a:hueOff val="0"/>
+                <a:satOff val="0"/>
+                <a:lumOff val="0"/>
+                <a:alphaOff val="0"/>
+                <a:shade val="98000"/>
+                <a:lumMod val="94000"/>
+              </a:schemeClr>
+            </a:gs>
+          </a:gsLst>
+          <a:lin ang="5400000" scaled="0"/>
+        </a:gradFill>
+        <a:ln>
+          <a:noFill/>
+        </a:ln>
+        <a:effectLst>
+          <a:outerShdw blurRad="50800" dist="38100" dir="5400000" rotWithShape="0">
+            <a:srgbClr val="000000">
+              <a:alpha val="60000"/>
+            </a:srgbClr>
+          </a:outerShdw>
+        </a:effectLst>
+      </dsp:spPr>
+      <dsp:style>
+        <a:lnRef idx="0">
+          <a:scrgbClr r="0" g="0" b="0"/>
+        </a:lnRef>
+        <a:fillRef idx="3">
+          <a:scrgbClr r="0" g="0" b="0"/>
+        </a:fillRef>
+        <a:effectRef idx="3">
+          <a:scrgbClr r="0" g="0" b="0"/>
+        </a:effectRef>
+        <a:fontRef idx="minor">
+          <a:schemeClr val="lt1"/>
+        </a:fontRef>
+      </dsp:style>
+      <dsp:txBody>
+        <a:bodyPr spcFirstLastPara="0" vert="horz" wrap="square" lIns="7620" tIns="7620" rIns="7620" bIns="7620" numCol="1" spcCol="1270" anchor="ctr" anchorCtr="0">
+          <a:noAutofit/>
+        </a:bodyPr>
+        <a:lstStyle/>
+        <a:p>
+          <a:pPr marL="0" lvl="0" indent="0" algn="ctr" defTabSz="533400">
+            <a:lnSpc>
+              <a:spcPct val="90000"/>
+            </a:lnSpc>
+            <a:spcBef>
+              <a:spcPct val="0"/>
+            </a:spcBef>
+            <a:spcAft>
+              <a:spcPct val="35000"/>
+            </a:spcAft>
+            <a:buNone/>
+          </a:pPr>
+          <a:r>
+            <a:rPr lang="en-US" sz="1200" b="0" kern="1200" cap="none" spc="0">
+              <a:effectLst>
+                <a:outerShdw blurRad="38100" dist="19050" dir="2700000" algn="tl" rotWithShape="0">
+                  <a:schemeClr val="dk1">
+                    <a:alpha val="40000"/>
+                  </a:schemeClr>
+                </a:outerShdw>
+              </a:effectLst>
+            </a:rPr>
+            <a:t>Location</a:t>
+          </a:r>
+        </a:p>
+      </dsp:txBody>
+      <dsp:txXfrm>
+        <a:off x="2729790" y="806710"/>
+        <a:ext cx="1127187" cy="563593"/>
+      </dsp:txXfrm>
+    </dsp:sp>
+    <dsp:sp modelId="{126793F7-9C35-42DD-99AA-881BCC14C049}">
+      <dsp:nvSpPr>
+        <dsp:cNvPr id="0" name=""/>
+        <dsp:cNvSpPr/>
+      </dsp:nvSpPr>
+      <dsp:spPr>
+        <a:xfrm>
+          <a:off x="3011587" y="1607014"/>
+          <a:ext cx="1127187" cy="563593"/>
+        </a:xfrm>
+        <a:prstGeom prst="rect">
+          <a:avLst/>
+        </a:prstGeom>
+        <a:gradFill rotWithShape="0">
+          <a:gsLst>
+            <a:gs pos="0">
+              <a:schemeClr val="accent4">
+                <a:hueOff val="0"/>
+                <a:satOff val="0"/>
+                <a:lumOff val="0"/>
+                <a:alphaOff val="0"/>
+                <a:tint val="96000"/>
+                <a:lumMod val="104000"/>
+              </a:schemeClr>
+            </a:gs>
+            <a:gs pos="100000">
+              <a:schemeClr val="accent4">
+                <a:hueOff val="0"/>
+                <a:satOff val="0"/>
+                <a:lumOff val="0"/>
+                <a:alphaOff val="0"/>
+                <a:shade val="98000"/>
+                <a:lumMod val="94000"/>
+              </a:schemeClr>
+            </a:gs>
+          </a:gsLst>
+          <a:lin ang="5400000" scaled="0"/>
+        </a:gradFill>
+        <a:ln>
+          <a:noFill/>
+        </a:ln>
+        <a:effectLst>
+          <a:outerShdw blurRad="50800" dist="38100" dir="5400000" rotWithShape="0">
+            <a:srgbClr val="000000">
+              <a:alpha val="60000"/>
+            </a:srgbClr>
+          </a:outerShdw>
+        </a:effectLst>
+      </dsp:spPr>
+      <dsp:style>
+        <a:lnRef idx="0">
+          <a:scrgbClr r="0" g="0" b="0"/>
+        </a:lnRef>
+        <a:fillRef idx="3">
+          <a:scrgbClr r="0" g="0" b="0"/>
+        </a:fillRef>
+        <a:effectRef idx="3">
+          <a:scrgbClr r="0" g="0" b="0"/>
+        </a:effectRef>
+        <a:fontRef idx="minor">
+          <a:schemeClr val="lt1"/>
+        </a:fontRef>
+      </dsp:style>
+      <dsp:txBody>
+        <a:bodyPr spcFirstLastPara="0" vert="horz" wrap="square" lIns="7620" tIns="7620" rIns="7620" bIns="7620" numCol="1" spcCol="1270" anchor="ctr" anchorCtr="0">
+          <a:noAutofit/>
+        </a:bodyPr>
+        <a:lstStyle/>
+        <a:p>
+          <a:pPr marL="0" lvl="0" indent="0" algn="ctr" defTabSz="533400">
+            <a:lnSpc>
+              <a:spcPct val="90000"/>
+            </a:lnSpc>
+            <a:spcBef>
+              <a:spcPct val="0"/>
+            </a:spcBef>
+            <a:spcAft>
+              <a:spcPct val="35000"/>
+            </a:spcAft>
+            <a:buNone/>
+          </a:pPr>
+          <a:r>
+            <a:rPr lang="en-US" sz="1200" b="0" kern="1200" cap="none" spc="0" dirty="0">
+              <a:effectLst>
+                <a:outerShdw blurRad="38100" dist="19050" dir="2700000" algn="tl" rotWithShape="0">
+                  <a:schemeClr val="dk1">
+                    <a:alpha val="40000"/>
+                  </a:schemeClr>
+                </a:outerShdw>
+              </a:effectLst>
+            </a:rPr>
+            <a:t>Raw Counts</a:t>
+          </a:r>
+        </a:p>
+      </dsp:txBody>
+      <dsp:txXfrm>
+        <a:off x="3011587" y="1607014"/>
+        <a:ext cx="1127187" cy="563593"/>
+      </dsp:txXfrm>
+    </dsp:sp>
+    <dsp:sp modelId="{8593F704-02F0-4294-AF6D-A6CE3C6E5004}">
+      <dsp:nvSpPr>
+        <dsp:cNvPr id="0" name=""/>
+        <dsp:cNvSpPr/>
+      </dsp:nvSpPr>
+      <dsp:spPr>
+        <a:xfrm>
+          <a:off x="3011587" y="2407317"/>
+          <a:ext cx="1127187" cy="563593"/>
+        </a:xfrm>
+        <a:prstGeom prst="rect">
+          <a:avLst/>
+        </a:prstGeom>
+        <a:gradFill rotWithShape="0">
+          <a:gsLst>
+            <a:gs pos="0">
+              <a:schemeClr val="accent4">
+                <a:hueOff val="0"/>
+                <a:satOff val="0"/>
+                <a:lumOff val="0"/>
+                <a:alphaOff val="0"/>
+                <a:tint val="96000"/>
+                <a:lumMod val="104000"/>
+              </a:schemeClr>
+            </a:gs>
+            <a:gs pos="100000">
+              <a:schemeClr val="accent4">
+                <a:hueOff val="0"/>
+                <a:satOff val="0"/>
+                <a:lumOff val="0"/>
+                <a:alphaOff val="0"/>
+                <a:shade val="98000"/>
+                <a:lumMod val="94000"/>
+              </a:schemeClr>
+            </a:gs>
+          </a:gsLst>
+          <a:lin ang="5400000" scaled="0"/>
+        </a:gradFill>
+        <a:ln>
+          <a:noFill/>
+        </a:ln>
+        <a:effectLst>
+          <a:outerShdw blurRad="50800" dist="38100" dir="5400000" rotWithShape="0">
+            <a:srgbClr val="000000">
+              <a:alpha val="60000"/>
+            </a:srgbClr>
+          </a:outerShdw>
+        </a:effectLst>
+      </dsp:spPr>
+      <dsp:style>
+        <a:lnRef idx="0">
+          <a:scrgbClr r="0" g="0" b="0"/>
+        </a:lnRef>
+        <a:fillRef idx="3">
+          <a:scrgbClr r="0" g="0" b="0"/>
+        </a:fillRef>
+        <a:effectRef idx="3">
+          <a:scrgbClr r="0" g="0" b="0"/>
+        </a:effectRef>
+        <a:fontRef idx="minor">
+          <a:schemeClr val="lt1"/>
+        </a:fontRef>
+      </dsp:style>
+      <dsp:txBody>
+        <a:bodyPr spcFirstLastPara="0" vert="horz" wrap="square" lIns="7620" tIns="7620" rIns="7620" bIns="7620" numCol="1" spcCol="1270" anchor="ctr" anchorCtr="0">
+          <a:noAutofit/>
+        </a:bodyPr>
+        <a:lstStyle/>
+        <a:p>
+          <a:pPr marL="0" lvl="0" indent="0" algn="ctr" defTabSz="533400">
+            <a:lnSpc>
+              <a:spcPct val="90000"/>
+            </a:lnSpc>
+            <a:spcBef>
+              <a:spcPct val="0"/>
+            </a:spcBef>
+            <a:spcAft>
+              <a:spcPct val="35000"/>
+            </a:spcAft>
+            <a:buNone/>
+          </a:pPr>
+          <a:r>
+            <a:rPr lang="en-US" sz="1200" b="0" kern="1200" cap="none" spc="0">
+              <a:effectLst>
+                <a:outerShdw blurRad="38100" dist="19050" dir="2700000" algn="tl" rotWithShape="0">
+                  <a:schemeClr val="dk1">
+                    <a:alpha val="40000"/>
+                  </a:schemeClr>
+                </a:outerShdw>
+              </a:effectLst>
+            </a:rPr>
+            <a:t>Pop. Adjusted</a:t>
+          </a:r>
+        </a:p>
+      </dsp:txBody>
+      <dsp:txXfrm>
+        <a:off x="3011587" y="2407317"/>
+        <a:ext cx="1127187" cy="563593"/>
+      </dsp:txXfrm>
+    </dsp:sp>
+  </dsp:spTree>
+</dsp:drawing>
+</file>
+
+<file path=ppt/diagrams/drawing5.xml><?xml version="1.0" encoding="utf-8"?>
+<dsp:drawing xmlns:dgm="http://schemas.openxmlformats.org/drawingml/2006/diagram" xmlns:dsp="http://schemas.microsoft.com/office/drawing/2008/diagram" xmlns:a="http://schemas.openxmlformats.org/drawingml/2006/main">
+  <dsp:spTree>
+    <dsp:nvGrpSpPr>
+      <dsp:cNvPr id="0" name=""/>
+      <dsp:cNvGrpSpPr/>
+    </dsp:nvGrpSpPr>
+    <dsp:grpSpPr/>
     <dsp:sp modelId="{3F675567-1865-4773-9056-0EC6502BB811}">
       <dsp:nvSpPr>
         <dsp:cNvPr id="0" name=""/>
@@ -6377,8 +10058,8 @@
       </dsp:nvSpPr>
       <dsp:spPr>
         <a:xfrm>
-          <a:off x="3852602" y="297"/>
-          <a:ext cx="1210195" cy="1210195"/>
+          <a:off x="2078593" y="406"/>
+          <a:ext cx="1005893" cy="1005893"/>
         </a:xfrm>
         <a:prstGeom prst="ellipse">
           <a:avLst/>
@@ -6419,12 +10100,12 @@
         </a:fontRef>
       </dsp:style>
       <dsp:txBody>
-        <a:bodyPr spcFirstLastPara="0" vert="horz" wrap="square" lIns="22860" tIns="22860" rIns="22860" bIns="22860" numCol="1" spcCol="1270" anchor="ctr" anchorCtr="0">
+        <a:bodyPr spcFirstLastPara="0" vert="horz" wrap="square" lIns="19050" tIns="19050" rIns="19050" bIns="19050" numCol="1" spcCol="1270" anchor="ctr" anchorCtr="0">
           <a:noAutofit/>
         </a:bodyPr>
         <a:lstStyle/>
         <a:p>
-          <a:pPr marL="0" lvl="0" indent="0" algn="ctr" defTabSz="800100">
+          <a:pPr marL="0" lvl="0" indent="0" algn="ctr" defTabSz="666750">
             <a:lnSpc>
               <a:spcPct val="90000"/>
             </a:lnSpc>
@@ -6437,14 +10118,14 @@
             <a:buNone/>
           </a:pPr>
           <a:r>
-            <a:rPr lang="en-US" sz="1800" kern="1200" dirty="0"/>
+            <a:rPr lang="en-US" sz="1500" kern="1200" dirty="0"/>
             <a:t>Police Safety</a:t>
           </a:r>
         </a:p>
       </dsp:txBody>
       <dsp:txXfrm>
-        <a:off x="4029831" y="177526"/>
-        <a:ext cx="855737" cy="855737"/>
+        <a:off x="2225903" y="147716"/>
+        <a:ext cx="711273" cy="711273"/>
       </dsp:txXfrm>
     </dsp:sp>
     <dsp:sp modelId="{FE4BF7E4-098A-4471-87D4-7089C95B023B}">
@@ -6454,8 +10135,8 @@
       </dsp:nvSpPr>
       <dsp:spPr>
         <a:xfrm rot="2700000">
-          <a:off x="4932747" y="1036620"/>
-          <a:ext cx="320793" cy="408441"/>
+          <a:off x="2976413" y="861875"/>
+          <a:ext cx="266788" cy="339488"/>
         </a:xfrm>
         <a:prstGeom prst="rightArrow">
           <a:avLst>
@@ -6497,7 +10178,7 @@
         </a:bodyPr>
         <a:lstStyle/>
         <a:p>
-          <a:pPr marL="0" lvl="0" indent="0" algn="ctr" defTabSz="666750">
+          <a:pPr marL="0" lvl="0" indent="0" algn="ctr" defTabSz="533400">
             <a:lnSpc>
               <a:spcPct val="90000"/>
             </a:lnSpc>
@@ -6509,12 +10190,12 @@
             </a:spcAft>
             <a:buNone/>
           </a:pPr>
-          <a:endParaRPr lang="en-US" sz="1500" kern="1200"/>
+          <a:endParaRPr lang="en-US" sz="1200" kern="1200"/>
         </a:p>
       </dsp:txBody>
       <dsp:txXfrm>
-        <a:off x="4946841" y="1084283"/>
-        <a:ext cx="224555" cy="245065"/>
+        <a:off x="2988134" y="901476"/>
+        <a:ext cx="186752" cy="203692"/>
       </dsp:txXfrm>
     </dsp:sp>
     <dsp:sp modelId="{AEE87F37-BB8D-4CD9-B3DA-8178DD6BDD52}">
@@ -6524,8 +10205,8 @@
       </dsp:nvSpPr>
       <dsp:spPr>
         <a:xfrm>
-          <a:off x="5136331" y="1284027"/>
-          <a:ext cx="1210195" cy="1210195"/>
+          <a:off x="3145807" y="1067619"/>
+          <a:ext cx="1005893" cy="1005893"/>
         </a:xfrm>
         <a:prstGeom prst="ellipse">
           <a:avLst/>
@@ -6566,12 +10247,12 @@
         </a:fontRef>
       </dsp:style>
       <dsp:txBody>
-        <a:bodyPr spcFirstLastPara="0" vert="horz" wrap="square" lIns="22860" tIns="22860" rIns="22860" bIns="22860" numCol="1" spcCol="1270" anchor="ctr" anchorCtr="0">
+        <a:bodyPr spcFirstLastPara="0" vert="horz" wrap="square" lIns="19050" tIns="19050" rIns="19050" bIns="19050" numCol="1" spcCol="1270" anchor="ctr" anchorCtr="0">
           <a:noAutofit/>
         </a:bodyPr>
         <a:lstStyle/>
         <a:p>
-          <a:pPr marL="0" lvl="0" indent="0" algn="ctr" defTabSz="800100">
+          <a:pPr marL="0" lvl="0" indent="0" algn="ctr" defTabSz="666750">
             <a:lnSpc>
               <a:spcPct val="90000"/>
             </a:lnSpc>
@@ -6584,14 +10265,14 @@
             <a:buNone/>
           </a:pPr>
           <a:r>
-            <a:rPr lang="en-US" sz="1800" kern="1200" dirty="0"/>
+            <a:rPr lang="en-US" sz="1500" kern="1200" dirty="0"/>
             <a:t>Fewer Killings</a:t>
           </a:r>
         </a:p>
       </dsp:txBody>
       <dsp:txXfrm>
-        <a:off x="5313560" y="1461256"/>
-        <a:ext cx="855737" cy="855737"/>
+        <a:off x="3293117" y="1214929"/>
+        <a:ext cx="711273" cy="711273"/>
       </dsp:txXfrm>
     </dsp:sp>
     <dsp:sp modelId="{003E646E-E081-481B-9318-E1F158CF2C37}">
@@ -6601,8 +10282,8 @@
       </dsp:nvSpPr>
       <dsp:spPr>
         <a:xfrm rot="8100000">
-          <a:off x="4945587" y="2320349"/>
-          <a:ext cx="320793" cy="408441"/>
+          <a:off x="2987091" y="1929089"/>
+          <a:ext cx="266788" cy="339488"/>
         </a:xfrm>
         <a:prstGeom prst="rightArrow">
           <a:avLst>
@@ -6644,7 +10325,7 @@
         </a:bodyPr>
         <a:lstStyle/>
         <a:p>
-          <a:pPr marL="0" lvl="0" indent="0" algn="ctr" defTabSz="666750">
+          <a:pPr marL="0" lvl="0" indent="0" algn="ctr" defTabSz="533400">
             <a:lnSpc>
               <a:spcPct val="90000"/>
             </a:lnSpc>
@@ -6656,12 +10337,12 @@
             </a:spcAft>
             <a:buNone/>
           </a:pPr>
-          <a:endParaRPr lang="en-US" sz="1500" kern="1200"/>
+          <a:endParaRPr lang="en-US" sz="1200" kern="1200"/>
         </a:p>
       </dsp:txBody>
       <dsp:txXfrm rot="10800000">
-        <a:off x="5027731" y="2368012"/>
-        <a:ext cx="224555" cy="245065"/>
+        <a:off x="3055406" y="1968690"/>
+        <a:ext cx="186752" cy="203692"/>
       </dsp:txXfrm>
     </dsp:sp>
     <dsp:sp modelId="{C89F8E01-A074-46D3-900E-91987E49010E}">
@@ -6671,8 +10352,8 @@
       </dsp:nvSpPr>
       <dsp:spPr>
         <a:xfrm>
-          <a:off x="3852602" y="2567756"/>
-          <a:ext cx="1210195" cy="1210195"/>
+          <a:off x="2078593" y="2134833"/>
+          <a:ext cx="1005893" cy="1005893"/>
         </a:xfrm>
         <a:prstGeom prst="ellipse">
           <a:avLst/>
@@ -6713,12 +10394,12 @@
         </a:fontRef>
       </dsp:style>
       <dsp:txBody>
-        <a:bodyPr spcFirstLastPara="0" vert="horz" wrap="square" lIns="22860" tIns="22860" rIns="22860" bIns="22860" numCol="1" spcCol="1270" anchor="ctr" anchorCtr="0">
+        <a:bodyPr spcFirstLastPara="0" vert="horz" wrap="square" lIns="19050" tIns="19050" rIns="19050" bIns="19050" numCol="1" spcCol="1270" anchor="ctr" anchorCtr="0">
           <a:noAutofit/>
         </a:bodyPr>
         <a:lstStyle/>
         <a:p>
-          <a:pPr marL="0" lvl="0" indent="0" algn="ctr" defTabSz="800100">
+          <a:pPr marL="0" lvl="0" indent="0" algn="ctr" defTabSz="666750">
             <a:lnSpc>
               <a:spcPct val="90000"/>
             </a:lnSpc>
@@ -6731,14 +10412,14 @@
             <a:buNone/>
           </a:pPr>
           <a:r>
-            <a:rPr lang="en-US" sz="1800" kern="1200" dirty="0"/>
+            <a:rPr lang="en-US" sz="1500" kern="1200" dirty="0"/>
             <a:t>Civilian Safety</a:t>
           </a:r>
         </a:p>
       </dsp:txBody>
       <dsp:txXfrm>
-        <a:off x="4029831" y="2744985"/>
-        <a:ext cx="855737" cy="855737"/>
+        <a:off x="2225903" y="2282143"/>
+        <a:ext cx="711273" cy="711273"/>
       </dsp:txXfrm>
     </dsp:sp>
     <dsp:sp modelId="{2DEFC719-E672-4B47-9B2B-F72D8A538821}">
@@ -6748,8 +10429,8 @@
       </dsp:nvSpPr>
       <dsp:spPr>
         <a:xfrm rot="13500000">
-          <a:off x="3661858" y="2333188"/>
-          <a:ext cx="320793" cy="408441"/>
+          <a:off x="1919877" y="1939768"/>
+          <a:ext cx="266788" cy="339488"/>
         </a:xfrm>
         <a:prstGeom prst="rightArrow">
           <a:avLst>
@@ -6791,7 +10472,7 @@
         </a:bodyPr>
         <a:lstStyle/>
         <a:p>
-          <a:pPr marL="0" lvl="0" indent="0" algn="ctr" defTabSz="666750">
+          <a:pPr marL="0" lvl="0" indent="0" algn="ctr" defTabSz="533400">
             <a:lnSpc>
               <a:spcPct val="90000"/>
             </a:lnSpc>
@@ -6803,12 +10484,12 @@
             </a:spcAft>
             <a:buNone/>
           </a:pPr>
-          <a:endParaRPr lang="en-US" sz="1500" kern="1200"/>
+          <a:endParaRPr lang="en-US" sz="1200" kern="1200"/>
         </a:p>
       </dsp:txBody>
       <dsp:txXfrm rot="10800000">
-        <a:off x="3744002" y="2448901"/>
-        <a:ext cx="224555" cy="245065"/>
+        <a:off x="1988192" y="2035963"/>
+        <a:ext cx="186752" cy="203692"/>
       </dsp:txXfrm>
     </dsp:sp>
     <dsp:sp modelId="{50BDF913-5103-4745-88E5-8A1B67DFDD36}">
@@ -6818,8 +10499,8 @@
       </dsp:nvSpPr>
       <dsp:spPr>
         <a:xfrm>
-          <a:off x="2568872" y="1284027"/>
-          <a:ext cx="1210195" cy="1210195"/>
+          <a:off x="1011379" y="1067619"/>
+          <a:ext cx="1005893" cy="1005893"/>
         </a:xfrm>
         <a:prstGeom prst="ellipse">
           <a:avLst/>
@@ -6860,12 +10541,12 @@
         </a:fontRef>
       </dsp:style>
       <dsp:txBody>
-        <a:bodyPr spcFirstLastPara="0" vert="horz" wrap="square" lIns="22860" tIns="22860" rIns="22860" bIns="22860" numCol="1" spcCol="1270" anchor="ctr" anchorCtr="0">
+        <a:bodyPr spcFirstLastPara="0" vert="horz" wrap="square" lIns="19050" tIns="19050" rIns="19050" bIns="19050" numCol="1" spcCol="1270" anchor="ctr" anchorCtr="0">
           <a:noAutofit/>
         </a:bodyPr>
         <a:lstStyle/>
         <a:p>
-          <a:pPr marL="0" lvl="0" indent="0" algn="ctr" defTabSz="800100">
+          <a:pPr marL="0" lvl="0" indent="0" algn="ctr" defTabSz="666750">
             <a:lnSpc>
               <a:spcPct val="90000"/>
             </a:lnSpc>
@@ -6878,14 +10559,14 @@
             <a:buNone/>
           </a:pPr>
           <a:r>
-            <a:rPr lang="en-US" sz="1800" kern="1200" dirty="0"/>
+            <a:rPr lang="en-US" sz="1500" kern="1200" dirty="0"/>
             <a:t>Fewer Killings</a:t>
           </a:r>
         </a:p>
       </dsp:txBody>
       <dsp:txXfrm>
-        <a:off x="2746101" y="1461256"/>
-        <a:ext cx="855737" cy="855737"/>
+        <a:off x="1158689" y="1214929"/>
+        <a:ext cx="711273" cy="711273"/>
       </dsp:txXfrm>
     </dsp:sp>
     <dsp:sp modelId="{3119DCE2-FD28-47B1-8FFE-35C8596A5999}">
@@ -6895,8 +10576,8 @@
       </dsp:nvSpPr>
       <dsp:spPr>
         <a:xfrm rot="18900000">
-          <a:off x="3649018" y="1049459"/>
-          <a:ext cx="320793" cy="408441"/>
+          <a:off x="1909199" y="872554"/>
+          <a:ext cx="266788" cy="339488"/>
         </a:xfrm>
         <a:prstGeom prst="rightArrow">
           <a:avLst>
@@ -6938,7 +10619,7 @@
         </a:bodyPr>
         <a:lstStyle/>
         <a:p>
-          <a:pPr marL="0" lvl="0" indent="0" algn="ctr" defTabSz="666750">
+          <a:pPr marL="0" lvl="0" indent="0" algn="ctr" defTabSz="533400">
             <a:lnSpc>
               <a:spcPct val="90000"/>
             </a:lnSpc>
@@ -6950,12 +10631,12 @@
             </a:spcAft>
             <a:buNone/>
           </a:pPr>
-          <a:endParaRPr lang="en-US" sz="1500" kern="1200"/>
+          <a:endParaRPr lang="en-US" sz="1200" kern="1200"/>
         </a:p>
       </dsp:txBody>
       <dsp:txXfrm>
-        <a:off x="3663112" y="1165172"/>
-        <a:ext cx="224555" cy="245065"/>
+        <a:off x="1920920" y="968749"/>
+        <a:ext cx="186752" cy="203692"/>
       </dsp:txXfrm>
     </dsp:sp>
   </dsp:spTree>
@@ -7841,6 +11522,1152 @@
 </file>
 
 <file path=ppt/diagrams/layout4.xml><?xml version="1.0" encoding="utf-8"?>
+<dgm:layoutDef xmlns:dgm="http://schemas.openxmlformats.org/drawingml/2006/diagram" xmlns:a="http://schemas.openxmlformats.org/drawingml/2006/main" uniqueId="urn:microsoft.com/office/officeart/2005/8/layout/orgChart1">
+  <dgm:title val=""/>
+  <dgm:desc val=""/>
+  <dgm:catLst>
+    <dgm:cat type="hierarchy" pri="1000"/>
+    <dgm:cat type="convert" pri="6000"/>
+  </dgm:catLst>
+  <dgm:sampData>
+    <dgm:dataModel>
+      <dgm:ptLst>
+        <dgm:pt modelId="0" type="doc"/>
+        <dgm:pt modelId="1">
+          <dgm:prSet phldr="1"/>
+        </dgm:pt>
+        <dgm:pt modelId="2" type="asst">
+          <dgm:prSet phldr="1"/>
+        </dgm:pt>
+        <dgm:pt modelId="3">
+          <dgm:prSet phldr="1"/>
+        </dgm:pt>
+        <dgm:pt modelId="4">
+          <dgm:prSet phldr="1"/>
+        </dgm:pt>
+        <dgm:pt modelId="5">
+          <dgm:prSet phldr="1"/>
+        </dgm:pt>
+      </dgm:ptLst>
+      <dgm:cxnLst>
+        <dgm:cxn modelId="5" srcId="0" destId="1" srcOrd="0" destOrd="0"/>
+        <dgm:cxn modelId="6" srcId="1" destId="2" srcOrd="0" destOrd="0"/>
+        <dgm:cxn modelId="7" srcId="1" destId="3" srcOrd="1" destOrd="0"/>
+        <dgm:cxn modelId="8" srcId="1" destId="4" srcOrd="2" destOrd="0"/>
+        <dgm:cxn modelId="9" srcId="1" destId="5" srcOrd="3" destOrd="0"/>
+      </dgm:cxnLst>
+      <dgm:bg/>
+      <dgm:whole/>
+    </dgm:dataModel>
+  </dgm:sampData>
+  <dgm:styleData>
+    <dgm:dataModel>
+      <dgm:ptLst>
+        <dgm:pt modelId="0" type="doc"/>
+        <dgm:pt modelId="1"/>
+        <dgm:pt modelId="12"/>
+        <dgm:pt modelId="13"/>
+      </dgm:ptLst>
+      <dgm:cxnLst>
+        <dgm:cxn modelId="2" srcId="0" destId="1" srcOrd="0" destOrd="0"/>
+        <dgm:cxn modelId="16" srcId="1" destId="12" srcOrd="1" destOrd="0"/>
+        <dgm:cxn modelId="17" srcId="1" destId="13" srcOrd="2" destOrd="0"/>
+      </dgm:cxnLst>
+      <dgm:bg/>
+      <dgm:whole/>
+    </dgm:dataModel>
+  </dgm:styleData>
+  <dgm:clrData>
+    <dgm:dataModel>
+      <dgm:ptLst>
+        <dgm:pt modelId="0" type="doc"/>
+        <dgm:pt modelId="1"/>
+        <dgm:pt modelId="11" type="asst"/>
+        <dgm:pt modelId="12"/>
+        <dgm:pt modelId="13"/>
+        <dgm:pt modelId="14"/>
+      </dgm:ptLst>
+      <dgm:cxnLst>
+        <dgm:cxn modelId="2" srcId="0" destId="1" srcOrd="0" destOrd="0"/>
+        <dgm:cxn modelId="15" srcId="1" destId="11" srcOrd="0" destOrd="0"/>
+        <dgm:cxn modelId="16" srcId="1" destId="12" srcOrd="1" destOrd="0"/>
+        <dgm:cxn modelId="17" srcId="1" destId="13" srcOrd="2" destOrd="0"/>
+        <dgm:cxn modelId="18" srcId="1" destId="14" srcOrd="2" destOrd="0"/>
+      </dgm:cxnLst>
+      <dgm:bg/>
+      <dgm:whole/>
+    </dgm:dataModel>
+  </dgm:clrData>
+  <dgm:layoutNode name="hierChild1">
+    <dgm:varLst>
+      <dgm:orgChart val="1"/>
+      <dgm:chPref val="1"/>
+      <dgm:dir/>
+      <dgm:animOne val="branch"/>
+      <dgm:animLvl val="lvl"/>
+      <dgm:resizeHandles/>
+    </dgm:varLst>
+    <dgm:choose name="Name0">
+      <dgm:if name="Name1" func="var" arg="dir" op="equ" val="norm">
+        <dgm:alg type="hierChild">
+          <dgm:param type="linDir" val="fromL"/>
+        </dgm:alg>
+      </dgm:if>
+      <dgm:else name="Name2">
+        <dgm:alg type="hierChild">
+          <dgm:param type="linDir" val="fromR"/>
+        </dgm:alg>
+      </dgm:else>
+    </dgm:choose>
+    <dgm:shape xmlns:r="http://schemas.openxmlformats.org/officeDocument/2006/relationships" r:blip="">
+      <dgm:adjLst/>
+    </dgm:shape>
+    <dgm:presOf/>
+    <dgm:constrLst>
+      <dgm:constr type="w" for="des" forName="rootComposite1" refType="w" fact="10"/>
+      <dgm:constr type="h" for="des" forName="rootComposite1" refType="w" refFor="des" refForName="rootComposite1" fact="0.5"/>
+      <dgm:constr type="w" for="des" forName="rootComposite" refType="w" fact="10"/>
+      <dgm:constr type="h" for="des" forName="rootComposite" refType="w" refFor="des" refForName="rootComposite1" fact="0.5"/>
+      <dgm:constr type="w" for="des" forName="rootComposite3" refType="w" fact="10"/>
+      <dgm:constr type="h" for="des" forName="rootComposite3" refType="w" refFor="des" refForName="rootComposite1" fact="0.5"/>
+      <dgm:constr type="primFontSz" for="des" ptType="node" op="equ"/>
+      <dgm:constr type="sp" for="des" op="equ"/>
+      <dgm:constr type="sp" for="des" forName="hierRoot1" refType="w" refFor="des" refForName="rootComposite1" fact="0.21"/>
+      <dgm:constr type="sp" for="des" forName="hierRoot2" refType="sp" refFor="des" refForName="hierRoot1"/>
+      <dgm:constr type="sp" for="des" forName="hierRoot3" refType="sp" refFor="des" refForName="hierRoot1"/>
+      <dgm:constr type="sibSp" refType="w" refFor="des" refForName="rootComposite1" fact="0.21"/>
+      <dgm:constr type="sibSp" for="des" forName="hierChild2" refType="sibSp"/>
+      <dgm:constr type="sibSp" for="des" forName="hierChild3" refType="sibSp"/>
+      <dgm:constr type="sibSp" for="des" forName="hierChild4" refType="sibSp"/>
+      <dgm:constr type="sibSp" for="des" forName="hierChild5" refType="sibSp"/>
+      <dgm:constr type="sibSp" for="des" forName="hierChild6" refType="sibSp"/>
+      <dgm:constr type="sibSp" for="des" forName="hierChild7" refType="sibSp"/>
+      <dgm:constr type="secSibSp" refType="w" refFor="des" refForName="rootComposite1" fact="0.21"/>
+      <dgm:constr type="secSibSp" for="des" forName="hierChild2" refType="secSibSp"/>
+      <dgm:constr type="secSibSp" for="des" forName="hierChild3" refType="secSibSp"/>
+      <dgm:constr type="secSibSp" for="des" forName="hierChild4" refType="secSibSp"/>
+      <dgm:constr type="secSibSp" for="des" forName="hierChild5" refType="secSibSp"/>
+      <dgm:constr type="secSibSp" for="des" forName="hierChild6" refType="secSibSp"/>
+      <dgm:constr type="secSibSp" for="des" forName="hierChild7" refType="secSibSp"/>
+    </dgm:constrLst>
+    <dgm:ruleLst/>
+    <dgm:forEach name="Name3" axis="ch">
+      <dgm:forEach name="Name4" axis="self" ptType="node">
+        <dgm:layoutNode name="hierRoot1">
+          <dgm:varLst>
+            <dgm:hierBranch val="init"/>
+          </dgm:varLst>
+          <dgm:choose name="Name5">
+            <dgm:if name="Name6" func="var" arg="hierBranch" op="equ" val="l">
+              <dgm:choose name="Name7">
+                <dgm:if name="Name8" axis="ch" ptType="asst" func="cnt" op="gte" val="1">
+                  <dgm:alg type="hierRoot">
+                    <dgm:param type="hierAlign" val="tR"/>
+                  </dgm:alg>
+                  <dgm:constrLst>
+                    <dgm:constr type="alignOff" val="0.65"/>
+                  </dgm:constrLst>
+                </dgm:if>
+                <dgm:else name="Name9">
+                  <dgm:alg type="hierRoot">
+                    <dgm:param type="hierAlign" val="tR"/>
+                  </dgm:alg>
+                  <dgm:constrLst>
+                    <dgm:constr type="alignOff" val="0.25"/>
+                  </dgm:constrLst>
+                </dgm:else>
+              </dgm:choose>
+            </dgm:if>
+            <dgm:if name="Name10" func="var" arg="hierBranch" op="equ" val="r">
+              <dgm:choose name="Name11">
+                <dgm:if name="Name12" axis="ch" ptType="asst" func="cnt" op="gte" val="1">
+                  <dgm:alg type="hierRoot">
+                    <dgm:param type="hierAlign" val="tL"/>
+                  </dgm:alg>
+                  <dgm:constrLst>
+                    <dgm:constr type="alignOff" val="0.65"/>
+                  </dgm:constrLst>
+                </dgm:if>
+                <dgm:else name="Name13">
+                  <dgm:alg type="hierRoot">
+                    <dgm:param type="hierAlign" val="tL"/>
+                  </dgm:alg>
+                  <dgm:constrLst>
+                    <dgm:constr type="alignOff" val="0.25"/>
+                  </dgm:constrLst>
+                </dgm:else>
+              </dgm:choose>
+            </dgm:if>
+            <dgm:if name="Name14" func="var" arg="hierBranch" op="equ" val="hang">
+              <dgm:alg type="hierRoot"/>
+              <dgm:constrLst>
+                <dgm:constr type="alignOff" val="0.65"/>
+              </dgm:constrLst>
+            </dgm:if>
+            <dgm:else name="Name15">
+              <dgm:alg type="hierRoot"/>
+              <dgm:constrLst>
+                <dgm:constr type="alignOff"/>
+                <dgm:constr type="bendDist" for="des" ptType="parTrans" refType="sp" fact="0.5"/>
+              </dgm:constrLst>
+            </dgm:else>
+          </dgm:choose>
+          <dgm:shape xmlns:r="http://schemas.openxmlformats.org/officeDocument/2006/relationships" r:blip="">
+            <dgm:adjLst/>
+          </dgm:shape>
+          <dgm:presOf/>
+          <dgm:ruleLst/>
+          <dgm:layoutNode name="rootComposite1">
+            <dgm:alg type="composite"/>
+            <dgm:shape xmlns:r="http://schemas.openxmlformats.org/officeDocument/2006/relationships" r:blip="">
+              <dgm:adjLst/>
+            </dgm:shape>
+            <dgm:presOf axis="self" ptType="node" cnt="1"/>
+            <dgm:choose name="Name16">
+              <dgm:if name="Name17" func="var" arg="hierBranch" op="equ" val="init">
+                <dgm:constrLst>
+                  <dgm:constr type="l" for="ch" forName="rootText1"/>
+                  <dgm:constr type="t" for="ch" forName="rootText1"/>
+                  <dgm:constr type="w" for="ch" forName="rootText1" refType="w"/>
+                  <dgm:constr type="h" for="ch" forName="rootText1" refType="h"/>
+                  <dgm:constr type="l" for="ch" forName="rootConnector1"/>
+                  <dgm:constr type="t" for="ch" forName="rootConnector1"/>
+                  <dgm:constr type="w" for="ch" forName="rootConnector1" refType="w" refFor="ch" refForName="rootText1" fact="0.2"/>
+                  <dgm:constr type="h" for="ch" forName="rootConnector1" refType="h" refFor="ch" refForName="rootText1"/>
+                </dgm:constrLst>
+              </dgm:if>
+              <dgm:if name="Name18" func="var" arg="hierBranch" op="equ" val="l">
+                <dgm:constrLst>
+                  <dgm:constr type="l" for="ch" forName="rootText1"/>
+                  <dgm:constr type="t" for="ch" forName="rootText1"/>
+                  <dgm:constr type="w" for="ch" forName="rootText1" refType="w"/>
+                  <dgm:constr type="h" for="ch" forName="rootText1" refType="h"/>
+                  <dgm:constr type="r" for="ch" forName="rootConnector1" refType="w"/>
+                  <dgm:constr type="t" for="ch" forName="rootConnector1"/>
+                  <dgm:constr type="w" for="ch" forName="rootConnector1" refType="w" refFor="ch" refForName="rootText1" fact="0.2"/>
+                  <dgm:constr type="h" for="ch" forName="rootConnector1" refType="h" refFor="ch" refForName="rootText1"/>
+                </dgm:constrLst>
+              </dgm:if>
+              <dgm:if name="Name19" func="var" arg="hierBranch" op="equ" val="r">
+                <dgm:constrLst>
+                  <dgm:constr type="l" for="ch" forName="rootText1"/>
+                  <dgm:constr type="t" for="ch" forName="rootText1"/>
+                  <dgm:constr type="w" for="ch" forName="rootText1" refType="w"/>
+                  <dgm:constr type="h" for="ch" forName="rootText1" refType="h"/>
+                  <dgm:constr type="l" for="ch" forName="rootConnector1"/>
+                  <dgm:constr type="t" for="ch" forName="rootConnector1"/>
+                  <dgm:constr type="w" for="ch" forName="rootConnector1" refType="w" refFor="ch" refForName="rootText1" fact="0.2"/>
+                  <dgm:constr type="h" for="ch" forName="rootConnector1" refType="h" refFor="ch" refForName="rootText1"/>
+                </dgm:constrLst>
+              </dgm:if>
+              <dgm:else name="Name20">
+                <dgm:constrLst>
+                  <dgm:constr type="l" for="ch" forName="rootText1"/>
+                  <dgm:constr type="t" for="ch" forName="rootText1"/>
+                  <dgm:constr type="w" for="ch" forName="rootText1" refType="w"/>
+                  <dgm:constr type="h" for="ch" forName="rootText1" refType="h"/>
+                  <dgm:constr type="r" for="ch" forName="rootConnector1" refType="w"/>
+                  <dgm:constr type="t" for="ch" forName="rootConnector1"/>
+                  <dgm:constr type="w" for="ch" forName="rootConnector1" refType="w" refFor="ch" refForName="rootText1" fact="0.2"/>
+                  <dgm:constr type="h" for="ch" forName="rootConnector1" refType="h" refFor="ch" refForName="rootText1"/>
+                </dgm:constrLst>
+              </dgm:else>
+            </dgm:choose>
+            <dgm:ruleLst/>
+            <dgm:layoutNode name="rootText1" styleLbl="node0">
+              <dgm:varLst>
+                <dgm:chPref val="3"/>
+              </dgm:varLst>
+              <dgm:alg type="tx"/>
+              <dgm:shape xmlns:r="http://schemas.openxmlformats.org/officeDocument/2006/relationships" type="rect" r:blip="">
+                <dgm:adjLst/>
+              </dgm:shape>
+              <dgm:presOf axis="self" ptType="node" cnt="1"/>
+              <dgm:constrLst>
+                <dgm:constr type="primFontSz" val="65"/>
+                <dgm:constr type="lMarg" refType="primFontSz" fact="0.05"/>
+                <dgm:constr type="rMarg" refType="primFontSz" fact="0.05"/>
+                <dgm:constr type="tMarg" refType="primFontSz" fact="0.05"/>
+                <dgm:constr type="bMarg" refType="primFontSz" fact="0.05"/>
+              </dgm:constrLst>
+              <dgm:ruleLst>
+                <dgm:rule type="primFontSz" val="5" fact="NaN" max="NaN"/>
+              </dgm:ruleLst>
+            </dgm:layoutNode>
+            <dgm:layoutNode name="rootConnector1" moveWith="rootText1">
+              <dgm:alg type="sp"/>
+              <dgm:shape xmlns:r="http://schemas.openxmlformats.org/officeDocument/2006/relationships" type="rect" r:blip="" hideGeom="1">
+                <dgm:adjLst/>
+              </dgm:shape>
+              <dgm:presOf axis="self" ptType="node" cnt="1"/>
+              <dgm:constrLst/>
+              <dgm:ruleLst/>
+            </dgm:layoutNode>
+          </dgm:layoutNode>
+          <dgm:layoutNode name="hierChild2">
+            <dgm:choose name="Name21">
+              <dgm:if name="Name22" func="var" arg="hierBranch" op="equ" val="l">
+                <dgm:alg type="hierChild">
+                  <dgm:param type="chAlign" val="r"/>
+                  <dgm:param type="linDir" val="fromT"/>
+                </dgm:alg>
+              </dgm:if>
+              <dgm:if name="Name23" func="var" arg="hierBranch" op="equ" val="r">
+                <dgm:alg type="hierChild">
+                  <dgm:param type="chAlign" val="l"/>
+                  <dgm:param type="linDir" val="fromT"/>
+                </dgm:alg>
+              </dgm:if>
+              <dgm:if name="Name24" func="var" arg="hierBranch" op="equ" val="hang">
+                <dgm:choose name="Name25">
+                  <dgm:if name="Name26" func="var" arg="dir" op="equ" val="norm">
+                    <dgm:alg type="hierChild">
+                      <dgm:param type="chAlign" val="l"/>
+                      <dgm:param type="linDir" val="fromL"/>
+                      <dgm:param type="secChAlign" val="t"/>
+                      <dgm:param type="secLinDir" val="fromT"/>
+                    </dgm:alg>
+                  </dgm:if>
+                  <dgm:else name="Name27">
+                    <dgm:alg type="hierChild">
+                      <dgm:param type="chAlign" val="l"/>
+                      <dgm:param type="linDir" val="fromR"/>
+                      <dgm:param type="secChAlign" val="t"/>
+                      <dgm:param type="secLinDir" val="fromT"/>
+                    </dgm:alg>
+                  </dgm:else>
+                </dgm:choose>
+              </dgm:if>
+              <dgm:else name="Name28">
+                <dgm:choose name="Name29">
+                  <dgm:if name="Name30" func="var" arg="dir" op="equ" val="norm">
+                    <dgm:alg type="hierChild"/>
+                  </dgm:if>
+                  <dgm:else name="Name31">
+                    <dgm:alg type="hierChild">
+                      <dgm:param type="linDir" val="fromR"/>
+                    </dgm:alg>
+                  </dgm:else>
+                </dgm:choose>
+              </dgm:else>
+            </dgm:choose>
+            <dgm:shape xmlns:r="http://schemas.openxmlformats.org/officeDocument/2006/relationships" r:blip="">
+              <dgm:adjLst/>
+            </dgm:shape>
+            <dgm:presOf/>
+            <dgm:constrLst/>
+            <dgm:ruleLst/>
+            <dgm:forEach name="rep2a" axis="ch" ptType="nonAsst">
+              <dgm:forEach name="Name32" axis="precedSib" ptType="parTrans" st="-1" cnt="1">
+                <dgm:choose name="Name33">
+                  <dgm:if name="Name34" func="var" arg="hierBranch" op="equ" val="std">
+                    <dgm:layoutNode name="Name35">
+                      <dgm:alg type="conn">
+                        <dgm:param type="connRout" val="bend"/>
+                        <dgm:param type="dim" val="1D"/>
+                        <dgm:param type="endSty" val="noArr"/>
+                        <dgm:param type="begPts" val="bCtr"/>
+                        <dgm:param type="endPts" val="tCtr"/>
+                        <dgm:param type="bendPt" val="end"/>
+                      </dgm:alg>
+                      <dgm:shape xmlns:r="http://schemas.openxmlformats.org/officeDocument/2006/relationships" type="conn" r:blip="" zOrderOff="-99999">
+                        <dgm:adjLst/>
+                      </dgm:shape>
+                      <dgm:presOf axis="self"/>
+                      <dgm:constrLst>
+                        <dgm:constr type="begPad"/>
+                        <dgm:constr type="endPad"/>
+                      </dgm:constrLst>
+                      <dgm:ruleLst/>
+                    </dgm:layoutNode>
+                  </dgm:if>
+                  <dgm:if name="Name36" func="var" arg="hierBranch" op="equ" val="init">
+                    <dgm:layoutNode name="Name37">
+                      <dgm:choose name="Name38">
+                        <dgm:if name="Name39" axis="self" func="depth" op="lte" val="2">
+                          <dgm:alg type="conn">
+                            <dgm:param type="connRout" val="bend"/>
+                            <dgm:param type="dim" val="1D"/>
+                            <dgm:param type="endSty" val="noArr"/>
+                            <dgm:param type="begPts" val="bCtr"/>
+                            <dgm:param type="endPts" val="tCtr"/>
+                            <dgm:param type="bendPt" val="end"/>
+                          </dgm:alg>
+                        </dgm:if>
+                        <dgm:else name="Name40">
+                          <dgm:choose name="Name41">
+                            <dgm:if name="Name42" axis="par des" func="maxDepth" op="lte" val="1">
+                              <dgm:choose name="Name43">
+                                <dgm:if name="Name44" axis="par ch" ptType="node asst" func="cnt" op="gte" val="1">
+                                  <dgm:alg type="conn">
+                                    <dgm:param type="connRout" val="bend"/>
+                                    <dgm:param type="dim" val="1D"/>
+                                    <dgm:param type="endSty" val="noArr"/>
+                                    <dgm:param type="begPts" val="bCtr"/>
+                                    <dgm:param type="endPts" val="midL midR"/>
+                                  </dgm:alg>
+                                </dgm:if>
+                                <dgm:else name="Name45">
+                                  <dgm:alg type="conn">
+                                    <dgm:param type="connRout" val="bend"/>
+                                    <dgm:param type="dim" val="1D"/>
+                                    <dgm:param type="endSty" val="noArr"/>
+                                    <dgm:param type="begPts" val="bCtr"/>
+                                    <dgm:param type="endPts" val="midL midR"/>
+                                    <dgm:param type="srcNode" val="rootConnector"/>
+                                  </dgm:alg>
+                                </dgm:else>
+                              </dgm:choose>
+                            </dgm:if>
+                            <dgm:else name="Name46">
+                              <dgm:alg type="conn">
+                                <dgm:param type="connRout" val="bend"/>
+                                <dgm:param type="dim" val="1D"/>
+                                <dgm:param type="endSty" val="noArr"/>
+                                <dgm:param type="begPts" val="bCtr"/>
+                                <dgm:param type="endPts" val="tCtr"/>
+                                <dgm:param type="bendPt" val="end"/>
+                              </dgm:alg>
+                            </dgm:else>
+                          </dgm:choose>
+                        </dgm:else>
+                      </dgm:choose>
+                      <dgm:shape xmlns:r="http://schemas.openxmlformats.org/officeDocument/2006/relationships" type="conn" r:blip="" zOrderOff="-99999">
+                        <dgm:adjLst/>
+                      </dgm:shape>
+                      <dgm:presOf axis="self"/>
+                      <dgm:constrLst>
+                        <dgm:constr type="begPad"/>
+                        <dgm:constr type="endPad"/>
+                      </dgm:constrLst>
+                      <dgm:ruleLst/>
+                    </dgm:layoutNode>
+                  </dgm:if>
+                  <dgm:if name="Name47" func="var" arg="hierBranch" op="equ" val="hang">
+                    <dgm:layoutNode name="Name48">
+                      <dgm:alg type="conn">
+                        <dgm:param type="connRout" val="bend"/>
+                        <dgm:param type="dim" val="1D"/>
+                        <dgm:param type="endSty" val="noArr"/>
+                        <dgm:param type="begPts" val="bCtr"/>
+                        <dgm:param type="endPts" val="midL midR"/>
+                      </dgm:alg>
+                      <dgm:shape xmlns:r="http://schemas.openxmlformats.org/officeDocument/2006/relationships" type="conn" r:blip="" zOrderOff="-99999">
+                        <dgm:adjLst/>
+                      </dgm:shape>
+                      <dgm:presOf axis="self"/>
+                      <dgm:constrLst>
+                        <dgm:constr type="begPad"/>
+                        <dgm:constr type="endPad"/>
+                      </dgm:constrLst>
+                      <dgm:ruleLst/>
+                    </dgm:layoutNode>
+                  </dgm:if>
+                  <dgm:else name="Name49">
+                    <dgm:layoutNode name="Name50">
+                      <dgm:choose name="Name51">
+                        <dgm:if name="Name52" axis="self" func="depth" op="lte" val="2">
+                          <dgm:choose name="Name53">
+                            <dgm:if name="Name54" axis="par ch" ptType="node asst" func="cnt" op="gte" val="1">
+                              <dgm:alg type="conn">
+                                <dgm:param type="connRout" val="bend"/>
+                                <dgm:param type="dim" val="1D"/>
+                                <dgm:param type="endSty" val="noArr"/>
+                                <dgm:param type="begPts" val="bCtr"/>
+                                <dgm:param type="endPts" val="midL midR"/>
+                              </dgm:alg>
+                            </dgm:if>
+                            <dgm:else name="Name55">
+                              <dgm:alg type="conn">
+                                <dgm:param type="connRout" val="bend"/>
+                                <dgm:param type="dim" val="1D"/>
+                                <dgm:param type="endSty" val="noArr"/>
+                                <dgm:param type="begPts" val="bCtr"/>
+                                <dgm:param type="endPts" val="midL midR"/>
+                                <dgm:param type="srcNode" val="rootConnector1"/>
+                              </dgm:alg>
+                            </dgm:else>
+                          </dgm:choose>
+                        </dgm:if>
+                        <dgm:else name="Name56">
+                          <dgm:choose name="Name57">
+                            <dgm:if name="Name58" axis="par ch" ptType="node asst" func="cnt" op="gte" val="1">
+                              <dgm:alg type="conn">
+                                <dgm:param type="connRout" val="bend"/>
+                                <dgm:param type="dim" val="1D"/>
+                                <dgm:param type="endSty" val="noArr"/>
+                                <dgm:param type="begPts" val="bCtr"/>
+                                <dgm:param type="endPts" val="midL midR"/>
+                              </dgm:alg>
+                            </dgm:if>
+                            <dgm:else name="Name59">
+                              <dgm:alg type="conn">
+                                <dgm:param type="connRout" val="bend"/>
+                                <dgm:param type="dim" val="1D"/>
+                                <dgm:param type="endSty" val="noArr"/>
+                                <dgm:param type="begPts" val="bCtr"/>
+                                <dgm:param type="endPts" val="midL midR"/>
+                                <dgm:param type="srcNode" val="rootConnector"/>
+                              </dgm:alg>
+                            </dgm:else>
+                          </dgm:choose>
+                        </dgm:else>
+                      </dgm:choose>
+                      <dgm:shape xmlns:r="http://schemas.openxmlformats.org/officeDocument/2006/relationships" type="conn" r:blip="" zOrderOff="-99999">
+                        <dgm:adjLst/>
+                      </dgm:shape>
+                      <dgm:presOf axis="self"/>
+                      <dgm:constrLst>
+                        <dgm:constr type="begPad"/>
+                        <dgm:constr type="endPad"/>
+                      </dgm:constrLst>
+                      <dgm:ruleLst/>
+                    </dgm:layoutNode>
+                  </dgm:else>
+                </dgm:choose>
+              </dgm:forEach>
+              <dgm:layoutNode name="hierRoot2">
+                <dgm:varLst>
+                  <dgm:hierBranch val="init"/>
+                </dgm:varLst>
+                <dgm:choose name="Name60">
+                  <dgm:if name="Name61" func="var" arg="hierBranch" op="equ" val="l">
+                    <dgm:choose name="Name62">
+                      <dgm:if name="Name63" axis="ch" ptType="asst" func="cnt" op="gte" val="1">
+                        <dgm:alg type="hierRoot">
+                          <dgm:param type="hierAlign" val="tR"/>
+                        </dgm:alg>
+                        <dgm:shape xmlns:r="http://schemas.openxmlformats.org/officeDocument/2006/relationships" r:blip="">
+                          <dgm:adjLst/>
+                        </dgm:shape>
+                        <dgm:presOf/>
+                        <dgm:constrLst>
+                          <dgm:constr type="alignOff" val="0.65"/>
+                        </dgm:constrLst>
+                      </dgm:if>
+                      <dgm:else name="Name64">
+                        <dgm:alg type="hierRoot">
+                          <dgm:param type="hierAlign" val="tR"/>
+                        </dgm:alg>
+                        <dgm:shape xmlns:r="http://schemas.openxmlformats.org/officeDocument/2006/relationships" r:blip="">
+                          <dgm:adjLst/>
+                        </dgm:shape>
+                        <dgm:presOf/>
+                        <dgm:constrLst>
+                          <dgm:constr type="alignOff" val="0.25"/>
+                        </dgm:constrLst>
+                      </dgm:else>
+                    </dgm:choose>
+                  </dgm:if>
+                  <dgm:if name="Name65" func="var" arg="hierBranch" op="equ" val="r">
+                    <dgm:choose name="Name66">
+                      <dgm:if name="Name67" axis="ch" ptType="asst" func="cnt" op="gte" val="1">
+                        <dgm:alg type="hierRoot">
+                          <dgm:param type="hierAlign" val="tL"/>
+                        </dgm:alg>
+                        <dgm:shape xmlns:r="http://schemas.openxmlformats.org/officeDocument/2006/relationships" r:blip="">
+                          <dgm:adjLst/>
+                        </dgm:shape>
+                        <dgm:presOf/>
+                        <dgm:constrLst>
+                          <dgm:constr type="alignOff" val="0.65"/>
+                        </dgm:constrLst>
+                      </dgm:if>
+                      <dgm:else name="Name68">
+                        <dgm:alg type="hierRoot">
+                          <dgm:param type="hierAlign" val="tL"/>
+                        </dgm:alg>
+                        <dgm:shape xmlns:r="http://schemas.openxmlformats.org/officeDocument/2006/relationships" r:blip="">
+                          <dgm:adjLst/>
+                        </dgm:shape>
+                        <dgm:presOf/>
+                        <dgm:constrLst>
+                          <dgm:constr type="alignOff" val="0.25"/>
+                        </dgm:constrLst>
+                      </dgm:else>
+                    </dgm:choose>
+                  </dgm:if>
+                  <dgm:if name="Name69" func="var" arg="hierBranch" op="equ" val="std">
+                    <dgm:alg type="hierRoot"/>
+                    <dgm:shape xmlns:r="http://schemas.openxmlformats.org/officeDocument/2006/relationships" r:blip="">
+                      <dgm:adjLst/>
+                    </dgm:shape>
+                    <dgm:presOf/>
+                    <dgm:constrLst>
+                      <dgm:constr type="alignOff"/>
+                      <dgm:constr type="bendDist" for="des" ptType="parTrans" refType="sp" fact="0.5"/>
+                    </dgm:constrLst>
+                  </dgm:if>
+                  <dgm:if name="Name70" func="var" arg="hierBranch" op="equ" val="init">
+                    <dgm:choose name="Name71">
+                      <dgm:if name="Name72" axis="des" func="maxDepth" op="lte" val="1">
+                        <dgm:choose name="Name73">
+                          <dgm:if name="Name74" axis="ch" ptType="asst" func="cnt" op="gte" val="1">
+                            <dgm:alg type="hierRoot">
+                              <dgm:param type="hierAlign" val="tL"/>
+                            </dgm:alg>
+                            <dgm:shape xmlns:r="http://schemas.openxmlformats.org/officeDocument/2006/relationships" r:blip="">
+                              <dgm:adjLst/>
+                            </dgm:shape>
+                            <dgm:presOf/>
+                            <dgm:constrLst>
+                              <dgm:constr type="alignOff" val="0.65"/>
+                            </dgm:constrLst>
+                          </dgm:if>
+                          <dgm:else name="Name75">
+                            <dgm:alg type="hierRoot">
+                              <dgm:param type="hierAlign" val="tL"/>
+                            </dgm:alg>
+                            <dgm:shape xmlns:r="http://schemas.openxmlformats.org/officeDocument/2006/relationships" r:blip="">
+                              <dgm:adjLst/>
+                            </dgm:shape>
+                            <dgm:presOf/>
+                            <dgm:constrLst>
+                              <dgm:constr type="alignOff" val="0.25"/>
+                            </dgm:constrLst>
+                          </dgm:else>
+                        </dgm:choose>
+                      </dgm:if>
+                      <dgm:else name="Name76">
+                        <dgm:alg type="hierRoot"/>
+                        <dgm:shape xmlns:r="http://schemas.openxmlformats.org/officeDocument/2006/relationships" r:blip="">
+                          <dgm:adjLst/>
+                        </dgm:shape>
+                        <dgm:presOf/>
+                        <dgm:constrLst>
+                          <dgm:constr type="alignOff"/>
+                          <dgm:constr type="bendDist" for="des" ptType="parTrans" refType="sp" fact="0.5"/>
+                        </dgm:constrLst>
+                      </dgm:else>
+                    </dgm:choose>
+                  </dgm:if>
+                  <dgm:else name="Name77">
+                    <dgm:alg type="hierRoot"/>
+                    <dgm:shape xmlns:r="http://schemas.openxmlformats.org/officeDocument/2006/relationships" r:blip="">
+                      <dgm:adjLst/>
+                    </dgm:shape>
+                    <dgm:presOf/>
+                    <dgm:constrLst>
+                      <dgm:constr type="alignOff" val="0.65"/>
+                    </dgm:constrLst>
+                  </dgm:else>
+                </dgm:choose>
+                <dgm:ruleLst/>
+                <dgm:layoutNode name="rootComposite">
+                  <dgm:alg type="composite"/>
+                  <dgm:shape xmlns:r="http://schemas.openxmlformats.org/officeDocument/2006/relationships" r:blip="">
+                    <dgm:adjLst/>
+                  </dgm:shape>
+                  <dgm:presOf axis="self" ptType="node" cnt="1"/>
+                  <dgm:choose name="Name78">
+                    <dgm:if name="Name79" func="var" arg="hierBranch" op="equ" val="init">
+                      <dgm:constrLst>
+                        <dgm:constr type="l" for="ch" forName="rootText"/>
+                        <dgm:constr type="t" for="ch" forName="rootText"/>
+                        <dgm:constr type="w" for="ch" forName="rootText" refType="w"/>
+                        <dgm:constr type="h" for="ch" forName="rootText" refType="h"/>
+                        <dgm:constr type="l" for="ch" forName="rootConnector"/>
+                        <dgm:constr type="t" for="ch" forName="rootConnector"/>
+                        <dgm:constr type="w" for="ch" forName="rootConnector" refType="w" refFor="ch" refForName="rootText" fact="0.2"/>
+                        <dgm:constr type="h" for="ch" forName="rootConnector" refType="h" refFor="ch" refForName="rootText"/>
+                      </dgm:constrLst>
+                    </dgm:if>
+                    <dgm:if name="Name80" func="var" arg="hierBranch" op="equ" val="l">
+                      <dgm:constrLst>
+                        <dgm:constr type="l" for="ch" forName="rootText"/>
+                        <dgm:constr type="t" for="ch" forName="rootText"/>
+                        <dgm:constr type="w" for="ch" forName="rootText" refType="w"/>
+                        <dgm:constr type="h" for="ch" forName="rootText" refType="h"/>
+                        <dgm:constr type="r" for="ch" forName="rootConnector" refType="w"/>
+                        <dgm:constr type="t" for="ch" forName="rootConnector"/>
+                        <dgm:constr type="w" for="ch" forName="rootConnector" refType="w" refFor="ch" refForName="rootText" fact="0.2"/>
+                        <dgm:constr type="h" for="ch" forName="rootConnector" refType="h" refFor="ch" refForName="rootText"/>
+                      </dgm:constrLst>
+                    </dgm:if>
+                    <dgm:if name="Name81" func="var" arg="hierBranch" op="equ" val="r">
+                      <dgm:constrLst>
+                        <dgm:constr type="l" for="ch" forName="rootText"/>
+                        <dgm:constr type="t" for="ch" forName="rootText"/>
+                        <dgm:constr type="w" for="ch" forName="rootText" refType="w"/>
+                        <dgm:constr type="h" for="ch" forName="rootText" refType="h"/>
+                        <dgm:constr type="l" for="ch" forName="rootConnector"/>
+                        <dgm:constr type="t" for="ch" forName="rootConnector"/>
+                        <dgm:constr type="w" for="ch" forName="rootConnector" refType="w" refFor="ch" refForName="rootText" fact="0.2"/>
+                        <dgm:constr type="h" for="ch" forName="rootConnector" refType="h" refFor="ch" refForName="rootText"/>
+                      </dgm:constrLst>
+                    </dgm:if>
+                    <dgm:else name="Name82">
+                      <dgm:constrLst>
+                        <dgm:constr type="l" for="ch" forName="rootText"/>
+                        <dgm:constr type="t" for="ch" forName="rootText"/>
+                        <dgm:constr type="w" for="ch" forName="rootText" refType="w"/>
+                        <dgm:constr type="h" for="ch" forName="rootText" refType="h"/>
+                        <dgm:constr type="r" for="ch" forName="rootConnector" refType="w"/>
+                        <dgm:constr type="t" for="ch" forName="rootConnector"/>
+                        <dgm:constr type="w" for="ch" forName="rootConnector" refType="w" refFor="ch" refForName="rootText" fact="0.2"/>
+                        <dgm:constr type="h" for="ch" forName="rootConnector" refType="h" refFor="ch" refForName="rootText"/>
+                      </dgm:constrLst>
+                    </dgm:else>
+                  </dgm:choose>
+                  <dgm:ruleLst/>
+                  <dgm:layoutNode name="rootText">
+                    <dgm:varLst>
+                      <dgm:chPref val="3"/>
+                    </dgm:varLst>
+                    <dgm:alg type="tx"/>
+                    <dgm:shape xmlns:r="http://schemas.openxmlformats.org/officeDocument/2006/relationships" type="rect" r:blip="">
+                      <dgm:adjLst/>
+                    </dgm:shape>
+                    <dgm:presOf axis="self" ptType="node" cnt="1"/>
+                    <dgm:constrLst>
+                      <dgm:constr type="primFontSz" val="65"/>
+                      <dgm:constr type="lMarg" refType="primFontSz" fact="0.05"/>
+                      <dgm:constr type="rMarg" refType="primFontSz" fact="0.05"/>
+                      <dgm:constr type="tMarg" refType="primFontSz" fact="0.05"/>
+                      <dgm:constr type="bMarg" refType="primFontSz" fact="0.05"/>
+                    </dgm:constrLst>
+                    <dgm:ruleLst>
+                      <dgm:rule type="primFontSz" val="5" fact="NaN" max="NaN"/>
+                    </dgm:ruleLst>
+                  </dgm:layoutNode>
+                  <dgm:layoutNode name="rootConnector" moveWith="rootText">
+                    <dgm:alg type="sp"/>
+                    <dgm:shape xmlns:r="http://schemas.openxmlformats.org/officeDocument/2006/relationships" type="rect" r:blip="" hideGeom="1">
+                      <dgm:adjLst/>
+                    </dgm:shape>
+                    <dgm:presOf axis="self" ptType="node" cnt="1"/>
+                    <dgm:constrLst/>
+                    <dgm:ruleLst/>
+                  </dgm:layoutNode>
+                </dgm:layoutNode>
+                <dgm:layoutNode name="hierChild4">
+                  <dgm:choose name="Name83">
+                    <dgm:if name="Name84" func="var" arg="hierBranch" op="equ" val="l">
+                      <dgm:alg type="hierChild">
+                        <dgm:param type="chAlign" val="r"/>
+                        <dgm:param type="linDir" val="fromT"/>
+                      </dgm:alg>
+                    </dgm:if>
+                    <dgm:if name="Name85" func="var" arg="hierBranch" op="equ" val="r">
+                      <dgm:alg type="hierChild">
+                        <dgm:param type="chAlign" val="l"/>
+                        <dgm:param type="linDir" val="fromT"/>
+                      </dgm:alg>
+                    </dgm:if>
+                    <dgm:if name="Name86" func="var" arg="hierBranch" op="equ" val="hang">
+                      <dgm:choose name="Name87">
+                        <dgm:if name="Name88" func="var" arg="dir" op="equ" val="norm">
+                          <dgm:alg type="hierChild">
+                            <dgm:param type="chAlign" val="l"/>
+                            <dgm:param type="linDir" val="fromL"/>
+                            <dgm:param type="secChAlign" val="t"/>
+                            <dgm:param type="secLinDir" val="fromT"/>
+                          </dgm:alg>
+                        </dgm:if>
+                        <dgm:else name="Name89">
+                          <dgm:alg type="hierChild">
+                            <dgm:param type="chAlign" val="l"/>
+                            <dgm:param type="linDir" val="fromR"/>
+                            <dgm:param type="secChAlign" val="t"/>
+                            <dgm:param type="secLinDir" val="fromT"/>
+                          </dgm:alg>
+                        </dgm:else>
+                      </dgm:choose>
+                    </dgm:if>
+                    <dgm:if name="Name90" func="var" arg="hierBranch" op="equ" val="std">
+                      <dgm:choose name="Name91">
+                        <dgm:if name="Name92" func="var" arg="dir" op="equ" val="norm">
+                          <dgm:alg type="hierChild"/>
+                        </dgm:if>
+                        <dgm:else name="Name93">
+                          <dgm:alg type="hierChild">
+                            <dgm:param type="linDir" val="fromR"/>
+                          </dgm:alg>
+                        </dgm:else>
+                      </dgm:choose>
+                    </dgm:if>
+                    <dgm:if name="Name94" func="var" arg="hierBranch" op="equ" val="init">
+                      <dgm:choose name="Name95">
+                        <dgm:if name="Name96" axis="des" func="maxDepth" op="lte" val="1">
+                          <dgm:alg type="hierChild">
+                            <dgm:param type="chAlign" val="l"/>
+                            <dgm:param type="linDir" val="fromT"/>
+                          </dgm:alg>
+                        </dgm:if>
+                        <dgm:else name="Name97">
+                          <dgm:choose name="Name98">
+                            <dgm:if name="Name99" func="var" arg="dir" op="equ" val="norm">
+                              <dgm:alg type="hierChild"/>
+                            </dgm:if>
+                            <dgm:else name="Name100">
+                              <dgm:alg type="hierChild">
+                                <dgm:param type="linDir" val="fromR"/>
+                              </dgm:alg>
+                            </dgm:else>
+                          </dgm:choose>
+                        </dgm:else>
+                      </dgm:choose>
+                    </dgm:if>
+                    <dgm:else name="Name101"/>
+                  </dgm:choose>
+                  <dgm:shape xmlns:r="http://schemas.openxmlformats.org/officeDocument/2006/relationships" r:blip="">
+                    <dgm:adjLst/>
+                  </dgm:shape>
+                  <dgm:presOf/>
+                  <dgm:constrLst/>
+                  <dgm:ruleLst/>
+                  <dgm:forEach name="Name102" ref="rep2a"/>
+                </dgm:layoutNode>
+                <dgm:layoutNode name="hierChild5">
+                  <dgm:choose name="Name103">
+                    <dgm:if name="Name104" func="var" arg="dir" op="equ" val="norm">
+                      <dgm:alg type="hierChild">
+                        <dgm:param type="chAlign" val="l"/>
+                        <dgm:param type="linDir" val="fromL"/>
+                        <dgm:param type="secChAlign" val="t"/>
+                        <dgm:param type="secLinDir" val="fromT"/>
+                      </dgm:alg>
+                    </dgm:if>
+                    <dgm:else name="Name105">
+                      <dgm:alg type="hierChild">
+                        <dgm:param type="chAlign" val="l"/>
+                        <dgm:param type="linDir" val="fromR"/>
+                        <dgm:param type="secChAlign" val="t"/>
+                        <dgm:param type="secLinDir" val="fromT"/>
+                      </dgm:alg>
+                    </dgm:else>
+                  </dgm:choose>
+                  <dgm:shape xmlns:r="http://schemas.openxmlformats.org/officeDocument/2006/relationships" r:blip="">
+                    <dgm:adjLst/>
+                  </dgm:shape>
+                  <dgm:presOf/>
+                  <dgm:constrLst/>
+                  <dgm:ruleLst/>
+                  <dgm:forEach name="Name106" ref="rep2b"/>
+                </dgm:layoutNode>
+              </dgm:layoutNode>
+            </dgm:forEach>
+          </dgm:layoutNode>
+          <dgm:layoutNode name="hierChild3">
+            <dgm:choose name="Name107">
+              <dgm:if name="Name108" func="var" arg="dir" op="equ" val="norm">
+                <dgm:alg type="hierChild">
+                  <dgm:param type="chAlign" val="l"/>
+                  <dgm:param type="linDir" val="fromL"/>
+                  <dgm:param type="secChAlign" val="t"/>
+                  <dgm:param type="secLinDir" val="fromT"/>
+                </dgm:alg>
+              </dgm:if>
+              <dgm:else name="Name109">
+                <dgm:alg type="hierChild">
+                  <dgm:param type="chAlign" val="l"/>
+                  <dgm:param type="linDir" val="fromR"/>
+                  <dgm:param type="secChAlign" val="t"/>
+                  <dgm:param type="secLinDir" val="fromT"/>
+                </dgm:alg>
+              </dgm:else>
+            </dgm:choose>
+            <dgm:shape xmlns:r="http://schemas.openxmlformats.org/officeDocument/2006/relationships" r:blip="">
+              <dgm:adjLst/>
+            </dgm:shape>
+            <dgm:presOf/>
+            <dgm:constrLst/>
+            <dgm:ruleLst/>
+            <dgm:forEach name="rep2b" axis="ch" ptType="asst">
+              <dgm:forEach name="Name110" axis="precedSib" ptType="parTrans" st="-1" cnt="1">
+                <dgm:layoutNode name="Name111">
+                  <dgm:alg type="conn">
+                    <dgm:param type="connRout" val="bend"/>
+                    <dgm:param type="dim" val="1D"/>
+                    <dgm:param type="endSty" val="noArr"/>
+                    <dgm:param type="begPts" val="bCtr"/>
+                    <dgm:param type="endPts" val="midL midR"/>
+                  </dgm:alg>
+                  <dgm:shape xmlns:r="http://schemas.openxmlformats.org/officeDocument/2006/relationships" type="conn" r:blip="" zOrderOff="-99999">
+                    <dgm:adjLst/>
+                  </dgm:shape>
+                  <dgm:presOf axis="self"/>
+                  <dgm:constrLst>
+                    <dgm:constr type="begPad"/>
+                    <dgm:constr type="endPad"/>
+                  </dgm:constrLst>
+                  <dgm:ruleLst/>
+                </dgm:layoutNode>
+              </dgm:forEach>
+              <dgm:layoutNode name="hierRoot3">
+                <dgm:varLst>
+                  <dgm:hierBranch val="init"/>
+                </dgm:varLst>
+                <dgm:choose name="Name112">
+                  <dgm:if name="Name113" func="var" arg="hierBranch" op="equ" val="l">
+                    <dgm:alg type="hierRoot">
+                      <dgm:param type="hierAlign" val="tR"/>
+                    </dgm:alg>
+                    <dgm:shape xmlns:r="http://schemas.openxmlformats.org/officeDocument/2006/relationships" r:blip="">
+                      <dgm:adjLst/>
+                    </dgm:shape>
+                    <dgm:presOf/>
+                    <dgm:constrLst>
+                      <dgm:constr type="alignOff" val="0.65"/>
+                    </dgm:constrLst>
+                  </dgm:if>
+                  <dgm:if name="Name114" func="var" arg="hierBranch" op="equ" val="r">
+                    <dgm:alg type="hierRoot">
+                      <dgm:param type="hierAlign" val="tL"/>
+                    </dgm:alg>
+                    <dgm:shape xmlns:r="http://schemas.openxmlformats.org/officeDocument/2006/relationships" r:blip="">
+                      <dgm:adjLst/>
+                    </dgm:shape>
+                    <dgm:presOf/>
+                    <dgm:constrLst>
+                      <dgm:constr type="alignOff" val="0.65"/>
+                    </dgm:constrLst>
+                  </dgm:if>
+                  <dgm:if name="Name115" func="var" arg="hierBranch" op="equ" val="hang">
+                    <dgm:alg type="hierRoot"/>
+                    <dgm:shape xmlns:r="http://schemas.openxmlformats.org/officeDocument/2006/relationships" r:blip="">
+                      <dgm:adjLst/>
+                    </dgm:shape>
+                    <dgm:presOf/>
+                    <dgm:constrLst>
+                      <dgm:constr type="alignOff" val="0.65"/>
+                    </dgm:constrLst>
+                  </dgm:if>
+                  <dgm:if name="Name116" func="var" arg="hierBranch" op="equ" val="std">
+                    <dgm:alg type="hierRoot"/>
+                    <dgm:shape xmlns:r="http://schemas.openxmlformats.org/officeDocument/2006/relationships" r:blip="">
+                      <dgm:adjLst/>
+                    </dgm:shape>
+                    <dgm:presOf/>
+                    <dgm:constrLst>
+                      <dgm:constr type="alignOff"/>
+                      <dgm:constr type="bendDist" for="des" ptType="parTrans" refType="sp" fact="0.5"/>
+                    </dgm:constrLst>
+                  </dgm:if>
+                  <dgm:if name="Name117" func="var" arg="hierBranch" op="equ" val="init">
+                    <dgm:choose name="Name118">
+                      <dgm:if name="Name119" axis="des" func="maxDepth" op="lte" val="1">
+                        <dgm:alg type="hierRoot">
+                          <dgm:param type="hierAlign" val="tL"/>
+                        </dgm:alg>
+                        <dgm:shape xmlns:r="http://schemas.openxmlformats.org/officeDocument/2006/relationships" r:blip="">
+                          <dgm:adjLst/>
+                        </dgm:shape>
+                        <dgm:presOf/>
+                        <dgm:constrLst>
+                          <dgm:constr type="alignOff" val="0.65"/>
+                        </dgm:constrLst>
+                      </dgm:if>
+                      <dgm:else name="Name120">
+                        <dgm:alg type="hierRoot"/>
+                        <dgm:shape xmlns:r="http://schemas.openxmlformats.org/officeDocument/2006/relationships" r:blip="">
+                          <dgm:adjLst/>
+                        </dgm:shape>
+                        <dgm:presOf/>
+                        <dgm:constrLst>
+                          <dgm:constr type="alignOff"/>
+                          <dgm:constr type="bendDist" for="des" ptType="parTrans" refType="sp" fact="0.5"/>
+                        </dgm:constrLst>
+                      </dgm:else>
+                    </dgm:choose>
+                  </dgm:if>
+                  <dgm:else name="Name121"/>
+                </dgm:choose>
+                <dgm:ruleLst/>
+                <dgm:layoutNode name="rootComposite3">
+                  <dgm:alg type="composite"/>
+                  <dgm:shape xmlns:r="http://schemas.openxmlformats.org/officeDocument/2006/relationships" r:blip="">
+                    <dgm:adjLst/>
+                  </dgm:shape>
+                  <dgm:presOf axis="self" ptType="node" cnt="1"/>
+                  <dgm:choose name="Name122">
+                    <dgm:if name="Name123" func="var" arg="hierBranch" op="equ" val="init">
+                      <dgm:constrLst>
+                        <dgm:constr type="l" for="ch" forName="rootText3"/>
+                        <dgm:constr type="t" for="ch" forName="rootText3"/>
+                        <dgm:constr type="w" for="ch" forName="rootText3" refType="w"/>
+                        <dgm:constr type="h" for="ch" forName="rootText3" refType="h"/>
+                        <dgm:constr type="l" for="ch" forName="rootConnector3"/>
+                        <dgm:constr type="t" for="ch" forName="rootConnector3"/>
+                        <dgm:constr type="w" for="ch" forName="rootConnector3" refType="w" refFor="ch" refForName="rootText3" fact="0.2"/>
+                        <dgm:constr type="h" for="ch" forName="rootConnector3" refType="h" refFor="ch" refForName="rootText3"/>
+                      </dgm:constrLst>
+                    </dgm:if>
+                    <dgm:if name="Name124" func="var" arg="hierBranch" op="equ" val="l">
+                      <dgm:constrLst>
+                        <dgm:constr type="l" for="ch" forName="rootText3"/>
+                        <dgm:constr type="t" for="ch" forName="rootText3"/>
+                        <dgm:constr type="w" for="ch" forName="rootText3" refType="w"/>
+                        <dgm:constr type="h" for="ch" forName="rootText3" refType="h"/>
+                        <dgm:constr type="r" for="ch" forName="rootConnector3" refType="w"/>
+                        <dgm:constr type="t" for="ch" forName="rootConnector3"/>
+                        <dgm:constr type="w" for="ch" forName="rootConnector3" refType="w" refFor="ch" refForName="rootText3" fact="0.2"/>
+                        <dgm:constr type="h" for="ch" forName="rootConnector3" refType="h" refFor="ch" refForName="rootText3"/>
+                      </dgm:constrLst>
+                    </dgm:if>
+                    <dgm:if name="Name125" func="var" arg="hierBranch" op="equ" val="r">
+                      <dgm:constrLst>
+                        <dgm:constr type="l" for="ch" forName="rootText3"/>
+                        <dgm:constr type="t" for="ch" forName="rootText3"/>
+                        <dgm:constr type="w" for="ch" forName="rootText3" refType="w"/>
+                        <dgm:constr type="h" for="ch" forName="rootText3" refType="h"/>
+                        <dgm:constr type="l" for="ch" forName="rootConnector3"/>
+                        <dgm:constr type="t" for="ch" forName="rootConnector3"/>
+                        <dgm:constr type="w" for="ch" forName="rootConnector3" refType="w" refFor="ch" refForName="rootText3" fact="0.2"/>
+                        <dgm:constr type="h" for="ch" forName="rootConnector3" refType="h" refFor="ch" refForName="rootText3"/>
+                      </dgm:constrLst>
+                    </dgm:if>
+                    <dgm:else name="Name126">
+                      <dgm:constrLst>
+                        <dgm:constr type="l" for="ch" forName="rootText3"/>
+                        <dgm:constr type="t" for="ch" forName="rootText3"/>
+                        <dgm:constr type="w" for="ch" forName="rootText3" refType="w"/>
+                        <dgm:constr type="h" for="ch" forName="rootText3" refType="h"/>
+                        <dgm:constr type="r" for="ch" forName="rootConnector3" refType="w"/>
+                        <dgm:constr type="t" for="ch" forName="rootConnector3"/>
+                        <dgm:constr type="w" for="ch" forName="rootConnector3" refType="w" refFor="ch" refForName="rootText3" fact="0.2"/>
+                        <dgm:constr type="h" for="ch" forName="rootConnector3" refType="h" refFor="ch" refForName="rootText3"/>
+                      </dgm:constrLst>
+                    </dgm:else>
+                  </dgm:choose>
+                  <dgm:ruleLst/>
+                  <dgm:layoutNode name="rootText3">
+                    <dgm:varLst>
+                      <dgm:chPref val="3"/>
+                    </dgm:varLst>
+                    <dgm:alg type="tx"/>
+                    <dgm:shape xmlns:r="http://schemas.openxmlformats.org/officeDocument/2006/relationships" type="rect" r:blip="">
+                      <dgm:adjLst/>
+                    </dgm:shape>
+                    <dgm:presOf axis="self" ptType="node" cnt="1"/>
+                    <dgm:constrLst>
+                      <dgm:constr type="primFontSz" val="65"/>
+                      <dgm:constr type="lMarg" refType="primFontSz" fact="0.05"/>
+                      <dgm:constr type="rMarg" refType="primFontSz" fact="0.05"/>
+                      <dgm:constr type="tMarg" refType="primFontSz" fact="0.05"/>
+                      <dgm:constr type="bMarg" refType="primFontSz" fact="0.05"/>
+                    </dgm:constrLst>
+                    <dgm:ruleLst>
+                      <dgm:rule type="primFontSz" val="5" fact="NaN" max="NaN"/>
+                    </dgm:ruleLst>
+                  </dgm:layoutNode>
+                  <dgm:layoutNode name="rootConnector3" moveWith="rootText1">
+                    <dgm:alg type="sp"/>
+                    <dgm:shape xmlns:r="http://schemas.openxmlformats.org/officeDocument/2006/relationships" type="rect" r:blip="" hideGeom="1">
+                      <dgm:adjLst/>
+                    </dgm:shape>
+                    <dgm:presOf axis="self" ptType="node" cnt="1"/>
+                    <dgm:constrLst/>
+                    <dgm:ruleLst/>
+                  </dgm:layoutNode>
+                </dgm:layoutNode>
+                <dgm:layoutNode name="hierChild6">
+                  <dgm:choose name="Name127">
+                    <dgm:if name="Name128" func="var" arg="hierBranch" op="equ" val="l">
+                      <dgm:alg type="hierChild">
+                        <dgm:param type="chAlign" val="r"/>
+                        <dgm:param type="linDir" val="fromT"/>
+                      </dgm:alg>
+                    </dgm:if>
+                    <dgm:if name="Name129" func="var" arg="hierBranch" op="equ" val="r">
+                      <dgm:alg type="hierChild">
+                        <dgm:param type="chAlign" val="l"/>
+                        <dgm:param type="linDir" val="fromT"/>
+                      </dgm:alg>
+                    </dgm:if>
+                    <dgm:if name="Name130" func="var" arg="hierBranch" op="equ" val="hang">
+                      <dgm:choose name="Name131">
+                        <dgm:if name="Name132" func="var" arg="dir" op="equ" val="norm">
+                          <dgm:alg type="hierChild">
+                            <dgm:param type="chAlign" val="l"/>
+                            <dgm:param type="linDir" val="fromL"/>
+                            <dgm:param type="secChAlign" val="t"/>
+                            <dgm:param type="secLinDir" val="fromT"/>
+                          </dgm:alg>
+                        </dgm:if>
+                        <dgm:else name="Name133">
+                          <dgm:alg type="hierChild">
+                            <dgm:param type="chAlign" val="l"/>
+                            <dgm:param type="linDir" val="fromR"/>
+                            <dgm:param type="secChAlign" val="t"/>
+                            <dgm:param type="secLinDir" val="fromT"/>
+                          </dgm:alg>
+                        </dgm:else>
+                      </dgm:choose>
+                    </dgm:if>
+                    <dgm:if name="Name134" func="var" arg="hierBranch" op="equ" val="std">
+                      <dgm:choose name="Name135">
+                        <dgm:if name="Name136" func="var" arg="dir" op="equ" val="norm">
+                          <dgm:alg type="hierChild"/>
+                        </dgm:if>
+                        <dgm:else name="Name137">
+                          <dgm:alg type="hierChild">
+                            <dgm:param type="linDir" val="fromR"/>
+                          </dgm:alg>
+                        </dgm:else>
+                      </dgm:choose>
+                    </dgm:if>
+                    <dgm:if name="Name138" func="var" arg="hierBranch" op="equ" val="init">
+                      <dgm:choose name="Name139">
+                        <dgm:if name="Name140" axis="des" func="maxDepth" op="lte" val="1">
+                          <dgm:alg type="hierChild">
+                            <dgm:param type="chAlign" val="l"/>
+                            <dgm:param type="linDir" val="fromT"/>
+                          </dgm:alg>
+                        </dgm:if>
+                        <dgm:else name="Name141">
+                          <dgm:alg type="hierChild"/>
+                        </dgm:else>
+                      </dgm:choose>
+                    </dgm:if>
+                    <dgm:else name="Name142"/>
+                  </dgm:choose>
+                  <dgm:shape xmlns:r="http://schemas.openxmlformats.org/officeDocument/2006/relationships" r:blip="">
+                    <dgm:adjLst/>
+                  </dgm:shape>
+                  <dgm:presOf/>
+                  <dgm:constrLst/>
+                  <dgm:ruleLst/>
+                  <dgm:forEach name="Name143" ref="rep2a"/>
+                </dgm:layoutNode>
+                <dgm:layoutNode name="hierChild7">
+                  <dgm:choose name="Name144">
+                    <dgm:if name="Name145" func="var" arg="dir" op="equ" val="norm">
+                      <dgm:alg type="hierChild">
+                        <dgm:param type="chAlign" val="l"/>
+                        <dgm:param type="linDir" val="fromL"/>
+                        <dgm:param type="secChAlign" val="t"/>
+                        <dgm:param type="secLinDir" val="fromT"/>
+                      </dgm:alg>
+                    </dgm:if>
+                    <dgm:else name="Name146">
+                      <dgm:alg type="hierChild">
+                        <dgm:param type="chAlign" val="l"/>
+                        <dgm:param type="linDir" val="fromR"/>
+                        <dgm:param type="secChAlign" val="t"/>
+                        <dgm:param type="secLinDir" val="fromT"/>
+                      </dgm:alg>
+                    </dgm:else>
+                  </dgm:choose>
+                  <dgm:shape xmlns:r="http://schemas.openxmlformats.org/officeDocument/2006/relationships" r:blip="">
+                    <dgm:adjLst/>
+                  </dgm:shape>
+                  <dgm:presOf/>
+                  <dgm:constrLst/>
+                  <dgm:ruleLst/>
+                  <dgm:forEach name="Name147" ref="rep2b"/>
+                </dgm:layoutNode>
+              </dgm:layoutNode>
+            </dgm:forEach>
+          </dgm:layoutNode>
+        </dgm:layoutNode>
+      </dgm:forEach>
+    </dgm:forEach>
+  </dgm:layoutNode>
+</dgm:layoutDef>
+</file>
+
+<file path=ppt/diagrams/layout5.xml><?xml version="1.0" encoding="utf-8"?>
 <dgm:layoutDef xmlns:dgm="http://schemas.openxmlformats.org/drawingml/2006/diagram" xmlns:a="http://schemas.openxmlformats.org/drawingml/2006/main" uniqueId="urn:microsoft.com/office/officeart/2005/8/layout/cycle2">
   <dgm:title val=""/>
   <dgm:desc val=""/>
@@ -11154,6 +15981,1040 @@
 </file>
 
 <file path=ppt/diagrams/quickStyle4.xml><?xml version="1.0" encoding="utf-8"?>
+<dgm:styleDef xmlns:dgm="http://schemas.openxmlformats.org/drawingml/2006/diagram" xmlns:a="http://schemas.openxmlformats.org/drawingml/2006/main" uniqueId="urn:microsoft.com/office/officeart/2005/8/quickstyle/simple5">
+  <dgm:title val=""/>
+  <dgm:desc val=""/>
+  <dgm:catLst>
+    <dgm:cat type="simple" pri="10500"/>
+  </dgm:catLst>
+  <dgm:scene3d>
+    <a:camera prst="orthographicFront"/>
+    <a:lightRig rig="threePt" dir="t"/>
+  </dgm:scene3d>
+  <dgm:styleLbl name="node0">
+    <dgm:scene3d>
+      <a:camera prst="orthographicFront"/>
+      <a:lightRig rig="threePt" dir="t"/>
+    </dgm:scene3d>
+    <dgm:sp3d/>
+    <dgm:txPr/>
+    <dgm:style>
+      <a:lnRef idx="0">
+        <a:scrgbClr r="0" g="0" b="0"/>
+      </a:lnRef>
+      <a:fillRef idx="3">
+        <a:scrgbClr r="0" g="0" b="0"/>
+      </a:fillRef>
+      <a:effectRef idx="3">
+        <a:scrgbClr r="0" g="0" b="0"/>
+      </a:effectRef>
+      <a:fontRef idx="minor">
+        <a:schemeClr val="lt1"/>
+      </a:fontRef>
+    </dgm:style>
+  </dgm:styleLbl>
+  <dgm:styleLbl name="lnNode1">
+    <dgm:scene3d>
+      <a:camera prst="orthographicFront"/>
+      <a:lightRig rig="threePt" dir="t"/>
+    </dgm:scene3d>
+    <dgm:sp3d/>
+    <dgm:txPr/>
+    <dgm:style>
+      <a:lnRef idx="0">
+        <a:scrgbClr r="0" g="0" b="0"/>
+      </a:lnRef>
+      <a:fillRef idx="3">
+        <a:scrgbClr r="0" g="0" b="0"/>
+      </a:fillRef>
+      <a:effectRef idx="3">
+        <a:scrgbClr r="0" g="0" b="0"/>
+      </a:effectRef>
+      <a:fontRef idx="minor">
+        <a:schemeClr val="lt1"/>
+      </a:fontRef>
+    </dgm:style>
+  </dgm:styleLbl>
+  <dgm:styleLbl name="vennNode1">
+    <dgm:scene3d>
+      <a:camera prst="orthographicFront"/>
+      <a:lightRig rig="threePt" dir="t"/>
+    </dgm:scene3d>
+    <dgm:sp3d/>
+    <dgm:txPr/>
+    <dgm:style>
+      <a:lnRef idx="0">
+        <a:scrgbClr r="0" g="0" b="0"/>
+      </a:lnRef>
+      <a:fillRef idx="3">
+        <a:scrgbClr r="0" g="0" b="0"/>
+      </a:fillRef>
+      <a:effectRef idx="3">
+        <a:scrgbClr r="0" g="0" b="0"/>
+      </a:effectRef>
+      <a:fontRef idx="minor">
+        <a:schemeClr val="tx1"/>
+      </a:fontRef>
+    </dgm:style>
+  </dgm:styleLbl>
+  <dgm:styleLbl name="alignNode1">
+    <dgm:scene3d>
+      <a:camera prst="orthographicFront"/>
+      <a:lightRig rig="threePt" dir="t"/>
+    </dgm:scene3d>
+    <dgm:sp3d/>
+    <dgm:txPr/>
+    <dgm:style>
+      <a:lnRef idx="1">
+        <a:scrgbClr r="0" g="0" b="0"/>
+      </a:lnRef>
+      <a:fillRef idx="3">
+        <a:scrgbClr r="0" g="0" b="0"/>
+      </a:fillRef>
+      <a:effectRef idx="3">
+        <a:scrgbClr r="0" g="0" b="0"/>
+      </a:effectRef>
+      <a:fontRef idx="minor">
+        <a:schemeClr val="lt1"/>
+      </a:fontRef>
+    </dgm:style>
+  </dgm:styleLbl>
+  <dgm:styleLbl name="node1">
+    <dgm:scene3d>
+      <a:camera prst="orthographicFront"/>
+      <a:lightRig rig="threePt" dir="t"/>
+    </dgm:scene3d>
+    <dgm:sp3d/>
+    <dgm:txPr/>
+    <dgm:style>
+      <a:lnRef idx="0">
+        <a:scrgbClr r="0" g="0" b="0"/>
+      </a:lnRef>
+      <a:fillRef idx="3">
+        <a:scrgbClr r="0" g="0" b="0"/>
+      </a:fillRef>
+      <a:effectRef idx="3">
+        <a:scrgbClr r="0" g="0" b="0"/>
+      </a:effectRef>
+      <a:fontRef idx="minor">
+        <a:schemeClr val="lt1"/>
+      </a:fontRef>
+    </dgm:style>
+  </dgm:styleLbl>
+  <dgm:styleLbl name="node2">
+    <dgm:scene3d>
+      <a:camera prst="orthographicFront"/>
+      <a:lightRig rig="threePt" dir="t"/>
+    </dgm:scene3d>
+    <dgm:sp3d/>
+    <dgm:txPr/>
+    <dgm:style>
+      <a:lnRef idx="0">
+        <a:scrgbClr r="0" g="0" b="0"/>
+      </a:lnRef>
+      <a:fillRef idx="3">
+        <a:scrgbClr r="0" g="0" b="0"/>
+      </a:fillRef>
+      <a:effectRef idx="3">
+        <a:scrgbClr r="0" g="0" b="0"/>
+      </a:effectRef>
+      <a:fontRef idx="minor">
+        <a:schemeClr val="lt1"/>
+      </a:fontRef>
+    </dgm:style>
+  </dgm:styleLbl>
+  <dgm:styleLbl name="node3">
+    <dgm:scene3d>
+      <a:camera prst="orthographicFront"/>
+      <a:lightRig rig="threePt" dir="t"/>
+    </dgm:scene3d>
+    <dgm:sp3d/>
+    <dgm:txPr/>
+    <dgm:style>
+      <a:lnRef idx="0">
+        <a:scrgbClr r="0" g="0" b="0"/>
+      </a:lnRef>
+      <a:fillRef idx="3">
+        <a:scrgbClr r="0" g="0" b="0"/>
+      </a:fillRef>
+      <a:effectRef idx="3">
+        <a:scrgbClr r="0" g="0" b="0"/>
+      </a:effectRef>
+      <a:fontRef idx="minor">
+        <a:schemeClr val="lt1"/>
+      </a:fontRef>
+    </dgm:style>
+  </dgm:styleLbl>
+  <dgm:styleLbl name="node4">
+    <dgm:scene3d>
+      <a:camera prst="orthographicFront"/>
+      <a:lightRig rig="threePt" dir="t"/>
+    </dgm:scene3d>
+    <dgm:sp3d/>
+    <dgm:txPr/>
+    <dgm:style>
+      <a:lnRef idx="0">
+        <a:scrgbClr r="0" g="0" b="0"/>
+      </a:lnRef>
+      <a:fillRef idx="3">
+        <a:scrgbClr r="0" g="0" b="0"/>
+      </a:fillRef>
+      <a:effectRef idx="3">
+        <a:scrgbClr r="0" g="0" b="0"/>
+      </a:effectRef>
+      <a:fontRef idx="minor">
+        <a:schemeClr val="lt1"/>
+      </a:fontRef>
+    </dgm:style>
+  </dgm:styleLbl>
+  <dgm:styleLbl name="fgImgPlace1">
+    <dgm:scene3d>
+      <a:camera prst="orthographicFront"/>
+      <a:lightRig rig="threePt" dir="t"/>
+    </dgm:scene3d>
+    <dgm:sp3d/>
+    <dgm:txPr/>
+    <dgm:style>
+      <a:lnRef idx="0">
+        <a:scrgbClr r="0" g="0" b="0"/>
+      </a:lnRef>
+      <a:fillRef idx="1">
+        <a:scrgbClr r="0" g="0" b="0"/>
+      </a:fillRef>
+      <a:effectRef idx="3">
+        <a:scrgbClr r="0" g="0" b="0"/>
+      </a:effectRef>
+      <a:fontRef idx="minor"/>
+    </dgm:style>
+  </dgm:styleLbl>
+  <dgm:styleLbl name="alignImgPlace1">
+    <dgm:scene3d>
+      <a:camera prst="orthographicFront"/>
+      <a:lightRig rig="threePt" dir="t"/>
+    </dgm:scene3d>
+    <dgm:sp3d/>
+    <dgm:txPr/>
+    <dgm:style>
+      <a:lnRef idx="0">
+        <a:scrgbClr r="0" g="0" b="0"/>
+      </a:lnRef>
+      <a:fillRef idx="1">
+        <a:scrgbClr r="0" g="0" b="0"/>
+      </a:fillRef>
+      <a:effectRef idx="3">
+        <a:scrgbClr r="0" g="0" b="0"/>
+      </a:effectRef>
+      <a:fontRef idx="minor"/>
+    </dgm:style>
+  </dgm:styleLbl>
+  <dgm:styleLbl name="bgImgPlace1">
+    <dgm:scene3d>
+      <a:camera prst="orthographicFront"/>
+      <a:lightRig rig="threePt" dir="t"/>
+    </dgm:scene3d>
+    <dgm:sp3d/>
+    <dgm:txPr/>
+    <dgm:style>
+      <a:lnRef idx="0">
+        <a:scrgbClr r="0" g="0" b="0"/>
+      </a:lnRef>
+      <a:fillRef idx="1">
+        <a:scrgbClr r="0" g="0" b="0"/>
+      </a:fillRef>
+      <a:effectRef idx="3">
+        <a:scrgbClr r="0" g="0" b="0"/>
+      </a:effectRef>
+      <a:fontRef idx="minor"/>
+    </dgm:style>
+  </dgm:styleLbl>
+  <dgm:styleLbl name="sibTrans2D1">
+    <dgm:scene3d>
+      <a:camera prst="orthographicFront"/>
+      <a:lightRig rig="threePt" dir="t"/>
+    </dgm:scene3d>
+    <dgm:sp3d/>
+    <dgm:txPr/>
+    <dgm:style>
+      <a:lnRef idx="0">
+        <a:scrgbClr r="0" g="0" b="0"/>
+      </a:lnRef>
+      <a:fillRef idx="3">
+        <a:scrgbClr r="0" g="0" b="0"/>
+      </a:fillRef>
+      <a:effectRef idx="3">
+        <a:scrgbClr r="0" g="0" b="0"/>
+      </a:effectRef>
+      <a:fontRef idx="minor">
+        <a:schemeClr val="lt1"/>
+      </a:fontRef>
+    </dgm:style>
+  </dgm:styleLbl>
+  <dgm:styleLbl name="fgSibTrans2D1">
+    <dgm:scene3d>
+      <a:camera prst="orthographicFront"/>
+      <a:lightRig rig="threePt" dir="t"/>
+    </dgm:scene3d>
+    <dgm:sp3d/>
+    <dgm:txPr/>
+    <dgm:style>
+      <a:lnRef idx="0">
+        <a:scrgbClr r="0" g="0" b="0"/>
+      </a:lnRef>
+      <a:fillRef idx="3">
+        <a:scrgbClr r="0" g="0" b="0"/>
+      </a:fillRef>
+      <a:effectRef idx="3">
+        <a:scrgbClr r="0" g="0" b="0"/>
+      </a:effectRef>
+      <a:fontRef idx="minor">
+        <a:schemeClr val="lt1"/>
+      </a:fontRef>
+    </dgm:style>
+  </dgm:styleLbl>
+  <dgm:styleLbl name="bgSibTrans2D1">
+    <dgm:scene3d>
+      <a:camera prst="orthographicFront"/>
+      <a:lightRig rig="threePt" dir="t"/>
+    </dgm:scene3d>
+    <dgm:sp3d/>
+    <dgm:txPr/>
+    <dgm:style>
+      <a:lnRef idx="0">
+        <a:scrgbClr r="0" g="0" b="0"/>
+      </a:lnRef>
+      <a:fillRef idx="3">
+        <a:scrgbClr r="0" g="0" b="0"/>
+      </a:fillRef>
+      <a:effectRef idx="3">
+        <a:scrgbClr r="0" g="0" b="0"/>
+      </a:effectRef>
+      <a:fontRef idx="minor">
+        <a:schemeClr val="lt1"/>
+      </a:fontRef>
+    </dgm:style>
+  </dgm:styleLbl>
+  <dgm:styleLbl name="sibTrans1D1">
+    <dgm:scene3d>
+      <a:camera prst="orthographicFront"/>
+      <a:lightRig rig="threePt" dir="t"/>
+    </dgm:scene3d>
+    <dgm:sp3d/>
+    <dgm:txPr/>
+    <dgm:style>
+      <a:lnRef idx="1">
+        <a:scrgbClr r="0" g="0" b="0"/>
+      </a:lnRef>
+      <a:fillRef idx="0">
+        <a:scrgbClr r="0" g="0" b="0"/>
+      </a:fillRef>
+      <a:effectRef idx="0">
+        <a:scrgbClr r="0" g="0" b="0"/>
+      </a:effectRef>
+      <a:fontRef idx="minor"/>
+    </dgm:style>
+  </dgm:styleLbl>
+  <dgm:styleLbl name="callout">
+    <dgm:scene3d>
+      <a:camera prst="orthographicFront"/>
+      <a:lightRig rig="threePt" dir="t"/>
+    </dgm:scene3d>
+    <dgm:sp3d/>
+    <dgm:txPr/>
+    <dgm:style>
+      <a:lnRef idx="1">
+        <a:scrgbClr r="0" g="0" b="0"/>
+      </a:lnRef>
+      <a:fillRef idx="0">
+        <a:scrgbClr r="0" g="0" b="0"/>
+      </a:fillRef>
+      <a:effectRef idx="1">
+        <a:scrgbClr r="0" g="0" b="0"/>
+      </a:effectRef>
+      <a:fontRef idx="minor"/>
+    </dgm:style>
+  </dgm:styleLbl>
+  <dgm:styleLbl name="asst0">
+    <dgm:scene3d>
+      <a:camera prst="orthographicFront"/>
+      <a:lightRig rig="threePt" dir="t"/>
+    </dgm:scene3d>
+    <dgm:sp3d/>
+    <dgm:txPr/>
+    <dgm:style>
+      <a:lnRef idx="0">
+        <a:scrgbClr r="0" g="0" b="0"/>
+      </a:lnRef>
+      <a:fillRef idx="3">
+        <a:scrgbClr r="0" g="0" b="0"/>
+      </a:fillRef>
+      <a:effectRef idx="3">
+        <a:scrgbClr r="0" g="0" b="0"/>
+      </a:effectRef>
+      <a:fontRef idx="minor">
+        <a:schemeClr val="lt1"/>
+      </a:fontRef>
+    </dgm:style>
+  </dgm:styleLbl>
+  <dgm:styleLbl name="asst1">
+    <dgm:scene3d>
+      <a:camera prst="orthographicFront"/>
+      <a:lightRig rig="threePt" dir="t"/>
+    </dgm:scene3d>
+    <dgm:sp3d/>
+    <dgm:txPr/>
+    <dgm:style>
+      <a:lnRef idx="0">
+        <a:scrgbClr r="0" g="0" b="0"/>
+      </a:lnRef>
+      <a:fillRef idx="3">
+        <a:scrgbClr r="0" g="0" b="0"/>
+      </a:fillRef>
+      <a:effectRef idx="3">
+        <a:scrgbClr r="0" g="0" b="0"/>
+      </a:effectRef>
+      <a:fontRef idx="minor">
+        <a:schemeClr val="lt1"/>
+      </a:fontRef>
+    </dgm:style>
+  </dgm:styleLbl>
+  <dgm:styleLbl name="asst2">
+    <dgm:scene3d>
+      <a:camera prst="orthographicFront"/>
+      <a:lightRig rig="threePt" dir="t"/>
+    </dgm:scene3d>
+    <dgm:sp3d/>
+    <dgm:txPr/>
+    <dgm:style>
+      <a:lnRef idx="0">
+        <a:scrgbClr r="0" g="0" b="0"/>
+      </a:lnRef>
+      <a:fillRef idx="3">
+        <a:scrgbClr r="0" g="0" b="0"/>
+      </a:fillRef>
+      <a:effectRef idx="3">
+        <a:scrgbClr r="0" g="0" b="0"/>
+      </a:effectRef>
+      <a:fontRef idx="minor">
+        <a:schemeClr val="lt1"/>
+      </a:fontRef>
+    </dgm:style>
+  </dgm:styleLbl>
+  <dgm:styleLbl name="asst3">
+    <dgm:scene3d>
+      <a:camera prst="orthographicFront"/>
+      <a:lightRig rig="threePt" dir="t"/>
+    </dgm:scene3d>
+    <dgm:sp3d/>
+    <dgm:txPr/>
+    <dgm:style>
+      <a:lnRef idx="0">
+        <a:scrgbClr r="0" g="0" b="0"/>
+      </a:lnRef>
+      <a:fillRef idx="3">
+        <a:scrgbClr r="0" g="0" b="0"/>
+      </a:fillRef>
+      <a:effectRef idx="3">
+        <a:scrgbClr r="0" g="0" b="0"/>
+      </a:effectRef>
+      <a:fontRef idx="minor">
+        <a:schemeClr val="lt1"/>
+      </a:fontRef>
+    </dgm:style>
+  </dgm:styleLbl>
+  <dgm:styleLbl name="asst4">
+    <dgm:scene3d>
+      <a:camera prst="orthographicFront"/>
+      <a:lightRig rig="threePt" dir="t"/>
+    </dgm:scene3d>
+    <dgm:sp3d/>
+    <dgm:txPr/>
+    <dgm:style>
+      <a:lnRef idx="0">
+        <a:scrgbClr r="0" g="0" b="0"/>
+      </a:lnRef>
+      <a:fillRef idx="3">
+        <a:scrgbClr r="0" g="0" b="0"/>
+      </a:fillRef>
+      <a:effectRef idx="3">
+        <a:scrgbClr r="0" g="0" b="0"/>
+      </a:effectRef>
+      <a:fontRef idx="minor">
+        <a:schemeClr val="lt1"/>
+      </a:fontRef>
+    </dgm:style>
+  </dgm:styleLbl>
+  <dgm:styleLbl name="parChTrans2D1">
+    <dgm:scene3d>
+      <a:camera prst="orthographicFront"/>
+      <a:lightRig rig="threePt" dir="t"/>
+    </dgm:scene3d>
+    <dgm:sp3d/>
+    <dgm:txPr/>
+    <dgm:style>
+      <a:lnRef idx="0">
+        <a:scrgbClr r="0" g="0" b="0"/>
+      </a:lnRef>
+      <a:fillRef idx="3">
+        <a:scrgbClr r="0" g="0" b="0"/>
+      </a:fillRef>
+      <a:effectRef idx="3">
+        <a:scrgbClr r="0" g="0" b="0"/>
+      </a:effectRef>
+      <a:fontRef idx="minor">
+        <a:schemeClr val="lt1"/>
+      </a:fontRef>
+    </dgm:style>
+  </dgm:styleLbl>
+  <dgm:styleLbl name="parChTrans2D2">
+    <dgm:scene3d>
+      <a:camera prst="orthographicFront"/>
+      <a:lightRig rig="threePt" dir="t"/>
+    </dgm:scene3d>
+    <dgm:sp3d/>
+    <dgm:txPr/>
+    <dgm:style>
+      <a:lnRef idx="0">
+        <a:scrgbClr r="0" g="0" b="0"/>
+      </a:lnRef>
+      <a:fillRef idx="3">
+        <a:scrgbClr r="0" g="0" b="0"/>
+      </a:fillRef>
+      <a:effectRef idx="3">
+        <a:scrgbClr r="0" g="0" b="0"/>
+      </a:effectRef>
+      <a:fontRef idx="minor">
+        <a:schemeClr val="lt1"/>
+      </a:fontRef>
+    </dgm:style>
+  </dgm:styleLbl>
+  <dgm:styleLbl name="parChTrans2D3">
+    <dgm:scene3d>
+      <a:camera prst="orthographicFront"/>
+      <a:lightRig rig="threePt" dir="t"/>
+    </dgm:scene3d>
+    <dgm:sp3d/>
+    <dgm:txPr/>
+    <dgm:style>
+      <a:lnRef idx="0">
+        <a:scrgbClr r="0" g="0" b="0"/>
+      </a:lnRef>
+      <a:fillRef idx="3">
+        <a:scrgbClr r="0" g="0" b="0"/>
+      </a:fillRef>
+      <a:effectRef idx="3">
+        <a:scrgbClr r="0" g="0" b="0"/>
+      </a:effectRef>
+      <a:fontRef idx="minor">
+        <a:schemeClr val="lt1"/>
+      </a:fontRef>
+    </dgm:style>
+  </dgm:styleLbl>
+  <dgm:styleLbl name="parChTrans2D4">
+    <dgm:scene3d>
+      <a:camera prst="orthographicFront"/>
+      <a:lightRig rig="threePt" dir="t"/>
+    </dgm:scene3d>
+    <dgm:sp3d/>
+    <dgm:txPr/>
+    <dgm:style>
+      <a:lnRef idx="0">
+        <a:scrgbClr r="0" g="0" b="0"/>
+      </a:lnRef>
+      <a:fillRef idx="3">
+        <a:scrgbClr r="0" g="0" b="0"/>
+      </a:fillRef>
+      <a:effectRef idx="3">
+        <a:scrgbClr r="0" g="0" b="0"/>
+      </a:effectRef>
+      <a:fontRef idx="minor">
+        <a:schemeClr val="lt1"/>
+      </a:fontRef>
+    </dgm:style>
+  </dgm:styleLbl>
+  <dgm:styleLbl name="parChTrans1D1">
+    <dgm:scene3d>
+      <a:camera prst="orthographicFront"/>
+      <a:lightRig rig="threePt" dir="t"/>
+    </dgm:scene3d>
+    <dgm:sp3d/>
+    <dgm:txPr/>
+    <dgm:style>
+      <a:lnRef idx="2">
+        <a:scrgbClr r="0" g="0" b="0"/>
+      </a:lnRef>
+      <a:fillRef idx="0">
+        <a:scrgbClr r="0" g="0" b="0"/>
+      </a:fillRef>
+      <a:effectRef idx="0">
+        <a:scrgbClr r="0" g="0" b="0"/>
+      </a:effectRef>
+      <a:fontRef idx="minor"/>
+    </dgm:style>
+  </dgm:styleLbl>
+  <dgm:styleLbl name="parChTrans1D2">
+    <dgm:scene3d>
+      <a:camera prst="orthographicFront"/>
+      <a:lightRig rig="threePt" dir="t"/>
+    </dgm:scene3d>
+    <dgm:sp3d/>
+    <dgm:txPr/>
+    <dgm:style>
+      <a:lnRef idx="2">
+        <a:scrgbClr r="0" g="0" b="0"/>
+      </a:lnRef>
+      <a:fillRef idx="0">
+        <a:scrgbClr r="0" g="0" b="0"/>
+      </a:fillRef>
+      <a:effectRef idx="0">
+        <a:scrgbClr r="0" g="0" b="0"/>
+      </a:effectRef>
+      <a:fontRef idx="minor"/>
+    </dgm:style>
+  </dgm:styleLbl>
+  <dgm:styleLbl name="parChTrans1D3">
+    <dgm:scene3d>
+      <a:camera prst="orthographicFront"/>
+      <a:lightRig rig="threePt" dir="t"/>
+    </dgm:scene3d>
+    <dgm:sp3d/>
+    <dgm:txPr/>
+    <dgm:style>
+      <a:lnRef idx="2">
+        <a:scrgbClr r="0" g="0" b="0"/>
+      </a:lnRef>
+      <a:fillRef idx="0">
+        <a:scrgbClr r="0" g="0" b="0"/>
+      </a:fillRef>
+      <a:effectRef idx="0">
+        <a:scrgbClr r="0" g="0" b="0"/>
+      </a:effectRef>
+      <a:fontRef idx="minor"/>
+    </dgm:style>
+  </dgm:styleLbl>
+  <dgm:styleLbl name="parChTrans1D4">
+    <dgm:scene3d>
+      <a:camera prst="orthographicFront"/>
+      <a:lightRig rig="threePt" dir="t"/>
+    </dgm:scene3d>
+    <dgm:sp3d/>
+    <dgm:txPr/>
+    <dgm:style>
+      <a:lnRef idx="2">
+        <a:scrgbClr r="0" g="0" b="0"/>
+      </a:lnRef>
+      <a:fillRef idx="0">
+        <a:scrgbClr r="0" g="0" b="0"/>
+      </a:fillRef>
+      <a:effectRef idx="0">
+        <a:scrgbClr r="0" g="0" b="0"/>
+      </a:effectRef>
+      <a:fontRef idx="minor"/>
+    </dgm:style>
+  </dgm:styleLbl>
+  <dgm:styleLbl name="fgAcc1">
+    <dgm:scene3d>
+      <a:camera prst="orthographicFront"/>
+      <a:lightRig rig="threePt" dir="t"/>
+    </dgm:scene3d>
+    <dgm:sp3d/>
+    <dgm:txPr/>
+    <dgm:style>
+      <a:lnRef idx="1">
+        <a:scrgbClr r="0" g="0" b="0"/>
+      </a:lnRef>
+      <a:fillRef idx="1">
+        <a:scrgbClr r="0" g="0" b="0"/>
+      </a:fillRef>
+      <a:effectRef idx="2">
+        <a:scrgbClr r="0" g="0" b="0"/>
+      </a:effectRef>
+      <a:fontRef idx="minor"/>
+    </dgm:style>
+  </dgm:styleLbl>
+  <dgm:styleLbl name="conFgAcc1">
+    <dgm:scene3d>
+      <a:camera prst="orthographicFront"/>
+      <a:lightRig rig="threePt" dir="t"/>
+    </dgm:scene3d>
+    <dgm:sp3d/>
+    <dgm:txPr/>
+    <dgm:style>
+      <a:lnRef idx="1">
+        <a:scrgbClr r="0" g="0" b="0"/>
+      </a:lnRef>
+      <a:fillRef idx="1">
+        <a:scrgbClr r="0" g="0" b="0"/>
+      </a:fillRef>
+      <a:effectRef idx="2">
+        <a:scrgbClr r="0" g="0" b="0"/>
+      </a:effectRef>
+      <a:fontRef idx="minor"/>
+    </dgm:style>
+  </dgm:styleLbl>
+  <dgm:styleLbl name="alignAcc1">
+    <dgm:scene3d>
+      <a:camera prst="orthographicFront"/>
+      <a:lightRig rig="threePt" dir="t"/>
+    </dgm:scene3d>
+    <dgm:sp3d/>
+    <dgm:txPr/>
+    <dgm:style>
+      <a:lnRef idx="1">
+        <a:scrgbClr r="0" g="0" b="0"/>
+      </a:lnRef>
+      <a:fillRef idx="1">
+        <a:scrgbClr r="0" g="0" b="0"/>
+      </a:fillRef>
+      <a:effectRef idx="2">
+        <a:scrgbClr r="0" g="0" b="0"/>
+      </a:effectRef>
+      <a:fontRef idx="minor"/>
+    </dgm:style>
+  </dgm:styleLbl>
+  <dgm:styleLbl name="trAlignAcc1">
+    <dgm:scene3d>
+      <a:camera prst="orthographicFront"/>
+      <a:lightRig rig="threePt" dir="t"/>
+    </dgm:scene3d>
+    <dgm:sp3d/>
+    <dgm:txPr/>
+    <dgm:style>
+      <a:lnRef idx="1">
+        <a:scrgbClr r="0" g="0" b="0"/>
+      </a:lnRef>
+      <a:fillRef idx="1">
+        <a:scrgbClr r="0" g="0" b="0"/>
+      </a:fillRef>
+      <a:effectRef idx="0">
+        <a:scrgbClr r="0" g="0" b="0"/>
+      </a:effectRef>
+      <a:fontRef idx="minor"/>
+    </dgm:style>
+  </dgm:styleLbl>
+  <dgm:styleLbl name="bgAcc1">
+    <dgm:scene3d>
+      <a:camera prst="orthographicFront"/>
+      <a:lightRig rig="threePt" dir="t"/>
+    </dgm:scene3d>
+    <dgm:sp3d/>
+    <dgm:txPr/>
+    <dgm:style>
+      <a:lnRef idx="1">
+        <a:scrgbClr r="0" g="0" b="0"/>
+      </a:lnRef>
+      <a:fillRef idx="1">
+        <a:scrgbClr r="0" g="0" b="0"/>
+      </a:fillRef>
+      <a:effectRef idx="2">
+        <a:scrgbClr r="0" g="0" b="0"/>
+      </a:effectRef>
+      <a:fontRef idx="minor"/>
+    </dgm:style>
+  </dgm:styleLbl>
+  <dgm:styleLbl name="solidFgAcc1">
+    <dgm:scene3d>
+      <a:camera prst="orthographicFront"/>
+      <a:lightRig rig="threePt" dir="t"/>
+    </dgm:scene3d>
+    <dgm:sp3d/>
+    <dgm:txPr/>
+    <dgm:style>
+      <a:lnRef idx="1">
+        <a:scrgbClr r="0" g="0" b="0"/>
+      </a:lnRef>
+      <a:fillRef idx="1">
+        <a:scrgbClr r="0" g="0" b="0"/>
+      </a:fillRef>
+      <a:effectRef idx="2">
+        <a:scrgbClr r="0" g="0" b="0"/>
+      </a:effectRef>
+      <a:fontRef idx="minor"/>
+    </dgm:style>
+  </dgm:styleLbl>
+  <dgm:styleLbl name="solidAlignAcc1">
+    <dgm:scene3d>
+      <a:camera prst="orthographicFront"/>
+      <a:lightRig rig="threePt" dir="t"/>
+    </dgm:scene3d>
+    <dgm:sp3d/>
+    <dgm:txPr/>
+    <dgm:style>
+      <a:lnRef idx="1">
+        <a:scrgbClr r="0" g="0" b="0"/>
+      </a:lnRef>
+      <a:fillRef idx="1">
+        <a:scrgbClr r="0" g="0" b="0"/>
+      </a:fillRef>
+      <a:effectRef idx="3">
+        <a:scrgbClr r="0" g="0" b="0"/>
+      </a:effectRef>
+      <a:fontRef idx="minor"/>
+    </dgm:style>
+  </dgm:styleLbl>
+  <dgm:styleLbl name="solidBgAcc1">
+    <dgm:scene3d>
+      <a:camera prst="orthographicFront"/>
+      <a:lightRig rig="threePt" dir="t"/>
+    </dgm:scene3d>
+    <dgm:sp3d/>
+    <dgm:txPr/>
+    <dgm:style>
+      <a:lnRef idx="1">
+        <a:scrgbClr r="0" g="0" b="0"/>
+      </a:lnRef>
+      <a:fillRef idx="1">
+        <a:scrgbClr r="0" g="0" b="0"/>
+      </a:fillRef>
+      <a:effectRef idx="3">
+        <a:scrgbClr r="0" g="0" b="0"/>
+      </a:effectRef>
+      <a:fontRef idx="minor"/>
+    </dgm:style>
+  </dgm:styleLbl>
+  <dgm:styleLbl name="fgAccFollowNode1">
+    <dgm:scene3d>
+      <a:camera prst="orthographicFront"/>
+      <a:lightRig rig="threePt" dir="t"/>
+    </dgm:scene3d>
+    <dgm:sp3d/>
+    <dgm:txPr/>
+    <dgm:style>
+      <a:lnRef idx="1">
+        <a:scrgbClr r="0" g="0" b="0"/>
+      </a:lnRef>
+      <a:fillRef idx="1">
+        <a:scrgbClr r="0" g="0" b="0"/>
+      </a:fillRef>
+      <a:effectRef idx="2">
+        <a:scrgbClr r="0" g="0" b="0"/>
+      </a:effectRef>
+      <a:fontRef idx="minor"/>
+    </dgm:style>
+  </dgm:styleLbl>
+  <dgm:styleLbl name="alignAccFollowNode1">
+    <dgm:scene3d>
+      <a:camera prst="orthographicFront"/>
+      <a:lightRig rig="threePt" dir="t"/>
+    </dgm:scene3d>
+    <dgm:sp3d/>
+    <dgm:txPr/>
+    <dgm:style>
+      <a:lnRef idx="1">
+        <a:scrgbClr r="0" g="0" b="0"/>
+      </a:lnRef>
+      <a:fillRef idx="1">
+        <a:scrgbClr r="0" g="0" b="0"/>
+      </a:fillRef>
+      <a:effectRef idx="2">
+        <a:scrgbClr r="0" g="0" b="0"/>
+      </a:effectRef>
+      <a:fontRef idx="minor"/>
+    </dgm:style>
+  </dgm:styleLbl>
+  <dgm:styleLbl name="bgAccFollowNode1">
+    <dgm:scene3d>
+      <a:camera prst="orthographicFront"/>
+      <a:lightRig rig="threePt" dir="t"/>
+    </dgm:scene3d>
+    <dgm:sp3d/>
+    <dgm:txPr/>
+    <dgm:style>
+      <a:lnRef idx="1">
+        <a:scrgbClr r="0" g="0" b="0"/>
+      </a:lnRef>
+      <a:fillRef idx="1">
+        <a:scrgbClr r="0" g="0" b="0"/>
+      </a:fillRef>
+      <a:effectRef idx="2">
+        <a:scrgbClr r="0" g="0" b="0"/>
+      </a:effectRef>
+      <a:fontRef idx="minor"/>
+    </dgm:style>
+  </dgm:styleLbl>
+  <dgm:styleLbl name="fgAcc0">
+    <dgm:scene3d>
+      <a:camera prst="orthographicFront"/>
+      <a:lightRig rig="threePt" dir="t"/>
+    </dgm:scene3d>
+    <dgm:sp3d/>
+    <dgm:txPr/>
+    <dgm:style>
+      <a:lnRef idx="1">
+        <a:scrgbClr r="0" g="0" b="0"/>
+      </a:lnRef>
+      <a:fillRef idx="1">
+        <a:scrgbClr r="0" g="0" b="0"/>
+      </a:fillRef>
+      <a:effectRef idx="2">
+        <a:scrgbClr r="0" g="0" b="0"/>
+      </a:effectRef>
+      <a:fontRef idx="minor"/>
+    </dgm:style>
+  </dgm:styleLbl>
+  <dgm:styleLbl name="fgAcc2">
+    <dgm:scene3d>
+      <a:camera prst="orthographicFront"/>
+      <a:lightRig rig="threePt" dir="t"/>
+    </dgm:scene3d>
+    <dgm:sp3d/>
+    <dgm:txPr/>
+    <dgm:style>
+      <a:lnRef idx="1">
+        <a:scrgbClr r="0" g="0" b="0"/>
+      </a:lnRef>
+      <a:fillRef idx="1">
+        <a:scrgbClr r="0" g="0" b="0"/>
+      </a:fillRef>
+      <a:effectRef idx="2">
+        <a:scrgbClr r="0" g="0" b="0"/>
+      </a:effectRef>
+      <a:fontRef idx="minor"/>
+    </dgm:style>
+  </dgm:styleLbl>
+  <dgm:styleLbl name="fgAcc3">
+    <dgm:scene3d>
+      <a:camera prst="orthographicFront"/>
+      <a:lightRig rig="threePt" dir="t"/>
+    </dgm:scene3d>
+    <dgm:sp3d/>
+    <dgm:txPr/>
+    <dgm:style>
+      <a:lnRef idx="1">
+        <a:scrgbClr r="0" g="0" b="0"/>
+      </a:lnRef>
+      <a:fillRef idx="1">
+        <a:scrgbClr r="0" g="0" b="0"/>
+      </a:fillRef>
+      <a:effectRef idx="2">
+        <a:scrgbClr r="0" g="0" b="0"/>
+      </a:effectRef>
+      <a:fontRef idx="minor"/>
+    </dgm:style>
+  </dgm:styleLbl>
+  <dgm:styleLbl name="fgAcc4">
+    <dgm:scene3d>
+      <a:camera prst="orthographicFront"/>
+      <a:lightRig rig="threePt" dir="t"/>
+    </dgm:scene3d>
+    <dgm:sp3d/>
+    <dgm:txPr/>
+    <dgm:style>
+      <a:lnRef idx="1">
+        <a:scrgbClr r="0" g="0" b="0"/>
+      </a:lnRef>
+      <a:fillRef idx="1">
+        <a:scrgbClr r="0" g="0" b="0"/>
+      </a:fillRef>
+      <a:effectRef idx="2">
+        <a:scrgbClr r="0" g="0" b="0"/>
+      </a:effectRef>
+      <a:fontRef idx="minor"/>
+    </dgm:style>
+  </dgm:styleLbl>
+  <dgm:styleLbl name="bgShp">
+    <dgm:scene3d>
+      <a:camera prst="orthographicFront"/>
+      <a:lightRig rig="threePt" dir="t"/>
+    </dgm:scene3d>
+    <dgm:sp3d/>
+    <dgm:txPr/>
+    <dgm:style>
+      <a:lnRef idx="0">
+        <a:scrgbClr r="0" g="0" b="0"/>
+      </a:lnRef>
+      <a:fillRef idx="1">
+        <a:scrgbClr r="0" g="0" b="0"/>
+      </a:fillRef>
+      <a:effectRef idx="2">
+        <a:scrgbClr r="0" g="0" b="0"/>
+      </a:effectRef>
+      <a:fontRef idx="minor"/>
+    </dgm:style>
+  </dgm:styleLbl>
+  <dgm:styleLbl name="dkBgShp">
+    <dgm:scene3d>
+      <a:camera prst="orthographicFront"/>
+      <a:lightRig rig="threePt" dir="t"/>
+    </dgm:scene3d>
+    <dgm:sp3d/>
+    <dgm:txPr/>
+    <dgm:style>
+      <a:lnRef idx="0">
+        <a:scrgbClr r="0" g="0" b="0"/>
+      </a:lnRef>
+      <a:fillRef idx="1">
+        <a:scrgbClr r="0" g="0" b="0"/>
+      </a:fillRef>
+      <a:effectRef idx="3">
+        <a:scrgbClr r="0" g="0" b="0"/>
+      </a:effectRef>
+      <a:fontRef idx="minor"/>
+    </dgm:style>
+  </dgm:styleLbl>
+  <dgm:styleLbl name="trBgShp">
+    <dgm:scene3d>
+      <a:camera prst="orthographicFront"/>
+      <a:lightRig rig="threePt" dir="t"/>
+    </dgm:scene3d>
+    <dgm:sp3d/>
+    <dgm:txPr/>
+    <dgm:style>
+      <a:lnRef idx="0">
+        <a:scrgbClr r="0" g="0" b="0"/>
+      </a:lnRef>
+      <a:fillRef idx="1">
+        <a:scrgbClr r="0" g="0" b="0"/>
+      </a:fillRef>
+      <a:effectRef idx="0">
+        <a:scrgbClr r="0" g="0" b="0"/>
+      </a:effectRef>
+      <a:fontRef idx="minor"/>
+    </dgm:style>
+  </dgm:styleLbl>
+  <dgm:styleLbl name="fgShp">
+    <dgm:scene3d>
+      <a:camera prst="orthographicFront"/>
+      <a:lightRig rig="threePt" dir="t"/>
+    </dgm:scene3d>
+    <dgm:sp3d/>
+    <dgm:txPr/>
+    <dgm:style>
+      <a:lnRef idx="0">
+        <a:scrgbClr r="0" g="0" b="0"/>
+      </a:lnRef>
+      <a:fillRef idx="3">
+        <a:scrgbClr r="0" g="0" b="0"/>
+      </a:fillRef>
+      <a:effectRef idx="3">
+        <a:scrgbClr r="0" g="0" b="0"/>
+      </a:effectRef>
+      <a:fontRef idx="minor"/>
+    </dgm:style>
+  </dgm:styleLbl>
+  <dgm:styleLbl name="revTx">
+    <dgm:scene3d>
+      <a:camera prst="orthographicFront"/>
+      <a:lightRig rig="threePt" dir="t"/>
+    </dgm:scene3d>
+    <dgm:sp3d/>
+    <dgm:txPr/>
+    <dgm:style>
+      <a:lnRef idx="0">
+        <a:scrgbClr r="0" g="0" b="0"/>
+      </a:lnRef>
+      <a:fillRef idx="0">
+        <a:scrgbClr r="0" g="0" b="0"/>
+      </a:fillRef>
+      <a:effectRef idx="0">
+        <a:scrgbClr r="0" g="0" b="0"/>
+      </a:effectRef>
+      <a:fontRef idx="minor"/>
+    </dgm:style>
+  </dgm:styleLbl>
+</dgm:styleDef>
+</file>
+
+<file path=ppt/diagrams/quickStyle5.xml><?xml version="1.0" encoding="utf-8"?>
 <dgm:styleDef xmlns:dgm="http://schemas.openxmlformats.org/drawingml/2006/diagram" xmlns:a="http://schemas.openxmlformats.org/drawingml/2006/main" uniqueId="urn:microsoft.com/office/officeart/2005/8/quickstyle/simple1">
   <dgm:title val=""/>
   <dgm:desc val=""/>
@@ -12813,7 +18674,7 @@
           <a:p>
             <a:fld id="{0B4881D8-6EFA-4719-AD95-0B89AAC3F54C}" type="slidenum">
               <a:rPr lang="en-US" smtClean="0"/>
-              <a:t>12</a:t>
+              <a:t>13</a:t>
             </a:fld>
             <a:endParaRPr lang="en-US"/>
           </a:p>
@@ -12897,7 +18758,7 @@
           <a:p>
             <a:fld id="{0B4881D8-6EFA-4719-AD95-0B89AAC3F54C}" type="slidenum">
               <a:rPr lang="en-US" smtClean="0"/>
-              <a:t>15</a:t>
+              <a:t>16</a:t>
             </a:fld>
             <a:endParaRPr lang="en-US"/>
           </a:p>
@@ -12917,6 +18778,90 @@
 </file>
 
 <file path=ppt/notesSlides/notesSlide5.xml><?xml version="1.0" encoding="utf-8"?>
+<p:notes xmlns:a="http://schemas.openxmlformats.org/drawingml/2006/main" xmlns:r="http://schemas.openxmlformats.org/officeDocument/2006/relationships" xmlns:p="http://schemas.openxmlformats.org/presentationml/2006/main">
+  <p:cSld>
+    <p:spTree>
+      <p:nvGrpSpPr>
+        <p:cNvPr id="1" name=""/>
+        <p:cNvGrpSpPr/>
+        <p:nvPr/>
+      </p:nvGrpSpPr>
+      <p:grpSpPr>
+        <a:xfrm>
+          <a:off x="0" y="0"/>
+          <a:ext cx="0" cy="0"/>
+          <a:chOff x="0" y="0"/>
+          <a:chExt cx="0" cy="0"/>
+        </a:xfrm>
+      </p:grpSpPr>
+      <p:sp>
+        <p:nvSpPr>
+          <p:cNvPr id="2" name="Slide Image Placeholder 1"/>
+          <p:cNvSpPr>
+            <a:spLocks noGrp="1" noRot="1" noChangeAspect="1"/>
+          </p:cNvSpPr>
+          <p:nvPr>
+            <p:ph type="sldImg"/>
+          </p:nvPr>
+        </p:nvSpPr>
+        <p:spPr/>
+      </p:sp>
+      <p:sp>
+        <p:nvSpPr>
+          <p:cNvPr id="3" name="Notes Placeholder 2"/>
+          <p:cNvSpPr>
+            <a:spLocks noGrp="1"/>
+          </p:cNvSpPr>
+          <p:nvPr>
+            <p:ph type="body" idx="1"/>
+          </p:nvPr>
+        </p:nvSpPr>
+        <p:spPr/>
+        <p:txBody>
+          <a:bodyPr/>
+          <a:lstStyle/>
+          <a:p>
+            <a:endParaRPr lang="en-US"/>
+          </a:p>
+        </p:txBody>
+      </p:sp>
+      <p:sp>
+        <p:nvSpPr>
+          <p:cNvPr id="4" name="Slide Number Placeholder 3"/>
+          <p:cNvSpPr>
+            <a:spLocks noGrp="1"/>
+          </p:cNvSpPr>
+          <p:nvPr>
+            <p:ph type="sldNum" sz="quarter" idx="5"/>
+          </p:nvPr>
+        </p:nvSpPr>
+        <p:spPr/>
+        <p:txBody>
+          <a:bodyPr/>
+          <a:lstStyle/>
+          <a:p>
+            <a:fld id="{0B4881D8-6EFA-4719-AD95-0B89AAC3F54C}" type="slidenum">
+              <a:rPr lang="en-US" smtClean="0"/>
+              <a:t>17</a:t>
+            </a:fld>
+            <a:endParaRPr lang="en-US"/>
+          </a:p>
+        </p:txBody>
+      </p:sp>
+    </p:spTree>
+    <p:extLst>
+      <p:ext uri="{BB962C8B-B14F-4D97-AF65-F5344CB8AC3E}">
+        <p14:creationId xmlns:p14="http://schemas.microsoft.com/office/powerpoint/2010/main" val="3868066518"/>
+      </p:ext>
+    </p:extLst>
+  </p:cSld>
+  <p:clrMapOvr>
+    <a:masterClrMapping/>
+  </p:clrMapOvr>
+</p:notes>
+</file>
+
+<file path=ppt/notesSlides/notesSlide6.xml><?xml version="1.0" encoding="utf-8"?>
 <p:notes xmlns:a="http://schemas.openxmlformats.org/drawingml/2006/main" xmlns:r="http://schemas.openxmlformats.org/officeDocument/2006/relationships" xmlns:p="http://schemas.openxmlformats.org/presentationml/2006/main">
   <p:cSld>
     <p:spTree>
@@ -13846,7 +19791,7 @@
           <a:p>
             <a:fld id="{0B4881D8-6EFA-4719-AD95-0B89AAC3F54C}" type="slidenum">
               <a:rPr lang="en-US" smtClean="0"/>
-              <a:t>18</a:t>
+              <a:t>19</a:t>
             </a:fld>
             <a:endParaRPr lang="en-US"/>
           </a:p>
@@ -21473,6 +27418,422 @@
 <file path=ppt/slides/slide10.xml><?xml version="1.0" encoding="utf-8"?>
 <p:sld xmlns:a="http://schemas.openxmlformats.org/drawingml/2006/main" xmlns:r="http://schemas.openxmlformats.org/officeDocument/2006/relationships" xmlns:p="http://schemas.openxmlformats.org/presentationml/2006/main">
   <p:cSld>
+    <p:bg>
+      <p:bgPr>
+        <a:gradFill rotWithShape="1">
+          <a:gsLst>
+            <a:gs pos="0">
+              <a:schemeClr val="bg2">
+                <a:tint val="90000"/>
+                <a:lumMod val="120000"/>
+              </a:schemeClr>
+            </a:gs>
+            <a:gs pos="100000">
+              <a:schemeClr val="bg2">
+                <a:shade val="98000"/>
+                <a:satMod val="120000"/>
+                <a:lumMod val="98000"/>
+              </a:schemeClr>
+            </a:gs>
+          </a:gsLst>
+          <a:lin ang="5400000" scaled="0"/>
+        </a:gradFill>
+        <a:effectLst/>
+      </p:bgPr>
+    </p:bg>
+    <p:spTree>
+      <p:nvGrpSpPr>
+        <p:cNvPr id="1" name=""/>
+        <p:cNvGrpSpPr/>
+        <p:nvPr/>
+      </p:nvGrpSpPr>
+      <p:grpSpPr>
+        <a:xfrm>
+          <a:off x="0" y="0"/>
+          <a:ext cx="0" cy="0"/>
+          <a:chOff x="0" y="0"/>
+          <a:chExt cx="0" cy="0"/>
+        </a:xfrm>
+      </p:grpSpPr>
+      <p:sp>
+        <p:nvSpPr>
+          <p:cNvPr id="2" name="Title 1">
+            <a:extLst>
+              <a:ext uri="{FF2B5EF4-FFF2-40B4-BE49-F238E27FC236}">
+                <a16:creationId xmlns:a16="http://schemas.microsoft.com/office/drawing/2014/main" id="{4D32804B-B5C1-4A9D-AEF4-2120211E4098}"/>
+              </a:ext>
+            </a:extLst>
+          </p:cNvPr>
+          <p:cNvSpPr>
+            <a:spLocks noGrp="1"/>
+          </p:cNvSpPr>
+          <p:nvPr>
+            <p:ph type="title"/>
+          </p:nvPr>
+        </p:nvSpPr>
+        <p:spPr>
+          <a:xfrm>
+            <a:off x="1687669" y="624110"/>
+            <a:ext cx="4137059" cy="1280890"/>
+          </a:xfrm>
+        </p:spPr>
+        <p:txBody>
+          <a:bodyPr>
+            <a:normAutofit/>
+          </a:bodyPr>
+          <a:lstStyle/>
+          <a:p>
+            <a:r>
+              <a:rPr lang="en-US" sz="3200"/>
+              <a:t>Data Analysis</a:t>
+            </a:r>
+          </a:p>
+        </p:txBody>
+      </p:sp>
+      <p:pic>
+        <p:nvPicPr>
+          <p:cNvPr id="8" name="Picture 7">
+            <a:extLst>
+              <a:ext uri="{FF2B5EF4-FFF2-40B4-BE49-F238E27FC236}">
+                <a16:creationId xmlns:a16="http://schemas.microsoft.com/office/drawing/2014/main" id="{7D0F4C17-BEE8-4123-ACB7-1DA702FE2D3C}"/>
+              </a:ext>
+            </a:extLst>
+          </p:cNvPr>
+          <p:cNvPicPr>
+            <a:picLocks noChangeAspect="1"/>
+          </p:cNvPicPr>
+          <p:nvPr/>
+        </p:nvPicPr>
+        <p:blipFill>
+          <a:blip r:embed="rId2"/>
+          <a:stretch>
+            <a:fillRect/>
+          </a:stretch>
+        </p:blipFill>
+        <p:spPr>
+          <a:xfrm>
+            <a:off x="6544734" y="2354668"/>
+            <a:ext cx="4665133" cy="3141823"/>
+          </a:xfrm>
+          <a:prstGeom prst="rect">
+            <a:avLst/>
+          </a:prstGeom>
+        </p:spPr>
+      </p:pic>
+      <p:sp>
+        <p:nvSpPr>
+          <p:cNvPr id="13" name="Content Placeholder 6">
+            <a:extLst>
+              <a:ext uri="{FF2B5EF4-FFF2-40B4-BE49-F238E27FC236}">
+                <a16:creationId xmlns:a16="http://schemas.microsoft.com/office/drawing/2014/main" id="{3E18AD15-790E-4887-8E25-7727F0E2E6DF}"/>
+              </a:ext>
+            </a:extLst>
+          </p:cNvPr>
+          <p:cNvSpPr txBox="1">
+            <a:spLocks/>
+          </p:cNvSpPr>
+          <p:nvPr/>
+        </p:nvSpPr>
+        <p:spPr>
+          <a:xfrm>
+            <a:off x="1777999" y="2354668"/>
+            <a:ext cx="4013201" cy="3879222"/>
+          </a:xfrm>
+          <a:prstGeom prst="rect">
+            <a:avLst/>
+          </a:prstGeom>
+        </p:spPr>
+        <p:txBody>
+          <a:bodyPr vert="horz" lIns="91440" tIns="45720" rIns="91440" bIns="45720" rtlCol="0">
+            <a:normAutofit/>
+          </a:bodyPr>
+          <a:lstStyle>
+            <a:lvl1pPr marL="342900" indent="-342900" algn="l" defTabSz="457200" rtl="0" eaLnBrk="1" latinLnBrk="0" hangingPunct="1">
+              <a:spcBef>
+                <a:spcPts val="1000"/>
+              </a:spcBef>
+              <a:spcAft>
+                <a:spcPts val="0"/>
+              </a:spcAft>
+              <a:buClr>
+                <a:schemeClr val="accent1"/>
+              </a:buClr>
+              <a:buFont typeface="Wingdings 3" charset="2"/>
+              <a:buChar char=""/>
+              <a:defRPr sz="1800" kern="1200">
+                <a:solidFill>
+                  <a:schemeClr val="tx1">
+                    <a:lumMod val="75000"/>
+                    <a:lumOff val="25000"/>
+                  </a:schemeClr>
+                </a:solidFill>
+                <a:latin typeface="+mn-lt"/>
+                <a:ea typeface="+mn-ea"/>
+                <a:cs typeface="+mn-cs"/>
+              </a:defRPr>
+            </a:lvl1pPr>
+            <a:lvl2pPr marL="742950" indent="-285750" algn="l" defTabSz="457200" rtl="0" eaLnBrk="1" latinLnBrk="0" hangingPunct="1">
+              <a:spcBef>
+                <a:spcPts val="1000"/>
+              </a:spcBef>
+              <a:spcAft>
+                <a:spcPts val="0"/>
+              </a:spcAft>
+              <a:buClr>
+                <a:schemeClr val="accent1"/>
+              </a:buClr>
+              <a:buFont typeface="Wingdings 3" charset="2"/>
+              <a:buChar char=""/>
+              <a:defRPr sz="1600" kern="1200">
+                <a:solidFill>
+                  <a:schemeClr val="tx1">
+                    <a:lumMod val="75000"/>
+                    <a:lumOff val="25000"/>
+                  </a:schemeClr>
+                </a:solidFill>
+                <a:latin typeface="+mn-lt"/>
+                <a:ea typeface="+mn-ea"/>
+                <a:cs typeface="+mn-cs"/>
+              </a:defRPr>
+            </a:lvl2pPr>
+            <a:lvl3pPr marL="1143000" indent="-228600" algn="l" defTabSz="457200" rtl="0" eaLnBrk="1" latinLnBrk="0" hangingPunct="1">
+              <a:spcBef>
+                <a:spcPts val="1000"/>
+              </a:spcBef>
+              <a:spcAft>
+                <a:spcPts val="0"/>
+              </a:spcAft>
+              <a:buClr>
+                <a:schemeClr val="accent1"/>
+              </a:buClr>
+              <a:buFont typeface="Wingdings 3" charset="2"/>
+              <a:buChar char=""/>
+              <a:defRPr sz="1400" kern="1200">
+                <a:solidFill>
+                  <a:schemeClr val="tx1">
+                    <a:lumMod val="75000"/>
+                    <a:lumOff val="25000"/>
+                  </a:schemeClr>
+                </a:solidFill>
+                <a:latin typeface="+mn-lt"/>
+                <a:ea typeface="+mn-ea"/>
+                <a:cs typeface="+mn-cs"/>
+              </a:defRPr>
+            </a:lvl3pPr>
+            <a:lvl4pPr marL="1600200" indent="-228600" algn="l" defTabSz="457200" rtl="0" eaLnBrk="1" latinLnBrk="0" hangingPunct="1">
+              <a:spcBef>
+                <a:spcPts val="1000"/>
+              </a:spcBef>
+              <a:spcAft>
+                <a:spcPts val="0"/>
+              </a:spcAft>
+              <a:buClr>
+                <a:schemeClr val="accent1"/>
+              </a:buClr>
+              <a:buFont typeface="Wingdings 3" charset="2"/>
+              <a:buChar char=""/>
+              <a:defRPr sz="1200" kern="1200">
+                <a:solidFill>
+                  <a:schemeClr val="tx1">
+                    <a:lumMod val="75000"/>
+                    <a:lumOff val="25000"/>
+                  </a:schemeClr>
+                </a:solidFill>
+                <a:latin typeface="+mn-lt"/>
+                <a:ea typeface="+mn-ea"/>
+                <a:cs typeface="+mn-cs"/>
+              </a:defRPr>
+            </a:lvl4pPr>
+            <a:lvl5pPr marL="2057400" indent="-228600" algn="l" defTabSz="457200" rtl="0" eaLnBrk="1" latinLnBrk="0" hangingPunct="1">
+              <a:spcBef>
+                <a:spcPts val="1000"/>
+              </a:spcBef>
+              <a:spcAft>
+                <a:spcPts val="0"/>
+              </a:spcAft>
+              <a:buClr>
+                <a:schemeClr val="accent1"/>
+              </a:buClr>
+              <a:buFont typeface="Wingdings 3" charset="2"/>
+              <a:buChar char=""/>
+              <a:defRPr sz="1200" kern="1200">
+                <a:solidFill>
+                  <a:schemeClr val="tx1">
+                    <a:lumMod val="75000"/>
+                    <a:lumOff val="25000"/>
+                  </a:schemeClr>
+                </a:solidFill>
+                <a:latin typeface="+mn-lt"/>
+                <a:ea typeface="+mn-ea"/>
+                <a:cs typeface="+mn-cs"/>
+              </a:defRPr>
+            </a:lvl5pPr>
+            <a:lvl6pPr marL="2514600" indent="-228600" algn="l" defTabSz="457200" rtl="0" eaLnBrk="1" latinLnBrk="0" hangingPunct="1">
+              <a:spcBef>
+                <a:spcPts val="1000"/>
+              </a:spcBef>
+              <a:spcAft>
+                <a:spcPts val="0"/>
+              </a:spcAft>
+              <a:buClr>
+                <a:schemeClr val="accent1"/>
+              </a:buClr>
+              <a:buFont typeface="Wingdings 3" charset="2"/>
+              <a:buChar char=""/>
+              <a:defRPr sz="1200" kern="1200">
+                <a:solidFill>
+                  <a:schemeClr val="tx1">
+                    <a:lumMod val="75000"/>
+                    <a:lumOff val="25000"/>
+                  </a:schemeClr>
+                </a:solidFill>
+                <a:latin typeface="+mn-lt"/>
+                <a:ea typeface="+mn-ea"/>
+                <a:cs typeface="+mn-cs"/>
+              </a:defRPr>
+            </a:lvl6pPr>
+            <a:lvl7pPr marL="2971800" indent="-228600" algn="l" defTabSz="457200" rtl="0" eaLnBrk="1" latinLnBrk="0" hangingPunct="1">
+              <a:spcBef>
+                <a:spcPts val="1000"/>
+              </a:spcBef>
+              <a:spcAft>
+                <a:spcPts val="0"/>
+              </a:spcAft>
+              <a:buClr>
+                <a:schemeClr val="accent1"/>
+              </a:buClr>
+              <a:buFont typeface="Wingdings 3" charset="2"/>
+              <a:buChar char=""/>
+              <a:defRPr sz="1200" kern="1200">
+                <a:solidFill>
+                  <a:schemeClr val="tx1">
+                    <a:lumMod val="75000"/>
+                    <a:lumOff val="25000"/>
+                  </a:schemeClr>
+                </a:solidFill>
+                <a:latin typeface="+mn-lt"/>
+                <a:ea typeface="+mn-ea"/>
+                <a:cs typeface="+mn-cs"/>
+              </a:defRPr>
+            </a:lvl7pPr>
+            <a:lvl8pPr marL="3429000" indent="-228600" algn="l" defTabSz="457200" rtl="0" eaLnBrk="1" latinLnBrk="0" hangingPunct="1">
+              <a:spcBef>
+                <a:spcPts val="1000"/>
+              </a:spcBef>
+              <a:spcAft>
+                <a:spcPts val="0"/>
+              </a:spcAft>
+              <a:buClr>
+                <a:schemeClr val="accent1"/>
+              </a:buClr>
+              <a:buFont typeface="Wingdings 3" charset="2"/>
+              <a:buChar char=""/>
+              <a:defRPr sz="1200" kern="1200">
+                <a:solidFill>
+                  <a:schemeClr val="tx1">
+                    <a:lumMod val="75000"/>
+                    <a:lumOff val="25000"/>
+                  </a:schemeClr>
+                </a:solidFill>
+                <a:latin typeface="+mn-lt"/>
+                <a:ea typeface="+mn-ea"/>
+                <a:cs typeface="+mn-cs"/>
+              </a:defRPr>
+            </a:lvl8pPr>
+            <a:lvl9pPr marL="3886200" indent="-228600" algn="l" defTabSz="457200" rtl="0" eaLnBrk="1" latinLnBrk="0" hangingPunct="1">
+              <a:spcBef>
+                <a:spcPts val="1000"/>
+              </a:spcBef>
+              <a:spcAft>
+                <a:spcPts val="0"/>
+              </a:spcAft>
+              <a:buClr>
+                <a:schemeClr val="accent1"/>
+              </a:buClr>
+              <a:buFont typeface="Wingdings 3" charset="2"/>
+              <a:buChar char=""/>
+              <a:defRPr sz="1200" kern="1200">
+                <a:solidFill>
+                  <a:schemeClr val="tx1">
+                    <a:lumMod val="75000"/>
+                    <a:lumOff val="25000"/>
+                  </a:schemeClr>
+                </a:solidFill>
+                <a:latin typeface="+mn-lt"/>
+                <a:ea typeface="+mn-ea"/>
+                <a:cs typeface="+mn-cs"/>
+              </a:defRPr>
+            </a:lvl9pPr>
+          </a:lstStyle>
+          <a:p>
+            <a:pPr>
+              <a:buClr>
+                <a:srgbClr val="FFBE04"/>
+              </a:buClr>
+            </a:pPr>
+            <a:endParaRPr lang="en-US" dirty="0">
+              <a:ln w="0"/>
+              <a:solidFill>
+                <a:schemeClr val="tx1"/>
+              </a:solidFill>
+              <a:effectLst>
+                <a:outerShdw blurRad="38100" dist="19050" dir="2700000" algn="tl" rotWithShape="0">
+                  <a:schemeClr val="dk1">
+                    <a:alpha val="40000"/>
+                  </a:schemeClr>
+                </a:outerShdw>
+              </a:effectLst>
+            </a:endParaRPr>
+          </a:p>
+        </p:txBody>
+      </p:sp>
+      <p:graphicFrame>
+        <p:nvGraphicFramePr>
+          <p:cNvPr id="5" name="Content Placeholder 4">
+            <a:extLst>
+              <a:ext uri="{FF2B5EF4-FFF2-40B4-BE49-F238E27FC236}">
+                <a16:creationId xmlns:a16="http://schemas.microsoft.com/office/drawing/2014/main" id="{C0B990E2-DD09-4127-A950-781DEF0749BA}"/>
+              </a:ext>
+            </a:extLst>
+          </p:cNvPr>
+          <p:cNvGraphicFramePr>
+            <a:graphicFrameLocks noGrp="1"/>
+          </p:cNvGraphicFramePr>
+          <p:nvPr>
+            <p:ph idx="1"/>
+            <p:extLst>
+              <p:ext uri="{D42A27DB-BD31-4B8C-83A1-F6EECF244321}">
+                <p14:modId xmlns:p14="http://schemas.microsoft.com/office/powerpoint/2010/main" val="1595562065"/>
+              </p:ext>
+            </p:extLst>
+          </p:nvPr>
+        </p:nvGraphicFramePr>
+        <p:xfrm>
+          <a:off x="1683956" y="2133600"/>
+          <a:ext cx="4140772" cy="3777622"/>
+        </p:xfrm>
+        <a:graphic>
+          <a:graphicData uri="http://schemas.openxmlformats.org/drawingml/2006/diagram">
+            <dgm:relIds xmlns:dgm="http://schemas.openxmlformats.org/drawingml/2006/diagram" xmlns:r="http://schemas.openxmlformats.org/officeDocument/2006/relationships" r:dm="rId3" r:lo="rId4" r:qs="rId5" r:cs="rId6"/>
+          </a:graphicData>
+        </a:graphic>
+      </p:graphicFrame>
+    </p:spTree>
+    <p:extLst>
+      <p:ext uri="{BB962C8B-B14F-4D97-AF65-F5344CB8AC3E}">
+        <p14:creationId xmlns:p14="http://schemas.microsoft.com/office/powerpoint/2010/main" val="3258581400"/>
+      </p:ext>
+    </p:extLst>
+  </p:cSld>
+  <p:clrMapOvr>
+    <a:masterClrMapping/>
+  </p:clrMapOvr>
+</p:sld>
+</file>
+
+<file path=ppt/slides/slide11.xml><?xml version="1.0" encoding="utf-8"?>
+<p:sld xmlns:a="http://schemas.openxmlformats.org/drawingml/2006/main" xmlns:r="http://schemas.openxmlformats.org/officeDocument/2006/relationships" xmlns:p="http://schemas.openxmlformats.org/presentationml/2006/main">
+  <p:cSld>
     <p:spTree>
       <p:nvGrpSpPr>
         <p:cNvPr id="1" name=""/>
@@ -21619,7 +27980,7 @@
 </p:sld>
 </file>
 
-<file path=ppt/slides/slide11.xml><?xml version="1.0" encoding="utf-8"?>
+<file path=ppt/slides/slide12.xml><?xml version="1.0" encoding="utf-8"?>
 <p:sld xmlns:a="http://schemas.openxmlformats.org/drawingml/2006/main" xmlns:r="http://schemas.openxmlformats.org/officeDocument/2006/relationships" xmlns:p="http://schemas.openxmlformats.org/presentationml/2006/main">
   <p:cSld>
     <p:bg>
@@ -22668,7 +29029,7 @@
 </p:sld>
 </file>
 
-<file path=ppt/slides/slide12.xml><?xml version="1.0" encoding="utf-8"?>
+<file path=ppt/slides/slide13.xml><?xml version="1.0" encoding="utf-8"?>
 <p:sld xmlns:a="http://schemas.openxmlformats.org/drawingml/2006/main" xmlns:r="http://schemas.openxmlformats.org/officeDocument/2006/relationships" xmlns:p="http://schemas.openxmlformats.org/presentationml/2006/main">
   <p:cSld>
     <p:bg>
@@ -23417,7 +29778,7 @@
 </p:sld>
 </file>
 
-<file path=ppt/slides/slide13.xml><?xml version="1.0" encoding="utf-8"?>
+<file path=ppt/slides/slide14.xml><?xml version="1.0" encoding="utf-8"?>
 <p:sld xmlns:a="http://schemas.openxmlformats.org/drawingml/2006/main" xmlns:r="http://schemas.openxmlformats.org/officeDocument/2006/relationships" xmlns:p="http://schemas.openxmlformats.org/presentationml/2006/main">
   <p:cSld>
     <p:bg>
@@ -24003,7 +30364,7 @@
 </p:sld>
 </file>
 
-<file path=ppt/slides/slide14.xml><?xml version="1.0" encoding="utf-8"?>
+<file path=ppt/slides/slide15.xml><?xml version="1.0" encoding="utf-8"?>
 <p:sld xmlns:a="http://schemas.openxmlformats.org/drawingml/2006/main" xmlns:r="http://schemas.openxmlformats.org/officeDocument/2006/relationships" xmlns:p="http://schemas.openxmlformats.org/presentationml/2006/main">
   <p:cSld>
     <p:spTree>
@@ -24064,14 +30425,14 @@
             <p:ph idx="1"/>
             <p:extLst>
               <p:ext uri="{D42A27DB-BD31-4B8C-83A1-F6EECF244321}">
-                <p14:modId xmlns:p14="http://schemas.microsoft.com/office/powerpoint/2010/main" val="3985524848"/>
+                <p14:modId xmlns:p14="http://schemas.microsoft.com/office/powerpoint/2010/main" val="3386849228"/>
               </p:ext>
             </p:extLst>
           </p:nvPr>
         </p:nvGraphicFramePr>
         <p:xfrm>
-          <a:off x="2589213" y="2133600"/>
-          <a:ext cx="8915400" cy="3778250"/>
+          <a:off x="6341533" y="2133600"/>
+          <a:ext cx="5163080" cy="3141133"/>
         </p:xfrm>
         <a:graphic>
           <a:graphicData uri="http://schemas.openxmlformats.org/drawingml/2006/diagram">
@@ -24092,7 +30453,7 @@
 </p:sld>
 </file>
 
-<file path=ppt/slides/slide15.xml><?xml version="1.0" encoding="utf-8"?>
+<file path=ppt/slides/slide16.xml><?xml version="1.0" encoding="utf-8"?>
 <p:sld xmlns:a="http://schemas.openxmlformats.org/drawingml/2006/main" xmlns:r="http://schemas.openxmlformats.org/officeDocument/2006/relationships" xmlns:p="http://schemas.openxmlformats.org/presentationml/2006/main">
   <p:cSld>
     <p:bg>
@@ -24851,7 +31212,7 @@
 </p:sld>
 </file>
 
-<file path=ppt/slides/slide16.xml><?xml version="1.0" encoding="utf-8"?>
+<file path=ppt/slides/slide17.xml><?xml version="1.0" encoding="utf-8"?>
 <p:sld xmlns:a="http://schemas.openxmlformats.org/drawingml/2006/main" xmlns:r="http://schemas.openxmlformats.org/officeDocument/2006/relationships" xmlns:p="http://schemas.openxmlformats.org/presentationml/2006/main">
   <p:cSld>
     <p:spTree>
@@ -24934,7 +31295,7 @@
 </p:sld>
 </file>
 
-<file path=ppt/slides/slide17.xml><?xml version="1.0" encoding="utf-8"?>
+<file path=ppt/slides/slide18.xml><?xml version="1.0" encoding="utf-8"?>
 <p:sld xmlns:a="http://schemas.openxmlformats.org/drawingml/2006/main" xmlns:r="http://schemas.openxmlformats.org/officeDocument/2006/relationships" xmlns:p="http://schemas.openxmlformats.org/presentationml/2006/main">
   <p:cSld>
     <p:spTree>
@@ -25017,7 +31378,7 @@
 </p:sld>
 </file>
 
-<file path=ppt/slides/slide18.xml><?xml version="1.0" encoding="utf-8"?>
+<file path=ppt/slides/slide19.xml><?xml version="1.0" encoding="utf-8"?>
 <p:sld xmlns:a="http://schemas.openxmlformats.org/drawingml/2006/main" xmlns:r="http://schemas.openxmlformats.org/officeDocument/2006/relationships" xmlns:p="http://schemas.openxmlformats.org/presentationml/2006/main">
   <p:cSld>
     <p:spTree>
@@ -25084,7 +31445,7 @@
           <a:lstStyle/>
           <a:p>
             <a:r>
-              <a:rPr lang="en-US"/>
+              <a:rPr lang="en-US" dirty="0"/>
               <a:t>See speaker notes.</a:t>
             </a:r>
           </a:p>
@@ -31123,6 +37484,32 @@
 <file path=ppt/slides/slide9.xml><?xml version="1.0" encoding="utf-8"?>
 <p:sld xmlns:a="http://schemas.openxmlformats.org/drawingml/2006/main" xmlns:r="http://schemas.openxmlformats.org/officeDocument/2006/relationships" xmlns:p="http://schemas.openxmlformats.org/presentationml/2006/main">
   <p:cSld>
+    <p:bg>
+      <p:bgPr>
+        <a:gradFill rotWithShape="1">
+          <a:gsLst>
+            <a:gs pos="0">
+              <a:schemeClr val="bg1">
+                <a:tint val="90000"/>
+                <a:satMod val="92000"/>
+                <a:lumMod val="120000"/>
+              </a:schemeClr>
+            </a:gs>
+            <a:gs pos="100000">
+              <a:schemeClr val="bg1">
+                <a:shade val="98000"/>
+                <a:satMod val="120000"/>
+                <a:lumMod val="98000"/>
+              </a:schemeClr>
+            </a:gs>
+          </a:gsLst>
+          <a:path path="circle">
+            <a:fillToRect l="50000" t="50000" r="100000" b="100000"/>
+          </a:path>
+        </a:gradFill>
+        <a:effectLst/>
+      </p:bgPr>
+    </p:bg>
     <p:spTree>
       <p:nvGrpSpPr>
         <p:cNvPr id="1" name=""/>
@@ -31137,6 +37524,591 @@
           <a:chExt cx="0" cy="0"/>
         </a:xfrm>
       </p:grpSpPr>
+      <p:sp useBgFill="1">
+        <p:nvSpPr>
+          <p:cNvPr id="12" name="Rectangle 11">
+            <a:extLst>
+              <a:ext uri="{FF2B5EF4-FFF2-40B4-BE49-F238E27FC236}">
+                <a16:creationId xmlns:a16="http://schemas.microsoft.com/office/drawing/2014/main" id="{82FDEACC-D224-4F5B-A0BE-6581493C366D}"/>
+              </a:ext>
+              <a:ext uri="{C183D7F6-B498-43B3-948B-1728B52AA6E4}">
+                <adec:decorative xmlns:adec="http://schemas.microsoft.com/office/drawing/2017/decorative" val="1"/>
+              </a:ext>
+            </a:extLst>
+          </p:cNvPr>
+          <p:cNvSpPr>
+            <a:spLocks noGrp="1" noRot="1" noChangeAspect="1" noMove="1" noResize="1" noEditPoints="1" noAdjustHandles="1" noChangeArrowheads="1" noChangeShapeType="1" noTextEdit="1"/>
+          </p:cNvSpPr>
+          <p:nvPr>
+            <p:extLst>
+              <p:ext uri="{386F3935-93C4-4BCD-93E2-E3B085C9AB24}">
+                <p16:designElem xmlns:p16="http://schemas.microsoft.com/office/powerpoint/2015/main" val="1"/>
+              </p:ext>
+            </p:extLst>
+          </p:nvPr>
+        </p:nvSpPr>
+        <p:spPr>
+          <a:xfrm>
+            <a:off x="0" y="-1"/>
+            <a:ext cx="12188952" cy="6858001"/>
+          </a:xfrm>
+          <a:prstGeom prst="rect">
+            <a:avLst/>
+          </a:prstGeom>
+          <a:ln>
+            <a:noFill/>
+          </a:ln>
+        </p:spPr>
+        <p:style>
+          <a:lnRef idx="2">
+            <a:schemeClr val="accent1">
+              <a:shade val="50000"/>
+            </a:schemeClr>
+          </a:lnRef>
+          <a:fillRef idx="1">
+            <a:schemeClr val="accent1"/>
+          </a:fillRef>
+          <a:effectRef idx="0">
+            <a:schemeClr val="accent1"/>
+          </a:effectRef>
+          <a:fontRef idx="minor">
+            <a:schemeClr val="lt1"/>
+          </a:fontRef>
+        </p:style>
+        <p:txBody>
+          <a:bodyPr rot="0" spcFirstLastPara="0" vert="horz" wrap="square" lIns="91440" tIns="45720" rIns="91440" bIns="45720" numCol="1" spcCol="0" rtlCol="0" fromWordArt="0" anchor="ctr" anchorCtr="0" forceAA="0" compatLnSpc="1">
+            <a:prstTxWarp prst="textNoShape">
+              <a:avLst/>
+            </a:prstTxWarp>
+            <a:noAutofit/>
+          </a:bodyPr>
+          <a:lstStyle>
+            <a:defPPr>
+              <a:defRPr lang="en-US"/>
+            </a:defPPr>
+            <a:lvl1pPr marL="0" algn="l" defTabSz="914400" rtl="0" eaLnBrk="1" latinLnBrk="0" hangingPunct="1">
+              <a:defRPr sz="1800" kern="1200">
+                <a:solidFill>
+                  <a:schemeClr val="lt1"/>
+                </a:solidFill>
+                <a:latin typeface="+mn-lt"/>
+                <a:ea typeface="+mn-ea"/>
+                <a:cs typeface="+mn-cs"/>
+              </a:defRPr>
+            </a:lvl1pPr>
+            <a:lvl2pPr marL="457200" algn="l" defTabSz="914400" rtl="0" eaLnBrk="1" latinLnBrk="0" hangingPunct="1">
+              <a:defRPr sz="1800" kern="1200">
+                <a:solidFill>
+                  <a:schemeClr val="lt1"/>
+                </a:solidFill>
+                <a:latin typeface="+mn-lt"/>
+                <a:ea typeface="+mn-ea"/>
+                <a:cs typeface="+mn-cs"/>
+              </a:defRPr>
+            </a:lvl2pPr>
+            <a:lvl3pPr marL="914400" algn="l" defTabSz="914400" rtl="0" eaLnBrk="1" latinLnBrk="0" hangingPunct="1">
+              <a:defRPr sz="1800" kern="1200">
+                <a:solidFill>
+                  <a:schemeClr val="lt1"/>
+                </a:solidFill>
+                <a:latin typeface="+mn-lt"/>
+                <a:ea typeface="+mn-ea"/>
+                <a:cs typeface="+mn-cs"/>
+              </a:defRPr>
+            </a:lvl3pPr>
+            <a:lvl4pPr marL="1371600" algn="l" defTabSz="914400" rtl="0" eaLnBrk="1" latinLnBrk="0" hangingPunct="1">
+              <a:defRPr sz="1800" kern="1200">
+                <a:solidFill>
+                  <a:schemeClr val="lt1"/>
+                </a:solidFill>
+                <a:latin typeface="+mn-lt"/>
+                <a:ea typeface="+mn-ea"/>
+                <a:cs typeface="+mn-cs"/>
+              </a:defRPr>
+            </a:lvl4pPr>
+            <a:lvl5pPr marL="1828800" algn="l" defTabSz="914400" rtl="0" eaLnBrk="1" latinLnBrk="0" hangingPunct="1">
+              <a:defRPr sz="1800" kern="1200">
+                <a:solidFill>
+                  <a:schemeClr val="lt1"/>
+                </a:solidFill>
+                <a:latin typeface="+mn-lt"/>
+                <a:ea typeface="+mn-ea"/>
+                <a:cs typeface="+mn-cs"/>
+              </a:defRPr>
+            </a:lvl5pPr>
+            <a:lvl6pPr marL="2286000" algn="l" defTabSz="914400" rtl="0" eaLnBrk="1" latinLnBrk="0" hangingPunct="1">
+              <a:defRPr sz="1800" kern="1200">
+                <a:solidFill>
+                  <a:schemeClr val="lt1"/>
+                </a:solidFill>
+                <a:latin typeface="+mn-lt"/>
+                <a:ea typeface="+mn-ea"/>
+                <a:cs typeface="+mn-cs"/>
+              </a:defRPr>
+            </a:lvl6pPr>
+            <a:lvl7pPr marL="2743200" algn="l" defTabSz="914400" rtl="0" eaLnBrk="1" latinLnBrk="0" hangingPunct="1">
+              <a:defRPr sz="1800" kern="1200">
+                <a:solidFill>
+                  <a:schemeClr val="lt1"/>
+                </a:solidFill>
+                <a:latin typeface="+mn-lt"/>
+                <a:ea typeface="+mn-ea"/>
+                <a:cs typeface="+mn-cs"/>
+              </a:defRPr>
+            </a:lvl7pPr>
+            <a:lvl8pPr marL="3200400" algn="l" defTabSz="914400" rtl="0" eaLnBrk="1" latinLnBrk="0" hangingPunct="1">
+              <a:defRPr sz="1800" kern="1200">
+                <a:solidFill>
+                  <a:schemeClr val="lt1"/>
+                </a:solidFill>
+                <a:latin typeface="+mn-lt"/>
+                <a:ea typeface="+mn-ea"/>
+                <a:cs typeface="+mn-cs"/>
+              </a:defRPr>
+            </a:lvl8pPr>
+            <a:lvl9pPr marL="3657600" algn="l" defTabSz="914400" rtl="0" eaLnBrk="1" latinLnBrk="0" hangingPunct="1">
+              <a:defRPr sz="1800" kern="1200">
+                <a:solidFill>
+                  <a:schemeClr val="lt1"/>
+                </a:solidFill>
+                <a:latin typeface="+mn-lt"/>
+                <a:ea typeface="+mn-ea"/>
+                <a:cs typeface="+mn-cs"/>
+              </a:defRPr>
+            </a:lvl9pPr>
+          </a:lstStyle>
+          <a:p>
+            <a:pPr algn="ctr"/>
+            <a:endParaRPr lang="en-US"/>
+          </a:p>
+        </p:txBody>
+      </p:sp>
+      <p:sp>
+        <p:nvSpPr>
+          <p:cNvPr id="14" name="Rectangle 13">
+            <a:extLst>
+              <a:ext uri="{FF2B5EF4-FFF2-40B4-BE49-F238E27FC236}">
+                <a16:creationId xmlns:a16="http://schemas.microsoft.com/office/drawing/2014/main" id="{567B8489-9450-4A50-94AF-90283270FF40}"/>
+              </a:ext>
+              <a:ext uri="{C183D7F6-B498-43B3-948B-1728B52AA6E4}">
+                <adec:decorative xmlns:adec="http://schemas.microsoft.com/office/drawing/2017/decorative" val="1"/>
+              </a:ext>
+            </a:extLst>
+          </p:cNvPr>
+          <p:cNvSpPr>
+            <a:spLocks noGrp="1" noRot="1" noChangeAspect="1" noMove="1" noResize="1" noEditPoints="1" noAdjustHandles="1" noChangeArrowheads="1" noChangeShapeType="1" noTextEdit="1"/>
+          </p:cNvSpPr>
+          <p:nvPr>
+            <p:extLst>
+              <p:ext uri="{386F3935-93C4-4BCD-93E2-E3B085C9AB24}">
+                <p16:designElem xmlns:p16="http://schemas.microsoft.com/office/powerpoint/2015/main" val="1"/>
+              </p:ext>
+            </p:extLst>
+          </p:nvPr>
+        </p:nvSpPr>
+        <p:spPr bwMode="white">
+          <a:xfrm>
+            <a:off x="-1" y="0"/>
+            <a:ext cx="8229600" cy="6858000"/>
+          </a:xfrm>
+          <a:prstGeom prst="rect">
+            <a:avLst/>
+          </a:prstGeom>
+          <a:solidFill>
+            <a:schemeClr val="tx2">
+              <a:lumMod val="50000"/>
+              <a:alpha val="90000"/>
+            </a:schemeClr>
+          </a:solidFill>
+          <a:ln>
+            <a:noFill/>
+          </a:ln>
+          <a:effectLst/>
+        </p:spPr>
+        <p:style>
+          <a:lnRef idx="1">
+            <a:schemeClr val="accent1"/>
+          </a:lnRef>
+          <a:fillRef idx="3">
+            <a:schemeClr val="accent1"/>
+          </a:fillRef>
+          <a:effectRef idx="2">
+            <a:schemeClr val="accent1"/>
+          </a:effectRef>
+          <a:fontRef idx="minor">
+            <a:schemeClr val="lt1"/>
+          </a:fontRef>
+        </p:style>
+      </p:sp>
+      <p:sp>
+        <p:nvSpPr>
+          <p:cNvPr id="16" name="Freeform 5">
+            <a:extLst>
+              <a:ext uri="{FF2B5EF4-FFF2-40B4-BE49-F238E27FC236}">
+                <a16:creationId xmlns:a16="http://schemas.microsoft.com/office/drawing/2014/main" id="{9D81556A-CBCA-4ADE-9ACA-F18F2F5E3126}"/>
+              </a:ext>
+              <a:ext uri="{C183D7F6-B498-43B3-948B-1728B52AA6E4}">
+                <adec:decorative xmlns:adec="http://schemas.microsoft.com/office/drawing/2017/decorative" val="1"/>
+              </a:ext>
+            </a:extLst>
+          </p:cNvPr>
+          <p:cNvSpPr>
+            <a:spLocks noGrp="1" noRot="1" noChangeAspect="1" noMove="1" noResize="1" noEditPoints="1" noAdjustHandles="1" noChangeArrowheads="1" noChangeShapeType="1" noTextEdit="1"/>
+          </p:cNvSpPr>
+          <p:nvPr>
+            <p:extLst>
+              <p:ext uri="{386F3935-93C4-4BCD-93E2-E3B085C9AB24}">
+                <p16:designElem xmlns:p16="http://schemas.microsoft.com/office/powerpoint/2015/main" val="1"/>
+              </p:ext>
+            </p:extLst>
+          </p:nvPr>
+        </p:nvSpPr>
+        <p:spPr bwMode="grayWhite">
+          <a:xfrm>
+            <a:off x="1" y="659027"/>
+            <a:ext cx="9042690" cy="1035152"/>
+          </a:xfrm>
+          <a:custGeom>
+            <a:avLst/>
+            <a:gdLst>
+              <a:gd name="T0" fmla="*/ 1900 w 1902"/>
+              <a:gd name="T1" fmla="*/ 77 h 163"/>
+              <a:gd name="T2" fmla="*/ 1826 w 1902"/>
+              <a:gd name="T3" fmla="*/ 3 h 163"/>
+              <a:gd name="T4" fmla="*/ 1825 w 1902"/>
+              <a:gd name="T5" fmla="*/ 2 h 163"/>
+              <a:gd name="T6" fmla="*/ 1819 w 1902"/>
+              <a:gd name="T7" fmla="*/ 0 h 163"/>
+              <a:gd name="T8" fmla="*/ 1363 w 1902"/>
+              <a:gd name="T9" fmla="*/ 0 h 163"/>
+              <a:gd name="T10" fmla="*/ 1348 w 1902"/>
+              <a:gd name="T11" fmla="*/ 0 h 163"/>
+              <a:gd name="T12" fmla="*/ 1225 w 1902"/>
+              <a:gd name="T13" fmla="*/ 0 h 163"/>
+              <a:gd name="T14" fmla="*/ 1033 w 1902"/>
+              <a:gd name="T15" fmla="*/ 0 h 163"/>
+              <a:gd name="T16" fmla="*/ 892 w 1902"/>
+              <a:gd name="T17" fmla="*/ 0 h 163"/>
+              <a:gd name="T18" fmla="*/ 786 w 1902"/>
+              <a:gd name="T19" fmla="*/ 0 h 163"/>
+              <a:gd name="T20" fmla="*/ 577 w 1902"/>
+              <a:gd name="T21" fmla="*/ 0 h 163"/>
+              <a:gd name="T22" fmla="*/ 562 w 1902"/>
+              <a:gd name="T23" fmla="*/ 0 h 163"/>
+              <a:gd name="T24" fmla="*/ 439 w 1902"/>
+              <a:gd name="T25" fmla="*/ 0 h 163"/>
+              <a:gd name="T26" fmla="*/ 106 w 1902"/>
+              <a:gd name="T27" fmla="*/ 0 h 163"/>
+              <a:gd name="T28" fmla="*/ 0 w 1902"/>
+              <a:gd name="T29" fmla="*/ 0 h 163"/>
+              <a:gd name="T30" fmla="*/ 0 w 1902"/>
+              <a:gd name="T31" fmla="*/ 163 h 163"/>
+              <a:gd name="T32" fmla="*/ 106 w 1902"/>
+              <a:gd name="T33" fmla="*/ 163 h 163"/>
+              <a:gd name="T34" fmla="*/ 439 w 1902"/>
+              <a:gd name="T35" fmla="*/ 163 h 163"/>
+              <a:gd name="T36" fmla="*/ 562 w 1902"/>
+              <a:gd name="T37" fmla="*/ 163 h 163"/>
+              <a:gd name="T38" fmla="*/ 577 w 1902"/>
+              <a:gd name="T39" fmla="*/ 163 h 163"/>
+              <a:gd name="T40" fmla="*/ 786 w 1902"/>
+              <a:gd name="T41" fmla="*/ 163 h 163"/>
+              <a:gd name="T42" fmla="*/ 892 w 1902"/>
+              <a:gd name="T43" fmla="*/ 163 h 163"/>
+              <a:gd name="T44" fmla="*/ 1033 w 1902"/>
+              <a:gd name="T45" fmla="*/ 163 h 163"/>
+              <a:gd name="T46" fmla="*/ 1225 w 1902"/>
+              <a:gd name="T47" fmla="*/ 163 h 163"/>
+              <a:gd name="T48" fmla="*/ 1348 w 1902"/>
+              <a:gd name="T49" fmla="*/ 163 h 163"/>
+              <a:gd name="T50" fmla="*/ 1363 w 1902"/>
+              <a:gd name="T51" fmla="*/ 163 h 163"/>
+              <a:gd name="T52" fmla="*/ 1819 w 1902"/>
+              <a:gd name="T53" fmla="*/ 163 h 163"/>
+              <a:gd name="T54" fmla="*/ 1825 w 1902"/>
+              <a:gd name="T55" fmla="*/ 161 h 163"/>
+              <a:gd name="T56" fmla="*/ 1826 w 1902"/>
+              <a:gd name="T57" fmla="*/ 160 h 163"/>
+              <a:gd name="T58" fmla="*/ 1900 w 1902"/>
+              <a:gd name="T59" fmla="*/ 86 h 163"/>
+              <a:gd name="T60" fmla="*/ 1900 w 1902"/>
+              <a:gd name="T61" fmla="*/ 77 h 163"/>
+            </a:gdLst>
+            <a:ahLst/>
+            <a:cxnLst>
+              <a:cxn ang="0">
+                <a:pos x="T0" y="T1"/>
+              </a:cxn>
+              <a:cxn ang="0">
+                <a:pos x="T2" y="T3"/>
+              </a:cxn>
+              <a:cxn ang="0">
+                <a:pos x="T4" y="T5"/>
+              </a:cxn>
+              <a:cxn ang="0">
+                <a:pos x="T6" y="T7"/>
+              </a:cxn>
+              <a:cxn ang="0">
+                <a:pos x="T8" y="T9"/>
+              </a:cxn>
+              <a:cxn ang="0">
+                <a:pos x="T10" y="T11"/>
+              </a:cxn>
+              <a:cxn ang="0">
+                <a:pos x="T12" y="T13"/>
+              </a:cxn>
+              <a:cxn ang="0">
+                <a:pos x="T14" y="T15"/>
+              </a:cxn>
+              <a:cxn ang="0">
+                <a:pos x="T16" y="T17"/>
+              </a:cxn>
+              <a:cxn ang="0">
+                <a:pos x="T18" y="T19"/>
+              </a:cxn>
+              <a:cxn ang="0">
+                <a:pos x="T20" y="T21"/>
+              </a:cxn>
+              <a:cxn ang="0">
+                <a:pos x="T22" y="T23"/>
+              </a:cxn>
+              <a:cxn ang="0">
+                <a:pos x="T24" y="T25"/>
+              </a:cxn>
+              <a:cxn ang="0">
+                <a:pos x="T26" y="T27"/>
+              </a:cxn>
+              <a:cxn ang="0">
+                <a:pos x="T28" y="T29"/>
+              </a:cxn>
+              <a:cxn ang="0">
+                <a:pos x="T30" y="T31"/>
+              </a:cxn>
+              <a:cxn ang="0">
+                <a:pos x="T32" y="T33"/>
+              </a:cxn>
+              <a:cxn ang="0">
+                <a:pos x="T34" y="T35"/>
+              </a:cxn>
+              <a:cxn ang="0">
+                <a:pos x="T36" y="T37"/>
+              </a:cxn>
+              <a:cxn ang="0">
+                <a:pos x="T38" y="T39"/>
+              </a:cxn>
+              <a:cxn ang="0">
+                <a:pos x="T40" y="T41"/>
+              </a:cxn>
+              <a:cxn ang="0">
+                <a:pos x="T42" y="T43"/>
+              </a:cxn>
+              <a:cxn ang="0">
+                <a:pos x="T44" y="T45"/>
+              </a:cxn>
+              <a:cxn ang="0">
+                <a:pos x="T46" y="T47"/>
+              </a:cxn>
+              <a:cxn ang="0">
+                <a:pos x="T48" y="T49"/>
+              </a:cxn>
+              <a:cxn ang="0">
+                <a:pos x="T50" y="T51"/>
+              </a:cxn>
+              <a:cxn ang="0">
+                <a:pos x="T52" y="T53"/>
+              </a:cxn>
+              <a:cxn ang="0">
+                <a:pos x="T54" y="T55"/>
+              </a:cxn>
+              <a:cxn ang="0">
+                <a:pos x="T56" y="T57"/>
+              </a:cxn>
+              <a:cxn ang="0">
+                <a:pos x="T58" y="T59"/>
+              </a:cxn>
+              <a:cxn ang="0">
+                <a:pos x="T60" y="T61"/>
+              </a:cxn>
+            </a:cxnLst>
+            <a:rect l="0" t="0" r="r" b="b"/>
+            <a:pathLst>
+              <a:path w="1902" h="163">
+                <a:moveTo>
+                  <a:pt x="1900" y="77"/>
+                </a:moveTo>
+                <a:cubicBezTo>
+                  <a:pt x="1826" y="3"/>
+                  <a:pt x="1826" y="3"/>
+                  <a:pt x="1826" y="3"/>
+                </a:cubicBezTo>
+                <a:cubicBezTo>
+                  <a:pt x="1825" y="2"/>
+                  <a:pt x="1825" y="2"/>
+                  <a:pt x="1825" y="2"/>
+                </a:cubicBezTo>
+                <a:cubicBezTo>
+                  <a:pt x="1823" y="1"/>
+                  <a:pt x="1821" y="0"/>
+                  <a:pt x="1819" y="0"/>
+                </a:cubicBezTo>
+                <a:cubicBezTo>
+                  <a:pt x="1363" y="0"/>
+                  <a:pt x="1363" y="0"/>
+                  <a:pt x="1363" y="0"/>
+                </a:cubicBezTo>
+                <a:cubicBezTo>
+                  <a:pt x="1348" y="0"/>
+                  <a:pt x="1348" y="0"/>
+                  <a:pt x="1348" y="0"/>
+                </a:cubicBezTo>
+                <a:cubicBezTo>
+                  <a:pt x="1225" y="0"/>
+                  <a:pt x="1225" y="0"/>
+                  <a:pt x="1225" y="0"/>
+                </a:cubicBezTo>
+                <a:cubicBezTo>
+                  <a:pt x="1033" y="0"/>
+                  <a:pt x="1033" y="0"/>
+                  <a:pt x="1033" y="0"/>
+                </a:cubicBezTo>
+                <a:cubicBezTo>
+                  <a:pt x="892" y="0"/>
+                  <a:pt x="892" y="0"/>
+                  <a:pt x="892" y="0"/>
+                </a:cubicBezTo>
+                <a:cubicBezTo>
+                  <a:pt x="786" y="0"/>
+                  <a:pt x="786" y="0"/>
+                  <a:pt x="786" y="0"/>
+                </a:cubicBezTo>
+                <a:cubicBezTo>
+                  <a:pt x="577" y="0"/>
+                  <a:pt x="577" y="0"/>
+                  <a:pt x="577" y="0"/>
+                </a:cubicBezTo>
+                <a:cubicBezTo>
+                  <a:pt x="562" y="0"/>
+                  <a:pt x="562" y="0"/>
+                  <a:pt x="562" y="0"/>
+                </a:cubicBezTo>
+                <a:cubicBezTo>
+                  <a:pt x="439" y="0"/>
+                  <a:pt x="439" y="0"/>
+                  <a:pt x="439" y="0"/>
+                </a:cubicBezTo>
+                <a:cubicBezTo>
+                  <a:pt x="106" y="0"/>
+                  <a:pt x="106" y="0"/>
+                  <a:pt x="106" y="0"/>
+                </a:cubicBezTo>
+                <a:cubicBezTo>
+                  <a:pt x="0" y="0"/>
+                  <a:pt x="0" y="0"/>
+                  <a:pt x="0" y="0"/>
+                </a:cubicBezTo>
+                <a:cubicBezTo>
+                  <a:pt x="0" y="163"/>
+                  <a:pt x="0" y="163"/>
+                  <a:pt x="0" y="163"/>
+                </a:cubicBezTo>
+                <a:cubicBezTo>
+                  <a:pt x="106" y="163"/>
+                  <a:pt x="106" y="163"/>
+                  <a:pt x="106" y="163"/>
+                </a:cubicBezTo>
+                <a:cubicBezTo>
+                  <a:pt x="439" y="163"/>
+                  <a:pt x="439" y="163"/>
+                  <a:pt x="439" y="163"/>
+                </a:cubicBezTo>
+                <a:cubicBezTo>
+                  <a:pt x="562" y="163"/>
+                  <a:pt x="562" y="163"/>
+                  <a:pt x="562" y="163"/>
+                </a:cubicBezTo>
+                <a:cubicBezTo>
+                  <a:pt x="577" y="163"/>
+                  <a:pt x="577" y="163"/>
+                  <a:pt x="577" y="163"/>
+                </a:cubicBezTo>
+                <a:cubicBezTo>
+                  <a:pt x="786" y="163"/>
+                  <a:pt x="786" y="163"/>
+                  <a:pt x="786" y="163"/>
+                </a:cubicBezTo>
+                <a:cubicBezTo>
+                  <a:pt x="892" y="163"/>
+                  <a:pt x="892" y="163"/>
+                  <a:pt x="892" y="163"/>
+                </a:cubicBezTo>
+                <a:cubicBezTo>
+                  <a:pt x="1033" y="163"/>
+                  <a:pt x="1033" y="163"/>
+                  <a:pt x="1033" y="163"/>
+                </a:cubicBezTo>
+                <a:cubicBezTo>
+                  <a:pt x="1225" y="163"/>
+                  <a:pt x="1225" y="163"/>
+                  <a:pt x="1225" y="163"/>
+                </a:cubicBezTo>
+                <a:cubicBezTo>
+                  <a:pt x="1348" y="163"/>
+                  <a:pt x="1348" y="163"/>
+                  <a:pt x="1348" y="163"/>
+                </a:cubicBezTo>
+                <a:cubicBezTo>
+                  <a:pt x="1363" y="163"/>
+                  <a:pt x="1363" y="163"/>
+                  <a:pt x="1363" y="163"/>
+                </a:cubicBezTo>
+                <a:cubicBezTo>
+                  <a:pt x="1819" y="163"/>
+                  <a:pt x="1819" y="163"/>
+                  <a:pt x="1819" y="163"/>
+                </a:cubicBezTo>
+                <a:cubicBezTo>
+                  <a:pt x="1821" y="163"/>
+                  <a:pt x="1823" y="162"/>
+                  <a:pt x="1825" y="161"/>
+                </a:cubicBezTo>
+                <a:cubicBezTo>
+                  <a:pt x="1825" y="160"/>
+                  <a:pt x="1825" y="160"/>
+                  <a:pt x="1826" y="160"/>
+                </a:cubicBezTo>
+                <a:cubicBezTo>
+                  <a:pt x="1900" y="86"/>
+                  <a:pt x="1900" y="86"/>
+                  <a:pt x="1900" y="86"/>
+                </a:cubicBezTo>
+                <a:cubicBezTo>
+                  <a:pt x="1902" y="83"/>
+                  <a:pt x="1902" y="79"/>
+                  <a:pt x="1900" y="77"/>
+                </a:cubicBezTo>
+                <a:close/>
+              </a:path>
+            </a:pathLst>
+          </a:custGeom>
+          <a:solidFill>
+            <a:schemeClr val="accent1"/>
+          </a:solidFill>
+          <a:ln>
+            <a:noFill/>
+          </a:ln>
+        </p:spPr>
+        <p:txBody>
+          <a:bodyPr vert="horz" wrap="square" lIns="91440" tIns="45720" rIns="91440" bIns="45720" numCol="1" anchor="t" anchorCtr="0" compatLnSpc="1">
+            <a:prstTxWarp prst="textNoShape">
+              <a:avLst/>
+            </a:prstTxWarp>
+          </a:bodyPr>
+          <a:lstStyle/>
+          <a:p>
+            <a:endParaRPr lang="en-US"/>
+          </a:p>
+        </p:txBody>
+      </p:sp>
       <p:sp>
         <p:nvSpPr>
           <p:cNvPr id="2" name="Title 1">
@@ -31153,14 +38125,177 @@
             <p:ph type="title"/>
           </p:nvPr>
         </p:nvSpPr>
-        <p:spPr/>
+        <p:spPr>
+          <a:xfrm>
+            <a:off x="541867" y="787400"/>
+            <a:ext cx="7145866" cy="778933"/>
+          </a:xfrm>
+        </p:spPr>
         <p:txBody>
-          <a:bodyPr/>
+          <a:bodyPr anchor="ctr">
+            <a:normAutofit/>
+          </a:bodyPr>
           <a:lstStyle/>
           <a:p>
             <a:r>
-              <a:rPr lang="en-US" dirty="0"/>
+              <a:rPr lang="en-US" sz="3200">
+                <a:solidFill>
+                  <a:srgbClr val="FEFFFF"/>
+                </a:solidFill>
+              </a:rPr>
               <a:t>Data Analysis</a:t>
+            </a:r>
+          </a:p>
+        </p:txBody>
+      </p:sp>
+      <p:sp>
+        <p:nvSpPr>
+          <p:cNvPr id="7" name="Content Placeholder 6">
+            <a:extLst>
+              <a:ext uri="{FF2B5EF4-FFF2-40B4-BE49-F238E27FC236}">
+                <a16:creationId xmlns:a16="http://schemas.microsoft.com/office/drawing/2014/main" id="{13BAA485-88F6-4D23-81C3-9E6873EED30E}"/>
+              </a:ext>
+            </a:extLst>
+          </p:cNvPr>
+          <p:cNvSpPr>
+            <a:spLocks noGrp="1"/>
+          </p:cNvSpPr>
+          <p:nvPr>
+            <p:ph idx="1"/>
+          </p:nvPr>
+        </p:nvSpPr>
+        <p:spPr>
+          <a:xfrm>
+            <a:off x="541866" y="2032000"/>
+            <a:ext cx="7145867" cy="3879222"/>
+          </a:xfrm>
+        </p:spPr>
+        <p:txBody>
+          <a:bodyPr>
+            <a:normAutofit/>
+          </a:bodyPr>
+          <a:lstStyle/>
+          <a:p>
+            <a:pPr>
+              <a:buClr>
+                <a:srgbClr val="FFBE04"/>
+              </a:buClr>
+            </a:pPr>
+            <a:r>
+              <a:rPr lang="en-US" dirty="0">
+                <a:solidFill>
+                  <a:srgbClr val="FEFFFF"/>
+                </a:solidFill>
+              </a:rPr>
+              <a:t>By Race</a:t>
+            </a:r>
+            <a:br>
+              <a:rPr lang="en-US" dirty="0">
+                <a:solidFill>
+                  <a:srgbClr val="FEFFFF"/>
+                </a:solidFill>
+              </a:rPr>
+            </a:br>
+            <a:endParaRPr lang="en-US" dirty="0">
+              <a:solidFill>
+                <a:srgbClr val="FEFFFF"/>
+              </a:solidFill>
+            </a:endParaRPr>
+          </a:p>
+          <a:p>
+            <a:pPr>
+              <a:buClr>
+                <a:srgbClr val="FFBE04"/>
+              </a:buClr>
+            </a:pPr>
+            <a:r>
+              <a:rPr lang="en-US" dirty="0">
+                <a:solidFill>
+                  <a:srgbClr val="FEFFFF"/>
+                </a:solidFill>
+              </a:rPr>
+              <a:t>By Age</a:t>
+            </a:r>
+            <a:br>
+              <a:rPr lang="en-US" dirty="0">
+                <a:solidFill>
+                  <a:srgbClr val="FEFFFF"/>
+                </a:solidFill>
+              </a:rPr>
+            </a:br>
+            <a:endParaRPr lang="en-US" dirty="0">
+              <a:solidFill>
+                <a:srgbClr val="FEFFFF"/>
+              </a:solidFill>
+            </a:endParaRPr>
+          </a:p>
+          <a:p>
+            <a:pPr>
+              <a:buClr>
+                <a:srgbClr val="FFBE04"/>
+              </a:buClr>
+            </a:pPr>
+            <a:r>
+              <a:rPr lang="en-US" dirty="0">
+                <a:solidFill>
+                  <a:srgbClr val="FEFFFF"/>
+                </a:solidFill>
+              </a:rPr>
+              <a:t>By Sanity</a:t>
+            </a:r>
+            <a:br>
+              <a:rPr lang="en-US" dirty="0">
+                <a:solidFill>
+                  <a:srgbClr val="FEFFFF"/>
+                </a:solidFill>
+              </a:rPr>
+            </a:br>
+            <a:endParaRPr lang="en-US" dirty="0">
+              <a:solidFill>
+                <a:srgbClr val="FEFFFF"/>
+              </a:solidFill>
+            </a:endParaRPr>
+          </a:p>
+          <a:p>
+            <a:pPr>
+              <a:buClr>
+                <a:srgbClr val="FFBE04"/>
+              </a:buClr>
+            </a:pPr>
+            <a:r>
+              <a:rPr lang="en-US" dirty="0">
+                <a:solidFill>
+                  <a:srgbClr val="FEFFFF"/>
+                </a:solidFill>
+              </a:rPr>
+              <a:t>By Weapon</a:t>
+            </a:r>
+            <a:br>
+              <a:rPr lang="en-US" dirty="0">
+                <a:solidFill>
+                  <a:srgbClr val="FEFFFF"/>
+                </a:solidFill>
+              </a:rPr>
+            </a:br>
+            <a:endParaRPr lang="en-US" dirty="0">
+              <a:solidFill>
+                <a:srgbClr val="FEFFFF"/>
+              </a:solidFill>
+            </a:endParaRPr>
+          </a:p>
+          <a:p>
+            <a:pPr>
+              <a:buClr>
+                <a:srgbClr val="FFBE04"/>
+              </a:buClr>
+            </a:pPr>
+            <a:r>
+              <a:rPr lang="en-US" dirty="0">
+                <a:solidFill>
+                  <a:srgbClr val="FEFFFF"/>
+                </a:solidFill>
+              </a:rPr>
+              <a:t>By Location</a:t>
             </a:r>
           </a:p>
         </p:txBody>
@@ -31185,87 +38320,14 @@
         </p:blipFill>
         <p:spPr>
           <a:xfrm>
-            <a:off x="7484851" y="2133600"/>
-            <a:ext cx="3837305" cy="1879600"/>
+            <a:off x="8713057" y="3140641"/>
+            <a:ext cx="3001931" cy="1645214"/>
           </a:xfrm>
           <a:prstGeom prst="rect">
             <a:avLst/>
           </a:prstGeom>
         </p:spPr>
       </p:pic>
-      <p:sp>
-        <p:nvSpPr>
-          <p:cNvPr id="7" name="Content Placeholder 6">
-            <a:extLst>
-              <a:ext uri="{FF2B5EF4-FFF2-40B4-BE49-F238E27FC236}">
-                <a16:creationId xmlns:a16="http://schemas.microsoft.com/office/drawing/2014/main" id="{13BAA485-88F6-4D23-81C3-9E6873EED30E}"/>
-              </a:ext>
-            </a:extLst>
-          </p:cNvPr>
-          <p:cNvSpPr>
-            <a:spLocks noGrp="1"/>
-          </p:cNvSpPr>
-          <p:nvPr>
-            <p:ph idx="1"/>
-          </p:nvPr>
-        </p:nvSpPr>
-        <p:spPr>
-          <a:xfrm>
-            <a:off x="2589212" y="2133600"/>
-            <a:ext cx="4260321" cy="3777622"/>
-          </a:xfrm>
-        </p:spPr>
-        <p:txBody>
-          <a:bodyPr/>
-          <a:lstStyle/>
-          <a:p>
-            <a:r>
-              <a:rPr lang="en-US" dirty="0"/>
-              <a:t>By Race</a:t>
-            </a:r>
-            <a:br>
-              <a:rPr lang="en-US" dirty="0"/>
-            </a:br>
-            <a:endParaRPr lang="en-US" dirty="0"/>
-          </a:p>
-          <a:p>
-            <a:r>
-              <a:rPr lang="en-US" dirty="0"/>
-              <a:t>By Age</a:t>
-            </a:r>
-            <a:br>
-              <a:rPr lang="en-US" dirty="0"/>
-            </a:br>
-            <a:endParaRPr lang="en-US" dirty="0"/>
-          </a:p>
-          <a:p>
-            <a:r>
-              <a:rPr lang="en-US" dirty="0"/>
-              <a:t>By Sanity</a:t>
-            </a:r>
-            <a:br>
-              <a:rPr lang="en-US" dirty="0"/>
-            </a:br>
-            <a:endParaRPr lang="en-US" dirty="0"/>
-          </a:p>
-          <a:p>
-            <a:r>
-              <a:rPr lang="en-US" dirty="0"/>
-              <a:t>By Weapon</a:t>
-            </a:r>
-            <a:br>
-              <a:rPr lang="en-US" dirty="0"/>
-            </a:br>
-            <a:endParaRPr lang="en-US" dirty="0"/>
-          </a:p>
-          <a:p>
-            <a:r>
-              <a:rPr lang="en-US" dirty="0"/>
-              <a:t>By Location</a:t>
-            </a:r>
-          </a:p>
-        </p:txBody>
-      </p:sp>
     </p:spTree>
     <p:extLst>
       <p:ext uri="{BB962C8B-B14F-4D97-AF65-F5344CB8AC3E}">

--- a/Section_3_Mgmt_Informed/Week8_Presentation/BachmeierNTIM7101-8.pptx
+++ b/Section_3_Mgmt_Informed/Week8_Presentation/BachmeierNTIM7101-8.pptx
@@ -5029,7 +5029,7 @@
           </a:pPr>
           <a:r>
             <a:rPr lang="en-US" dirty="0"/>
-            <a:t>Analysis</a:t>
+            <a:t>Data Analysis</a:t>
           </a:r>
         </a:p>
       </dgm:t>
@@ -5070,8 +5070,8 @@
             <a:defRPr b="1"/>
           </a:pPr>
           <a:r>
-            <a:rPr lang="en-US"/>
-            <a:t>Apply</a:t>
+            <a:rPr lang="en-US" dirty="0"/>
+            <a:t>Deliver</a:t>
           </a:r>
         </a:p>
       </dgm:t>
@@ -5112,7 +5112,7 @@
           </a:pPr>
           <a:r>
             <a:rPr lang="en-US" dirty="0"/>
-            <a:t>Evaluate Strategize</a:t>
+            <a:t>Implementation</a:t>
           </a:r>
         </a:p>
       </dgm:t>
@@ -5194,7 +5194,7 @@
           </a:pPr>
           <a:r>
             <a:rPr lang="en-US" dirty="0"/>
-            <a:t>Problem</a:t>
+            <a:t>Problem Statement</a:t>
           </a:r>
         </a:p>
       </dgm:t>
@@ -5276,7 +5276,7 @@
           </a:pPr>
           <a:r>
             <a:rPr lang="en-US" dirty="0"/>
-            <a:t>Interfere</a:t>
+            <a:t>Output Inference</a:t>
           </a:r>
         </a:p>
       </dgm:t>
@@ -5317,7 +5317,7 @@
           </a:pPr>
           <a:r>
             <a:rPr lang="en-US" dirty="0"/>
-            <a:t>Limitations</a:t>
+            <a:t>Research Limitations</a:t>
           </a:r>
         </a:p>
       </dgm:t>
@@ -5358,7 +5358,7 @@
           </a:pPr>
           <a:r>
             <a:rPr lang="en-US" dirty="0"/>
-            <a:t>Monitor Progress</a:t>
+            <a:t>Monitoring Progress</a:t>
           </a:r>
         </a:p>
       </dgm:t>
@@ -5495,7 +5495,7 @@
           </a:pPr>
           <a:r>
             <a:rPr lang="en-US" dirty="0"/>
-            <a:t>Data</a:t>
+            <a:t>Data Requirements</a:t>
           </a:r>
         </a:p>
       </dgm:t>
@@ -8430,7 +8430,7 @@
           </a:pPr>
           <a:r>
             <a:rPr lang="en-US" sz="1600" kern="1200" dirty="0"/>
-            <a:t>Problem</a:t>
+            <a:t>Problem Statement</a:t>
           </a:r>
         </a:p>
         <a:p>
@@ -8448,7 +8448,7 @@
           </a:pPr>
           <a:r>
             <a:rPr lang="en-US" sz="1600" kern="1200" dirty="0"/>
-            <a:t>Data</a:t>
+            <a:t>Data Requirements</a:t>
           </a:r>
         </a:p>
         <a:p>
@@ -8654,7 +8654,7 @@
           </a:pPr>
           <a:r>
             <a:rPr lang="en-US" sz="1600" kern="1200" dirty="0"/>
-            <a:t>Analysis</a:t>
+            <a:t>Data Analysis</a:t>
           </a:r>
         </a:p>
         <a:p>
@@ -8672,7 +8672,7 @@
           </a:pPr>
           <a:r>
             <a:rPr lang="en-US" sz="1600" kern="1200" dirty="0"/>
-            <a:t>Interfere</a:t>
+            <a:t>Output Inference</a:t>
           </a:r>
         </a:p>
         <a:p>
@@ -8690,7 +8690,7 @@
           </a:pPr>
           <a:r>
             <a:rPr lang="en-US" sz="1600" kern="1200" dirty="0"/>
-            <a:t>Limitations</a:t>
+            <a:t>Research Limitations</a:t>
           </a:r>
         </a:p>
       </dsp:txBody>
@@ -8799,8 +8799,8 @@
             <a:defRPr b="1"/>
           </a:pPr>
           <a:r>
-            <a:rPr lang="en-US" sz="2100" kern="1200"/>
-            <a:t>Apply</a:t>
+            <a:rPr lang="en-US" sz="2100" kern="1200" dirty="0"/>
+            <a:t>Deliver</a:t>
           </a:r>
         </a:p>
       </dsp:txBody>
@@ -8860,7 +8860,7 @@
           </a:pPr>
           <a:r>
             <a:rPr lang="en-US" sz="1600" kern="1200" dirty="0"/>
-            <a:t>Evaluate Strategize</a:t>
+            <a:t>Implementation</a:t>
           </a:r>
         </a:p>
         <a:p>
@@ -8878,7 +8878,7 @@
           </a:pPr>
           <a:r>
             <a:rPr lang="en-US" sz="1600" kern="1200" dirty="0"/>
-            <a:t>Monitor Progress</a:t>
+            <a:t>Monitoring Progress</a:t>
           </a:r>
         </a:p>
       </dsp:txBody>
@@ -21442,6 +21442,33 @@
           <a:bodyPr/>
           <a:lstStyle/>
           <a:p>
+            <a:pPr marL="0" marR="0" lvl="0" indent="0" algn="l" defTabSz="914400" rtl="0" eaLnBrk="1" fontAlgn="auto" latinLnBrk="0" hangingPunct="1">
+              <a:lnSpc>
+                <a:spcPct val="100000"/>
+              </a:lnSpc>
+              <a:spcBef>
+                <a:spcPts val="0"/>
+              </a:spcBef>
+              <a:spcAft>
+                <a:spcPts val="0"/>
+              </a:spcAft>
+              <a:buClrTx/>
+              <a:buSzTx/>
+              <a:buFontTx/>
+              <a:buNone/>
+              <a:tabLst/>
+              <a:defRPr/>
+            </a:pPr>
+            <a:r>
+              <a:rPr lang="en-US" sz="1800" dirty="0">
+                <a:effectLst/>
+                <a:latin typeface="Times New Roman" panose="02020603050405020304" pitchFamily="18" charset="0"/>
+                <a:ea typeface="Calibri" panose="020F0502020204030204" pitchFamily="34" charset="0"/>
+              </a:rPr>
+              <a:t>Good afternoon, I am Nate Bachmeier.  Today I will be reviewing the project proposal for NCU-Cares (NCU-C) next initiative, reducing police violence in America.  This presentation embodies eight long weekends of looking at this problem from a unique perspective.</a:t>
+            </a:r>
+          </a:p>
+          <a:p>
             <a:endParaRPr lang="en-US" dirty="0"/>
           </a:p>
         </p:txBody>
@@ -21526,51 +21553,25 @@
           <a:bodyPr/>
           <a:lstStyle/>
           <a:p>
+            <a:pPr marL="0" marR="0">
+              <a:lnSpc>
+                <a:spcPct val="200000"/>
+              </a:lnSpc>
+              <a:spcBef>
+                <a:spcPts val="0"/>
+              </a:spcBef>
+              <a:spcAft>
+                <a:spcPts val="0"/>
+              </a:spcAft>
+            </a:pPr>
             <a:r>
-              <a:rPr lang="en-US" dirty="0"/>
-              <a:t>Understanding Police Violence</a:t>
+              <a:rPr lang="en-US" sz="1800" dirty="0">
+                <a:effectLst/>
+                <a:latin typeface="Times New Roman" panose="02020603050405020304" pitchFamily="18" charset="0"/>
+                <a:ea typeface="Calibri" panose="020F0502020204030204" pitchFamily="34" charset="0"/>
+              </a:rPr>
+              <a:t>The agenda for this discussion will cover the planning, evaluation, and delivery of an effective strategy to address this issue.  Then we will conclude with reflections into learnings, future topics, and conclusions.  Each of these sections will further drill into a collection of relevant subtopics.</a:t>
             </a:r>
-          </a:p>
-          <a:p>
-            <a:pPr lvl="1"/>
-            <a:r>
-              <a:rPr lang="en-US" dirty="0"/>
-              <a:t>Scoping the problem</a:t>
-            </a:r>
-          </a:p>
-          <a:p>
-            <a:pPr lvl="1"/>
-            <a:r>
-              <a:rPr lang="en-US" dirty="0"/>
-              <a:t>Identify research methodology</a:t>
-            </a:r>
-          </a:p>
-          <a:p>
-            <a:pPr lvl="1"/>
-            <a:r>
-              <a:rPr lang="en-US" dirty="0"/>
-              <a:t>Analyze available data</a:t>
-            </a:r>
-          </a:p>
-          <a:p>
-            <a:pPr lvl="1"/>
-            <a:r>
-              <a:rPr lang="en-US" dirty="0"/>
-              <a:t>Interpret the Results</a:t>
-            </a:r>
-          </a:p>
-          <a:p>
-            <a:pPr lvl="1"/>
-            <a:r>
-              <a:rPr lang="en-US" dirty="0"/>
-              <a:t>Evaluate next steps</a:t>
-            </a:r>
-          </a:p>
-          <a:p>
-            <a:endParaRPr lang="en-US" dirty="0"/>
-          </a:p>
-          <a:p>
-            <a:endParaRPr lang="en-US" dirty="0"/>
           </a:p>
         </p:txBody>
       </p:sp>
@@ -32248,7 +32249,7 @@
                   <a:srgbClr val="FEFFFF"/>
                 </a:solidFill>
               </a:rPr>
-              <a:t>Applying</a:t>
+              <a:t>Strategy Delivery</a:t>
             </a:r>
           </a:p>
         </p:txBody>
@@ -32290,7 +32291,7 @@
                   </a:schemeClr>
                 </a:solidFill>
               </a:rPr>
-              <a:t>Evaluate Strategy</a:t>
+              <a:t>Strategy Implementation</a:t>
             </a:r>
             <a:br>
               <a:rPr lang="en-US" dirty="0">
@@ -32595,7 +32596,7 @@
           <a:p>
             <a:r>
               <a:rPr lang="en-US" dirty="0"/>
-              <a:t>Evaluate Strategy</a:t>
+              <a:t>Implementing Plan</a:t>
             </a:r>
           </a:p>
         </p:txBody>
@@ -33176,8 +33177,12 @@
           <a:lstStyle/>
           <a:p>
             <a:r>
+              <a:rPr lang="en-US"/>
+              <a:t>Monitoring </a:t>
+            </a:r>
+            <a:r>
               <a:rPr lang="en-US" dirty="0"/>
-              <a:t>Monitor Progress</a:t>
+              <a:t>Progress</a:t>
             </a:r>
           </a:p>
         </p:txBody>
@@ -34844,7 +34849,7 @@
             <p:ph idx="1"/>
             <p:extLst>
               <p:ext uri="{D42A27DB-BD31-4B8C-83A1-F6EECF244321}">
-                <p14:modId xmlns:p14="http://schemas.microsoft.com/office/powerpoint/2010/main" val="791933476"/>
+                <p14:modId xmlns:p14="http://schemas.microsoft.com/office/powerpoint/2010/main" val="4204812506"/>
               </p:ext>
             </p:extLst>
           </p:nvPr>
@@ -40782,7 +40787,7 @@
                   </a:schemeClr>
                 </a:solidFill>
               </a:rPr>
-              <a:t>Limitation Identification</a:t>
+              <a:t>Research Limitations</a:t>
             </a:r>
           </a:p>
         </p:txBody>

--- a/Section_3_Mgmt_Informed/Week8_Presentation/BachmeierNTIM7101-8.pptx
+++ b/Section_3_Mgmt_Informed/Week8_Presentation/BachmeierNTIM7101-8.pptx
@@ -12,8 +12,8 @@
     <p:sldId id="270" r:id="rId3"/>
     <p:sldId id="271" r:id="rId4"/>
     <p:sldId id="275" r:id="rId5"/>
-    <p:sldId id="278" r:id="rId6"/>
-    <p:sldId id="279" r:id="rId7"/>
+    <p:sldId id="279" r:id="rId6"/>
+    <p:sldId id="278" r:id="rId7"/>
     <p:sldId id="280" r:id="rId8"/>
     <p:sldId id="273" r:id="rId9"/>
     <p:sldId id="289" r:id="rId10"/>
@@ -124,6 +124,11 @@
       </a:defRPr>
     </a:lvl9pPr>
   </p:defaultTextStyle>
+  <p:extLst>
+    <p:ext uri="{EFAFB233-063F-42B5-8137-9DF3F51BA10A}">
+      <p15:sldGuideLst xmlns:p15="http://schemas.microsoft.com/office/powerpoint/2012/main"/>
+    </p:ext>
+  </p:extLst>
 </p:presentation>
 </file>
 
@@ -1049,753 +1054,6 @@
 </file>
 
 <file path=ppt/diagrams/colors2.xml><?xml version="1.0" encoding="utf-8"?>
-<dgm:colorsDef xmlns:dgm="http://schemas.openxmlformats.org/drawingml/2006/diagram" xmlns:a="http://schemas.openxmlformats.org/drawingml/2006/main" uniqueId="urn:microsoft.com/office/officeart/2005/8/colors/accent3_2">
-  <dgm:title val=""/>
-  <dgm:desc val=""/>
-  <dgm:catLst>
-    <dgm:cat type="accent3" pri="11200"/>
-  </dgm:catLst>
-  <dgm:styleLbl name="node0">
-    <dgm:fillClrLst meth="repeat">
-      <a:schemeClr val="accent3"/>
-    </dgm:fillClrLst>
-    <dgm:linClrLst meth="repeat">
-      <a:schemeClr val="lt1"/>
-    </dgm:linClrLst>
-    <dgm:effectClrLst/>
-    <dgm:txLinClrLst/>
-    <dgm:txFillClrLst/>
-    <dgm:txEffectClrLst/>
-  </dgm:styleLbl>
-  <dgm:styleLbl name="node1">
-    <dgm:fillClrLst meth="repeat">
-      <a:schemeClr val="accent3"/>
-    </dgm:fillClrLst>
-    <dgm:linClrLst meth="repeat">
-      <a:schemeClr val="lt1"/>
-    </dgm:linClrLst>
-    <dgm:effectClrLst/>
-    <dgm:txLinClrLst/>
-    <dgm:txFillClrLst/>
-    <dgm:txEffectClrLst/>
-  </dgm:styleLbl>
-  <dgm:styleLbl name="alignNode1">
-    <dgm:fillClrLst meth="repeat">
-      <a:schemeClr val="accent3"/>
-    </dgm:fillClrLst>
-    <dgm:linClrLst meth="repeat">
-      <a:schemeClr val="accent3"/>
-    </dgm:linClrLst>
-    <dgm:effectClrLst/>
-    <dgm:txLinClrLst/>
-    <dgm:txFillClrLst/>
-    <dgm:txEffectClrLst/>
-  </dgm:styleLbl>
-  <dgm:styleLbl name="lnNode1">
-    <dgm:fillClrLst meth="repeat">
-      <a:schemeClr val="accent3"/>
-    </dgm:fillClrLst>
-    <dgm:linClrLst meth="repeat">
-      <a:schemeClr val="lt1"/>
-    </dgm:linClrLst>
-    <dgm:effectClrLst/>
-    <dgm:txLinClrLst/>
-    <dgm:txFillClrLst/>
-    <dgm:txEffectClrLst/>
-  </dgm:styleLbl>
-  <dgm:styleLbl name="vennNode1">
-    <dgm:fillClrLst meth="repeat">
-      <a:schemeClr val="accent3">
-        <a:alpha val="50000"/>
-      </a:schemeClr>
-    </dgm:fillClrLst>
-    <dgm:linClrLst meth="repeat">
-      <a:schemeClr val="lt1"/>
-    </dgm:linClrLst>
-    <dgm:effectClrLst/>
-    <dgm:txLinClrLst/>
-    <dgm:txFillClrLst/>
-    <dgm:txEffectClrLst/>
-  </dgm:styleLbl>
-  <dgm:styleLbl name="node2">
-    <dgm:fillClrLst meth="repeat">
-      <a:schemeClr val="accent3"/>
-    </dgm:fillClrLst>
-    <dgm:linClrLst meth="repeat">
-      <a:schemeClr val="lt1"/>
-    </dgm:linClrLst>
-    <dgm:effectClrLst/>
-    <dgm:txLinClrLst/>
-    <dgm:txFillClrLst/>
-    <dgm:txEffectClrLst/>
-  </dgm:styleLbl>
-  <dgm:styleLbl name="node3">
-    <dgm:fillClrLst meth="repeat">
-      <a:schemeClr val="accent3"/>
-    </dgm:fillClrLst>
-    <dgm:linClrLst meth="repeat">
-      <a:schemeClr val="lt1"/>
-    </dgm:linClrLst>
-    <dgm:effectClrLst/>
-    <dgm:txLinClrLst/>
-    <dgm:txFillClrLst/>
-    <dgm:txEffectClrLst/>
-  </dgm:styleLbl>
-  <dgm:styleLbl name="node4">
-    <dgm:fillClrLst meth="repeat">
-      <a:schemeClr val="accent3"/>
-    </dgm:fillClrLst>
-    <dgm:linClrLst meth="repeat">
-      <a:schemeClr val="lt1"/>
-    </dgm:linClrLst>
-    <dgm:effectClrLst/>
-    <dgm:txLinClrLst/>
-    <dgm:txFillClrLst/>
-    <dgm:txEffectClrLst/>
-  </dgm:styleLbl>
-  <dgm:styleLbl name="fgImgPlace1">
-    <dgm:fillClrLst meth="repeat">
-      <a:schemeClr val="accent3">
-        <a:tint val="50000"/>
-      </a:schemeClr>
-    </dgm:fillClrLst>
-    <dgm:linClrLst meth="repeat">
-      <a:schemeClr val="lt1"/>
-    </dgm:linClrLst>
-    <dgm:effectClrLst/>
-    <dgm:txLinClrLst/>
-    <dgm:txFillClrLst meth="repeat">
-      <a:schemeClr val="lt1"/>
-    </dgm:txFillClrLst>
-    <dgm:txEffectClrLst/>
-  </dgm:styleLbl>
-  <dgm:styleLbl name="alignImgPlace1">
-    <dgm:fillClrLst meth="repeat">
-      <a:schemeClr val="accent3">
-        <a:tint val="50000"/>
-      </a:schemeClr>
-    </dgm:fillClrLst>
-    <dgm:linClrLst meth="repeat">
-      <a:schemeClr val="lt1"/>
-    </dgm:linClrLst>
-    <dgm:effectClrLst/>
-    <dgm:txLinClrLst/>
-    <dgm:txFillClrLst meth="repeat">
-      <a:schemeClr val="lt1"/>
-    </dgm:txFillClrLst>
-    <dgm:txEffectClrLst/>
-  </dgm:styleLbl>
-  <dgm:styleLbl name="bgImgPlace1">
-    <dgm:fillClrLst meth="repeat">
-      <a:schemeClr val="accent3">
-        <a:tint val="50000"/>
-      </a:schemeClr>
-    </dgm:fillClrLst>
-    <dgm:linClrLst meth="repeat">
-      <a:schemeClr val="lt1"/>
-    </dgm:linClrLst>
-    <dgm:effectClrLst/>
-    <dgm:txLinClrLst/>
-    <dgm:txFillClrLst meth="repeat">
-      <a:schemeClr val="lt1"/>
-    </dgm:txFillClrLst>
-    <dgm:txEffectClrLst/>
-  </dgm:styleLbl>
-  <dgm:styleLbl name="sibTrans2D1">
-    <dgm:fillClrLst meth="repeat">
-      <a:schemeClr val="accent3">
-        <a:tint val="60000"/>
-      </a:schemeClr>
-    </dgm:fillClrLst>
-    <dgm:linClrLst meth="repeat">
-      <a:schemeClr val="accent3">
-        <a:tint val="60000"/>
-      </a:schemeClr>
-    </dgm:linClrLst>
-    <dgm:effectClrLst/>
-    <dgm:txLinClrLst/>
-    <dgm:txFillClrLst/>
-    <dgm:txEffectClrLst/>
-  </dgm:styleLbl>
-  <dgm:styleLbl name="fgSibTrans2D1">
-    <dgm:fillClrLst meth="repeat">
-      <a:schemeClr val="accent3">
-        <a:tint val="60000"/>
-      </a:schemeClr>
-    </dgm:fillClrLst>
-    <dgm:linClrLst meth="repeat">
-      <a:schemeClr val="accent3">
-        <a:tint val="60000"/>
-      </a:schemeClr>
-    </dgm:linClrLst>
-    <dgm:effectClrLst/>
-    <dgm:txLinClrLst/>
-    <dgm:txFillClrLst/>
-    <dgm:txEffectClrLst/>
-  </dgm:styleLbl>
-  <dgm:styleLbl name="bgSibTrans2D1">
-    <dgm:fillClrLst meth="repeat">
-      <a:schemeClr val="accent3">
-        <a:tint val="60000"/>
-      </a:schemeClr>
-    </dgm:fillClrLst>
-    <dgm:linClrLst meth="repeat">
-      <a:schemeClr val="accent3">
-        <a:tint val="60000"/>
-      </a:schemeClr>
-    </dgm:linClrLst>
-    <dgm:effectClrLst/>
-    <dgm:txLinClrLst/>
-    <dgm:txFillClrLst/>
-    <dgm:txEffectClrLst/>
-  </dgm:styleLbl>
-  <dgm:styleLbl name="sibTrans1D1">
-    <dgm:fillClrLst meth="repeat">
-      <a:schemeClr val="accent3"/>
-    </dgm:fillClrLst>
-    <dgm:linClrLst meth="repeat">
-      <a:schemeClr val="accent3"/>
-    </dgm:linClrLst>
-    <dgm:effectClrLst/>
-    <dgm:txLinClrLst/>
-    <dgm:txFillClrLst meth="repeat">
-      <a:schemeClr val="tx1"/>
-    </dgm:txFillClrLst>
-    <dgm:txEffectClrLst/>
-  </dgm:styleLbl>
-  <dgm:styleLbl name="callout">
-    <dgm:fillClrLst meth="repeat">
-      <a:schemeClr val="accent3"/>
-    </dgm:fillClrLst>
-    <dgm:linClrLst meth="repeat">
-      <a:schemeClr val="accent3">
-        <a:tint val="50000"/>
-      </a:schemeClr>
-    </dgm:linClrLst>
-    <dgm:effectClrLst/>
-    <dgm:txLinClrLst/>
-    <dgm:txFillClrLst meth="repeat">
-      <a:schemeClr val="tx1"/>
-    </dgm:txFillClrLst>
-    <dgm:txEffectClrLst/>
-  </dgm:styleLbl>
-  <dgm:styleLbl name="asst0">
-    <dgm:fillClrLst meth="repeat">
-      <a:schemeClr val="accent3"/>
-    </dgm:fillClrLst>
-    <dgm:linClrLst meth="repeat">
-      <a:schemeClr val="lt1"/>
-    </dgm:linClrLst>
-    <dgm:effectClrLst/>
-    <dgm:txLinClrLst/>
-    <dgm:txFillClrLst/>
-    <dgm:txEffectClrLst/>
-  </dgm:styleLbl>
-  <dgm:styleLbl name="asst1">
-    <dgm:fillClrLst meth="repeat">
-      <a:schemeClr val="accent3"/>
-    </dgm:fillClrLst>
-    <dgm:linClrLst meth="repeat">
-      <a:schemeClr val="lt1"/>
-    </dgm:linClrLst>
-    <dgm:effectClrLst/>
-    <dgm:txLinClrLst/>
-    <dgm:txFillClrLst/>
-    <dgm:txEffectClrLst/>
-  </dgm:styleLbl>
-  <dgm:styleLbl name="asst2">
-    <dgm:fillClrLst meth="repeat">
-      <a:schemeClr val="accent3"/>
-    </dgm:fillClrLst>
-    <dgm:linClrLst meth="repeat">
-      <a:schemeClr val="lt1"/>
-    </dgm:linClrLst>
-    <dgm:effectClrLst/>
-    <dgm:txLinClrLst/>
-    <dgm:txFillClrLst/>
-    <dgm:txEffectClrLst/>
-  </dgm:styleLbl>
-  <dgm:styleLbl name="asst3">
-    <dgm:fillClrLst meth="repeat">
-      <a:schemeClr val="accent3"/>
-    </dgm:fillClrLst>
-    <dgm:linClrLst meth="repeat">
-      <a:schemeClr val="lt1"/>
-    </dgm:linClrLst>
-    <dgm:effectClrLst/>
-    <dgm:txLinClrLst/>
-    <dgm:txFillClrLst/>
-    <dgm:txEffectClrLst/>
-  </dgm:styleLbl>
-  <dgm:styleLbl name="asst4">
-    <dgm:fillClrLst meth="repeat">
-      <a:schemeClr val="accent3"/>
-    </dgm:fillClrLst>
-    <dgm:linClrLst meth="repeat">
-      <a:schemeClr val="lt1"/>
-    </dgm:linClrLst>
-    <dgm:effectClrLst/>
-    <dgm:txLinClrLst/>
-    <dgm:txFillClrLst/>
-    <dgm:txEffectClrLst/>
-  </dgm:styleLbl>
-  <dgm:styleLbl name="parChTrans2D1">
-    <dgm:fillClrLst meth="repeat">
-      <a:schemeClr val="accent3">
-        <a:tint val="60000"/>
-      </a:schemeClr>
-    </dgm:fillClrLst>
-    <dgm:linClrLst meth="repeat">
-      <a:schemeClr val="accent3">
-        <a:tint val="60000"/>
-      </a:schemeClr>
-    </dgm:linClrLst>
-    <dgm:effectClrLst/>
-    <dgm:txLinClrLst/>
-    <dgm:txFillClrLst meth="repeat">
-      <a:schemeClr val="lt1"/>
-    </dgm:txFillClrLst>
-    <dgm:txEffectClrLst/>
-  </dgm:styleLbl>
-  <dgm:styleLbl name="parChTrans2D2">
-    <dgm:fillClrLst meth="repeat">
-      <a:schemeClr val="accent3"/>
-    </dgm:fillClrLst>
-    <dgm:linClrLst meth="repeat">
-      <a:schemeClr val="accent3"/>
-    </dgm:linClrLst>
-    <dgm:effectClrLst/>
-    <dgm:txLinClrLst/>
-    <dgm:txFillClrLst meth="repeat">
-      <a:schemeClr val="lt1"/>
-    </dgm:txFillClrLst>
-    <dgm:txEffectClrLst/>
-  </dgm:styleLbl>
-  <dgm:styleLbl name="parChTrans2D3">
-    <dgm:fillClrLst meth="repeat">
-      <a:schemeClr val="accent3"/>
-    </dgm:fillClrLst>
-    <dgm:linClrLst meth="repeat">
-      <a:schemeClr val="accent3"/>
-    </dgm:linClrLst>
-    <dgm:effectClrLst/>
-    <dgm:txLinClrLst/>
-    <dgm:txFillClrLst meth="repeat">
-      <a:schemeClr val="lt1"/>
-    </dgm:txFillClrLst>
-    <dgm:txEffectClrLst/>
-  </dgm:styleLbl>
-  <dgm:styleLbl name="parChTrans2D4">
-    <dgm:fillClrLst meth="repeat">
-      <a:schemeClr val="accent3"/>
-    </dgm:fillClrLst>
-    <dgm:linClrLst meth="repeat">
-      <a:schemeClr val="accent3"/>
-    </dgm:linClrLst>
-    <dgm:effectClrLst/>
-    <dgm:txLinClrLst/>
-    <dgm:txFillClrLst meth="repeat">
-      <a:schemeClr val="lt1"/>
-    </dgm:txFillClrLst>
-    <dgm:txEffectClrLst/>
-  </dgm:styleLbl>
-  <dgm:styleLbl name="parChTrans1D1">
-    <dgm:fillClrLst meth="repeat">
-      <a:schemeClr val="accent3"/>
-    </dgm:fillClrLst>
-    <dgm:linClrLst meth="repeat">
-      <a:schemeClr val="accent3">
-        <a:shade val="60000"/>
-      </a:schemeClr>
-    </dgm:linClrLst>
-    <dgm:effectClrLst/>
-    <dgm:txLinClrLst/>
-    <dgm:txFillClrLst meth="repeat">
-      <a:schemeClr val="tx1"/>
-    </dgm:txFillClrLst>
-    <dgm:txEffectClrLst/>
-  </dgm:styleLbl>
-  <dgm:styleLbl name="parChTrans1D2">
-    <dgm:fillClrLst meth="repeat">
-      <a:schemeClr val="accent3"/>
-    </dgm:fillClrLst>
-    <dgm:linClrLst meth="repeat">
-      <a:schemeClr val="accent3">
-        <a:shade val="60000"/>
-      </a:schemeClr>
-    </dgm:linClrLst>
-    <dgm:effectClrLst/>
-    <dgm:txLinClrLst/>
-    <dgm:txFillClrLst meth="repeat">
-      <a:schemeClr val="tx1"/>
-    </dgm:txFillClrLst>
-    <dgm:txEffectClrLst/>
-  </dgm:styleLbl>
-  <dgm:styleLbl name="parChTrans1D3">
-    <dgm:fillClrLst meth="repeat">
-      <a:schemeClr val="accent3"/>
-    </dgm:fillClrLst>
-    <dgm:linClrLst meth="repeat">
-      <a:schemeClr val="accent3">
-        <a:shade val="80000"/>
-      </a:schemeClr>
-    </dgm:linClrLst>
-    <dgm:effectClrLst/>
-    <dgm:txLinClrLst/>
-    <dgm:txFillClrLst meth="repeat">
-      <a:schemeClr val="tx1"/>
-    </dgm:txFillClrLst>
-    <dgm:txEffectClrLst/>
-  </dgm:styleLbl>
-  <dgm:styleLbl name="parChTrans1D4">
-    <dgm:fillClrLst meth="repeat">
-      <a:schemeClr val="accent3"/>
-    </dgm:fillClrLst>
-    <dgm:linClrLst meth="repeat">
-      <a:schemeClr val="accent3">
-        <a:shade val="80000"/>
-      </a:schemeClr>
-    </dgm:linClrLst>
-    <dgm:effectClrLst/>
-    <dgm:txLinClrLst/>
-    <dgm:txFillClrLst meth="repeat">
-      <a:schemeClr val="tx1"/>
-    </dgm:txFillClrLst>
-    <dgm:txEffectClrLst/>
-  </dgm:styleLbl>
-  <dgm:styleLbl name="fgAcc1">
-    <dgm:fillClrLst meth="repeat">
-      <a:schemeClr val="lt1">
-        <a:alpha val="90000"/>
-      </a:schemeClr>
-    </dgm:fillClrLst>
-    <dgm:linClrLst meth="repeat">
-      <a:schemeClr val="accent3"/>
-    </dgm:linClrLst>
-    <dgm:effectClrLst/>
-    <dgm:txLinClrLst/>
-    <dgm:txFillClrLst meth="repeat">
-      <a:schemeClr val="dk1"/>
-    </dgm:txFillClrLst>
-    <dgm:txEffectClrLst/>
-  </dgm:styleLbl>
-  <dgm:styleLbl name="conFgAcc1">
-    <dgm:fillClrLst meth="repeat">
-      <a:schemeClr val="lt1">
-        <a:alpha val="90000"/>
-      </a:schemeClr>
-    </dgm:fillClrLst>
-    <dgm:linClrLst meth="repeat">
-      <a:schemeClr val="accent3"/>
-    </dgm:linClrLst>
-    <dgm:effectClrLst/>
-    <dgm:txLinClrLst/>
-    <dgm:txFillClrLst meth="repeat">
-      <a:schemeClr val="dk1"/>
-    </dgm:txFillClrLst>
-    <dgm:txEffectClrLst/>
-  </dgm:styleLbl>
-  <dgm:styleLbl name="alignAcc1">
-    <dgm:fillClrLst meth="repeat">
-      <a:schemeClr val="lt1">
-        <a:alpha val="90000"/>
-      </a:schemeClr>
-    </dgm:fillClrLst>
-    <dgm:linClrLst meth="repeat">
-      <a:schemeClr val="accent3"/>
-    </dgm:linClrLst>
-    <dgm:effectClrLst/>
-    <dgm:txLinClrLst/>
-    <dgm:txFillClrLst meth="repeat">
-      <a:schemeClr val="dk1"/>
-    </dgm:txFillClrLst>
-    <dgm:txEffectClrLst/>
-  </dgm:styleLbl>
-  <dgm:styleLbl name="trAlignAcc1">
-    <dgm:fillClrLst meth="repeat">
-      <a:schemeClr val="lt1">
-        <a:alpha val="40000"/>
-      </a:schemeClr>
-    </dgm:fillClrLst>
-    <dgm:linClrLst meth="repeat">
-      <a:schemeClr val="accent3"/>
-    </dgm:linClrLst>
-    <dgm:effectClrLst/>
-    <dgm:txLinClrLst/>
-    <dgm:txFillClrLst meth="repeat">
-      <a:schemeClr val="dk1"/>
-    </dgm:txFillClrLst>
-    <dgm:txEffectClrLst/>
-  </dgm:styleLbl>
-  <dgm:styleLbl name="bgAcc1">
-    <dgm:fillClrLst meth="repeat">
-      <a:schemeClr val="lt1">
-        <a:alpha val="90000"/>
-      </a:schemeClr>
-    </dgm:fillClrLst>
-    <dgm:linClrLst meth="repeat">
-      <a:schemeClr val="accent3"/>
-    </dgm:linClrLst>
-    <dgm:effectClrLst/>
-    <dgm:txLinClrLst/>
-    <dgm:txFillClrLst meth="repeat">
-      <a:schemeClr val="dk1"/>
-    </dgm:txFillClrLst>
-    <dgm:txEffectClrLst/>
-  </dgm:styleLbl>
-  <dgm:styleLbl name="solidFgAcc1">
-    <dgm:fillClrLst meth="repeat">
-      <a:schemeClr val="lt1"/>
-    </dgm:fillClrLst>
-    <dgm:linClrLst meth="repeat">
-      <a:schemeClr val="accent3"/>
-    </dgm:linClrLst>
-    <dgm:effectClrLst/>
-    <dgm:txLinClrLst/>
-    <dgm:txFillClrLst meth="repeat">
-      <a:schemeClr val="dk1"/>
-    </dgm:txFillClrLst>
-    <dgm:txEffectClrLst/>
-  </dgm:styleLbl>
-  <dgm:styleLbl name="solidAlignAcc1">
-    <dgm:fillClrLst meth="repeat">
-      <a:schemeClr val="lt1"/>
-    </dgm:fillClrLst>
-    <dgm:linClrLst meth="repeat">
-      <a:schemeClr val="accent3"/>
-    </dgm:linClrLst>
-    <dgm:effectClrLst/>
-    <dgm:txLinClrLst/>
-    <dgm:txFillClrLst meth="repeat">
-      <a:schemeClr val="dk1"/>
-    </dgm:txFillClrLst>
-    <dgm:txEffectClrLst/>
-  </dgm:styleLbl>
-  <dgm:styleLbl name="solidBgAcc1">
-    <dgm:fillClrLst meth="repeat">
-      <a:schemeClr val="lt1"/>
-    </dgm:fillClrLst>
-    <dgm:linClrLst meth="repeat">
-      <a:schemeClr val="accent3"/>
-    </dgm:linClrLst>
-    <dgm:effectClrLst/>
-    <dgm:txLinClrLst/>
-    <dgm:txFillClrLst meth="repeat">
-      <a:schemeClr val="dk1"/>
-    </dgm:txFillClrLst>
-    <dgm:txEffectClrLst/>
-  </dgm:styleLbl>
-  <dgm:styleLbl name="fgAccFollowNode1">
-    <dgm:fillClrLst meth="repeat">
-      <a:schemeClr val="accent3">
-        <a:alpha val="90000"/>
-        <a:tint val="40000"/>
-      </a:schemeClr>
-    </dgm:fillClrLst>
-    <dgm:linClrLst meth="repeat">
-      <a:schemeClr val="accent3">
-        <a:alpha val="90000"/>
-        <a:tint val="40000"/>
-      </a:schemeClr>
-    </dgm:linClrLst>
-    <dgm:effectClrLst/>
-    <dgm:txLinClrLst/>
-    <dgm:txFillClrLst meth="repeat">
-      <a:schemeClr val="dk1"/>
-    </dgm:txFillClrLst>
-    <dgm:txEffectClrLst/>
-  </dgm:styleLbl>
-  <dgm:styleLbl name="alignAccFollowNode1">
-    <dgm:fillClrLst meth="repeat">
-      <a:schemeClr val="accent3">
-        <a:alpha val="90000"/>
-        <a:tint val="40000"/>
-      </a:schemeClr>
-    </dgm:fillClrLst>
-    <dgm:linClrLst meth="repeat">
-      <a:schemeClr val="accent3">
-        <a:alpha val="90000"/>
-        <a:tint val="40000"/>
-      </a:schemeClr>
-    </dgm:linClrLst>
-    <dgm:effectClrLst/>
-    <dgm:txLinClrLst/>
-    <dgm:txFillClrLst meth="repeat">
-      <a:schemeClr val="dk1"/>
-    </dgm:txFillClrLst>
-    <dgm:txEffectClrLst/>
-  </dgm:styleLbl>
-  <dgm:styleLbl name="bgAccFollowNode1">
-    <dgm:fillClrLst meth="repeat">
-      <a:schemeClr val="accent3">
-        <a:alpha val="90000"/>
-        <a:tint val="40000"/>
-      </a:schemeClr>
-    </dgm:fillClrLst>
-    <dgm:linClrLst meth="repeat">
-      <a:schemeClr val="accent3">
-        <a:alpha val="90000"/>
-        <a:tint val="40000"/>
-      </a:schemeClr>
-    </dgm:linClrLst>
-    <dgm:effectClrLst/>
-    <dgm:txLinClrLst/>
-    <dgm:txFillClrLst meth="repeat">
-      <a:schemeClr val="dk1"/>
-    </dgm:txFillClrLst>
-    <dgm:txEffectClrLst/>
-  </dgm:styleLbl>
-  <dgm:styleLbl name="fgAcc0">
-    <dgm:fillClrLst meth="repeat">
-      <a:schemeClr val="lt1">
-        <a:alpha val="90000"/>
-      </a:schemeClr>
-    </dgm:fillClrLst>
-    <dgm:linClrLst meth="repeat">
-      <a:schemeClr val="accent3"/>
-    </dgm:linClrLst>
-    <dgm:effectClrLst/>
-    <dgm:txLinClrLst/>
-    <dgm:txFillClrLst meth="repeat">
-      <a:schemeClr val="dk1"/>
-    </dgm:txFillClrLst>
-    <dgm:txEffectClrLst/>
-  </dgm:styleLbl>
-  <dgm:styleLbl name="fgAcc2">
-    <dgm:fillClrLst meth="repeat">
-      <a:schemeClr val="lt1">
-        <a:alpha val="90000"/>
-      </a:schemeClr>
-    </dgm:fillClrLst>
-    <dgm:linClrLst meth="repeat">
-      <a:schemeClr val="accent3"/>
-    </dgm:linClrLst>
-    <dgm:effectClrLst/>
-    <dgm:txLinClrLst/>
-    <dgm:txFillClrLst meth="repeat">
-      <a:schemeClr val="dk1"/>
-    </dgm:txFillClrLst>
-    <dgm:txEffectClrLst/>
-  </dgm:styleLbl>
-  <dgm:styleLbl name="fgAcc3">
-    <dgm:fillClrLst meth="repeat">
-      <a:schemeClr val="lt1">
-        <a:alpha val="90000"/>
-      </a:schemeClr>
-    </dgm:fillClrLst>
-    <dgm:linClrLst meth="repeat">
-      <a:schemeClr val="accent3"/>
-    </dgm:linClrLst>
-    <dgm:effectClrLst/>
-    <dgm:txLinClrLst/>
-    <dgm:txFillClrLst meth="repeat">
-      <a:schemeClr val="dk1"/>
-    </dgm:txFillClrLst>
-    <dgm:txEffectClrLst/>
-  </dgm:styleLbl>
-  <dgm:styleLbl name="fgAcc4">
-    <dgm:fillClrLst meth="repeat">
-      <a:schemeClr val="lt1">
-        <a:alpha val="90000"/>
-      </a:schemeClr>
-    </dgm:fillClrLst>
-    <dgm:linClrLst meth="repeat">
-      <a:schemeClr val="accent3"/>
-    </dgm:linClrLst>
-    <dgm:effectClrLst/>
-    <dgm:txLinClrLst/>
-    <dgm:txFillClrLst meth="repeat">
-      <a:schemeClr val="dk1"/>
-    </dgm:txFillClrLst>
-    <dgm:txEffectClrLst/>
-  </dgm:styleLbl>
-  <dgm:styleLbl name="bgShp">
-    <dgm:fillClrLst meth="repeat">
-      <a:schemeClr val="accent3">
-        <a:tint val="40000"/>
-      </a:schemeClr>
-    </dgm:fillClrLst>
-    <dgm:linClrLst meth="repeat">
-      <a:schemeClr val="accent3"/>
-    </dgm:linClrLst>
-    <dgm:effectClrLst/>
-    <dgm:txLinClrLst/>
-    <dgm:txFillClrLst meth="repeat">
-      <a:schemeClr val="dk1"/>
-    </dgm:txFillClrLst>
-    <dgm:txEffectClrLst/>
-  </dgm:styleLbl>
-  <dgm:styleLbl name="dkBgShp">
-    <dgm:fillClrLst meth="repeat">
-      <a:schemeClr val="accent3">
-        <a:shade val="80000"/>
-      </a:schemeClr>
-    </dgm:fillClrLst>
-    <dgm:linClrLst meth="repeat">
-      <a:schemeClr val="accent3"/>
-    </dgm:linClrLst>
-    <dgm:effectClrLst/>
-    <dgm:txLinClrLst/>
-    <dgm:txFillClrLst meth="repeat">
-      <a:schemeClr val="lt1"/>
-    </dgm:txFillClrLst>
-    <dgm:txEffectClrLst/>
-  </dgm:styleLbl>
-  <dgm:styleLbl name="trBgShp">
-    <dgm:fillClrLst meth="repeat">
-      <a:schemeClr val="accent3">
-        <a:tint val="50000"/>
-        <a:alpha val="40000"/>
-      </a:schemeClr>
-    </dgm:fillClrLst>
-    <dgm:linClrLst meth="repeat">
-      <a:schemeClr val="accent3"/>
-    </dgm:linClrLst>
-    <dgm:effectClrLst/>
-    <dgm:txLinClrLst/>
-    <dgm:txFillClrLst meth="repeat">
-      <a:schemeClr val="lt1"/>
-    </dgm:txFillClrLst>
-    <dgm:txEffectClrLst/>
-  </dgm:styleLbl>
-  <dgm:styleLbl name="fgShp">
-    <dgm:fillClrLst meth="repeat">
-      <a:schemeClr val="accent3">
-        <a:tint val="60000"/>
-      </a:schemeClr>
-    </dgm:fillClrLst>
-    <dgm:linClrLst meth="repeat">
-      <a:schemeClr val="lt1"/>
-    </dgm:linClrLst>
-    <dgm:effectClrLst/>
-    <dgm:txLinClrLst/>
-    <dgm:txFillClrLst meth="repeat">
-      <a:schemeClr val="dk1"/>
-    </dgm:txFillClrLst>
-    <dgm:txEffectClrLst/>
-  </dgm:styleLbl>
-  <dgm:styleLbl name="revTx">
-    <dgm:fillClrLst meth="repeat">
-      <a:schemeClr val="lt1">
-        <a:alpha val="0"/>
-      </a:schemeClr>
-    </dgm:fillClrLst>
-    <dgm:linClrLst meth="repeat">
-      <a:schemeClr val="dk1">
-        <a:alpha val="0"/>
-      </a:schemeClr>
-    </dgm:linClrLst>
-    <dgm:effectClrLst/>
-    <dgm:txLinClrLst/>
-    <dgm:txFillClrLst meth="repeat">
-      <a:schemeClr val="tx1"/>
-    </dgm:txFillClrLst>
-    <dgm:txEffectClrLst/>
-  </dgm:styleLbl>
-</dgm:colorsDef>
-</file>
-
-<file path=ppt/diagrams/colors3.xml><?xml version="1.0" encoding="utf-8"?>
 <dgm:colorsDef xmlns:dgm="http://schemas.openxmlformats.org/drawingml/2006/diagram" xmlns:a="http://schemas.openxmlformats.org/drawingml/2006/main" uniqueId="urn:microsoft.com/office/officeart/2005/8/colors/colorful5">
   <dgm:title val=""/>
   <dgm:desc val=""/>
@@ -2544,6 +1802,753 @@
     <dgm:fillClrLst meth="repeat">
       <a:schemeClr val="accent5">
         <a:tint val="40000"/>
+      </a:schemeClr>
+    </dgm:fillClrLst>
+    <dgm:linClrLst meth="repeat">
+      <a:schemeClr val="lt1"/>
+    </dgm:linClrLst>
+    <dgm:effectClrLst/>
+    <dgm:txLinClrLst/>
+    <dgm:txFillClrLst meth="repeat">
+      <a:schemeClr val="dk1"/>
+    </dgm:txFillClrLst>
+    <dgm:txEffectClrLst/>
+  </dgm:styleLbl>
+  <dgm:styleLbl name="revTx">
+    <dgm:fillClrLst meth="repeat">
+      <a:schemeClr val="lt1">
+        <a:alpha val="0"/>
+      </a:schemeClr>
+    </dgm:fillClrLst>
+    <dgm:linClrLst meth="repeat">
+      <a:schemeClr val="dk1">
+        <a:alpha val="0"/>
+      </a:schemeClr>
+    </dgm:linClrLst>
+    <dgm:effectClrLst/>
+    <dgm:txLinClrLst/>
+    <dgm:txFillClrLst meth="repeat">
+      <a:schemeClr val="tx1"/>
+    </dgm:txFillClrLst>
+    <dgm:txEffectClrLst/>
+  </dgm:styleLbl>
+</dgm:colorsDef>
+</file>
+
+<file path=ppt/diagrams/colors3.xml><?xml version="1.0" encoding="utf-8"?>
+<dgm:colorsDef xmlns:dgm="http://schemas.openxmlformats.org/drawingml/2006/diagram" xmlns:a="http://schemas.openxmlformats.org/drawingml/2006/main" uniqueId="urn:microsoft.com/office/officeart/2005/8/colors/accent3_2">
+  <dgm:title val=""/>
+  <dgm:desc val=""/>
+  <dgm:catLst>
+    <dgm:cat type="accent3" pri="11200"/>
+  </dgm:catLst>
+  <dgm:styleLbl name="node0">
+    <dgm:fillClrLst meth="repeat">
+      <a:schemeClr val="accent3"/>
+    </dgm:fillClrLst>
+    <dgm:linClrLst meth="repeat">
+      <a:schemeClr val="lt1"/>
+    </dgm:linClrLst>
+    <dgm:effectClrLst/>
+    <dgm:txLinClrLst/>
+    <dgm:txFillClrLst/>
+    <dgm:txEffectClrLst/>
+  </dgm:styleLbl>
+  <dgm:styleLbl name="node1">
+    <dgm:fillClrLst meth="repeat">
+      <a:schemeClr val="accent3"/>
+    </dgm:fillClrLst>
+    <dgm:linClrLst meth="repeat">
+      <a:schemeClr val="lt1"/>
+    </dgm:linClrLst>
+    <dgm:effectClrLst/>
+    <dgm:txLinClrLst/>
+    <dgm:txFillClrLst/>
+    <dgm:txEffectClrLst/>
+  </dgm:styleLbl>
+  <dgm:styleLbl name="alignNode1">
+    <dgm:fillClrLst meth="repeat">
+      <a:schemeClr val="accent3"/>
+    </dgm:fillClrLst>
+    <dgm:linClrLst meth="repeat">
+      <a:schemeClr val="accent3"/>
+    </dgm:linClrLst>
+    <dgm:effectClrLst/>
+    <dgm:txLinClrLst/>
+    <dgm:txFillClrLst/>
+    <dgm:txEffectClrLst/>
+  </dgm:styleLbl>
+  <dgm:styleLbl name="lnNode1">
+    <dgm:fillClrLst meth="repeat">
+      <a:schemeClr val="accent3"/>
+    </dgm:fillClrLst>
+    <dgm:linClrLst meth="repeat">
+      <a:schemeClr val="lt1"/>
+    </dgm:linClrLst>
+    <dgm:effectClrLst/>
+    <dgm:txLinClrLst/>
+    <dgm:txFillClrLst/>
+    <dgm:txEffectClrLst/>
+  </dgm:styleLbl>
+  <dgm:styleLbl name="vennNode1">
+    <dgm:fillClrLst meth="repeat">
+      <a:schemeClr val="accent3">
+        <a:alpha val="50000"/>
+      </a:schemeClr>
+    </dgm:fillClrLst>
+    <dgm:linClrLst meth="repeat">
+      <a:schemeClr val="lt1"/>
+    </dgm:linClrLst>
+    <dgm:effectClrLst/>
+    <dgm:txLinClrLst/>
+    <dgm:txFillClrLst/>
+    <dgm:txEffectClrLst/>
+  </dgm:styleLbl>
+  <dgm:styleLbl name="node2">
+    <dgm:fillClrLst meth="repeat">
+      <a:schemeClr val="accent3"/>
+    </dgm:fillClrLst>
+    <dgm:linClrLst meth="repeat">
+      <a:schemeClr val="lt1"/>
+    </dgm:linClrLst>
+    <dgm:effectClrLst/>
+    <dgm:txLinClrLst/>
+    <dgm:txFillClrLst/>
+    <dgm:txEffectClrLst/>
+  </dgm:styleLbl>
+  <dgm:styleLbl name="node3">
+    <dgm:fillClrLst meth="repeat">
+      <a:schemeClr val="accent3"/>
+    </dgm:fillClrLst>
+    <dgm:linClrLst meth="repeat">
+      <a:schemeClr val="lt1"/>
+    </dgm:linClrLst>
+    <dgm:effectClrLst/>
+    <dgm:txLinClrLst/>
+    <dgm:txFillClrLst/>
+    <dgm:txEffectClrLst/>
+  </dgm:styleLbl>
+  <dgm:styleLbl name="node4">
+    <dgm:fillClrLst meth="repeat">
+      <a:schemeClr val="accent3"/>
+    </dgm:fillClrLst>
+    <dgm:linClrLst meth="repeat">
+      <a:schemeClr val="lt1"/>
+    </dgm:linClrLst>
+    <dgm:effectClrLst/>
+    <dgm:txLinClrLst/>
+    <dgm:txFillClrLst/>
+    <dgm:txEffectClrLst/>
+  </dgm:styleLbl>
+  <dgm:styleLbl name="fgImgPlace1">
+    <dgm:fillClrLst meth="repeat">
+      <a:schemeClr val="accent3">
+        <a:tint val="50000"/>
+      </a:schemeClr>
+    </dgm:fillClrLst>
+    <dgm:linClrLst meth="repeat">
+      <a:schemeClr val="lt1"/>
+    </dgm:linClrLst>
+    <dgm:effectClrLst/>
+    <dgm:txLinClrLst/>
+    <dgm:txFillClrLst meth="repeat">
+      <a:schemeClr val="lt1"/>
+    </dgm:txFillClrLst>
+    <dgm:txEffectClrLst/>
+  </dgm:styleLbl>
+  <dgm:styleLbl name="alignImgPlace1">
+    <dgm:fillClrLst meth="repeat">
+      <a:schemeClr val="accent3">
+        <a:tint val="50000"/>
+      </a:schemeClr>
+    </dgm:fillClrLst>
+    <dgm:linClrLst meth="repeat">
+      <a:schemeClr val="lt1"/>
+    </dgm:linClrLst>
+    <dgm:effectClrLst/>
+    <dgm:txLinClrLst/>
+    <dgm:txFillClrLst meth="repeat">
+      <a:schemeClr val="lt1"/>
+    </dgm:txFillClrLst>
+    <dgm:txEffectClrLst/>
+  </dgm:styleLbl>
+  <dgm:styleLbl name="bgImgPlace1">
+    <dgm:fillClrLst meth="repeat">
+      <a:schemeClr val="accent3">
+        <a:tint val="50000"/>
+      </a:schemeClr>
+    </dgm:fillClrLst>
+    <dgm:linClrLst meth="repeat">
+      <a:schemeClr val="lt1"/>
+    </dgm:linClrLst>
+    <dgm:effectClrLst/>
+    <dgm:txLinClrLst/>
+    <dgm:txFillClrLst meth="repeat">
+      <a:schemeClr val="lt1"/>
+    </dgm:txFillClrLst>
+    <dgm:txEffectClrLst/>
+  </dgm:styleLbl>
+  <dgm:styleLbl name="sibTrans2D1">
+    <dgm:fillClrLst meth="repeat">
+      <a:schemeClr val="accent3">
+        <a:tint val="60000"/>
+      </a:schemeClr>
+    </dgm:fillClrLst>
+    <dgm:linClrLst meth="repeat">
+      <a:schemeClr val="accent3">
+        <a:tint val="60000"/>
+      </a:schemeClr>
+    </dgm:linClrLst>
+    <dgm:effectClrLst/>
+    <dgm:txLinClrLst/>
+    <dgm:txFillClrLst/>
+    <dgm:txEffectClrLst/>
+  </dgm:styleLbl>
+  <dgm:styleLbl name="fgSibTrans2D1">
+    <dgm:fillClrLst meth="repeat">
+      <a:schemeClr val="accent3">
+        <a:tint val="60000"/>
+      </a:schemeClr>
+    </dgm:fillClrLst>
+    <dgm:linClrLst meth="repeat">
+      <a:schemeClr val="accent3">
+        <a:tint val="60000"/>
+      </a:schemeClr>
+    </dgm:linClrLst>
+    <dgm:effectClrLst/>
+    <dgm:txLinClrLst/>
+    <dgm:txFillClrLst/>
+    <dgm:txEffectClrLst/>
+  </dgm:styleLbl>
+  <dgm:styleLbl name="bgSibTrans2D1">
+    <dgm:fillClrLst meth="repeat">
+      <a:schemeClr val="accent3">
+        <a:tint val="60000"/>
+      </a:schemeClr>
+    </dgm:fillClrLst>
+    <dgm:linClrLst meth="repeat">
+      <a:schemeClr val="accent3">
+        <a:tint val="60000"/>
+      </a:schemeClr>
+    </dgm:linClrLst>
+    <dgm:effectClrLst/>
+    <dgm:txLinClrLst/>
+    <dgm:txFillClrLst/>
+    <dgm:txEffectClrLst/>
+  </dgm:styleLbl>
+  <dgm:styleLbl name="sibTrans1D1">
+    <dgm:fillClrLst meth="repeat">
+      <a:schemeClr val="accent3"/>
+    </dgm:fillClrLst>
+    <dgm:linClrLst meth="repeat">
+      <a:schemeClr val="accent3"/>
+    </dgm:linClrLst>
+    <dgm:effectClrLst/>
+    <dgm:txLinClrLst/>
+    <dgm:txFillClrLst meth="repeat">
+      <a:schemeClr val="tx1"/>
+    </dgm:txFillClrLst>
+    <dgm:txEffectClrLst/>
+  </dgm:styleLbl>
+  <dgm:styleLbl name="callout">
+    <dgm:fillClrLst meth="repeat">
+      <a:schemeClr val="accent3"/>
+    </dgm:fillClrLst>
+    <dgm:linClrLst meth="repeat">
+      <a:schemeClr val="accent3">
+        <a:tint val="50000"/>
+      </a:schemeClr>
+    </dgm:linClrLst>
+    <dgm:effectClrLst/>
+    <dgm:txLinClrLst/>
+    <dgm:txFillClrLst meth="repeat">
+      <a:schemeClr val="tx1"/>
+    </dgm:txFillClrLst>
+    <dgm:txEffectClrLst/>
+  </dgm:styleLbl>
+  <dgm:styleLbl name="asst0">
+    <dgm:fillClrLst meth="repeat">
+      <a:schemeClr val="accent3"/>
+    </dgm:fillClrLst>
+    <dgm:linClrLst meth="repeat">
+      <a:schemeClr val="lt1"/>
+    </dgm:linClrLst>
+    <dgm:effectClrLst/>
+    <dgm:txLinClrLst/>
+    <dgm:txFillClrLst/>
+    <dgm:txEffectClrLst/>
+  </dgm:styleLbl>
+  <dgm:styleLbl name="asst1">
+    <dgm:fillClrLst meth="repeat">
+      <a:schemeClr val="accent3"/>
+    </dgm:fillClrLst>
+    <dgm:linClrLst meth="repeat">
+      <a:schemeClr val="lt1"/>
+    </dgm:linClrLst>
+    <dgm:effectClrLst/>
+    <dgm:txLinClrLst/>
+    <dgm:txFillClrLst/>
+    <dgm:txEffectClrLst/>
+  </dgm:styleLbl>
+  <dgm:styleLbl name="asst2">
+    <dgm:fillClrLst meth="repeat">
+      <a:schemeClr val="accent3"/>
+    </dgm:fillClrLst>
+    <dgm:linClrLst meth="repeat">
+      <a:schemeClr val="lt1"/>
+    </dgm:linClrLst>
+    <dgm:effectClrLst/>
+    <dgm:txLinClrLst/>
+    <dgm:txFillClrLst/>
+    <dgm:txEffectClrLst/>
+  </dgm:styleLbl>
+  <dgm:styleLbl name="asst3">
+    <dgm:fillClrLst meth="repeat">
+      <a:schemeClr val="accent3"/>
+    </dgm:fillClrLst>
+    <dgm:linClrLst meth="repeat">
+      <a:schemeClr val="lt1"/>
+    </dgm:linClrLst>
+    <dgm:effectClrLst/>
+    <dgm:txLinClrLst/>
+    <dgm:txFillClrLst/>
+    <dgm:txEffectClrLst/>
+  </dgm:styleLbl>
+  <dgm:styleLbl name="asst4">
+    <dgm:fillClrLst meth="repeat">
+      <a:schemeClr val="accent3"/>
+    </dgm:fillClrLst>
+    <dgm:linClrLst meth="repeat">
+      <a:schemeClr val="lt1"/>
+    </dgm:linClrLst>
+    <dgm:effectClrLst/>
+    <dgm:txLinClrLst/>
+    <dgm:txFillClrLst/>
+    <dgm:txEffectClrLst/>
+  </dgm:styleLbl>
+  <dgm:styleLbl name="parChTrans2D1">
+    <dgm:fillClrLst meth="repeat">
+      <a:schemeClr val="accent3">
+        <a:tint val="60000"/>
+      </a:schemeClr>
+    </dgm:fillClrLst>
+    <dgm:linClrLst meth="repeat">
+      <a:schemeClr val="accent3">
+        <a:tint val="60000"/>
+      </a:schemeClr>
+    </dgm:linClrLst>
+    <dgm:effectClrLst/>
+    <dgm:txLinClrLst/>
+    <dgm:txFillClrLst meth="repeat">
+      <a:schemeClr val="lt1"/>
+    </dgm:txFillClrLst>
+    <dgm:txEffectClrLst/>
+  </dgm:styleLbl>
+  <dgm:styleLbl name="parChTrans2D2">
+    <dgm:fillClrLst meth="repeat">
+      <a:schemeClr val="accent3"/>
+    </dgm:fillClrLst>
+    <dgm:linClrLst meth="repeat">
+      <a:schemeClr val="accent3"/>
+    </dgm:linClrLst>
+    <dgm:effectClrLst/>
+    <dgm:txLinClrLst/>
+    <dgm:txFillClrLst meth="repeat">
+      <a:schemeClr val="lt1"/>
+    </dgm:txFillClrLst>
+    <dgm:txEffectClrLst/>
+  </dgm:styleLbl>
+  <dgm:styleLbl name="parChTrans2D3">
+    <dgm:fillClrLst meth="repeat">
+      <a:schemeClr val="accent3"/>
+    </dgm:fillClrLst>
+    <dgm:linClrLst meth="repeat">
+      <a:schemeClr val="accent3"/>
+    </dgm:linClrLst>
+    <dgm:effectClrLst/>
+    <dgm:txLinClrLst/>
+    <dgm:txFillClrLst meth="repeat">
+      <a:schemeClr val="lt1"/>
+    </dgm:txFillClrLst>
+    <dgm:txEffectClrLst/>
+  </dgm:styleLbl>
+  <dgm:styleLbl name="parChTrans2D4">
+    <dgm:fillClrLst meth="repeat">
+      <a:schemeClr val="accent3"/>
+    </dgm:fillClrLst>
+    <dgm:linClrLst meth="repeat">
+      <a:schemeClr val="accent3"/>
+    </dgm:linClrLst>
+    <dgm:effectClrLst/>
+    <dgm:txLinClrLst/>
+    <dgm:txFillClrLst meth="repeat">
+      <a:schemeClr val="lt1"/>
+    </dgm:txFillClrLst>
+    <dgm:txEffectClrLst/>
+  </dgm:styleLbl>
+  <dgm:styleLbl name="parChTrans1D1">
+    <dgm:fillClrLst meth="repeat">
+      <a:schemeClr val="accent3"/>
+    </dgm:fillClrLst>
+    <dgm:linClrLst meth="repeat">
+      <a:schemeClr val="accent3">
+        <a:shade val="60000"/>
+      </a:schemeClr>
+    </dgm:linClrLst>
+    <dgm:effectClrLst/>
+    <dgm:txLinClrLst/>
+    <dgm:txFillClrLst meth="repeat">
+      <a:schemeClr val="tx1"/>
+    </dgm:txFillClrLst>
+    <dgm:txEffectClrLst/>
+  </dgm:styleLbl>
+  <dgm:styleLbl name="parChTrans1D2">
+    <dgm:fillClrLst meth="repeat">
+      <a:schemeClr val="accent3"/>
+    </dgm:fillClrLst>
+    <dgm:linClrLst meth="repeat">
+      <a:schemeClr val="accent3">
+        <a:shade val="60000"/>
+      </a:schemeClr>
+    </dgm:linClrLst>
+    <dgm:effectClrLst/>
+    <dgm:txLinClrLst/>
+    <dgm:txFillClrLst meth="repeat">
+      <a:schemeClr val="tx1"/>
+    </dgm:txFillClrLst>
+    <dgm:txEffectClrLst/>
+  </dgm:styleLbl>
+  <dgm:styleLbl name="parChTrans1D3">
+    <dgm:fillClrLst meth="repeat">
+      <a:schemeClr val="accent3"/>
+    </dgm:fillClrLst>
+    <dgm:linClrLst meth="repeat">
+      <a:schemeClr val="accent3">
+        <a:shade val="80000"/>
+      </a:schemeClr>
+    </dgm:linClrLst>
+    <dgm:effectClrLst/>
+    <dgm:txLinClrLst/>
+    <dgm:txFillClrLst meth="repeat">
+      <a:schemeClr val="tx1"/>
+    </dgm:txFillClrLst>
+    <dgm:txEffectClrLst/>
+  </dgm:styleLbl>
+  <dgm:styleLbl name="parChTrans1D4">
+    <dgm:fillClrLst meth="repeat">
+      <a:schemeClr val="accent3"/>
+    </dgm:fillClrLst>
+    <dgm:linClrLst meth="repeat">
+      <a:schemeClr val="accent3">
+        <a:shade val="80000"/>
+      </a:schemeClr>
+    </dgm:linClrLst>
+    <dgm:effectClrLst/>
+    <dgm:txLinClrLst/>
+    <dgm:txFillClrLst meth="repeat">
+      <a:schemeClr val="tx1"/>
+    </dgm:txFillClrLst>
+    <dgm:txEffectClrLst/>
+  </dgm:styleLbl>
+  <dgm:styleLbl name="fgAcc1">
+    <dgm:fillClrLst meth="repeat">
+      <a:schemeClr val="lt1">
+        <a:alpha val="90000"/>
+      </a:schemeClr>
+    </dgm:fillClrLst>
+    <dgm:linClrLst meth="repeat">
+      <a:schemeClr val="accent3"/>
+    </dgm:linClrLst>
+    <dgm:effectClrLst/>
+    <dgm:txLinClrLst/>
+    <dgm:txFillClrLst meth="repeat">
+      <a:schemeClr val="dk1"/>
+    </dgm:txFillClrLst>
+    <dgm:txEffectClrLst/>
+  </dgm:styleLbl>
+  <dgm:styleLbl name="conFgAcc1">
+    <dgm:fillClrLst meth="repeat">
+      <a:schemeClr val="lt1">
+        <a:alpha val="90000"/>
+      </a:schemeClr>
+    </dgm:fillClrLst>
+    <dgm:linClrLst meth="repeat">
+      <a:schemeClr val="accent3"/>
+    </dgm:linClrLst>
+    <dgm:effectClrLst/>
+    <dgm:txLinClrLst/>
+    <dgm:txFillClrLst meth="repeat">
+      <a:schemeClr val="dk1"/>
+    </dgm:txFillClrLst>
+    <dgm:txEffectClrLst/>
+  </dgm:styleLbl>
+  <dgm:styleLbl name="alignAcc1">
+    <dgm:fillClrLst meth="repeat">
+      <a:schemeClr val="lt1">
+        <a:alpha val="90000"/>
+      </a:schemeClr>
+    </dgm:fillClrLst>
+    <dgm:linClrLst meth="repeat">
+      <a:schemeClr val="accent3"/>
+    </dgm:linClrLst>
+    <dgm:effectClrLst/>
+    <dgm:txLinClrLst/>
+    <dgm:txFillClrLst meth="repeat">
+      <a:schemeClr val="dk1"/>
+    </dgm:txFillClrLst>
+    <dgm:txEffectClrLst/>
+  </dgm:styleLbl>
+  <dgm:styleLbl name="trAlignAcc1">
+    <dgm:fillClrLst meth="repeat">
+      <a:schemeClr val="lt1">
+        <a:alpha val="40000"/>
+      </a:schemeClr>
+    </dgm:fillClrLst>
+    <dgm:linClrLst meth="repeat">
+      <a:schemeClr val="accent3"/>
+    </dgm:linClrLst>
+    <dgm:effectClrLst/>
+    <dgm:txLinClrLst/>
+    <dgm:txFillClrLst meth="repeat">
+      <a:schemeClr val="dk1"/>
+    </dgm:txFillClrLst>
+    <dgm:txEffectClrLst/>
+  </dgm:styleLbl>
+  <dgm:styleLbl name="bgAcc1">
+    <dgm:fillClrLst meth="repeat">
+      <a:schemeClr val="lt1">
+        <a:alpha val="90000"/>
+      </a:schemeClr>
+    </dgm:fillClrLst>
+    <dgm:linClrLst meth="repeat">
+      <a:schemeClr val="accent3"/>
+    </dgm:linClrLst>
+    <dgm:effectClrLst/>
+    <dgm:txLinClrLst/>
+    <dgm:txFillClrLst meth="repeat">
+      <a:schemeClr val="dk1"/>
+    </dgm:txFillClrLst>
+    <dgm:txEffectClrLst/>
+  </dgm:styleLbl>
+  <dgm:styleLbl name="solidFgAcc1">
+    <dgm:fillClrLst meth="repeat">
+      <a:schemeClr val="lt1"/>
+    </dgm:fillClrLst>
+    <dgm:linClrLst meth="repeat">
+      <a:schemeClr val="accent3"/>
+    </dgm:linClrLst>
+    <dgm:effectClrLst/>
+    <dgm:txLinClrLst/>
+    <dgm:txFillClrLst meth="repeat">
+      <a:schemeClr val="dk1"/>
+    </dgm:txFillClrLst>
+    <dgm:txEffectClrLst/>
+  </dgm:styleLbl>
+  <dgm:styleLbl name="solidAlignAcc1">
+    <dgm:fillClrLst meth="repeat">
+      <a:schemeClr val="lt1"/>
+    </dgm:fillClrLst>
+    <dgm:linClrLst meth="repeat">
+      <a:schemeClr val="accent3"/>
+    </dgm:linClrLst>
+    <dgm:effectClrLst/>
+    <dgm:txLinClrLst/>
+    <dgm:txFillClrLst meth="repeat">
+      <a:schemeClr val="dk1"/>
+    </dgm:txFillClrLst>
+    <dgm:txEffectClrLst/>
+  </dgm:styleLbl>
+  <dgm:styleLbl name="solidBgAcc1">
+    <dgm:fillClrLst meth="repeat">
+      <a:schemeClr val="lt1"/>
+    </dgm:fillClrLst>
+    <dgm:linClrLst meth="repeat">
+      <a:schemeClr val="accent3"/>
+    </dgm:linClrLst>
+    <dgm:effectClrLst/>
+    <dgm:txLinClrLst/>
+    <dgm:txFillClrLst meth="repeat">
+      <a:schemeClr val="dk1"/>
+    </dgm:txFillClrLst>
+    <dgm:txEffectClrLst/>
+  </dgm:styleLbl>
+  <dgm:styleLbl name="fgAccFollowNode1">
+    <dgm:fillClrLst meth="repeat">
+      <a:schemeClr val="accent3">
+        <a:alpha val="90000"/>
+        <a:tint val="40000"/>
+      </a:schemeClr>
+    </dgm:fillClrLst>
+    <dgm:linClrLst meth="repeat">
+      <a:schemeClr val="accent3">
+        <a:alpha val="90000"/>
+        <a:tint val="40000"/>
+      </a:schemeClr>
+    </dgm:linClrLst>
+    <dgm:effectClrLst/>
+    <dgm:txLinClrLst/>
+    <dgm:txFillClrLst meth="repeat">
+      <a:schemeClr val="dk1"/>
+    </dgm:txFillClrLst>
+    <dgm:txEffectClrLst/>
+  </dgm:styleLbl>
+  <dgm:styleLbl name="alignAccFollowNode1">
+    <dgm:fillClrLst meth="repeat">
+      <a:schemeClr val="accent3">
+        <a:alpha val="90000"/>
+        <a:tint val="40000"/>
+      </a:schemeClr>
+    </dgm:fillClrLst>
+    <dgm:linClrLst meth="repeat">
+      <a:schemeClr val="accent3">
+        <a:alpha val="90000"/>
+        <a:tint val="40000"/>
+      </a:schemeClr>
+    </dgm:linClrLst>
+    <dgm:effectClrLst/>
+    <dgm:txLinClrLst/>
+    <dgm:txFillClrLst meth="repeat">
+      <a:schemeClr val="dk1"/>
+    </dgm:txFillClrLst>
+    <dgm:txEffectClrLst/>
+  </dgm:styleLbl>
+  <dgm:styleLbl name="bgAccFollowNode1">
+    <dgm:fillClrLst meth="repeat">
+      <a:schemeClr val="accent3">
+        <a:alpha val="90000"/>
+        <a:tint val="40000"/>
+      </a:schemeClr>
+    </dgm:fillClrLst>
+    <dgm:linClrLst meth="repeat">
+      <a:schemeClr val="accent3">
+        <a:alpha val="90000"/>
+        <a:tint val="40000"/>
+      </a:schemeClr>
+    </dgm:linClrLst>
+    <dgm:effectClrLst/>
+    <dgm:txLinClrLst/>
+    <dgm:txFillClrLst meth="repeat">
+      <a:schemeClr val="dk1"/>
+    </dgm:txFillClrLst>
+    <dgm:txEffectClrLst/>
+  </dgm:styleLbl>
+  <dgm:styleLbl name="fgAcc0">
+    <dgm:fillClrLst meth="repeat">
+      <a:schemeClr val="lt1">
+        <a:alpha val="90000"/>
+      </a:schemeClr>
+    </dgm:fillClrLst>
+    <dgm:linClrLst meth="repeat">
+      <a:schemeClr val="accent3"/>
+    </dgm:linClrLst>
+    <dgm:effectClrLst/>
+    <dgm:txLinClrLst/>
+    <dgm:txFillClrLst meth="repeat">
+      <a:schemeClr val="dk1"/>
+    </dgm:txFillClrLst>
+    <dgm:txEffectClrLst/>
+  </dgm:styleLbl>
+  <dgm:styleLbl name="fgAcc2">
+    <dgm:fillClrLst meth="repeat">
+      <a:schemeClr val="lt1">
+        <a:alpha val="90000"/>
+      </a:schemeClr>
+    </dgm:fillClrLst>
+    <dgm:linClrLst meth="repeat">
+      <a:schemeClr val="accent3"/>
+    </dgm:linClrLst>
+    <dgm:effectClrLst/>
+    <dgm:txLinClrLst/>
+    <dgm:txFillClrLst meth="repeat">
+      <a:schemeClr val="dk1"/>
+    </dgm:txFillClrLst>
+    <dgm:txEffectClrLst/>
+  </dgm:styleLbl>
+  <dgm:styleLbl name="fgAcc3">
+    <dgm:fillClrLst meth="repeat">
+      <a:schemeClr val="lt1">
+        <a:alpha val="90000"/>
+      </a:schemeClr>
+    </dgm:fillClrLst>
+    <dgm:linClrLst meth="repeat">
+      <a:schemeClr val="accent3"/>
+    </dgm:linClrLst>
+    <dgm:effectClrLst/>
+    <dgm:txLinClrLst/>
+    <dgm:txFillClrLst meth="repeat">
+      <a:schemeClr val="dk1"/>
+    </dgm:txFillClrLst>
+    <dgm:txEffectClrLst/>
+  </dgm:styleLbl>
+  <dgm:styleLbl name="fgAcc4">
+    <dgm:fillClrLst meth="repeat">
+      <a:schemeClr val="lt1">
+        <a:alpha val="90000"/>
+      </a:schemeClr>
+    </dgm:fillClrLst>
+    <dgm:linClrLst meth="repeat">
+      <a:schemeClr val="accent3"/>
+    </dgm:linClrLst>
+    <dgm:effectClrLst/>
+    <dgm:txLinClrLst/>
+    <dgm:txFillClrLst meth="repeat">
+      <a:schemeClr val="dk1"/>
+    </dgm:txFillClrLst>
+    <dgm:txEffectClrLst/>
+  </dgm:styleLbl>
+  <dgm:styleLbl name="bgShp">
+    <dgm:fillClrLst meth="repeat">
+      <a:schemeClr val="accent3">
+        <a:tint val="40000"/>
+      </a:schemeClr>
+    </dgm:fillClrLst>
+    <dgm:linClrLst meth="repeat">
+      <a:schemeClr val="accent3"/>
+    </dgm:linClrLst>
+    <dgm:effectClrLst/>
+    <dgm:txLinClrLst/>
+    <dgm:txFillClrLst meth="repeat">
+      <a:schemeClr val="dk1"/>
+    </dgm:txFillClrLst>
+    <dgm:txEffectClrLst/>
+  </dgm:styleLbl>
+  <dgm:styleLbl name="dkBgShp">
+    <dgm:fillClrLst meth="repeat">
+      <a:schemeClr val="accent3">
+        <a:shade val="80000"/>
+      </a:schemeClr>
+    </dgm:fillClrLst>
+    <dgm:linClrLst meth="repeat">
+      <a:schemeClr val="accent3"/>
+    </dgm:linClrLst>
+    <dgm:effectClrLst/>
+    <dgm:txLinClrLst/>
+    <dgm:txFillClrLst meth="repeat">
+      <a:schemeClr val="lt1"/>
+    </dgm:txFillClrLst>
+    <dgm:txEffectClrLst/>
+  </dgm:styleLbl>
+  <dgm:styleLbl name="trBgShp">
+    <dgm:fillClrLst meth="repeat">
+      <a:schemeClr val="accent3">
+        <a:tint val="50000"/>
+        <a:alpha val="40000"/>
+      </a:schemeClr>
+    </dgm:fillClrLst>
+    <dgm:linClrLst meth="repeat">
+      <a:schemeClr val="accent3"/>
+    </dgm:linClrLst>
+    <dgm:effectClrLst/>
+    <dgm:txLinClrLst/>
+    <dgm:txFillClrLst meth="repeat">
+      <a:schemeClr val="lt1"/>
+    </dgm:txFillClrLst>
+    <dgm:txEffectClrLst/>
+  </dgm:styleLbl>
+  <dgm:styleLbl name="fgShp">
+    <dgm:fillClrLst meth="repeat">
+      <a:schemeClr val="accent3">
+        <a:tint val="60000"/>
       </a:schemeClr>
     </dgm:fillClrLst>
     <dgm:linClrLst meth="repeat">
@@ -5238,6 +5243,17 @@
             <a:t>Hypothesis</a:t>
           </a:r>
         </a:p>
+        <a:p>
+          <a:pPr>
+            <a:lnSpc>
+              <a:spcPct val="100000"/>
+            </a:lnSpc>
+          </a:pPr>
+          <a:r>
+            <a:rPr lang="en-US" dirty="0"/>
+            <a:t>Data Requirements</a:t>
+          </a:r>
+        </a:p>
       </dgm:t>
     </dgm:pt>
     <dgm:pt modelId="{EF10B0D5-78D0-4DB2-9FBD-32971C8139CA}" type="parTrans" cxnId="{69A26FF2-313C-4579-99FD-359EB7C6047D}">
@@ -5449,10 +5465,24 @@
     <dgm:pt modelId="{A91F68EE-184D-4380-8EB2-876F93522D56}" type="parTrans" cxnId="{D6C9BCD8-629B-437E-8169-E57255277374}">
       <dgm:prSet/>
       <dgm:spPr/>
+      <dgm:t>
+        <a:bodyPr/>
+        <a:lstStyle/>
+        <a:p>
+          <a:endParaRPr lang="en-US"/>
+        </a:p>
+      </dgm:t>
     </dgm:pt>
     <dgm:pt modelId="{BE12DC8F-A6DD-4829-867D-C6EB8CA89086}" type="sibTrans" cxnId="{D6C9BCD8-629B-437E-8169-E57255277374}">
       <dgm:prSet/>
       <dgm:spPr/>
+      <dgm:t>
+        <a:bodyPr/>
+        <a:lstStyle/>
+        <a:p>
+          <a:endParaRPr lang="en-US"/>
+        </a:p>
+      </dgm:t>
     </dgm:pt>
     <dgm:pt modelId="{9067FFC0-96B2-4092-B667-B25E8D9C6480}">
       <dgm:prSet phldrT="[Text]"/>
@@ -5476,37 +5506,24 @@
     <dgm:pt modelId="{D5BCF558-7A63-4B40-A712-4540BAB2771B}" type="parTrans" cxnId="{8602C7E2-E5F2-46A8-94A3-9E73B8A2F0A2}">
       <dgm:prSet/>
       <dgm:spPr/>
+      <dgm:t>
+        <a:bodyPr/>
+        <a:lstStyle/>
+        <a:p>
+          <a:endParaRPr lang="en-US"/>
+        </a:p>
+      </dgm:t>
     </dgm:pt>
     <dgm:pt modelId="{ED170FE4-4ADC-4819-AA25-6F7F9297E271}" type="sibTrans" cxnId="{8602C7E2-E5F2-46A8-94A3-9E73B8A2F0A2}">
       <dgm:prSet/>
-      <dgm:spPr/>
-    </dgm:pt>
-    <dgm:pt modelId="{94D44604-E14A-41D1-AD17-AA5FB6038B11}">
-      <dgm:prSet phldrT="[Text]"/>
       <dgm:spPr/>
       <dgm:t>
         <a:bodyPr/>
         <a:lstStyle/>
         <a:p>
-          <a:pPr>
-            <a:lnSpc>
-              <a:spcPct val="100000"/>
-            </a:lnSpc>
-          </a:pPr>
-          <a:r>
-            <a:rPr lang="en-US" dirty="0"/>
-            <a:t>Data Requirements</a:t>
-          </a:r>
+          <a:endParaRPr lang="en-US"/>
         </a:p>
       </dgm:t>
-    </dgm:pt>
-    <dgm:pt modelId="{EDC4CDE3-4359-4C95-81FF-DA9C715EFF64}" type="parTrans" cxnId="{4D3BBA89-12B2-4FFD-8A8D-3A2C2B4AD45D}">
-      <dgm:prSet/>
-      <dgm:spPr/>
-    </dgm:pt>
-    <dgm:pt modelId="{1A2A0CB0-8D94-418D-9A74-93CF913B96FD}" type="sibTrans" cxnId="{4D3BBA89-12B2-4FFD-8A8D-3A2C2B4AD45D}">
-      <dgm:prSet/>
-      <dgm:spPr/>
     </dgm:pt>
     <dgm:pt modelId="{4E597129-AAA8-4181-BA73-3C24BDD3D482}" type="pres">
       <dgm:prSet presAssocID="{CF34B9E8-0D95-446F-8ADF-D2CA7C5BB267}" presName="root" presStyleCnt="0">
@@ -5764,21 +5781,19 @@
     <dgm:cxn modelId="{BF2C5D5D-1A5E-47D9-9A47-05CB618F5ACB}" type="presOf" srcId="{86417A34-287C-4C34-AA7F-F2FEA7057D28}" destId="{E19F5303-F947-4696-B66C-BE24E618C240}" srcOrd="0" destOrd="2" presId="urn:microsoft.com/office/officeart/2018/5/layout/CenteredIconLabelDescriptionList"/>
     <dgm:cxn modelId="{0838715F-F39A-474A-BBD7-074230D1713C}" type="presOf" srcId="{9067FFC0-96B2-4092-B667-B25E8D9C6480}" destId="{6AA4C7FD-F067-4C73-9393-D17E50E722B7}" srcOrd="0" destOrd="1" presId="urn:microsoft.com/office/officeart/2018/5/layout/CenteredIconLabelDescriptionList"/>
     <dgm:cxn modelId="{2F8EAB69-4E09-4ECF-A019-98BB3095AC37}" type="presOf" srcId="{1257EAA2-1A85-4151-B5D6-988C836789A5}" destId="{49E37CD3-75C5-4D5D-B1F0-1206C5F3A77C}" srcOrd="0" destOrd="0" presId="urn:microsoft.com/office/officeart/2018/5/layout/CenteredIconLabelDescriptionList"/>
-    <dgm:cxn modelId="{7F3A5C57-3DD1-4353-B4ED-1B5C4D33AF7F}" type="presOf" srcId="{D11EA338-945A-44D3-98E3-C89499803C17}" destId="{466CB38D-4596-425E-8845-06E8F944ABA9}" srcOrd="0" destOrd="2" presId="urn:microsoft.com/office/officeart/2018/5/layout/CenteredIconLabelDescriptionList"/>
+    <dgm:cxn modelId="{7F3A5C57-3DD1-4353-B4ED-1B5C4D33AF7F}" type="presOf" srcId="{D11EA338-945A-44D3-98E3-C89499803C17}" destId="{466CB38D-4596-425E-8845-06E8F944ABA9}" srcOrd="0" destOrd="1" presId="urn:microsoft.com/office/officeart/2018/5/layout/CenteredIconLabelDescriptionList"/>
     <dgm:cxn modelId="{1595B785-76BB-4277-9F25-19C7131BDB68}" type="presOf" srcId="{D19C25A0-9EEC-40A6-A679-F3C327868DE9}" destId="{6AA4C7FD-F067-4C73-9393-D17E50E722B7}" srcOrd="0" destOrd="0" presId="urn:microsoft.com/office/officeart/2018/5/layout/CenteredIconLabelDescriptionList"/>
     <dgm:cxn modelId="{A8D69588-1BEA-432C-A130-7A9B6F59F877}" srcId="{CF34B9E8-0D95-446F-8ADF-D2CA7C5BB267}" destId="{2CB00A69-4EA1-48DE-A784-9EE674C6C72E}" srcOrd="1" destOrd="0" parTransId="{239E005D-F0FA-4A63-83F1-4B514CE45027}" sibTransId="{B289D248-4407-4359-9FC2-3E23DD9428AA}"/>
-    <dgm:cxn modelId="{4D3BBA89-12B2-4FFD-8A8D-3A2C2B4AD45D}" srcId="{119A2759-6D70-4BD3-90D2-FAED7979FA29}" destId="{94D44604-E14A-41D1-AD17-AA5FB6038B11}" srcOrd="1" destOrd="0" parTransId="{EDC4CDE3-4359-4C95-81FF-DA9C715EFF64}" sibTransId="{1A2A0CB0-8D94-418D-9A74-93CF913B96FD}"/>
     <dgm:cxn modelId="{5FC704A7-6E92-4D39-8FDF-57970F2030C1}" srcId="{CF34B9E8-0D95-446F-8ADF-D2CA7C5BB267}" destId="{1257EAA2-1A85-4151-B5D6-988C836789A5}" srcOrd="3" destOrd="0" parTransId="{E8FA999C-47A8-4AED-886D-79CF939A31D4}" sibTransId="{2695F48A-2259-4534-960F-B9F35D0093DE}"/>
-    <dgm:cxn modelId="{4DDF72AC-E685-4DF0-B52C-114E6CAE7EB9}" srcId="{119A2759-6D70-4BD3-90D2-FAED7979FA29}" destId="{EC98BE5B-75FF-4632-AA8C-83216101DB91}" srcOrd="3" destOrd="0" parTransId="{5FCBAD72-A3E1-43DB-A31C-E4BED5FC4BBD}" sibTransId="{D887F4BE-1F35-44CC-8658-1F33DD747917}"/>
+    <dgm:cxn modelId="{4DDF72AC-E685-4DF0-B52C-114E6CAE7EB9}" srcId="{119A2759-6D70-4BD3-90D2-FAED7979FA29}" destId="{EC98BE5B-75FF-4632-AA8C-83216101DB91}" srcOrd="2" destOrd="0" parTransId="{5FCBAD72-A3E1-43DB-A31C-E4BED5FC4BBD}" sibTransId="{D887F4BE-1F35-44CC-8658-1F33DD747917}"/>
     <dgm:cxn modelId="{1A7C09B1-8C65-4B52-A482-39401D43BDAE}" type="presOf" srcId="{5EB2ACE9-8FCA-4FF5-B9D8-2B9CC2EBA6FA}" destId="{466CB38D-4596-425E-8845-06E8F944ABA9}" srcOrd="0" destOrd="0" presId="urn:microsoft.com/office/officeart/2018/5/layout/CenteredIconLabelDescriptionList"/>
-    <dgm:cxn modelId="{203DC9B3-36C1-4E73-87AA-B43542F6132B}" type="presOf" srcId="{94D44604-E14A-41D1-AD17-AA5FB6038B11}" destId="{466CB38D-4596-425E-8845-06E8F944ABA9}" srcOrd="0" destOrd="1" presId="urn:microsoft.com/office/officeart/2018/5/layout/CenteredIconLabelDescriptionList"/>
     <dgm:cxn modelId="{EDB40EC0-D648-4E7F-9BF0-E32965499896}" srcId="{2CB00A69-4EA1-48DE-A784-9EE674C6C72E}" destId="{67F9DD58-A8E8-41B0-AB5C-87C56C1DAFE5}" srcOrd="0" destOrd="0" parTransId="{4F509ADB-59F2-4422-BFE6-7A9372EFB491}" sibTransId="{DD069506-3B3B-4DA7-99ED-A57335374520}"/>
     <dgm:cxn modelId="{D6C9BCD8-629B-437E-8169-E57255277374}" srcId="{1257EAA2-1A85-4151-B5D6-988C836789A5}" destId="{D19C25A0-9EEC-40A6-A679-F3C327868DE9}" srcOrd="0" destOrd="0" parTransId="{A91F68EE-184D-4380-8EB2-876F93522D56}" sibTransId="{BE12DC8F-A6DD-4829-867D-C6EB8CA89086}"/>
     <dgm:cxn modelId="{1CDE5FD9-1609-45FD-BCFD-844A1648F3A5}" srcId="{2CB00A69-4EA1-48DE-A784-9EE674C6C72E}" destId="{86417A34-287C-4C34-AA7F-F2FEA7057D28}" srcOrd="2" destOrd="0" parTransId="{261F14B5-294B-45A1-BBAE-900C39370FB7}" sibTransId="{0EE5CFE4-793D-4C24-AEA9-FA196BDE3517}"/>
     <dgm:cxn modelId="{1B12E0DF-0983-4AD7-8808-41BD55585432}" srcId="{119A2759-6D70-4BD3-90D2-FAED7979FA29}" destId="{5EB2ACE9-8FCA-4FF5-B9D8-2B9CC2EBA6FA}" srcOrd="0" destOrd="0" parTransId="{1794FF8A-C782-4EEE-9DE7-577DD175BBC6}" sibTransId="{CF1E94CF-19F1-49C2-9EDB-BCCB03A1D06B}"/>
-    <dgm:cxn modelId="{4B48FAE1-06E2-49AF-8E2E-F0A31A0570A4}" type="presOf" srcId="{EC98BE5B-75FF-4632-AA8C-83216101DB91}" destId="{466CB38D-4596-425E-8845-06E8F944ABA9}" srcOrd="0" destOrd="3" presId="urn:microsoft.com/office/officeart/2018/5/layout/CenteredIconLabelDescriptionList"/>
+    <dgm:cxn modelId="{4B48FAE1-06E2-49AF-8E2E-F0A31A0570A4}" type="presOf" srcId="{EC98BE5B-75FF-4632-AA8C-83216101DB91}" destId="{466CB38D-4596-425E-8845-06E8F944ABA9}" srcOrd="0" destOrd="2" presId="urn:microsoft.com/office/officeart/2018/5/layout/CenteredIconLabelDescriptionList"/>
     <dgm:cxn modelId="{8602C7E2-E5F2-46A8-94A3-9E73B8A2F0A2}" srcId="{1257EAA2-1A85-4151-B5D6-988C836789A5}" destId="{9067FFC0-96B2-4092-B667-B25E8D9C6480}" srcOrd="1" destOrd="0" parTransId="{D5BCF558-7A63-4B40-A712-4540BAB2771B}" sibTransId="{ED170FE4-4ADC-4819-AA25-6F7F9297E271}"/>
-    <dgm:cxn modelId="{69A26FF2-313C-4579-99FD-359EB7C6047D}" srcId="{119A2759-6D70-4BD3-90D2-FAED7979FA29}" destId="{D11EA338-945A-44D3-98E3-C89499803C17}" srcOrd="2" destOrd="0" parTransId="{EF10B0D5-78D0-4DB2-9FBD-32971C8139CA}" sibTransId="{B1982037-2D3F-43EE-9023-E0EE4799C95E}"/>
+    <dgm:cxn modelId="{69A26FF2-313C-4579-99FD-359EB7C6047D}" srcId="{119A2759-6D70-4BD3-90D2-FAED7979FA29}" destId="{D11EA338-945A-44D3-98E3-C89499803C17}" srcOrd="1" destOrd="0" parTransId="{EF10B0D5-78D0-4DB2-9FBD-32971C8139CA}" sibTransId="{B1982037-2D3F-43EE-9023-E0EE4799C95E}"/>
     <dgm:cxn modelId="{B55499FB-CF2E-4908-8ED7-F68FEC6E28BE}" srcId="{B200EB38-E407-4863-AEB8-2B10B66EEC29}" destId="{24B04112-8A61-412C-AF2D-446132DA3CA7}" srcOrd="1" destOrd="0" parTransId="{3B6022C5-321E-43D7-8423-7A8DCD75E0C4}" sibTransId="{DF323AD4-01E5-43F5-869E-A9C5A2E82D65}"/>
     <dgm:cxn modelId="{D6178BFD-94E7-479A-9E99-1725A5824400}" type="presOf" srcId="{B200EB38-E407-4863-AEB8-2B10B66EEC29}" destId="{09207C14-FEDF-4BA0-A90C-DA03B0F5AA8A}" srcOrd="0" destOrd="0" presId="urn:microsoft.com/office/officeart/2018/5/layout/CenteredIconLabelDescriptionList"/>
     <dgm:cxn modelId="{DA31F8FF-D6F7-4BE3-9BB8-0B97846B7012}" srcId="{CF34B9E8-0D95-446F-8ADF-D2CA7C5BB267}" destId="{119A2759-6D70-4BD3-90D2-FAED7979FA29}" srcOrd="0" destOrd="0" parTransId="{B2F0F082-B48B-4D36-92CD-92D1763C7B45}" sibTransId="{E9B67682-1926-4D8F-A77A-9E59917DA839}"/>
@@ -5821,6 +5836,215 @@
 </file>
 
 <file path=ppt/diagrams/data2.xml><?xml version="1.0" encoding="utf-8"?>
+<dgm:dataModel xmlns:dgm="http://schemas.openxmlformats.org/drawingml/2006/diagram" xmlns:a="http://schemas.openxmlformats.org/drawingml/2006/main">
+  <dgm:ptLst>
+    <dgm:pt modelId="{0666E984-BF97-4014-BFEE-A7DDF20049CA}" type="doc">
+      <dgm:prSet loTypeId="urn:microsoft.com/office/officeart/2005/8/layout/vList2" loCatId="list" qsTypeId="urn:microsoft.com/office/officeart/2005/8/quickstyle/simple4" qsCatId="simple" csTypeId="urn:microsoft.com/office/officeart/2005/8/colors/colorful5" csCatId="colorful" phldr="1"/>
+      <dgm:spPr/>
+      <dgm:t>
+        <a:bodyPr/>
+        <a:lstStyle/>
+        <a:p>
+          <a:endParaRPr lang="en-US"/>
+        </a:p>
+      </dgm:t>
+    </dgm:pt>
+    <dgm:pt modelId="{0F8C0AE0-162E-4366-A24E-2D62DADBF908}">
+      <dgm:prSet phldrT="[Text]"/>
+      <dgm:spPr/>
+      <dgm:t>
+        <a:bodyPr/>
+        <a:lstStyle/>
+        <a:p>
+          <a:r>
+            <a:rPr lang="en-US" dirty="0"/>
+            <a:t>R1: Does </a:t>
+          </a:r>
+          <a:r>
+            <a:rPr lang="en-US" i="1" dirty="0"/>
+            <a:t>race </a:t>
+          </a:r>
+          <a:r>
+            <a:rPr lang="en-US" dirty="0"/>
+            <a:t>or </a:t>
+          </a:r>
+          <a:r>
+            <a:rPr lang="en-US" i="1" dirty="0"/>
+            <a:t>sanity </a:t>
+          </a:r>
+          <a:r>
+            <a:rPr lang="en-US" dirty="0"/>
+            <a:t>explain the data set</a:t>
+          </a:r>
+        </a:p>
+      </dgm:t>
+    </dgm:pt>
+    <dgm:pt modelId="{64EC4BB2-B465-44D1-ACCF-2157AF7FDB93}" type="parTrans" cxnId="{FC107915-0C5E-46B0-ACAD-FEF501BCAFCE}">
+      <dgm:prSet/>
+      <dgm:spPr/>
+      <dgm:t>
+        <a:bodyPr/>
+        <a:lstStyle/>
+        <a:p>
+          <a:endParaRPr lang="en-US"/>
+        </a:p>
+      </dgm:t>
+    </dgm:pt>
+    <dgm:pt modelId="{AB922730-F7DA-4F08-99B3-67DE05702257}" type="sibTrans" cxnId="{FC107915-0C5E-46B0-ACAD-FEF501BCAFCE}">
+      <dgm:prSet/>
+      <dgm:spPr/>
+      <dgm:t>
+        <a:bodyPr/>
+        <a:lstStyle/>
+        <a:p>
+          <a:endParaRPr lang="en-US"/>
+        </a:p>
+      </dgm:t>
+    </dgm:pt>
+    <dgm:pt modelId="{D1961995-2867-46C6-B121-5A463587C7FB}">
+      <dgm:prSet/>
+      <dgm:spPr/>
+      <dgm:t>
+        <a:bodyPr/>
+        <a:lstStyle/>
+        <a:p>
+          <a:r>
+            <a:rPr lang="en-US"/>
+            <a:t>R2: Are these even-handed or racially profiled</a:t>
+          </a:r>
+          <a:endParaRPr lang="en-US" dirty="0"/>
+        </a:p>
+      </dgm:t>
+    </dgm:pt>
+    <dgm:pt modelId="{01A3524B-327C-4EA2-98B9-95AF1D1F4E34}" type="parTrans" cxnId="{02A675BF-C208-47A3-AF91-BD3A1607E5B9}">
+      <dgm:prSet/>
+      <dgm:spPr/>
+      <dgm:t>
+        <a:bodyPr/>
+        <a:lstStyle/>
+        <a:p>
+          <a:endParaRPr lang="en-US"/>
+        </a:p>
+      </dgm:t>
+    </dgm:pt>
+    <dgm:pt modelId="{D74C15B4-B36F-4830-AE8E-4E0DD683851D}" type="sibTrans" cxnId="{02A675BF-C208-47A3-AF91-BD3A1607E5B9}">
+      <dgm:prSet/>
+      <dgm:spPr/>
+      <dgm:t>
+        <a:bodyPr/>
+        <a:lstStyle/>
+        <a:p>
+          <a:endParaRPr lang="en-US"/>
+        </a:p>
+      </dgm:t>
+    </dgm:pt>
+    <dgm:pt modelId="{B926A45D-1ED8-4A93-B135-EF2767109D89}">
+      <dgm:prSet/>
+      <dgm:spPr/>
+      <dgm:t>
+        <a:bodyPr/>
+        <a:lstStyle/>
+        <a:p>
+          <a:r>
+            <a:rPr lang="en-US"/>
+            <a:t>R3: Does another variable better explain the data set</a:t>
+          </a:r>
+          <a:endParaRPr lang="en-US" dirty="0"/>
+        </a:p>
+      </dgm:t>
+    </dgm:pt>
+    <dgm:pt modelId="{52551324-1304-4860-A3EF-3179A971D42A}" type="parTrans" cxnId="{5A3A620D-2EA9-4F43-AD54-8F24EF18632D}">
+      <dgm:prSet/>
+      <dgm:spPr/>
+      <dgm:t>
+        <a:bodyPr/>
+        <a:lstStyle/>
+        <a:p>
+          <a:endParaRPr lang="en-US"/>
+        </a:p>
+      </dgm:t>
+    </dgm:pt>
+    <dgm:pt modelId="{E2535989-73FD-4177-9B0A-4EA346A5FF4E}" type="sibTrans" cxnId="{5A3A620D-2EA9-4F43-AD54-8F24EF18632D}">
+      <dgm:prSet/>
+      <dgm:spPr/>
+      <dgm:t>
+        <a:bodyPr/>
+        <a:lstStyle/>
+        <a:p>
+          <a:endParaRPr lang="en-US"/>
+        </a:p>
+      </dgm:t>
+    </dgm:pt>
+    <dgm:pt modelId="{28535768-F459-479B-9610-1F8A6B472CD3}" type="pres">
+      <dgm:prSet presAssocID="{0666E984-BF97-4014-BFEE-A7DDF20049CA}" presName="linear" presStyleCnt="0">
+        <dgm:presLayoutVars>
+          <dgm:animLvl val="lvl"/>
+          <dgm:resizeHandles val="exact"/>
+        </dgm:presLayoutVars>
+      </dgm:prSet>
+      <dgm:spPr/>
+    </dgm:pt>
+    <dgm:pt modelId="{16325796-EB48-4741-AE24-2FC15331C779}" type="pres">
+      <dgm:prSet presAssocID="{0F8C0AE0-162E-4366-A24E-2D62DADBF908}" presName="parentText" presStyleLbl="node1" presStyleIdx="0" presStyleCnt="3">
+        <dgm:presLayoutVars>
+          <dgm:chMax val="0"/>
+          <dgm:bulletEnabled val="1"/>
+        </dgm:presLayoutVars>
+      </dgm:prSet>
+      <dgm:spPr/>
+    </dgm:pt>
+    <dgm:pt modelId="{2EE34B08-2552-4355-ABA9-B0E2763584EF}" type="pres">
+      <dgm:prSet presAssocID="{AB922730-F7DA-4F08-99B3-67DE05702257}" presName="spacer" presStyleCnt="0"/>
+      <dgm:spPr/>
+    </dgm:pt>
+    <dgm:pt modelId="{33899ADC-83BF-4B01-9705-2306F97D8424}" type="pres">
+      <dgm:prSet presAssocID="{D1961995-2867-46C6-B121-5A463587C7FB}" presName="parentText" presStyleLbl="node1" presStyleIdx="1" presStyleCnt="3">
+        <dgm:presLayoutVars>
+          <dgm:chMax val="0"/>
+          <dgm:bulletEnabled val="1"/>
+        </dgm:presLayoutVars>
+      </dgm:prSet>
+      <dgm:spPr/>
+    </dgm:pt>
+    <dgm:pt modelId="{9AA7FF89-B27E-4012-B6B2-7FD75F746922}" type="pres">
+      <dgm:prSet presAssocID="{D74C15B4-B36F-4830-AE8E-4E0DD683851D}" presName="spacer" presStyleCnt="0"/>
+      <dgm:spPr/>
+    </dgm:pt>
+    <dgm:pt modelId="{78E39846-2EEE-4536-A18F-D9607272FF3B}" type="pres">
+      <dgm:prSet presAssocID="{B926A45D-1ED8-4A93-B135-EF2767109D89}" presName="parentText" presStyleLbl="node1" presStyleIdx="2" presStyleCnt="3">
+        <dgm:presLayoutVars>
+          <dgm:chMax val="0"/>
+          <dgm:bulletEnabled val="1"/>
+        </dgm:presLayoutVars>
+      </dgm:prSet>
+      <dgm:spPr/>
+    </dgm:pt>
+  </dgm:ptLst>
+  <dgm:cxnLst>
+    <dgm:cxn modelId="{5A3A620D-2EA9-4F43-AD54-8F24EF18632D}" srcId="{0666E984-BF97-4014-BFEE-A7DDF20049CA}" destId="{B926A45D-1ED8-4A93-B135-EF2767109D89}" srcOrd="2" destOrd="0" parTransId="{52551324-1304-4860-A3EF-3179A971D42A}" sibTransId="{E2535989-73FD-4177-9B0A-4EA346A5FF4E}"/>
+    <dgm:cxn modelId="{796B9E14-97FD-4C12-B963-797F38C2884D}" type="presOf" srcId="{0F8C0AE0-162E-4366-A24E-2D62DADBF908}" destId="{16325796-EB48-4741-AE24-2FC15331C779}" srcOrd="0" destOrd="0" presId="urn:microsoft.com/office/officeart/2005/8/layout/vList2"/>
+    <dgm:cxn modelId="{FC107915-0C5E-46B0-ACAD-FEF501BCAFCE}" srcId="{0666E984-BF97-4014-BFEE-A7DDF20049CA}" destId="{0F8C0AE0-162E-4366-A24E-2D62DADBF908}" srcOrd="0" destOrd="0" parTransId="{64EC4BB2-B465-44D1-ACCF-2157AF7FDB93}" sibTransId="{AB922730-F7DA-4F08-99B3-67DE05702257}"/>
+    <dgm:cxn modelId="{A336B82C-E24D-4836-B61E-10D8F27FF17D}" type="presOf" srcId="{B926A45D-1ED8-4A93-B135-EF2767109D89}" destId="{78E39846-2EEE-4536-A18F-D9607272FF3B}" srcOrd="0" destOrd="0" presId="urn:microsoft.com/office/officeart/2005/8/layout/vList2"/>
+    <dgm:cxn modelId="{6CD2333B-8848-44EB-80AC-D66ECB8C3A78}" type="presOf" srcId="{0666E984-BF97-4014-BFEE-A7DDF20049CA}" destId="{28535768-F459-479B-9610-1F8A6B472CD3}" srcOrd="0" destOrd="0" presId="urn:microsoft.com/office/officeart/2005/8/layout/vList2"/>
+    <dgm:cxn modelId="{FEB5ED9E-41D5-41E0-9B70-F178BF1B621F}" type="presOf" srcId="{D1961995-2867-46C6-B121-5A463587C7FB}" destId="{33899ADC-83BF-4B01-9705-2306F97D8424}" srcOrd="0" destOrd="0" presId="urn:microsoft.com/office/officeart/2005/8/layout/vList2"/>
+    <dgm:cxn modelId="{02A675BF-C208-47A3-AF91-BD3A1607E5B9}" srcId="{0666E984-BF97-4014-BFEE-A7DDF20049CA}" destId="{D1961995-2867-46C6-B121-5A463587C7FB}" srcOrd="1" destOrd="0" parTransId="{01A3524B-327C-4EA2-98B9-95AF1D1F4E34}" sibTransId="{D74C15B4-B36F-4830-AE8E-4E0DD683851D}"/>
+    <dgm:cxn modelId="{B633352C-B50B-47BA-82EB-A768946C1D1A}" type="presParOf" srcId="{28535768-F459-479B-9610-1F8A6B472CD3}" destId="{16325796-EB48-4741-AE24-2FC15331C779}" srcOrd="0" destOrd="0" presId="urn:microsoft.com/office/officeart/2005/8/layout/vList2"/>
+    <dgm:cxn modelId="{E3B3E66E-D651-42FD-A646-4003BB7403DE}" type="presParOf" srcId="{28535768-F459-479B-9610-1F8A6B472CD3}" destId="{2EE34B08-2552-4355-ABA9-B0E2763584EF}" srcOrd="1" destOrd="0" presId="urn:microsoft.com/office/officeart/2005/8/layout/vList2"/>
+    <dgm:cxn modelId="{52495E2D-B46C-4D0F-B976-B9BBDB3C2CAD}" type="presParOf" srcId="{28535768-F459-479B-9610-1F8A6B472CD3}" destId="{33899ADC-83BF-4B01-9705-2306F97D8424}" srcOrd="2" destOrd="0" presId="urn:microsoft.com/office/officeart/2005/8/layout/vList2"/>
+    <dgm:cxn modelId="{BD8044BE-320E-4C85-91EF-EFDE347465BC}" type="presParOf" srcId="{28535768-F459-479B-9610-1F8A6B472CD3}" destId="{9AA7FF89-B27E-4012-B6B2-7FD75F746922}" srcOrd="3" destOrd="0" presId="urn:microsoft.com/office/officeart/2005/8/layout/vList2"/>
+    <dgm:cxn modelId="{E50E9FEB-2A3B-4C95-B60E-530F97412813}" type="presParOf" srcId="{28535768-F459-479B-9610-1F8A6B472CD3}" destId="{78E39846-2EEE-4536-A18F-D9607272FF3B}" srcOrd="4" destOrd="0" presId="urn:microsoft.com/office/officeart/2005/8/layout/vList2"/>
+  </dgm:cxnLst>
+  <dgm:bg/>
+  <dgm:whole/>
+  <dgm:extLst>
+    <a:ext uri="http://schemas.microsoft.com/office/drawing/2008/diagram">
+      <dsp:dataModelExt xmlns:dsp="http://schemas.microsoft.com/office/drawing/2008/diagram" relId="rId7" minVer="http://schemas.openxmlformats.org/drawingml/2006/diagram"/>
+    </a:ext>
+  </dgm:extLst>
+</dgm:dataModel>
+</file>
+
+<file path=ppt/diagrams/data3.xml><?xml version="1.0" encoding="utf-8"?>
 <dgm:dataModel xmlns:dgm="http://schemas.openxmlformats.org/drawingml/2006/diagram" xmlns:a="http://schemas.openxmlformats.org/drawingml/2006/main">
   <dgm:ptLst>
     <dgm:pt modelId="{BD492086-FD5E-41DF-8CB6-1E86B385FCD0}" type="doc">
@@ -6199,215 +6423,6 @@
 </dgm:dataModel>
 </file>
 
-<file path=ppt/diagrams/data3.xml><?xml version="1.0" encoding="utf-8"?>
-<dgm:dataModel xmlns:dgm="http://schemas.openxmlformats.org/drawingml/2006/diagram" xmlns:a="http://schemas.openxmlformats.org/drawingml/2006/main">
-  <dgm:ptLst>
-    <dgm:pt modelId="{0666E984-BF97-4014-BFEE-A7DDF20049CA}" type="doc">
-      <dgm:prSet loTypeId="urn:microsoft.com/office/officeart/2005/8/layout/vList2" loCatId="list" qsTypeId="urn:microsoft.com/office/officeart/2005/8/quickstyle/simple4" qsCatId="simple" csTypeId="urn:microsoft.com/office/officeart/2005/8/colors/colorful5" csCatId="colorful" phldr="1"/>
-      <dgm:spPr/>
-      <dgm:t>
-        <a:bodyPr/>
-        <a:lstStyle/>
-        <a:p>
-          <a:endParaRPr lang="en-US"/>
-        </a:p>
-      </dgm:t>
-    </dgm:pt>
-    <dgm:pt modelId="{0F8C0AE0-162E-4366-A24E-2D62DADBF908}">
-      <dgm:prSet phldrT="[Text]"/>
-      <dgm:spPr/>
-      <dgm:t>
-        <a:bodyPr/>
-        <a:lstStyle/>
-        <a:p>
-          <a:r>
-            <a:rPr lang="en-US" dirty="0"/>
-            <a:t>R1: Does </a:t>
-          </a:r>
-          <a:r>
-            <a:rPr lang="en-US" i="1" dirty="0"/>
-            <a:t>race </a:t>
-          </a:r>
-          <a:r>
-            <a:rPr lang="en-US" dirty="0"/>
-            <a:t>or </a:t>
-          </a:r>
-          <a:r>
-            <a:rPr lang="en-US" i="1" dirty="0"/>
-            <a:t>sanity </a:t>
-          </a:r>
-          <a:r>
-            <a:rPr lang="en-US" dirty="0"/>
-            <a:t>explain the data set</a:t>
-          </a:r>
-        </a:p>
-      </dgm:t>
-    </dgm:pt>
-    <dgm:pt modelId="{64EC4BB2-B465-44D1-ACCF-2157AF7FDB93}" type="parTrans" cxnId="{FC107915-0C5E-46B0-ACAD-FEF501BCAFCE}">
-      <dgm:prSet/>
-      <dgm:spPr/>
-      <dgm:t>
-        <a:bodyPr/>
-        <a:lstStyle/>
-        <a:p>
-          <a:endParaRPr lang="en-US"/>
-        </a:p>
-      </dgm:t>
-    </dgm:pt>
-    <dgm:pt modelId="{AB922730-F7DA-4F08-99B3-67DE05702257}" type="sibTrans" cxnId="{FC107915-0C5E-46B0-ACAD-FEF501BCAFCE}">
-      <dgm:prSet/>
-      <dgm:spPr/>
-      <dgm:t>
-        <a:bodyPr/>
-        <a:lstStyle/>
-        <a:p>
-          <a:endParaRPr lang="en-US"/>
-        </a:p>
-      </dgm:t>
-    </dgm:pt>
-    <dgm:pt modelId="{D1961995-2867-46C6-B121-5A463587C7FB}">
-      <dgm:prSet/>
-      <dgm:spPr/>
-      <dgm:t>
-        <a:bodyPr/>
-        <a:lstStyle/>
-        <a:p>
-          <a:r>
-            <a:rPr lang="en-US"/>
-            <a:t>R2: Are these even-handed or racially profiled</a:t>
-          </a:r>
-          <a:endParaRPr lang="en-US" dirty="0"/>
-        </a:p>
-      </dgm:t>
-    </dgm:pt>
-    <dgm:pt modelId="{01A3524B-327C-4EA2-98B9-95AF1D1F4E34}" type="parTrans" cxnId="{02A675BF-C208-47A3-AF91-BD3A1607E5B9}">
-      <dgm:prSet/>
-      <dgm:spPr/>
-      <dgm:t>
-        <a:bodyPr/>
-        <a:lstStyle/>
-        <a:p>
-          <a:endParaRPr lang="en-US"/>
-        </a:p>
-      </dgm:t>
-    </dgm:pt>
-    <dgm:pt modelId="{D74C15B4-B36F-4830-AE8E-4E0DD683851D}" type="sibTrans" cxnId="{02A675BF-C208-47A3-AF91-BD3A1607E5B9}">
-      <dgm:prSet/>
-      <dgm:spPr/>
-      <dgm:t>
-        <a:bodyPr/>
-        <a:lstStyle/>
-        <a:p>
-          <a:endParaRPr lang="en-US"/>
-        </a:p>
-      </dgm:t>
-    </dgm:pt>
-    <dgm:pt modelId="{B926A45D-1ED8-4A93-B135-EF2767109D89}">
-      <dgm:prSet/>
-      <dgm:spPr/>
-      <dgm:t>
-        <a:bodyPr/>
-        <a:lstStyle/>
-        <a:p>
-          <a:r>
-            <a:rPr lang="en-US"/>
-            <a:t>R3: Does another variable better explain the data set</a:t>
-          </a:r>
-          <a:endParaRPr lang="en-US" dirty="0"/>
-        </a:p>
-      </dgm:t>
-    </dgm:pt>
-    <dgm:pt modelId="{52551324-1304-4860-A3EF-3179A971D42A}" type="parTrans" cxnId="{5A3A620D-2EA9-4F43-AD54-8F24EF18632D}">
-      <dgm:prSet/>
-      <dgm:spPr/>
-      <dgm:t>
-        <a:bodyPr/>
-        <a:lstStyle/>
-        <a:p>
-          <a:endParaRPr lang="en-US"/>
-        </a:p>
-      </dgm:t>
-    </dgm:pt>
-    <dgm:pt modelId="{E2535989-73FD-4177-9B0A-4EA346A5FF4E}" type="sibTrans" cxnId="{5A3A620D-2EA9-4F43-AD54-8F24EF18632D}">
-      <dgm:prSet/>
-      <dgm:spPr/>
-      <dgm:t>
-        <a:bodyPr/>
-        <a:lstStyle/>
-        <a:p>
-          <a:endParaRPr lang="en-US"/>
-        </a:p>
-      </dgm:t>
-    </dgm:pt>
-    <dgm:pt modelId="{28535768-F459-479B-9610-1F8A6B472CD3}" type="pres">
-      <dgm:prSet presAssocID="{0666E984-BF97-4014-BFEE-A7DDF20049CA}" presName="linear" presStyleCnt="0">
-        <dgm:presLayoutVars>
-          <dgm:animLvl val="lvl"/>
-          <dgm:resizeHandles val="exact"/>
-        </dgm:presLayoutVars>
-      </dgm:prSet>
-      <dgm:spPr/>
-    </dgm:pt>
-    <dgm:pt modelId="{16325796-EB48-4741-AE24-2FC15331C779}" type="pres">
-      <dgm:prSet presAssocID="{0F8C0AE0-162E-4366-A24E-2D62DADBF908}" presName="parentText" presStyleLbl="node1" presStyleIdx="0" presStyleCnt="3">
-        <dgm:presLayoutVars>
-          <dgm:chMax val="0"/>
-          <dgm:bulletEnabled val="1"/>
-        </dgm:presLayoutVars>
-      </dgm:prSet>
-      <dgm:spPr/>
-    </dgm:pt>
-    <dgm:pt modelId="{2EE34B08-2552-4355-ABA9-B0E2763584EF}" type="pres">
-      <dgm:prSet presAssocID="{AB922730-F7DA-4F08-99B3-67DE05702257}" presName="spacer" presStyleCnt="0"/>
-      <dgm:spPr/>
-    </dgm:pt>
-    <dgm:pt modelId="{33899ADC-83BF-4B01-9705-2306F97D8424}" type="pres">
-      <dgm:prSet presAssocID="{D1961995-2867-46C6-B121-5A463587C7FB}" presName="parentText" presStyleLbl="node1" presStyleIdx="1" presStyleCnt="3">
-        <dgm:presLayoutVars>
-          <dgm:chMax val="0"/>
-          <dgm:bulletEnabled val="1"/>
-        </dgm:presLayoutVars>
-      </dgm:prSet>
-      <dgm:spPr/>
-    </dgm:pt>
-    <dgm:pt modelId="{9AA7FF89-B27E-4012-B6B2-7FD75F746922}" type="pres">
-      <dgm:prSet presAssocID="{D74C15B4-B36F-4830-AE8E-4E0DD683851D}" presName="spacer" presStyleCnt="0"/>
-      <dgm:spPr/>
-    </dgm:pt>
-    <dgm:pt modelId="{78E39846-2EEE-4536-A18F-D9607272FF3B}" type="pres">
-      <dgm:prSet presAssocID="{B926A45D-1ED8-4A93-B135-EF2767109D89}" presName="parentText" presStyleLbl="node1" presStyleIdx="2" presStyleCnt="3">
-        <dgm:presLayoutVars>
-          <dgm:chMax val="0"/>
-          <dgm:bulletEnabled val="1"/>
-        </dgm:presLayoutVars>
-      </dgm:prSet>
-      <dgm:spPr/>
-    </dgm:pt>
-  </dgm:ptLst>
-  <dgm:cxnLst>
-    <dgm:cxn modelId="{5A3A620D-2EA9-4F43-AD54-8F24EF18632D}" srcId="{0666E984-BF97-4014-BFEE-A7DDF20049CA}" destId="{B926A45D-1ED8-4A93-B135-EF2767109D89}" srcOrd="2" destOrd="0" parTransId="{52551324-1304-4860-A3EF-3179A971D42A}" sibTransId="{E2535989-73FD-4177-9B0A-4EA346A5FF4E}"/>
-    <dgm:cxn modelId="{796B9E14-97FD-4C12-B963-797F38C2884D}" type="presOf" srcId="{0F8C0AE0-162E-4366-A24E-2D62DADBF908}" destId="{16325796-EB48-4741-AE24-2FC15331C779}" srcOrd="0" destOrd="0" presId="urn:microsoft.com/office/officeart/2005/8/layout/vList2"/>
-    <dgm:cxn modelId="{FC107915-0C5E-46B0-ACAD-FEF501BCAFCE}" srcId="{0666E984-BF97-4014-BFEE-A7DDF20049CA}" destId="{0F8C0AE0-162E-4366-A24E-2D62DADBF908}" srcOrd="0" destOrd="0" parTransId="{64EC4BB2-B465-44D1-ACCF-2157AF7FDB93}" sibTransId="{AB922730-F7DA-4F08-99B3-67DE05702257}"/>
-    <dgm:cxn modelId="{A336B82C-E24D-4836-B61E-10D8F27FF17D}" type="presOf" srcId="{B926A45D-1ED8-4A93-B135-EF2767109D89}" destId="{78E39846-2EEE-4536-A18F-D9607272FF3B}" srcOrd="0" destOrd="0" presId="urn:microsoft.com/office/officeart/2005/8/layout/vList2"/>
-    <dgm:cxn modelId="{6CD2333B-8848-44EB-80AC-D66ECB8C3A78}" type="presOf" srcId="{0666E984-BF97-4014-BFEE-A7DDF20049CA}" destId="{28535768-F459-479B-9610-1F8A6B472CD3}" srcOrd="0" destOrd="0" presId="urn:microsoft.com/office/officeart/2005/8/layout/vList2"/>
-    <dgm:cxn modelId="{FEB5ED9E-41D5-41E0-9B70-F178BF1B621F}" type="presOf" srcId="{D1961995-2867-46C6-B121-5A463587C7FB}" destId="{33899ADC-83BF-4B01-9705-2306F97D8424}" srcOrd="0" destOrd="0" presId="urn:microsoft.com/office/officeart/2005/8/layout/vList2"/>
-    <dgm:cxn modelId="{02A675BF-C208-47A3-AF91-BD3A1607E5B9}" srcId="{0666E984-BF97-4014-BFEE-A7DDF20049CA}" destId="{D1961995-2867-46C6-B121-5A463587C7FB}" srcOrd="1" destOrd="0" parTransId="{01A3524B-327C-4EA2-98B9-95AF1D1F4E34}" sibTransId="{D74C15B4-B36F-4830-AE8E-4E0DD683851D}"/>
-    <dgm:cxn modelId="{B633352C-B50B-47BA-82EB-A768946C1D1A}" type="presParOf" srcId="{28535768-F459-479B-9610-1F8A6B472CD3}" destId="{16325796-EB48-4741-AE24-2FC15331C779}" srcOrd="0" destOrd="0" presId="urn:microsoft.com/office/officeart/2005/8/layout/vList2"/>
-    <dgm:cxn modelId="{E3B3E66E-D651-42FD-A646-4003BB7403DE}" type="presParOf" srcId="{28535768-F459-479B-9610-1F8A6B472CD3}" destId="{2EE34B08-2552-4355-ABA9-B0E2763584EF}" srcOrd="1" destOrd="0" presId="urn:microsoft.com/office/officeart/2005/8/layout/vList2"/>
-    <dgm:cxn modelId="{52495E2D-B46C-4D0F-B976-B9BBDB3C2CAD}" type="presParOf" srcId="{28535768-F459-479B-9610-1F8A6B472CD3}" destId="{33899ADC-83BF-4B01-9705-2306F97D8424}" srcOrd="2" destOrd="0" presId="urn:microsoft.com/office/officeart/2005/8/layout/vList2"/>
-    <dgm:cxn modelId="{BD8044BE-320E-4C85-91EF-EFDE347465BC}" type="presParOf" srcId="{28535768-F459-479B-9610-1F8A6B472CD3}" destId="{9AA7FF89-B27E-4012-B6B2-7FD75F746922}" srcOrd="3" destOrd="0" presId="urn:microsoft.com/office/officeart/2005/8/layout/vList2"/>
-    <dgm:cxn modelId="{E50E9FEB-2A3B-4C95-B60E-530F97412813}" type="presParOf" srcId="{28535768-F459-479B-9610-1F8A6B472CD3}" destId="{78E39846-2EEE-4536-A18F-D9607272FF3B}" srcOrd="4" destOrd="0" presId="urn:microsoft.com/office/officeart/2005/8/layout/vList2"/>
-  </dgm:cxnLst>
-  <dgm:bg/>
-  <dgm:whole/>
-  <dgm:extLst>
-    <a:ext uri="http://schemas.microsoft.com/office/drawing/2008/diagram">
-      <dsp:dataModelExt xmlns:dsp="http://schemas.microsoft.com/office/drawing/2008/diagram" relId="rId6" minVer="http://schemas.openxmlformats.org/drawingml/2006/diagram"/>
-    </a:ext>
-  </dgm:extLst>
-</dgm:dataModel>
-</file>
-
 <file path=ppt/diagrams/data4.xml><?xml version="1.0" encoding="utf-8"?>
 <dgm:dataModel xmlns:dgm="http://schemas.openxmlformats.org/drawingml/2006/diagram" xmlns:a="http://schemas.openxmlformats.org/drawingml/2006/main">
   <dgm:ptLst>
@@ -6500,7 +6515,7 @@
             </a:buClr>
           </a:pPr>
           <a:r>
-            <a:rPr lang="en-US" b="0" cap="none" spc="0">
+            <a:rPr lang="en-US" b="0" cap="none" spc="0" dirty="0">
               <a:effectLst>
                 <a:outerShdw blurRad="38100" dist="19050" dir="2700000" algn="tl" rotWithShape="0">
                   <a:schemeClr val="dk1">
@@ -6680,7 +6695,7 @@
         <a:lstStyle/>
         <a:p>
           <a:r>
-            <a:rPr lang="en-US" b="0" cap="none" spc="0">
+            <a:rPr lang="en-US" b="0" cap="none" spc="0" dirty="0">
               <a:effectLst>
                 <a:outerShdw blurRad="38100" dist="19050" dir="2700000" algn="tl" rotWithShape="0">
                   <a:schemeClr val="dk1">
@@ -6740,7 +6755,7 @@
         <a:lstStyle/>
         <a:p>
           <a:r>
-            <a:rPr lang="en-US" b="0" cap="none" spc="0">
+            <a:rPr lang="en-US" b="0" cap="none" spc="0" dirty="0">
               <a:effectLst>
                 <a:outerShdw blurRad="38100" dist="19050" dir="2700000" algn="tl" rotWithShape="0">
                   <a:schemeClr val="dk1">
@@ -7067,6 +7082,57 @@
     <dgm:pt modelId="{EE3AEA5A-3C7D-4017-987D-31294BC13037}" type="sibTrans" cxnId="{5BA98985-A97D-4AF2-B801-E948C3AC9901}">
       <dgm:prSet/>
       <dgm:spPr/>
+      <dgm:t>
+        <a:bodyPr/>
+        <a:lstStyle/>
+        <a:p>
+          <a:endParaRPr lang="en-US"/>
+        </a:p>
+      </dgm:t>
+    </dgm:pt>
+    <dgm:pt modelId="{942511DF-0417-42A5-8FBC-5AB4CE35D70F}">
+      <dgm:prSet/>
+      <dgm:spPr/>
+      <dgm:t>
+        <a:bodyPr/>
+        <a:lstStyle/>
+        <a:p>
+          <a:r>
+            <a:rPr lang="en-US" b="0" cap="none" spc="0" dirty="0">
+              <a:effectLst>
+                <a:outerShdw blurRad="38100" dist="19050" dir="2700000" algn="tl" rotWithShape="0">
+                  <a:schemeClr val="dk1">
+                    <a:alpha val="40000"/>
+                  </a:schemeClr>
+                </a:outerShdw>
+              </a:effectLst>
+            </a:rPr>
+            <a:t>Armed</a:t>
+          </a:r>
+        </a:p>
+      </dgm:t>
+    </dgm:pt>
+    <dgm:pt modelId="{CA8320CB-FBA8-4206-82F7-AAD82898BF8F}" type="parTrans" cxnId="{4E43DBEC-8E99-4557-AD83-9A2AB112DBF6}">
+      <dgm:prSet/>
+      <dgm:spPr/>
+      <dgm:t>
+        <a:bodyPr/>
+        <a:lstStyle/>
+        <a:p>
+          <a:endParaRPr lang="en-US"/>
+        </a:p>
+      </dgm:t>
+    </dgm:pt>
+    <dgm:pt modelId="{3726E3EA-008E-41E3-A00B-7DD04103E893}" type="sibTrans" cxnId="{4E43DBEC-8E99-4557-AD83-9A2AB112DBF6}">
+      <dgm:prSet/>
+      <dgm:spPr/>
+      <dgm:t>
+        <a:bodyPr/>
+        <a:lstStyle/>
+        <a:p>
+          <a:endParaRPr lang="en-US"/>
+        </a:p>
+      </dgm:t>
     </dgm:pt>
     <dgm:pt modelId="{F7409418-8956-42F9-B876-8C1C33AE9BEB}" type="pres">
       <dgm:prSet presAssocID="{2E95F486-7584-4CDA-A4B3-8E298868EB11}" presName="hierChild1" presStyleCnt="0">
@@ -7142,7 +7208,7 @@
       <dgm:spPr/>
     </dgm:pt>
     <dgm:pt modelId="{4F144763-FDBB-4E9F-BB72-BEE4BF333CFF}" type="pres">
-      <dgm:prSet presAssocID="{9C871CEE-38FA-42DC-9253-0FAF150AFA71}" presName="Name37" presStyleLbl="parChTrans1D3" presStyleIdx="0" presStyleCnt="7"/>
+      <dgm:prSet presAssocID="{9C871CEE-38FA-42DC-9253-0FAF150AFA71}" presName="Name37" presStyleLbl="parChTrans1D3" presStyleIdx="0" presStyleCnt="6"/>
       <dgm:spPr/>
     </dgm:pt>
     <dgm:pt modelId="{442C1A1F-7F16-4BD9-AFAF-F2978E0FA677}" type="pres">
@@ -7158,7 +7224,7 @@
       <dgm:spPr/>
     </dgm:pt>
     <dgm:pt modelId="{7B6B7DF4-4B26-4E03-A10C-5B891E1EE787}" type="pres">
-      <dgm:prSet presAssocID="{FC777D12-E577-4399-82FD-C6C817A8EFEC}" presName="rootText" presStyleLbl="node3" presStyleIdx="0" presStyleCnt="7">
+      <dgm:prSet presAssocID="{FC777D12-E577-4399-82FD-C6C817A8EFEC}" presName="rootText" presStyleLbl="node3" presStyleIdx="0" presStyleCnt="6">
         <dgm:presLayoutVars>
           <dgm:chPref val="3"/>
         </dgm:presLayoutVars>
@@ -7166,19 +7232,15 @@
       <dgm:spPr/>
     </dgm:pt>
     <dgm:pt modelId="{F0269B35-B088-4F98-BB11-9E9EE718CCCA}" type="pres">
-      <dgm:prSet presAssocID="{FC777D12-E577-4399-82FD-C6C817A8EFEC}" presName="rootConnector" presStyleLbl="node3" presStyleIdx="0" presStyleCnt="7"/>
+      <dgm:prSet presAssocID="{FC777D12-E577-4399-82FD-C6C817A8EFEC}" presName="rootConnector" presStyleLbl="node3" presStyleIdx="0" presStyleCnt="6"/>
       <dgm:spPr/>
     </dgm:pt>
     <dgm:pt modelId="{B1D524CB-CCB2-4516-834E-4EC029D53A36}" type="pres">
       <dgm:prSet presAssocID="{FC777D12-E577-4399-82FD-C6C817A8EFEC}" presName="hierChild4" presStyleCnt="0"/>
       <dgm:spPr/>
     </dgm:pt>
-    <dgm:pt modelId="{209A61E0-A88E-4414-A416-58C8AED5B3CB}" type="pres">
-      <dgm:prSet presAssocID="{FC777D12-E577-4399-82FD-C6C817A8EFEC}" presName="hierChild5" presStyleCnt="0"/>
-      <dgm:spPr/>
-    </dgm:pt>
     <dgm:pt modelId="{23BD0FEA-8822-44C4-AF50-1DF759BE405D}" type="pres">
-      <dgm:prSet presAssocID="{8011614D-0581-4DDB-9B61-5EC6EC2255BD}" presName="Name37" presStyleLbl="parChTrans1D3" presStyleIdx="1" presStyleCnt="7"/>
+      <dgm:prSet presAssocID="{8011614D-0581-4DDB-9B61-5EC6EC2255BD}" presName="Name37" presStyleLbl="parChTrans1D4" presStyleIdx="0" presStyleCnt="2"/>
       <dgm:spPr/>
     </dgm:pt>
     <dgm:pt modelId="{BAAEA284-EE73-4A92-A4B7-5D0315F5DF26}" type="pres">
@@ -7194,7 +7256,7 @@
       <dgm:spPr/>
     </dgm:pt>
     <dgm:pt modelId="{0012B30E-2FF1-4456-9713-F5A2B2C80ECC}" type="pres">
-      <dgm:prSet presAssocID="{D56890D2-BB72-4F91-AFD8-67DCDDA821C9}" presName="rootText" presStyleLbl="node3" presStyleIdx="1" presStyleCnt="7">
+      <dgm:prSet presAssocID="{D56890D2-BB72-4F91-AFD8-67DCDDA821C9}" presName="rootText" presStyleLbl="node4" presStyleIdx="0" presStyleCnt="2">
         <dgm:presLayoutVars>
           <dgm:chPref val="3"/>
         </dgm:presLayoutVars>
@@ -7202,7 +7264,7 @@
       <dgm:spPr/>
     </dgm:pt>
     <dgm:pt modelId="{4326406E-2E46-4301-895B-0EFCE5785521}" type="pres">
-      <dgm:prSet presAssocID="{D56890D2-BB72-4F91-AFD8-67DCDDA821C9}" presName="rootConnector" presStyleLbl="node3" presStyleIdx="1" presStyleCnt="7"/>
+      <dgm:prSet presAssocID="{D56890D2-BB72-4F91-AFD8-67DCDDA821C9}" presName="rootConnector" presStyleLbl="node4" presStyleIdx="0" presStyleCnt="2"/>
       <dgm:spPr/>
     </dgm:pt>
     <dgm:pt modelId="{4CEB8EE1-716F-4797-9D48-328BC1132D63}" type="pres">
@@ -7213,8 +7275,12 @@
       <dgm:prSet presAssocID="{D56890D2-BB72-4F91-AFD8-67DCDDA821C9}" presName="hierChild5" presStyleCnt="0"/>
       <dgm:spPr/>
     </dgm:pt>
+    <dgm:pt modelId="{209A61E0-A88E-4414-A416-58C8AED5B3CB}" type="pres">
+      <dgm:prSet presAssocID="{FC777D12-E577-4399-82FD-C6C817A8EFEC}" presName="hierChild5" presStyleCnt="0"/>
+      <dgm:spPr/>
+    </dgm:pt>
     <dgm:pt modelId="{81EC512A-78D1-4C12-9CF1-C4989A7DA88A}" type="pres">
-      <dgm:prSet presAssocID="{E04184D3-7356-43E7-8A30-02FEF356A49C}" presName="Name37" presStyleLbl="parChTrans1D3" presStyleIdx="2" presStyleCnt="7"/>
+      <dgm:prSet presAssocID="{E04184D3-7356-43E7-8A30-02FEF356A49C}" presName="Name37" presStyleLbl="parChTrans1D3" presStyleIdx="1" presStyleCnt="6"/>
       <dgm:spPr/>
     </dgm:pt>
     <dgm:pt modelId="{5DE9B230-E249-42EF-93BC-4317B622CB1A}" type="pres">
@@ -7230,7 +7296,7 @@
       <dgm:spPr/>
     </dgm:pt>
     <dgm:pt modelId="{6326D2C0-BE69-43B3-B493-29A716D853C8}" type="pres">
-      <dgm:prSet presAssocID="{10161257-191E-4115-887E-F0F26C7090ED}" presName="rootText" presStyleLbl="node3" presStyleIdx="2" presStyleCnt="7">
+      <dgm:prSet presAssocID="{10161257-191E-4115-887E-F0F26C7090ED}" presName="rootText" presStyleLbl="node3" presStyleIdx="1" presStyleCnt="6">
         <dgm:presLayoutVars>
           <dgm:chPref val="3"/>
         </dgm:presLayoutVars>
@@ -7238,7 +7304,7 @@
       <dgm:spPr/>
     </dgm:pt>
     <dgm:pt modelId="{242CD695-94B8-460B-84F9-25B68F8A8138}" type="pres">
-      <dgm:prSet presAssocID="{10161257-191E-4115-887E-F0F26C7090ED}" presName="rootConnector" presStyleLbl="node3" presStyleIdx="2" presStyleCnt="7"/>
+      <dgm:prSet presAssocID="{10161257-191E-4115-887E-F0F26C7090ED}" presName="rootConnector" presStyleLbl="node3" presStyleIdx="1" presStyleCnt="6"/>
       <dgm:spPr/>
     </dgm:pt>
     <dgm:pt modelId="{33834322-73A5-447B-99F0-882A7B3910C1}" type="pres">
@@ -7286,7 +7352,7 @@
       <dgm:spPr/>
     </dgm:pt>
     <dgm:pt modelId="{F634F148-07D6-4F28-BF76-A0A2EB2B5E1C}" type="pres">
-      <dgm:prSet presAssocID="{239A760F-AFEF-40B0-874B-88125FB5546C}" presName="Name37" presStyleLbl="parChTrans1D3" presStyleIdx="3" presStyleCnt="7"/>
+      <dgm:prSet presAssocID="{239A760F-AFEF-40B0-874B-88125FB5546C}" presName="Name37" presStyleLbl="parChTrans1D3" presStyleIdx="2" presStyleCnt="6"/>
       <dgm:spPr/>
     </dgm:pt>
     <dgm:pt modelId="{D990F5CD-04D8-4C13-AEC0-2DCABBE3BCBE}" type="pres">
@@ -7302,7 +7368,7 @@
       <dgm:spPr/>
     </dgm:pt>
     <dgm:pt modelId="{3B622BBF-F960-416C-A60A-900170819CE0}" type="pres">
-      <dgm:prSet presAssocID="{59B6B4E6-75AC-4804-AC87-12567DACCF42}" presName="rootText" presStyleLbl="node3" presStyleIdx="3" presStyleCnt="7">
+      <dgm:prSet presAssocID="{59B6B4E6-75AC-4804-AC87-12567DACCF42}" presName="rootText" presStyleLbl="node3" presStyleIdx="2" presStyleCnt="6">
         <dgm:presLayoutVars>
           <dgm:chPref val="3"/>
         </dgm:presLayoutVars>
@@ -7310,7 +7376,7 @@
       <dgm:spPr/>
     </dgm:pt>
     <dgm:pt modelId="{500504BC-050E-42B2-AF06-A9E7B65086BC}" type="pres">
-      <dgm:prSet presAssocID="{59B6B4E6-75AC-4804-AC87-12567DACCF42}" presName="rootConnector" presStyleLbl="node3" presStyleIdx="3" presStyleCnt="7"/>
+      <dgm:prSet presAssocID="{59B6B4E6-75AC-4804-AC87-12567DACCF42}" presName="rootConnector" presStyleLbl="node3" presStyleIdx="2" presStyleCnt="6"/>
       <dgm:spPr/>
     </dgm:pt>
     <dgm:pt modelId="{061EFAAF-1F9E-4BAE-AB7D-551988D90781}" type="pres">
@@ -7321,8 +7387,40 @@
       <dgm:prSet presAssocID="{59B6B4E6-75AC-4804-AC87-12567DACCF42}" presName="hierChild5" presStyleCnt="0"/>
       <dgm:spPr/>
     </dgm:pt>
+    <dgm:pt modelId="{9ACF3FF1-15E2-4D32-B1DF-4B7552197674}" type="pres">
+      <dgm:prSet presAssocID="{CA8320CB-FBA8-4206-82F7-AAD82898BF8F}" presName="Name37" presStyleLbl="parChTrans1D3" presStyleIdx="3" presStyleCnt="6"/>
+      <dgm:spPr/>
+    </dgm:pt>
+    <dgm:pt modelId="{37C080DE-E081-4F5A-B17C-66CB76346ECC}" type="pres">
+      <dgm:prSet presAssocID="{942511DF-0417-42A5-8FBC-5AB4CE35D70F}" presName="hierRoot2" presStyleCnt="0">
+        <dgm:presLayoutVars>
+          <dgm:hierBranch val="init"/>
+        </dgm:presLayoutVars>
+      </dgm:prSet>
+      <dgm:spPr/>
+    </dgm:pt>
+    <dgm:pt modelId="{0825CBFA-3EE4-43ED-AB76-2170FAA23302}" type="pres">
+      <dgm:prSet presAssocID="{942511DF-0417-42A5-8FBC-5AB4CE35D70F}" presName="rootComposite" presStyleCnt="0"/>
+      <dgm:spPr/>
+    </dgm:pt>
+    <dgm:pt modelId="{903DF0AE-38AF-48D9-A8F3-072097D42A1B}" type="pres">
+      <dgm:prSet presAssocID="{942511DF-0417-42A5-8FBC-5AB4CE35D70F}" presName="rootText" presStyleLbl="node3" presStyleIdx="3" presStyleCnt="6">
+        <dgm:presLayoutVars>
+          <dgm:chPref val="3"/>
+        </dgm:presLayoutVars>
+      </dgm:prSet>
+      <dgm:spPr/>
+    </dgm:pt>
+    <dgm:pt modelId="{1A8D35B0-432A-4D3D-AE1F-F239B4566ED1}" type="pres">
+      <dgm:prSet presAssocID="{942511DF-0417-42A5-8FBC-5AB4CE35D70F}" presName="rootConnector" presStyleLbl="node3" presStyleIdx="3" presStyleCnt="6"/>
+      <dgm:spPr/>
+    </dgm:pt>
+    <dgm:pt modelId="{6B322C1A-8EF9-4E0C-9DC5-C12AF947937C}" type="pres">
+      <dgm:prSet presAssocID="{942511DF-0417-42A5-8FBC-5AB4CE35D70F}" presName="hierChild4" presStyleCnt="0"/>
+      <dgm:spPr/>
+    </dgm:pt>
     <dgm:pt modelId="{F7233C61-574A-430E-88C4-4D9CC6CF2519}" type="pres">
-      <dgm:prSet presAssocID="{02386A36-1822-424B-B978-C92D54F93701}" presName="Name37" presStyleLbl="parChTrans1D3" presStyleIdx="4" presStyleCnt="7"/>
+      <dgm:prSet presAssocID="{02386A36-1822-424B-B978-C92D54F93701}" presName="Name37" presStyleLbl="parChTrans1D4" presStyleIdx="1" presStyleCnt="2"/>
       <dgm:spPr/>
     </dgm:pt>
     <dgm:pt modelId="{54172783-1F9F-4370-BE96-F4F8781CF671}" type="pres">
@@ -7338,7 +7436,7 @@
       <dgm:spPr/>
     </dgm:pt>
     <dgm:pt modelId="{6A29785A-138A-4E46-96D0-DD0AD4C8CB1F}" type="pres">
-      <dgm:prSet presAssocID="{530C2C54-82F5-44AD-9B46-BF45CBCD9A75}" presName="rootText" presStyleLbl="node3" presStyleIdx="4" presStyleCnt="7">
+      <dgm:prSet presAssocID="{530C2C54-82F5-44AD-9B46-BF45CBCD9A75}" presName="rootText" presStyleLbl="node4" presStyleIdx="1" presStyleCnt="2">
         <dgm:presLayoutVars>
           <dgm:chPref val="3"/>
         </dgm:presLayoutVars>
@@ -7346,7 +7444,7 @@
       <dgm:spPr/>
     </dgm:pt>
     <dgm:pt modelId="{C510BB81-6040-4257-B113-716EC41ADC0C}" type="pres">
-      <dgm:prSet presAssocID="{530C2C54-82F5-44AD-9B46-BF45CBCD9A75}" presName="rootConnector" presStyleLbl="node3" presStyleIdx="4" presStyleCnt="7"/>
+      <dgm:prSet presAssocID="{530C2C54-82F5-44AD-9B46-BF45CBCD9A75}" presName="rootConnector" presStyleLbl="node4" presStyleIdx="1" presStyleCnt="2"/>
       <dgm:spPr/>
     </dgm:pt>
     <dgm:pt modelId="{7A91E38B-4A08-486D-A3B9-B95972764586}" type="pres">
@@ -7355,6 +7453,10 @@
     </dgm:pt>
     <dgm:pt modelId="{481AEF90-ED1E-481C-AF06-2E949D85C5D3}" type="pres">
       <dgm:prSet presAssocID="{530C2C54-82F5-44AD-9B46-BF45CBCD9A75}" presName="hierChild5" presStyleCnt="0"/>
+      <dgm:spPr/>
+    </dgm:pt>
+    <dgm:pt modelId="{C7550D30-7E43-4C65-80C3-81B790F1A45C}" type="pres">
+      <dgm:prSet presAssocID="{942511DF-0417-42A5-8FBC-5AB4CE35D70F}" presName="hierChild5" presStyleCnt="0"/>
       <dgm:spPr/>
     </dgm:pt>
     <dgm:pt modelId="{A38049B3-F164-443D-99B6-63E29843D599}" type="pres">
@@ -7394,7 +7496,7 @@
       <dgm:spPr/>
     </dgm:pt>
     <dgm:pt modelId="{E01D1915-4504-4B46-B41F-8B01A6431CB0}" type="pres">
-      <dgm:prSet presAssocID="{8ECAB722-696F-4034-84E2-CAD767FEDC76}" presName="Name37" presStyleLbl="parChTrans1D3" presStyleIdx="5" presStyleCnt="7"/>
+      <dgm:prSet presAssocID="{8ECAB722-696F-4034-84E2-CAD767FEDC76}" presName="Name37" presStyleLbl="parChTrans1D3" presStyleIdx="4" presStyleCnt="6"/>
       <dgm:spPr/>
     </dgm:pt>
     <dgm:pt modelId="{9571FB67-267A-48B2-BB36-F472701967FC}" type="pres">
@@ -7410,7 +7512,7 @@
       <dgm:spPr/>
     </dgm:pt>
     <dgm:pt modelId="{126793F7-9C35-42DD-99AA-881BCC14C049}" type="pres">
-      <dgm:prSet presAssocID="{0142AB42-3336-486F-8AC8-9A028D760EB3}" presName="rootText" presStyleLbl="node3" presStyleIdx="5" presStyleCnt="7">
+      <dgm:prSet presAssocID="{0142AB42-3336-486F-8AC8-9A028D760EB3}" presName="rootText" presStyleLbl="node3" presStyleIdx="4" presStyleCnt="6">
         <dgm:presLayoutVars>
           <dgm:chPref val="3"/>
         </dgm:presLayoutVars>
@@ -7418,7 +7520,7 @@
       <dgm:spPr/>
     </dgm:pt>
     <dgm:pt modelId="{FB8AAE99-C425-4C00-B314-7333F792BA05}" type="pres">
-      <dgm:prSet presAssocID="{0142AB42-3336-486F-8AC8-9A028D760EB3}" presName="rootConnector" presStyleLbl="node3" presStyleIdx="5" presStyleCnt="7"/>
+      <dgm:prSet presAssocID="{0142AB42-3336-486F-8AC8-9A028D760EB3}" presName="rootConnector" presStyleLbl="node3" presStyleIdx="4" presStyleCnt="6"/>
       <dgm:spPr/>
     </dgm:pt>
     <dgm:pt modelId="{7F380E2A-9E5E-4BB9-B2D8-0C8446FDB209}" type="pres">
@@ -7430,7 +7532,7 @@
       <dgm:spPr/>
     </dgm:pt>
     <dgm:pt modelId="{399D933F-B65B-47B2-8B36-434BB4CD99B9}" type="pres">
-      <dgm:prSet presAssocID="{8AE9159A-8292-4B36-BA79-0CA2A6CC9E60}" presName="Name37" presStyleLbl="parChTrans1D3" presStyleIdx="6" presStyleCnt="7"/>
+      <dgm:prSet presAssocID="{8AE9159A-8292-4B36-BA79-0CA2A6CC9E60}" presName="Name37" presStyleLbl="parChTrans1D3" presStyleIdx="5" presStyleCnt="6"/>
       <dgm:spPr/>
     </dgm:pt>
     <dgm:pt modelId="{E2A24AFA-038C-42B7-9BA3-CF7F0109F388}" type="pres">
@@ -7446,7 +7548,7 @@
       <dgm:spPr/>
     </dgm:pt>
     <dgm:pt modelId="{8593F704-02F0-4294-AF6D-A6CE3C6E5004}" type="pres">
-      <dgm:prSet presAssocID="{F6B19E51-82E9-4DB0-861A-7B9B556AB903}" presName="rootText" presStyleLbl="node3" presStyleIdx="6" presStyleCnt="7">
+      <dgm:prSet presAssocID="{F6B19E51-82E9-4DB0-861A-7B9B556AB903}" presName="rootText" presStyleLbl="node3" presStyleIdx="5" presStyleCnt="6">
         <dgm:presLayoutVars>
           <dgm:chPref val="3"/>
         </dgm:presLayoutVars>
@@ -7454,7 +7556,7 @@
       <dgm:spPr/>
     </dgm:pt>
     <dgm:pt modelId="{BACE85D5-FF7E-4FF6-8318-D9F10446E89C}" type="pres">
-      <dgm:prSet presAssocID="{F6B19E51-82E9-4DB0-861A-7B9B556AB903}" presName="rootConnector" presStyleLbl="node3" presStyleIdx="6" presStyleCnt="7"/>
+      <dgm:prSet presAssocID="{F6B19E51-82E9-4DB0-861A-7B9B556AB903}" presName="rootConnector" presStyleLbl="node3" presStyleIdx="5" presStyleCnt="6"/>
       <dgm:spPr/>
     </dgm:pt>
     <dgm:pt modelId="{DA72B631-92E1-44EF-8830-7CA2201B07E0}" type="pres">
@@ -7475,12 +7577,12 @@
     </dgm:pt>
   </dgm:ptLst>
   <dgm:cxnLst>
-    <dgm:cxn modelId="{8DD25909-3A94-4965-B7AD-D578185BA5FA}" type="presOf" srcId="{D56890D2-BB72-4F91-AFD8-67DCDDA821C9}" destId="{4326406E-2E46-4301-895B-0EFCE5785521}" srcOrd="1" destOrd="0" presId="urn:microsoft.com/office/officeart/2005/8/layout/orgChart1"/>
     <dgm:cxn modelId="{03BC7013-CBF7-418D-AE60-56FE6BFCEACC}" srcId="{2E95F486-7584-4CDA-A4B3-8E298868EB11}" destId="{A46B6D53-31D3-4BE9-A233-1B995891FDDD}" srcOrd="0" destOrd="0" parTransId="{E023BB35-2768-4200-9FC0-ACBD257CA8C9}" sibTransId="{BD123635-3FFE-4294-9C2C-BF2CC591FB52}"/>
     <dgm:cxn modelId="{22DA2D1A-D9CE-4D89-9FD3-82FFBF6EE435}" srcId="{A46B6D53-31D3-4BE9-A233-1B995891FDDD}" destId="{96856789-4DCC-41F7-8FD3-00EB6AB1EB31}" srcOrd="0" destOrd="0" parTransId="{21D5688A-4E90-4D6B-8D67-9B9BC30F51B2}" sibTransId="{FEE2C043-43CA-45E1-B37F-8D0E1B7B9FE6}"/>
-    <dgm:cxn modelId="{A95BB623-AE32-4952-81E8-229AD5CB6825}" type="presOf" srcId="{530C2C54-82F5-44AD-9B46-BF45CBCD9A75}" destId="{C510BB81-6040-4257-B113-716EC41ADC0C}" srcOrd="1" destOrd="0" presId="urn:microsoft.com/office/officeart/2005/8/layout/orgChart1"/>
+    <dgm:cxn modelId="{12ECF41C-6929-49B5-88CF-D6DAC72BC7C7}" type="presOf" srcId="{530C2C54-82F5-44AD-9B46-BF45CBCD9A75}" destId="{6A29785A-138A-4E46-96D0-DD0AD4C8CB1F}" srcOrd="0" destOrd="0" presId="urn:microsoft.com/office/officeart/2005/8/layout/orgChart1"/>
+    <dgm:cxn modelId="{3C71DA1F-B3F7-4512-B829-11A1934CC5E3}" type="presOf" srcId="{CA8320CB-FBA8-4206-82F7-AAD82898BF8F}" destId="{9ACF3FF1-15E2-4D32-B1DF-4B7552197674}" srcOrd="0" destOrd="0" presId="urn:microsoft.com/office/officeart/2005/8/layout/orgChart1"/>
     <dgm:cxn modelId="{3D4D1024-D1E7-433F-91F0-E658D1E94429}" type="presOf" srcId="{6CB7DBA5-1E11-4F0E-B2DD-67C8F875D982}" destId="{52EF3E10-5D82-463B-93AB-3AC26320CBAB}" srcOrd="1" destOrd="0" presId="urn:microsoft.com/office/officeart/2005/8/layout/orgChart1"/>
-    <dgm:cxn modelId="{86428224-6765-40C5-8FEC-45367DA04783}" srcId="{96856789-4DCC-41F7-8FD3-00EB6AB1EB31}" destId="{D56890D2-BB72-4F91-AFD8-67DCDDA821C9}" srcOrd="1" destOrd="0" parTransId="{8011614D-0581-4DDB-9B61-5EC6EC2255BD}" sibTransId="{96A9C694-57B7-460A-A1D6-65E93E6C7F22}"/>
+    <dgm:cxn modelId="{86428224-6765-40C5-8FEC-45367DA04783}" srcId="{FC777D12-E577-4399-82FD-C6C817A8EFEC}" destId="{D56890D2-BB72-4F91-AFD8-67DCDDA821C9}" srcOrd="0" destOrd="0" parTransId="{8011614D-0581-4DDB-9B61-5EC6EC2255BD}" sibTransId="{96A9C694-57B7-460A-A1D6-65E93E6C7F22}"/>
     <dgm:cxn modelId="{7CF5FC27-F37B-4815-8AFA-419555769032}" srcId="{A46B6D53-31D3-4BE9-A233-1B995891FDDD}" destId="{454F38B7-8027-4E6D-9C5B-4C4098AD8941}" srcOrd="2" destOrd="0" parTransId="{E6E27076-44D6-44AF-8B44-D60996D6F18A}" sibTransId="{E99B5FDC-96B2-4A19-BB47-4AF7F51F2FB9}"/>
     <dgm:cxn modelId="{1CFF8B3F-4466-4A85-9927-888BF474687E}" srcId="{6CB7DBA5-1E11-4F0E-B2DD-67C8F875D982}" destId="{59B6B4E6-75AC-4804-AC87-12567DACCF42}" srcOrd="0" destOrd="0" parTransId="{239A760F-AFEF-40B0-874B-88125FB5546C}" sibTransId="{97A869C2-3D60-4A01-A602-67F26B707802}"/>
     <dgm:cxn modelId="{D8A12B42-A794-4025-9043-FC4B1CCA9C98}" type="presOf" srcId="{0142AB42-3336-486F-8AC8-9A028D760EB3}" destId="{FB8AAE99-C425-4C00-B314-7333F792BA05}" srcOrd="1" destOrd="0" presId="urn:microsoft.com/office/officeart/2005/8/layout/orgChart1"/>
@@ -7488,22 +7590,23 @@
     <dgm:cxn modelId="{5A3A6347-3676-43CA-8A08-18B99EC25FD2}" type="presOf" srcId="{8ECAB722-696F-4034-84E2-CAD767FEDC76}" destId="{E01D1915-4504-4B46-B41F-8B01A6431CB0}" srcOrd="0" destOrd="0" presId="urn:microsoft.com/office/officeart/2005/8/layout/orgChart1"/>
     <dgm:cxn modelId="{B767F569-F8D2-4F9A-B460-4C86C0BE1442}" type="presOf" srcId="{9C871CEE-38FA-42DC-9253-0FAF150AFA71}" destId="{4F144763-FDBB-4E9F-BB72-BEE4BF333CFF}" srcOrd="0" destOrd="0" presId="urn:microsoft.com/office/officeart/2005/8/layout/orgChart1"/>
     <dgm:cxn modelId="{D540F76C-97F2-499C-8C7F-F13C837ACA34}" srcId="{454F38B7-8027-4E6D-9C5B-4C4098AD8941}" destId="{F6B19E51-82E9-4DB0-861A-7B9B556AB903}" srcOrd="1" destOrd="0" parTransId="{8AE9159A-8292-4B36-BA79-0CA2A6CC9E60}" sibTransId="{5C146F7D-5F99-4B67-AB4A-2EBA38D72F3A}"/>
-    <dgm:cxn modelId="{EB29974D-0E61-4016-87BD-4B2888B29D81}" type="presOf" srcId="{D56890D2-BB72-4F91-AFD8-67DCDDA821C9}" destId="{0012B30E-2FF1-4456-9713-F5A2B2C80ECC}" srcOrd="0" destOrd="0" presId="urn:microsoft.com/office/officeart/2005/8/layout/orgChart1"/>
     <dgm:cxn modelId="{F352136E-43D6-489A-8776-ED6B1EB6EC86}" type="presOf" srcId="{59B6B4E6-75AC-4804-AC87-12567DACCF42}" destId="{3B622BBF-F960-416C-A60A-900170819CE0}" srcOrd="0" destOrd="0" presId="urn:microsoft.com/office/officeart/2005/8/layout/orgChart1"/>
-    <dgm:cxn modelId="{D177BA55-95EA-4BE0-9A90-0891AADE2C3B}" type="presOf" srcId="{02386A36-1822-424B-B978-C92D54F93701}" destId="{F7233C61-574A-430E-88C4-4D9CC6CF2519}" srcOrd="0" destOrd="0" presId="urn:microsoft.com/office/officeart/2005/8/layout/orgChart1"/>
+    <dgm:cxn modelId="{B80B2574-E005-48EE-B74B-35DCFAD394D8}" type="presOf" srcId="{530C2C54-82F5-44AD-9B46-BF45CBCD9A75}" destId="{C510BB81-6040-4257-B113-716EC41ADC0C}" srcOrd="1" destOrd="0" presId="urn:microsoft.com/office/officeart/2005/8/layout/orgChart1"/>
     <dgm:cxn modelId="{35D5925A-06A1-4489-B820-FA12516707C4}" type="presOf" srcId="{FC777D12-E577-4399-82FD-C6C817A8EFEC}" destId="{F0269B35-B088-4F98-BB11-9E9EE718CCCA}" srcOrd="1" destOrd="0" presId="urn:microsoft.com/office/officeart/2005/8/layout/orgChart1"/>
     <dgm:cxn modelId="{F43D957B-1DEB-434E-8674-EBB8CE417A54}" type="presOf" srcId="{8AE9159A-8292-4B36-BA79-0CA2A6CC9E60}" destId="{399D933F-B65B-47B2-8B36-434BB4CD99B9}" srcOrd="0" destOrd="0" presId="urn:microsoft.com/office/officeart/2005/8/layout/orgChart1"/>
     <dgm:cxn modelId="{7C4BF182-AA08-423E-8798-6196F87251FD}" type="presOf" srcId="{F6B19E51-82E9-4DB0-861A-7B9B556AB903}" destId="{8593F704-02F0-4294-AF6D-A6CE3C6E5004}" srcOrd="0" destOrd="0" presId="urn:microsoft.com/office/officeart/2005/8/layout/orgChart1"/>
     <dgm:cxn modelId="{5BA98985-A97D-4AF2-B801-E948C3AC9901}" srcId="{96856789-4DCC-41F7-8FD3-00EB6AB1EB31}" destId="{FC777D12-E577-4399-82FD-C6C817A8EFEC}" srcOrd="0" destOrd="0" parTransId="{9C871CEE-38FA-42DC-9253-0FAF150AFA71}" sibTransId="{EE3AEA5A-3C7D-4017-987D-31294BC13037}"/>
     <dgm:cxn modelId="{4FEF9390-0515-49F3-88F2-58A939FD7547}" type="presOf" srcId="{454F38B7-8027-4E6D-9C5B-4C4098AD8941}" destId="{C38EC8E0-05E9-4DE5-A4FA-4038EA01CDB3}" srcOrd="1" destOrd="0" presId="urn:microsoft.com/office/officeart/2005/8/layout/orgChart1"/>
     <dgm:cxn modelId="{A3089894-EBB6-458D-AEF6-D2CBA56726C9}" type="presOf" srcId="{FC777D12-E577-4399-82FD-C6C817A8EFEC}" destId="{7B6B7DF4-4B26-4E03-A10C-5B891E1EE787}" srcOrd="0" destOrd="0" presId="urn:microsoft.com/office/officeart/2005/8/layout/orgChart1"/>
-    <dgm:cxn modelId="{2A677A9D-DCF2-492D-A10A-11673BE6DF07}" srcId="{96856789-4DCC-41F7-8FD3-00EB6AB1EB31}" destId="{10161257-191E-4115-887E-F0F26C7090ED}" srcOrd="2" destOrd="0" parTransId="{E04184D3-7356-43E7-8A30-02FEF356A49C}" sibTransId="{A053EED4-AD74-429C-873E-61B883859D68}"/>
-    <dgm:cxn modelId="{D08022A3-C74F-44C4-984A-1F7E38FD9976}" srcId="{6CB7DBA5-1E11-4F0E-B2DD-67C8F875D982}" destId="{530C2C54-82F5-44AD-9B46-BF45CBCD9A75}" srcOrd="1" destOrd="0" parTransId="{02386A36-1822-424B-B978-C92D54F93701}" sibTransId="{5D86D8D8-65B2-4F7B-B623-54BE3672D40C}"/>
+    <dgm:cxn modelId="{9DA4DB9B-04DF-4D84-A5D4-38A2599F6578}" type="presOf" srcId="{942511DF-0417-42A5-8FBC-5AB4CE35D70F}" destId="{1A8D35B0-432A-4D3D-AE1F-F239B4566ED1}" srcOrd="1" destOrd="0" presId="urn:microsoft.com/office/officeart/2005/8/layout/orgChart1"/>
+    <dgm:cxn modelId="{2A677A9D-DCF2-492D-A10A-11673BE6DF07}" srcId="{96856789-4DCC-41F7-8FD3-00EB6AB1EB31}" destId="{10161257-191E-4115-887E-F0F26C7090ED}" srcOrd="1" destOrd="0" parTransId="{E04184D3-7356-43E7-8A30-02FEF356A49C}" sibTransId="{A053EED4-AD74-429C-873E-61B883859D68}"/>
+    <dgm:cxn modelId="{D08022A3-C74F-44C4-984A-1F7E38FD9976}" srcId="{942511DF-0417-42A5-8FBC-5AB4CE35D70F}" destId="{530C2C54-82F5-44AD-9B46-BF45CBCD9A75}" srcOrd="0" destOrd="0" parTransId="{02386A36-1822-424B-B978-C92D54F93701}" sibTransId="{5D86D8D8-65B2-4F7B-B623-54BE3672D40C}"/>
     <dgm:cxn modelId="{9D8D5DAA-3E44-4B32-BAD0-F0BCD283106C}" type="presOf" srcId="{E04184D3-7356-43E7-8A30-02FEF356A49C}" destId="{81EC512A-78D1-4C12-9CF1-C4989A7DA88A}" srcOrd="0" destOrd="0" presId="urn:microsoft.com/office/officeart/2005/8/layout/orgChart1"/>
     <dgm:cxn modelId="{83DFA3AC-0DB0-4400-BA6B-2DE2A5D0DA5C}" type="presOf" srcId="{E6E27076-44D6-44AF-8B44-D60996D6F18A}" destId="{7E2F3DAA-543F-4E3C-8ACC-584DAEF3E21F}" srcOrd="0" destOrd="0" presId="urn:microsoft.com/office/officeart/2005/8/layout/orgChart1"/>
     <dgm:cxn modelId="{730757B2-BE09-498A-8866-E2EB87B68A20}" type="presOf" srcId="{10161257-191E-4115-887E-F0F26C7090ED}" destId="{242CD695-94B8-460B-84F9-25B68F8A8138}" srcOrd="1" destOrd="0" presId="urn:microsoft.com/office/officeart/2005/8/layout/orgChart1"/>
-    <dgm:cxn modelId="{6B156AB8-D0C3-4757-B197-361DD4B5827F}" type="presOf" srcId="{530C2C54-82F5-44AD-9B46-BF45CBCD9A75}" destId="{6A29785A-138A-4E46-96D0-DD0AD4C8CB1F}" srcOrd="0" destOrd="0" presId="urn:microsoft.com/office/officeart/2005/8/layout/orgChart1"/>
     <dgm:cxn modelId="{ACB241C5-F42B-485A-A9D2-47A340BEC9EE}" type="presOf" srcId="{96856789-4DCC-41F7-8FD3-00EB6AB1EB31}" destId="{8008E37F-AC67-47F4-8096-8C4D3F65B42A}" srcOrd="1" destOrd="0" presId="urn:microsoft.com/office/officeart/2005/8/layout/orgChart1"/>
+    <dgm:cxn modelId="{B8DE42C5-55D5-41D6-BF26-577FF79B9DB3}" type="presOf" srcId="{942511DF-0417-42A5-8FBC-5AB4CE35D70F}" destId="{903DF0AE-38AF-48D9-A8F3-072097D42A1B}" srcOrd="0" destOrd="0" presId="urn:microsoft.com/office/officeart/2005/8/layout/orgChart1"/>
+    <dgm:cxn modelId="{2B1C46C6-03BC-4817-BD7D-40F3F8595E54}" type="presOf" srcId="{8011614D-0581-4DDB-9B61-5EC6EC2255BD}" destId="{23BD0FEA-8822-44C4-AF50-1DF759BE405D}" srcOrd="0" destOrd="0" presId="urn:microsoft.com/office/officeart/2005/8/layout/orgChart1"/>
     <dgm:cxn modelId="{EE904CCA-30CB-4FA8-B6B7-7EE39DFFF899}" srcId="{A46B6D53-31D3-4BE9-A233-1B995891FDDD}" destId="{6CB7DBA5-1E11-4F0E-B2DD-67C8F875D982}" srcOrd="1" destOrd="0" parTransId="{ECF287E9-5DF0-46AA-96E8-C6F8D1230DD1}" sibTransId="{423E039C-C297-4590-9829-CE12351C78C3}"/>
     <dgm:cxn modelId="{48FB8ECB-F214-4B80-9B35-6F769E275B46}" srcId="{454F38B7-8027-4E6D-9C5B-4C4098AD8941}" destId="{0142AB42-3336-486F-8AC8-9A028D760EB3}" srcOrd="0" destOrd="0" parTransId="{8ECAB722-696F-4034-84E2-CAD767FEDC76}" sibTransId="{1C19253E-97A6-476C-8D2E-FF2DF48F8D03}"/>
     <dgm:cxn modelId="{6D223ECC-9060-4532-BCAE-8542C46D238C}" type="presOf" srcId="{454F38B7-8027-4E6D-9C5B-4C4098AD8941}" destId="{38998C60-342D-457E-91F5-4B8680F4E79C}" srcOrd="0" destOrd="0" presId="urn:microsoft.com/office/officeart/2005/8/layout/orgChart1"/>
@@ -7513,12 +7616,15 @@
     <dgm:cxn modelId="{670D7ADC-8AAC-45D1-8CFC-E4810D85E2EA}" type="presOf" srcId="{2E95F486-7584-4CDA-A4B3-8E298868EB11}" destId="{F7409418-8956-42F9-B876-8C1C33AE9BEB}" srcOrd="0" destOrd="0" presId="urn:microsoft.com/office/officeart/2005/8/layout/orgChart1"/>
     <dgm:cxn modelId="{F53740E0-EC11-4EE9-8EE5-F63C8B0A05F3}" type="presOf" srcId="{6CB7DBA5-1E11-4F0E-B2DD-67C8F875D982}" destId="{79D6C125-4558-42D3-B033-E78177BAC747}" srcOrd="0" destOrd="0" presId="urn:microsoft.com/office/officeart/2005/8/layout/orgChart1"/>
     <dgm:cxn modelId="{D11E29E9-CB25-4BC9-870E-4AFB408857AF}" type="presOf" srcId="{A46B6D53-31D3-4BE9-A233-1B995891FDDD}" destId="{FA38DC0D-0D87-4ABB-AAAE-5B9DFE3084BA}" srcOrd="1" destOrd="0" presId="urn:microsoft.com/office/officeart/2005/8/layout/orgChart1"/>
+    <dgm:cxn modelId="{4E43DBEC-8E99-4557-AD83-9A2AB112DBF6}" srcId="{6CB7DBA5-1E11-4F0E-B2DD-67C8F875D982}" destId="{942511DF-0417-42A5-8FBC-5AB4CE35D70F}" srcOrd="1" destOrd="0" parTransId="{CA8320CB-FBA8-4206-82F7-AAD82898BF8F}" sibTransId="{3726E3EA-008E-41E3-A00B-7DD04103E893}"/>
     <dgm:cxn modelId="{1223FDEC-B24F-4AE0-BCB1-5B4D52F37EB6}" type="presOf" srcId="{239A760F-AFEF-40B0-874B-88125FB5546C}" destId="{F634F148-07D6-4F28-BF76-A0A2EB2B5E1C}" srcOrd="0" destOrd="0" presId="urn:microsoft.com/office/officeart/2005/8/layout/orgChart1"/>
     <dgm:cxn modelId="{45ACAFED-A0AD-4145-BAC3-60884B1E8B7F}" type="presOf" srcId="{A46B6D53-31D3-4BE9-A233-1B995891FDDD}" destId="{45E9C572-6BC1-4C59-99BD-CEF702FA3E04}" srcOrd="0" destOrd="0" presId="urn:microsoft.com/office/officeart/2005/8/layout/orgChart1"/>
     <dgm:cxn modelId="{02EA91EF-26D7-43A9-89C8-FF00E1231E4E}" type="presOf" srcId="{96856789-4DCC-41F7-8FD3-00EB6AB1EB31}" destId="{B540F2EC-F685-4620-9CAB-E40D4D042AC2}" srcOrd="0" destOrd="0" presId="urn:microsoft.com/office/officeart/2005/8/layout/orgChart1"/>
+    <dgm:cxn modelId="{119DCFEF-5BA5-413F-AB42-83D290E4D33B}" type="presOf" srcId="{D56890D2-BB72-4F91-AFD8-67DCDDA821C9}" destId="{0012B30E-2FF1-4456-9713-F5A2B2C80ECC}" srcOrd="0" destOrd="0" presId="urn:microsoft.com/office/officeart/2005/8/layout/orgChart1"/>
     <dgm:cxn modelId="{39F95CF1-8A8E-403B-A1D1-2E9929E8D5E6}" type="presOf" srcId="{21D5688A-4E90-4D6B-8D67-9B9BC30F51B2}" destId="{1440D978-8952-4503-94E2-D6FBA5859D83}" srcOrd="0" destOrd="0" presId="urn:microsoft.com/office/officeart/2005/8/layout/orgChart1"/>
     <dgm:cxn modelId="{6B9924F4-48C0-4330-A5C3-DCD2FA356705}" type="presOf" srcId="{0142AB42-3336-486F-8AC8-9A028D760EB3}" destId="{126793F7-9C35-42DD-99AA-881BCC14C049}" srcOrd="0" destOrd="0" presId="urn:microsoft.com/office/officeart/2005/8/layout/orgChart1"/>
-    <dgm:cxn modelId="{D7F239FF-DAFB-42D1-8BAA-41C4B6E21E7B}" type="presOf" srcId="{8011614D-0581-4DDB-9B61-5EC6EC2255BD}" destId="{23BD0FEA-8822-44C4-AF50-1DF759BE405D}" srcOrd="0" destOrd="0" presId="urn:microsoft.com/office/officeart/2005/8/layout/orgChart1"/>
+    <dgm:cxn modelId="{CB3CB7F5-40A6-47F2-9944-761EA17B8D7E}" type="presOf" srcId="{02386A36-1822-424B-B978-C92D54F93701}" destId="{F7233C61-574A-430E-88C4-4D9CC6CF2519}" srcOrd="0" destOrd="0" presId="urn:microsoft.com/office/officeart/2005/8/layout/orgChart1"/>
+    <dgm:cxn modelId="{5CF118F6-981E-41D1-AFBE-82617F15D88B}" type="presOf" srcId="{D56890D2-BB72-4F91-AFD8-67DCDDA821C9}" destId="{4326406E-2E46-4301-895B-0EFCE5785521}" srcOrd="1" destOrd="0" presId="urn:microsoft.com/office/officeart/2005/8/layout/orgChart1"/>
     <dgm:cxn modelId="{2287100D-D125-438D-892A-8F1EB35208EA}" type="presParOf" srcId="{F7409418-8956-42F9-B876-8C1C33AE9BEB}" destId="{C75C6DFE-1CAA-49BE-94DF-5670150054D7}" srcOrd="0" destOrd="0" presId="urn:microsoft.com/office/officeart/2005/8/layout/orgChart1"/>
     <dgm:cxn modelId="{05573D04-F976-4A0D-B587-6C0CC975BE7C}" type="presParOf" srcId="{C75C6DFE-1CAA-49BE-94DF-5670150054D7}" destId="{09735D0E-1FFC-413E-8A45-3BF9E5F2DEBE}" srcOrd="0" destOrd="0" presId="urn:microsoft.com/office/officeart/2005/8/layout/orgChart1"/>
     <dgm:cxn modelId="{14C79594-CBD5-41AE-B275-7B2112A9339B}" type="presParOf" srcId="{09735D0E-1FFC-413E-8A45-3BF9E5F2DEBE}" destId="{45E9C572-6BC1-4C59-99BD-CEF702FA3E04}" srcOrd="0" destOrd="0" presId="urn:microsoft.com/office/officeart/2005/8/layout/orgChart1"/>
@@ -7536,16 +7642,16 @@
     <dgm:cxn modelId="{D8E37966-530C-40C0-AF7A-20BB680C118B}" type="presParOf" srcId="{15E721A2-7285-4210-BBF1-0B8594FF72AD}" destId="{7B6B7DF4-4B26-4E03-A10C-5B891E1EE787}" srcOrd="0" destOrd="0" presId="urn:microsoft.com/office/officeart/2005/8/layout/orgChart1"/>
     <dgm:cxn modelId="{D4454A8B-F538-4221-A152-50157EAC0D35}" type="presParOf" srcId="{15E721A2-7285-4210-BBF1-0B8594FF72AD}" destId="{F0269B35-B088-4F98-BB11-9E9EE718CCCA}" srcOrd="1" destOrd="0" presId="urn:microsoft.com/office/officeart/2005/8/layout/orgChart1"/>
     <dgm:cxn modelId="{95DA8B61-9426-4803-8BB3-576148B49689}" type="presParOf" srcId="{442C1A1F-7F16-4BD9-AFAF-F2978E0FA677}" destId="{B1D524CB-CCB2-4516-834E-4EC029D53A36}" srcOrd="1" destOrd="0" presId="urn:microsoft.com/office/officeart/2005/8/layout/orgChart1"/>
+    <dgm:cxn modelId="{A5C6CC7A-0A2E-4595-B591-64FC6599108C}" type="presParOf" srcId="{B1D524CB-CCB2-4516-834E-4EC029D53A36}" destId="{23BD0FEA-8822-44C4-AF50-1DF759BE405D}" srcOrd="0" destOrd="0" presId="urn:microsoft.com/office/officeart/2005/8/layout/orgChart1"/>
+    <dgm:cxn modelId="{11B21D66-E167-42E4-A7C2-3F63B982DCB0}" type="presParOf" srcId="{B1D524CB-CCB2-4516-834E-4EC029D53A36}" destId="{BAAEA284-EE73-4A92-A4B7-5D0315F5DF26}" srcOrd="1" destOrd="0" presId="urn:microsoft.com/office/officeart/2005/8/layout/orgChart1"/>
+    <dgm:cxn modelId="{2A4F273F-1264-4D46-93B1-739F4454E851}" type="presParOf" srcId="{BAAEA284-EE73-4A92-A4B7-5D0315F5DF26}" destId="{2B800278-5E97-4B0E-AC4C-755945A9B322}" srcOrd="0" destOrd="0" presId="urn:microsoft.com/office/officeart/2005/8/layout/orgChart1"/>
+    <dgm:cxn modelId="{E4E2C1B7-66AF-4609-B455-F96BD12ED67C}" type="presParOf" srcId="{2B800278-5E97-4B0E-AC4C-755945A9B322}" destId="{0012B30E-2FF1-4456-9713-F5A2B2C80ECC}" srcOrd="0" destOrd="0" presId="urn:microsoft.com/office/officeart/2005/8/layout/orgChart1"/>
+    <dgm:cxn modelId="{43D0370F-4D06-4767-8BD4-CE158C6A1775}" type="presParOf" srcId="{2B800278-5E97-4B0E-AC4C-755945A9B322}" destId="{4326406E-2E46-4301-895B-0EFCE5785521}" srcOrd="1" destOrd="0" presId="urn:microsoft.com/office/officeart/2005/8/layout/orgChart1"/>
+    <dgm:cxn modelId="{F2AA6581-46BA-40F6-9762-50B148325BE3}" type="presParOf" srcId="{BAAEA284-EE73-4A92-A4B7-5D0315F5DF26}" destId="{4CEB8EE1-716F-4797-9D48-328BC1132D63}" srcOrd="1" destOrd="0" presId="urn:microsoft.com/office/officeart/2005/8/layout/orgChart1"/>
+    <dgm:cxn modelId="{77F1D0A5-7780-4EE6-876F-495E1F3D08D3}" type="presParOf" srcId="{BAAEA284-EE73-4A92-A4B7-5D0315F5DF26}" destId="{310E44F8-5F0D-44C6-AF71-CB0F18C4827D}" srcOrd="2" destOrd="0" presId="urn:microsoft.com/office/officeart/2005/8/layout/orgChart1"/>
     <dgm:cxn modelId="{8FF96690-85C1-47D2-846F-50179970867F}" type="presParOf" srcId="{442C1A1F-7F16-4BD9-AFAF-F2978E0FA677}" destId="{209A61E0-A88E-4414-A416-58C8AED5B3CB}" srcOrd="2" destOrd="0" presId="urn:microsoft.com/office/officeart/2005/8/layout/orgChart1"/>
-    <dgm:cxn modelId="{C2BBCD3C-550A-41D8-B4A6-E8D9366A1CCE}" type="presParOf" srcId="{BDE66C9D-29F5-4B75-8D19-C3281E1FE013}" destId="{23BD0FEA-8822-44C4-AF50-1DF759BE405D}" srcOrd="2" destOrd="0" presId="urn:microsoft.com/office/officeart/2005/8/layout/orgChart1"/>
-    <dgm:cxn modelId="{FF189750-A939-4F71-BFCE-6DF802350410}" type="presParOf" srcId="{BDE66C9D-29F5-4B75-8D19-C3281E1FE013}" destId="{BAAEA284-EE73-4A92-A4B7-5D0315F5DF26}" srcOrd="3" destOrd="0" presId="urn:microsoft.com/office/officeart/2005/8/layout/orgChart1"/>
-    <dgm:cxn modelId="{59454A57-5CC5-4C5B-BDCA-E6C1501AE927}" type="presParOf" srcId="{BAAEA284-EE73-4A92-A4B7-5D0315F5DF26}" destId="{2B800278-5E97-4B0E-AC4C-755945A9B322}" srcOrd="0" destOrd="0" presId="urn:microsoft.com/office/officeart/2005/8/layout/orgChart1"/>
-    <dgm:cxn modelId="{8CCBC28A-8559-4C1E-9156-D1D40A0B1805}" type="presParOf" srcId="{2B800278-5E97-4B0E-AC4C-755945A9B322}" destId="{0012B30E-2FF1-4456-9713-F5A2B2C80ECC}" srcOrd="0" destOrd="0" presId="urn:microsoft.com/office/officeart/2005/8/layout/orgChart1"/>
-    <dgm:cxn modelId="{70E54D77-DD79-4ECE-A963-FFBFCF3F7F9E}" type="presParOf" srcId="{2B800278-5E97-4B0E-AC4C-755945A9B322}" destId="{4326406E-2E46-4301-895B-0EFCE5785521}" srcOrd="1" destOrd="0" presId="urn:microsoft.com/office/officeart/2005/8/layout/orgChart1"/>
-    <dgm:cxn modelId="{CC9F4D90-9DC8-4276-B491-18E65FC7C833}" type="presParOf" srcId="{BAAEA284-EE73-4A92-A4B7-5D0315F5DF26}" destId="{4CEB8EE1-716F-4797-9D48-328BC1132D63}" srcOrd="1" destOrd="0" presId="urn:microsoft.com/office/officeart/2005/8/layout/orgChart1"/>
-    <dgm:cxn modelId="{10C37354-CEED-4AB4-BA94-35199AA5A777}" type="presParOf" srcId="{BAAEA284-EE73-4A92-A4B7-5D0315F5DF26}" destId="{310E44F8-5F0D-44C6-AF71-CB0F18C4827D}" srcOrd="2" destOrd="0" presId="urn:microsoft.com/office/officeart/2005/8/layout/orgChart1"/>
-    <dgm:cxn modelId="{56E25DF6-05F4-41D0-8E87-64B074F3AC83}" type="presParOf" srcId="{BDE66C9D-29F5-4B75-8D19-C3281E1FE013}" destId="{81EC512A-78D1-4C12-9CF1-C4989A7DA88A}" srcOrd="4" destOrd="0" presId="urn:microsoft.com/office/officeart/2005/8/layout/orgChart1"/>
-    <dgm:cxn modelId="{FB97AE8E-52E9-475B-8482-391218F5698B}" type="presParOf" srcId="{BDE66C9D-29F5-4B75-8D19-C3281E1FE013}" destId="{5DE9B230-E249-42EF-93BC-4317B622CB1A}" srcOrd="5" destOrd="0" presId="urn:microsoft.com/office/officeart/2005/8/layout/orgChart1"/>
+    <dgm:cxn modelId="{56E25DF6-05F4-41D0-8E87-64B074F3AC83}" type="presParOf" srcId="{BDE66C9D-29F5-4B75-8D19-C3281E1FE013}" destId="{81EC512A-78D1-4C12-9CF1-C4989A7DA88A}" srcOrd="2" destOrd="0" presId="urn:microsoft.com/office/officeart/2005/8/layout/orgChart1"/>
+    <dgm:cxn modelId="{FB97AE8E-52E9-475B-8482-391218F5698B}" type="presParOf" srcId="{BDE66C9D-29F5-4B75-8D19-C3281E1FE013}" destId="{5DE9B230-E249-42EF-93BC-4317B622CB1A}" srcOrd="3" destOrd="0" presId="urn:microsoft.com/office/officeart/2005/8/layout/orgChart1"/>
     <dgm:cxn modelId="{4A863F6C-3262-478D-9BD2-AA15E09EDFA6}" type="presParOf" srcId="{5DE9B230-E249-42EF-93BC-4317B622CB1A}" destId="{22C5E5FC-2D06-425E-9D67-4F74BD02BF23}" srcOrd="0" destOrd="0" presId="urn:microsoft.com/office/officeart/2005/8/layout/orgChart1"/>
     <dgm:cxn modelId="{1A093E1F-DA3A-4137-A45C-C708BE548BC5}" type="presParOf" srcId="{22C5E5FC-2D06-425E-9D67-4F74BD02BF23}" destId="{6326D2C0-BE69-43B3-B493-29A716D853C8}" srcOrd="0" destOrd="0" presId="urn:microsoft.com/office/officeart/2005/8/layout/orgChart1"/>
     <dgm:cxn modelId="{D40F308B-3650-486A-B2C7-833850CC61AD}" type="presParOf" srcId="{22C5E5FC-2D06-425E-9D67-4F74BD02BF23}" destId="{242CD695-94B8-460B-84F9-25B68F8A8138}" srcOrd="1" destOrd="0" presId="urn:microsoft.com/office/officeart/2005/8/layout/orgChart1"/>
@@ -7565,13 +7671,20 @@
     <dgm:cxn modelId="{47EA12CA-2D00-4F53-9064-DA58A9313ED2}" type="presParOf" srcId="{264C8885-9181-4F5E-832F-04A18B6B4E6F}" destId="{500504BC-050E-42B2-AF06-A9E7B65086BC}" srcOrd="1" destOrd="0" presId="urn:microsoft.com/office/officeart/2005/8/layout/orgChart1"/>
     <dgm:cxn modelId="{DDA4DD33-48A9-42CA-8AE3-F3A23DF14664}" type="presParOf" srcId="{D990F5CD-04D8-4C13-AEC0-2DCABBE3BCBE}" destId="{061EFAAF-1F9E-4BAE-AB7D-551988D90781}" srcOrd="1" destOrd="0" presId="urn:microsoft.com/office/officeart/2005/8/layout/orgChart1"/>
     <dgm:cxn modelId="{1A358153-B7CE-4A2E-A17D-9FBD6E814ECA}" type="presParOf" srcId="{D990F5CD-04D8-4C13-AEC0-2DCABBE3BCBE}" destId="{B7B8A996-C7EC-4116-9CE6-12E40E56C10E}" srcOrd="2" destOrd="0" presId="urn:microsoft.com/office/officeart/2005/8/layout/orgChart1"/>
-    <dgm:cxn modelId="{1731442D-011A-41FA-87B1-564811AB7121}" type="presParOf" srcId="{E76329FE-8D5F-433A-8ABA-E1FDC4199C09}" destId="{F7233C61-574A-430E-88C4-4D9CC6CF2519}" srcOrd="2" destOrd="0" presId="urn:microsoft.com/office/officeart/2005/8/layout/orgChart1"/>
-    <dgm:cxn modelId="{D465B9EE-36B3-4B97-9AC3-91C7FF1F9CE4}" type="presParOf" srcId="{E76329FE-8D5F-433A-8ABA-E1FDC4199C09}" destId="{54172783-1F9F-4370-BE96-F4F8781CF671}" srcOrd="3" destOrd="0" presId="urn:microsoft.com/office/officeart/2005/8/layout/orgChart1"/>
-    <dgm:cxn modelId="{1E67E051-758B-43F7-8AAD-A3F67EF865AC}" type="presParOf" srcId="{54172783-1F9F-4370-BE96-F4F8781CF671}" destId="{162C42E8-7740-4521-BEB6-59976F052B21}" srcOrd="0" destOrd="0" presId="urn:microsoft.com/office/officeart/2005/8/layout/orgChart1"/>
-    <dgm:cxn modelId="{1C3514C1-E5F2-4F65-BFEA-0A6D9DF4F7B8}" type="presParOf" srcId="{162C42E8-7740-4521-BEB6-59976F052B21}" destId="{6A29785A-138A-4E46-96D0-DD0AD4C8CB1F}" srcOrd="0" destOrd="0" presId="urn:microsoft.com/office/officeart/2005/8/layout/orgChart1"/>
-    <dgm:cxn modelId="{8424D584-D65F-4EEC-9FB6-6FE684168FD8}" type="presParOf" srcId="{162C42E8-7740-4521-BEB6-59976F052B21}" destId="{C510BB81-6040-4257-B113-716EC41ADC0C}" srcOrd="1" destOrd="0" presId="urn:microsoft.com/office/officeart/2005/8/layout/orgChart1"/>
-    <dgm:cxn modelId="{98F63305-D91C-4384-882E-D4375BC7BBFA}" type="presParOf" srcId="{54172783-1F9F-4370-BE96-F4F8781CF671}" destId="{7A91E38B-4A08-486D-A3B9-B95972764586}" srcOrd="1" destOrd="0" presId="urn:microsoft.com/office/officeart/2005/8/layout/orgChart1"/>
-    <dgm:cxn modelId="{C5E32246-205D-404E-B3EC-5C5FA6A48897}" type="presParOf" srcId="{54172783-1F9F-4370-BE96-F4F8781CF671}" destId="{481AEF90-ED1E-481C-AF06-2E949D85C5D3}" srcOrd="2" destOrd="0" presId="urn:microsoft.com/office/officeart/2005/8/layout/orgChart1"/>
+    <dgm:cxn modelId="{57CB76AC-6655-4052-81CD-B36F769F82B4}" type="presParOf" srcId="{E76329FE-8D5F-433A-8ABA-E1FDC4199C09}" destId="{9ACF3FF1-15E2-4D32-B1DF-4B7552197674}" srcOrd="2" destOrd="0" presId="urn:microsoft.com/office/officeart/2005/8/layout/orgChart1"/>
+    <dgm:cxn modelId="{9CE0E7D9-E0FE-4A42-B8D3-C45272C24086}" type="presParOf" srcId="{E76329FE-8D5F-433A-8ABA-E1FDC4199C09}" destId="{37C080DE-E081-4F5A-B17C-66CB76346ECC}" srcOrd="3" destOrd="0" presId="urn:microsoft.com/office/officeart/2005/8/layout/orgChart1"/>
+    <dgm:cxn modelId="{568EED45-0957-453B-A32A-F3254BEAC7E6}" type="presParOf" srcId="{37C080DE-E081-4F5A-B17C-66CB76346ECC}" destId="{0825CBFA-3EE4-43ED-AB76-2170FAA23302}" srcOrd="0" destOrd="0" presId="urn:microsoft.com/office/officeart/2005/8/layout/orgChart1"/>
+    <dgm:cxn modelId="{58E241A5-3C58-4B1F-BBBB-ED8E906CE50C}" type="presParOf" srcId="{0825CBFA-3EE4-43ED-AB76-2170FAA23302}" destId="{903DF0AE-38AF-48D9-A8F3-072097D42A1B}" srcOrd="0" destOrd="0" presId="urn:microsoft.com/office/officeart/2005/8/layout/orgChart1"/>
+    <dgm:cxn modelId="{7BF01AF6-639C-492D-AB26-25DA9175A015}" type="presParOf" srcId="{0825CBFA-3EE4-43ED-AB76-2170FAA23302}" destId="{1A8D35B0-432A-4D3D-AE1F-F239B4566ED1}" srcOrd="1" destOrd="0" presId="urn:microsoft.com/office/officeart/2005/8/layout/orgChart1"/>
+    <dgm:cxn modelId="{DB71C0C6-A34D-4C37-BAEC-0F79A49C40DA}" type="presParOf" srcId="{37C080DE-E081-4F5A-B17C-66CB76346ECC}" destId="{6B322C1A-8EF9-4E0C-9DC5-C12AF947937C}" srcOrd="1" destOrd="0" presId="urn:microsoft.com/office/officeart/2005/8/layout/orgChart1"/>
+    <dgm:cxn modelId="{0FB6C045-FA6B-4FA6-A099-C1FCDD760F2C}" type="presParOf" srcId="{6B322C1A-8EF9-4E0C-9DC5-C12AF947937C}" destId="{F7233C61-574A-430E-88C4-4D9CC6CF2519}" srcOrd="0" destOrd="0" presId="urn:microsoft.com/office/officeart/2005/8/layout/orgChart1"/>
+    <dgm:cxn modelId="{E99450FE-45A7-4A47-BA64-C112F4FA4148}" type="presParOf" srcId="{6B322C1A-8EF9-4E0C-9DC5-C12AF947937C}" destId="{54172783-1F9F-4370-BE96-F4F8781CF671}" srcOrd="1" destOrd="0" presId="urn:microsoft.com/office/officeart/2005/8/layout/orgChart1"/>
+    <dgm:cxn modelId="{602D028D-3509-4F56-B659-78BD4405AAF1}" type="presParOf" srcId="{54172783-1F9F-4370-BE96-F4F8781CF671}" destId="{162C42E8-7740-4521-BEB6-59976F052B21}" srcOrd="0" destOrd="0" presId="urn:microsoft.com/office/officeart/2005/8/layout/orgChart1"/>
+    <dgm:cxn modelId="{F220D80B-7FC7-4B32-A0D1-5D25D55D5C9E}" type="presParOf" srcId="{162C42E8-7740-4521-BEB6-59976F052B21}" destId="{6A29785A-138A-4E46-96D0-DD0AD4C8CB1F}" srcOrd="0" destOrd="0" presId="urn:microsoft.com/office/officeart/2005/8/layout/orgChart1"/>
+    <dgm:cxn modelId="{C4810B01-017F-46CF-9947-E70728C83B82}" type="presParOf" srcId="{162C42E8-7740-4521-BEB6-59976F052B21}" destId="{C510BB81-6040-4257-B113-716EC41ADC0C}" srcOrd="1" destOrd="0" presId="urn:microsoft.com/office/officeart/2005/8/layout/orgChart1"/>
+    <dgm:cxn modelId="{E01DB4A3-1026-40FE-B7C0-FA2397D3B73C}" type="presParOf" srcId="{54172783-1F9F-4370-BE96-F4F8781CF671}" destId="{7A91E38B-4A08-486D-A3B9-B95972764586}" srcOrd="1" destOrd="0" presId="urn:microsoft.com/office/officeart/2005/8/layout/orgChart1"/>
+    <dgm:cxn modelId="{50B7869E-387D-4F9C-8983-069EA8C4FA62}" type="presParOf" srcId="{54172783-1F9F-4370-BE96-F4F8781CF671}" destId="{481AEF90-ED1E-481C-AF06-2E949D85C5D3}" srcOrd="2" destOrd="0" presId="urn:microsoft.com/office/officeart/2005/8/layout/orgChart1"/>
+    <dgm:cxn modelId="{A73621C4-F47C-44D2-8BB1-04B1256A833B}" type="presParOf" srcId="{37C080DE-E081-4F5A-B17C-66CB76346ECC}" destId="{C7550D30-7E43-4C65-80C3-81B790F1A45C}" srcOrd="2" destOrd="0" presId="urn:microsoft.com/office/officeart/2005/8/layout/orgChart1"/>
     <dgm:cxn modelId="{95E42FCE-3EBB-4BDB-8A19-CB82EB16EBFD}" type="presParOf" srcId="{DC54D536-FED6-44AF-873B-58B242A63321}" destId="{A38049B3-F164-443D-99B6-63E29843D599}" srcOrd="2" destOrd="0" presId="urn:microsoft.com/office/officeart/2005/8/layout/orgChart1"/>
     <dgm:cxn modelId="{E4841D0A-E0AA-4F6D-8D8D-3BEB15AD78DC}" type="presParOf" srcId="{5B49901B-8BCF-4616-B1C2-E8B2BA1C3011}" destId="{7E2F3DAA-543F-4E3C-8ACC-584DAEF3E21F}" srcOrd="4" destOrd="0" presId="urn:microsoft.com/office/officeart/2005/8/layout/orgChart1"/>
     <dgm:cxn modelId="{1AF004F5-A07D-493A-AF28-43E93BAE0784}" type="presParOf" srcId="{5B49901B-8BCF-4616-B1C2-E8B2BA1C3011}" destId="{00724A27-05A7-49A1-8BD6-AA3D1EFC4448}" srcOrd="5" destOrd="0" presId="urn:microsoft.com/office/officeart/2005/8/layout/orgChart1"/>
@@ -8448,7 +8561,7 @@
           </a:pPr>
           <a:r>
             <a:rPr lang="en-US" sz="1600" kern="1200" dirty="0"/>
-            <a:t>Data Requirements</a:t>
+            <a:t>Hypothesis</a:t>
           </a:r>
         </a:p>
         <a:p>
@@ -8466,7 +8579,7 @@
           </a:pPr>
           <a:r>
             <a:rPr lang="en-US" sz="1600" kern="1200" dirty="0"/>
-            <a:t>Hypothesis</a:t>
+            <a:t>Data Requirements</a:t>
           </a:r>
         </a:p>
         <a:p>
@@ -9087,6 +9200,312 @@
       <dsp:cNvGrpSpPr/>
     </dsp:nvGrpSpPr>
     <dsp:grpSpPr/>
+    <dsp:sp modelId="{16325796-EB48-4741-AE24-2FC15331C779}">
+      <dsp:nvSpPr>
+        <dsp:cNvPr id="0" name=""/>
+        <dsp:cNvSpPr/>
+      </dsp:nvSpPr>
+      <dsp:spPr>
+        <a:xfrm>
+          <a:off x="0" y="28499"/>
+          <a:ext cx="7493000" cy="1193400"/>
+        </a:xfrm>
+        <a:prstGeom prst="roundRect">
+          <a:avLst/>
+        </a:prstGeom>
+        <a:gradFill rotWithShape="0">
+          <a:gsLst>
+            <a:gs pos="0">
+              <a:schemeClr val="accent5">
+                <a:hueOff val="0"/>
+                <a:satOff val="0"/>
+                <a:lumOff val="0"/>
+                <a:alphaOff val="0"/>
+                <a:tint val="96000"/>
+                <a:lumMod val="104000"/>
+              </a:schemeClr>
+            </a:gs>
+            <a:gs pos="100000">
+              <a:schemeClr val="accent5">
+                <a:hueOff val="0"/>
+                <a:satOff val="0"/>
+                <a:lumOff val="0"/>
+                <a:alphaOff val="0"/>
+                <a:shade val="98000"/>
+                <a:lumMod val="94000"/>
+              </a:schemeClr>
+            </a:gs>
+          </a:gsLst>
+          <a:lin ang="5400000" scaled="0"/>
+        </a:gradFill>
+        <a:ln>
+          <a:noFill/>
+        </a:ln>
+        <a:effectLst>
+          <a:outerShdw blurRad="38100" dist="25400" dir="5400000" rotWithShape="0">
+            <a:srgbClr val="000000">
+              <a:alpha val="25000"/>
+            </a:srgbClr>
+          </a:outerShdw>
+        </a:effectLst>
+      </dsp:spPr>
+      <dsp:style>
+        <a:lnRef idx="0">
+          <a:scrgbClr r="0" g="0" b="0"/>
+        </a:lnRef>
+        <a:fillRef idx="3">
+          <a:scrgbClr r="0" g="0" b="0"/>
+        </a:fillRef>
+        <a:effectRef idx="2">
+          <a:scrgbClr r="0" g="0" b="0"/>
+        </a:effectRef>
+        <a:fontRef idx="minor">
+          <a:schemeClr val="lt1"/>
+        </a:fontRef>
+      </dsp:style>
+      <dsp:txBody>
+        <a:bodyPr spcFirstLastPara="0" vert="horz" wrap="square" lIns="114300" tIns="114300" rIns="114300" bIns="114300" numCol="1" spcCol="1270" anchor="ctr" anchorCtr="0">
+          <a:noAutofit/>
+        </a:bodyPr>
+        <a:lstStyle/>
+        <a:p>
+          <a:pPr marL="0" lvl="0" indent="0" algn="l" defTabSz="1333500">
+            <a:lnSpc>
+              <a:spcPct val="90000"/>
+            </a:lnSpc>
+            <a:spcBef>
+              <a:spcPct val="0"/>
+            </a:spcBef>
+            <a:spcAft>
+              <a:spcPct val="35000"/>
+            </a:spcAft>
+            <a:buNone/>
+          </a:pPr>
+          <a:r>
+            <a:rPr lang="en-US" sz="3000" kern="1200" dirty="0"/>
+            <a:t>R1: Does </a:t>
+          </a:r>
+          <a:r>
+            <a:rPr lang="en-US" sz="3000" i="1" kern="1200" dirty="0"/>
+            <a:t>race </a:t>
+          </a:r>
+          <a:r>
+            <a:rPr lang="en-US" sz="3000" kern="1200" dirty="0"/>
+            <a:t>or </a:t>
+          </a:r>
+          <a:r>
+            <a:rPr lang="en-US" sz="3000" i="1" kern="1200" dirty="0"/>
+            <a:t>sanity </a:t>
+          </a:r>
+          <a:r>
+            <a:rPr lang="en-US" sz="3000" kern="1200" dirty="0"/>
+            <a:t>explain the data set</a:t>
+          </a:r>
+        </a:p>
+      </dsp:txBody>
+      <dsp:txXfrm>
+        <a:off x="58257" y="86756"/>
+        <a:ext cx="7376486" cy="1076886"/>
+      </dsp:txXfrm>
+    </dsp:sp>
+    <dsp:sp modelId="{33899ADC-83BF-4B01-9705-2306F97D8424}">
+      <dsp:nvSpPr>
+        <dsp:cNvPr id="0" name=""/>
+        <dsp:cNvSpPr/>
+      </dsp:nvSpPr>
+      <dsp:spPr>
+        <a:xfrm>
+          <a:off x="0" y="1308299"/>
+          <a:ext cx="7493000" cy="1193400"/>
+        </a:xfrm>
+        <a:prstGeom prst="roundRect">
+          <a:avLst/>
+        </a:prstGeom>
+        <a:gradFill rotWithShape="0">
+          <a:gsLst>
+            <a:gs pos="0">
+              <a:schemeClr val="accent5">
+                <a:hueOff val="853083"/>
+                <a:satOff val="-888"/>
+                <a:lumOff val="1077"/>
+                <a:alphaOff val="0"/>
+                <a:tint val="96000"/>
+                <a:lumMod val="104000"/>
+              </a:schemeClr>
+            </a:gs>
+            <a:gs pos="100000">
+              <a:schemeClr val="accent5">
+                <a:hueOff val="853083"/>
+                <a:satOff val="-888"/>
+                <a:lumOff val="1077"/>
+                <a:alphaOff val="0"/>
+                <a:shade val="98000"/>
+                <a:lumMod val="94000"/>
+              </a:schemeClr>
+            </a:gs>
+          </a:gsLst>
+          <a:lin ang="5400000" scaled="0"/>
+        </a:gradFill>
+        <a:ln>
+          <a:noFill/>
+        </a:ln>
+        <a:effectLst>
+          <a:outerShdw blurRad="38100" dist="25400" dir="5400000" rotWithShape="0">
+            <a:srgbClr val="000000">
+              <a:alpha val="25000"/>
+            </a:srgbClr>
+          </a:outerShdw>
+        </a:effectLst>
+      </dsp:spPr>
+      <dsp:style>
+        <a:lnRef idx="0">
+          <a:scrgbClr r="0" g="0" b="0"/>
+        </a:lnRef>
+        <a:fillRef idx="3">
+          <a:scrgbClr r="0" g="0" b="0"/>
+        </a:fillRef>
+        <a:effectRef idx="2">
+          <a:scrgbClr r="0" g="0" b="0"/>
+        </a:effectRef>
+        <a:fontRef idx="minor">
+          <a:schemeClr val="lt1"/>
+        </a:fontRef>
+      </dsp:style>
+      <dsp:txBody>
+        <a:bodyPr spcFirstLastPara="0" vert="horz" wrap="square" lIns="114300" tIns="114300" rIns="114300" bIns="114300" numCol="1" spcCol="1270" anchor="ctr" anchorCtr="0">
+          <a:noAutofit/>
+        </a:bodyPr>
+        <a:lstStyle/>
+        <a:p>
+          <a:pPr marL="0" lvl="0" indent="0" algn="l" defTabSz="1333500">
+            <a:lnSpc>
+              <a:spcPct val="90000"/>
+            </a:lnSpc>
+            <a:spcBef>
+              <a:spcPct val="0"/>
+            </a:spcBef>
+            <a:spcAft>
+              <a:spcPct val="35000"/>
+            </a:spcAft>
+            <a:buNone/>
+          </a:pPr>
+          <a:r>
+            <a:rPr lang="en-US" sz="3000" kern="1200"/>
+            <a:t>R2: Are these even-handed or racially profiled</a:t>
+          </a:r>
+          <a:endParaRPr lang="en-US" sz="3000" kern="1200" dirty="0"/>
+        </a:p>
+      </dsp:txBody>
+      <dsp:txXfrm>
+        <a:off x="58257" y="1366556"/>
+        <a:ext cx="7376486" cy="1076886"/>
+      </dsp:txXfrm>
+    </dsp:sp>
+    <dsp:sp modelId="{78E39846-2EEE-4536-A18F-D9607272FF3B}">
+      <dsp:nvSpPr>
+        <dsp:cNvPr id="0" name=""/>
+        <dsp:cNvSpPr/>
+      </dsp:nvSpPr>
+      <dsp:spPr>
+        <a:xfrm>
+          <a:off x="0" y="2588099"/>
+          <a:ext cx="7493000" cy="1193400"/>
+        </a:xfrm>
+        <a:prstGeom prst="roundRect">
+          <a:avLst/>
+        </a:prstGeom>
+        <a:gradFill rotWithShape="0">
+          <a:gsLst>
+            <a:gs pos="0">
+              <a:schemeClr val="accent5">
+                <a:hueOff val="1706166"/>
+                <a:satOff val="-1777"/>
+                <a:lumOff val="2155"/>
+                <a:alphaOff val="0"/>
+                <a:tint val="96000"/>
+                <a:lumMod val="104000"/>
+              </a:schemeClr>
+            </a:gs>
+            <a:gs pos="100000">
+              <a:schemeClr val="accent5">
+                <a:hueOff val="1706166"/>
+                <a:satOff val="-1777"/>
+                <a:lumOff val="2155"/>
+                <a:alphaOff val="0"/>
+                <a:shade val="98000"/>
+                <a:lumMod val="94000"/>
+              </a:schemeClr>
+            </a:gs>
+          </a:gsLst>
+          <a:lin ang="5400000" scaled="0"/>
+        </a:gradFill>
+        <a:ln>
+          <a:noFill/>
+        </a:ln>
+        <a:effectLst>
+          <a:outerShdw blurRad="38100" dist="25400" dir="5400000" rotWithShape="0">
+            <a:srgbClr val="000000">
+              <a:alpha val="25000"/>
+            </a:srgbClr>
+          </a:outerShdw>
+        </a:effectLst>
+      </dsp:spPr>
+      <dsp:style>
+        <a:lnRef idx="0">
+          <a:scrgbClr r="0" g="0" b="0"/>
+        </a:lnRef>
+        <a:fillRef idx="3">
+          <a:scrgbClr r="0" g="0" b="0"/>
+        </a:fillRef>
+        <a:effectRef idx="2">
+          <a:scrgbClr r="0" g="0" b="0"/>
+        </a:effectRef>
+        <a:fontRef idx="minor">
+          <a:schemeClr val="lt1"/>
+        </a:fontRef>
+      </dsp:style>
+      <dsp:txBody>
+        <a:bodyPr spcFirstLastPara="0" vert="horz" wrap="square" lIns="114300" tIns="114300" rIns="114300" bIns="114300" numCol="1" spcCol="1270" anchor="ctr" anchorCtr="0">
+          <a:noAutofit/>
+        </a:bodyPr>
+        <a:lstStyle/>
+        <a:p>
+          <a:pPr marL="0" lvl="0" indent="0" algn="l" defTabSz="1333500">
+            <a:lnSpc>
+              <a:spcPct val="90000"/>
+            </a:lnSpc>
+            <a:spcBef>
+              <a:spcPct val="0"/>
+            </a:spcBef>
+            <a:spcAft>
+              <a:spcPct val="35000"/>
+            </a:spcAft>
+            <a:buNone/>
+          </a:pPr>
+          <a:r>
+            <a:rPr lang="en-US" sz="3000" kern="1200"/>
+            <a:t>R3: Does another variable better explain the data set</a:t>
+          </a:r>
+          <a:endParaRPr lang="en-US" sz="3000" kern="1200" dirty="0"/>
+        </a:p>
+      </dsp:txBody>
+      <dsp:txXfrm>
+        <a:off x="58257" y="2646356"/>
+        <a:ext cx="7376486" cy="1076886"/>
+      </dsp:txXfrm>
+    </dsp:sp>
+  </dsp:spTree>
+</dsp:drawing>
+</file>
+
+<file path=ppt/diagrams/drawing3.xml><?xml version="1.0" encoding="utf-8"?>
+<dsp:drawing xmlns:dgm="http://schemas.openxmlformats.org/drawingml/2006/diagram" xmlns:dsp="http://schemas.microsoft.com/office/drawing/2008/diagram" xmlns:a="http://schemas.openxmlformats.org/drawingml/2006/main">
+  <dsp:spTree>
+    <dsp:nvGrpSpPr>
+      <dsp:cNvPr id="0" name=""/>
+      <dsp:cNvGrpSpPr/>
+    </dsp:nvGrpSpPr>
+    <dsp:grpSpPr/>
     <dsp:sp modelId="{5CB545BA-065F-413C-8810-873014DA0563}">
       <dsp:nvSpPr>
         <dsp:cNvPr id="0" name=""/>
@@ -9467,312 +9886,6 @@
 </dsp:drawing>
 </file>
 
-<file path=ppt/diagrams/drawing3.xml><?xml version="1.0" encoding="utf-8"?>
-<dsp:drawing xmlns:dgm="http://schemas.openxmlformats.org/drawingml/2006/diagram" xmlns:dsp="http://schemas.microsoft.com/office/drawing/2008/diagram" xmlns:a="http://schemas.openxmlformats.org/drawingml/2006/main">
-  <dsp:spTree>
-    <dsp:nvGrpSpPr>
-      <dsp:cNvPr id="0" name=""/>
-      <dsp:cNvGrpSpPr/>
-    </dsp:nvGrpSpPr>
-    <dsp:grpSpPr/>
-    <dsp:sp modelId="{16325796-EB48-4741-AE24-2FC15331C779}">
-      <dsp:nvSpPr>
-        <dsp:cNvPr id="0" name=""/>
-        <dsp:cNvSpPr/>
-      </dsp:nvSpPr>
-      <dsp:spPr>
-        <a:xfrm>
-          <a:off x="0" y="28499"/>
-          <a:ext cx="7493000" cy="1193400"/>
-        </a:xfrm>
-        <a:prstGeom prst="roundRect">
-          <a:avLst/>
-        </a:prstGeom>
-        <a:gradFill rotWithShape="0">
-          <a:gsLst>
-            <a:gs pos="0">
-              <a:schemeClr val="accent5">
-                <a:hueOff val="0"/>
-                <a:satOff val="0"/>
-                <a:lumOff val="0"/>
-                <a:alphaOff val="0"/>
-                <a:tint val="96000"/>
-                <a:lumMod val="104000"/>
-              </a:schemeClr>
-            </a:gs>
-            <a:gs pos="100000">
-              <a:schemeClr val="accent5">
-                <a:hueOff val="0"/>
-                <a:satOff val="0"/>
-                <a:lumOff val="0"/>
-                <a:alphaOff val="0"/>
-                <a:shade val="98000"/>
-                <a:lumMod val="94000"/>
-              </a:schemeClr>
-            </a:gs>
-          </a:gsLst>
-          <a:lin ang="5400000" scaled="0"/>
-        </a:gradFill>
-        <a:ln>
-          <a:noFill/>
-        </a:ln>
-        <a:effectLst>
-          <a:outerShdw blurRad="38100" dist="25400" dir="5400000" rotWithShape="0">
-            <a:srgbClr val="000000">
-              <a:alpha val="25000"/>
-            </a:srgbClr>
-          </a:outerShdw>
-        </a:effectLst>
-      </dsp:spPr>
-      <dsp:style>
-        <a:lnRef idx="0">
-          <a:scrgbClr r="0" g="0" b="0"/>
-        </a:lnRef>
-        <a:fillRef idx="3">
-          <a:scrgbClr r="0" g="0" b="0"/>
-        </a:fillRef>
-        <a:effectRef idx="2">
-          <a:scrgbClr r="0" g="0" b="0"/>
-        </a:effectRef>
-        <a:fontRef idx="minor">
-          <a:schemeClr val="lt1"/>
-        </a:fontRef>
-      </dsp:style>
-      <dsp:txBody>
-        <a:bodyPr spcFirstLastPara="0" vert="horz" wrap="square" lIns="114300" tIns="114300" rIns="114300" bIns="114300" numCol="1" spcCol="1270" anchor="ctr" anchorCtr="0">
-          <a:noAutofit/>
-        </a:bodyPr>
-        <a:lstStyle/>
-        <a:p>
-          <a:pPr marL="0" lvl="0" indent="0" algn="l" defTabSz="1333500">
-            <a:lnSpc>
-              <a:spcPct val="90000"/>
-            </a:lnSpc>
-            <a:spcBef>
-              <a:spcPct val="0"/>
-            </a:spcBef>
-            <a:spcAft>
-              <a:spcPct val="35000"/>
-            </a:spcAft>
-            <a:buNone/>
-          </a:pPr>
-          <a:r>
-            <a:rPr lang="en-US" sz="3000" kern="1200" dirty="0"/>
-            <a:t>R1: Does </a:t>
-          </a:r>
-          <a:r>
-            <a:rPr lang="en-US" sz="3000" i="1" kern="1200" dirty="0"/>
-            <a:t>race </a:t>
-          </a:r>
-          <a:r>
-            <a:rPr lang="en-US" sz="3000" kern="1200" dirty="0"/>
-            <a:t>or </a:t>
-          </a:r>
-          <a:r>
-            <a:rPr lang="en-US" sz="3000" i="1" kern="1200" dirty="0"/>
-            <a:t>sanity </a:t>
-          </a:r>
-          <a:r>
-            <a:rPr lang="en-US" sz="3000" kern="1200" dirty="0"/>
-            <a:t>explain the data set</a:t>
-          </a:r>
-        </a:p>
-      </dsp:txBody>
-      <dsp:txXfrm>
-        <a:off x="58257" y="86756"/>
-        <a:ext cx="7376486" cy="1076886"/>
-      </dsp:txXfrm>
-    </dsp:sp>
-    <dsp:sp modelId="{33899ADC-83BF-4B01-9705-2306F97D8424}">
-      <dsp:nvSpPr>
-        <dsp:cNvPr id="0" name=""/>
-        <dsp:cNvSpPr/>
-      </dsp:nvSpPr>
-      <dsp:spPr>
-        <a:xfrm>
-          <a:off x="0" y="1308299"/>
-          <a:ext cx="7493000" cy="1193400"/>
-        </a:xfrm>
-        <a:prstGeom prst="roundRect">
-          <a:avLst/>
-        </a:prstGeom>
-        <a:gradFill rotWithShape="0">
-          <a:gsLst>
-            <a:gs pos="0">
-              <a:schemeClr val="accent5">
-                <a:hueOff val="853083"/>
-                <a:satOff val="-888"/>
-                <a:lumOff val="1077"/>
-                <a:alphaOff val="0"/>
-                <a:tint val="96000"/>
-                <a:lumMod val="104000"/>
-              </a:schemeClr>
-            </a:gs>
-            <a:gs pos="100000">
-              <a:schemeClr val="accent5">
-                <a:hueOff val="853083"/>
-                <a:satOff val="-888"/>
-                <a:lumOff val="1077"/>
-                <a:alphaOff val="0"/>
-                <a:shade val="98000"/>
-                <a:lumMod val="94000"/>
-              </a:schemeClr>
-            </a:gs>
-          </a:gsLst>
-          <a:lin ang="5400000" scaled="0"/>
-        </a:gradFill>
-        <a:ln>
-          <a:noFill/>
-        </a:ln>
-        <a:effectLst>
-          <a:outerShdw blurRad="38100" dist="25400" dir="5400000" rotWithShape="0">
-            <a:srgbClr val="000000">
-              <a:alpha val="25000"/>
-            </a:srgbClr>
-          </a:outerShdw>
-        </a:effectLst>
-      </dsp:spPr>
-      <dsp:style>
-        <a:lnRef idx="0">
-          <a:scrgbClr r="0" g="0" b="0"/>
-        </a:lnRef>
-        <a:fillRef idx="3">
-          <a:scrgbClr r="0" g="0" b="0"/>
-        </a:fillRef>
-        <a:effectRef idx="2">
-          <a:scrgbClr r="0" g="0" b="0"/>
-        </a:effectRef>
-        <a:fontRef idx="minor">
-          <a:schemeClr val="lt1"/>
-        </a:fontRef>
-      </dsp:style>
-      <dsp:txBody>
-        <a:bodyPr spcFirstLastPara="0" vert="horz" wrap="square" lIns="114300" tIns="114300" rIns="114300" bIns="114300" numCol="1" spcCol="1270" anchor="ctr" anchorCtr="0">
-          <a:noAutofit/>
-        </a:bodyPr>
-        <a:lstStyle/>
-        <a:p>
-          <a:pPr marL="0" lvl="0" indent="0" algn="l" defTabSz="1333500">
-            <a:lnSpc>
-              <a:spcPct val="90000"/>
-            </a:lnSpc>
-            <a:spcBef>
-              <a:spcPct val="0"/>
-            </a:spcBef>
-            <a:spcAft>
-              <a:spcPct val="35000"/>
-            </a:spcAft>
-            <a:buNone/>
-          </a:pPr>
-          <a:r>
-            <a:rPr lang="en-US" sz="3000" kern="1200"/>
-            <a:t>R2: Are these even-handed or racially profiled</a:t>
-          </a:r>
-          <a:endParaRPr lang="en-US" sz="3000" kern="1200" dirty="0"/>
-        </a:p>
-      </dsp:txBody>
-      <dsp:txXfrm>
-        <a:off x="58257" y="1366556"/>
-        <a:ext cx="7376486" cy="1076886"/>
-      </dsp:txXfrm>
-    </dsp:sp>
-    <dsp:sp modelId="{78E39846-2EEE-4536-A18F-D9607272FF3B}">
-      <dsp:nvSpPr>
-        <dsp:cNvPr id="0" name=""/>
-        <dsp:cNvSpPr/>
-      </dsp:nvSpPr>
-      <dsp:spPr>
-        <a:xfrm>
-          <a:off x="0" y="2588099"/>
-          <a:ext cx="7493000" cy="1193400"/>
-        </a:xfrm>
-        <a:prstGeom prst="roundRect">
-          <a:avLst/>
-        </a:prstGeom>
-        <a:gradFill rotWithShape="0">
-          <a:gsLst>
-            <a:gs pos="0">
-              <a:schemeClr val="accent5">
-                <a:hueOff val="1706166"/>
-                <a:satOff val="-1777"/>
-                <a:lumOff val="2155"/>
-                <a:alphaOff val="0"/>
-                <a:tint val="96000"/>
-                <a:lumMod val="104000"/>
-              </a:schemeClr>
-            </a:gs>
-            <a:gs pos="100000">
-              <a:schemeClr val="accent5">
-                <a:hueOff val="1706166"/>
-                <a:satOff val="-1777"/>
-                <a:lumOff val="2155"/>
-                <a:alphaOff val="0"/>
-                <a:shade val="98000"/>
-                <a:lumMod val="94000"/>
-              </a:schemeClr>
-            </a:gs>
-          </a:gsLst>
-          <a:lin ang="5400000" scaled="0"/>
-        </a:gradFill>
-        <a:ln>
-          <a:noFill/>
-        </a:ln>
-        <a:effectLst>
-          <a:outerShdw blurRad="38100" dist="25400" dir="5400000" rotWithShape="0">
-            <a:srgbClr val="000000">
-              <a:alpha val="25000"/>
-            </a:srgbClr>
-          </a:outerShdw>
-        </a:effectLst>
-      </dsp:spPr>
-      <dsp:style>
-        <a:lnRef idx="0">
-          <a:scrgbClr r="0" g="0" b="0"/>
-        </a:lnRef>
-        <a:fillRef idx="3">
-          <a:scrgbClr r="0" g="0" b="0"/>
-        </a:fillRef>
-        <a:effectRef idx="2">
-          <a:scrgbClr r="0" g="0" b="0"/>
-        </a:effectRef>
-        <a:fontRef idx="minor">
-          <a:schemeClr val="lt1"/>
-        </a:fontRef>
-      </dsp:style>
-      <dsp:txBody>
-        <a:bodyPr spcFirstLastPara="0" vert="horz" wrap="square" lIns="114300" tIns="114300" rIns="114300" bIns="114300" numCol="1" spcCol="1270" anchor="ctr" anchorCtr="0">
-          <a:noAutofit/>
-        </a:bodyPr>
-        <a:lstStyle/>
-        <a:p>
-          <a:pPr marL="0" lvl="0" indent="0" algn="l" defTabSz="1333500">
-            <a:lnSpc>
-              <a:spcPct val="90000"/>
-            </a:lnSpc>
-            <a:spcBef>
-              <a:spcPct val="0"/>
-            </a:spcBef>
-            <a:spcAft>
-              <a:spcPct val="35000"/>
-            </a:spcAft>
-            <a:buNone/>
-          </a:pPr>
-          <a:r>
-            <a:rPr lang="en-US" sz="3000" kern="1200"/>
-            <a:t>R3: Does another variable better explain the data set</a:t>
-          </a:r>
-          <a:endParaRPr lang="en-US" sz="3000" kern="1200" dirty="0"/>
-        </a:p>
-      </dsp:txBody>
-      <dsp:txXfrm>
-        <a:off x="58257" y="2646356"/>
-        <a:ext cx="7376486" cy="1076886"/>
-      </dsp:txXfrm>
-    </dsp:sp>
-  </dsp:spTree>
-</dsp:drawing>
-</file>
-
 <file path=ppt/diagrams/drawing4.xml><?xml version="1.0" encoding="utf-8"?>
 <dsp:drawing xmlns:dgm="http://schemas.openxmlformats.org/drawingml/2006/diagram" xmlns:dsp="http://schemas.microsoft.com/office/drawing/2008/diagram" xmlns:a="http://schemas.openxmlformats.org/drawingml/2006/main">
   <dsp:spTree>
@@ -9788,8 +9901,8 @@
       </dsp:nvSpPr>
       <dsp:spPr>
         <a:xfrm>
-          <a:off x="2842509" y="1370304"/>
-          <a:ext cx="169078" cy="1318809"/>
+          <a:off x="5077062" y="2204162"/>
+          <a:ext cx="154150" cy="1202376"/>
         </a:xfrm>
         <a:custGeom>
           <a:avLst/>
@@ -9803,10 +9916,10 @@
                 <a:pt x="0" y="0"/>
               </a:moveTo>
               <a:lnTo>
-                <a:pt x="0" y="1318809"/>
+                <a:pt x="0" y="1202376"/>
               </a:lnTo>
               <a:lnTo>
-                <a:pt x="169078" y="1318809"/>
+                <a:pt x="154150" y="1202376"/>
               </a:lnTo>
             </a:path>
           </a:pathLst>
@@ -9845,8 +9958,8 @@
       </dsp:nvSpPr>
       <dsp:spPr>
         <a:xfrm>
-          <a:off x="2842509" y="1370304"/>
-          <a:ext cx="169078" cy="518506"/>
+          <a:off x="5077062" y="2204162"/>
+          <a:ext cx="154150" cy="472729"/>
         </a:xfrm>
         <a:custGeom>
           <a:avLst/>
@@ -9860,10 +9973,10 @@
                 <a:pt x="0" y="0"/>
               </a:moveTo>
               <a:lnTo>
-                <a:pt x="0" y="518506"/>
+                <a:pt x="0" y="472729"/>
               </a:lnTo>
               <a:lnTo>
-                <a:pt x="169078" y="518506"/>
+                <a:pt x="154150" y="472729"/>
               </a:lnTo>
             </a:path>
           </a:pathLst>
@@ -9902,8 +10015,8 @@
       </dsp:nvSpPr>
       <dsp:spPr>
         <a:xfrm>
-          <a:off x="1929487" y="570001"/>
-          <a:ext cx="1363897" cy="236709"/>
+          <a:off x="3312035" y="1474515"/>
+          <a:ext cx="2176095" cy="215811"/>
         </a:xfrm>
         <a:custGeom>
           <a:avLst/>
@@ -9917,13 +10030,13 @@
                 <a:pt x="0" y="0"/>
               </a:moveTo>
               <a:lnTo>
-                <a:pt x="0" y="118354"/>
+                <a:pt x="0" y="107905"/>
               </a:lnTo>
               <a:lnTo>
-                <a:pt x="1363897" y="118354"/>
+                <a:pt x="2176095" y="107905"/>
               </a:lnTo>
               <a:lnTo>
-                <a:pt x="1363897" y="236709"/>
+                <a:pt x="2176095" y="215811"/>
               </a:lnTo>
             </a:path>
           </a:pathLst>
@@ -9962,8 +10075,8 @@
       </dsp:nvSpPr>
       <dsp:spPr>
         <a:xfrm>
-          <a:off x="1478612" y="1370304"/>
-          <a:ext cx="169078" cy="1318809"/>
+          <a:off x="3833579" y="2933810"/>
+          <a:ext cx="154150" cy="472729"/>
         </a:xfrm>
         <a:custGeom>
           <a:avLst/>
@@ -9977,10 +10090,70 @@
                 <a:pt x="0" y="0"/>
               </a:moveTo>
               <a:lnTo>
-                <a:pt x="0" y="1318809"/>
+                <a:pt x="0" y="472729"/>
               </a:lnTo>
               <a:lnTo>
-                <a:pt x="169078" y="1318809"/>
+                <a:pt x="154150" y="472729"/>
+              </a:lnTo>
+            </a:path>
+          </a:pathLst>
+        </a:custGeom>
+        <a:noFill/>
+        <a:ln w="15875" cap="rnd" cmpd="sng" algn="ctr">
+          <a:solidFill>
+            <a:schemeClr val="accent5">
+              <a:hueOff val="0"/>
+              <a:satOff val="0"/>
+              <a:lumOff val="0"/>
+              <a:alphaOff val="0"/>
+            </a:schemeClr>
+          </a:solidFill>
+          <a:prstDash val="solid"/>
+        </a:ln>
+        <a:effectLst/>
+      </dsp:spPr>
+      <dsp:style>
+        <a:lnRef idx="2">
+          <a:scrgbClr r="0" g="0" b="0"/>
+        </a:lnRef>
+        <a:fillRef idx="0">
+          <a:scrgbClr r="0" g="0" b="0"/>
+        </a:fillRef>
+        <a:effectRef idx="0">
+          <a:scrgbClr r="0" g="0" b="0"/>
+        </a:effectRef>
+        <a:fontRef idx="minor"/>
+      </dsp:style>
+    </dsp:sp>
+    <dsp:sp modelId="{9ACF3FF1-15E2-4D32-B1DF-4B7552197674}">
+      <dsp:nvSpPr>
+        <dsp:cNvPr id="0" name=""/>
+        <dsp:cNvSpPr/>
+      </dsp:nvSpPr>
+      <dsp:spPr>
+        <a:xfrm>
+          <a:off x="3622906" y="2204162"/>
+          <a:ext cx="621741" cy="215811"/>
+        </a:xfrm>
+        <a:custGeom>
+          <a:avLst/>
+          <a:gdLst/>
+          <a:ahLst/>
+          <a:cxnLst/>
+          <a:rect l="0" t="0" r="0" b="0"/>
+          <a:pathLst>
+            <a:path>
+              <a:moveTo>
+                <a:pt x="0" y="0"/>
+              </a:moveTo>
+              <a:lnTo>
+                <a:pt x="0" y="107905"/>
+              </a:lnTo>
+              <a:lnTo>
+                <a:pt x="621741" y="107905"/>
+              </a:lnTo>
+              <a:lnTo>
+                <a:pt x="621741" y="215811"/>
               </a:lnTo>
             </a:path>
           </a:pathLst>
@@ -10019,8 +10192,8 @@
       </dsp:nvSpPr>
       <dsp:spPr>
         <a:xfrm>
-          <a:off x="1478612" y="1370304"/>
-          <a:ext cx="169078" cy="518506"/>
+          <a:off x="3001165" y="2204162"/>
+          <a:ext cx="621741" cy="215811"/>
         </a:xfrm>
         <a:custGeom>
           <a:avLst/>
@@ -10031,13 +10204,16 @@
           <a:pathLst>
             <a:path>
               <a:moveTo>
-                <a:pt x="0" y="0"/>
+                <a:pt x="621741" y="0"/>
               </a:moveTo>
               <a:lnTo>
-                <a:pt x="0" y="518506"/>
+                <a:pt x="621741" y="107905"/>
               </a:lnTo>
               <a:lnTo>
-                <a:pt x="169078" y="518506"/>
+                <a:pt x="0" y="107905"/>
+              </a:lnTo>
+              <a:lnTo>
+                <a:pt x="0" y="215811"/>
               </a:lnTo>
             </a:path>
           </a:pathLst>
@@ -10076,8 +10252,8 @@
       </dsp:nvSpPr>
       <dsp:spPr>
         <a:xfrm>
-          <a:off x="1883767" y="570001"/>
-          <a:ext cx="91440" cy="236709"/>
+          <a:off x="3312035" y="1474515"/>
+          <a:ext cx="310870" cy="215811"/>
         </a:xfrm>
         <a:custGeom>
           <a:avLst/>
@@ -10088,10 +10264,16 @@
           <a:pathLst>
             <a:path>
               <a:moveTo>
-                <a:pt x="45720" y="0"/>
+                <a:pt x="0" y="0"/>
               </a:moveTo>
               <a:lnTo>
-                <a:pt x="45720" y="236709"/>
+                <a:pt x="0" y="107905"/>
+              </a:lnTo>
+              <a:lnTo>
+                <a:pt x="310870" y="107905"/>
+              </a:lnTo>
+              <a:lnTo>
+                <a:pt x="310870" y="215811"/>
               </a:lnTo>
             </a:path>
           </a:pathLst>
@@ -10130,8 +10312,8 @@
       </dsp:nvSpPr>
       <dsp:spPr>
         <a:xfrm>
-          <a:off x="114715" y="1370304"/>
-          <a:ext cx="169078" cy="2119112"/>
+          <a:off x="1135940" y="2204162"/>
+          <a:ext cx="621741" cy="215811"/>
         </a:xfrm>
         <a:custGeom>
           <a:avLst/>
@@ -10145,10 +10327,13 @@
                 <a:pt x="0" y="0"/>
               </a:moveTo>
               <a:lnTo>
-                <a:pt x="0" y="2119112"/>
+                <a:pt x="0" y="107905"/>
               </a:lnTo>
               <a:lnTo>
-                <a:pt x="169078" y="2119112"/>
+                <a:pt x="621741" y="107905"/>
+              </a:lnTo>
+              <a:lnTo>
+                <a:pt x="621741" y="215811"/>
               </a:lnTo>
             </a:path>
           </a:pathLst>
@@ -10187,8 +10372,8 @@
       </dsp:nvSpPr>
       <dsp:spPr>
         <a:xfrm>
-          <a:off x="114715" y="1370304"/>
-          <a:ext cx="169078" cy="1318809"/>
+          <a:off x="103130" y="2933810"/>
+          <a:ext cx="154150" cy="472729"/>
         </a:xfrm>
         <a:custGeom>
           <a:avLst/>
@@ -10202,10 +10387,10 @@
                 <a:pt x="0" y="0"/>
               </a:moveTo>
               <a:lnTo>
-                <a:pt x="0" y="1318809"/>
+                <a:pt x="0" y="472729"/>
               </a:lnTo>
               <a:lnTo>
-                <a:pt x="169078" y="1318809"/>
+                <a:pt x="154150" y="472729"/>
               </a:lnTo>
             </a:path>
           </a:pathLst>
@@ -10213,7 +10398,7 @@
         <a:noFill/>
         <a:ln w="15875" cap="rnd" cmpd="sng" algn="ctr">
           <a:solidFill>
-            <a:schemeClr val="accent4">
+            <a:schemeClr val="accent5">
               <a:hueOff val="0"/>
               <a:satOff val="0"/>
               <a:lumOff val="0"/>
@@ -10244,8 +10429,8 @@
       </dsp:nvSpPr>
       <dsp:spPr>
         <a:xfrm>
-          <a:off x="114715" y="1370304"/>
-          <a:ext cx="169078" cy="518506"/>
+          <a:off x="514198" y="2204162"/>
+          <a:ext cx="621741" cy="215811"/>
         </a:xfrm>
         <a:custGeom>
           <a:avLst/>
@@ -10256,13 +10441,16 @@
           <a:pathLst>
             <a:path>
               <a:moveTo>
-                <a:pt x="0" y="0"/>
+                <a:pt x="621741" y="0"/>
               </a:moveTo>
               <a:lnTo>
-                <a:pt x="0" y="518506"/>
+                <a:pt x="621741" y="107905"/>
               </a:lnTo>
               <a:lnTo>
-                <a:pt x="169078" y="518506"/>
+                <a:pt x="0" y="107905"/>
+              </a:lnTo>
+              <a:lnTo>
+                <a:pt x="0" y="215811"/>
               </a:lnTo>
             </a:path>
           </a:pathLst>
@@ -10301,8 +10489,8 @@
       </dsp:nvSpPr>
       <dsp:spPr>
         <a:xfrm>
-          <a:off x="565590" y="570001"/>
-          <a:ext cx="1363897" cy="236709"/>
+          <a:off x="1135940" y="1474515"/>
+          <a:ext cx="2176095" cy="215811"/>
         </a:xfrm>
         <a:custGeom>
           <a:avLst/>
@@ -10313,16 +10501,16 @@
           <a:pathLst>
             <a:path>
               <a:moveTo>
-                <a:pt x="1363897" y="0"/>
+                <a:pt x="2176095" y="0"/>
               </a:moveTo>
               <a:lnTo>
-                <a:pt x="1363897" y="118354"/>
+                <a:pt x="2176095" y="107905"/>
               </a:lnTo>
               <a:lnTo>
-                <a:pt x="0" y="118354"/>
+                <a:pt x="0" y="107905"/>
               </a:lnTo>
               <a:lnTo>
-                <a:pt x="0" y="236709"/>
+                <a:pt x="0" y="215811"/>
               </a:lnTo>
             </a:path>
           </a:pathLst>
@@ -10361,8 +10549,8 @@
       </dsp:nvSpPr>
       <dsp:spPr>
         <a:xfrm>
-          <a:off x="1365893" y="6407"/>
-          <a:ext cx="1127187" cy="563593"/>
+          <a:off x="2798199" y="960679"/>
+          <a:ext cx="1027671" cy="513835"/>
         </a:xfrm>
         <a:prstGeom prst="rect">
           <a:avLst/>
@@ -10418,12 +10606,12 @@
         </a:fontRef>
       </dsp:style>
       <dsp:txBody>
-        <a:bodyPr spcFirstLastPara="0" vert="horz" wrap="square" lIns="7620" tIns="7620" rIns="7620" bIns="7620" numCol="1" spcCol="1270" anchor="ctr" anchorCtr="0">
+        <a:bodyPr spcFirstLastPara="0" vert="horz" wrap="square" lIns="6985" tIns="6985" rIns="6985" bIns="6985" numCol="1" spcCol="1270" anchor="ctr" anchorCtr="0">
           <a:noAutofit/>
         </a:bodyPr>
         <a:lstStyle/>
         <a:p>
-          <a:pPr marL="0" lvl="0" indent="0" algn="ctr" defTabSz="533400">
+          <a:pPr marL="0" lvl="0" indent="0" algn="ctr" defTabSz="488950">
             <a:lnSpc>
               <a:spcPct val="90000"/>
             </a:lnSpc>
@@ -10439,7 +10627,7 @@
             <a:buNone/>
           </a:pPr>
           <a:r>
-            <a:rPr lang="en-US" sz="1200" b="0" kern="1200" cap="none" spc="0">
+            <a:rPr lang="en-US" sz="1100" b="0" kern="1200" cap="none" spc="0">
               <a:effectLst>
                 <a:outerShdw blurRad="38100" dist="19050" dir="2700000" algn="tl" rotWithShape="0">
                   <a:schemeClr val="dk1">
@@ -10453,8 +10641,8 @@
         </a:p>
       </dsp:txBody>
       <dsp:txXfrm>
-        <a:off x="1365893" y="6407"/>
-        <a:ext cx="1127187" cy="563593"/>
+        <a:off x="2798199" y="960679"/>
+        <a:ext cx="1027671" cy="513835"/>
       </dsp:txXfrm>
     </dsp:sp>
     <dsp:sp modelId="{B540F2EC-F685-4620-9CAB-E40D4D042AC2}">
@@ -10464,8 +10652,8 @@
       </dsp:nvSpPr>
       <dsp:spPr>
         <a:xfrm>
-          <a:off x="1996" y="806710"/>
-          <a:ext cx="1127187" cy="563593"/>
+          <a:off x="622104" y="1690326"/>
+          <a:ext cx="1027671" cy="513835"/>
         </a:xfrm>
         <a:prstGeom prst="rect">
           <a:avLst/>
@@ -10521,12 +10709,12 @@
         </a:fontRef>
       </dsp:style>
       <dsp:txBody>
-        <a:bodyPr spcFirstLastPara="0" vert="horz" wrap="square" lIns="7620" tIns="7620" rIns="7620" bIns="7620" numCol="1" spcCol="1270" anchor="ctr" anchorCtr="0">
+        <a:bodyPr spcFirstLastPara="0" vert="horz" wrap="square" lIns="6985" tIns="6985" rIns="6985" bIns="6985" numCol="1" spcCol="1270" anchor="ctr" anchorCtr="0">
           <a:noAutofit/>
         </a:bodyPr>
         <a:lstStyle/>
         <a:p>
-          <a:pPr marL="0" lvl="0" indent="0" algn="ctr" defTabSz="533400">
+          <a:pPr marL="0" lvl="0" indent="0" algn="ctr" defTabSz="488950">
             <a:lnSpc>
               <a:spcPct val="90000"/>
             </a:lnSpc>
@@ -10542,7 +10730,7 @@
             <a:buNone/>
           </a:pPr>
           <a:r>
-            <a:rPr lang="en-US" sz="1200" b="0" kern="1200" cap="none" spc="0">
+            <a:rPr lang="en-US" sz="1100" b="0" kern="1200" cap="none" spc="0">
               <a:effectLst>
                 <a:outerShdw blurRad="38100" dist="19050" dir="2700000" algn="tl" rotWithShape="0">
                   <a:schemeClr val="dk1">
@@ -10556,8 +10744,8 @@
         </a:p>
       </dsp:txBody>
       <dsp:txXfrm>
-        <a:off x="1996" y="806710"/>
-        <a:ext cx="1127187" cy="563593"/>
+        <a:off x="622104" y="1690326"/>
+        <a:ext cx="1027671" cy="513835"/>
       </dsp:txXfrm>
     </dsp:sp>
     <dsp:sp modelId="{7B6B7DF4-4B26-4E03-A10C-5B891E1EE787}">
@@ -10567,8 +10755,8 @@
       </dsp:nvSpPr>
       <dsp:spPr>
         <a:xfrm>
-          <a:off x="283793" y="1607014"/>
-          <a:ext cx="1127187" cy="563593"/>
+          <a:off x="362" y="2419974"/>
+          <a:ext cx="1027671" cy="513835"/>
         </a:xfrm>
         <a:prstGeom prst="rect">
           <a:avLst/>
@@ -10624,12 +10812,12 @@
         </a:fontRef>
       </dsp:style>
       <dsp:txBody>
-        <a:bodyPr spcFirstLastPara="0" vert="horz" wrap="square" lIns="7620" tIns="7620" rIns="7620" bIns="7620" numCol="1" spcCol="1270" anchor="ctr" anchorCtr="0">
+        <a:bodyPr spcFirstLastPara="0" vert="horz" wrap="square" lIns="6985" tIns="6985" rIns="6985" bIns="6985" numCol="1" spcCol="1270" anchor="ctr" anchorCtr="0">
           <a:noAutofit/>
         </a:bodyPr>
         <a:lstStyle/>
         <a:p>
-          <a:pPr marL="0" lvl="0" indent="0" algn="ctr" defTabSz="533400">
+          <a:pPr marL="0" lvl="0" indent="0" algn="ctr" defTabSz="488950">
             <a:lnSpc>
               <a:spcPct val="90000"/>
             </a:lnSpc>
@@ -10645,7 +10833,7 @@
             <a:buNone/>
           </a:pPr>
           <a:r>
-            <a:rPr lang="en-US" sz="1200" b="0" kern="1200" cap="none" spc="0">
+            <a:rPr lang="en-US" sz="1100" b="0" kern="1200" cap="none" spc="0">
               <a:effectLst>
                 <a:outerShdw blurRad="38100" dist="19050" dir="2700000" algn="tl" rotWithShape="0">
                   <a:schemeClr val="dk1">
@@ -10659,8 +10847,8 @@
         </a:p>
       </dsp:txBody>
       <dsp:txXfrm>
-        <a:off x="283793" y="1607014"/>
-        <a:ext cx="1127187" cy="563593"/>
+        <a:off x="362" y="2419974"/>
+        <a:ext cx="1027671" cy="513835"/>
       </dsp:txXfrm>
     </dsp:sp>
     <dsp:sp modelId="{0012B30E-2FF1-4456-9713-F5A2B2C80ECC}">
@@ -10670,8 +10858,111 @@
       </dsp:nvSpPr>
       <dsp:spPr>
         <a:xfrm>
-          <a:off x="283793" y="2407317"/>
-          <a:ext cx="1127187" cy="563593"/>
+          <a:off x="257280" y="3149621"/>
+          <a:ext cx="1027671" cy="513835"/>
+        </a:xfrm>
+        <a:prstGeom prst="rect">
+          <a:avLst/>
+        </a:prstGeom>
+        <a:gradFill rotWithShape="0">
+          <a:gsLst>
+            <a:gs pos="0">
+              <a:schemeClr val="accent5">
+                <a:hueOff val="0"/>
+                <a:satOff val="0"/>
+                <a:lumOff val="0"/>
+                <a:alphaOff val="0"/>
+                <a:tint val="96000"/>
+                <a:lumMod val="104000"/>
+              </a:schemeClr>
+            </a:gs>
+            <a:gs pos="100000">
+              <a:schemeClr val="accent5">
+                <a:hueOff val="0"/>
+                <a:satOff val="0"/>
+                <a:lumOff val="0"/>
+                <a:alphaOff val="0"/>
+                <a:shade val="98000"/>
+                <a:lumMod val="94000"/>
+              </a:schemeClr>
+            </a:gs>
+          </a:gsLst>
+          <a:lin ang="5400000" scaled="0"/>
+        </a:gradFill>
+        <a:ln>
+          <a:noFill/>
+        </a:ln>
+        <a:effectLst>
+          <a:outerShdw blurRad="50800" dist="38100" dir="5400000" rotWithShape="0">
+            <a:srgbClr val="000000">
+              <a:alpha val="60000"/>
+            </a:srgbClr>
+          </a:outerShdw>
+        </a:effectLst>
+      </dsp:spPr>
+      <dsp:style>
+        <a:lnRef idx="0">
+          <a:scrgbClr r="0" g="0" b="0"/>
+        </a:lnRef>
+        <a:fillRef idx="3">
+          <a:scrgbClr r="0" g="0" b="0"/>
+        </a:fillRef>
+        <a:effectRef idx="3">
+          <a:scrgbClr r="0" g="0" b="0"/>
+        </a:effectRef>
+        <a:fontRef idx="minor">
+          <a:schemeClr val="lt1"/>
+        </a:fontRef>
+      </dsp:style>
+      <dsp:txBody>
+        <a:bodyPr spcFirstLastPara="0" vert="horz" wrap="square" lIns="6985" tIns="6985" rIns="6985" bIns="6985" numCol="1" spcCol="1270" anchor="ctr" anchorCtr="0">
+          <a:noAutofit/>
+        </a:bodyPr>
+        <a:lstStyle/>
+        <a:p>
+          <a:pPr marL="0" lvl="0" indent="0" algn="ctr" defTabSz="488950">
+            <a:lnSpc>
+              <a:spcPct val="90000"/>
+            </a:lnSpc>
+            <a:spcBef>
+              <a:spcPct val="0"/>
+            </a:spcBef>
+            <a:spcAft>
+              <a:spcPct val="35000"/>
+            </a:spcAft>
+            <a:buClr>
+              <a:srgbClr val="FFBE04"/>
+            </a:buClr>
+            <a:buNone/>
+          </a:pPr>
+          <a:r>
+            <a:rPr lang="en-US" sz="1100" b="0" kern="1200" cap="none" spc="0" dirty="0">
+              <a:effectLst>
+                <a:outerShdw blurRad="38100" dist="19050" dir="2700000" algn="tl" rotWithShape="0">
+                  <a:schemeClr val="dk1">
+                    <a:alpha val="40000"/>
+                  </a:schemeClr>
+                </a:outerShdw>
+              </a:effectLst>
+            </a:rPr>
+            <a:t>Race</a:t>
+          </a:r>
+        </a:p>
+      </dsp:txBody>
+      <dsp:txXfrm>
+        <a:off x="257280" y="3149621"/>
+        <a:ext cx="1027671" cy="513835"/>
+      </dsp:txXfrm>
+    </dsp:sp>
+    <dsp:sp modelId="{6326D2C0-BE69-43B3-B493-29A716D853C8}">
+      <dsp:nvSpPr>
+        <dsp:cNvPr id="0" name=""/>
+        <dsp:cNvSpPr/>
+      </dsp:nvSpPr>
+      <dsp:spPr>
+        <a:xfrm>
+          <a:off x="1243845" y="2419974"/>
+          <a:ext cx="1027671" cy="513835"/>
         </a:xfrm>
         <a:prstGeom prst="rect">
           <a:avLst/>
@@ -10727,12 +11018,12 @@
         </a:fontRef>
       </dsp:style>
       <dsp:txBody>
-        <a:bodyPr spcFirstLastPara="0" vert="horz" wrap="square" lIns="7620" tIns="7620" rIns="7620" bIns="7620" numCol="1" spcCol="1270" anchor="ctr" anchorCtr="0">
+        <a:bodyPr spcFirstLastPara="0" vert="horz" wrap="square" lIns="6985" tIns="6985" rIns="6985" bIns="6985" numCol="1" spcCol="1270" anchor="ctr" anchorCtr="0">
           <a:noAutofit/>
         </a:bodyPr>
         <a:lstStyle/>
         <a:p>
-          <a:pPr marL="0" lvl="0" indent="0" algn="ctr" defTabSz="533400">
+          <a:pPr marL="0" lvl="0" indent="0" algn="ctr" defTabSz="488950">
             <a:lnSpc>
               <a:spcPct val="90000"/>
             </a:lnSpc>
@@ -10748,7 +11039,7 @@
             <a:buNone/>
           </a:pPr>
           <a:r>
-            <a:rPr lang="en-US" sz="1200" b="0" kern="1200" cap="none" spc="0">
+            <a:rPr lang="en-US" sz="1100" b="0" kern="1200" cap="none" spc="0">
               <a:effectLst>
                 <a:outerShdw blurRad="38100" dist="19050" dir="2700000" algn="tl" rotWithShape="0">
                   <a:schemeClr val="dk1">
@@ -10757,24 +11048,124 @@
                 </a:outerShdw>
               </a:effectLst>
             </a:rPr>
-            <a:t>Race</a:t>
+            <a:t>Sanity</a:t>
           </a:r>
         </a:p>
       </dsp:txBody>
       <dsp:txXfrm>
-        <a:off x="283793" y="2407317"/>
-        <a:ext cx="1127187" cy="563593"/>
+        <a:off x="1243845" y="2419974"/>
+        <a:ext cx="1027671" cy="513835"/>
       </dsp:txXfrm>
     </dsp:sp>
-    <dsp:sp modelId="{6326D2C0-BE69-43B3-B493-29A716D853C8}">
+    <dsp:sp modelId="{79D6C125-4558-42D3-B033-E78177BAC747}">
       <dsp:nvSpPr>
         <dsp:cNvPr id="0" name=""/>
         <dsp:cNvSpPr/>
       </dsp:nvSpPr>
       <dsp:spPr>
         <a:xfrm>
-          <a:off x="283793" y="3207620"/>
-          <a:ext cx="1127187" cy="563593"/>
+          <a:off x="3109070" y="1690326"/>
+          <a:ext cx="1027671" cy="513835"/>
+        </a:xfrm>
+        <a:prstGeom prst="rect">
+          <a:avLst/>
+        </a:prstGeom>
+        <a:gradFill rotWithShape="0">
+          <a:gsLst>
+            <a:gs pos="0">
+              <a:schemeClr val="accent3">
+                <a:hueOff val="0"/>
+                <a:satOff val="0"/>
+                <a:lumOff val="0"/>
+                <a:alphaOff val="0"/>
+                <a:tint val="96000"/>
+                <a:lumMod val="104000"/>
+              </a:schemeClr>
+            </a:gs>
+            <a:gs pos="100000">
+              <a:schemeClr val="accent3">
+                <a:hueOff val="0"/>
+                <a:satOff val="0"/>
+                <a:lumOff val="0"/>
+                <a:alphaOff val="0"/>
+                <a:shade val="98000"/>
+                <a:lumMod val="94000"/>
+              </a:schemeClr>
+            </a:gs>
+          </a:gsLst>
+          <a:lin ang="5400000" scaled="0"/>
+        </a:gradFill>
+        <a:ln>
+          <a:noFill/>
+        </a:ln>
+        <a:effectLst>
+          <a:outerShdw blurRad="50800" dist="38100" dir="5400000" rotWithShape="0">
+            <a:srgbClr val="000000">
+              <a:alpha val="60000"/>
+            </a:srgbClr>
+          </a:outerShdw>
+        </a:effectLst>
+      </dsp:spPr>
+      <dsp:style>
+        <a:lnRef idx="0">
+          <a:scrgbClr r="0" g="0" b="0"/>
+        </a:lnRef>
+        <a:fillRef idx="3">
+          <a:scrgbClr r="0" g="0" b="0"/>
+        </a:fillRef>
+        <a:effectRef idx="3">
+          <a:scrgbClr r="0" g="0" b="0"/>
+        </a:effectRef>
+        <a:fontRef idx="minor">
+          <a:schemeClr val="lt1"/>
+        </a:fontRef>
+      </dsp:style>
+      <dsp:txBody>
+        <a:bodyPr spcFirstLastPara="0" vert="horz" wrap="square" lIns="6985" tIns="6985" rIns="6985" bIns="6985" numCol="1" spcCol="1270" anchor="ctr" anchorCtr="0">
+          <a:noAutofit/>
+        </a:bodyPr>
+        <a:lstStyle/>
+        <a:p>
+          <a:pPr marL="0" lvl="0" indent="0" algn="ctr" defTabSz="488950">
+            <a:lnSpc>
+              <a:spcPct val="90000"/>
+            </a:lnSpc>
+            <a:spcBef>
+              <a:spcPct val="0"/>
+            </a:spcBef>
+            <a:spcAft>
+              <a:spcPct val="35000"/>
+            </a:spcAft>
+            <a:buNone/>
+          </a:pPr>
+          <a:r>
+            <a:rPr lang="en-US" sz="1100" b="0" kern="1200" cap="none" spc="0">
+              <a:effectLst>
+                <a:outerShdw blurRad="38100" dist="19050" dir="2700000" algn="tl" rotWithShape="0">
+                  <a:schemeClr val="dk1">
+                    <a:alpha val="40000"/>
+                  </a:schemeClr>
+                </a:outerShdw>
+              </a:effectLst>
+            </a:rPr>
+            <a:t>Weapon</a:t>
+          </a:r>
+        </a:p>
+      </dsp:txBody>
+      <dsp:txXfrm>
+        <a:off x="3109070" y="1690326"/>
+        <a:ext cx="1027671" cy="513835"/>
+      </dsp:txXfrm>
+    </dsp:sp>
+    <dsp:sp modelId="{3B622BBF-F960-416C-A60A-900170819CE0}">
+      <dsp:nvSpPr>
+        <dsp:cNvPr id="0" name=""/>
+        <dsp:cNvSpPr/>
+      </dsp:nvSpPr>
+      <dsp:spPr>
+        <a:xfrm>
+          <a:off x="2487329" y="2419974"/>
+          <a:ext cx="1027671" cy="513835"/>
         </a:xfrm>
         <a:prstGeom prst="rect">
           <a:avLst/>
@@ -10830,12 +11221,12 @@
         </a:fontRef>
       </dsp:style>
       <dsp:txBody>
-        <a:bodyPr spcFirstLastPara="0" vert="horz" wrap="square" lIns="7620" tIns="7620" rIns="7620" bIns="7620" numCol="1" spcCol="1270" anchor="ctr" anchorCtr="0">
+        <a:bodyPr spcFirstLastPara="0" vert="horz" wrap="square" lIns="6985" tIns="6985" rIns="6985" bIns="6985" numCol="1" spcCol="1270" anchor="ctr" anchorCtr="0">
           <a:noAutofit/>
         </a:bodyPr>
         <a:lstStyle/>
         <a:p>
-          <a:pPr marL="0" lvl="0" indent="0" algn="ctr" defTabSz="533400">
+          <a:pPr marL="0" lvl="0" indent="0" algn="ctr" defTabSz="488950">
             <a:lnSpc>
               <a:spcPct val="90000"/>
             </a:lnSpc>
@@ -10845,13 +11236,10 @@
             <a:spcAft>
               <a:spcPct val="35000"/>
             </a:spcAft>
-            <a:buClr>
-              <a:srgbClr val="FFBE04"/>
-            </a:buClr>
             <a:buNone/>
           </a:pPr>
           <a:r>
-            <a:rPr lang="en-US" sz="1200" b="0" kern="1200" cap="none" spc="0">
+            <a:rPr lang="en-US" sz="1100" b="0" kern="1200" cap="none" spc="0" dirty="0">
               <a:effectLst>
                 <a:outerShdw blurRad="38100" dist="19050" dir="2700000" algn="tl" rotWithShape="0">
                   <a:schemeClr val="dk1">
@@ -10860,24 +11248,224 @@
                 </a:outerShdw>
               </a:effectLst>
             </a:rPr>
-            <a:t>Sanity</a:t>
+            <a:t>Unarmed</a:t>
           </a:r>
         </a:p>
       </dsp:txBody>
       <dsp:txXfrm>
-        <a:off x="283793" y="3207620"/>
-        <a:ext cx="1127187" cy="563593"/>
+        <a:off x="2487329" y="2419974"/>
+        <a:ext cx="1027671" cy="513835"/>
       </dsp:txXfrm>
     </dsp:sp>
-    <dsp:sp modelId="{79D6C125-4558-42D3-B033-E78177BAC747}">
+    <dsp:sp modelId="{903DF0AE-38AF-48D9-A8F3-072097D42A1B}">
       <dsp:nvSpPr>
         <dsp:cNvPr id="0" name=""/>
         <dsp:cNvSpPr/>
       </dsp:nvSpPr>
       <dsp:spPr>
         <a:xfrm>
-          <a:off x="1365893" y="806710"/>
-          <a:ext cx="1127187" cy="563593"/>
+          <a:off x="3730812" y="2419974"/>
+          <a:ext cx="1027671" cy="513835"/>
+        </a:xfrm>
+        <a:prstGeom prst="rect">
+          <a:avLst/>
+        </a:prstGeom>
+        <a:gradFill rotWithShape="0">
+          <a:gsLst>
+            <a:gs pos="0">
+              <a:schemeClr val="accent4">
+                <a:hueOff val="0"/>
+                <a:satOff val="0"/>
+                <a:lumOff val="0"/>
+                <a:alphaOff val="0"/>
+                <a:tint val="96000"/>
+                <a:lumMod val="104000"/>
+              </a:schemeClr>
+            </a:gs>
+            <a:gs pos="100000">
+              <a:schemeClr val="accent4">
+                <a:hueOff val="0"/>
+                <a:satOff val="0"/>
+                <a:lumOff val="0"/>
+                <a:alphaOff val="0"/>
+                <a:shade val="98000"/>
+                <a:lumMod val="94000"/>
+              </a:schemeClr>
+            </a:gs>
+          </a:gsLst>
+          <a:lin ang="5400000" scaled="0"/>
+        </a:gradFill>
+        <a:ln>
+          <a:noFill/>
+        </a:ln>
+        <a:effectLst>
+          <a:outerShdw blurRad="50800" dist="38100" dir="5400000" rotWithShape="0">
+            <a:srgbClr val="000000">
+              <a:alpha val="60000"/>
+            </a:srgbClr>
+          </a:outerShdw>
+        </a:effectLst>
+      </dsp:spPr>
+      <dsp:style>
+        <a:lnRef idx="0">
+          <a:scrgbClr r="0" g="0" b="0"/>
+        </a:lnRef>
+        <a:fillRef idx="3">
+          <a:scrgbClr r="0" g="0" b="0"/>
+        </a:fillRef>
+        <a:effectRef idx="3">
+          <a:scrgbClr r="0" g="0" b="0"/>
+        </a:effectRef>
+        <a:fontRef idx="minor">
+          <a:schemeClr val="lt1"/>
+        </a:fontRef>
+      </dsp:style>
+      <dsp:txBody>
+        <a:bodyPr spcFirstLastPara="0" vert="horz" wrap="square" lIns="6985" tIns="6985" rIns="6985" bIns="6985" numCol="1" spcCol="1270" anchor="ctr" anchorCtr="0">
+          <a:noAutofit/>
+        </a:bodyPr>
+        <a:lstStyle/>
+        <a:p>
+          <a:pPr marL="0" lvl="0" indent="0" algn="ctr" defTabSz="488950">
+            <a:lnSpc>
+              <a:spcPct val="90000"/>
+            </a:lnSpc>
+            <a:spcBef>
+              <a:spcPct val="0"/>
+            </a:spcBef>
+            <a:spcAft>
+              <a:spcPct val="35000"/>
+            </a:spcAft>
+            <a:buNone/>
+          </a:pPr>
+          <a:r>
+            <a:rPr lang="en-US" sz="1100" b="0" kern="1200" cap="none" spc="0" dirty="0">
+              <a:effectLst>
+                <a:outerShdw blurRad="38100" dist="19050" dir="2700000" algn="tl" rotWithShape="0">
+                  <a:schemeClr val="dk1">
+                    <a:alpha val="40000"/>
+                  </a:schemeClr>
+                </a:outerShdw>
+              </a:effectLst>
+            </a:rPr>
+            <a:t>Armed</a:t>
+          </a:r>
+        </a:p>
+      </dsp:txBody>
+      <dsp:txXfrm>
+        <a:off x="3730812" y="2419974"/>
+        <a:ext cx="1027671" cy="513835"/>
+      </dsp:txXfrm>
+    </dsp:sp>
+    <dsp:sp modelId="{6A29785A-138A-4E46-96D0-DD0AD4C8CB1F}">
+      <dsp:nvSpPr>
+        <dsp:cNvPr id="0" name=""/>
+        <dsp:cNvSpPr/>
+      </dsp:nvSpPr>
+      <dsp:spPr>
+        <a:xfrm>
+          <a:off x="3987730" y="3149621"/>
+          <a:ext cx="1027671" cy="513835"/>
+        </a:xfrm>
+        <a:prstGeom prst="rect">
+          <a:avLst/>
+        </a:prstGeom>
+        <a:gradFill rotWithShape="0">
+          <a:gsLst>
+            <a:gs pos="0">
+              <a:schemeClr val="accent5">
+                <a:hueOff val="0"/>
+                <a:satOff val="0"/>
+                <a:lumOff val="0"/>
+                <a:alphaOff val="0"/>
+                <a:tint val="96000"/>
+                <a:lumMod val="104000"/>
+              </a:schemeClr>
+            </a:gs>
+            <a:gs pos="100000">
+              <a:schemeClr val="accent5">
+                <a:hueOff val="0"/>
+                <a:satOff val="0"/>
+                <a:lumOff val="0"/>
+                <a:alphaOff val="0"/>
+                <a:shade val="98000"/>
+                <a:lumMod val="94000"/>
+              </a:schemeClr>
+            </a:gs>
+          </a:gsLst>
+          <a:lin ang="5400000" scaled="0"/>
+        </a:gradFill>
+        <a:ln>
+          <a:noFill/>
+        </a:ln>
+        <a:effectLst>
+          <a:outerShdw blurRad="50800" dist="38100" dir="5400000" rotWithShape="0">
+            <a:srgbClr val="000000">
+              <a:alpha val="60000"/>
+            </a:srgbClr>
+          </a:outerShdw>
+        </a:effectLst>
+      </dsp:spPr>
+      <dsp:style>
+        <a:lnRef idx="0">
+          <a:scrgbClr r="0" g="0" b="0"/>
+        </a:lnRef>
+        <a:fillRef idx="3">
+          <a:scrgbClr r="0" g="0" b="0"/>
+        </a:fillRef>
+        <a:effectRef idx="3">
+          <a:scrgbClr r="0" g="0" b="0"/>
+        </a:effectRef>
+        <a:fontRef idx="minor">
+          <a:schemeClr val="lt1"/>
+        </a:fontRef>
+      </dsp:style>
+      <dsp:txBody>
+        <a:bodyPr spcFirstLastPara="0" vert="horz" wrap="square" lIns="6985" tIns="6985" rIns="6985" bIns="6985" numCol="1" spcCol="1270" anchor="ctr" anchorCtr="0">
+          <a:noAutofit/>
+        </a:bodyPr>
+        <a:lstStyle/>
+        <a:p>
+          <a:pPr marL="0" lvl="0" indent="0" algn="ctr" defTabSz="488950">
+            <a:lnSpc>
+              <a:spcPct val="90000"/>
+            </a:lnSpc>
+            <a:spcBef>
+              <a:spcPct val="0"/>
+            </a:spcBef>
+            <a:spcAft>
+              <a:spcPct val="35000"/>
+            </a:spcAft>
+            <a:buNone/>
+          </a:pPr>
+          <a:r>
+            <a:rPr lang="en-US" sz="1100" b="0" kern="1200" cap="none" spc="0" dirty="0">
+              <a:effectLst>
+                <a:outerShdw blurRad="38100" dist="19050" dir="2700000" algn="tl" rotWithShape="0">
+                  <a:schemeClr val="dk1">
+                    <a:alpha val="40000"/>
+                  </a:schemeClr>
+                </a:outerShdw>
+              </a:effectLst>
+            </a:rPr>
+            <a:t>Gun/Knife</a:t>
+          </a:r>
+        </a:p>
+      </dsp:txBody>
+      <dsp:txXfrm>
+        <a:off x="3987730" y="3149621"/>
+        <a:ext cx="1027671" cy="513835"/>
+      </dsp:txXfrm>
+    </dsp:sp>
+    <dsp:sp modelId="{38998C60-342D-457E-91F5-4B8680F4E79C}">
+      <dsp:nvSpPr>
+        <dsp:cNvPr id="0" name=""/>
+        <dsp:cNvSpPr/>
+      </dsp:nvSpPr>
+      <dsp:spPr>
+        <a:xfrm>
+          <a:off x="4974295" y="1690326"/>
+          <a:ext cx="1027671" cy="513835"/>
         </a:xfrm>
         <a:prstGeom prst="rect">
           <a:avLst/>
@@ -10933,12 +11521,12 @@
         </a:fontRef>
       </dsp:style>
       <dsp:txBody>
-        <a:bodyPr spcFirstLastPara="0" vert="horz" wrap="square" lIns="7620" tIns="7620" rIns="7620" bIns="7620" numCol="1" spcCol="1270" anchor="ctr" anchorCtr="0">
+        <a:bodyPr spcFirstLastPara="0" vert="horz" wrap="square" lIns="6985" tIns="6985" rIns="6985" bIns="6985" numCol="1" spcCol="1270" anchor="ctr" anchorCtr="0">
           <a:noAutofit/>
         </a:bodyPr>
         <a:lstStyle/>
         <a:p>
-          <a:pPr marL="0" lvl="0" indent="0" algn="ctr" defTabSz="533400">
+          <a:pPr marL="0" lvl="0" indent="0" algn="ctr" defTabSz="488950">
             <a:lnSpc>
               <a:spcPct val="90000"/>
             </a:lnSpc>
@@ -10951,7 +11539,7 @@
             <a:buNone/>
           </a:pPr>
           <a:r>
-            <a:rPr lang="en-US" sz="1200" b="0" kern="1200" cap="none" spc="0">
+            <a:rPr lang="en-US" sz="1100" b="0" kern="1200" cap="none" spc="0">
               <a:effectLst>
                 <a:outerShdw blurRad="38100" dist="19050" dir="2700000" algn="tl" rotWithShape="0">
                   <a:schemeClr val="dk1">
@@ -10960,24 +11548,24 @@
                 </a:outerShdw>
               </a:effectLst>
             </a:rPr>
-            <a:t>Weapon</a:t>
+            <a:t>Location</a:t>
           </a:r>
         </a:p>
       </dsp:txBody>
       <dsp:txXfrm>
-        <a:off x="1365893" y="806710"/>
-        <a:ext cx="1127187" cy="563593"/>
+        <a:off x="4974295" y="1690326"/>
+        <a:ext cx="1027671" cy="513835"/>
       </dsp:txXfrm>
     </dsp:sp>
-    <dsp:sp modelId="{3B622BBF-F960-416C-A60A-900170819CE0}">
+    <dsp:sp modelId="{126793F7-9C35-42DD-99AA-881BCC14C049}">
       <dsp:nvSpPr>
         <dsp:cNvPr id="0" name=""/>
         <dsp:cNvSpPr/>
       </dsp:nvSpPr>
       <dsp:spPr>
         <a:xfrm>
-          <a:off x="1647690" y="1607014"/>
-          <a:ext cx="1127187" cy="563593"/>
+          <a:off x="5231213" y="2419974"/>
+          <a:ext cx="1027671" cy="513835"/>
         </a:xfrm>
         <a:prstGeom prst="rect">
           <a:avLst/>
@@ -11033,12 +11621,12 @@
         </a:fontRef>
       </dsp:style>
       <dsp:txBody>
-        <a:bodyPr spcFirstLastPara="0" vert="horz" wrap="square" lIns="7620" tIns="7620" rIns="7620" bIns="7620" numCol="1" spcCol="1270" anchor="ctr" anchorCtr="0">
+        <a:bodyPr spcFirstLastPara="0" vert="horz" wrap="square" lIns="6985" tIns="6985" rIns="6985" bIns="6985" numCol="1" spcCol="1270" anchor="ctr" anchorCtr="0">
           <a:noAutofit/>
         </a:bodyPr>
         <a:lstStyle/>
         <a:p>
-          <a:pPr marL="0" lvl="0" indent="0" algn="ctr" defTabSz="533400">
+          <a:pPr marL="0" lvl="0" indent="0" algn="ctr" defTabSz="488950">
             <a:lnSpc>
               <a:spcPct val="90000"/>
             </a:lnSpc>
@@ -11051,7 +11639,7 @@
             <a:buNone/>
           </a:pPr>
           <a:r>
-            <a:rPr lang="en-US" sz="1200" b="0" kern="1200" cap="none" spc="0">
+            <a:rPr lang="en-US" sz="1100" b="0" kern="1200" cap="none" spc="0" dirty="0">
               <a:effectLst>
                 <a:outerShdw blurRad="38100" dist="19050" dir="2700000" algn="tl" rotWithShape="0">
                   <a:schemeClr val="dk1">
@@ -11060,24 +11648,24 @@
                 </a:outerShdw>
               </a:effectLst>
             </a:rPr>
-            <a:t>Unarmed</a:t>
+            <a:t>Raw Counts</a:t>
           </a:r>
         </a:p>
       </dsp:txBody>
       <dsp:txXfrm>
-        <a:off x="1647690" y="1607014"/>
-        <a:ext cx="1127187" cy="563593"/>
+        <a:off x="5231213" y="2419974"/>
+        <a:ext cx="1027671" cy="513835"/>
       </dsp:txXfrm>
     </dsp:sp>
-    <dsp:sp modelId="{6A29785A-138A-4E46-96D0-DD0AD4C8CB1F}">
+    <dsp:sp modelId="{8593F704-02F0-4294-AF6D-A6CE3C6E5004}">
       <dsp:nvSpPr>
         <dsp:cNvPr id="0" name=""/>
         <dsp:cNvSpPr/>
       </dsp:nvSpPr>
       <dsp:spPr>
         <a:xfrm>
-          <a:off x="1647690" y="2407317"/>
-          <a:ext cx="1127187" cy="563593"/>
+          <a:off x="5231213" y="3149621"/>
+          <a:ext cx="1027671" cy="513835"/>
         </a:xfrm>
         <a:prstGeom prst="rect">
           <a:avLst/>
@@ -11133,12 +11721,12 @@
         </a:fontRef>
       </dsp:style>
       <dsp:txBody>
-        <a:bodyPr spcFirstLastPara="0" vert="horz" wrap="square" lIns="7620" tIns="7620" rIns="7620" bIns="7620" numCol="1" spcCol="1270" anchor="ctr" anchorCtr="0">
+        <a:bodyPr spcFirstLastPara="0" vert="horz" wrap="square" lIns="6985" tIns="6985" rIns="6985" bIns="6985" numCol="1" spcCol="1270" anchor="ctr" anchorCtr="0">
           <a:noAutofit/>
         </a:bodyPr>
         <a:lstStyle/>
         <a:p>
-          <a:pPr marL="0" lvl="0" indent="0" algn="ctr" defTabSz="533400">
+          <a:pPr marL="0" lvl="0" indent="0" algn="ctr" defTabSz="488950">
             <a:lnSpc>
               <a:spcPct val="90000"/>
             </a:lnSpc>
@@ -11151,307 +11739,7 @@
             <a:buNone/>
           </a:pPr>
           <a:r>
-            <a:rPr lang="en-US" sz="1200" b="0" kern="1200" cap="none" spc="0">
-              <a:effectLst>
-                <a:outerShdw blurRad="38100" dist="19050" dir="2700000" algn="tl" rotWithShape="0">
-                  <a:schemeClr val="dk1">
-                    <a:alpha val="40000"/>
-                  </a:schemeClr>
-                </a:outerShdw>
-              </a:effectLst>
-            </a:rPr>
-            <a:t>Gun/Knife</a:t>
-          </a:r>
-        </a:p>
-      </dsp:txBody>
-      <dsp:txXfrm>
-        <a:off x="1647690" y="2407317"/>
-        <a:ext cx="1127187" cy="563593"/>
-      </dsp:txXfrm>
-    </dsp:sp>
-    <dsp:sp modelId="{38998C60-342D-457E-91F5-4B8680F4E79C}">
-      <dsp:nvSpPr>
-        <dsp:cNvPr id="0" name=""/>
-        <dsp:cNvSpPr/>
-      </dsp:nvSpPr>
-      <dsp:spPr>
-        <a:xfrm>
-          <a:off x="2729790" y="806710"/>
-          <a:ext cx="1127187" cy="563593"/>
-        </a:xfrm>
-        <a:prstGeom prst="rect">
-          <a:avLst/>
-        </a:prstGeom>
-        <a:gradFill rotWithShape="0">
-          <a:gsLst>
-            <a:gs pos="0">
-              <a:schemeClr val="accent3">
-                <a:hueOff val="0"/>
-                <a:satOff val="0"/>
-                <a:lumOff val="0"/>
-                <a:alphaOff val="0"/>
-                <a:tint val="96000"/>
-                <a:lumMod val="104000"/>
-              </a:schemeClr>
-            </a:gs>
-            <a:gs pos="100000">
-              <a:schemeClr val="accent3">
-                <a:hueOff val="0"/>
-                <a:satOff val="0"/>
-                <a:lumOff val="0"/>
-                <a:alphaOff val="0"/>
-                <a:shade val="98000"/>
-                <a:lumMod val="94000"/>
-              </a:schemeClr>
-            </a:gs>
-          </a:gsLst>
-          <a:lin ang="5400000" scaled="0"/>
-        </a:gradFill>
-        <a:ln>
-          <a:noFill/>
-        </a:ln>
-        <a:effectLst>
-          <a:outerShdw blurRad="50800" dist="38100" dir="5400000" rotWithShape="0">
-            <a:srgbClr val="000000">
-              <a:alpha val="60000"/>
-            </a:srgbClr>
-          </a:outerShdw>
-        </a:effectLst>
-      </dsp:spPr>
-      <dsp:style>
-        <a:lnRef idx="0">
-          <a:scrgbClr r="0" g="0" b="0"/>
-        </a:lnRef>
-        <a:fillRef idx="3">
-          <a:scrgbClr r="0" g="0" b="0"/>
-        </a:fillRef>
-        <a:effectRef idx="3">
-          <a:scrgbClr r="0" g="0" b="0"/>
-        </a:effectRef>
-        <a:fontRef idx="minor">
-          <a:schemeClr val="lt1"/>
-        </a:fontRef>
-      </dsp:style>
-      <dsp:txBody>
-        <a:bodyPr spcFirstLastPara="0" vert="horz" wrap="square" lIns="7620" tIns="7620" rIns="7620" bIns="7620" numCol="1" spcCol="1270" anchor="ctr" anchorCtr="0">
-          <a:noAutofit/>
-        </a:bodyPr>
-        <a:lstStyle/>
-        <a:p>
-          <a:pPr marL="0" lvl="0" indent="0" algn="ctr" defTabSz="533400">
-            <a:lnSpc>
-              <a:spcPct val="90000"/>
-            </a:lnSpc>
-            <a:spcBef>
-              <a:spcPct val="0"/>
-            </a:spcBef>
-            <a:spcAft>
-              <a:spcPct val="35000"/>
-            </a:spcAft>
-            <a:buNone/>
-          </a:pPr>
-          <a:r>
-            <a:rPr lang="en-US" sz="1200" b="0" kern="1200" cap="none" spc="0">
-              <a:effectLst>
-                <a:outerShdw blurRad="38100" dist="19050" dir="2700000" algn="tl" rotWithShape="0">
-                  <a:schemeClr val="dk1">
-                    <a:alpha val="40000"/>
-                  </a:schemeClr>
-                </a:outerShdw>
-              </a:effectLst>
-            </a:rPr>
-            <a:t>Location</a:t>
-          </a:r>
-        </a:p>
-      </dsp:txBody>
-      <dsp:txXfrm>
-        <a:off x="2729790" y="806710"/>
-        <a:ext cx="1127187" cy="563593"/>
-      </dsp:txXfrm>
-    </dsp:sp>
-    <dsp:sp modelId="{126793F7-9C35-42DD-99AA-881BCC14C049}">
-      <dsp:nvSpPr>
-        <dsp:cNvPr id="0" name=""/>
-        <dsp:cNvSpPr/>
-      </dsp:nvSpPr>
-      <dsp:spPr>
-        <a:xfrm>
-          <a:off x="3011587" y="1607014"/>
-          <a:ext cx="1127187" cy="563593"/>
-        </a:xfrm>
-        <a:prstGeom prst="rect">
-          <a:avLst/>
-        </a:prstGeom>
-        <a:gradFill rotWithShape="0">
-          <a:gsLst>
-            <a:gs pos="0">
-              <a:schemeClr val="accent4">
-                <a:hueOff val="0"/>
-                <a:satOff val="0"/>
-                <a:lumOff val="0"/>
-                <a:alphaOff val="0"/>
-                <a:tint val="96000"/>
-                <a:lumMod val="104000"/>
-              </a:schemeClr>
-            </a:gs>
-            <a:gs pos="100000">
-              <a:schemeClr val="accent4">
-                <a:hueOff val="0"/>
-                <a:satOff val="0"/>
-                <a:lumOff val="0"/>
-                <a:alphaOff val="0"/>
-                <a:shade val="98000"/>
-                <a:lumMod val="94000"/>
-              </a:schemeClr>
-            </a:gs>
-          </a:gsLst>
-          <a:lin ang="5400000" scaled="0"/>
-        </a:gradFill>
-        <a:ln>
-          <a:noFill/>
-        </a:ln>
-        <a:effectLst>
-          <a:outerShdw blurRad="50800" dist="38100" dir="5400000" rotWithShape="0">
-            <a:srgbClr val="000000">
-              <a:alpha val="60000"/>
-            </a:srgbClr>
-          </a:outerShdw>
-        </a:effectLst>
-      </dsp:spPr>
-      <dsp:style>
-        <a:lnRef idx="0">
-          <a:scrgbClr r="0" g="0" b="0"/>
-        </a:lnRef>
-        <a:fillRef idx="3">
-          <a:scrgbClr r="0" g="0" b="0"/>
-        </a:fillRef>
-        <a:effectRef idx="3">
-          <a:scrgbClr r="0" g="0" b="0"/>
-        </a:effectRef>
-        <a:fontRef idx="minor">
-          <a:schemeClr val="lt1"/>
-        </a:fontRef>
-      </dsp:style>
-      <dsp:txBody>
-        <a:bodyPr spcFirstLastPara="0" vert="horz" wrap="square" lIns="7620" tIns="7620" rIns="7620" bIns="7620" numCol="1" spcCol="1270" anchor="ctr" anchorCtr="0">
-          <a:noAutofit/>
-        </a:bodyPr>
-        <a:lstStyle/>
-        <a:p>
-          <a:pPr marL="0" lvl="0" indent="0" algn="ctr" defTabSz="533400">
-            <a:lnSpc>
-              <a:spcPct val="90000"/>
-            </a:lnSpc>
-            <a:spcBef>
-              <a:spcPct val="0"/>
-            </a:spcBef>
-            <a:spcAft>
-              <a:spcPct val="35000"/>
-            </a:spcAft>
-            <a:buNone/>
-          </a:pPr>
-          <a:r>
-            <a:rPr lang="en-US" sz="1200" b="0" kern="1200" cap="none" spc="0" dirty="0">
-              <a:effectLst>
-                <a:outerShdw blurRad="38100" dist="19050" dir="2700000" algn="tl" rotWithShape="0">
-                  <a:schemeClr val="dk1">
-                    <a:alpha val="40000"/>
-                  </a:schemeClr>
-                </a:outerShdw>
-              </a:effectLst>
-            </a:rPr>
-            <a:t>Raw Counts</a:t>
-          </a:r>
-        </a:p>
-      </dsp:txBody>
-      <dsp:txXfrm>
-        <a:off x="3011587" y="1607014"/>
-        <a:ext cx="1127187" cy="563593"/>
-      </dsp:txXfrm>
-    </dsp:sp>
-    <dsp:sp modelId="{8593F704-02F0-4294-AF6D-A6CE3C6E5004}">
-      <dsp:nvSpPr>
-        <dsp:cNvPr id="0" name=""/>
-        <dsp:cNvSpPr/>
-      </dsp:nvSpPr>
-      <dsp:spPr>
-        <a:xfrm>
-          <a:off x="3011587" y="2407317"/>
-          <a:ext cx="1127187" cy="563593"/>
-        </a:xfrm>
-        <a:prstGeom prst="rect">
-          <a:avLst/>
-        </a:prstGeom>
-        <a:gradFill rotWithShape="0">
-          <a:gsLst>
-            <a:gs pos="0">
-              <a:schemeClr val="accent4">
-                <a:hueOff val="0"/>
-                <a:satOff val="0"/>
-                <a:lumOff val="0"/>
-                <a:alphaOff val="0"/>
-                <a:tint val="96000"/>
-                <a:lumMod val="104000"/>
-              </a:schemeClr>
-            </a:gs>
-            <a:gs pos="100000">
-              <a:schemeClr val="accent4">
-                <a:hueOff val="0"/>
-                <a:satOff val="0"/>
-                <a:lumOff val="0"/>
-                <a:alphaOff val="0"/>
-                <a:shade val="98000"/>
-                <a:lumMod val="94000"/>
-              </a:schemeClr>
-            </a:gs>
-          </a:gsLst>
-          <a:lin ang="5400000" scaled="0"/>
-        </a:gradFill>
-        <a:ln>
-          <a:noFill/>
-        </a:ln>
-        <a:effectLst>
-          <a:outerShdw blurRad="50800" dist="38100" dir="5400000" rotWithShape="0">
-            <a:srgbClr val="000000">
-              <a:alpha val="60000"/>
-            </a:srgbClr>
-          </a:outerShdw>
-        </a:effectLst>
-      </dsp:spPr>
-      <dsp:style>
-        <a:lnRef idx="0">
-          <a:scrgbClr r="0" g="0" b="0"/>
-        </a:lnRef>
-        <a:fillRef idx="3">
-          <a:scrgbClr r="0" g="0" b="0"/>
-        </a:fillRef>
-        <a:effectRef idx="3">
-          <a:scrgbClr r="0" g="0" b="0"/>
-        </a:effectRef>
-        <a:fontRef idx="minor">
-          <a:schemeClr val="lt1"/>
-        </a:fontRef>
-      </dsp:style>
-      <dsp:txBody>
-        <a:bodyPr spcFirstLastPara="0" vert="horz" wrap="square" lIns="7620" tIns="7620" rIns="7620" bIns="7620" numCol="1" spcCol="1270" anchor="ctr" anchorCtr="0">
-          <a:noAutofit/>
-        </a:bodyPr>
-        <a:lstStyle/>
-        <a:p>
-          <a:pPr marL="0" lvl="0" indent="0" algn="ctr" defTabSz="533400">
-            <a:lnSpc>
-              <a:spcPct val="90000"/>
-            </a:lnSpc>
-            <a:spcBef>
-              <a:spcPct val="0"/>
-            </a:spcBef>
-            <a:spcAft>
-              <a:spcPct val="35000"/>
-            </a:spcAft>
-            <a:buNone/>
-          </a:pPr>
-          <a:r>
-            <a:rPr lang="en-US" sz="1200" b="0" kern="1200" cap="none" spc="0">
+            <a:rPr lang="en-US" sz="1100" b="0" kern="1200" cap="none" spc="0">
               <a:effectLst>
                 <a:outerShdw blurRad="38100" dist="19050" dir="2700000" algn="tl" rotWithShape="0">
                   <a:schemeClr val="dk1">
@@ -11465,8 +11753,8 @@
         </a:p>
       </dsp:txBody>
       <dsp:txXfrm>
-        <a:off x="3011587" y="2407317"/>
-        <a:ext cx="1127187" cy="563593"/>
+        <a:off x="5231213" y="3149621"/>
+        <a:ext cx="1027671" cy="513835"/>
       </dsp:txXfrm>
     </dsp:sp>
   </dsp:spTree>
@@ -15880,6 +16168,1040 @@
 </file>
 
 <file path=ppt/diagrams/quickStyle2.xml><?xml version="1.0" encoding="utf-8"?>
+<dgm:styleDef xmlns:dgm="http://schemas.openxmlformats.org/drawingml/2006/diagram" xmlns:a="http://schemas.openxmlformats.org/drawingml/2006/main" uniqueId="urn:microsoft.com/office/officeart/2005/8/quickstyle/simple4">
+  <dgm:title val=""/>
+  <dgm:desc val=""/>
+  <dgm:catLst>
+    <dgm:cat type="simple" pri="10400"/>
+  </dgm:catLst>
+  <dgm:scene3d>
+    <a:camera prst="orthographicFront"/>
+    <a:lightRig rig="threePt" dir="t"/>
+  </dgm:scene3d>
+  <dgm:styleLbl name="node0">
+    <dgm:scene3d>
+      <a:camera prst="orthographicFront"/>
+      <a:lightRig rig="threePt" dir="t"/>
+    </dgm:scene3d>
+    <dgm:sp3d/>
+    <dgm:txPr/>
+    <dgm:style>
+      <a:lnRef idx="0">
+        <a:scrgbClr r="0" g="0" b="0"/>
+      </a:lnRef>
+      <a:fillRef idx="3">
+        <a:scrgbClr r="0" g="0" b="0"/>
+      </a:fillRef>
+      <a:effectRef idx="2">
+        <a:scrgbClr r="0" g="0" b="0"/>
+      </a:effectRef>
+      <a:fontRef idx="minor">
+        <a:schemeClr val="lt1"/>
+      </a:fontRef>
+    </dgm:style>
+  </dgm:styleLbl>
+  <dgm:styleLbl name="lnNode1">
+    <dgm:scene3d>
+      <a:camera prst="orthographicFront"/>
+      <a:lightRig rig="threePt" dir="t"/>
+    </dgm:scene3d>
+    <dgm:sp3d/>
+    <dgm:txPr/>
+    <dgm:style>
+      <a:lnRef idx="1">
+        <a:scrgbClr r="0" g="0" b="0"/>
+      </a:lnRef>
+      <a:fillRef idx="3">
+        <a:scrgbClr r="0" g="0" b="0"/>
+      </a:fillRef>
+      <a:effectRef idx="2">
+        <a:scrgbClr r="0" g="0" b="0"/>
+      </a:effectRef>
+      <a:fontRef idx="minor">
+        <a:schemeClr val="lt1"/>
+      </a:fontRef>
+    </dgm:style>
+  </dgm:styleLbl>
+  <dgm:styleLbl name="vennNode1">
+    <dgm:scene3d>
+      <a:camera prst="orthographicFront"/>
+      <a:lightRig rig="threePt" dir="t"/>
+    </dgm:scene3d>
+    <dgm:sp3d/>
+    <dgm:txPr/>
+    <dgm:style>
+      <a:lnRef idx="0">
+        <a:scrgbClr r="0" g="0" b="0"/>
+      </a:lnRef>
+      <a:fillRef idx="3">
+        <a:scrgbClr r="0" g="0" b="0"/>
+      </a:fillRef>
+      <a:effectRef idx="0">
+        <a:scrgbClr r="0" g="0" b="0"/>
+      </a:effectRef>
+      <a:fontRef idx="minor">
+        <a:schemeClr val="tx1"/>
+      </a:fontRef>
+    </dgm:style>
+  </dgm:styleLbl>
+  <dgm:styleLbl name="alignNode1">
+    <dgm:scene3d>
+      <a:camera prst="orthographicFront"/>
+      <a:lightRig rig="threePt" dir="t"/>
+    </dgm:scene3d>
+    <dgm:sp3d/>
+    <dgm:txPr/>
+    <dgm:style>
+      <a:lnRef idx="1">
+        <a:scrgbClr r="0" g="0" b="0"/>
+      </a:lnRef>
+      <a:fillRef idx="3">
+        <a:scrgbClr r="0" g="0" b="0"/>
+      </a:fillRef>
+      <a:effectRef idx="2">
+        <a:scrgbClr r="0" g="0" b="0"/>
+      </a:effectRef>
+      <a:fontRef idx="minor">
+        <a:schemeClr val="lt1"/>
+      </a:fontRef>
+    </dgm:style>
+  </dgm:styleLbl>
+  <dgm:styleLbl name="node1">
+    <dgm:scene3d>
+      <a:camera prst="orthographicFront"/>
+      <a:lightRig rig="threePt" dir="t"/>
+    </dgm:scene3d>
+    <dgm:sp3d/>
+    <dgm:txPr/>
+    <dgm:style>
+      <a:lnRef idx="0">
+        <a:scrgbClr r="0" g="0" b="0"/>
+      </a:lnRef>
+      <a:fillRef idx="3">
+        <a:scrgbClr r="0" g="0" b="0"/>
+      </a:fillRef>
+      <a:effectRef idx="2">
+        <a:scrgbClr r="0" g="0" b="0"/>
+      </a:effectRef>
+      <a:fontRef idx="minor">
+        <a:schemeClr val="lt1"/>
+      </a:fontRef>
+    </dgm:style>
+  </dgm:styleLbl>
+  <dgm:styleLbl name="node2">
+    <dgm:scene3d>
+      <a:camera prst="orthographicFront"/>
+      <a:lightRig rig="threePt" dir="t"/>
+    </dgm:scene3d>
+    <dgm:sp3d/>
+    <dgm:txPr/>
+    <dgm:style>
+      <a:lnRef idx="0">
+        <a:scrgbClr r="0" g="0" b="0"/>
+      </a:lnRef>
+      <a:fillRef idx="3">
+        <a:scrgbClr r="0" g="0" b="0"/>
+      </a:fillRef>
+      <a:effectRef idx="2">
+        <a:scrgbClr r="0" g="0" b="0"/>
+      </a:effectRef>
+      <a:fontRef idx="minor">
+        <a:schemeClr val="lt1"/>
+      </a:fontRef>
+    </dgm:style>
+  </dgm:styleLbl>
+  <dgm:styleLbl name="node3">
+    <dgm:scene3d>
+      <a:camera prst="orthographicFront"/>
+      <a:lightRig rig="threePt" dir="t"/>
+    </dgm:scene3d>
+    <dgm:sp3d/>
+    <dgm:txPr/>
+    <dgm:style>
+      <a:lnRef idx="0">
+        <a:scrgbClr r="0" g="0" b="0"/>
+      </a:lnRef>
+      <a:fillRef idx="3">
+        <a:scrgbClr r="0" g="0" b="0"/>
+      </a:fillRef>
+      <a:effectRef idx="2">
+        <a:scrgbClr r="0" g="0" b="0"/>
+      </a:effectRef>
+      <a:fontRef idx="minor">
+        <a:schemeClr val="lt1"/>
+      </a:fontRef>
+    </dgm:style>
+  </dgm:styleLbl>
+  <dgm:styleLbl name="node4">
+    <dgm:scene3d>
+      <a:camera prst="orthographicFront"/>
+      <a:lightRig rig="threePt" dir="t"/>
+    </dgm:scene3d>
+    <dgm:sp3d/>
+    <dgm:txPr/>
+    <dgm:style>
+      <a:lnRef idx="0">
+        <a:scrgbClr r="0" g="0" b="0"/>
+      </a:lnRef>
+      <a:fillRef idx="3">
+        <a:scrgbClr r="0" g="0" b="0"/>
+      </a:fillRef>
+      <a:effectRef idx="2">
+        <a:scrgbClr r="0" g="0" b="0"/>
+      </a:effectRef>
+      <a:fontRef idx="minor">
+        <a:schemeClr val="lt1"/>
+      </a:fontRef>
+    </dgm:style>
+  </dgm:styleLbl>
+  <dgm:styleLbl name="fgImgPlace1">
+    <dgm:scene3d>
+      <a:camera prst="orthographicFront"/>
+      <a:lightRig rig="threePt" dir="t"/>
+    </dgm:scene3d>
+    <dgm:sp3d/>
+    <dgm:txPr/>
+    <dgm:style>
+      <a:lnRef idx="0">
+        <a:scrgbClr r="0" g="0" b="0"/>
+      </a:lnRef>
+      <a:fillRef idx="1">
+        <a:scrgbClr r="0" g="0" b="0"/>
+      </a:fillRef>
+      <a:effectRef idx="2">
+        <a:scrgbClr r="0" g="0" b="0"/>
+      </a:effectRef>
+      <a:fontRef idx="minor"/>
+    </dgm:style>
+  </dgm:styleLbl>
+  <dgm:styleLbl name="alignImgPlace1">
+    <dgm:scene3d>
+      <a:camera prst="orthographicFront"/>
+      <a:lightRig rig="threePt" dir="t"/>
+    </dgm:scene3d>
+    <dgm:sp3d/>
+    <dgm:txPr/>
+    <dgm:style>
+      <a:lnRef idx="0">
+        <a:scrgbClr r="0" g="0" b="0"/>
+      </a:lnRef>
+      <a:fillRef idx="1">
+        <a:scrgbClr r="0" g="0" b="0"/>
+      </a:fillRef>
+      <a:effectRef idx="2">
+        <a:scrgbClr r="0" g="0" b="0"/>
+      </a:effectRef>
+      <a:fontRef idx="minor"/>
+    </dgm:style>
+  </dgm:styleLbl>
+  <dgm:styleLbl name="bgImgPlace1">
+    <dgm:scene3d>
+      <a:camera prst="orthographicFront"/>
+      <a:lightRig rig="threePt" dir="t"/>
+    </dgm:scene3d>
+    <dgm:sp3d/>
+    <dgm:txPr/>
+    <dgm:style>
+      <a:lnRef idx="0">
+        <a:scrgbClr r="0" g="0" b="0"/>
+      </a:lnRef>
+      <a:fillRef idx="1">
+        <a:scrgbClr r="0" g="0" b="0"/>
+      </a:fillRef>
+      <a:effectRef idx="2">
+        <a:scrgbClr r="0" g="0" b="0"/>
+      </a:effectRef>
+      <a:fontRef idx="minor"/>
+    </dgm:style>
+  </dgm:styleLbl>
+  <dgm:styleLbl name="sibTrans2D1">
+    <dgm:scene3d>
+      <a:camera prst="orthographicFront"/>
+      <a:lightRig rig="threePt" dir="t"/>
+    </dgm:scene3d>
+    <dgm:sp3d/>
+    <dgm:txPr/>
+    <dgm:style>
+      <a:lnRef idx="0">
+        <a:scrgbClr r="0" g="0" b="0"/>
+      </a:lnRef>
+      <a:fillRef idx="3">
+        <a:scrgbClr r="0" g="0" b="0"/>
+      </a:fillRef>
+      <a:effectRef idx="2">
+        <a:scrgbClr r="0" g="0" b="0"/>
+      </a:effectRef>
+      <a:fontRef idx="minor">
+        <a:schemeClr val="lt1"/>
+      </a:fontRef>
+    </dgm:style>
+  </dgm:styleLbl>
+  <dgm:styleLbl name="fgSibTrans2D1">
+    <dgm:scene3d>
+      <a:camera prst="orthographicFront"/>
+      <a:lightRig rig="threePt" dir="t"/>
+    </dgm:scene3d>
+    <dgm:sp3d/>
+    <dgm:txPr/>
+    <dgm:style>
+      <a:lnRef idx="0">
+        <a:scrgbClr r="0" g="0" b="0"/>
+      </a:lnRef>
+      <a:fillRef idx="3">
+        <a:scrgbClr r="0" g="0" b="0"/>
+      </a:fillRef>
+      <a:effectRef idx="2">
+        <a:scrgbClr r="0" g="0" b="0"/>
+      </a:effectRef>
+      <a:fontRef idx="minor">
+        <a:schemeClr val="lt1"/>
+      </a:fontRef>
+    </dgm:style>
+  </dgm:styleLbl>
+  <dgm:styleLbl name="bgSibTrans2D1">
+    <dgm:scene3d>
+      <a:camera prst="orthographicFront"/>
+      <a:lightRig rig="threePt" dir="t"/>
+    </dgm:scene3d>
+    <dgm:sp3d/>
+    <dgm:txPr/>
+    <dgm:style>
+      <a:lnRef idx="0">
+        <a:scrgbClr r="0" g="0" b="0"/>
+      </a:lnRef>
+      <a:fillRef idx="3">
+        <a:scrgbClr r="0" g="0" b="0"/>
+      </a:fillRef>
+      <a:effectRef idx="2">
+        <a:scrgbClr r="0" g="0" b="0"/>
+      </a:effectRef>
+      <a:fontRef idx="minor">
+        <a:schemeClr val="lt1"/>
+      </a:fontRef>
+    </dgm:style>
+  </dgm:styleLbl>
+  <dgm:styleLbl name="sibTrans1D1">
+    <dgm:scene3d>
+      <a:camera prst="orthographicFront"/>
+      <a:lightRig rig="threePt" dir="t"/>
+    </dgm:scene3d>
+    <dgm:sp3d/>
+    <dgm:txPr/>
+    <dgm:style>
+      <a:lnRef idx="1">
+        <a:scrgbClr r="0" g="0" b="0"/>
+      </a:lnRef>
+      <a:fillRef idx="0">
+        <a:scrgbClr r="0" g="0" b="0"/>
+      </a:fillRef>
+      <a:effectRef idx="0">
+        <a:scrgbClr r="0" g="0" b="0"/>
+      </a:effectRef>
+      <a:fontRef idx="minor"/>
+    </dgm:style>
+  </dgm:styleLbl>
+  <dgm:styleLbl name="callout">
+    <dgm:scene3d>
+      <a:camera prst="orthographicFront"/>
+      <a:lightRig rig="threePt" dir="t"/>
+    </dgm:scene3d>
+    <dgm:sp3d/>
+    <dgm:txPr/>
+    <dgm:style>
+      <a:lnRef idx="2">
+        <a:scrgbClr r="0" g="0" b="0"/>
+      </a:lnRef>
+      <a:fillRef idx="1">
+        <a:scrgbClr r="0" g="0" b="0"/>
+      </a:fillRef>
+      <a:effectRef idx="1">
+        <a:scrgbClr r="0" g="0" b="0"/>
+      </a:effectRef>
+      <a:fontRef idx="minor"/>
+    </dgm:style>
+  </dgm:styleLbl>
+  <dgm:styleLbl name="asst0">
+    <dgm:scene3d>
+      <a:camera prst="orthographicFront"/>
+      <a:lightRig rig="threePt" dir="t"/>
+    </dgm:scene3d>
+    <dgm:sp3d/>
+    <dgm:txPr/>
+    <dgm:style>
+      <a:lnRef idx="0">
+        <a:scrgbClr r="0" g="0" b="0"/>
+      </a:lnRef>
+      <a:fillRef idx="3">
+        <a:scrgbClr r="0" g="0" b="0"/>
+      </a:fillRef>
+      <a:effectRef idx="2">
+        <a:scrgbClr r="0" g="0" b="0"/>
+      </a:effectRef>
+      <a:fontRef idx="minor">
+        <a:schemeClr val="lt1"/>
+      </a:fontRef>
+    </dgm:style>
+  </dgm:styleLbl>
+  <dgm:styleLbl name="asst1">
+    <dgm:scene3d>
+      <a:camera prst="orthographicFront"/>
+      <a:lightRig rig="threePt" dir="t"/>
+    </dgm:scene3d>
+    <dgm:sp3d/>
+    <dgm:txPr/>
+    <dgm:style>
+      <a:lnRef idx="0">
+        <a:scrgbClr r="0" g="0" b="0"/>
+      </a:lnRef>
+      <a:fillRef idx="3">
+        <a:scrgbClr r="0" g="0" b="0"/>
+      </a:fillRef>
+      <a:effectRef idx="2">
+        <a:scrgbClr r="0" g="0" b="0"/>
+      </a:effectRef>
+      <a:fontRef idx="minor">
+        <a:schemeClr val="lt1"/>
+      </a:fontRef>
+    </dgm:style>
+  </dgm:styleLbl>
+  <dgm:styleLbl name="asst2">
+    <dgm:scene3d>
+      <a:camera prst="orthographicFront"/>
+      <a:lightRig rig="threePt" dir="t"/>
+    </dgm:scene3d>
+    <dgm:sp3d/>
+    <dgm:txPr/>
+    <dgm:style>
+      <a:lnRef idx="0">
+        <a:scrgbClr r="0" g="0" b="0"/>
+      </a:lnRef>
+      <a:fillRef idx="3">
+        <a:scrgbClr r="0" g="0" b="0"/>
+      </a:fillRef>
+      <a:effectRef idx="2">
+        <a:scrgbClr r="0" g="0" b="0"/>
+      </a:effectRef>
+      <a:fontRef idx="minor">
+        <a:schemeClr val="lt1"/>
+      </a:fontRef>
+    </dgm:style>
+  </dgm:styleLbl>
+  <dgm:styleLbl name="asst3">
+    <dgm:scene3d>
+      <a:camera prst="orthographicFront"/>
+      <a:lightRig rig="threePt" dir="t"/>
+    </dgm:scene3d>
+    <dgm:sp3d/>
+    <dgm:txPr/>
+    <dgm:style>
+      <a:lnRef idx="0">
+        <a:scrgbClr r="0" g="0" b="0"/>
+      </a:lnRef>
+      <a:fillRef idx="3">
+        <a:scrgbClr r="0" g="0" b="0"/>
+      </a:fillRef>
+      <a:effectRef idx="2">
+        <a:scrgbClr r="0" g="0" b="0"/>
+      </a:effectRef>
+      <a:fontRef idx="minor">
+        <a:schemeClr val="lt1"/>
+      </a:fontRef>
+    </dgm:style>
+  </dgm:styleLbl>
+  <dgm:styleLbl name="asst4">
+    <dgm:scene3d>
+      <a:camera prst="orthographicFront"/>
+      <a:lightRig rig="threePt" dir="t"/>
+    </dgm:scene3d>
+    <dgm:sp3d/>
+    <dgm:txPr/>
+    <dgm:style>
+      <a:lnRef idx="0">
+        <a:scrgbClr r="0" g="0" b="0"/>
+      </a:lnRef>
+      <a:fillRef idx="3">
+        <a:scrgbClr r="0" g="0" b="0"/>
+      </a:fillRef>
+      <a:effectRef idx="2">
+        <a:scrgbClr r="0" g="0" b="0"/>
+      </a:effectRef>
+      <a:fontRef idx="minor">
+        <a:schemeClr val="lt1"/>
+      </a:fontRef>
+    </dgm:style>
+  </dgm:styleLbl>
+  <dgm:styleLbl name="parChTrans2D1">
+    <dgm:scene3d>
+      <a:camera prst="orthographicFront"/>
+      <a:lightRig rig="threePt" dir="t"/>
+    </dgm:scene3d>
+    <dgm:sp3d/>
+    <dgm:txPr/>
+    <dgm:style>
+      <a:lnRef idx="0">
+        <a:scrgbClr r="0" g="0" b="0"/>
+      </a:lnRef>
+      <a:fillRef idx="3">
+        <a:scrgbClr r="0" g="0" b="0"/>
+      </a:fillRef>
+      <a:effectRef idx="2">
+        <a:scrgbClr r="0" g="0" b="0"/>
+      </a:effectRef>
+      <a:fontRef idx="minor">
+        <a:schemeClr val="lt1"/>
+      </a:fontRef>
+    </dgm:style>
+  </dgm:styleLbl>
+  <dgm:styleLbl name="parChTrans2D2">
+    <dgm:scene3d>
+      <a:camera prst="orthographicFront"/>
+      <a:lightRig rig="threePt" dir="t"/>
+    </dgm:scene3d>
+    <dgm:sp3d/>
+    <dgm:txPr/>
+    <dgm:style>
+      <a:lnRef idx="0">
+        <a:scrgbClr r="0" g="0" b="0"/>
+      </a:lnRef>
+      <a:fillRef idx="3">
+        <a:scrgbClr r="0" g="0" b="0"/>
+      </a:fillRef>
+      <a:effectRef idx="2">
+        <a:scrgbClr r="0" g="0" b="0"/>
+      </a:effectRef>
+      <a:fontRef idx="minor">
+        <a:schemeClr val="lt1"/>
+      </a:fontRef>
+    </dgm:style>
+  </dgm:styleLbl>
+  <dgm:styleLbl name="parChTrans2D3">
+    <dgm:scene3d>
+      <a:camera prst="orthographicFront"/>
+      <a:lightRig rig="threePt" dir="t"/>
+    </dgm:scene3d>
+    <dgm:sp3d/>
+    <dgm:txPr/>
+    <dgm:style>
+      <a:lnRef idx="1">
+        <a:scrgbClr r="0" g="0" b="0"/>
+      </a:lnRef>
+      <a:fillRef idx="3">
+        <a:scrgbClr r="0" g="0" b="0"/>
+      </a:fillRef>
+      <a:effectRef idx="2">
+        <a:scrgbClr r="0" g="0" b="0"/>
+      </a:effectRef>
+      <a:fontRef idx="minor">
+        <a:schemeClr val="lt1"/>
+      </a:fontRef>
+    </dgm:style>
+  </dgm:styleLbl>
+  <dgm:styleLbl name="parChTrans2D4">
+    <dgm:scene3d>
+      <a:camera prst="orthographicFront"/>
+      <a:lightRig rig="threePt" dir="t"/>
+    </dgm:scene3d>
+    <dgm:sp3d/>
+    <dgm:txPr/>
+    <dgm:style>
+      <a:lnRef idx="1">
+        <a:scrgbClr r="0" g="0" b="0"/>
+      </a:lnRef>
+      <a:fillRef idx="3">
+        <a:scrgbClr r="0" g="0" b="0"/>
+      </a:fillRef>
+      <a:effectRef idx="2">
+        <a:scrgbClr r="0" g="0" b="0"/>
+      </a:effectRef>
+      <a:fontRef idx="minor">
+        <a:schemeClr val="lt1"/>
+      </a:fontRef>
+    </dgm:style>
+  </dgm:styleLbl>
+  <dgm:styleLbl name="parChTrans1D1">
+    <dgm:scene3d>
+      <a:camera prst="orthographicFront"/>
+      <a:lightRig rig="threePt" dir="t"/>
+    </dgm:scene3d>
+    <dgm:sp3d/>
+    <dgm:txPr/>
+    <dgm:style>
+      <a:lnRef idx="1">
+        <a:scrgbClr r="0" g="0" b="0"/>
+      </a:lnRef>
+      <a:fillRef idx="0">
+        <a:scrgbClr r="0" g="0" b="0"/>
+      </a:fillRef>
+      <a:effectRef idx="0">
+        <a:scrgbClr r="0" g="0" b="0"/>
+      </a:effectRef>
+      <a:fontRef idx="minor"/>
+    </dgm:style>
+  </dgm:styleLbl>
+  <dgm:styleLbl name="parChTrans1D2">
+    <dgm:scene3d>
+      <a:camera prst="orthographicFront"/>
+      <a:lightRig rig="threePt" dir="t"/>
+    </dgm:scene3d>
+    <dgm:sp3d/>
+    <dgm:txPr/>
+    <dgm:style>
+      <a:lnRef idx="1">
+        <a:scrgbClr r="0" g="0" b="0"/>
+      </a:lnRef>
+      <a:fillRef idx="0">
+        <a:scrgbClr r="0" g="0" b="0"/>
+      </a:fillRef>
+      <a:effectRef idx="0">
+        <a:scrgbClr r="0" g="0" b="0"/>
+      </a:effectRef>
+      <a:fontRef idx="minor"/>
+    </dgm:style>
+  </dgm:styleLbl>
+  <dgm:styleLbl name="parChTrans1D3">
+    <dgm:scene3d>
+      <a:camera prst="orthographicFront"/>
+      <a:lightRig rig="threePt" dir="t"/>
+    </dgm:scene3d>
+    <dgm:sp3d/>
+    <dgm:txPr/>
+    <dgm:style>
+      <a:lnRef idx="1">
+        <a:scrgbClr r="0" g="0" b="0"/>
+      </a:lnRef>
+      <a:fillRef idx="0">
+        <a:scrgbClr r="0" g="0" b="0"/>
+      </a:fillRef>
+      <a:effectRef idx="0">
+        <a:scrgbClr r="0" g="0" b="0"/>
+      </a:effectRef>
+      <a:fontRef idx="minor"/>
+    </dgm:style>
+  </dgm:styleLbl>
+  <dgm:styleLbl name="parChTrans1D4">
+    <dgm:scene3d>
+      <a:camera prst="orthographicFront"/>
+      <a:lightRig rig="threePt" dir="t"/>
+    </dgm:scene3d>
+    <dgm:sp3d/>
+    <dgm:txPr/>
+    <dgm:style>
+      <a:lnRef idx="1">
+        <a:scrgbClr r="0" g="0" b="0"/>
+      </a:lnRef>
+      <a:fillRef idx="0">
+        <a:scrgbClr r="0" g="0" b="0"/>
+      </a:fillRef>
+      <a:effectRef idx="0">
+        <a:scrgbClr r="0" g="0" b="0"/>
+      </a:effectRef>
+      <a:fontRef idx="minor"/>
+    </dgm:style>
+  </dgm:styleLbl>
+  <dgm:styleLbl name="fgAcc1">
+    <dgm:scene3d>
+      <a:camera prst="orthographicFront"/>
+      <a:lightRig rig="threePt" dir="t"/>
+    </dgm:scene3d>
+    <dgm:sp3d/>
+    <dgm:txPr/>
+    <dgm:style>
+      <a:lnRef idx="1">
+        <a:scrgbClr r="0" g="0" b="0"/>
+      </a:lnRef>
+      <a:fillRef idx="1">
+        <a:scrgbClr r="0" g="0" b="0"/>
+      </a:fillRef>
+      <a:effectRef idx="0">
+        <a:scrgbClr r="0" g="0" b="0"/>
+      </a:effectRef>
+      <a:fontRef idx="minor"/>
+    </dgm:style>
+  </dgm:styleLbl>
+  <dgm:styleLbl name="conFgAcc1">
+    <dgm:scene3d>
+      <a:camera prst="orthographicFront"/>
+      <a:lightRig rig="threePt" dir="t"/>
+    </dgm:scene3d>
+    <dgm:sp3d/>
+    <dgm:txPr/>
+    <dgm:style>
+      <a:lnRef idx="1">
+        <a:scrgbClr r="0" g="0" b="0"/>
+      </a:lnRef>
+      <a:fillRef idx="1">
+        <a:scrgbClr r="0" g="0" b="0"/>
+      </a:fillRef>
+      <a:effectRef idx="0">
+        <a:scrgbClr r="0" g="0" b="0"/>
+      </a:effectRef>
+      <a:fontRef idx="minor"/>
+    </dgm:style>
+  </dgm:styleLbl>
+  <dgm:styleLbl name="alignAcc1">
+    <dgm:scene3d>
+      <a:camera prst="orthographicFront"/>
+      <a:lightRig rig="threePt" dir="t"/>
+    </dgm:scene3d>
+    <dgm:sp3d/>
+    <dgm:txPr/>
+    <dgm:style>
+      <a:lnRef idx="1">
+        <a:scrgbClr r="0" g="0" b="0"/>
+      </a:lnRef>
+      <a:fillRef idx="1">
+        <a:scrgbClr r="0" g="0" b="0"/>
+      </a:fillRef>
+      <a:effectRef idx="0">
+        <a:scrgbClr r="0" g="0" b="0"/>
+      </a:effectRef>
+      <a:fontRef idx="minor"/>
+    </dgm:style>
+  </dgm:styleLbl>
+  <dgm:styleLbl name="trAlignAcc1">
+    <dgm:scene3d>
+      <a:camera prst="orthographicFront"/>
+      <a:lightRig rig="threePt" dir="t"/>
+    </dgm:scene3d>
+    <dgm:sp3d/>
+    <dgm:txPr/>
+    <dgm:style>
+      <a:lnRef idx="1">
+        <a:scrgbClr r="0" g="0" b="0"/>
+      </a:lnRef>
+      <a:fillRef idx="1">
+        <a:scrgbClr r="0" g="0" b="0"/>
+      </a:fillRef>
+      <a:effectRef idx="0">
+        <a:scrgbClr r="0" g="0" b="0"/>
+      </a:effectRef>
+      <a:fontRef idx="minor"/>
+    </dgm:style>
+  </dgm:styleLbl>
+  <dgm:styleLbl name="bgAcc1">
+    <dgm:scene3d>
+      <a:camera prst="orthographicFront"/>
+      <a:lightRig rig="threePt" dir="t"/>
+    </dgm:scene3d>
+    <dgm:sp3d/>
+    <dgm:txPr/>
+    <dgm:style>
+      <a:lnRef idx="1">
+        <a:scrgbClr r="0" g="0" b="0"/>
+      </a:lnRef>
+      <a:fillRef idx="1">
+        <a:scrgbClr r="0" g="0" b="0"/>
+      </a:fillRef>
+      <a:effectRef idx="0">
+        <a:scrgbClr r="0" g="0" b="0"/>
+      </a:effectRef>
+      <a:fontRef idx="minor"/>
+    </dgm:style>
+  </dgm:styleLbl>
+  <dgm:styleLbl name="solidFgAcc1">
+    <dgm:scene3d>
+      <a:camera prst="orthographicFront"/>
+      <a:lightRig rig="threePt" dir="t"/>
+    </dgm:scene3d>
+    <dgm:sp3d/>
+    <dgm:txPr/>
+    <dgm:style>
+      <a:lnRef idx="1">
+        <a:scrgbClr r="0" g="0" b="0"/>
+      </a:lnRef>
+      <a:fillRef idx="1">
+        <a:scrgbClr r="0" g="0" b="0"/>
+      </a:fillRef>
+      <a:effectRef idx="0">
+        <a:scrgbClr r="0" g="0" b="0"/>
+      </a:effectRef>
+      <a:fontRef idx="minor"/>
+    </dgm:style>
+  </dgm:styleLbl>
+  <dgm:styleLbl name="solidAlignAcc1">
+    <dgm:scene3d>
+      <a:camera prst="orthographicFront"/>
+      <a:lightRig rig="threePt" dir="t"/>
+    </dgm:scene3d>
+    <dgm:sp3d/>
+    <dgm:txPr/>
+    <dgm:style>
+      <a:lnRef idx="1">
+        <a:scrgbClr r="0" g="0" b="0"/>
+      </a:lnRef>
+      <a:fillRef idx="1">
+        <a:scrgbClr r="0" g="0" b="0"/>
+      </a:fillRef>
+      <a:effectRef idx="0">
+        <a:scrgbClr r="0" g="0" b="0"/>
+      </a:effectRef>
+      <a:fontRef idx="minor"/>
+    </dgm:style>
+  </dgm:styleLbl>
+  <dgm:styleLbl name="solidBgAcc1">
+    <dgm:scene3d>
+      <a:camera prst="orthographicFront"/>
+      <a:lightRig rig="threePt" dir="t"/>
+    </dgm:scene3d>
+    <dgm:sp3d/>
+    <dgm:txPr/>
+    <dgm:style>
+      <a:lnRef idx="1">
+        <a:scrgbClr r="0" g="0" b="0"/>
+      </a:lnRef>
+      <a:fillRef idx="1">
+        <a:scrgbClr r="0" g="0" b="0"/>
+      </a:fillRef>
+      <a:effectRef idx="0">
+        <a:scrgbClr r="0" g="0" b="0"/>
+      </a:effectRef>
+      <a:fontRef idx="minor"/>
+    </dgm:style>
+  </dgm:styleLbl>
+  <dgm:styleLbl name="fgAccFollowNode1">
+    <dgm:scene3d>
+      <a:camera prst="orthographicFront"/>
+      <a:lightRig rig="threePt" dir="t"/>
+    </dgm:scene3d>
+    <dgm:sp3d/>
+    <dgm:txPr/>
+    <dgm:style>
+      <a:lnRef idx="1">
+        <a:scrgbClr r="0" g="0" b="0"/>
+      </a:lnRef>
+      <a:fillRef idx="1">
+        <a:scrgbClr r="0" g="0" b="0"/>
+      </a:fillRef>
+      <a:effectRef idx="0">
+        <a:scrgbClr r="0" g="0" b="0"/>
+      </a:effectRef>
+      <a:fontRef idx="minor"/>
+    </dgm:style>
+  </dgm:styleLbl>
+  <dgm:styleLbl name="alignAccFollowNode1">
+    <dgm:scene3d>
+      <a:camera prst="orthographicFront"/>
+      <a:lightRig rig="threePt" dir="t"/>
+    </dgm:scene3d>
+    <dgm:sp3d/>
+    <dgm:txPr/>
+    <dgm:style>
+      <a:lnRef idx="1">
+        <a:scrgbClr r="0" g="0" b="0"/>
+      </a:lnRef>
+      <a:fillRef idx="1">
+        <a:scrgbClr r="0" g="0" b="0"/>
+      </a:fillRef>
+      <a:effectRef idx="0">
+        <a:scrgbClr r="0" g="0" b="0"/>
+      </a:effectRef>
+      <a:fontRef idx="minor"/>
+    </dgm:style>
+  </dgm:styleLbl>
+  <dgm:styleLbl name="bgAccFollowNode1">
+    <dgm:scene3d>
+      <a:camera prst="orthographicFront"/>
+      <a:lightRig rig="threePt" dir="t"/>
+    </dgm:scene3d>
+    <dgm:sp3d/>
+    <dgm:txPr/>
+    <dgm:style>
+      <a:lnRef idx="1">
+        <a:scrgbClr r="0" g="0" b="0"/>
+      </a:lnRef>
+      <a:fillRef idx="1">
+        <a:scrgbClr r="0" g="0" b="0"/>
+      </a:fillRef>
+      <a:effectRef idx="0">
+        <a:scrgbClr r="0" g="0" b="0"/>
+      </a:effectRef>
+      <a:fontRef idx="minor"/>
+    </dgm:style>
+  </dgm:styleLbl>
+  <dgm:styleLbl name="fgAcc0">
+    <dgm:scene3d>
+      <a:camera prst="orthographicFront"/>
+      <a:lightRig rig="threePt" dir="t"/>
+    </dgm:scene3d>
+    <dgm:sp3d/>
+    <dgm:txPr/>
+    <dgm:style>
+      <a:lnRef idx="1">
+        <a:scrgbClr r="0" g="0" b="0"/>
+      </a:lnRef>
+      <a:fillRef idx="1">
+        <a:scrgbClr r="0" g="0" b="0"/>
+      </a:fillRef>
+      <a:effectRef idx="0">
+        <a:scrgbClr r="0" g="0" b="0"/>
+      </a:effectRef>
+      <a:fontRef idx="minor"/>
+    </dgm:style>
+  </dgm:styleLbl>
+  <dgm:styleLbl name="fgAcc2">
+    <dgm:scene3d>
+      <a:camera prst="orthographicFront"/>
+      <a:lightRig rig="threePt" dir="t"/>
+    </dgm:scene3d>
+    <dgm:sp3d/>
+    <dgm:txPr/>
+    <dgm:style>
+      <a:lnRef idx="1">
+        <a:scrgbClr r="0" g="0" b="0"/>
+      </a:lnRef>
+      <a:fillRef idx="1">
+        <a:scrgbClr r="0" g="0" b="0"/>
+      </a:fillRef>
+      <a:effectRef idx="0">
+        <a:scrgbClr r="0" g="0" b="0"/>
+      </a:effectRef>
+      <a:fontRef idx="minor"/>
+    </dgm:style>
+  </dgm:styleLbl>
+  <dgm:styleLbl name="fgAcc3">
+    <dgm:scene3d>
+      <a:camera prst="orthographicFront"/>
+      <a:lightRig rig="threePt" dir="t"/>
+    </dgm:scene3d>
+    <dgm:sp3d/>
+    <dgm:txPr/>
+    <dgm:style>
+      <a:lnRef idx="1">
+        <a:scrgbClr r="0" g="0" b="0"/>
+      </a:lnRef>
+      <a:fillRef idx="1">
+        <a:scrgbClr r="0" g="0" b="0"/>
+      </a:fillRef>
+      <a:effectRef idx="0">
+        <a:scrgbClr r="0" g="0" b="0"/>
+      </a:effectRef>
+      <a:fontRef idx="minor"/>
+    </dgm:style>
+  </dgm:styleLbl>
+  <dgm:styleLbl name="fgAcc4">
+    <dgm:scene3d>
+      <a:camera prst="orthographicFront"/>
+      <a:lightRig rig="threePt" dir="t"/>
+    </dgm:scene3d>
+    <dgm:sp3d/>
+    <dgm:txPr/>
+    <dgm:style>
+      <a:lnRef idx="1">
+        <a:scrgbClr r="0" g="0" b="0"/>
+      </a:lnRef>
+      <a:fillRef idx="1">
+        <a:scrgbClr r="0" g="0" b="0"/>
+      </a:fillRef>
+      <a:effectRef idx="0">
+        <a:scrgbClr r="0" g="0" b="0"/>
+      </a:effectRef>
+      <a:fontRef idx="minor"/>
+    </dgm:style>
+  </dgm:styleLbl>
+  <dgm:styleLbl name="bgShp">
+    <dgm:scene3d>
+      <a:camera prst="orthographicFront"/>
+      <a:lightRig rig="threePt" dir="t"/>
+    </dgm:scene3d>
+    <dgm:sp3d/>
+    <dgm:txPr/>
+    <dgm:style>
+      <a:lnRef idx="0">
+        <a:scrgbClr r="0" g="0" b="0"/>
+      </a:lnRef>
+      <a:fillRef idx="1">
+        <a:scrgbClr r="0" g="0" b="0"/>
+      </a:fillRef>
+      <a:effectRef idx="2">
+        <a:scrgbClr r="0" g="0" b="0"/>
+      </a:effectRef>
+      <a:fontRef idx="minor"/>
+    </dgm:style>
+  </dgm:styleLbl>
+  <dgm:styleLbl name="dkBgShp">
+    <dgm:scene3d>
+      <a:camera prst="orthographicFront"/>
+      <a:lightRig rig="threePt" dir="t"/>
+    </dgm:scene3d>
+    <dgm:sp3d/>
+    <dgm:txPr/>
+    <dgm:style>
+      <a:lnRef idx="0">
+        <a:scrgbClr r="0" g="0" b="0"/>
+      </a:lnRef>
+      <a:fillRef idx="1">
+        <a:scrgbClr r="0" g="0" b="0"/>
+      </a:fillRef>
+      <a:effectRef idx="2">
+        <a:scrgbClr r="0" g="0" b="0"/>
+      </a:effectRef>
+      <a:fontRef idx="minor"/>
+    </dgm:style>
+  </dgm:styleLbl>
+  <dgm:styleLbl name="trBgShp">
+    <dgm:scene3d>
+      <a:camera prst="orthographicFront"/>
+      <a:lightRig rig="threePt" dir="t"/>
+    </dgm:scene3d>
+    <dgm:sp3d/>
+    <dgm:txPr/>
+    <dgm:style>
+      <a:lnRef idx="0">
+        <a:scrgbClr r="0" g="0" b="0"/>
+      </a:lnRef>
+      <a:fillRef idx="1">
+        <a:scrgbClr r="0" g="0" b="0"/>
+      </a:fillRef>
+      <a:effectRef idx="0">
+        <a:scrgbClr r="0" g="0" b="0"/>
+      </a:effectRef>
+      <a:fontRef idx="minor"/>
+    </dgm:style>
+  </dgm:styleLbl>
+  <dgm:styleLbl name="fgShp">
+    <dgm:scene3d>
+      <a:camera prst="orthographicFront"/>
+      <a:lightRig rig="threePt" dir="t"/>
+    </dgm:scene3d>
+    <dgm:sp3d/>
+    <dgm:txPr/>
+    <dgm:style>
+      <a:lnRef idx="0">
+        <a:scrgbClr r="0" g="0" b="0"/>
+      </a:lnRef>
+      <a:fillRef idx="3">
+        <a:scrgbClr r="0" g="0" b="0"/>
+      </a:fillRef>
+      <a:effectRef idx="2">
+        <a:scrgbClr r="0" g="0" b="0"/>
+      </a:effectRef>
+      <a:fontRef idx="minor"/>
+    </dgm:style>
+  </dgm:styleLbl>
+  <dgm:styleLbl name="revTx">
+    <dgm:scene3d>
+      <a:camera prst="orthographicFront"/>
+      <a:lightRig rig="threePt" dir="t"/>
+    </dgm:scene3d>
+    <dgm:sp3d/>
+    <dgm:txPr/>
+    <dgm:style>
+      <a:lnRef idx="0">
+        <a:scrgbClr r="0" g="0" b="0"/>
+      </a:lnRef>
+      <a:fillRef idx="0">
+        <a:scrgbClr r="0" g="0" b="0"/>
+      </a:fillRef>
+      <a:effectRef idx="0">
+        <a:scrgbClr r="0" g="0" b="0"/>
+      </a:effectRef>
+      <a:fontRef idx="minor"/>
+    </dgm:style>
+  </dgm:styleLbl>
+</dgm:styleDef>
+</file>
+
+<file path=ppt/diagrams/quickStyle3.xml><?xml version="1.0" encoding="utf-8"?>
 <dgm:styleDef xmlns:dgm="http://schemas.openxmlformats.org/drawingml/2006/diagram" xmlns:a="http://schemas.openxmlformats.org/drawingml/2006/main" uniqueId="urn:microsoft.com/office/officeart/2005/8/quickstyle/simple5">
   <dgm:title val=""/>
   <dgm:desc val=""/>
@@ -16885,1040 +18207,6 @@
         <a:scrgbClr r="0" g="0" b="0"/>
       </a:fillRef>
       <a:effectRef idx="3">
-        <a:scrgbClr r="0" g="0" b="0"/>
-      </a:effectRef>
-      <a:fontRef idx="minor"/>
-    </dgm:style>
-  </dgm:styleLbl>
-  <dgm:styleLbl name="revTx">
-    <dgm:scene3d>
-      <a:camera prst="orthographicFront"/>
-      <a:lightRig rig="threePt" dir="t"/>
-    </dgm:scene3d>
-    <dgm:sp3d/>
-    <dgm:txPr/>
-    <dgm:style>
-      <a:lnRef idx="0">
-        <a:scrgbClr r="0" g="0" b="0"/>
-      </a:lnRef>
-      <a:fillRef idx="0">
-        <a:scrgbClr r="0" g="0" b="0"/>
-      </a:fillRef>
-      <a:effectRef idx="0">
-        <a:scrgbClr r="0" g="0" b="0"/>
-      </a:effectRef>
-      <a:fontRef idx="minor"/>
-    </dgm:style>
-  </dgm:styleLbl>
-</dgm:styleDef>
-</file>
-
-<file path=ppt/diagrams/quickStyle3.xml><?xml version="1.0" encoding="utf-8"?>
-<dgm:styleDef xmlns:dgm="http://schemas.openxmlformats.org/drawingml/2006/diagram" xmlns:a="http://schemas.openxmlformats.org/drawingml/2006/main" uniqueId="urn:microsoft.com/office/officeart/2005/8/quickstyle/simple4">
-  <dgm:title val=""/>
-  <dgm:desc val=""/>
-  <dgm:catLst>
-    <dgm:cat type="simple" pri="10400"/>
-  </dgm:catLst>
-  <dgm:scene3d>
-    <a:camera prst="orthographicFront"/>
-    <a:lightRig rig="threePt" dir="t"/>
-  </dgm:scene3d>
-  <dgm:styleLbl name="node0">
-    <dgm:scene3d>
-      <a:camera prst="orthographicFront"/>
-      <a:lightRig rig="threePt" dir="t"/>
-    </dgm:scene3d>
-    <dgm:sp3d/>
-    <dgm:txPr/>
-    <dgm:style>
-      <a:lnRef idx="0">
-        <a:scrgbClr r="0" g="0" b="0"/>
-      </a:lnRef>
-      <a:fillRef idx="3">
-        <a:scrgbClr r="0" g="0" b="0"/>
-      </a:fillRef>
-      <a:effectRef idx="2">
-        <a:scrgbClr r="0" g="0" b="0"/>
-      </a:effectRef>
-      <a:fontRef idx="minor">
-        <a:schemeClr val="lt1"/>
-      </a:fontRef>
-    </dgm:style>
-  </dgm:styleLbl>
-  <dgm:styleLbl name="lnNode1">
-    <dgm:scene3d>
-      <a:camera prst="orthographicFront"/>
-      <a:lightRig rig="threePt" dir="t"/>
-    </dgm:scene3d>
-    <dgm:sp3d/>
-    <dgm:txPr/>
-    <dgm:style>
-      <a:lnRef idx="1">
-        <a:scrgbClr r="0" g="0" b="0"/>
-      </a:lnRef>
-      <a:fillRef idx="3">
-        <a:scrgbClr r="0" g="0" b="0"/>
-      </a:fillRef>
-      <a:effectRef idx="2">
-        <a:scrgbClr r="0" g="0" b="0"/>
-      </a:effectRef>
-      <a:fontRef idx="minor">
-        <a:schemeClr val="lt1"/>
-      </a:fontRef>
-    </dgm:style>
-  </dgm:styleLbl>
-  <dgm:styleLbl name="vennNode1">
-    <dgm:scene3d>
-      <a:camera prst="orthographicFront"/>
-      <a:lightRig rig="threePt" dir="t"/>
-    </dgm:scene3d>
-    <dgm:sp3d/>
-    <dgm:txPr/>
-    <dgm:style>
-      <a:lnRef idx="0">
-        <a:scrgbClr r="0" g="0" b="0"/>
-      </a:lnRef>
-      <a:fillRef idx="3">
-        <a:scrgbClr r="0" g="0" b="0"/>
-      </a:fillRef>
-      <a:effectRef idx="0">
-        <a:scrgbClr r="0" g="0" b="0"/>
-      </a:effectRef>
-      <a:fontRef idx="minor">
-        <a:schemeClr val="tx1"/>
-      </a:fontRef>
-    </dgm:style>
-  </dgm:styleLbl>
-  <dgm:styleLbl name="alignNode1">
-    <dgm:scene3d>
-      <a:camera prst="orthographicFront"/>
-      <a:lightRig rig="threePt" dir="t"/>
-    </dgm:scene3d>
-    <dgm:sp3d/>
-    <dgm:txPr/>
-    <dgm:style>
-      <a:lnRef idx="1">
-        <a:scrgbClr r="0" g="0" b="0"/>
-      </a:lnRef>
-      <a:fillRef idx="3">
-        <a:scrgbClr r="0" g="0" b="0"/>
-      </a:fillRef>
-      <a:effectRef idx="2">
-        <a:scrgbClr r="0" g="0" b="0"/>
-      </a:effectRef>
-      <a:fontRef idx="minor">
-        <a:schemeClr val="lt1"/>
-      </a:fontRef>
-    </dgm:style>
-  </dgm:styleLbl>
-  <dgm:styleLbl name="node1">
-    <dgm:scene3d>
-      <a:camera prst="orthographicFront"/>
-      <a:lightRig rig="threePt" dir="t"/>
-    </dgm:scene3d>
-    <dgm:sp3d/>
-    <dgm:txPr/>
-    <dgm:style>
-      <a:lnRef idx="0">
-        <a:scrgbClr r="0" g="0" b="0"/>
-      </a:lnRef>
-      <a:fillRef idx="3">
-        <a:scrgbClr r="0" g="0" b="0"/>
-      </a:fillRef>
-      <a:effectRef idx="2">
-        <a:scrgbClr r="0" g="0" b="0"/>
-      </a:effectRef>
-      <a:fontRef idx="minor">
-        <a:schemeClr val="lt1"/>
-      </a:fontRef>
-    </dgm:style>
-  </dgm:styleLbl>
-  <dgm:styleLbl name="node2">
-    <dgm:scene3d>
-      <a:camera prst="orthographicFront"/>
-      <a:lightRig rig="threePt" dir="t"/>
-    </dgm:scene3d>
-    <dgm:sp3d/>
-    <dgm:txPr/>
-    <dgm:style>
-      <a:lnRef idx="0">
-        <a:scrgbClr r="0" g="0" b="0"/>
-      </a:lnRef>
-      <a:fillRef idx="3">
-        <a:scrgbClr r="0" g="0" b="0"/>
-      </a:fillRef>
-      <a:effectRef idx="2">
-        <a:scrgbClr r="0" g="0" b="0"/>
-      </a:effectRef>
-      <a:fontRef idx="minor">
-        <a:schemeClr val="lt1"/>
-      </a:fontRef>
-    </dgm:style>
-  </dgm:styleLbl>
-  <dgm:styleLbl name="node3">
-    <dgm:scene3d>
-      <a:camera prst="orthographicFront"/>
-      <a:lightRig rig="threePt" dir="t"/>
-    </dgm:scene3d>
-    <dgm:sp3d/>
-    <dgm:txPr/>
-    <dgm:style>
-      <a:lnRef idx="0">
-        <a:scrgbClr r="0" g="0" b="0"/>
-      </a:lnRef>
-      <a:fillRef idx="3">
-        <a:scrgbClr r="0" g="0" b="0"/>
-      </a:fillRef>
-      <a:effectRef idx="2">
-        <a:scrgbClr r="0" g="0" b="0"/>
-      </a:effectRef>
-      <a:fontRef idx="minor">
-        <a:schemeClr val="lt1"/>
-      </a:fontRef>
-    </dgm:style>
-  </dgm:styleLbl>
-  <dgm:styleLbl name="node4">
-    <dgm:scene3d>
-      <a:camera prst="orthographicFront"/>
-      <a:lightRig rig="threePt" dir="t"/>
-    </dgm:scene3d>
-    <dgm:sp3d/>
-    <dgm:txPr/>
-    <dgm:style>
-      <a:lnRef idx="0">
-        <a:scrgbClr r="0" g="0" b="0"/>
-      </a:lnRef>
-      <a:fillRef idx="3">
-        <a:scrgbClr r="0" g="0" b="0"/>
-      </a:fillRef>
-      <a:effectRef idx="2">
-        <a:scrgbClr r="0" g="0" b="0"/>
-      </a:effectRef>
-      <a:fontRef idx="minor">
-        <a:schemeClr val="lt1"/>
-      </a:fontRef>
-    </dgm:style>
-  </dgm:styleLbl>
-  <dgm:styleLbl name="fgImgPlace1">
-    <dgm:scene3d>
-      <a:camera prst="orthographicFront"/>
-      <a:lightRig rig="threePt" dir="t"/>
-    </dgm:scene3d>
-    <dgm:sp3d/>
-    <dgm:txPr/>
-    <dgm:style>
-      <a:lnRef idx="0">
-        <a:scrgbClr r="0" g="0" b="0"/>
-      </a:lnRef>
-      <a:fillRef idx="1">
-        <a:scrgbClr r="0" g="0" b="0"/>
-      </a:fillRef>
-      <a:effectRef idx="2">
-        <a:scrgbClr r="0" g="0" b="0"/>
-      </a:effectRef>
-      <a:fontRef idx="minor"/>
-    </dgm:style>
-  </dgm:styleLbl>
-  <dgm:styleLbl name="alignImgPlace1">
-    <dgm:scene3d>
-      <a:camera prst="orthographicFront"/>
-      <a:lightRig rig="threePt" dir="t"/>
-    </dgm:scene3d>
-    <dgm:sp3d/>
-    <dgm:txPr/>
-    <dgm:style>
-      <a:lnRef idx="0">
-        <a:scrgbClr r="0" g="0" b="0"/>
-      </a:lnRef>
-      <a:fillRef idx="1">
-        <a:scrgbClr r="0" g="0" b="0"/>
-      </a:fillRef>
-      <a:effectRef idx="2">
-        <a:scrgbClr r="0" g="0" b="0"/>
-      </a:effectRef>
-      <a:fontRef idx="minor"/>
-    </dgm:style>
-  </dgm:styleLbl>
-  <dgm:styleLbl name="bgImgPlace1">
-    <dgm:scene3d>
-      <a:camera prst="orthographicFront"/>
-      <a:lightRig rig="threePt" dir="t"/>
-    </dgm:scene3d>
-    <dgm:sp3d/>
-    <dgm:txPr/>
-    <dgm:style>
-      <a:lnRef idx="0">
-        <a:scrgbClr r="0" g="0" b="0"/>
-      </a:lnRef>
-      <a:fillRef idx="1">
-        <a:scrgbClr r="0" g="0" b="0"/>
-      </a:fillRef>
-      <a:effectRef idx="2">
-        <a:scrgbClr r="0" g="0" b="0"/>
-      </a:effectRef>
-      <a:fontRef idx="minor"/>
-    </dgm:style>
-  </dgm:styleLbl>
-  <dgm:styleLbl name="sibTrans2D1">
-    <dgm:scene3d>
-      <a:camera prst="orthographicFront"/>
-      <a:lightRig rig="threePt" dir="t"/>
-    </dgm:scene3d>
-    <dgm:sp3d/>
-    <dgm:txPr/>
-    <dgm:style>
-      <a:lnRef idx="0">
-        <a:scrgbClr r="0" g="0" b="0"/>
-      </a:lnRef>
-      <a:fillRef idx="3">
-        <a:scrgbClr r="0" g="0" b="0"/>
-      </a:fillRef>
-      <a:effectRef idx="2">
-        <a:scrgbClr r="0" g="0" b="0"/>
-      </a:effectRef>
-      <a:fontRef idx="minor">
-        <a:schemeClr val="lt1"/>
-      </a:fontRef>
-    </dgm:style>
-  </dgm:styleLbl>
-  <dgm:styleLbl name="fgSibTrans2D1">
-    <dgm:scene3d>
-      <a:camera prst="orthographicFront"/>
-      <a:lightRig rig="threePt" dir="t"/>
-    </dgm:scene3d>
-    <dgm:sp3d/>
-    <dgm:txPr/>
-    <dgm:style>
-      <a:lnRef idx="0">
-        <a:scrgbClr r="0" g="0" b="0"/>
-      </a:lnRef>
-      <a:fillRef idx="3">
-        <a:scrgbClr r="0" g="0" b="0"/>
-      </a:fillRef>
-      <a:effectRef idx="2">
-        <a:scrgbClr r="0" g="0" b="0"/>
-      </a:effectRef>
-      <a:fontRef idx="minor">
-        <a:schemeClr val="lt1"/>
-      </a:fontRef>
-    </dgm:style>
-  </dgm:styleLbl>
-  <dgm:styleLbl name="bgSibTrans2D1">
-    <dgm:scene3d>
-      <a:camera prst="orthographicFront"/>
-      <a:lightRig rig="threePt" dir="t"/>
-    </dgm:scene3d>
-    <dgm:sp3d/>
-    <dgm:txPr/>
-    <dgm:style>
-      <a:lnRef idx="0">
-        <a:scrgbClr r="0" g="0" b="0"/>
-      </a:lnRef>
-      <a:fillRef idx="3">
-        <a:scrgbClr r="0" g="0" b="0"/>
-      </a:fillRef>
-      <a:effectRef idx="2">
-        <a:scrgbClr r="0" g="0" b="0"/>
-      </a:effectRef>
-      <a:fontRef idx="minor">
-        <a:schemeClr val="lt1"/>
-      </a:fontRef>
-    </dgm:style>
-  </dgm:styleLbl>
-  <dgm:styleLbl name="sibTrans1D1">
-    <dgm:scene3d>
-      <a:camera prst="orthographicFront"/>
-      <a:lightRig rig="threePt" dir="t"/>
-    </dgm:scene3d>
-    <dgm:sp3d/>
-    <dgm:txPr/>
-    <dgm:style>
-      <a:lnRef idx="1">
-        <a:scrgbClr r="0" g="0" b="0"/>
-      </a:lnRef>
-      <a:fillRef idx="0">
-        <a:scrgbClr r="0" g="0" b="0"/>
-      </a:fillRef>
-      <a:effectRef idx="0">
-        <a:scrgbClr r="0" g="0" b="0"/>
-      </a:effectRef>
-      <a:fontRef idx="minor"/>
-    </dgm:style>
-  </dgm:styleLbl>
-  <dgm:styleLbl name="callout">
-    <dgm:scene3d>
-      <a:camera prst="orthographicFront"/>
-      <a:lightRig rig="threePt" dir="t"/>
-    </dgm:scene3d>
-    <dgm:sp3d/>
-    <dgm:txPr/>
-    <dgm:style>
-      <a:lnRef idx="2">
-        <a:scrgbClr r="0" g="0" b="0"/>
-      </a:lnRef>
-      <a:fillRef idx="1">
-        <a:scrgbClr r="0" g="0" b="0"/>
-      </a:fillRef>
-      <a:effectRef idx="1">
-        <a:scrgbClr r="0" g="0" b="0"/>
-      </a:effectRef>
-      <a:fontRef idx="minor"/>
-    </dgm:style>
-  </dgm:styleLbl>
-  <dgm:styleLbl name="asst0">
-    <dgm:scene3d>
-      <a:camera prst="orthographicFront"/>
-      <a:lightRig rig="threePt" dir="t"/>
-    </dgm:scene3d>
-    <dgm:sp3d/>
-    <dgm:txPr/>
-    <dgm:style>
-      <a:lnRef idx="0">
-        <a:scrgbClr r="0" g="0" b="0"/>
-      </a:lnRef>
-      <a:fillRef idx="3">
-        <a:scrgbClr r="0" g="0" b="0"/>
-      </a:fillRef>
-      <a:effectRef idx="2">
-        <a:scrgbClr r="0" g="0" b="0"/>
-      </a:effectRef>
-      <a:fontRef idx="minor">
-        <a:schemeClr val="lt1"/>
-      </a:fontRef>
-    </dgm:style>
-  </dgm:styleLbl>
-  <dgm:styleLbl name="asst1">
-    <dgm:scene3d>
-      <a:camera prst="orthographicFront"/>
-      <a:lightRig rig="threePt" dir="t"/>
-    </dgm:scene3d>
-    <dgm:sp3d/>
-    <dgm:txPr/>
-    <dgm:style>
-      <a:lnRef idx="0">
-        <a:scrgbClr r="0" g="0" b="0"/>
-      </a:lnRef>
-      <a:fillRef idx="3">
-        <a:scrgbClr r="0" g="0" b="0"/>
-      </a:fillRef>
-      <a:effectRef idx="2">
-        <a:scrgbClr r="0" g="0" b="0"/>
-      </a:effectRef>
-      <a:fontRef idx="minor">
-        <a:schemeClr val="lt1"/>
-      </a:fontRef>
-    </dgm:style>
-  </dgm:styleLbl>
-  <dgm:styleLbl name="asst2">
-    <dgm:scene3d>
-      <a:camera prst="orthographicFront"/>
-      <a:lightRig rig="threePt" dir="t"/>
-    </dgm:scene3d>
-    <dgm:sp3d/>
-    <dgm:txPr/>
-    <dgm:style>
-      <a:lnRef idx="0">
-        <a:scrgbClr r="0" g="0" b="0"/>
-      </a:lnRef>
-      <a:fillRef idx="3">
-        <a:scrgbClr r="0" g="0" b="0"/>
-      </a:fillRef>
-      <a:effectRef idx="2">
-        <a:scrgbClr r="0" g="0" b="0"/>
-      </a:effectRef>
-      <a:fontRef idx="minor">
-        <a:schemeClr val="lt1"/>
-      </a:fontRef>
-    </dgm:style>
-  </dgm:styleLbl>
-  <dgm:styleLbl name="asst3">
-    <dgm:scene3d>
-      <a:camera prst="orthographicFront"/>
-      <a:lightRig rig="threePt" dir="t"/>
-    </dgm:scene3d>
-    <dgm:sp3d/>
-    <dgm:txPr/>
-    <dgm:style>
-      <a:lnRef idx="0">
-        <a:scrgbClr r="0" g="0" b="0"/>
-      </a:lnRef>
-      <a:fillRef idx="3">
-        <a:scrgbClr r="0" g="0" b="0"/>
-      </a:fillRef>
-      <a:effectRef idx="2">
-        <a:scrgbClr r="0" g="0" b="0"/>
-      </a:effectRef>
-      <a:fontRef idx="minor">
-        <a:schemeClr val="lt1"/>
-      </a:fontRef>
-    </dgm:style>
-  </dgm:styleLbl>
-  <dgm:styleLbl name="asst4">
-    <dgm:scene3d>
-      <a:camera prst="orthographicFront"/>
-      <a:lightRig rig="threePt" dir="t"/>
-    </dgm:scene3d>
-    <dgm:sp3d/>
-    <dgm:txPr/>
-    <dgm:style>
-      <a:lnRef idx="0">
-        <a:scrgbClr r="0" g="0" b="0"/>
-      </a:lnRef>
-      <a:fillRef idx="3">
-        <a:scrgbClr r="0" g="0" b="0"/>
-      </a:fillRef>
-      <a:effectRef idx="2">
-        <a:scrgbClr r="0" g="0" b="0"/>
-      </a:effectRef>
-      <a:fontRef idx="minor">
-        <a:schemeClr val="lt1"/>
-      </a:fontRef>
-    </dgm:style>
-  </dgm:styleLbl>
-  <dgm:styleLbl name="parChTrans2D1">
-    <dgm:scene3d>
-      <a:camera prst="orthographicFront"/>
-      <a:lightRig rig="threePt" dir="t"/>
-    </dgm:scene3d>
-    <dgm:sp3d/>
-    <dgm:txPr/>
-    <dgm:style>
-      <a:lnRef idx="0">
-        <a:scrgbClr r="0" g="0" b="0"/>
-      </a:lnRef>
-      <a:fillRef idx="3">
-        <a:scrgbClr r="0" g="0" b="0"/>
-      </a:fillRef>
-      <a:effectRef idx="2">
-        <a:scrgbClr r="0" g="0" b="0"/>
-      </a:effectRef>
-      <a:fontRef idx="minor">
-        <a:schemeClr val="lt1"/>
-      </a:fontRef>
-    </dgm:style>
-  </dgm:styleLbl>
-  <dgm:styleLbl name="parChTrans2D2">
-    <dgm:scene3d>
-      <a:camera prst="orthographicFront"/>
-      <a:lightRig rig="threePt" dir="t"/>
-    </dgm:scene3d>
-    <dgm:sp3d/>
-    <dgm:txPr/>
-    <dgm:style>
-      <a:lnRef idx="0">
-        <a:scrgbClr r="0" g="0" b="0"/>
-      </a:lnRef>
-      <a:fillRef idx="3">
-        <a:scrgbClr r="0" g="0" b="0"/>
-      </a:fillRef>
-      <a:effectRef idx="2">
-        <a:scrgbClr r="0" g="0" b="0"/>
-      </a:effectRef>
-      <a:fontRef idx="minor">
-        <a:schemeClr val="lt1"/>
-      </a:fontRef>
-    </dgm:style>
-  </dgm:styleLbl>
-  <dgm:styleLbl name="parChTrans2D3">
-    <dgm:scene3d>
-      <a:camera prst="orthographicFront"/>
-      <a:lightRig rig="threePt" dir="t"/>
-    </dgm:scene3d>
-    <dgm:sp3d/>
-    <dgm:txPr/>
-    <dgm:style>
-      <a:lnRef idx="1">
-        <a:scrgbClr r="0" g="0" b="0"/>
-      </a:lnRef>
-      <a:fillRef idx="3">
-        <a:scrgbClr r="0" g="0" b="0"/>
-      </a:fillRef>
-      <a:effectRef idx="2">
-        <a:scrgbClr r="0" g="0" b="0"/>
-      </a:effectRef>
-      <a:fontRef idx="minor">
-        <a:schemeClr val="lt1"/>
-      </a:fontRef>
-    </dgm:style>
-  </dgm:styleLbl>
-  <dgm:styleLbl name="parChTrans2D4">
-    <dgm:scene3d>
-      <a:camera prst="orthographicFront"/>
-      <a:lightRig rig="threePt" dir="t"/>
-    </dgm:scene3d>
-    <dgm:sp3d/>
-    <dgm:txPr/>
-    <dgm:style>
-      <a:lnRef idx="1">
-        <a:scrgbClr r="0" g="0" b="0"/>
-      </a:lnRef>
-      <a:fillRef idx="3">
-        <a:scrgbClr r="0" g="0" b="0"/>
-      </a:fillRef>
-      <a:effectRef idx="2">
-        <a:scrgbClr r="0" g="0" b="0"/>
-      </a:effectRef>
-      <a:fontRef idx="minor">
-        <a:schemeClr val="lt1"/>
-      </a:fontRef>
-    </dgm:style>
-  </dgm:styleLbl>
-  <dgm:styleLbl name="parChTrans1D1">
-    <dgm:scene3d>
-      <a:camera prst="orthographicFront"/>
-      <a:lightRig rig="threePt" dir="t"/>
-    </dgm:scene3d>
-    <dgm:sp3d/>
-    <dgm:txPr/>
-    <dgm:style>
-      <a:lnRef idx="1">
-        <a:scrgbClr r="0" g="0" b="0"/>
-      </a:lnRef>
-      <a:fillRef idx="0">
-        <a:scrgbClr r="0" g="0" b="0"/>
-      </a:fillRef>
-      <a:effectRef idx="0">
-        <a:scrgbClr r="0" g="0" b="0"/>
-      </a:effectRef>
-      <a:fontRef idx="minor"/>
-    </dgm:style>
-  </dgm:styleLbl>
-  <dgm:styleLbl name="parChTrans1D2">
-    <dgm:scene3d>
-      <a:camera prst="orthographicFront"/>
-      <a:lightRig rig="threePt" dir="t"/>
-    </dgm:scene3d>
-    <dgm:sp3d/>
-    <dgm:txPr/>
-    <dgm:style>
-      <a:lnRef idx="1">
-        <a:scrgbClr r="0" g="0" b="0"/>
-      </a:lnRef>
-      <a:fillRef idx="0">
-        <a:scrgbClr r="0" g="0" b="0"/>
-      </a:fillRef>
-      <a:effectRef idx="0">
-        <a:scrgbClr r="0" g="0" b="0"/>
-      </a:effectRef>
-      <a:fontRef idx="minor"/>
-    </dgm:style>
-  </dgm:styleLbl>
-  <dgm:styleLbl name="parChTrans1D3">
-    <dgm:scene3d>
-      <a:camera prst="orthographicFront"/>
-      <a:lightRig rig="threePt" dir="t"/>
-    </dgm:scene3d>
-    <dgm:sp3d/>
-    <dgm:txPr/>
-    <dgm:style>
-      <a:lnRef idx="1">
-        <a:scrgbClr r="0" g="0" b="0"/>
-      </a:lnRef>
-      <a:fillRef idx="0">
-        <a:scrgbClr r="0" g="0" b="0"/>
-      </a:fillRef>
-      <a:effectRef idx="0">
-        <a:scrgbClr r="0" g="0" b="0"/>
-      </a:effectRef>
-      <a:fontRef idx="minor"/>
-    </dgm:style>
-  </dgm:styleLbl>
-  <dgm:styleLbl name="parChTrans1D4">
-    <dgm:scene3d>
-      <a:camera prst="orthographicFront"/>
-      <a:lightRig rig="threePt" dir="t"/>
-    </dgm:scene3d>
-    <dgm:sp3d/>
-    <dgm:txPr/>
-    <dgm:style>
-      <a:lnRef idx="1">
-        <a:scrgbClr r="0" g="0" b="0"/>
-      </a:lnRef>
-      <a:fillRef idx="0">
-        <a:scrgbClr r="0" g="0" b="0"/>
-      </a:fillRef>
-      <a:effectRef idx="0">
-        <a:scrgbClr r="0" g="0" b="0"/>
-      </a:effectRef>
-      <a:fontRef idx="minor"/>
-    </dgm:style>
-  </dgm:styleLbl>
-  <dgm:styleLbl name="fgAcc1">
-    <dgm:scene3d>
-      <a:camera prst="orthographicFront"/>
-      <a:lightRig rig="threePt" dir="t"/>
-    </dgm:scene3d>
-    <dgm:sp3d/>
-    <dgm:txPr/>
-    <dgm:style>
-      <a:lnRef idx="1">
-        <a:scrgbClr r="0" g="0" b="0"/>
-      </a:lnRef>
-      <a:fillRef idx="1">
-        <a:scrgbClr r="0" g="0" b="0"/>
-      </a:fillRef>
-      <a:effectRef idx="0">
-        <a:scrgbClr r="0" g="0" b="0"/>
-      </a:effectRef>
-      <a:fontRef idx="minor"/>
-    </dgm:style>
-  </dgm:styleLbl>
-  <dgm:styleLbl name="conFgAcc1">
-    <dgm:scene3d>
-      <a:camera prst="orthographicFront"/>
-      <a:lightRig rig="threePt" dir="t"/>
-    </dgm:scene3d>
-    <dgm:sp3d/>
-    <dgm:txPr/>
-    <dgm:style>
-      <a:lnRef idx="1">
-        <a:scrgbClr r="0" g="0" b="0"/>
-      </a:lnRef>
-      <a:fillRef idx="1">
-        <a:scrgbClr r="0" g="0" b="0"/>
-      </a:fillRef>
-      <a:effectRef idx="0">
-        <a:scrgbClr r="0" g="0" b="0"/>
-      </a:effectRef>
-      <a:fontRef idx="minor"/>
-    </dgm:style>
-  </dgm:styleLbl>
-  <dgm:styleLbl name="alignAcc1">
-    <dgm:scene3d>
-      <a:camera prst="orthographicFront"/>
-      <a:lightRig rig="threePt" dir="t"/>
-    </dgm:scene3d>
-    <dgm:sp3d/>
-    <dgm:txPr/>
-    <dgm:style>
-      <a:lnRef idx="1">
-        <a:scrgbClr r="0" g="0" b="0"/>
-      </a:lnRef>
-      <a:fillRef idx="1">
-        <a:scrgbClr r="0" g="0" b="0"/>
-      </a:fillRef>
-      <a:effectRef idx="0">
-        <a:scrgbClr r="0" g="0" b="0"/>
-      </a:effectRef>
-      <a:fontRef idx="minor"/>
-    </dgm:style>
-  </dgm:styleLbl>
-  <dgm:styleLbl name="trAlignAcc1">
-    <dgm:scene3d>
-      <a:camera prst="orthographicFront"/>
-      <a:lightRig rig="threePt" dir="t"/>
-    </dgm:scene3d>
-    <dgm:sp3d/>
-    <dgm:txPr/>
-    <dgm:style>
-      <a:lnRef idx="1">
-        <a:scrgbClr r="0" g="0" b="0"/>
-      </a:lnRef>
-      <a:fillRef idx="1">
-        <a:scrgbClr r="0" g="0" b="0"/>
-      </a:fillRef>
-      <a:effectRef idx="0">
-        <a:scrgbClr r="0" g="0" b="0"/>
-      </a:effectRef>
-      <a:fontRef idx="minor"/>
-    </dgm:style>
-  </dgm:styleLbl>
-  <dgm:styleLbl name="bgAcc1">
-    <dgm:scene3d>
-      <a:camera prst="orthographicFront"/>
-      <a:lightRig rig="threePt" dir="t"/>
-    </dgm:scene3d>
-    <dgm:sp3d/>
-    <dgm:txPr/>
-    <dgm:style>
-      <a:lnRef idx="1">
-        <a:scrgbClr r="0" g="0" b="0"/>
-      </a:lnRef>
-      <a:fillRef idx="1">
-        <a:scrgbClr r="0" g="0" b="0"/>
-      </a:fillRef>
-      <a:effectRef idx="0">
-        <a:scrgbClr r="0" g="0" b="0"/>
-      </a:effectRef>
-      <a:fontRef idx="minor"/>
-    </dgm:style>
-  </dgm:styleLbl>
-  <dgm:styleLbl name="solidFgAcc1">
-    <dgm:scene3d>
-      <a:camera prst="orthographicFront"/>
-      <a:lightRig rig="threePt" dir="t"/>
-    </dgm:scene3d>
-    <dgm:sp3d/>
-    <dgm:txPr/>
-    <dgm:style>
-      <a:lnRef idx="1">
-        <a:scrgbClr r="0" g="0" b="0"/>
-      </a:lnRef>
-      <a:fillRef idx="1">
-        <a:scrgbClr r="0" g="0" b="0"/>
-      </a:fillRef>
-      <a:effectRef idx="0">
-        <a:scrgbClr r="0" g="0" b="0"/>
-      </a:effectRef>
-      <a:fontRef idx="minor"/>
-    </dgm:style>
-  </dgm:styleLbl>
-  <dgm:styleLbl name="solidAlignAcc1">
-    <dgm:scene3d>
-      <a:camera prst="orthographicFront"/>
-      <a:lightRig rig="threePt" dir="t"/>
-    </dgm:scene3d>
-    <dgm:sp3d/>
-    <dgm:txPr/>
-    <dgm:style>
-      <a:lnRef idx="1">
-        <a:scrgbClr r="0" g="0" b="0"/>
-      </a:lnRef>
-      <a:fillRef idx="1">
-        <a:scrgbClr r="0" g="0" b="0"/>
-      </a:fillRef>
-      <a:effectRef idx="0">
-        <a:scrgbClr r="0" g="0" b="0"/>
-      </a:effectRef>
-      <a:fontRef idx="minor"/>
-    </dgm:style>
-  </dgm:styleLbl>
-  <dgm:styleLbl name="solidBgAcc1">
-    <dgm:scene3d>
-      <a:camera prst="orthographicFront"/>
-      <a:lightRig rig="threePt" dir="t"/>
-    </dgm:scene3d>
-    <dgm:sp3d/>
-    <dgm:txPr/>
-    <dgm:style>
-      <a:lnRef idx="1">
-        <a:scrgbClr r="0" g="0" b="0"/>
-      </a:lnRef>
-      <a:fillRef idx="1">
-        <a:scrgbClr r="0" g="0" b="0"/>
-      </a:fillRef>
-      <a:effectRef idx="0">
-        <a:scrgbClr r="0" g="0" b="0"/>
-      </a:effectRef>
-      <a:fontRef idx="minor"/>
-    </dgm:style>
-  </dgm:styleLbl>
-  <dgm:styleLbl name="fgAccFollowNode1">
-    <dgm:scene3d>
-      <a:camera prst="orthographicFront"/>
-      <a:lightRig rig="threePt" dir="t"/>
-    </dgm:scene3d>
-    <dgm:sp3d/>
-    <dgm:txPr/>
-    <dgm:style>
-      <a:lnRef idx="1">
-        <a:scrgbClr r="0" g="0" b="0"/>
-      </a:lnRef>
-      <a:fillRef idx="1">
-        <a:scrgbClr r="0" g="0" b="0"/>
-      </a:fillRef>
-      <a:effectRef idx="0">
-        <a:scrgbClr r="0" g="0" b="0"/>
-      </a:effectRef>
-      <a:fontRef idx="minor"/>
-    </dgm:style>
-  </dgm:styleLbl>
-  <dgm:styleLbl name="alignAccFollowNode1">
-    <dgm:scene3d>
-      <a:camera prst="orthographicFront"/>
-      <a:lightRig rig="threePt" dir="t"/>
-    </dgm:scene3d>
-    <dgm:sp3d/>
-    <dgm:txPr/>
-    <dgm:style>
-      <a:lnRef idx="1">
-        <a:scrgbClr r="0" g="0" b="0"/>
-      </a:lnRef>
-      <a:fillRef idx="1">
-        <a:scrgbClr r="0" g="0" b="0"/>
-      </a:fillRef>
-      <a:effectRef idx="0">
-        <a:scrgbClr r="0" g="0" b="0"/>
-      </a:effectRef>
-      <a:fontRef idx="minor"/>
-    </dgm:style>
-  </dgm:styleLbl>
-  <dgm:styleLbl name="bgAccFollowNode1">
-    <dgm:scene3d>
-      <a:camera prst="orthographicFront"/>
-      <a:lightRig rig="threePt" dir="t"/>
-    </dgm:scene3d>
-    <dgm:sp3d/>
-    <dgm:txPr/>
-    <dgm:style>
-      <a:lnRef idx="1">
-        <a:scrgbClr r="0" g="0" b="0"/>
-      </a:lnRef>
-      <a:fillRef idx="1">
-        <a:scrgbClr r="0" g="0" b="0"/>
-      </a:fillRef>
-      <a:effectRef idx="0">
-        <a:scrgbClr r="0" g="0" b="0"/>
-      </a:effectRef>
-      <a:fontRef idx="minor"/>
-    </dgm:style>
-  </dgm:styleLbl>
-  <dgm:styleLbl name="fgAcc0">
-    <dgm:scene3d>
-      <a:camera prst="orthographicFront"/>
-      <a:lightRig rig="threePt" dir="t"/>
-    </dgm:scene3d>
-    <dgm:sp3d/>
-    <dgm:txPr/>
-    <dgm:style>
-      <a:lnRef idx="1">
-        <a:scrgbClr r="0" g="0" b="0"/>
-      </a:lnRef>
-      <a:fillRef idx="1">
-        <a:scrgbClr r="0" g="0" b="0"/>
-      </a:fillRef>
-      <a:effectRef idx="0">
-        <a:scrgbClr r="0" g="0" b="0"/>
-      </a:effectRef>
-      <a:fontRef idx="minor"/>
-    </dgm:style>
-  </dgm:styleLbl>
-  <dgm:styleLbl name="fgAcc2">
-    <dgm:scene3d>
-      <a:camera prst="orthographicFront"/>
-      <a:lightRig rig="threePt" dir="t"/>
-    </dgm:scene3d>
-    <dgm:sp3d/>
-    <dgm:txPr/>
-    <dgm:style>
-      <a:lnRef idx="1">
-        <a:scrgbClr r="0" g="0" b="0"/>
-      </a:lnRef>
-      <a:fillRef idx="1">
-        <a:scrgbClr r="0" g="0" b="0"/>
-      </a:fillRef>
-      <a:effectRef idx="0">
-        <a:scrgbClr r="0" g="0" b="0"/>
-      </a:effectRef>
-      <a:fontRef idx="minor"/>
-    </dgm:style>
-  </dgm:styleLbl>
-  <dgm:styleLbl name="fgAcc3">
-    <dgm:scene3d>
-      <a:camera prst="orthographicFront"/>
-      <a:lightRig rig="threePt" dir="t"/>
-    </dgm:scene3d>
-    <dgm:sp3d/>
-    <dgm:txPr/>
-    <dgm:style>
-      <a:lnRef idx="1">
-        <a:scrgbClr r="0" g="0" b="0"/>
-      </a:lnRef>
-      <a:fillRef idx="1">
-        <a:scrgbClr r="0" g="0" b="0"/>
-      </a:fillRef>
-      <a:effectRef idx="0">
-        <a:scrgbClr r="0" g="0" b="0"/>
-      </a:effectRef>
-      <a:fontRef idx="minor"/>
-    </dgm:style>
-  </dgm:styleLbl>
-  <dgm:styleLbl name="fgAcc4">
-    <dgm:scene3d>
-      <a:camera prst="orthographicFront"/>
-      <a:lightRig rig="threePt" dir="t"/>
-    </dgm:scene3d>
-    <dgm:sp3d/>
-    <dgm:txPr/>
-    <dgm:style>
-      <a:lnRef idx="1">
-        <a:scrgbClr r="0" g="0" b="0"/>
-      </a:lnRef>
-      <a:fillRef idx="1">
-        <a:scrgbClr r="0" g="0" b="0"/>
-      </a:fillRef>
-      <a:effectRef idx="0">
-        <a:scrgbClr r="0" g="0" b="0"/>
-      </a:effectRef>
-      <a:fontRef idx="minor"/>
-    </dgm:style>
-  </dgm:styleLbl>
-  <dgm:styleLbl name="bgShp">
-    <dgm:scene3d>
-      <a:camera prst="orthographicFront"/>
-      <a:lightRig rig="threePt" dir="t"/>
-    </dgm:scene3d>
-    <dgm:sp3d/>
-    <dgm:txPr/>
-    <dgm:style>
-      <a:lnRef idx="0">
-        <a:scrgbClr r="0" g="0" b="0"/>
-      </a:lnRef>
-      <a:fillRef idx="1">
-        <a:scrgbClr r="0" g="0" b="0"/>
-      </a:fillRef>
-      <a:effectRef idx="2">
-        <a:scrgbClr r="0" g="0" b="0"/>
-      </a:effectRef>
-      <a:fontRef idx="minor"/>
-    </dgm:style>
-  </dgm:styleLbl>
-  <dgm:styleLbl name="dkBgShp">
-    <dgm:scene3d>
-      <a:camera prst="orthographicFront"/>
-      <a:lightRig rig="threePt" dir="t"/>
-    </dgm:scene3d>
-    <dgm:sp3d/>
-    <dgm:txPr/>
-    <dgm:style>
-      <a:lnRef idx="0">
-        <a:scrgbClr r="0" g="0" b="0"/>
-      </a:lnRef>
-      <a:fillRef idx="1">
-        <a:scrgbClr r="0" g="0" b="0"/>
-      </a:fillRef>
-      <a:effectRef idx="2">
-        <a:scrgbClr r="0" g="0" b="0"/>
-      </a:effectRef>
-      <a:fontRef idx="minor"/>
-    </dgm:style>
-  </dgm:styleLbl>
-  <dgm:styleLbl name="trBgShp">
-    <dgm:scene3d>
-      <a:camera prst="orthographicFront"/>
-      <a:lightRig rig="threePt" dir="t"/>
-    </dgm:scene3d>
-    <dgm:sp3d/>
-    <dgm:txPr/>
-    <dgm:style>
-      <a:lnRef idx="0">
-        <a:scrgbClr r="0" g="0" b="0"/>
-      </a:lnRef>
-      <a:fillRef idx="1">
-        <a:scrgbClr r="0" g="0" b="0"/>
-      </a:fillRef>
-      <a:effectRef idx="0">
-        <a:scrgbClr r="0" g="0" b="0"/>
-      </a:effectRef>
-      <a:fontRef idx="minor"/>
-    </dgm:style>
-  </dgm:styleLbl>
-  <dgm:styleLbl name="fgShp">
-    <dgm:scene3d>
-      <a:camera prst="orthographicFront"/>
-      <a:lightRig rig="threePt" dir="t"/>
-    </dgm:scene3d>
-    <dgm:sp3d/>
-    <dgm:txPr/>
-    <dgm:style>
-      <a:lnRef idx="0">
-        <a:scrgbClr r="0" g="0" b="0"/>
-      </a:lnRef>
-      <a:fillRef idx="3">
-        <a:scrgbClr r="0" g="0" b="0"/>
-      </a:fillRef>
-      <a:effectRef idx="2">
         <a:scrgbClr r="0" g="0" b="0"/>
       </a:effectRef>
       <a:fontRef idx="minor"/>
@@ -21131,7 +21419,7 @@
           <a:p>
             <a:fld id="{A3275DE8-9101-4498-9CD3-105D06295749}" type="datetimeFigureOut">
               <a:rPr lang="en-US" smtClean="0"/>
-              <a:t>9/13/2020</a:t>
+              <a:t>9/14/2020</a:t>
             </a:fld>
             <a:endParaRPr lang="en-US"/>
           </a:p>
@@ -21676,6 +21964,90 @@
           <a:p>
             <a:fld id="{0B4881D8-6EFA-4719-AD95-0B89AAC3F54C}" type="slidenum">
               <a:rPr lang="en-US" smtClean="0"/>
+              <a:t>5</a:t>
+            </a:fld>
+            <a:endParaRPr lang="en-US"/>
+          </a:p>
+        </p:txBody>
+      </p:sp>
+    </p:spTree>
+    <p:extLst>
+      <p:ext uri="{BB962C8B-B14F-4D97-AF65-F5344CB8AC3E}">
+        <p14:creationId xmlns:p14="http://schemas.microsoft.com/office/powerpoint/2010/main" val="3342714663"/>
+      </p:ext>
+    </p:extLst>
+  </p:cSld>
+  <p:clrMapOvr>
+    <a:masterClrMapping/>
+  </p:clrMapOvr>
+</p:notes>
+</file>
+
+<file path=ppt/notesSlides/notesSlide4.xml><?xml version="1.0" encoding="utf-8"?>
+<p:notes xmlns:a="http://schemas.openxmlformats.org/drawingml/2006/main" xmlns:r="http://schemas.openxmlformats.org/officeDocument/2006/relationships" xmlns:p="http://schemas.openxmlformats.org/presentationml/2006/main">
+  <p:cSld>
+    <p:spTree>
+      <p:nvGrpSpPr>
+        <p:cNvPr id="1" name=""/>
+        <p:cNvGrpSpPr/>
+        <p:nvPr/>
+      </p:nvGrpSpPr>
+      <p:grpSpPr>
+        <a:xfrm>
+          <a:off x="0" y="0"/>
+          <a:ext cx="0" cy="0"/>
+          <a:chOff x="0" y="0"/>
+          <a:chExt cx="0" cy="0"/>
+        </a:xfrm>
+      </p:grpSpPr>
+      <p:sp>
+        <p:nvSpPr>
+          <p:cNvPr id="2" name="Slide Image Placeholder 1"/>
+          <p:cNvSpPr>
+            <a:spLocks noGrp="1" noRot="1" noChangeAspect="1"/>
+          </p:cNvSpPr>
+          <p:nvPr>
+            <p:ph type="sldImg"/>
+          </p:nvPr>
+        </p:nvSpPr>
+        <p:spPr/>
+      </p:sp>
+      <p:sp>
+        <p:nvSpPr>
+          <p:cNvPr id="3" name="Notes Placeholder 2"/>
+          <p:cNvSpPr>
+            <a:spLocks noGrp="1"/>
+          </p:cNvSpPr>
+          <p:nvPr>
+            <p:ph type="body" idx="1"/>
+          </p:nvPr>
+        </p:nvSpPr>
+        <p:spPr/>
+        <p:txBody>
+          <a:bodyPr/>
+          <a:lstStyle/>
+          <a:p>
+            <a:endParaRPr lang="en-US" dirty="0"/>
+          </a:p>
+        </p:txBody>
+      </p:sp>
+      <p:sp>
+        <p:nvSpPr>
+          <p:cNvPr id="4" name="Slide Number Placeholder 3"/>
+          <p:cNvSpPr>
+            <a:spLocks noGrp="1"/>
+          </p:cNvSpPr>
+          <p:nvPr>
+            <p:ph type="sldNum" sz="quarter" idx="5"/>
+          </p:nvPr>
+        </p:nvSpPr>
+        <p:spPr/>
+        <p:txBody>
+          <a:bodyPr/>
+          <a:lstStyle/>
+          <a:p>
+            <a:fld id="{0B4881D8-6EFA-4719-AD95-0B89AAC3F54C}" type="slidenum">
+              <a:rPr lang="en-US" smtClean="0"/>
               <a:t>12</a:t>
             </a:fld>
             <a:endParaRPr lang="en-US"/>
@@ -21695,7 +22067,7 @@
 </p:notes>
 </file>
 
-<file path=ppt/notesSlides/notesSlide4.xml><?xml version="1.0" encoding="utf-8"?>
+<file path=ppt/notesSlides/notesSlide5.xml><?xml version="1.0" encoding="utf-8"?>
 <p:notes xmlns:a="http://schemas.openxmlformats.org/drawingml/2006/main" xmlns:r="http://schemas.openxmlformats.org/officeDocument/2006/relationships" xmlns:p="http://schemas.openxmlformats.org/presentationml/2006/main">
   <p:cSld>
     <p:spTree>
@@ -21779,7 +22151,7 @@
 </p:notes>
 </file>
 
-<file path=ppt/notesSlides/notesSlide5.xml><?xml version="1.0" encoding="utf-8"?>
+<file path=ppt/notesSlides/notesSlide6.xml><?xml version="1.0" encoding="utf-8"?>
 <p:notes xmlns:a="http://schemas.openxmlformats.org/drawingml/2006/main" xmlns:r="http://schemas.openxmlformats.org/officeDocument/2006/relationships" xmlns:p="http://schemas.openxmlformats.org/presentationml/2006/main">
   <p:cSld>
     <p:spTree>
@@ -21863,7 +22235,7 @@
 </p:notes>
 </file>
 
-<file path=ppt/notesSlides/notesSlide6.xml><?xml version="1.0" encoding="utf-8"?>
+<file path=ppt/notesSlides/notesSlide7.xml><?xml version="1.0" encoding="utf-8"?>
 <p:notes xmlns:a="http://schemas.openxmlformats.org/drawingml/2006/main" xmlns:r="http://schemas.openxmlformats.org/officeDocument/2006/relationships" xmlns:p="http://schemas.openxmlformats.org/presentationml/2006/main">
   <p:cSld>
     <p:spTree>
@@ -23001,7 +23373,7 @@
             <a:fld id="{B61BEF0D-F0BB-DE4B-95CE-6DB70DBA9567}" type="datetimeFigureOut">
               <a:rPr lang="en-US" dirty="0"/>
               <a:pPr/>
-              <a:t>9/13/2020</a:t>
+              <a:t>9/14/2020</a:t>
             </a:fld>
             <a:endParaRPr lang="en-US" dirty="0"/>
           </a:p>
@@ -23336,7 +23708,7 @@
             <a:fld id="{B61BEF0D-F0BB-DE4B-95CE-6DB70DBA9567}" type="datetimeFigureOut">
               <a:rPr lang="en-US" dirty="0"/>
               <a:pPr/>
-              <a:t>9/13/2020</a:t>
+              <a:t>9/14/2020</a:t>
             </a:fld>
             <a:endParaRPr lang="en-US" dirty="0"/>
           </a:p>
@@ -23734,7 +24106,7 @@
             <a:fld id="{B61BEF0D-F0BB-DE4B-95CE-6DB70DBA9567}" type="datetimeFigureOut">
               <a:rPr lang="en-US" dirty="0"/>
               <a:pPr/>
-              <a:t>9/13/2020</a:t>
+              <a:t>9/14/2020</a:t>
             </a:fld>
             <a:endParaRPr lang="en-US" dirty="0"/>
           </a:p>
@@ -24067,7 +24439,7 @@
             <a:fld id="{B61BEF0D-F0BB-DE4B-95CE-6DB70DBA9567}" type="datetimeFigureOut">
               <a:rPr lang="en-US" dirty="0"/>
               <a:pPr/>
-              <a:t>9/13/2020</a:t>
+              <a:t>9/14/2020</a:t>
             </a:fld>
             <a:endParaRPr lang="en-US" dirty="0"/>
           </a:p>
@@ -24384,7 +24756,7 @@
             <a:fld id="{B61BEF0D-F0BB-DE4B-95CE-6DB70DBA9567}" type="datetimeFigureOut">
               <a:rPr lang="en-US" dirty="0"/>
               <a:pPr/>
-              <a:t>9/13/2020</a:t>
+              <a:t>9/14/2020</a:t>
             </a:fld>
             <a:endParaRPr lang="en-US" dirty="0"/>
           </a:p>
@@ -24777,7 +25149,7 @@
             <a:fld id="{B61BEF0D-F0BB-DE4B-95CE-6DB70DBA9567}" type="datetimeFigureOut">
               <a:rPr lang="en-US" dirty="0"/>
               <a:pPr/>
-              <a:t>9/13/2020</a:t>
+              <a:t>9/14/2020</a:t>
             </a:fld>
             <a:endParaRPr lang="en-US" dirty="0"/>
           </a:p>
@@ -25031,7 +25403,7 @@
             <a:fld id="{B61BEF0D-F0BB-DE4B-95CE-6DB70DBA9567}" type="datetimeFigureOut">
               <a:rPr lang="en-US" dirty="0"/>
               <a:pPr/>
-              <a:t>9/13/2020</a:t>
+              <a:t>9/14/2020</a:t>
             </a:fld>
             <a:endParaRPr lang="en-US" dirty="0"/>
           </a:p>
@@ -25290,7 +25662,7 @@
             <a:fld id="{B61BEF0D-F0BB-DE4B-95CE-6DB70DBA9567}" type="datetimeFigureOut">
               <a:rPr lang="en-US" dirty="0"/>
               <a:pPr/>
-              <a:t>9/13/2020</a:t>
+              <a:t>9/14/2020</a:t>
             </a:fld>
             <a:endParaRPr lang="en-US" dirty="0"/>
           </a:p>
@@ -25549,7 +25921,7 @@
             <a:fld id="{B61BEF0D-F0BB-DE4B-95CE-6DB70DBA9567}" type="datetimeFigureOut">
               <a:rPr lang="en-US" dirty="0"/>
               <a:pPr/>
-              <a:t>9/13/2020</a:t>
+              <a:t>9/14/2020</a:t>
             </a:fld>
             <a:endParaRPr lang="en-US" dirty="0"/>
           </a:p>
@@ -25875,7 +26247,7 @@
             <a:fld id="{B61BEF0D-F0BB-DE4B-95CE-6DB70DBA9567}" type="datetimeFigureOut">
               <a:rPr lang="en-US" dirty="0"/>
               <a:pPr/>
-              <a:t>9/13/2020</a:t>
+              <a:t>9/14/2020</a:t>
             </a:fld>
             <a:endParaRPr lang="en-US" dirty="0"/>
           </a:p>
@@ -26195,7 +26567,7 @@
             <a:fld id="{B61BEF0D-F0BB-DE4B-95CE-6DB70DBA9567}" type="datetimeFigureOut">
               <a:rPr lang="en-US" dirty="0"/>
               <a:pPr/>
-              <a:t>9/13/2020</a:t>
+              <a:t>9/14/2020</a:t>
             </a:fld>
             <a:endParaRPr lang="en-US" dirty="0"/>
           </a:p>
@@ -26649,7 +27021,7 @@
             <a:fld id="{B61BEF0D-F0BB-DE4B-95CE-6DB70DBA9567}" type="datetimeFigureOut">
               <a:rPr lang="en-US" dirty="0"/>
               <a:pPr/>
-              <a:t>9/13/2020</a:t>
+              <a:t>9/14/2020</a:t>
             </a:fld>
             <a:endParaRPr lang="en-US" dirty="0"/>
           </a:p>
@@ -26851,7 +27223,7 @@
             <a:fld id="{B61BEF0D-F0BB-DE4B-95CE-6DB70DBA9567}" type="datetimeFigureOut">
               <a:rPr lang="en-US" dirty="0"/>
               <a:pPr/>
-              <a:t>9/13/2020</a:t>
+              <a:t>9/14/2020</a:t>
             </a:fld>
             <a:endParaRPr lang="en-US" dirty="0"/>
           </a:p>
@@ -27025,7 +27397,7 @@
             <a:fld id="{B61BEF0D-F0BB-DE4B-95CE-6DB70DBA9567}" type="datetimeFigureOut">
               <a:rPr lang="en-US" dirty="0"/>
               <a:pPr/>
-              <a:t>9/13/2020</a:t>
+              <a:t>9/14/2020</a:t>
             </a:fld>
             <a:endParaRPr lang="en-US" dirty="0"/>
           </a:p>
@@ -27355,7 +27727,7 @@
             <a:fld id="{B61BEF0D-F0BB-DE4B-95CE-6DB70DBA9567}" type="datetimeFigureOut">
               <a:rPr lang="en-US" dirty="0"/>
               <a:pPr/>
-              <a:t>9/13/2020</a:t>
+              <a:t>9/14/2020</a:t>
             </a:fld>
             <a:endParaRPr lang="en-US" dirty="0"/>
           </a:p>
@@ -27697,7 +28069,7 @@
             <a:fld id="{B61BEF0D-F0BB-DE4B-95CE-6DB70DBA9567}" type="datetimeFigureOut">
               <a:rPr lang="en-US" dirty="0"/>
               <a:pPr/>
-              <a:t>9/13/2020</a:t>
+              <a:t>9/14/2020</a:t>
             </a:fld>
             <a:endParaRPr lang="en-US" dirty="0"/>
           </a:p>
@@ -29811,7 +30183,7 @@
             <a:fld id="{B61BEF0D-F0BB-DE4B-95CE-6DB70DBA9567}" type="datetimeFigureOut">
               <a:rPr lang="en-US" dirty="0"/>
               <a:pPr/>
-              <a:t>9/13/2020</a:t>
+              <a:t>9/14/2020</a:t>
             </a:fld>
             <a:endParaRPr lang="en-US" dirty="0"/>
           </a:p>
@@ -34849,7 +35221,7 @@
             <p:ph idx="1"/>
             <p:extLst>
               <p:ext uri="{D42A27DB-BD31-4B8C-83A1-F6EECF244321}">
-                <p14:modId xmlns:p14="http://schemas.microsoft.com/office/powerpoint/2010/main" val="4204812506"/>
+                <p14:modId xmlns:p14="http://schemas.microsoft.com/office/powerpoint/2010/main" val="2564303972"/>
               </p:ext>
             </p:extLst>
           </p:nvPr>
@@ -35584,7 +35956,7 @@
                   </a:schemeClr>
                 </a:solidFill>
               </a:rPr>
-              <a:t>Data Requirements</a:t>
+              <a:t>Hypothesis</a:t>
             </a:r>
             <a:br>
               <a:rPr lang="en-US" dirty="0">
@@ -35615,7 +35987,7 @@
                   </a:schemeClr>
                 </a:solidFill>
               </a:rPr>
-              <a:t>Hypothesis</a:t>
+              <a:t>Data Requirements</a:t>
             </a:r>
             <a:br>
               <a:rPr lang="en-US" dirty="0">
@@ -37105,6 +37477,258 @@
           <a:chExt cx="0" cy="0"/>
         </a:xfrm>
       </p:grpSpPr>
+      <p:sp>
+        <p:nvSpPr>
+          <p:cNvPr id="26" name="Freeform 5">
+            <a:extLst>
+              <a:ext uri="{FF2B5EF4-FFF2-40B4-BE49-F238E27FC236}">
+                <a16:creationId xmlns:a16="http://schemas.microsoft.com/office/drawing/2014/main" id="{A5A47686-9FEE-4CF5-850A-81E28E6AA48D}"/>
+              </a:ext>
+              <a:ext uri="{C183D7F6-B498-43B3-948B-1728B52AA6E4}">
+                <adec:decorative xmlns:adec="http://schemas.microsoft.com/office/drawing/2017/decorative" val="1"/>
+              </a:ext>
+            </a:extLst>
+          </p:cNvPr>
+          <p:cNvSpPr>
+            <a:spLocks noGrp="1" noRot="1" noChangeAspect="1" noMove="1" noResize="1" noEditPoints="1" noAdjustHandles="1" noChangeArrowheads="1" noChangeShapeType="1" noTextEdit="1"/>
+          </p:cNvSpPr>
+          <p:nvPr>
+            <p:extLst>
+              <p:ext uri="{386F3935-93C4-4BCD-93E2-E3B085C9AB24}">
+                <p16:designElem xmlns:p16="http://schemas.microsoft.com/office/powerpoint/2015/main" val="1"/>
+              </p:ext>
+            </p:extLst>
+          </p:nvPr>
+        </p:nvSpPr>
+        <p:spPr bwMode="grayWhite">
+          <a:xfrm>
+            <a:off x="0" y="0"/>
+            <a:ext cx="10391775" cy="6858000"/>
+          </a:xfrm>
+          <a:custGeom>
+            <a:avLst/>
+            <a:gdLst>
+              <a:gd name="T0" fmla="*/ 0 w 2184"/>
+              <a:gd name="T1" fmla="*/ 1441 h 1441"/>
+              <a:gd name="T2" fmla="*/ 1482 w 2184"/>
+              <a:gd name="T3" fmla="*/ 1441 h 1441"/>
+              <a:gd name="T4" fmla="*/ 2161 w 2184"/>
+              <a:gd name="T5" fmla="*/ 762 h 1441"/>
+              <a:gd name="T6" fmla="*/ 2161 w 2184"/>
+              <a:gd name="T7" fmla="*/ 678 h 1441"/>
+              <a:gd name="T8" fmla="*/ 1483 w 2184"/>
+              <a:gd name="T9" fmla="*/ 0 h 1441"/>
+              <a:gd name="T10" fmla="*/ 0 w 2184"/>
+              <a:gd name="T11" fmla="*/ 0 h 1441"/>
+              <a:gd name="T12" fmla="*/ 0 w 2184"/>
+              <a:gd name="T13" fmla="*/ 1441 h 1441"/>
+            </a:gdLst>
+            <a:ahLst/>
+            <a:cxnLst>
+              <a:cxn ang="0">
+                <a:pos x="T0" y="T1"/>
+              </a:cxn>
+              <a:cxn ang="0">
+                <a:pos x="T2" y="T3"/>
+              </a:cxn>
+              <a:cxn ang="0">
+                <a:pos x="T4" y="T5"/>
+              </a:cxn>
+              <a:cxn ang="0">
+                <a:pos x="T6" y="T7"/>
+              </a:cxn>
+              <a:cxn ang="0">
+                <a:pos x="T8" y="T9"/>
+              </a:cxn>
+              <a:cxn ang="0">
+                <a:pos x="T10" y="T11"/>
+              </a:cxn>
+              <a:cxn ang="0">
+                <a:pos x="T12" y="T13"/>
+              </a:cxn>
+            </a:cxnLst>
+            <a:rect l="0" t="0" r="r" b="b"/>
+            <a:pathLst>
+              <a:path w="2184" h="1441">
+                <a:moveTo>
+                  <a:pt x="0" y="1441"/>
+                </a:moveTo>
+                <a:cubicBezTo>
+                  <a:pt x="1482" y="1441"/>
+                  <a:pt x="1482" y="1441"/>
+                  <a:pt x="1482" y="1441"/>
+                </a:cubicBezTo>
+                <a:cubicBezTo>
+                  <a:pt x="2161" y="762"/>
+                  <a:pt x="2161" y="762"/>
+                  <a:pt x="2161" y="762"/>
+                </a:cubicBezTo>
+                <a:cubicBezTo>
+                  <a:pt x="2184" y="739"/>
+                  <a:pt x="2184" y="701"/>
+                  <a:pt x="2161" y="678"/>
+                </a:cubicBezTo>
+                <a:cubicBezTo>
+                  <a:pt x="1483" y="0"/>
+                  <a:pt x="1483" y="0"/>
+                  <a:pt x="1483" y="0"/>
+                </a:cubicBezTo>
+                <a:cubicBezTo>
+                  <a:pt x="0" y="0"/>
+                  <a:pt x="0" y="0"/>
+                  <a:pt x="0" y="0"/>
+                </a:cubicBezTo>
+                <a:lnTo>
+                  <a:pt x="0" y="1441"/>
+                </a:lnTo>
+                <a:close/>
+              </a:path>
+            </a:pathLst>
+          </a:custGeom>
+          <a:solidFill>
+            <a:schemeClr val="accent1">
+              <a:alpha val="93000"/>
+            </a:schemeClr>
+          </a:solidFill>
+          <a:ln>
+            <a:noFill/>
+          </a:ln>
+        </p:spPr>
+        <p:txBody>
+          <a:bodyPr vert="horz" wrap="square" lIns="91440" tIns="45720" rIns="91440" bIns="45720" numCol="1" anchor="t" anchorCtr="0" compatLnSpc="1">
+            <a:prstTxWarp prst="textNoShape">
+              <a:avLst/>
+            </a:prstTxWarp>
+          </a:bodyPr>
+          <a:lstStyle/>
+          <a:p>
+            <a:endParaRPr lang="en-US"/>
+          </a:p>
+        </p:txBody>
+      </p:sp>
+      <p:sp>
+        <p:nvSpPr>
+          <p:cNvPr id="2" name="Title 1">
+            <a:extLst>
+              <a:ext uri="{FF2B5EF4-FFF2-40B4-BE49-F238E27FC236}">
+                <a16:creationId xmlns:a16="http://schemas.microsoft.com/office/drawing/2014/main" id="{247C40F3-0AF9-4EAE-A33E-D1C00466B32D}"/>
+              </a:ext>
+            </a:extLst>
+          </p:cNvPr>
+          <p:cNvSpPr>
+            <a:spLocks noGrp="1"/>
+          </p:cNvSpPr>
+          <p:nvPr>
+            <p:ph type="title"/>
+          </p:nvPr>
+        </p:nvSpPr>
+        <p:spPr>
+          <a:xfrm>
+            <a:off x="541867" y="626533"/>
+            <a:ext cx="10391775" cy="1278467"/>
+          </a:xfrm>
+        </p:spPr>
+        <p:txBody>
+          <a:bodyPr anchor="ctr">
+            <a:normAutofit/>
+          </a:bodyPr>
+          <a:lstStyle/>
+          <a:p>
+            <a:r>
+              <a:rPr lang="en-US" sz="3200" dirty="0">
+                <a:solidFill>
+                  <a:srgbClr val="FEFFFF"/>
+                </a:solidFill>
+              </a:rPr>
+              <a:t>Research Questions and Hypothesis</a:t>
+            </a:r>
+          </a:p>
+        </p:txBody>
+      </p:sp>
+      <p:graphicFrame>
+        <p:nvGraphicFramePr>
+          <p:cNvPr id="4" name="Content Placeholder 3">
+            <a:extLst>
+              <a:ext uri="{FF2B5EF4-FFF2-40B4-BE49-F238E27FC236}">
+                <a16:creationId xmlns:a16="http://schemas.microsoft.com/office/drawing/2014/main" id="{519E8433-8D60-431A-8510-40F7FF24FBAA}"/>
+              </a:ext>
+            </a:extLst>
+          </p:cNvPr>
+          <p:cNvGraphicFramePr>
+            <a:graphicFrameLocks noGrp="1"/>
+          </p:cNvGraphicFramePr>
+          <p:nvPr>
+            <p:ph idx="1"/>
+            <p:extLst>
+              <p:ext uri="{D42A27DB-BD31-4B8C-83A1-F6EECF244321}">
+                <p14:modId xmlns:p14="http://schemas.microsoft.com/office/powerpoint/2010/main" val="1889939998"/>
+              </p:ext>
+            </p:extLst>
+          </p:nvPr>
+        </p:nvGraphicFramePr>
+        <p:xfrm>
+          <a:off x="541868" y="2133599"/>
+          <a:ext cx="7493000" cy="3809999"/>
+        </p:xfrm>
+        <a:graphic>
+          <a:graphicData uri="http://schemas.openxmlformats.org/drawingml/2006/diagram">
+            <dgm:relIds xmlns:dgm="http://schemas.openxmlformats.org/drawingml/2006/diagram" xmlns:r="http://schemas.openxmlformats.org/officeDocument/2006/relationships" r:dm="rId3" r:lo="rId4" r:qs="rId5" r:cs="rId6"/>
+          </a:graphicData>
+        </a:graphic>
+      </p:graphicFrame>
+    </p:spTree>
+    <p:extLst>
+      <p:ext uri="{BB962C8B-B14F-4D97-AF65-F5344CB8AC3E}">
+        <p14:creationId xmlns:p14="http://schemas.microsoft.com/office/powerpoint/2010/main" val="16657807"/>
+      </p:ext>
+    </p:extLst>
+  </p:cSld>
+  <p:clrMapOvr>
+    <a:masterClrMapping/>
+  </p:clrMapOvr>
+</p:sld>
+</file>
+
+<file path=ppt/slides/slide6.xml><?xml version="1.0" encoding="utf-8"?>
+<p:sld xmlns:a="http://schemas.openxmlformats.org/drawingml/2006/main" xmlns:r="http://schemas.openxmlformats.org/officeDocument/2006/relationships" xmlns:p="http://schemas.openxmlformats.org/presentationml/2006/main">
+  <p:cSld>
+    <p:bg>
+      <p:bgPr>
+        <a:gradFill rotWithShape="1">
+          <a:gsLst>
+            <a:gs pos="0">
+              <a:schemeClr val="bg2">
+                <a:tint val="90000"/>
+                <a:lumMod val="120000"/>
+              </a:schemeClr>
+            </a:gs>
+            <a:gs pos="100000">
+              <a:schemeClr val="bg2">
+                <a:shade val="98000"/>
+                <a:satMod val="120000"/>
+                <a:lumMod val="98000"/>
+              </a:schemeClr>
+            </a:gs>
+          </a:gsLst>
+          <a:lin ang="5400000" scaled="0"/>
+        </a:gradFill>
+        <a:effectLst/>
+      </p:bgPr>
+    </p:bg>
+    <p:spTree>
+      <p:nvGrpSpPr>
+        <p:cNvPr id="1" name=""/>
+        <p:cNvGrpSpPr/>
+        <p:nvPr/>
+      </p:nvGrpSpPr>
+      <p:grpSpPr>
+        <a:xfrm>
+          <a:off x="0" y="0"/>
+          <a:ext cx="0" cy="0"/>
+          <a:chOff x="0" y="0"/>
+          <a:chExt cx="0" cy="0"/>
+        </a:xfrm>
+      </p:grpSpPr>
       <p:sp useBgFill="1">
         <p:nvSpPr>
           <p:cNvPr id="9" name="Rectangle 8">
@@ -39642,7 +40266,7 @@
             <p:ph idx="1"/>
             <p:extLst>
               <p:ext uri="{D42A27DB-BD31-4B8C-83A1-F6EECF244321}">
-                <p14:modId xmlns:p14="http://schemas.microsoft.com/office/powerpoint/2010/main" val="2548896463"/>
+                <p14:modId xmlns:p14="http://schemas.microsoft.com/office/powerpoint/2010/main" val="2578204167"/>
               </p:ext>
             </p:extLst>
           </p:nvPr>
@@ -39661,258 +40285,6 @@
     <p:extLst>
       <p:ext uri="{BB962C8B-B14F-4D97-AF65-F5344CB8AC3E}">
         <p14:creationId xmlns:p14="http://schemas.microsoft.com/office/powerpoint/2010/main" val="2193712621"/>
-      </p:ext>
-    </p:extLst>
-  </p:cSld>
-  <p:clrMapOvr>
-    <a:masterClrMapping/>
-  </p:clrMapOvr>
-</p:sld>
-</file>
-
-<file path=ppt/slides/slide6.xml><?xml version="1.0" encoding="utf-8"?>
-<p:sld xmlns:a="http://schemas.openxmlformats.org/drawingml/2006/main" xmlns:r="http://schemas.openxmlformats.org/officeDocument/2006/relationships" xmlns:p="http://schemas.openxmlformats.org/presentationml/2006/main">
-  <p:cSld>
-    <p:bg>
-      <p:bgPr>
-        <a:gradFill rotWithShape="1">
-          <a:gsLst>
-            <a:gs pos="0">
-              <a:schemeClr val="bg2">
-                <a:tint val="90000"/>
-                <a:lumMod val="120000"/>
-              </a:schemeClr>
-            </a:gs>
-            <a:gs pos="100000">
-              <a:schemeClr val="bg2">
-                <a:shade val="98000"/>
-                <a:satMod val="120000"/>
-                <a:lumMod val="98000"/>
-              </a:schemeClr>
-            </a:gs>
-          </a:gsLst>
-          <a:lin ang="5400000" scaled="0"/>
-        </a:gradFill>
-        <a:effectLst/>
-      </p:bgPr>
-    </p:bg>
-    <p:spTree>
-      <p:nvGrpSpPr>
-        <p:cNvPr id="1" name=""/>
-        <p:cNvGrpSpPr/>
-        <p:nvPr/>
-      </p:nvGrpSpPr>
-      <p:grpSpPr>
-        <a:xfrm>
-          <a:off x="0" y="0"/>
-          <a:ext cx="0" cy="0"/>
-          <a:chOff x="0" y="0"/>
-          <a:chExt cx="0" cy="0"/>
-        </a:xfrm>
-      </p:grpSpPr>
-      <p:sp>
-        <p:nvSpPr>
-          <p:cNvPr id="26" name="Freeform 5">
-            <a:extLst>
-              <a:ext uri="{FF2B5EF4-FFF2-40B4-BE49-F238E27FC236}">
-                <a16:creationId xmlns:a16="http://schemas.microsoft.com/office/drawing/2014/main" id="{A5A47686-9FEE-4CF5-850A-81E28E6AA48D}"/>
-              </a:ext>
-              <a:ext uri="{C183D7F6-B498-43B3-948B-1728B52AA6E4}">
-                <adec:decorative xmlns:adec="http://schemas.microsoft.com/office/drawing/2017/decorative" val="1"/>
-              </a:ext>
-            </a:extLst>
-          </p:cNvPr>
-          <p:cNvSpPr>
-            <a:spLocks noGrp="1" noRot="1" noChangeAspect="1" noMove="1" noResize="1" noEditPoints="1" noAdjustHandles="1" noChangeArrowheads="1" noChangeShapeType="1" noTextEdit="1"/>
-          </p:cNvSpPr>
-          <p:nvPr>
-            <p:extLst>
-              <p:ext uri="{386F3935-93C4-4BCD-93E2-E3B085C9AB24}">
-                <p16:designElem xmlns:p16="http://schemas.microsoft.com/office/powerpoint/2015/main" val="1"/>
-              </p:ext>
-            </p:extLst>
-          </p:nvPr>
-        </p:nvSpPr>
-        <p:spPr bwMode="grayWhite">
-          <a:xfrm>
-            <a:off x="0" y="0"/>
-            <a:ext cx="10391775" cy="6858000"/>
-          </a:xfrm>
-          <a:custGeom>
-            <a:avLst/>
-            <a:gdLst>
-              <a:gd name="T0" fmla="*/ 0 w 2184"/>
-              <a:gd name="T1" fmla="*/ 1441 h 1441"/>
-              <a:gd name="T2" fmla="*/ 1482 w 2184"/>
-              <a:gd name="T3" fmla="*/ 1441 h 1441"/>
-              <a:gd name="T4" fmla="*/ 2161 w 2184"/>
-              <a:gd name="T5" fmla="*/ 762 h 1441"/>
-              <a:gd name="T6" fmla="*/ 2161 w 2184"/>
-              <a:gd name="T7" fmla="*/ 678 h 1441"/>
-              <a:gd name="T8" fmla="*/ 1483 w 2184"/>
-              <a:gd name="T9" fmla="*/ 0 h 1441"/>
-              <a:gd name="T10" fmla="*/ 0 w 2184"/>
-              <a:gd name="T11" fmla="*/ 0 h 1441"/>
-              <a:gd name="T12" fmla="*/ 0 w 2184"/>
-              <a:gd name="T13" fmla="*/ 1441 h 1441"/>
-            </a:gdLst>
-            <a:ahLst/>
-            <a:cxnLst>
-              <a:cxn ang="0">
-                <a:pos x="T0" y="T1"/>
-              </a:cxn>
-              <a:cxn ang="0">
-                <a:pos x="T2" y="T3"/>
-              </a:cxn>
-              <a:cxn ang="0">
-                <a:pos x="T4" y="T5"/>
-              </a:cxn>
-              <a:cxn ang="0">
-                <a:pos x="T6" y="T7"/>
-              </a:cxn>
-              <a:cxn ang="0">
-                <a:pos x="T8" y="T9"/>
-              </a:cxn>
-              <a:cxn ang="0">
-                <a:pos x="T10" y="T11"/>
-              </a:cxn>
-              <a:cxn ang="0">
-                <a:pos x="T12" y="T13"/>
-              </a:cxn>
-            </a:cxnLst>
-            <a:rect l="0" t="0" r="r" b="b"/>
-            <a:pathLst>
-              <a:path w="2184" h="1441">
-                <a:moveTo>
-                  <a:pt x="0" y="1441"/>
-                </a:moveTo>
-                <a:cubicBezTo>
-                  <a:pt x="1482" y="1441"/>
-                  <a:pt x="1482" y="1441"/>
-                  <a:pt x="1482" y="1441"/>
-                </a:cubicBezTo>
-                <a:cubicBezTo>
-                  <a:pt x="2161" y="762"/>
-                  <a:pt x="2161" y="762"/>
-                  <a:pt x="2161" y="762"/>
-                </a:cubicBezTo>
-                <a:cubicBezTo>
-                  <a:pt x="2184" y="739"/>
-                  <a:pt x="2184" y="701"/>
-                  <a:pt x="2161" y="678"/>
-                </a:cubicBezTo>
-                <a:cubicBezTo>
-                  <a:pt x="1483" y="0"/>
-                  <a:pt x="1483" y="0"/>
-                  <a:pt x="1483" y="0"/>
-                </a:cubicBezTo>
-                <a:cubicBezTo>
-                  <a:pt x="0" y="0"/>
-                  <a:pt x="0" y="0"/>
-                  <a:pt x="0" y="0"/>
-                </a:cubicBezTo>
-                <a:lnTo>
-                  <a:pt x="0" y="1441"/>
-                </a:lnTo>
-                <a:close/>
-              </a:path>
-            </a:pathLst>
-          </a:custGeom>
-          <a:solidFill>
-            <a:schemeClr val="accent1">
-              <a:alpha val="93000"/>
-            </a:schemeClr>
-          </a:solidFill>
-          <a:ln>
-            <a:noFill/>
-          </a:ln>
-        </p:spPr>
-        <p:txBody>
-          <a:bodyPr vert="horz" wrap="square" lIns="91440" tIns="45720" rIns="91440" bIns="45720" numCol="1" anchor="t" anchorCtr="0" compatLnSpc="1">
-            <a:prstTxWarp prst="textNoShape">
-              <a:avLst/>
-            </a:prstTxWarp>
-          </a:bodyPr>
-          <a:lstStyle/>
-          <a:p>
-            <a:endParaRPr lang="en-US"/>
-          </a:p>
-        </p:txBody>
-      </p:sp>
-      <p:sp>
-        <p:nvSpPr>
-          <p:cNvPr id="2" name="Title 1">
-            <a:extLst>
-              <a:ext uri="{FF2B5EF4-FFF2-40B4-BE49-F238E27FC236}">
-                <a16:creationId xmlns:a16="http://schemas.microsoft.com/office/drawing/2014/main" id="{247C40F3-0AF9-4EAE-A33E-D1C00466B32D}"/>
-              </a:ext>
-            </a:extLst>
-          </p:cNvPr>
-          <p:cNvSpPr>
-            <a:spLocks noGrp="1"/>
-          </p:cNvSpPr>
-          <p:nvPr>
-            <p:ph type="title"/>
-          </p:nvPr>
-        </p:nvSpPr>
-        <p:spPr>
-          <a:xfrm>
-            <a:off x="541867" y="626533"/>
-            <a:ext cx="7128933" cy="1278467"/>
-          </a:xfrm>
-        </p:spPr>
-        <p:txBody>
-          <a:bodyPr anchor="ctr">
-            <a:normAutofit/>
-          </a:bodyPr>
-          <a:lstStyle/>
-          <a:p>
-            <a:r>
-              <a:rPr lang="en-US" sz="3200">
-                <a:solidFill>
-                  <a:srgbClr val="FEFFFF"/>
-                </a:solidFill>
-              </a:rPr>
-              <a:t>Research Questions and Hypothesis</a:t>
-            </a:r>
-          </a:p>
-        </p:txBody>
-      </p:sp>
-      <p:graphicFrame>
-        <p:nvGraphicFramePr>
-          <p:cNvPr id="4" name="Content Placeholder 3">
-            <a:extLst>
-              <a:ext uri="{FF2B5EF4-FFF2-40B4-BE49-F238E27FC236}">
-                <a16:creationId xmlns:a16="http://schemas.microsoft.com/office/drawing/2014/main" id="{519E8433-8D60-431A-8510-40F7FF24FBAA}"/>
-              </a:ext>
-            </a:extLst>
-          </p:cNvPr>
-          <p:cNvGraphicFramePr>
-            <a:graphicFrameLocks noGrp="1"/>
-          </p:cNvGraphicFramePr>
-          <p:nvPr>
-            <p:ph idx="1"/>
-            <p:extLst>
-              <p:ext uri="{D42A27DB-BD31-4B8C-83A1-F6EECF244321}">
-                <p14:modId xmlns:p14="http://schemas.microsoft.com/office/powerpoint/2010/main" val="1889939998"/>
-              </p:ext>
-            </p:extLst>
-          </p:nvPr>
-        </p:nvGraphicFramePr>
-        <p:xfrm>
-          <a:off x="541868" y="2133599"/>
-          <a:ext cx="7493000" cy="3809999"/>
-        </p:xfrm>
-        <a:graphic>
-          <a:graphicData uri="http://schemas.openxmlformats.org/drawingml/2006/diagram">
-            <dgm:relIds xmlns:dgm="http://schemas.openxmlformats.org/drawingml/2006/diagram" xmlns:r="http://schemas.openxmlformats.org/officeDocument/2006/relationships" r:dm="rId2" r:lo="rId3" r:qs="rId4" r:cs="rId5"/>
-          </a:graphicData>
-        </a:graphic>
-      </p:graphicFrame>
-    </p:spTree>
-    <p:extLst>
-      <p:ext uri="{BB962C8B-B14F-4D97-AF65-F5344CB8AC3E}">
-        <p14:creationId xmlns:p14="http://schemas.microsoft.com/office/powerpoint/2010/main" val="16657807"/>
       </p:ext>
     </p:extLst>
   </p:cSld>
@@ -39985,8 +40357,34 @@
         </p:nvSpPr>
         <p:spPr/>
         <p:txBody>
-          <a:bodyPr/>
+          <a:bodyPr>
+            <a:normAutofit fontScale="92500" lnSpcReduction="20000"/>
+          </a:bodyPr>
           <a:lstStyle/>
+          <a:p>
+            <a:r>
+              <a:rPr lang="en-US" dirty="0"/>
+              <a:t>Descriptive statistics…</a:t>
+            </a:r>
+          </a:p>
+          <a:p>
+            <a:pPr lvl="1"/>
+            <a:r>
+              <a:rPr lang="en-US" dirty="0"/>
+              <a:t>Produce a contextually sensitive summary</a:t>
+            </a:r>
+          </a:p>
+          <a:p>
+            <a:pPr lvl="1"/>
+            <a:r>
+              <a:rPr lang="en-US" dirty="0"/>
+              <a:t>Highly dependent on inputs and curation</a:t>
+            </a:r>
+          </a:p>
+          <a:p>
+            <a:pPr lvl="1"/>
+            <a:endParaRPr lang="en-US" dirty="0"/>
+          </a:p>
           <a:p>
             <a:r>
               <a:rPr lang="en-US" dirty="0"/>
@@ -40006,6 +40404,10 @@
               <a:rPr lang="en-US" dirty="0"/>
               <a:t>Compares two populations to measure effect of a variable</a:t>
             </a:r>
+            <a:br>
+              <a:rPr lang="en-US" dirty="0"/>
+            </a:br>
+            <a:endParaRPr lang="en-US" dirty="0"/>
           </a:p>
           <a:p>
             <a:r>
@@ -40017,21 +40419,21 @@
             <a:pPr lvl="1"/>
             <a:r>
               <a:rPr lang="en-US" dirty="0"/>
-              <a:t>Race:</a:t>
+              <a:t>Race:  Black, Hispanic, White</a:t>
             </a:r>
           </a:p>
           <a:p>
             <a:pPr lvl="1"/>
             <a:r>
               <a:rPr lang="en-US" dirty="0"/>
-              <a:t>Sanity:</a:t>
+              <a:t>Sanity:  Acting normal (TRUE), Encountering health crisis (FALSE)</a:t>
             </a:r>
           </a:p>
           <a:p>
             <a:pPr lvl="1"/>
             <a:r>
               <a:rPr lang="en-US" dirty="0"/>
-              <a:t>Provocation:</a:t>
+              <a:t>Provocation: Unarmed, Armed, Has Gun/Knife (subset of armed)</a:t>
             </a:r>
           </a:p>
         </p:txBody>
@@ -40902,8 +41304,8 @@
         </p:blipFill>
         <p:spPr>
           <a:xfrm>
-            <a:off x="6544734" y="2354668"/>
-            <a:ext cx="4665133" cy="3141823"/>
+            <a:off x="7843572" y="3092605"/>
+            <a:ext cx="3911727" cy="2634427"/>
           </a:xfrm>
           <a:prstGeom prst="rect">
             <a:avLst/>
@@ -40926,8 +41328,8 @@
         </p:nvSpPr>
         <p:spPr>
           <a:xfrm>
-            <a:off x="1777999" y="2354668"/>
-            <a:ext cx="4013201" cy="3879222"/>
+            <a:off x="1777998" y="2354667"/>
+            <a:ext cx="5339789" cy="3886752"/>
           </a:xfrm>
           <a:prstGeom prst="rect">
             <a:avLst/>
@@ -41193,14 +41595,14 @@
             <p:ph idx="1"/>
             <p:extLst>
               <p:ext uri="{D42A27DB-BD31-4B8C-83A1-F6EECF244321}">
-                <p14:modId xmlns:p14="http://schemas.microsoft.com/office/powerpoint/2010/main" val="1595562065"/>
+                <p14:modId xmlns:p14="http://schemas.microsoft.com/office/powerpoint/2010/main" val="1118503243"/>
               </p:ext>
             </p:extLst>
           </p:nvPr>
         </p:nvGraphicFramePr>
         <p:xfrm>
-          <a:off x="1683956" y="2133600"/>
-          <a:ext cx="4140772" cy="3777622"/>
+          <a:off x="1344710" y="1904999"/>
+          <a:ext cx="6259248" cy="4624137"/>
         </p:xfrm>
         <a:graphic>
           <a:graphicData uri="http://schemas.openxmlformats.org/drawingml/2006/diagram">

--- a/Section_3_Mgmt_Informed/Week8_Presentation/BachmeierNTIM7101-8.pptx
+++ b/Section_3_Mgmt_Informed/Week8_Presentation/BachmeierNTIM7101-8.pptx
@@ -22027,6 +22027,90 @@
           <a:bodyPr/>
           <a:lstStyle/>
           <a:p>
+            <a:endParaRPr lang="en-US"/>
+          </a:p>
+        </p:txBody>
+      </p:sp>
+      <p:sp>
+        <p:nvSpPr>
+          <p:cNvPr id="4" name="Slide Number Placeholder 3"/>
+          <p:cNvSpPr>
+            <a:spLocks noGrp="1"/>
+          </p:cNvSpPr>
+          <p:nvPr>
+            <p:ph type="sldNum" sz="quarter" idx="5"/>
+          </p:nvPr>
+        </p:nvSpPr>
+        <p:spPr/>
+        <p:txBody>
+          <a:bodyPr/>
+          <a:lstStyle/>
+          <a:p>
+            <a:fld id="{0B4881D8-6EFA-4719-AD95-0B89AAC3F54C}" type="slidenum">
+              <a:rPr lang="en-US" smtClean="0"/>
+              <a:t>10</a:t>
+            </a:fld>
+            <a:endParaRPr lang="en-US"/>
+          </a:p>
+        </p:txBody>
+      </p:sp>
+    </p:spTree>
+    <p:extLst>
+      <p:ext uri="{BB962C8B-B14F-4D97-AF65-F5344CB8AC3E}">
+        <p14:creationId xmlns:p14="http://schemas.microsoft.com/office/powerpoint/2010/main" val="2393936190"/>
+      </p:ext>
+    </p:extLst>
+  </p:cSld>
+  <p:clrMapOvr>
+    <a:masterClrMapping/>
+  </p:clrMapOvr>
+</p:notes>
+</file>
+
+<file path=ppt/notesSlides/notesSlide5.xml><?xml version="1.0" encoding="utf-8"?>
+<p:notes xmlns:a="http://schemas.openxmlformats.org/drawingml/2006/main" xmlns:r="http://schemas.openxmlformats.org/officeDocument/2006/relationships" xmlns:p="http://schemas.openxmlformats.org/presentationml/2006/main">
+  <p:cSld>
+    <p:spTree>
+      <p:nvGrpSpPr>
+        <p:cNvPr id="1" name=""/>
+        <p:cNvGrpSpPr/>
+        <p:nvPr/>
+      </p:nvGrpSpPr>
+      <p:grpSpPr>
+        <a:xfrm>
+          <a:off x="0" y="0"/>
+          <a:ext cx="0" cy="0"/>
+          <a:chOff x="0" y="0"/>
+          <a:chExt cx="0" cy="0"/>
+        </a:xfrm>
+      </p:grpSpPr>
+      <p:sp>
+        <p:nvSpPr>
+          <p:cNvPr id="2" name="Slide Image Placeholder 1"/>
+          <p:cNvSpPr>
+            <a:spLocks noGrp="1" noRot="1" noChangeAspect="1"/>
+          </p:cNvSpPr>
+          <p:nvPr>
+            <p:ph type="sldImg"/>
+          </p:nvPr>
+        </p:nvSpPr>
+        <p:spPr/>
+      </p:sp>
+      <p:sp>
+        <p:nvSpPr>
+          <p:cNvPr id="3" name="Notes Placeholder 2"/>
+          <p:cNvSpPr>
+            <a:spLocks noGrp="1"/>
+          </p:cNvSpPr>
+          <p:nvPr>
+            <p:ph type="body" idx="1"/>
+          </p:nvPr>
+        </p:nvSpPr>
+        <p:spPr/>
+        <p:txBody>
+          <a:bodyPr/>
+          <a:lstStyle/>
+          <a:p>
             <a:endParaRPr lang="en-US" dirty="0"/>
           </a:p>
         </p:txBody>
@@ -22067,7 +22151,7 @@
 </p:notes>
 </file>
 
-<file path=ppt/notesSlides/notesSlide5.xml><?xml version="1.0" encoding="utf-8"?>
+<file path=ppt/notesSlides/notesSlide6.xml><?xml version="1.0" encoding="utf-8"?>
 <p:notes xmlns:a="http://schemas.openxmlformats.org/drawingml/2006/main" xmlns:r="http://schemas.openxmlformats.org/officeDocument/2006/relationships" xmlns:p="http://schemas.openxmlformats.org/presentationml/2006/main">
   <p:cSld>
     <p:spTree>
@@ -22151,7 +22235,7 @@
 </p:notes>
 </file>
 
-<file path=ppt/notesSlides/notesSlide6.xml><?xml version="1.0" encoding="utf-8"?>
+<file path=ppt/notesSlides/notesSlide7.xml><?xml version="1.0" encoding="utf-8"?>
 <p:notes xmlns:a="http://schemas.openxmlformats.org/drawingml/2006/main" xmlns:r="http://schemas.openxmlformats.org/officeDocument/2006/relationships" xmlns:p="http://schemas.openxmlformats.org/presentationml/2006/main">
   <p:cSld>
     <p:spTree>
@@ -22235,7 +22319,7 @@
 </p:notes>
 </file>
 
-<file path=ppt/notesSlides/notesSlide7.xml><?xml version="1.0" encoding="utf-8"?>
+<file path=ppt/notesSlides/notesSlide8.xml><?xml version="1.0" encoding="utf-8"?>
 <p:notes xmlns:a="http://schemas.openxmlformats.org/drawingml/2006/main" xmlns:r="http://schemas.openxmlformats.org/officeDocument/2006/relationships" xmlns:p="http://schemas.openxmlformats.org/presentationml/2006/main">
   <p:cSld>
     <p:spTree>
@@ -30861,7 +30945,44 @@
           <a:bodyPr/>
           <a:lstStyle/>
           <a:p>
+            <a:r>
+              <a:rPr lang="en-US" dirty="0"/>
+              <a:t>R1 does race or sanity explain data?</a:t>
+            </a:r>
+          </a:p>
+          <a:p>
+            <a:pPr lvl="1"/>
+            <a:r>
+              <a:rPr lang="en-US" dirty="0"/>
+              <a:t>No, the effect size is too small</a:t>
+            </a:r>
+            <a:br>
+              <a:rPr lang="en-US" dirty="0"/>
+            </a:br>
             <a:endParaRPr lang="en-US" dirty="0"/>
+          </a:p>
+          <a:p>
+            <a:r>
+              <a:rPr lang="en-US" dirty="0"/>
+              <a:t>R2 are these even-handed or racially profiled deaths?</a:t>
+            </a:r>
+          </a:p>
+          <a:p>
+            <a:pPr lvl="1"/>
+            <a:r>
+              <a:rPr lang="en-US" dirty="0"/>
+              <a:t>No, after demo. adj. populations are consistent</a:t>
+            </a:r>
+            <a:br>
+              <a:rPr lang="en-US" dirty="0"/>
+            </a:br>
+            <a:endParaRPr lang="en-US" dirty="0"/>
+          </a:p>
+          <a:p>
+            <a:r>
+              <a:rPr lang="en-US" dirty="0"/>
+              <a:t>R3 should we evaluate a different aspect? Yes!</a:t>
+            </a:r>
           </a:p>
         </p:txBody>
       </p:sp>
@@ -30880,7 +31001,7 @@
           <p:nvPr/>
         </p:nvPicPr>
         <p:blipFill>
-          <a:blip r:embed="rId2"/>
+          <a:blip r:embed="rId3"/>
           <a:stretch>
             <a:fillRect/>
           </a:stretch>
@@ -30910,7 +31031,7 @@
           <p:nvPr/>
         </p:nvPicPr>
         <p:blipFill>
-          <a:blip r:embed="rId3"/>
+          <a:blip r:embed="rId4"/>
           <a:stretch>
             <a:fillRect/>
           </a:stretch>

--- a/Section_3_Mgmt_Informed/Week8_Presentation/BachmeierNTIM7101-8.pptx
+++ b/Section_3_Mgmt_Informed/Week8_Presentation/BachmeierNTIM7101-8.pptx
@@ -6417,7 +6417,7 @@
   <dgm:whole/>
   <dgm:extLst>
     <a:ext uri="http://schemas.microsoft.com/office/drawing/2008/diagram">
-      <dsp:dataModelExt xmlns:dsp="http://schemas.microsoft.com/office/drawing/2008/diagram" relId="rId6" minVer="http://schemas.openxmlformats.org/drawingml/2006/diagram"/>
+      <dsp:dataModelExt xmlns:dsp="http://schemas.microsoft.com/office/drawing/2008/diagram" relId="rId7" minVer="http://schemas.openxmlformats.org/drawingml/2006/diagram"/>
     </a:ext>
   </dgm:extLst>
 </dgm:dataModel>
@@ -7713,7 +7713,7 @@
   <dgm:whole/>
   <dgm:extLst>
     <a:ext uri="http://schemas.microsoft.com/office/drawing/2008/diagram">
-      <dsp:dataModelExt xmlns:dsp="http://schemas.microsoft.com/office/drawing/2008/diagram" relId="rId7" minVer="http://schemas.openxmlformats.org/drawingml/2006/diagram"/>
+      <dsp:dataModelExt xmlns:dsp="http://schemas.microsoft.com/office/drawing/2008/diagram" relId="rId8" minVer="http://schemas.openxmlformats.org/drawingml/2006/diagram"/>
     </a:ext>
   </dgm:extLst>
 </dgm:dataModel>
@@ -8095,7 +8095,7 @@
   <dgm:whole/>
   <dgm:extLst>
     <a:ext uri="http://schemas.microsoft.com/office/drawing/2008/diagram">
-      <dsp:dataModelExt xmlns:dsp="http://schemas.microsoft.com/office/drawing/2008/diagram" relId="rId6" minVer="http://schemas.openxmlformats.org/drawingml/2006/diagram"/>
+      <dsp:dataModelExt xmlns:dsp="http://schemas.microsoft.com/office/drawing/2008/diagram" relId="rId7" minVer="http://schemas.openxmlformats.org/drawingml/2006/diagram"/>
     </a:ext>
   </dgm:extLst>
 </dgm:dataModel>
@@ -8368,7 +8368,7 @@
   <dgm:whole/>
   <dgm:extLst>
     <a:ext uri="http://schemas.microsoft.com/office/drawing/2008/diagram">
-      <dsp:dataModelExt xmlns:dsp="http://schemas.microsoft.com/office/drawing/2008/diagram" relId="rId7" minVer="http://schemas.openxmlformats.org/drawingml/2006/diagram"/>
+      <dsp:dataModelExt xmlns:dsp="http://schemas.microsoft.com/office/drawing/2008/diagram" relId="rId8" minVer="http://schemas.openxmlformats.org/drawingml/2006/diagram"/>
     </a:ext>
   </dgm:extLst>
 </dgm:dataModel>
@@ -21730,34 +21730,18 @@
           <a:bodyPr/>
           <a:lstStyle/>
           <a:p>
-            <a:pPr marL="0" marR="0" lvl="0" indent="0" algn="l" defTabSz="914400" rtl="0" eaLnBrk="1" fontAlgn="auto" latinLnBrk="0" hangingPunct="1">
-              <a:lnSpc>
-                <a:spcPct val="100000"/>
-              </a:lnSpc>
-              <a:spcBef>
-                <a:spcPts val="0"/>
-              </a:spcBef>
-              <a:spcAft>
-                <a:spcPts val="0"/>
-              </a:spcAft>
-              <a:buClrTx/>
-              <a:buSzTx/>
-              <a:buFontTx/>
-              <a:buNone/>
-              <a:tabLst/>
-              <a:defRPr/>
-            </a:pPr>
             <a:r>
-              <a:rPr lang="en-US" sz="1800" dirty="0">
+              <a:rPr lang="en-US" sz="1200" kern="1200" dirty="0">
+                <a:solidFill>
+                  <a:schemeClr val="tx1"/>
+                </a:solidFill>
                 <a:effectLst/>
-                <a:latin typeface="Times New Roman" panose="02020603050405020304" pitchFamily="18" charset="0"/>
-                <a:ea typeface="Calibri" panose="020F0502020204030204" pitchFamily="34" charset="0"/>
+                <a:latin typeface="+mn-lt"/>
+                <a:ea typeface="+mn-ea"/>
+                <a:cs typeface="+mn-cs"/>
               </a:rPr>
               <a:t>Good afternoon, I am Nate Bachmeier.  Today I will be reviewing the project proposal for NCU-Cares (NCU-C) next initiative, reducing police violence in America.  This presentation embodies eight long weekends of looking at this problem from a unique perspective.</a:t>
             </a:r>
-          </a:p>
-          <a:p>
-            <a:endParaRPr lang="en-US" dirty="0"/>
           </a:p>
         </p:txBody>
       </p:sp>
@@ -21797,277 +21781,7 @@
 </p:notes>
 </file>
 
-<file path=ppt/notesSlides/notesSlide2.xml><?xml version="1.0" encoding="utf-8"?>
-<p:notes xmlns:a="http://schemas.openxmlformats.org/drawingml/2006/main" xmlns:r="http://schemas.openxmlformats.org/officeDocument/2006/relationships" xmlns:p="http://schemas.openxmlformats.org/presentationml/2006/main">
-  <p:cSld>
-    <p:spTree>
-      <p:nvGrpSpPr>
-        <p:cNvPr id="1" name=""/>
-        <p:cNvGrpSpPr/>
-        <p:nvPr/>
-      </p:nvGrpSpPr>
-      <p:grpSpPr>
-        <a:xfrm>
-          <a:off x="0" y="0"/>
-          <a:ext cx="0" cy="0"/>
-          <a:chOff x="0" y="0"/>
-          <a:chExt cx="0" cy="0"/>
-        </a:xfrm>
-      </p:grpSpPr>
-      <p:sp>
-        <p:nvSpPr>
-          <p:cNvPr id="2" name="Slide Image Placeholder 1"/>
-          <p:cNvSpPr>
-            <a:spLocks noGrp="1" noRot="1" noChangeAspect="1"/>
-          </p:cNvSpPr>
-          <p:nvPr>
-            <p:ph type="sldImg"/>
-          </p:nvPr>
-        </p:nvSpPr>
-        <p:spPr/>
-      </p:sp>
-      <p:sp>
-        <p:nvSpPr>
-          <p:cNvPr id="3" name="Notes Placeholder 2"/>
-          <p:cNvSpPr>
-            <a:spLocks noGrp="1"/>
-          </p:cNvSpPr>
-          <p:nvPr>
-            <p:ph type="body" idx="1"/>
-          </p:nvPr>
-        </p:nvSpPr>
-        <p:spPr/>
-        <p:txBody>
-          <a:bodyPr/>
-          <a:lstStyle/>
-          <a:p>
-            <a:pPr marL="0" marR="0">
-              <a:lnSpc>
-                <a:spcPct val="200000"/>
-              </a:lnSpc>
-              <a:spcBef>
-                <a:spcPts val="0"/>
-              </a:spcBef>
-              <a:spcAft>
-                <a:spcPts val="0"/>
-              </a:spcAft>
-            </a:pPr>
-            <a:r>
-              <a:rPr lang="en-US" sz="1800" dirty="0">
-                <a:effectLst/>
-                <a:latin typeface="Times New Roman" panose="02020603050405020304" pitchFamily="18" charset="0"/>
-                <a:ea typeface="Calibri" panose="020F0502020204030204" pitchFamily="34" charset="0"/>
-              </a:rPr>
-              <a:t>The agenda for this discussion will cover the planning, evaluation, and delivery of an effective strategy to address this issue.  Then we will conclude with reflections into learnings, future topics, and conclusions.  Each of these sections will further drill into a collection of relevant subtopics.</a:t>
-            </a:r>
-          </a:p>
-        </p:txBody>
-      </p:sp>
-      <p:sp>
-        <p:nvSpPr>
-          <p:cNvPr id="4" name="Slide Number Placeholder 3"/>
-          <p:cNvSpPr>
-            <a:spLocks noGrp="1"/>
-          </p:cNvSpPr>
-          <p:nvPr>
-            <p:ph type="sldNum" sz="quarter" idx="5"/>
-          </p:nvPr>
-        </p:nvSpPr>
-        <p:spPr/>
-        <p:txBody>
-          <a:bodyPr/>
-          <a:lstStyle/>
-          <a:p>
-            <a:fld id="{0B4881D8-6EFA-4719-AD95-0B89AAC3F54C}" type="slidenum">
-              <a:rPr lang="en-US" smtClean="0"/>
-              <a:t>2</a:t>
-            </a:fld>
-            <a:endParaRPr lang="en-US"/>
-          </a:p>
-        </p:txBody>
-      </p:sp>
-    </p:spTree>
-    <p:extLst>
-      <p:ext uri="{BB962C8B-B14F-4D97-AF65-F5344CB8AC3E}">
-        <p14:creationId xmlns:p14="http://schemas.microsoft.com/office/powerpoint/2010/main" val="3848400318"/>
-      </p:ext>
-    </p:extLst>
-  </p:cSld>
-  <p:clrMapOvr>
-    <a:masterClrMapping/>
-  </p:clrMapOvr>
-</p:notes>
-</file>
-
-<file path=ppt/notesSlides/notesSlide3.xml><?xml version="1.0" encoding="utf-8"?>
-<p:notes xmlns:a="http://schemas.openxmlformats.org/drawingml/2006/main" xmlns:r="http://schemas.openxmlformats.org/officeDocument/2006/relationships" xmlns:p="http://schemas.openxmlformats.org/presentationml/2006/main">
-  <p:cSld>
-    <p:spTree>
-      <p:nvGrpSpPr>
-        <p:cNvPr id="1" name=""/>
-        <p:cNvGrpSpPr/>
-        <p:nvPr/>
-      </p:nvGrpSpPr>
-      <p:grpSpPr>
-        <a:xfrm>
-          <a:off x="0" y="0"/>
-          <a:ext cx="0" cy="0"/>
-          <a:chOff x="0" y="0"/>
-          <a:chExt cx="0" cy="0"/>
-        </a:xfrm>
-      </p:grpSpPr>
-      <p:sp>
-        <p:nvSpPr>
-          <p:cNvPr id="2" name="Slide Image Placeholder 1"/>
-          <p:cNvSpPr>
-            <a:spLocks noGrp="1" noRot="1" noChangeAspect="1"/>
-          </p:cNvSpPr>
-          <p:nvPr>
-            <p:ph type="sldImg"/>
-          </p:nvPr>
-        </p:nvSpPr>
-        <p:spPr/>
-      </p:sp>
-      <p:sp>
-        <p:nvSpPr>
-          <p:cNvPr id="3" name="Notes Placeholder 2"/>
-          <p:cNvSpPr>
-            <a:spLocks noGrp="1"/>
-          </p:cNvSpPr>
-          <p:nvPr>
-            <p:ph type="body" idx="1"/>
-          </p:nvPr>
-        </p:nvSpPr>
-        <p:spPr/>
-        <p:txBody>
-          <a:bodyPr/>
-          <a:lstStyle/>
-          <a:p>
-            <a:endParaRPr lang="en-US" dirty="0"/>
-          </a:p>
-        </p:txBody>
-      </p:sp>
-      <p:sp>
-        <p:nvSpPr>
-          <p:cNvPr id="4" name="Slide Number Placeholder 3"/>
-          <p:cNvSpPr>
-            <a:spLocks noGrp="1"/>
-          </p:cNvSpPr>
-          <p:nvPr>
-            <p:ph type="sldNum" sz="quarter" idx="5"/>
-          </p:nvPr>
-        </p:nvSpPr>
-        <p:spPr/>
-        <p:txBody>
-          <a:bodyPr/>
-          <a:lstStyle/>
-          <a:p>
-            <a:fld id="{0B4881D8-6EFA-4719-AD95-0B89AAC3F54C}" type="slidenum">
-              <a:rPr lang="en-US" smtClean="0"/>
-              <a:t>5</a:t>
-            </a:fld>
-            <a:endParaRPr lang="en-US"/>
-          </a:p>
-        </p:txBody>
-      </p:sp>
-    </p:spTree>
-    <p:extLst>
-      <p:ext uri="{BB962C8B-B14F-4D97-AF65-F5344CB8AC3E}">
-        <p14:creationId xmlns:p14="http://schemas.microsoft.com/office/powerpoint/2010/main" val="3342714663"/>
-      </p:ext>
-    </p:extLst>
-  </p:cSld>
-  <p:clrMapOvr>
-    <a:masterClrMapping/>
-  </p:clrMapOvr>
-</p:notes>
-</file>
-
-<file path=ppt/notesSlides/notesSlide4.xml><?xml version="1.0" encoding="utf-8"?>
-<p:notes xmlns:a="http://schemas.openxmlformats.org/drawingml/2006/main" xmlns:r="http://schemas.openxmlformats.org/officeDocument/2006/relationships" xmlns:p="http://schemas.openxmlformats.org/presentationml/2006/main">
-  <p:cSld>
-    <p:spTree>
-      <p:nvGrpSpPr>
-        <p:cNvPr id="1" name=""/>
-        <p:cNvGrpSpPr/>
-        <p:nvPr/>
-      </p:nvGrpSpPr>
-      <p:grpSpPr>
-        <a:xfrm>
-          <a:off x="0" y="0"/>
-          <a:ext cx="0" cy="0"/>
-          <a:chOff x="0" y="0"/>
-          <a:chExt cx="0" cy="0"/>
-        </a:xfrm>
-      </p:grpSpPr>
-      <p:sp>
-        <p:nvSpPr>
-          <p:cNvPr id="2" name="Slide Image Placeholder 1"/>
-          <p:cNvSpPr>
-            <a:spLocks noGrp="1" noRot="1" noChangeAspect="1"/>
-          </p:cNvSpPr>
-          <p:nvPr>
-            <p:ph type="sldImg"/>
-          </p:nvPr>
-        </p:nvSpPr>
-        <p:spPr/>
-      </p:sp>
-      <p:sp>
-        <p:nvSpPr>
-          <p:cNvPr id="3" name="Notes Placeholder 2"/>
-          <p:cNvSpPr>
-            <a:spLocks noGrp="1"/>
-          </p:cNvSpPr>
-          <p:nvPr>
-            <p:ph type="body" idx="1"/>
-          </p:nvPr>
-        </p:nvSpPr>
-        <p:spPr/>
-        <p:txBody>
-          <a:bodyPr/>
-          <a:lstStyle/>
-          <a:p>
-            <a:endParaRPr lang="en-US"/>
-          </a:p>
-        </p:txBody>
-      </p:sp>
-      <p:sp>
-        <p:nvSpPr>
-          <p:cNvPr id="4" name="Slide Number Placeholder 3"/>
-          <p:cNvSpPr>
-            <a:spLocks noGrp="1"/>
-          </p:cNvSpPr>
-          <p:nvPr>
-            <p:ph type="sldNum" sz="quarter" idx="5"/>
-          </p:nvPr>
-        </p:nvSpPr>
-        <p:spPr/>
-        <p:txBody>
-          <a:bodyPr/>
-          <a:lstStyle/>
-          <a:p>
-            <a:fld id="{0B4881D8-6EFA-4719-AD95-0B89AAC3F54C}" type="slidenum">
-              <a:rPr lang="en-US" smtClean="0"/>
-              <a:t>10</a:t>
-            </a:fld>
-            <a:endParaRPr lang="en-US"/>
-          </a:p>
-        </p:txBody>
-      </p:sp>
-    </p:spTree>
-    <p:extLst>
-      <p:ext uri="{BB962C8B-B14F-4D97-AF65-F5344CB8AC3E}">
-        <p14:creationId xmlns:p14="http://schemas.microsoft.com/office/powerpoint/2010/main" val="2393936190"/>
-      </p:ext>
-    </p:extLst>
-  </p:cSld>
-  <p:clrMapOvr>
-    <a:masterClrMapping/>
-  </p:clrMapOvr>
-</p:notes>
-</file>
-
-<file path=ppt/notesSlides/notesSlide5.xml><?xml version="1.0" encoding="utf-8"?>
+<file path=ppt/notesSlides/notesSlide10.xml><?xml version="1.0" encoding="utf-8"?>
 <p:notes xmlns:a="http://schemas.openxmlformats.org/drawingml/2006/main" xmlns:r="http://schemas.openxmlformats.org/officeDocument/2006/relationships" xmlns:p="http://schemas.openxmlformats.org/presentationml/2006/main">
   <p:cSld>
     <p:spTree>
@@ -22151,7 +21865,270 @@
 </p:notes>
 </file>
 
-<file path=ppt/notesSlides/notesSlide6.xml><?xml version="1.0" encoding="utf-8"?>
+<file path=ppt/notesSlides/notesSlide11.xml><?xml version="1.0" encoding="utf-8"?>
+<p:notes xmlns:a="http://schemas.openxmlformats.org/drawingml/2006/main" xmlns:r="http://schemas.openxmlformats.org/officeDocument/2006/relationships" xmlns:p="http://schemas.openxmlformats.org/presentationml/2006/main">
+  <p:cSld>
+    <p:spTree>
+      <p:nvGrpSpPr>
+        <p:cNvPr id="1" name=""/>
+        <p:cNvGrpSpPr/>
+        <p:nvPr/>
+      </p:nvGrpSpPr>
+      <p:grpSpPr>
+        <a:xfrm>
+          <a:off x="0" y="0"/>
+          <a:ext cx="0" cy="0"/>
+          <a:chOff x="0" y="0"/>
+          <a:chExt cx="0" cy="0"/>
+        </a:xfrm>
+      </p:grpSpPr>
+      <p:sp>
+        <p:nvSpPr>
+          <p:cNvPr id="2" name="Slide Image Placeholder 1"/>
+          <p:cNvSpPr>
+            <a:spLocks noGrp="1" noRot="1" noChangeAspect="1"/>
+          </p:cNvSpPr>
+          <p:nvPr>
+            <p:ph type="sldImg"/>
+          </p:nvPr>
+        </p:nvSpPr>
+        <p:spPr/>
+      </p:sp>
+      <p:sp>
+        <p:nvSpPr>
+          <p:cNvPr id="3" name="Notes Placeholder 2"/>
+          <p:cNvSpPr>
+            <a:spLocks noGrp="1"/>
+          </p:cNvSpPr>
+          <p:nvPr>
+            <p:ph type="body" idx="1"/>
+          </p:nvPr>
+        </p:nvSpPr>
+        <p:spPr/>
+        <p:txBody>
+          <a:bodyPr/>
+          <a:lstStyle/>
+          <a:p>
+            <a:r>
+              <a:rPr lang="en-US" sz="1200" kern="1200" dirty="0">
+                <a:solidFill>
+                  <a:schemeClr val="tx1"/>
+                </a:solidFill>
+                <a:effectLst/>
+                <a:latin typeface="+mn-lt"/>
+                <a:ea typeface="+mn-ea"/>
+                <a:cs typeface="+mn-cs"/>
+              </a:rPr>
+              <a:t>NCU-C predicts that improvements to police safety will translate into a reduction of civilian fatalities.  This strategic position differs from other mainstream views around police funding, mental health facilities, and racial inequality.</a:t>
+            </a:r>
+          </a:p>
+          <a:p>
+            <a:endParaRPr lang="en-US" sz="1200" kern="1200" dirty="0">
+              <a:solidFill>
+                <a:schemeClr val="tx1"/>
+              </a:solidFill>
+              <a:effectLst/>
+              <a:latin typeface="+mn-lt"/>
+              <a:ea typeface="+mn-ea"/>
+              <a:cs typeface="+mn-cs"/>
+            </a:endParaRPr>
+          </a:p>
+          <a:p>
+            <a:r>
+              <a:rPr lang="en-US" sz="1200" kern="1200" dirty="0">
+                <a:solidFill>
+                  <a:schemeClr val="tx1"/>
+                </a:solidFill>
+                <a:effectLst/>
+                <a:latin typeface="+mn-lt"/>
+                <a:ea typeface="+mn-ea"/>
+                <a:cs typeface="+mn-cs"/>
+              </a:rPr>
+              <a:t>There are fifty-three million people who interact with the police each year (BJS, 2015).  Annually, 167 (+/- 6) officers and 66 (+/- 16) unarmed civilians die during these altercations (NLEOMF, 2019).  These situations must introduce a wide range of emotions and hostility, which creates challenges while balancing the safety of officers and civilians.  NCU-C should invest additional resources into exploring solutions to reduce this friction.  For instance, of the incidents that result in death, 76% (3853 of 4937) involve the suspect having a weapon (see Figure 6).  </a:t>
+            </a:r>
+          </a:p>
+          <a:p>
+            <a:endParaRPr lang="en-US" sz="1200" kern="1200" dirty="0">
+              <a:solidFill>
+                <a:schemeClr val="tx1"/>
+              </a:solidFill>
+              <a:effectLst/>
+              <a:latin typeface="+mn-lt"/>
+              <a:ea typeface="+mn-ea"/>
+              <a:cs typeface="+mn-cs"/>
+            </a:endParaRPr>
+          </a:p>
+          <a:p>
+            <a:r>
+              <a:rPr lang="en-US" sz="1200" kern="1200" dirty="0">
+                <a:solidFill>
+                  <a:schemeClr val="tx1"/>
+                </a:solidFill>
+                <a:effectLst/>
+                <a:latin typeface="+mn-lt"/>
+                <a:ea typeface="+mn-ea"/>
+                <a:cs typeface="+mn-cs"/>
+              </a:rPr>
+              <a:t>Training and procedures could exist to address these scenarios in a manner that improves the probability of a peaceful resolution.  While it does not address all the concerns, this is a significant source of police brutality.  Specifically, the unarmed and unspecified groups need further consideration to reduce the loss of life for these subgroups.  However, it might be impossible to eliminate due to this group representing 0.00002% (119 of 53 million) interactions per year.</a:t>
+            </a:r>
+          </a:p>
+          <a:p>
+            <a:endParaRPr lang="en-US" dirty="0"/>
+          </a:p>
+        </p:txBody>
+      </p:sp>
+      <p:sp>
+        <p:nvSpPr>
+          <p:cNvPr id="4" name="Slide Number Placeholder 3"/>
+          <p:cNvSpPr>
+            <a:spLocks noGrp="1"/>
+          </p:cNvSpPr>
+          <p:nvPr>
+            <p:ph type="sldNum" sz="quarter" idx="5"/>
+          </p:nvPr>
+        </p:nvSpPr>
+        <p:spPr/>
+        <p:txBody>
+          <a:bodyPr/>
+          <a:lstStyle/>
+          <a:p>
+            <a:fld id="{0B4881D8-6EFA-4719-AD95-0B89AAC3F54C}" type="slidenum">
+              <a:rPr lang="en-US" smtClean="0"/>
+              <a:t>13</a:t>
+            </a:fld>
+            <a:endParaRPr lang="en-US"/>
+          </a:p>
+        </p:txBody>
+      </p:sp>
+    </p:spTree>
+    <p:extLst>
+      <p:ext uri="{BB962C8B-B14F-4D97-AF65-F5344CB8AC3E}">
+        <p14:creationId xmlns:p14="http://schemas.microsoft.com/office/powerpoint/2010/main" val="2236709107"/>
+      </p:ext>
+    </p:extLst>
+  </p:cSld>
+  <p:clrMapOvr>
+    <a:masterClrMapping/>
+  </p:clrMapOvr>
+</p:notes>
+</file>
+
+<file path=ppt/notesSlides/notesSlide12.xml><?xml version="1.0" encoding="utf-8"?>
+<p:notes xmlns:a="http://schemas.openxmlformats.org/drawingml/2006/main" xmlns:r="http://schemas.openxmlformats.org/officeDocument/2006/relationships" xmlns:p="http://schemas.openxmlformats.org/presentationml/2006/main">
+  <p:cSld>
+    <p:spTree>
+      <p:nvGrpSpPr>
+        <p:cNvPr id="1" name=""/>
+        <p:cNvGrpSpPr/>
+        <p:nvPr/>
+      </p:nvGrpSpPr>
+      <p:grpSpPr>
+        <a:xfrm>
+          <a:off x="0" y="0"/>
+          <a:ext cx="0" cy="0"/>
+          <a:chOff x="0" y="0"/>
+          <a:chExt cx="0" cy="0"/>
+        </a:xfrm>
+      </p:grpSpPr>
+      <p:sp>
+        <p:nvSpPr>
+          <p:cNvPr id="2" name="Slide Image Placeholder 1"/>
+          <p:cNvSpPr>
+            <a:spLocks noGrp="1" noRot="1" noChangeAspect="1"/>
+          </p:cNvSpPr>
+          <p:nvPr>
+            <p:ph type="sldImg"/>
+          </p:nvPr>
+        </p:nvSpPr>
+        <p:spPr/>
+      </p:sp>
+      <p:sp>
+        <p:nvSpPr>
+          <p:cNvPr id="3" name="Notes Placeholder 2"/>
+          <p:cNvSpPr>
+            <a:spLocks noGrp="1"/>
+          </p:cNvSpPr>
+          <p:nvPr>
+            <p:ph type="body" idx="1"/>
+          </p:nvPr>
+        </p:nvSpPr>
+        <p:spPr/>
+        <p:txBody>
+          <a:bodyPr/>
+          <a:lstStyle/>
+          <a:p>
+            <a:pPr marL="0" marR="0" lvl="0" indent="0" algn="l" defTabSz="914400" rtl="0" eaLnBrk="1" fontAlgn="auto" latinLnBrk="0" hangingPunct="1">
+              <a:lnSpc>
+                <a:spcPct val="100000"/>
+              </a:lnSpc>
+              <a:spcBef>
+                <a:spcPts val="0"/>
+              </a:spcBef>
+              <a:spcAft>
+                <a:spcPts val="0"/>
+              </a:spcAft>
+              <a:buClrTx/>
+              <a:buSzTx/>
+              <a:buFontTx/>
+              <a:buNone/>
+              <a:tabLst/>
+              <a:defRPr/>
+            </a:pPr>
+            <a:r>
+              <a:rPr lang="en-US" sz="1200" kern="1200" dirty="0">
+                <a:solidFill>
+                  <a:schemeClr val="tx1"/>
+                </a:solidFill>
+                <a:effectLst/>
+                <a:latin typeface="+mn-lt"/>
+                <a:ea typeface="+mn-ea"/>
+                <a:cs typeface="+mn-cs"/>
+              </a:rPr>
+              <a:t>The conversation of police brutality needs to consider the safety of all participants, including both law enforcement and civilians.  Progression into that journey is monitorable through descriptive statistics of injury and death on either side.  These metrics should feed into one another, acting as a catalyst to reciprocally accelerate the other.  For instance, a police officer that is confident of returning home should be less dispositioned to draw a weapon.  With fewer fatal alternations, incentives exist for suspects to surrender versus resisting arrest.  As these challenges de-escalate, the number of unarmed civilian deaths should naturally diminish into the smaller population. </a:t>
+            </a:r>
+          </a:p>
+          <a:p>
+            <a:endParaRPr lang="en-US" dirty="0"/>
+          </a:p>
+        </p:txBody>
+      </p:sp>
+      <p:sp>
+        <p:nvSpPr>
+          <p:cNvPr id="4" name="Slide Number Placeholder 3"/>
+          <p:cNvSpPr>
+            <a:spLocks noGrp="1"/>
+          </p:cNvSpPr>
+          <p:nvPr>
+            <p:ph type="sldNum" sz="quarter" idx="5"/>
+          </p:nvPr>
+        </p:nvSpPr>
+        <p:spPr/>
+        <p:txBody>
+          <a:bodyPr/>
+          <a:lstStyle/>
+          <a:p>
+            <a:fld id="{0B4881D8-6EFA-4719-AD95-0B89AAC3F54C}" type="slidenum">
+              <a:rPr lang="en-US" smtClean="0"/>
+              <a:t>14</a:t>
+            </a:fld>
+            <a:endParaRPr lang="en-US"/>
+          </a:p>
+        </p:txBody>
+      </p:sp>
+    </p:spTree>
+    <p:extLst>
+      <p:ext uri="{BB962C8B-B14F-4D97-AF65-F5344CB8AC3E}">
+        <p14:creationId xmlns:p14="http://schemas.microsoft.com/office/powerpoint/2010/main" val="3172016791"/>
+      </p:ext>
+    </p:extLst>
+  </p:cSld>
+  <p:clrMapOvr>
+    <a:masterClrMapping/>
+  </p:clrMapOvr>
+</p:notes>
+</file>
+
+<file path=ppt/notesSlides/notesSlide13.xml><?xml version="1.0" encoding="utf-8"?>
 <p:notes xmlns:a="http://schemas.openxmlformats.org/drawingml/2006/main" xmlns:r="http://schemas.openxmlformats.org/officeDocument/2006/relationships" xmlns:p="http://schemas.openxmlformats.org/presentationml/2006/main">
   <p:cSld>
     <p:spTree>
@@ -22235,7 +22212,7 @@
 </p:notes>
 </file>
 
-<file path=ppt/notesSlides/notesSlide7.xml><?xml version="1.0" encoding="utf-8"?>
+<file path=ppt/notesSlides/notesSlide14.xml><?xml version="1.0" encoding="utf-8"?>
 <p:notes xmlns:a="http://schemas.openxmlformats.org/drawingml/2006/main" xmlns:r="http://schemas.openxmlformats.org/officeDocument/2006/relationships" xmlns:p="http://schemas.openxmlformats.org/presentationml/2006/main">
   <p:cSld>
     <p:spTree>
@@ -22279,6 +22256,45 @@
           <a:bodyPr/>
           <a:lstStyle/>
           <a:p>
+            <a:r>
+              <a:rPr lang="en-US" sz="1200" kern="1200" dirty="0">
+                <a:solidFill>
+                  <a:schemeClr val="tx1"/>
+                </a:solidFill>
+                <a:effectLst/>
+                <a:latin typeface="+mn-lt"/>
+                <a:ea typeface="+mn-ea"/>
+                <a:cs typeface="+mn-cs"/>
+              </a:rPr>
+              <a:t>Researchers and media sources use the Washington Post’s data to quantify the racial basis of law enforcement.  Their observations become statistical statements such as “unarmed Blacks are twice as likely as Whites to be the victim  (Nix, Campbell, Byers, &amp; Alpert, 2017).”  Another frequently cited metric that “Black people were 24% of those killed despite being only 13% of the population (KBP, 2020).”  Over 200 publications that reference Nix et al.’s paper in Nature magazine and Google returns 7.7 million results for the second quote.  When NCU-C set out to assess the problem, the initial expectation was to find racial inequality and bias decisions against people of color.  While both conclusions are true, that does not appear to be the entire story about police brutality in America.</a:t>
+            </a:r>
+          </a:p>
+          <a:p>
+            <a:endParaRPr lang="en-US" sz="1200" kern="1200" dirty="0">
+              <a:solidFill>
+                <a:schemeClr val="tx1"/>
+              </a:solidFill>
+              <a:effectLst/>
+              <a:latin typeface="+mn-lt"/>
+              <a:ea typeface="+mn-ea"/>
+              <a:cs typeface="+mn-cs"/>
+            </a:endParaRPr>
+          </a:p>
+          <a:p>
+            <a:r>
+              <a:rPr lang="en-US" sz="1200" kern="1200" dirty="0">
+                <a:solidFill>
+                  <a:schemeClr val="tx1"/>
+                </a:solidFill>
+                <a:effectLst/>
+                <a:latin typeface="+mn-lt"/>
+                <a:ea typeface="+mn-ea"/>
+                <a:cs typeface="+mn-cs"/>
+              </a:rPr>
+              <a:t>Fundamentally these differences are a matter of contextualizing what filtration and inclusion encroach into the calculus.  For example, a previous statement claims, “13% of the population,” referring to the national total.  While this summation is perfectly valid, it will come to a different outcome than a demographically adjusted formula.  Similarly, subtle changes to other data partitioning schemes can vastly influence conclusions.  These distinctions make it critical that researchers clarify the methodology and strategy to their approach.  Without that information, the results can arbitrarily confirm any outcome and prevent the formation of strategic decision making.</a:t>
+            </a:r>
+          </a:p>
+          <a:p>
             <a:endParaRPr lang="en-US" dirty="0"/>
           </a:p>
         </p:txBody>
@@ -22319,7 +22335,134 @@
 </p:notes>
 </file>
 
-<file path=ppt/notesSlides/notesSlide8.xml><?xml version="1.0" encoding="utf-8"?>
+<file path=ppt/notesSlides/notesSlide15.xml><?xml version="1.0" encoding="utf-8"?>
+<p:notes xmlns:a="http://schemas.openxmlformats.org/drawingml/2006/main" xmlns:r="http://schemas.openxmlformats.org/officeDocument/2006/relationships" xmlns:p="http://schemas.openxmlformats.org/presentationml/2006/main">
+  <p:cSld>
+    <p:spTree>
+      <p:nvGrpSpPr>
+        <p:cNvPr id="1" name=""/>
+        <p:cNvGrpSpPr/>
+        <p:nvPr/>
+      </p:nvGrpSpPr>
+      <p:grpSpPr>
+        <a:xfrm>
+          <a:off x="0" y="0"/>
+          <a:ext cx="0" cy="0"/>
+          <a:chOff x="0" y="0"/>
+          <a:chExt cx="0" cy="0"/>
+        </a:xfrm>
+      </p:grpSpPr>
+      <p:sp>
+        <p:nvSpPr>
+          <p:cNvPr id="2" name="Slide Image Placeholder 1"/>
+          <p:cNvSpPr>
+            <a:spLocks noGrp="1" noRot="1" noChangeAspect="1"/>
+          </p:cNvSpPr>
+          <p:nvPr>
+            <p:ph type="sldImg"/>
+          </p:nvPr>
+        </p:nvSpPr>
+        <p:spPr/>
+      </p:sp>
+      <p:sp>
+        <p:nvSpPr>
+          <p:cNvPr id="3" name="Notes Placeholder 2"/>
+          <p:cNvSpPr>
+            <a:spLocks noGrp="1"/>
+          </p:cNvSpPr>
+          <p:nvPr>
+            <p:ph type="body" idx="1"/>
+          </p:nvPr>
+        </p:nvSpPr>
+        <p:spPr/>
+        <p:txBody>
+          <a:bodyPr/>
+          <a:lstStyle/>
+          <a:p>
+            <a:pPr marL="0" marR="0" lvl="0" indent="0" algn="l" defTabSz="914400" rtl="0" eaLnBrk="1" fontAlgn="auto" latinLnBrk="0" hangingPunct="1">
+              <a:lnSpc>
+                <a:spcPct val="100000"/>
+              </a:lnSpc>
+              <a:spcBef>
+                <a:spcPts val="0"/>
+              </a:spcBef>
+              <a:spcAft>
+                <a:spcPts val="0"/>
+              </a:spcAft>
+              <a:buClrTx/>
+              <a:buSzTx/>
+              <a:buFontTx/>
+              <a:buNone/>
+              <a:tabLst/>
+              <a:defRPr/>
+            </a:pPr>
+            <a:r>
+              <a:rPr lang="en-US" sz="1200" kern="1200" dirty="0">
+                <a:solidFill>
+                  <a:schemeClr val="tx1"/>
+                </a:solidFill>
+                <a:effectLst/>
+                <a:latin typeface="+mn-lt"/>
+                <a:ea typeface="+mn-ea"/>
+                <a:cs typeface="+mn-cs"/>
+              </a:rPr>
+              <a:t>NCU-C set out to understand police brutality and ways to reduce the frequency.  This issue is highly partisan with questions surrounding all aspects of the problem.  The distortion between these perspectives asks if the victimization is racially motivated or a few bad apples.  Either way, a solution needs to exist for eliminating these scenarios, such as defunding the police and investing in mental health and civil service programs.  After analyzing the data from the Washington Post, the organization suggests that investment into law and civilian safety is the best path forward.  As the armed stand-offs decrease, so would this relatively small population of people die during police altercations.  </a:t>
+            </a:r>
+            <a:r>
+              <a:rPr lang="en-US" sz="1200" kern="1200">
+                <a:solidFill>
+                  <a:schemeClr val="tx1"/>
+                </a:solidFill>
+                <a:effectLst/>
+                <a:latin typeface="+mn-lt"/>
+                <a:ea typeface="+mn-ea"/>
+                <a:cs typeface="+mn-cs"/>
+              </a:rPr>
+              <a:t>This approach does not discredit alternative solutions; however, according to this data set, those efforts do not address underlying challenges.</a:t>
+            </a:r>
+          </a:p>
+          <a:p>
+            <a:endParaRPr lang="en-US"/>
+          </a:p>
+        </p:txBody>
+      </p:sp>
+      <p:sp>
+        <p:nvSpPr>
+          <p:cNvPr id="4" name="Slide Number Placeholder 3"/>
+          <p:cNvSpPr>
+            <a:spLocks noGrp="1"/>
+          </p:cNvSpPr>
+          <p:nvPr>
+            <p:ph type="sldNum" sz="quarter" idx="5"/>
+          </p:nvPr>
+        </p:nvSpPr>
+        <p:spPr/>
+        <p:txBody>
+          <a:bodyPr/>
+          <a:lstStyle/>
+          <a:p>
+            <a:fld id="{0B4881D8-6EFA-4719-AD95-0B89AAC3F54C}" type="slidenum">
+              <a:rPr lang="en-US" smtClean="0"/>
+              <a:t>17</a:t>
+            </a:fld>
+            <a:endParaRPr lang="en-US"/>
+          </a:p>
+        </p:txBody>
+      </p:sp>
+    </p:spTree>
+    <p:extLst>
+      <p:ext uri="{BB962C8B-B14F-4D97-AF65-F5344CB8AC3E}">
+        <p14:creationId xmlns:p14="http://schemas.microsoft.com/office/powerpoint/2010/main" val="3028683996"/>
+      </p:ext>
+    </p:extLst>
+  </p:cSld>
+  <p:clrMapOvr>
+    <a:masterClrMapping/>
+  </p:clrMapOvr>
+</p:notes>
+</file>
+
+<file path=ppt/notesSlides/notesSlide16.xml><?xml version="1.0" encoding="utf-8"?>
 <p:notes xmlns:a="http://schemas.openxmlformats.org/drawingml/2006/main" xmlns:r="http://schemas.openxmlformats.org/officeDocument/2006/relationships" xmlns:p="http://schemas.openxmlformats.org/presentationml/2006/main">
   <p:cSld>
     <p:spTree>
@@ -23259,6 +23402,1256 @@
     <p:extLst>
       <p:ext uri="{BB962C8B-B14F-4D97-AF65-F5344CB8AC3E}">
         <p14:creationId xmlns:p14="http://schemas.microsoft.com/office/powerpoint/2010/main" val="4073210424"/>
+      </p:ext>
+    </p:extLst>
+  </p:cSld>
+  <p:clrMapOvr>
+    <a:masterClrMapping/>
+  </p:clrMapOvr>
+</p:notes>
+</file>
+
+<file path=ppt/notesSlides/notesSlide2.xml><?xml version="1.0" encoding="utf-8"?>
+<p:notes xmlns:a="http://schemas.openxmlformats.org/drawingml/2006/main" xmlns:r="http://schemas.openxmlformats.org/officeDocument/2006/relationships" xmlns:p="http://schemas.openxmlformats.org/presentationml/2006/main">
+  <p:cSld>
+    <p:spTree>
+      <p:nvGrpSpPr>
+        <p:cNvPr id="1" name=""/>
+        <p:cNvGrpSpPr/>
+        <p:nvPr/>
+      </p:nvGrpSpPr>
+      <p:grpSpPr>
+        <a:xfrm>
+          <a:off x="0" y="0"/>
+          <a:ext cx="0" cy="0"/>
+          <a:chOff x="0" y="0"/>
+          <a:chExt cx="0" cy="0"/>
+        </a:xfrm>
+      </p:grpSpPr>
+      <p:sp>
+        <p:nvSpPr>
+          <p:cNvPr id="2" name="Slide Image Placeholder 1"/>
+          <p:cNvSpPr>
+            <a:spLocks noGrp="1" noRot="1" noChangeAspect="1"/>
+          </p:cNvSpPr>
+          <p:nvPr>
+            <p:ph type="sldImg"/>
+          </p:nvPr>
+        </p:nvSpPr>
+        <p:spPr/>
+      </p:sp>
+      <p:sp>
+        <p:nvSpPr>
+          <p:cNvPr id="3" name="Notes Placeholder 2"/>
+          <p:cNvSpPr>
+            <a:spLocks noGrp="1"/>
+          </p:cNvSpPr>
+          <p:nvPr>
+            <p:ph type="body" idx="1"/>
+          </p:nvPr>
+        </p:nvSpPr>
+        <p:spPr/>
+        <p:txBody>
+          <a:bodyPr/>
+          <a:lstStyle/>
+          <a:p>
+            <a:r>
+              <a:rPr lang="en-US" sz="1200" kern="1200" dirty="0">
+                <a:solidFill>
+                  <a:schemeClr val="tx1"/>
+                </a:solidFill>
+                <a:effectLst/>
+                <a:latin typeface="+mn-lt"/>
+                <a:ea typeface="+mn-ea"/>
+                <a:cs typeface="+mn-cs"/>
+              </a:rPr>
+              <a:t>The agenda for this discussion will cover the planning, evaluating, and delivery of an effective strategy to address this issue.  Then we will conclude with reflections into learnings, future topics, and conclusions.  Each of these sections will further drill into a collection of relevant subtopics.  Without further ado, let us jump into the details.</a:t>
+            </a:r>
+          </a:p>
+        </p:txBody>
+      </p:sp>
+      <p:sp>
+        <p:nvSpPr>
+          <p:cNvPr id="4" name="Slide Number Placeholder 3"/>
+          <p:cNvSpPr>
+            <a:spLocks noGrp="1"/>
+          </p:cNvSpPr>
+          <p:nvPr>
+            <p:ph type="sldNum" sz="quarter" idx="5"/>
+          </p:nvPr>
+        </p:nvSpPr>
+        <p:spPr/>
+        <p:txBody>
+          <a:bodyPr/>
+          <a:lstStyle/>
+          <a:p>
+            <a:fld id="{0B4881D8-6EFA-4719-AD95-0B89AAC3F54C}" type="slidenum">
+              <a:rPr lang="en-US" smtClean="0"/>
+              <a:t>2</a:t>
+            </a:fld>
+            <a:endParaRPr lang="en-US"/>
+          </a:p>
+        </p:txBody>
+      </p:sp>
+    </p:spTree>
+    <p:extLst>
+      <p:ext uri="{BB962C8B-B14F-4D97-AF65-F5344CB8AC3E}">
+        <p14:creationId xmlns:p14="http://schemas.microsoft.com/office/powerpoint/2010/main" val="3848400318"/>
+      </p:ext>
+    </p:extLst>
+  </p:cSld>
+  <p:clrMapOvr>
+    <a:masterClrMapping/>
+  </p:clrMapOvr>
+</p:notes>
+</file>
+
+<file path=ppt/notesSlides/notesSlide3.xml><?xml version="1.0" encoding="utf-8"?>
+<p:notes xmlns:a="http://schemas.openxmlformats.org/drawingml/2006/main" xmlns:r="http://schemas.openxmlformats.org/officeDocument/2006/relationships" xmlns:p="http://schemas.openxmlformats.org/presentationml/2006/main">
+  <p:cSld>
+    <p:spTree>
+      <p:nvGrpSpPr>
+        <p:cNvPr id="1" name=""/>
+        <p:cNvGrpSpPr/>
+        <p:nvPr/>
+      </p:nvGrpSpPr>
+      <p:grpSpPr>
+        <a:xfrm>
+          <a:off x="0" y="0"/>
+          <a:ext cx="0" cy="0"/>
+          <a:chOff x="0" y="0"/>
+          <a:chExt cx="0" cy="0"/>
+        </a:xfrm>
+      </p:grpSpPr>
+      <p:sp>
+        <p:nvSpPr>
+          <p:cNvPr id="2" name="Slide Image Placeholder 1"/>
+          <p:cNvSpPr>
+            <a:spLocks noGrp="1" noRot="1" noChangeAspect="1"/>
+          </p:cNvSpPr>
+          <p:nvPr>
+            <p:ph type="sldImg"/>
+          </p:nvPr>
+        </p:nvSpPr>
+        <p:spPr/>
+      </p:sp>
+      <p:sp>
+        <p:nvSpPr>
+          <p:cNvPr id="3" name="Notes Placeholder 2"/>
+          <p:cNvSpPr>
+            <a:spLocks noGrp="1"/>
+          </p:cNvSpPr>
+          <p:nvPr>
+            <p:ph type="body" idx="1"/>
+          </p:nvPr>
+        </p:nvSpPr>
+        <p:spPr/>
+        <p:txBody>
+          <a:bodyPr/>
+          <a:lstStyle/>
+          <a:p>
+            <a:r>
+              <a:rPr lang="en-US" sz="1200" kern="1200" dirty="0">
+                <a:solidFill>
+                  <a:schemeClr val="tx1"/>
+                </a:solidFill>
+                <a:effectLst/>
+                <a:latin typeface="+mn-lt"/>
+                <a:ea typeface="+mn-ea"/>
+                <a:cs typeface="+mn-cs"/>
+              </a:rPr>
+              <a:t>In May, the death of George Floyd is rising to the national debate stage questions around civil rights and police violence.  This event triggered a series of global protests that are pointedly asking why a disproportionate people of color are falling victim.  These discussions propose various solutions, such as defunding the police to increase investments into mental health and civil services.  Meanwhile, others argue that these actions are the result of a few bad apples and not evidence of systematic bias.</a:t>
+            </a:r>
+          </a:p>
+          <a:p>
+            <a:r>
+              <a:rPr lang="en-US" sz="1200" kern="1200" dirty="0">
+                <a:solidFill>
+                  <a:schemeClr val="tx1"/>
+                </a:solidFill>
+                <a:effectLst/>
+                <a:latin typeface="+mn-lt"/>
+                <a:ea typeface="+mn-ea"/>
+                <a:cs typeface="+mn-cs"/>
+              </a:rPr>
+              <a:t>It is challenging to understand these perspectives because the problem has become highly partisan, and neither side willing to objectively look at the data.  Anytime that preventable death occurs, emotions run high, and both parties approach the issue with skepticism, pain, and frustration.  </a:t>
+            </a:r>
+          </a:p>
+          <a:p>
+            <a:r>
+              <a:rPr lang="en-US" sz="1200" kern="1200" dirty="0">
+                <a:solidFill>
+                  <a:schemeClr val="tx1"/>
+                </a:solidFill>
+                <a:effectLst/>
+                <a:latin typeface="+mn-lt"/>
+                <a:ea typeface="+mn-ea"/>
+                <a:cs typeface="+mn-cs"/>
+              </a:rPr>
+              <a:t>NCU-C, our politically neutral non-profit foundation, believes that the truth rarely lives at the extreme and generally lies in the middle.  If we remove the politics and assess the situation, only then can an efficient strategy be formed, striking at the heart of the problem.</a:t>
+            </a:r>
+          </a:p>
+          <a:p>
+            <a:endParaRPr lang="en-US" dirty="0"/>
+          </a:p>
+        </p:txBody>
+      </p:sp>
+      <p:sp>
+        <p:nvSpPr>
+          <p:cNvPr id="4" name="Slide Number Placeholder 3"/>
+          <p:cNvSpPr>
+            <a:spLocks noGrp="1"/>
+          </p:cNvSpPr>
+          <p:nvPr>
+            <p:ph type="sldNum" sz="quarter" idx="5"/>
+          </p:nvPr>
+        </p:nvSpPr>
+        <p:spPr/>
+        <p:txBody>
+          <a:bodyPr/>
+          <a:lstStyle/>
+          <a:p>
+            <a:fld id="{0B4881D8-6EFA-4719-AD95-0B89AAC3F54C}" type="slidenum">
+              <a:rPr lang="en-US" smtClean="0"/>
+              <a:t>4</a:t>
+            </a:fld>
+            <a:endParaRPr lang="en-US"/>
+          </a:p>
+        </p:txBody>
+      </p:sp>
+    </p:spTree>
+    <p:extLst>
+      <p:ext uri="{BB962C8B-B14F-4D97-AF65-F5344CB8AC3E}">
+        <p14:creationId xmlns:p14="http://schemas.microsoft.com/office/powerpoint/2010/main" val="3804288105"/>
+      </p:ext>
+    </p:extLst>
+  </p:cSld>
+  <p:clrMapOvr>
+    <a:masterClrMapping/>
+  </p:clrMapOvr>
+</p:notes>
+</file>
+
+<file path=ppt/notesSlides/notesSlide4.xml><?xml version="1.0" encoding="utf-8"?>
+<p:notes xmlns:a="http://schemas.openxmlformats.org/drawingml/2006/main" xmlns:r="http://schemas.openxmlformats.org/officeDocument/2006/relationships" xmlns:p="http://schemas.openxmlformats.org/presentationml/2006/main">
+  <p:cSld>
+    <p:spTree>
+      <p:nvGrpSpPr>
+        <p:cNvPr id="1" name=""/>
+        <p:cNvGrpSpPr/>
+        <p:nvPr/>
+      </p:nvGrpSpPr>
+      <p:grpSpPr>
+        <a:xfrm>
+          <a:off x="0" y="0"/>
+          <a:ext cx="0" cy="0"/>
+          <a:chOff x="0" y="0"/>
+          <a:chExt cx="0" cy="0"/>
+        </a:xfrm>
+      </p:grpSpPr>
+      <p:sp>
+        <p:nvSpPr>
+          <p:cNvPr id="2" name="Slide Image Placeholder 1"/>
+          <p:cNvSpPr>
+            <a:spLocks noGrp="1" noRot="1" noChangeAspect="1"/>
+          </p:cNvSpPr>
+          <p:nvPr>
+            <p:ph type="sldImg"/>
+          </p:nvPr>
+        </p:nvSpPr>
+        <p:spPr/>
+      </p:sp>
+      <p:sp>
+        <p:nvSpPr>
+          <p:cNvPr id="3" name="Notes Placeholder 2"/>
+          <p:cNvSpPr>
+            <a:spLocks noGrp="1"/>
+          </p:cNvSpPr>
+          <p:nvPr>
+            <p:ph type="body" idx="1"/>
+          </p:nvPr>
+        </p:nvSpPr>
+        <p:spPr/>
+        <p:txBody>
+          <a:bodyPr/>
+          <a:lstStyle/>
+          <a:p>
+            <a:r>
+              <a:rPr lang="en-US" sz="1200" kern="1200" dirty="0">
+                <a:solidFill>
+                  <a:schemeClr val="tx1"/>
+                </a:solidFill>
+                <a:effectLst/>
+                <a:latin typeface="+mn-lt"/>
+                <a:ea typeface="+mn-ea"/>
+                <a:cs typeface="+mn-cs"/>
+              </a:rPr>
+              <a:t>The central idea of the Black Lives Matter (BLM) movement is that police violence disproportionally victimizes people of color (Pierce, 2019).  Assuming this statement is true, to what extent is this true?  Data collectors are quick to cite that “black people represent 24% of all police killings, despite being only 13% of the population (</a:t>
+            </a:r>
+            <a:r>
+              <a:rPr lang="en-US" sz="1200" kern="1200" dirty="0" err="1">
+                <a:solidFill>
+                  <a:schemeClr val="tx1"/>
+                </a:solidFill>
+                <a:effectLst/>
+                <a:latin typeface="+mn-lt"/>
+                <a:ea typeface="+mn-ea"/>
+                <a:cs typeface="+mn-cs"/>
+              </a:rPr>
+              <a:t>KilledByPolice</a:t>
+            </a:r>
+            <a:r>
+              <a:rPr lang="en-US" sz="1200" kern="1200" dirty="0">
+                <a:solidFill>
+                  <a:schemeClr val="tx1"/>
+                </a:solidFill>
+                <a:effectLst/>
+                <a:latin typeface="+mn-lt"/>
+                <a:ea typeface="+mn-ea"/>
+                <a:cs typeface="+mn-cs"/>
+              </a:rPr>
+              <a:t>, 2020).”  However, can these two data points be uniformly compared?  Alternatively, does a demographically adjusted accounting provide greater insight into racial injustice hotspots?  Processes that can uncover such disparity could lead to laser-focused policies versus broad debate on the national stage.  These actions would not represent the final stage but do offer a path for measurable short term improvements.</a:t>
+            </a:r>
+          </a:p>
+          <a:p>
+            <a:endParaRPr lang="en-US" sz="1200" kern="1200" dirty="0">
+              <a:solidFill>
+                <a:schemeClr val="tx1"/>
+              </a:solidFill>
+              <a:effectLst/>
+              <a:latin typeface="+mn-lt"/>
+              <a:ea typeface="+mn-ea"/>
+              <a:cs typeface="+mn-cs"/>
+            </a:endParaRPr>
+          </a:p>
+          <a:p>
+            <a:r>
+              <a:rPr lang="en-US" sz="1200" kern="1200" dirty="0">
+                <a:solidFill>
+                  <a:schemeClr val="tx1"/>
+                </a:solidFill>
+                <a:effectLst/>
+                <a:latin typeface="+mn-lt"/>
+                <a:ea typeface="+mn-ea"/>
+                <a:cs typeface="+mn-cs"/>
+              </a:rPr>
+              <a:t>Another central theme is that shifting funding from police departments to civil services will change the risk calculus.  Assuming this statement is true, to what extent?  What portion of the population is going through a medical crisis during their time of demise?  Until examining the data, it can be challenging to separate the norm from media machines selling advertising.  Perhaps a more accurate perspective is that scenario-specific categories exist, and additional training programs can target those situations, reducing the mortality rates.</a:t>
+            </a:r>
+          </a:p>
+          <a:p>
+            <a:endParaRPr lang="en-US" dirty="0"/>
+          </a:p>
+        </p:txBody>
+      </p:sp>
+      <p:sp>
+        <p:nvSpPr>
+          <p:cNvPr id="4" name="Slide Number Placeholder 3"/>
+          <p:cNvSpPr>
+            <a:spLocks noGrp="1"/>
+          </p:cNvSpPr>
+          <p:nvPr>
+            <p:ph type="sldNum" sz="quarter" idx="5"/>
+          </p:nvPr>
+        </p:nvSpPr>
+        <p:spPr/>
+        <p:txBody>
+          <a:bodyPr/>
+          <a:lstStyle/>
+          <a:p>
+            <a:fld id="{0B4881D8-6EFA-4719-AD95-0B89AAC3F54C}" type="slidenum">
+              <a:rPr lang="en-US" smtClean="0"/>
+              <a:t>5</a:t>
+            </a:fld>
+            <a:endParaRPr lang="en-US"/>
+          </a:p>
+        </p:txBody>
+      </p:sp>
+    </p:spTree>
+    <p:extLst>
+      <p:ext uri="{BB962C8B-B14F-4D97-AF65-F5344CB8AC3E}">
+        <p14:creationId xmlns:p14="http://schemas.microsoft.com/office/powerpoint/2010/main" val="3342714663"/>
+      </p:ext>
+    </p:extLst>
+  </p:cSld>
+  <p:clrMapOvr>
+    <a:masterClrMapping/>
+  </p:clrMapOvr>
+</p:notes>
+</file>
+
+<file path=ppt/notesSlides/notesSlide5.xml><?xml version="1.0" encoding="utf-8"?>
+<p:notes xmlns:a="http://schemas.openxmlformats.org/drawingml/2006/main" xmlns:r="http://schemas.openxmlformats.org/officeDocument/2006/relationships" xmlns:p="http://schemas.openxmlformats.org/presentationml/2006/main">
+  <p:cSld>
+    <p:spTree>
+      <p:nvGrpSpPr>
+        <p:cNvPr id="1" name=""/>
+        <p:cNvGrpSpPr/>
+        <p:nvPr/>
+      </p:nvGrpSpPr>
+      <p:grpSpPr>
+        <a:xfrm>
+          <a:off x="0" y="0"/>
+          <a:ext cx="0" cy="0"/>
+          <a:chOff x="0" y="0"/>
+          <a:chExt cx="0" cy="0"/>
+        </a:xfrm>
+      </p:grpSpPr>
+      <p:sp>
+        <p:nvSpPr>
+          <p:cNvPr id="2" name="Slide Image Placeholder 1"/>
+          <p:cNvSpPr>
+            <a:spLocks noGrp="1" noRot="1" noChangeAspect="1"/>
+          </p:cNvSpPr>
+          <p:nvPr>
+            <p:ph type="sldImg"/>
+          </p:nvPr>
+        </p:nvSpPr>
+        <p:spPr/>
+      </p:sp>
+      <p:sp>
+        <p:nvSpPr>
+          <p:cNvPr id="3" name="Notes Placeholder 2"/>
+          <p:cNvSpPr>
+            <a:spLocks noGrp="1"/>
+          </p:cNvSpPr>
+          <p:nvPr>
+            <p:ph type="body" idx="1"/>
+          </p:nvPr>
+        </p:nvSpPr>
+        <p:spPr/>
+        <p:txBody>
+          <a:bodyPr/>
+          <a:lstStyle/>
+          <a:p>
+            <a:r>
+              <a:rPr lang="en-US" sz="1200" kern="1200" dirty="0">
+                <a:solidFill>
+                  <a:schemeClr val="tx1"/>
+                </a:solidFill>
+                <a:effectLst/>
+                <a:latin typeface="+mn-lt"/>
+                <a:ea typeface="+mn-ea"/>
+                <a:cs typeface="+mn-cs"/>
+              </a:rPr>
+              <a:t>There are numerous strategies for approaching this problem with varying levels of sophistication and planning.  One standard solution is to perform statistical application analysis on the Washington Post’s police shootings data set (Nix, Campbell, Byers, &amp; Alpert, 2017).  This data source contains demographic, location, and contextual information on all publicly known fatalities of police violence between 2015 to the present (Washington Post, 2020).  While there are several limitations to this aggregate feed, it provides a best-intentioned sampling of the broader population.</a:t>
+            </a:r>
+          </a:p>
+          <a:p>
+            <a:endParaRPr lang="en-US" sz="1200" kern="1200" dirty="0">
+              <a:solidFill>
+                <a:schemeClr val="tx1"/>
+              </a:solidFill>
+              <a:effectLst/>
+              <a:latin typeface="+mn-lt"/>
+              <a:ea typeface="+mn-ea"/>
+              <a:cs typeface="+mn-cs"/>
+            </a:endParaRPr>
+          </a:p>
+          <a:p>
+            <a:r>
+              <a:rPr lang="en-US" sz="1200" kern="1200" dirty="0">
+                <a:solidFill>
+                  <a:schemeClr val="tx1"/>
+                </a:solidFill>
+                <a:effectLst/>
+                <a:latin typeface="+mn-lt"/>
+                <a:ea typeface="+mn-ea"/>
+                <a:cs typeface="+mn-cs"/>
+              </a:rPr>
+              <a:t>For an experiment to be successful, it needs to have sufficient </a:t>
+            </a:r>
+            <a:r>
+              <a:rPr lang="en-US" sz="1200" i="1" kern="1200" dirty="0">
+                <a:solidFill>
+                  <a:schemeClr val="tx1"/>
+                </a:solidFill>
+                <a:effectLst/>
+                <a:latin typeface="+mn-lt"/>
+                <a:ea typeface="+mn-ea"/>
+                <a:cs typeface="+mn-cs"/>
+              </a:rPr>
+              <a:t>power </a:t>
+            </a:r>
+            <a:r>
+              <a:rPr lang="en-US" sz="1200" kern="1200" dirty="0">
+                <a:solidFill>
+                  <a:schemeClr val="tx1"/>
+                </a:solidFill>
+                <a:effectLst/>
+                <a:latin typeface="+mn-lt"/>
+                <a:ea typeface="+mn-ea"/>
+                <a:cs typeface="+mn-cs"/>
+              </a:rPr>
+              <a:t>to measure the </a:t>
+            </a:r>
+            <a:r>
+              <a:rPr lang="en-US" sz="1200" i="1" kern="1200" dirty="0">
+                <a:solidFill>
+                  <a:schemeClr val="tx1"/>
+                </a:solidFill>
+                <a:effectLst/>
+                <a:latin typeface="+mn-lt"/>
+                <a:ea typeface="+mn-ea"/>
+                <a:cs typeface="+mn-cs"/>
+              </a:rPr>
+              <a:t>effect</a:t>
+            </a:r>
+            <a:r>
+              <a:rPr lang="en-US" sz="1200" kern="1200" dirty="0">
+                <a:solidFill>
+                  <a:schemeClr val="tx1"/>
+                </a:solidFill>
+                <a:effectLst/>
+                <a:latin typeface="+mn-lt"/>
+                <a:ea typeface="+mn-ea"/>
+                <a:cs typeface="+mn-cs"/>
+              </a:rPr>
+              <a:t> in question.  Several knobs feed into the power of an investigation, such relaxing the confidence interval, using parametric statistics, converting to a one-tail model, increasing the samples, or adjusting the sensitivity (Donovan, 2016).  Choosing an appropriate value is scenario-specific and can be somewhat of an art form.</a:t>
+            </a:r>
+          </a:p>
+          <a:p>
+            <a:endParaRPr lang="en-US" dirty="0"/>
+          </a:p>
+        </p:txBody>
+      </p:sp>
+      <p:sp>
+        <p:nvSpPr>
+          <p:cNvPr id="4" name="Slide Number Placeholder 3"/>
+          <p:cNvSpPr>
+            <a:spLocks noGrp="1"/>
+          </p:cNvSpPr>
+          <p:nvPr>
+            <p:ph type="sldNum" sz="quarter" idx="5"/>
+          </p:nvPr>
+        </p:nvSpPr>
+        <p:spPr/>
+        <p:txBody>
+          <a:bodyPr/>
+          <a:lstStyle/>
+          <a:p>
+            <a:fld id="{0B4881D8-6EFA-4719-AD95-0B89AAC3F54C}" type="slidenum">
+              <a:rPr lang="en-US" smtClean="0"/>
+              <a:t>6</a:t>
+            </a:fld>
+            <a:endParaRPr lang="en-US"/>
+          </a:p>
+        </p:txBody>
+      </p:sp>
+    </p:spTree>
+    <p:extLst>
+      <p:ext uri="{BB962C8B-B14F-4D97-AF65-F5344CB8AC3E}">
+        <p14:creationId xmlns:p14="http://schemas.microsoft.com/office/powerpoint/2010/main" val="2735591850"/>
+      </p:ext>
+    </p:extLst>
+  </p:cSld>
+  <p:clrMapOvr>
+    <a:masterClrMapping/>
+  </p:clrMapOvr>
+</p:notes>
+</file>
+
+<file path=ppt/notesSlides/notesSlide6.xml><?xml version="1.0" encoding="utf-8"?>
+<p:notes xmlns:a="http://schemas.openxmlformats.org/drawingml/2006/main" xmlns:r="http://schemas.openxmlformats.org/officeDocument/2006/relationships" xmlns:p="http://schemas.openxmlformats.org/presentationml/2006/main">
+  <p:cSld>
+    <p:spTree>
+      <p:nvGrpSpPr>
+        <p:cNvPr id="1" name=""/>
+        <p:cNvGrpSpPr/>
+        <p:nvPr/>
+      </p:nvGrpSpPr>
+      <p:grpSpPr>
+        <a:xfrm>
+          <a:off x="0" y="0"/>
+          <a:ext cx="0" cy="0"/>
+          <a:chOff x="0" y="0"/>
+          <a:chExt cx="0" cy="0"/>
+        </a:xfrm>
+      </p:grpSpPr>
+      <p:sp>
+        <p:nvSpPr>
+          <p:cNvPr id="2" name="Slide Image Placeholder 1"/>
+          <p:cNvSpPr>
+            <a:spLocks noGrp="1" noRot="1" noChangeAspect="1"/>
+          </p:cNvSpPr>
+          <p:nvPr>
+            <p:ph type="sldImg"/>
+          </p:nvPr>
+        </p:nvSpPr>
+        <p:spPr/>
+      </p:sp>
+      <p:sp>
+        <p:nvSpPr>
+          <p:cNvPr id="3" name="Notes Placeholder 2"/>
+          <p:cNvSpPr>
+            <a:spLocks noGrp="1"/>
+          </p:cNvSpPr>
+          <p:nvPr>
+            <p:ph type="body" idx="1"/>
+          </p:nvPr>
+        </p:nvSpPr>
+        <p:spPr/>
+        <p:txBody>
+          <a:bodyPr/>
+          <a:lstStyle/>
+          <a:p>
+            <a:r>
+              <a:rPr lang="en-US" sz="1200" kern="1200" dirty="0">
+                <a:solidFill>
+                  <a:schemeClr val="tx1"/>
+                </a:solidFill>
+                <a:effectLst/>
+                <a:latin typeface="+mn-lt"/>
+                <a:ea typeface="+mn-ea"/>
+                <a:cs typeface="+mn-cs"/>
+              </a:rPr>
+              <a:t>There are multiple strategies for determining which variable has more effect on a situational outcome.  News articles typically approach the problem by looking at the raw descriptive statistics, such as the ratio of victims experiencing a mental crisis.  A challenge with this solution is that the telemetry only communicates what happened, not why.  Consider the extreme example that one hundred percent of all police violence within a given community is against a specific race.  While this scenario immediately raises questions around racial profiling, it should also invite a discussion around the diversity of the inflicted population.</a:t>
+            </a:r>
+          </a:p>
+          <a:p>
+            <a:endParaRPr lang="en-US" sz="1200" kern="1200" dirty="0">
+              <a:solidFill>
+                <a:schemeClr val="tx1"/>
+              </a:solidFill>
+              <a:effectLst/>
+              <a:latin typeface="+mn-lt"/>
+              <a:ea typeface="+mn-ea"/>
+              <a:cs typeface="+mn-cs"/>
+            </a:endParaRPr>
+          </a:p>
+          <a:p>
+            <a:r>
+              <a:rPr lang="en-US" sz="1200" kern="1200" dirty="0">
+                <a:solidFill>
+                  <a:schemeClr val="tx1"/>
+                </a:solidFill>
+                <a:effectLst/>
+                <a:latin typeface="+mn-lt"/>
+                <a:ea typeface="+mn-ea"/>
+                <a:cs typeface="+mn-cs"/>
+              </a:rPr>
+              <a:t>DeCarlo (2018) states that quasi-experiments are particularly useful in social welfare policy research (see chapter 12.2).  Under a quasi-experiment, the researcher team does not use random assignment and instead looks at different populations.  This method could be highly effective for examining the impact of both </a:t>
+            </a:r>
+            <a:r>
+              <a:rPr lang="en-US" sz="1200" i="1" kern="1200" dirty="0">
+                <a:solidFill>
+                  <a:schemeClr val="tx1"/>
+                </a:solidFill>
+                <a:effectLst/>
+                <a:latin typeface="+mn-lt"/>
+                <a:ea typeface="+mn-ea"/>
+                <a:cs typeface="+mn-cs"/>
+              </a:rPr>
+              <a:t>race </a:t>
+            </a:r>
+            <a:r>
+              <a:rPr lang="en-US" sz="1200" kern="1200" dirty="0">
+                <a:solidFill>
+                  <a:schemeClr val="tx1"/>
+                </a:solidFill>
+                <a:effectLst/>
+                <a:latin typeface="+mn-lt"/>
+                <a:ea typeface="+mn-ea"/>
+                <a:cs typeface="+mn-cs"/>
+              </a:rPr>
+              <a:t>and </a:t>
+            </a:r>
+            <a:r>
+              <a:rPr lang="en-US" sz="1200" i="1" kern="1200" dirty="0">
+                <a:solidFill>
+                  <a:schemeClr val="tx1"/>
+                </a:solidFill>
+                <a:effectLst/>
+                <a:latin typeface="+mn-lt"/>
+                <a:ea typeface="+mn-ea"/>
+                <a:cs typeface="+mn-cs"/>
+              </a:rPr>
+              <a:t>sanity</a:t>
+            </a:r>
+            <a:r>
+              <a:rPr lang="en-US" sz="1200" kern="1200" dirty="0">
+                <a:solidFill>
+                  <a:schemeClr val="tx1"/>
+                </a:solidFill>
+                <a:effectLst/>
+                <a:latin typeface="+mn-lt"/>
+                <a:ea typeface="+mn-ea"/>
+                <a:cs typeface="+mn-cs"/>
+              </a:rPr>
+              <a:t> variables.  For example, how does </a:t>
+            </a:r>
+            <a:r>
+              <a:rPr lang="en-US" sz="1200" i="1" kern="1200" dirty="0">
+                <a:solidFill>
+                  <a:schemeClr val="tx1"/>
+                </a:solidFill>
+                <a:effectLst/>
+                <a:latin typeface="+mn-lt"/>
+                <a:ea typeface="+mn-ea"/>
+                <a:cs typeface="+mn-cs"/>
+              </a:rPr>
+              <a:t>race</a:t>
+            </a:r>
+            <a:r>
+              <a:rPr lang="en-US" sz="1200" kern="1200" dirty="0">
+                <a:solidFill>
+                  <a:schemeClr val="tx1"/>
+                </a:solidFill>
+                <a:effectLst/>
+                <a:latin typeface="+mn-lt"/>
+                <a:ea typeface="+mn-ea"/>
+                <a:cs typeface="+mn-cs"/>
+              </a:rPr>
+              <a:t> impact police violence when comparing diverse metropolitan areas (e.g., Chicago and Detroit) to homogenous cities (e.g., </a:t>
+            </a:r>
+            <a:r>
+              <a:rPr lang="en-US" sz="1200" kern="1200" dirty="0" err="1">
+                <a:solidFill>
+                  <a:schemeClr val="tx1"/>
+                </a:solidFill>
+                <a:effectLst/>
+                <a:latin typeface="+mn-lt"/>
+                <a:ea typeface="+mn-ea"/>
+                <a:cs typeface="+mn-cs"/>
+              </a:rPr>
+              <a:t>Brandsen</a:t>
+            </a:r>
+            <a:r>
+              <a:rPr lang="en-US" sz="1200" kern="1200" dirty="0">
+                <a:solidFill>
+                  <a:schemeClr val="tx1"/>
+                </a:solidFill>
+                <a:effectLst/>
+                <a:latin typeface="+mn-lt"/>
+                <a:ea typeface="+mn-ea"/>
+                <a:cs typeface="+mn-cs"/>
+              </a:rPr>
+              <a:t> or Sioux Falls)?  Likewise, for every dollar that Nevada spends on public health, Alaska invests six (United Health Foundation, 2017).  From examining these groups that are both similar and complete opposites, it should lead to a quantitative sense of the underlying effect of these variables.</a:t>
+            </a:r>
+          </a:p>
+          <a:p>
+            <a:endParaRPr lang="en-US" dirty="0"/>
+          </a:p>
+        </p:txBody>
+      </p:sp>
+      <p:sp>
+        <p:nvSpPr>
+          <p:cNvPr id="4" name="Slide Number Placeholder 3"/>
+          <p:cNvSpPr>
+            <a:spLocks noGrp="1"/>
+          </p:cNvSpPr>
+          <p:nvPr>
+            <p:ph type="sldNum" sz="quarter" idx="5"/>
+          </p:nvPr>
+        </p:nvSpPr>
+        <p:spPr/>
+        <p:txBody>
+          <a:bodyPr/>
+          <a:lstStyle/>
+          <a:p>
+            <a:fld id="{0B4881D8-6EFA-4719-AD95-0B89AAC3F54C}" type="slidenum">
+              <a:rPr lang="en-US" smtClean="0"/>
+              <a:t>7</a:t>
+            </a:fld>
+            <a:endParaRPr lang="en-US"/>
+          </a:p>
+        </p:txBody>
+      </p:sp>
+    </p:spTree>
+    <p:extLst>
+      <p:ext uri="{BB962C8B-B14F-4D97-AF65-F5344CB8AC3E}">
+        <p14:creationId xmlns:p14="http://schemas.microsoft.com/office/powerpoint/2010/main" val="3874872550"/>
+      </p:ext>
+    </p:extLst>
+  </p:cSld>
+  <p:clrMapOvr>
+    <a:masterClrMapping/>
+  </p:clrMapOvr>
+</p:notes>
+</file>
+
+<file path=ppt/notesSlides/notesSlide7.xml><?xml version="1.0" encoding="utf-8"?>
+<p:notes xmlns:a="http://schemas.openxmlformats.org/drawingml/2006/main" xmlns:r="http://schemas.openxmlformats.org/officeDocument/2006/relationships" xmlns:p="http://schemas.openxmlformats.org/presentationml/2006/main">
+  <p:cSld>
+    <p:spTree>
+      <p:nvGrpSpPr>
+        <p:cNvPr id="1" name=""/>
+        <p:cNvGrpSpPr/>
+        <p:nvPr/>
+      </p:nvGrpSpPr>
+      <p:grpSpPr>
+        <a:xfrm>
+          <a:off x="0" y="0"/>
+          <a:ext cx="0" cy="0"/>
+          <a:chOff x="0" y="0"/>
+          <a:chExt cx="0" cy="0"/>
+        </a:xfrm>
+      </p:grpSpPr>
+      <p:sp>
+        <p:nvSpPr>
+          <p:cNvPr id="2" name="Slide Image Placeholder 1"/>
+          <p:cNvSpPr>
+            <a:spLocks noGrp="1" noRot="1" noChangeAspect="1"/>
+          </p:cNvSpPr>
+          <p:nvPr>
+            <p:ph type="sldImg"/>
+          </p:nvPr>
+        </p:nvSpPr>
+        <p:spPr/>
+      </p:sp>
+      <p:sp>
+        <p:nvSpPr>
+          <p:cNvPr id="3" name="Notes Placeholder 2"/>
+          <p:cNvSpPr>
+            <a:spLocks noGrp="1"/>
+          </p:cNvSpPr>
+          <p:nvPr>
+            <p:ph type="body" idx="1"/>
+          </p:nvPr>
+        </p:nvSpPr>
+        <p:spPr/>
+        <p:txBody>
+          <a:bodyPr/>
+          <a:lstStyle/>
+          <a:p>
+            <a:r>
+              <a:rPr lang="en-US" sz="1200" kern="1200" dirty="0">
+                <a:solidFill>
+                  <a:schemeClr val="tx1"/>
+                </a:solidFill>
+                <a:effectLst/>
+                <a:latin typeface="+mn-lt"/>
+                <a:ea typeface="+mn-ea"/>
+                <a:cs typeface="+mn-cs"/>
+              </a:rPr>
+              <a:t>The research team began with a collection of descriptive statistics, comparing various pivots to ensure sufficient coverage exists for the chosen tests.  During this step, it became necessary to reduce the exploration to only focus on Black, Hispanic, and White people because other groups lacked the required representation.</a:t>
+            </a:r>
+          </a:p>
+          <a:p>
+            <a:endParaRPr lang="en-US" sz="1200" kern="1200" dirty="0">
+              <a:solidFill>
+                <a:schemeClr val="tx1"/>
+              </a:solidFill>
+              <a:effectLst/>
+              <a:latin typeface="+mn-lt"/>
+              <a:ea typeface="+mn-ea"/>
+              <a:cs typeface="+mn-cs"/>
+            </a:endParaRPr>
+          </a:p>
+          <a:p>
+            <a:r>
+              <a:rPr lang="en-US" sz="1200" kern="1200" dirty="0">
+                <a:solidFill>
+                  <a:schemeClr val="tx1"/>
+                </a:solidFill>
+                <a:effectLst/>
+                <a:latin typeface="+mn-lt"/>
+                <a:ea typeface="+mn-ea"/>
+                <a:cs typeface="+mn-cs"/>
+              </a:rPr>
+              <a:t>Our first test plots the distribution by race for all victims between 2015 to 2019.  These results are compared with diversity statistics according to the U.S. Census over that same period.  From this view, a skew becomes evident, which aligns with the position of many peaceful protesters.  Next, the data set partitioning along various lines, such as demographics, location, and weapon status, allows for comparisons between populations.  Nix et al. use a similar approach in their article for Nature, cited over 200 times.  The contexts of their analysis were reproducible, and our team confirmed their insights, such as Black-people are twice as likely as White-people to die unarmed (5 vs. 10%).</a:t>
+            </a:r>
+          </a:p>
+          <a:p>
+            <a:endParaRPr lang="en-US" dirty="0"/>
+          </a:p>
+        </p:txBody>
+      </p:sp>
+      <p:sp>
+        <p:nvSpPr>
+          <p:cNvPr id="4" name="Slide Number Placeholder 3"/>
+          <p:cNvSpPr>
+            <a:spLocks noGrp="1"/>
+          </p:cNvSpPr>
+          <p:nvPr>
+            <p:ph type="sldNum" sz="quarter" idx="5"/>
+          </p:nvPr>
+        </p:nvSpPr>
+        <p:spPr/>
+        <p:txBody>
+          <a:bodyPr/>
+          <a:lstStyle/>
+          <a:p>
+            <a:fld id="{0B4881D8-6EFA-4719-AD95-0B89AAC3F54C}" type="slidenum">
+              <a:rPr lang="en-US" smtClean="0"/>
+              <a:t>9</a:t>
+            </a:fld>
+            <a:endParaRPr lang="en-US"/>
+          </a:p>
+        </p:txBody>
+      </p:sp>
+    </p:spTree>
+    <p:extLst>
+      <p:ext uri="{BB962C8B-B14F-4D97-AF65-F5344CB8AC3E}">
+        <p14:creationId xmlns:p14="http://schemas.microsoft.com/office/powerpoint/2010/main" val="3627058529"/>
+      </p:ext>
+    </p:extLst>
+  </p:cSld>
+  <p:clrMapOvr>
+    <a:masterClrMapping/>
+  </p:clrMapOvr>
+</p:notes>
+</file>
+
+<file path=ppt/notesSlides/notesSlide8.xml><?xml version="1.0" encoding="utf-8"?>
+<p:notes xmlns:a="http://schemas.openxmlformats.org/drawingml/2006/main" xmlns:r="http://schemas.openxmlformats.org/officeDocument/2006/relationships" xmlns:p="http://schemas.openxmlformats.org/presentationml/2006/main">
+  <p:cSld>
+    <p:spTree>
+      <p:nvGrpSpPr>
+        <p:cNvPr id="1" name=""/>
+        <p:cNvGrpSpPr/>
+        <p:nvPr/>
+      </p:nvGrpSpPr>
+      <p:grpSpPr>
+        <a:xfrm>
+          <a:off x="0" y="0"/>
+          <a:ext cx="0" cy="0"/>
+          <a:chOff x="0" y="0"/>
+          <a:chExt cx="0" cy="0"/>
+        </a:xfrm>
+      </p:grpSpPr>
+      <p:sp>
+        <p:nvSpPr>
+          <p:cNvPr id="2" name="Slide Image Placeholder 1"/>
+          <p:cNvSpPr>
+            <a:spLocks noGrp="1" noRot="1" noChangeAspect="1"/>
+          </p:cNvSpPr>
+          <p:nvPr>
+            <p:ph type="sldImg"/>
+          </p:nvPr>
+        </p:nvSpPr>
+        <p:spPr/>
+      </p:sp>
+      <p:sp>
+        <p:nvSpPr>
+          <p:cNvPr id="3" name="Notes Placeholder 2"/>
+          <p:cNvSpPr>
+            <a:spLocks noGrp="1"/>
+          </p:cNvSpPr>
+          <p:nvPr>
+            <p:ph type="body" idx="1"/>
+          </p:nvPr>
+        </p:nvSpPr>
+        <p:spPr/>
+        <p:txBody>
+          <a:bodyPr/>
+          <a:lstStyle/>
+          <a:p>
+            <a:r>
+              <a:rPr lang="en-US" sz="1200" kern="1200" dirty="0">
+                <a:solidFill>
+                  <a:schemeClr val="tx1"/>
+                </a:solidFill>
+                <a:effectLst/>
+                <a:latin typeface="+mn-lt"/>
+                <a:ea typeface="+mn-ea"/>
+                <a:cs typeface="+mn-cs"/>
+              </a:rPr>
+              <a:t>According to the data analysis results, a skew exists, disproportionately impacting Black people more than White people.  However, the research team asks if this is the entire story?  Instead of treating America as a single homogeneous group, an experiment maps the victim into their states.  One observation from this perspective is that death rates for people of color generally aligns with the diversity ratios of that state.  For example, in Texas, 39% of fatalities are Hispanic compared to representing 34% of the residents.  The ratios are maintained across all states, suggesting that these are even-handed, not racial profiling.  The distinction comes from national statistics, including areas that lack minorities among the residents, such as Montana and Utah.  </a:t>
+            </a:r>
+          </a:p>
+          <a:p>
+            <a:r>
+              <a:rPr lang="en-US" sz="1200" kern="1200" dirty="0">
+                <a:solidFill>
+                  <a:schemeClr val="tx1"/>
+                </a:solidFill>
+                <a:effectLst/>
+                <a:latin typeface="+mn-lt"/>
+                <a:ea typeface="+mn-ea"/>
+                <a:cs typeface="+mn-cs"/>
+              </a:rPr>
+              <a:t> </a:t>
+            </a:r>
+          </a:p>
+          <a:p>
+            <a:r>
+              <a:rPr lang="en-US" sz="1200" kern="1200" dirty="0">
+                <a:solidFill>
+                  <a:schemeClr val="tx1"/>
+                </a:solidFill>
+                <a:effectLst/>
+                <a:latin typeface="+mn-lt"/>
+                <a:ea typeface="+mn-ea"/>
+                <a:cs typeface="+mn-cs"/>
+              </a:rPr>
+              <a:t>Going back to the research questions, </a:t>
+            </a:r>
+            <a:r>
+              <a:rPr lang="en-US" sz="1200" b="1" kern="1200" dirty="0">
+                <a:solidFill>
+                  <a:schemeClr val="tx1"/>
+                </a:solidFill>
+                <a:effectLst/>
+                <a:latin typeface="+mn-lt"/>
+                <a:ea typeface="+mn-ea"/>
+                <a:cs typeface="+mn-cs"/>
+              </a:rPr>
+              <a:t>R1 does</a:t>
+            </a:r>
+            <a:r>
+              <a:rPr lang="en-US" sz="1200" kern="1200" dirty="0">
+                <a:solidFill>
+                  <a:schemeClr val="tx1"/>
+                </a:solidFill>
+                <a:effectLst/>
+                <a:latin typeface="+mn-lt"/>
+                <a:ea typeface="+mn-ea"/>
+                <a:cs typeface="+mn-cs"/>
+              </a:rPr>
+              <a:t> </a:t>
+            </a:r>
+            <a:r>
+              <a:rPr lang="en-US" sz="1200" i="1" kern="1200" dirty="0">
+                <a:solidFill>
+                  <a:schemeClr val="tx1"/>
+                </a:solidFill>
+                <a:effectLst/>
+                <a:latin typeface="+mn-lt"/>
+                <a:ea typeface="+mn-ea"/>
+                <a:cs typeface="+mn-cs"/>
+              </a:rPr>
+              <a:t>race</a:t>
+            </a:r>
+            <a:r>
+              <a:rPr lang="en-US" sz="1200" kern="1200" dirty="0">
+                <a:solidFill>
+                  <a:schemeClr val="tx1"/>
+                </a:solidFill>
+                <a:effectLst/>
+                <a:latin typeface="+mn-lt"/>
+                <a:ea typeface="+mn-ea"/>
+                <a:cs typeface="+mn-cs"/>
+              </a:rPr>
+              <a:t> or </a:t>
+            </a:r>
+            <a:r>
+              <a:rPr lang="en-US" sz="1200" i="1" kern="1200" dirty="0">
+                <a:solidFill>
+                  <a:schemeClr val="tx1"/>
+                </a:solidFill>
+                <a:effectLst/>
+                <a:latin typeface="+mn-lt"/>
+                <a:ea typeface="+mn-ea"/>
+                <a:cs typeface="+mn-cs"/>
+              </a:rPr>
+              <a:t>sanity</a:t>
+            </a:r>
+            <a:r>
+              <a:rPr lang="en-US" sz="1200" kern="1200" dirty="0">
+                <a:solidFill>
+                  <a:schemeClr val="tx1"/>
+                </a:solidFill>
+                <a:effectLst/>
+                <a:latin typeface="+mn-lt"/>
+                <a:ea typeface="+mn-ea"/>
+                <a:cs typeface="+mn-cs"/>
+              </a:rPr>
+              <a:t> explain the data set?  No, using DeCarlo’s proposal, the statistical effect of these feature values is relatively small across the population assessments.  Within the full paper are details on these groupings by age, race, sanity, weapon type, and location.  </a:t>
+            </a:r>
+            <a:r>
+              <a:rPr lang="en-US" sz="1200" b="1" kern="1200" dirty="0">
+                <a:solidFill>
+                  <a:schemeClr val="tx1"/>
+                </a:solidFill>
+                <a:effectLst/>
+                <a:latin typeface="+mn-lt"/>
+                <a:ea typeface="+mn-ea"/>
+                <a:cs typeface="+mn-cs"/>
+              </a:rPr>
+              <a:t>R2 are</a:t>
+            </a:r>
+            <a:r>
+              <a:rPr lang="en-US" sz="1200" kern="1200" dirty="0">
+                <a:solidFill>
+                  <a:schemeClr val="tx1"/>
+                </a:solidFill>
+                <a:effectLst/>
+                <a:latin typeface="+mn-lt"/>
+                <a:ea typeface="+mn-ea"/>
+                <a:cs typeface="+mn-cs"/>
+              </a:rPr>
+              <a:t> these even-handed or racially profiled? Once the results are demographically adjusting to the population of an individual state, then the rates are consistent.  The national skew originates from the inclusion of rural areas that are void of either victims or minorities.  </a:t>
+            </a:r>
+            <a:r>
+              <a:rPr lang="en-US" sz="1200" b="1" kern="1200" dirty="0">
+                <a:solidFill>
+                  <a:schemeClr val="tx1"/>
+                </a:solidFill>
+                <a:effectLst/>
+                <a:latin typeface="+mn-lt"/>
+                <a:ea typeface="+mn-ea"/>
+                <a:cs typeface="+mn-cs"/>
+              </a:rPr>
+              <a:t>R3 should</a:t>
+            </a:r>
+            <a:r>
+              <a:rPr lang="en-US" sz="1200" kern="1200" dirty="0">
+                <a:solidFill>
+                  <a:schemeClr val="tx1"/>
+                </a:solidFill>
+                <a:effectLst/>
+                <a:latin typeface="+mn-lt"/>
+                <a:ea typeface="+mn-ea"/>
+                <a:cs typeface="+mn-cs"/>
+              </a:rPr>
+              <a:t> a practical strategy focus on a different aspect of the problem?  Absolutely; there is another piece to this puzzle that needs to be front-and-center.</a:t>
+            </a:r>
+          </a:p>
+          <a:p>
+            <a:endParaRPr lang="en-US" dirty="0"/>
+          </a:p>
+        </p:txBody>
+      </p:sp>
+      <p:sp>
+        <p:nvSpPr>
+          <p:cNvPr id="4" name="Slide Number Placeholder 3"/>
+          <p:cNvSpPr>
+            <a:spLocks noGrp="1"/>
+          </p:cNvSpPr>
+          <p:nvPr>
+            <p:ph type="sldNum" sz="quarter" idx="5"/>
+          </p:nvPr>
+        </p:nvSpPr>
+        <p:spPr/>
+        <p:txBody>
+          <a:bodyPr/>
+          <a:lstStyle/>
+          <a:p>
+            <a:fld id="{0B4881D8-6EFA-4719-AD95-0B89AAC3F54C}" type="slidenum">
+              <a:rPr lang="en-US" smtClean="0"/>
+              <a:t>10</a:t>
+            </a:fld>
+            <a:endParaRPr lang="en-US"/>
+          </a:p>
+        </p:txBody>
+      </p:sp>
+    </p:spTree>
+    <p:extLst>
+      <p:ext uri="{BB962C8B-B14F-4D97-AF65-F5344CB8AC3E}">
+        <p14:creationId xmlns:p14="http://schemas.microsoft.com/office/powerpoint/2010/main" val="2393936190"/>
+      </p:ext>
+    </p:extLst>
+  </p:cSld>
+  <p:clrMapOvr>
+    <a:masterClrMapping/>
+  </p:clrMapOvr>
+</p:notes>
+</file>
+
+<file path=ppt/notesSlides/notesSlide9.xml><?xml version="1.0" encoding="utf-8"?>
+<p:notes xmlns:a="http://schemas.openxmlformats.org/drawingml/2006/main" xmlns:r="http://schemas.openxmlformats.org/officeDocument/2006/relationships" xmlns:p="http://schemas.openxmlformats.org/presentationml/2006/main">
+  <p:cSld>
+    <p:spTree>
+      <p:nvGrpSpPr>
+        <p:cNvPr id="1" name=""/>
+        <p:cNvGrpSpPr/>
+        <p:nvPr/>
+      </p:nvGrpSpPr>
+      <p:grpSpPr>
+        <a:xfrm>
+          <a:off x="0" y="0"/>
+          <a:ext cx="0" cy="0"/>
+          <a:chOff x="0" y="0"/>
+          <a:chExt cx="0" cy="0"/>
+        </a:xfrm>
+      </p:grpSpPr>
+      <p:sp>
+        <p:nvSpPr>
+          <p:cNvPr id="2" name="Slide Image Placeholder 1"/>
+          <p:cNvSpPr>
+            <a:spLocks noGrp="1" noRot="1" noChangeAspect="1"/>
+          </p:cNvSpPr>
+          <p:nvPr>
+            <p:ph type="sldImg"/>
+          </p:nvPr>
+        </p:nvSpPr>
+        <p:spPr/>
+      </p:sp>
+      <p:sp>
+        <p:nvSpPr>
+          <p:cNvPr id="3" name="Notes Placeholder 2"/>
+          <p:cNvSpPr>
+            <a:spLocks noGrp="1"/>
+          </p:cNvSpPr>
+          <p:nvPr>
+            <p:ph type="body" idx="1"/>
+          </p:nvPr>
+        </p:nvSpPr>
+        <p:spPr/>
+        <p:txBody>
+          <a:bodyPr/>
+          <a:lstStyle/>
+          <a:p>
+            <a:r>
+              <a:rPr lang="en-US" sz="1200" kern="1200" dirty="0">
+                <a:solidFill>
+                  <a:schemeClr val="tx1"/>
+                </a:solidFill>
+                <a:effectLst/>
+                <a:latin typeface="+mn-lt"/>
+                <a:ea typeface="+mn-ea"/>
+                <a:cs typeface="+mn-cs"/>
+              </a:rPr>
+              <a:t>There are several challenges and limitations to studying police brutality.  First, national officials do not require official reporting of statistics.  Without a federally managed database, researchers must rely on open-source datasets.  Information for this study comes from the Washington Post, and they rely on third-party media coverage.  This game of telephone could be missing data points or erroneously reporting features.  Since data is relatively sparse, some pivots and comparisons lack large sample sizes.  Further, given the small statistical effect between different partitions of that grouping, underlying trends may be missing from the analysis.</a:t>
+            </a:r>
+          </a:p>
+          <a:p>
+            <a:endParaRPr lang="en-US" sz="1200" kern="1200" dirty="0">
+              <a:solidFill>
+                <a:schemeClr val="tx1"/>
+              </a:solidFill>
+              <a:effectLst/>
+              <a:latin typeface="+mn-lt"/>
+              <a:ea typeface="+mn-ea"/>
+              <a:cs typeface="+mn-cs"/>
+            </a:endParaRPr>
+          </a:p>
+          <a:p>
+            <a:r>
+              <a:rPr lang="en-US" sz="1200" kern="1200" dirty="0">
+                <a:solidFill>
+                  <a:schemeClr val="tx1"/>
+                </a:solidFill>
+                <a:effectLst/>
+                <a:latin typeface="+mn-lt"/>
+                <a:ea typeface="+mn-ea"/>
+                <a:cs typeface="+mn-cs"/>
+              </a:rPr>
+              <a:t>Other potential issues could have arisen from incorrectly chosen statistical tests or inconsistent control processes during the exploration phase.  While the researchers follow due diligence and best effort, this study has finite time and resources. </a:t>
+            </a:r>
+          </a:p>
+          <a:p>
+            <a:endParaRPr lang="en-US" dirty="0"/>
+          </a:p>
+        </p:txBody>
+      </p:sp>
+      <p:sp>
+        <p:nvSpPr>
+          <p:cNvPr id="4" name="Slide Number Placeholder 3"/>
+          <p:cNvSpPr>
+            <a:spLocks noGrp="1"/>
+          </p:cNvSpPr>
+          <p:nvPr>
+            <p:ph type="sldNum" sz="quarter" idx="5"/>
+          </p:nvPr>
+        </p:nvSpPr>
+        <p:spPr/>
+        <p:txBody>
+          <a:bodyPr/>
+          <a:lstStyle/>
+          <a:p>
+            <a:fld id="{0B4881D8-6EFA-4719-AD95-0B89AAC3F54C}" type="slidenum">
+              <a:rPr lang="en-US" smtClean="0"/>
+              <a:t>11</a:t>
+            </a:fld>
+            <a:endParaRPr lang="en-US"/>
+          </a:p>
+        </p:txBody>
+      </p:sp>
+    </p:spTree>
+    <p:extLst>
+      <p:ext uri="{BB962C8B-B14F-4D97-AF65-F5344CB8AC3E}">
+        <p14:creationId xmlns:p14="http://schemas.microsoft.com/office/powerpoint/2010/main" val="3872751649"/>
       </p:ext>
     </p:extLst>
   </p:cSld>
@@ -33175,7 +34568,7 @@
         </p:xfrm>
         <a:graphic>
           <a:graphicData uri="http://schemas.openxmlformats.org/drawingml/2006/diagram">
-            <dgm:relIds xmlns:dgm="http://schemas.openxmlformats.org/drawingml/2006/diagram" xmlns:r="http://schemas.openxmlformats.org/officeDocument/2006/relationships" r:dm="rId2" r:lo="rId3" r:qs="rId4" r:cs="rId5"/>
+            <dgm:relIds xmlns:dgm="http://schemas.openxmlformats.org/drawingml/2006/diagram" xmlns:r="http://schemas.openxmlformats.org/officeDocument/2006/relationships" r:dm="rId3" r:lo="rId4" r:qs="rId5" r:cs="rId6"/>
           </a:graphicData>
         </a:graphic>
       </p:graphicFrame>
@@ -33411,7 +34804,7 @@
           <p:nvPr/>
         </p:nvPicPr>
         <p:blipFill>
-          <a:blip r:embed="rId7"/>
+          <a:blip r:embed="rId8"/>
           <a:stretch>
             <a:fillRect/>
           </a:stretch>
@@ -33747,7 +35140,7 @@
           <p:nvPr/>
         </p:nvPicPr>
         <p:blipFill>
-          <a:blip r:embed="rId2"/>
+          <a:blip r:embed="rId3"/>
           <a:stretch>
             <a:fillRect/>
           </a:stretch>
@@ -34006,7 +35399,7 @@
         </p:xfrm>
         <a:graphic>
           <a:graphicData uri="http://schemas.openxmlformats.org/drawingml/2006/diagram">
-            <dgm:relIds xmlns:dgm="http://schemas.openxmlformats.org/drawingml/2006/diagram" xmlns:r="http://schemas.openxmlformats.org/officeDocument/2006/relationships" r:dm="rId3" r:lo="rId4" r:qs="rId5" r:cs="rId6"/>
+            <dgm:relIds xmlns:dgm="http://schemas.openxmlformats.org/drawingml/2006/diagram" xmlns:r="http://schemas.openxmlformats.org/officeDocument/2006/relationships" r:dm="rId4" r:lo="rId5" r:qs="rId6" r:cs="rId7"/>
           </a:graphicData>
         </a:graphic>
       </p:graphicFrame>
@@ -34848,7 +36241,71 @@
           <a:bodyPr/>
           <a:lstStyle/>
           <a:p>
-            <a:endParaRPr lang="en-US"/>
+            <a:r>
+              <a:rPr lang="en-US" dirty="0"/>
+              <a:t>Example Quotes</a:t>
+            </a:r>
+            <a:br>
+              <a:rPr lang="en-US" dirty="0"/>
+            </a:br>
+            <a:endParaRPr lang="en-US" dirty="0"/>
+          </a:p>
+          <a:p>
+            <a:pPr lvl="1"/>
+            <a:r>
+              <a:rPr lang="en-US" dirty="0"/>
+              <a:t>Black people were 24% of those killed despite being only 13% of the population</a:t>
+            </a:r>
+            <a:br>
+              <a:rPr lang="en-US" dirty="0"/>
+            </a:br>
+            <a:endParaRPr lang="en-US" dirty="0"/>
+          </a:p>
+          <a:p>
+            <a:pPr lvl="1"/>
+            <a:r>
+              <a:rPr lang="en-US" dirty="0"/>
+              <a:t>Unarmed Blacks are twice as likely as Whites to be the victim</a:t>
+            </a:r>
+            <a:br>
+              <a:rPr lang="en-US" dirty="0"/>
+            </a:br>
+            <a:endParaRPr lang="en-US" dirty="0"/>
+          </a:p>
+          <a:p>
+            <a:r>
+              <a:rPr lang="en-US" dirty="0"/>
+              <a:t>Challenges and clarifications</a:t>
+            </a:r>
+            <a:br>
+              <a:rPr lang="en-US" dirty="0"/>
+            </a:br>
+            <a:endParaRPr lang="en-US" dirty="0"/>
+          </a:p>
+          <a:p>
+            <a:pPr lvl="1"/>
+            <a:r>
+              <a:rPr lang="en-US" dirty="0"/>
+              <a:t>What population and context is chosen</a:t>
+            </a:r>
+            <a:br>
+              <a:rPr lang="en-US" dirty="0"/>
+            </a:br>
+            <a:endParaRPr lang="en-US" dirty="0"/>
+          </a:p>
+          <a:p>
+            <a:pPr lvl="1"/>
+            <a:r>
+              <a:rPr lang="en-US" dirty="0"/>
+              <a:t>Those that context address the underlying questions</a:t>
+            </a:r>
+            <a:br>
+              <a:rPr lang="en-US" dirty="0"/>
+            </a:br>
+            <a:endParaRPr lang="en-US" dirty="0"/>
+          </a:p>
+          <a:p>
+            <a:endParaRPr lang="en-US" dirty="0"/>
           </a:p>
         </p:txBody>
       </p:sp>
@@ -34931,7 +36388,62 @@
           <a:bodyPr/>
           <a:lstStyle/>
           <a:p>
-            <a:endParaRPr lang="en-US"/>
+            <a:r>
+              <a:rPr lang="en-US" dirty="0"/>
+              <a:t>Police brutality is a partisan issue</a:t>
+            </a:r>
+          </a:p>
+          <a:p>
+            <a:pPr lvl="1"/>
+            <a:r>
+              <a:rPr lang="en-US" dirty="0"/>
+              <a:t>Is it racist or bad apples</a:t>
+            </a:r>
+          </a:p>
+          <a:p>
+            <a:pPr lvl="1"/>
+            <a:r>
+              <a:rPr lang="en-US" dirty="0"/>
+              <a:t>Should we defund the law enforcement</a:t>
+            </a:r>
+          </a:p>
+          <a:p>
+            <a:pPr lvl="1"/>
+            <a:r>
+              <a:rPr lang="en-US" dirty="0"/>
+              <a:t>How do we fix the system</a:t>
+            </a:r>
+            <a:br>
+              <a:rPr lang="en-US" dirty="0"/>
+            </a:br>
+            <a:endParaRPr lang="en-US" dirty="0"/>
+          </a:p>
+          <a:p>
+            <a:r>
+              <a:rPr lang="en-US" dirty="0"/>
+              <a:t>The issues are even-handed and consistent</a:t>
+            </a:r>
+          </a:p>
+          <a:p>
+            <a:pPr lvl="1"/>
+            <a:r>
+              <a:rPr lang="en-US" dirty="0"/>
+              <a:t>Address the safety of law and citizens</a:t>
+            </a:r>
+          </a:p>
+          <a:p>
+            <a:pPr lvl="1"/>
+            <a:r>
+              <a:rPr lang="en-US" dirty="0"/>
+              <a:t>Reduce the armed stand-offs</a:t>
+            </a:r>
+          </a:p>
+          <a:p>
+            <a:pPr lvl="1"/>
+            <a:r>
+              <a:rPr lang="en-US" dirty="0"/>
+              <a:t>Work collaboratively on both sides to end this war</a:t>
+            </a:r>
           </a:p>
         </p:txBody>
       </p:sp>
@@ -40398,7 +41910,7 @@
         </p:xfrm>
         <a:graphic>
           <a:graphicData uri="http://schemas.openxmlformats.org/drawingml/2006/diagram">
-            <dgm:relIds xmlns:dgm="http://schemas.openxmlformats.org/drawingml/2006/diagram" xmlns:r="http://schemas.openxmlformats.org/officeDocument/2006/relationships" r:dm="rId2" r:lo="rId3" r:qs="rId4" r:cs="rId5"/>
+            <dgm:relIds xmlns:dgm="http://schemas.openxmlformats.org/drawingml/2006/diagram" xmlns:r="http://schemas.openxmlformats.org/officeDocument/2006/relationships" r:dm="rId3" r:lo="rId4" r:qs="rId5" r:cs="rId6"/>
           </a:graphicData>
         </a:graphic>
       </p:graphicFrame>
@@ -41418,7 +42930,7 @@
           <p:nvPr/>
         </p:nvPicPr>
         <p:blipFill>
-          <a:blip r:embed="rId2"/>
+          <a:blip r:embed="rId3"/>
           <a:stretch>
             <a:fillRect/>
           </a:stretch>
@@ -41727,7 +43239,7 @@
         </p:xfrm>
         <a:graphic>
           <a:graphicData uri="http://schemas.openxmlformats.org/drawingml/2006/diagram">
-            <dgm:relIds xmlns:dgm="http://schemas.openxmlformats.org/drawingml/2006/diagram" xmlns:r="http://schemas.openxmlformats.org/officeDocument/2006/relationships" r:dm="rId3" r:lo="rId4" r:qs="rId5" r:cs="rId6"/>
+            <dgm:relIds xmlns:dgm="http://schemas.openxmlformats.org/drawingml/2006/diagram" xmlns:r="http://schemas.openxmlformats.org/officeDocument/2006/relationships" r:dm="rId4" r:lo="rId5" r:qs="rId6" r:cs="rId7"/>
           </a:graphicData>
         </a:graphic>
       </p:graphicFrame>

--- a/Section_3_Mgmt_Informed/Week8_Presentation/BachmeierNTIM7101-8.pptx
+++ b/Section_3_Mgmt_Informed/Week8_Presentation/BachmeierNTIM7101-8.pptx
@@ -22406,23 +22406,11 @@
                 <a:ea typeface="+mn-ea"/>
                 <a:cs typeface="+mn-cs"/>
               </a:rPr>
-              <a:t>NCU-C set out to understand police brutality and ways to reduce the frequency.  This issue is highly partisan with questions surrounding all aspects of the problem.  The distortion between these perspectives asks if the victimization is racially motivated or a few bad apples.  Either way, a solution needs to exist for eliminating these scenarios, such as defunding the police and investing in mental health and civil service programs.  After analyzing the data from the Washington Post, the organization suggests that investment into law and civilian safety is the best path forward.  As the armed stand-offs decrease, so would this relatively small population of people die during police altercations.  </a:t>
-            </a:r>
-            <a:r>
-              <a:rPr lang="en-US" sz="1200" kern="1200">
-                <a:solidFill>
-                  <a:schemeClr val="tx1"/>
-                </a:solidFill>
-                <a:effectLst/>
-                <a:latin typeface="+mn-lt"/>
-                <a:ea typeface="+mn-ea"/>
-                <a:cs typeface="+mn-cs"/>
-              </a:rPr>
-              <a:t>This approach does not discredit alternative solutions; however, according to this data set, those efforts do not address underlying challenges.</a:t>
+              <a:t>NCU-C set out to understand police brutality and ways to reduce the frequency.  This issue is highly partisan with questions surrounding all aspects of the problem.  The distortion between these perspectives asks if the victimization is racially motivated or a few bad apples.  Either way, a solution needs to exist for eliminating these scenarios, such as defunding the police and investing in mental health and civil service programs.  After analyzing the data from the Washington Post, the organization suggests that investment into law and civilian safety is the best path forward.  As the armed stand-offs decrease, so would this relatively small population of people die during police altercations.  This approach does not discredit alternative solutions; however, according to this data set, those efforts do not address underlying challenges.</a:t>
             </a:r>
           </a:p>
           <a:p>
-            <a:endParaRPr lang="en-US"/>
+            <a:endParaRPr lang="en-US" dirty="0"/>
           </a:p>
         </p:txBody>
       </p:sp>
